--- a/doc/pwalk_slides.pptx
+++ b/doc/pwalk_slides.pptx
@@ -284,7 +284,7 @@
       </p14:sectionLst>
     </p:ext>
     <p:ext uri="{EFAFB233-063F-42B5-8137-9DF3F51BA10A}">
-      <p15:sldGuideLst xmlns:p15="http://schemas.microsoft.com/office/powerpoint/2012/main" xmlns="">
+      <p15:sldGuideLst xmlns="" xmlns:p15="http://schemas.microsoft.com/office/powerpoint/2012/main">
         <p15:guide id="1" orient="horz" pos="3072">
           <p15:clr>
             <a:srgbClr val="A4A3A4"/>
@@ -303,7 +303,7 @@
       </p15:sldGuideLst>
     </p:ext>
     <p:ext uri="{2D200454-40CA-4A62-9FC3-DE9A4176ACB9}">
-      <p15:notesGuideLst xmlns:p15="http://schemas.microsoft.com/office/powerpoint/2012/main" xmlns="">
+      <p15:notesGuideLst xmlns="" xmlns:p15="http://schemas.microsoft.com/office/powerpoint/2012/main">
         <p15:guide id="1" orient="horz" pos="2928">
           <p15:clr>
             <a:srgbClr val="A4A3A4"/>
@@ -1027,8 +1027,17 @@
           <a:p>
             <a:r>
               <a:rPr lang="en-US" baseline="0" dirty="0" smtClean="0"/>
-              <a:t>Current argument processing is primitive.</a:t>
-            </a:r>
+              <a:t>Current argument processing is </a:t>
+            </a:r>
+            <a:r>
+              <a:rPr lang="en-US" baseline="0" dirty="0" smtClean="0"/>
+              <a:t>primitive in places, but includes numerous </a:t>
+            </a:r>
+            <a:r>
+              <a:rPr lang="en-US" baseline="0" smtClean="0"/>
+              <a:t>sanity checks.</a:t>
+            </a:r>
+            <a:endParaRPr lang="en-US" baseline="0" dirty="0" smtClean="0"/>
           </a:p>
           <a:p>
             <a:r>
@@ -1039,15 +1048,7 @@
           <a:p>
             <a:r>
               <a:rPr lang="en-US" baseline="0" dirty="0" smtClean="0"/>
-              <a:t>The code </a:t>
-            </a:r>
-            <a:r>
-              <a:rPr lang="en-US" baseline="0" smtClean="0"/>
-              <a:t>may have some </a:t>
-            </a:r>
-            <a:r>
-              <a:rPr lang="en-US" baseline="0" dirty="0" smtClean="0"/>
-              <a:t>obscure ‘hidden’ options that are not documented outside the code.</a:t>
+              <a:t>The code may have some obscure ‘hidden’ options that are not documented outside the code.</a:t>
             </a:r>
           </a:p>
         </p:txBody>
@@ -10630,7 +10631,7 @@
                   <a:schemeClr val="bg1"/>
                 </a:buClr>
               </a:pPr>
-              <a:t>2018/05/10</a:t>
+              <a:t>2018/06/15</a:t>
             </a:fld>
             <a:endParaRPr lang="en-US" sz="900" dirty="0" smtClean="0">
               <a:solidFill>
@@ -10704,7 +10705,7 @@
                   <a:schemeClr val="bg1"/>
                 </a:buClr>
               </a:pPr>
-              <a:t>2018/05/10</a:t>
+              <a:t>2018/06/15</a:t>
             </a:fld>
             <a:endParaRPr lang="en-US" sz="900" dirty="0" smtClean="0">
               <a:solidFill>
@@ -11377,7 +11378,7 @@
   </p:txStyles>
   <p:extLst mod="1">
     <p:ext uri="{27BBF7A9-308A-43DC-89C8-2F10F3537804}">
-      <p15:sldGuideLst xmlns:p15="http://schemas.microsoft.com/office/powerpoint/2012/main" xmlns="">
+      <p15:sldGuideLst xmlns="" xmlns:p15="http://schemas.microsoft.com/office/powerpoint/2012/main">
         <p15:guide id="1" orient="horz" pos="3084" userDrawn="1">
           <p15:clr>
             <a:srgbClr val="F26B43"/>
@@ -11629,15 +11630,7 @@
                   <a:srgbClr val="FFFFFF"/>
                 </a:solidFill>
               </a:rPr>
-              <a:t>May 23, </a:t>
-            </a:r>
-            <a:r>
-              <a:rPr lang="en-US" dirty="0" smtClean="0">
-                <a:solidFill>
-                  <a:srgbClr val="FFFFFF"/>
-                </a:solidFill>
-              </a:rPr>
-              <a:t>2018</a:t>
+              <a:t>May 23, 2018</a:t>
             </a:r>
             <a:endParaRPr lang="en-US" dirty="0"/>
           </a:p>
@@ -13103,8 +13096,81 @@
                 </a:solidFill>
                 <a:latin typeface="+mn-lt"/>
               </a:rPr>
-              <a:t>&gt; values</a:t>
-            </a:r>
+              <a:t>&gt; </a:t>
+            </a:r>
+            <a:r>
+              <a:rPr lang="en-US" sz="1400" dirty="0" smtClean="0">
+                <a:solidFill>
+                  <a:srgbClr val="444444"/>
+                </a:solidFill>
+                <a:latin typeface="+mn-lt"/>
+              </a:rPr>
+              <a:t>values</a:t>
+            </a:r>
+          </a:p>
+          <a:p>
+            <a:pPr marL="803275" lvl="1">
+              <a:spcBef>
+                <a:spcPts val="0"/>
+              </a:spcBef>
+              <a:buClr>
+                <a:srgbClr val="000000"/>
+              </a:buClr>
+            </a:pPr>
+            <a:r>
+              <a:rPr lang="en-US" sz="1400" u="sng" dirty="0" smtClean="0">
+                <a:solidFill>
+                  <a:srgbClr val="444444"/>
+                </a:solidFill>
+              </a:rPr>
+              <a:t>At least one</a:t>
+            </a:r>
+            <a:r>
+              <a:rPr lang="en-US" sz="1400" dirty="0" smtClean="0">
+                <a:solidFill>
+                  <a:srgbClr val="444444"/>
+                </a:solidFill>
+              </a:rPr>
+              <a:t> &lt;</a:t>
+            </a:r>
+            <a:r>
+              <a:rPr lang="en-US" sz="1400" dirty="0" err="1" smtClean="0">
+                <a:solidFill>
+                  <a:srgbClr val="444444"/>
+                </a:solidFill>
+              </a:rPr>
+              <a:t>primary_mode</a:t>
+            </a:r>
+            <a:r>
+              <a:rPr lang="en-US" sz="1400" dirty="0" smtClean="0">
+                <a:solidFill>
+                  <a:srgbClr val="444444"/>
+                </a:solidFill>
+              </a:rPr>
+              <a:t>&gt; or &lt;</a:t>
+            </a:r>
+            <a:r>
+              <a:rPr lang="en-US" sz="1400" dirty="0" err="1" smtClean="0">
+                <a:solidFill>
+                  <a:srgbClr val="444444"/>
+                </a:solidFill>
+              </a:rPr>
+              <a:t>secondary_mode</a:t>
+            </a:r>
+            <a:r>
+              <a:rPr lang="en-US" sz="1400" dirty="0" smtClean="0">
+                <a:solidFill>
+                  <a:srgbClr val="444444"/>
+                </a:solidFill>
+              </a:rPr>
+              <a:t>&gt;</a:t>
+            </a:r>
+            <a:endParaRPr lang="en-US" sz="1400" dirty="0" smtClean="0">
+              <a:solidFill>
+                <a:srgbClr val="444444"/>
+              </a:solidFill>
+              <a:latin typeface="+mn-lt"/>
+            </a:endParaRPr>
           </a:p>
           <a:p>
             <a:pPr marL="803275" lvl="1">
@@ -13504,7 +13570,7 @@
         <p:spPr/>
         <p:txBody>
           <a:bodyPr wrap="none">
-            <a:normAutofit fontScale="92500" lnSpcReduction="10000"/>
+            <a:normAutofit fontScale="92500" lnSpcReduction="20000"/>
           </a:bodyPr>
           <a:lstStyle/>
           <a:p>
@@ -13646,7 +13712,13 @@
               <a:rPr lang="en-US" sz="1400" dirty="0" smtClean="0">
                 <a:latin typeface="+mn-lt"/>
               </a:rPr>
-              <a:t>–l)</a:t>
+              <a:t>–l</a:t>
+            </a:r>
+            <a:r>
+              <a:rPr lang="en-US" sz="1400" dirty="0" smtClean="0">
+                <a:latin typeface="+mn-lt"/>
+              </a:rPr>
+              <a:t>)</a:t>
             </a:r>
           </a:p>
           <a:p>
@@ -13662,7 +13734,7 @@
             <a:r>
               <a:rPr lang="en-US" sz="1400" dirty="0" smtClean="0">
                 <a:solidFill>
-                  <a:srgbClr val="FF0000"/>
+                  <a:srgbClr val="444444"/>
                 </a:solidFill>
               </a:rPr>
               <a:t>-</a:t>
@@ -13670,23 +13742,23 @@
             <a:r>
               <a:rPr lang="en-US" sz="1400" dirty="0" err="1" smtClean="0">
                 <a:solidFill>
-                  <a:srgbClr val="FF0000"/>
+                  <a:srgbClr val="444444"/>
                 </a:solidFill>
               </a:rPr>
-              <a:t>ls</a:t>
+              <a:t>lsd</a:t>
             </a:r>
             <a:r>
               <a:rPr lang="en-US" sz="1400" dirty="0" smtClean="0">
                 <a:solidFill>
-                  <a:srgbClr val="FF0000"/>
+                  <a:srgbClr val="444444"/>
                 </a:solidFill>
               </a:rPr>
-              <a:t>-special		// Create .</a:t>
+              <a:t>			// Create .</a:t>
             </a:r>
             <a:r>
               <a:rPr lang="en-US" sz="1400" dirty="0" err="1" smtClean="0">
                 <a:solidFill>
-                  <a:srgbClr val="FF0000"/>
+                  <a:srgbClr val="444444"/>
                 </a:solidFill>
               </a:rPr>
               <a:t>ls</a:t>
@@ -13694,7 +13766,87 @@
             <a:r>
               <a:rPr lang="en-US" sz="1400" dirty="0" smtClean="0">
                 <a:solidFill>
-                  <a:srgbClr val="FF0000"/>
+                  <a:srgbClr val="444444"/>
+                </a:solidFill>
+              </a:rPr>
+              <a:t> outputs (like </a:t>
+            </a:r>
+            <a:r>
+              <a:rPr lang="mr-IN" sz="1400" dirty="0" smtClean="0">
+                <a:solidFill>
+                  <a:srgbClr val="444444"/>
+                </a:solidFill>
+              </a:rPr>
+              <a:t>–</a:t>
+            </a:r>
+            <a:r>
+              <a:rPr lang="en-US" sz="1400" dirty="0" err="1" smtClean="0">
+                <a:solidFill>
+                  <a:srgbClr val="444444"/>
+                </a:solidFill>
+              </a:rPr>
+              <a:t>ls</a:t>
+            </a:r>
+            <a:r>
+              <a:rPr lang="en-US" sz="1400" dirty="0" smtClean="0">
+                <a:solidFill>
+                  <a:srgbClr val="444444"/>
+                </a:solidFill>
+              </a:rPr>
+              <a:t>, but only outputs directories)</a:t>
+            </a:r>
+            <a:endParaRPr lang="en-US" sz="1400" dirty="0" smtClean="0">
+              <a:solidFill>
+                <a:srgbClr val="444444"/>
+              </a:solidFill>
+            </a:endParaRPr>
+          </a:p>
+          <a:p>
+            <a:pPr marL="346075" lvl="1" indent="0">
+              <a:spcBef>
+                <a:spcPts val="0"/>
+              </a:spcBef>
+              <a:buClr>
+                <a:schemeClr val="tx1"/>
+              </a:buClr>
+              <a:buNone/>
+            </a:pPr>
+            <a:r>
+              <a:rPr lang="en-US" sz="1400" dirty="0" smtClean="0">
+                <a:solidFill>
+                  <a:srgbClr val="444444"/>
+                </a:solidFill>
+              </a:rPr>
+              <a:t>-</a:t>
+            </a:r>
+            <a:r>
+              <a:rPr lang="en-US" sz="1400" dirty="0" err="1" smtClean="0">
+                <a:solidFill>
+                  <a:srgbClr val="444444"/>
+                </a:solidFill>
+              </a:rPr>
+              <a:t>ls</a:t>
+            </a:r>
+            <a:r>
+              <a:rPr lang="en-US" sz="1400" dirty="0" smtClean="0">
+                <a:solidFill>
+                  <a:srgbClr val="444444"/>
+                </a:solidFill>
+              </a:rPr>
+              <a:t>-special		// Create .</a:t>
+            </a:r>
+            <a:r>
+              <a:rPr lang="en-US" sz="1400" dirty="0" err="1" smtClean="0">
+                <a:solidFill>
+                  <a:srgbClr val="444444"/>
+                </a:solidFill>
+              </a:rPr>
+              <a:t>ls</a:t>
+            </a:r>
+            <a:r>
+              <a:rPr lang="en-US" sz="1400" dirty="0" smtClean="0">
+                <a:solidFill>
+                  <a:srgbClr val="444444"/>
                 </a:solidFill>
               </a:rPr>
               <a:t> outputs (compact format)</a:t>
@@ -13731,6 +13883,12 @@
               </a:rPr>
               <a:t>)</a:t>
             </a:r>
+            <a:endParaRPr lang="en-US" sz="1400" dirty="0" smtClean="0">
+              <a:solidFill>
+                <a:schemeClr val="tx1"/>
+              </a:solidFill>
+              <a:latin typeface="+mn-lt"/>
+            </a:endParaRPr>
           </a:p>
           <a:p>
             <a:pPr marL="346075" lvl="1" indent="0">
@@ -13742,7 +13900,7 @@
             <a:r>
               <a:rPr lang="en-US" sz="1400" dirty="0" smtClean="0">
                 <a:solidFill>
-                  <a:srgbClr val="FF0000"/>
+                  <a:schemeClr val="tx1"/>
                 </a:solidFill>
                 <a:latin typeface="+mn-lt"/>
               </a:rPr>
@@ -13750,164 +13908,227 @@
             </a:r>
             <a:r>
               <a:rPr lang="en-US" sz="1400" dirty="0" err="1" smtClean="0">
+                <a:solidFill>
+                  <a:schemeClr val="tx1"/>
+                </a:solidFill>
+                <a:latin typeface="+mn-lt"/>
+              </a:rPr>
+              <a:t>rm</a:t>
+            </a:r>
+            <a:r>
+              <a:rPr lang="en-US" sz="1400" dirty="0" smtClean="0">
+                <a:solidFill>
+                  <a:schemeClr val="tx1"/>
+                </a:solidFill>
+                <a:latin typeface="+mn-lt"/>
+              </a:rPr>
+              <a:t>			// Create .</a:t>
+            </a:r>
+            <a:r>
+              <a:rPr lang="en-US" sz="1400" dirty="0" err="1" smtClean="0">
+                <a:solidFill>
+                  <a:schemeClr val="tx1"/>
+                </a:solidFill>
+                <a:latin typeface="+mn-lt"/>
+              </a:rPr>
+              <a:t>sh</a:t>
+            </a:r>
+            <a:r>
+              <a:rPr lang="en-US" sz="1400" dirty="0" smtClean="0">
+                <a:solidFill>
+                  <a:schemeClr val="tx1"/>
+                </a:solidFill>
+                <a:latin typeface="+mn-lt"/>
+              </a:rPr>
+              <a:t> outputs containing cd and </a:t>
+            </a:r>
+            <a:r>
+              <a:rPr lang="en-US" sz="1400" dirty="0" err="1" smtClean="0">
+                <a:solidFill>
+                  <a:schemeClr val="tx1"/>
+                </a:solidFill>
+                <a:latin typeface="+mn-lt"/>
+              </a:rPr>
+              <a:t>rm</a:t>
+            </a:r>
+            <a:r>
+              <a:rPr lang="en-US" sz="1400" dirty="0" smtClean="0">
+                <a:solidFill>
+                  <a:schemeClr val="tx1"/>
+                </a:solidFill>
+                <a:latin typeface="+mn-lt"/>
+              </a:rPr>
+              <a:t> </a:t>
+            </a:r>
+            <a:r>
+              <a:rPr lang="en-US" sz="1400" dirty="0" smtClean="0">
+                <a:solidFill>
+                  <a:schemeClr val="tx1"/>
+                </a:solidFill>
+                <a:latin typeface="+mn-lt"/>
+              </a:rPr>
+              <a:t>commands</a:t>
+            </a:r>
+            <a:r>
+              <a:rPr lang="en-US" sz="1400" baseline="30000" dirty="0" smtClean="0">
+                <a:solidFill>
+                  <a:schemeClr val="tx1"/>
+                </a:solidFill>
+                <a:latin typeface="+mn-lt"/>
+              </a:rPr>
+              <a:t>[1]</a:t>
+            </a:r>
+          </a:p>
+          <a:p>
+            <a:pPr marL="346075" lvl="1" indent="0">
+              <a:spcBef>
+                <a:spcPts val="0"/>
+              </a:spcBef>
+              <a:buNone/>
+            </a:pPr>
+            <a:r>
+              <a:rPr lang="en-US" sz="1400" dirty="0" smtClean="0">
+                <a:solidFill>
+                  <a:schemeClr val="tx1"/>
+                </a:solidFill>
+              </a:rPr>
+              <a:t>-trash			// Create .</a:t>
+            </a:r>
+            <a:r>
+              <a:rPr lang="en-US" sz="1400" dirty="0" err="1" smtClean="0">
+                <a:solidFill>
+                  <a:schemeClr val="tx1"/>
+                </a:solidFill>
+              </a:rPr>
+              <a:t>sh</a:t>
+            </a:r>
+            <a:r>
+              <a:rPr lang="en-US" sz="1400" dirty="0" smtClean="0">
+                <a:solidFill>
+                  <a:schemeClr val="tx1"/>
+                </a:solidFill>
+              </a:rPr>
+              <a:t> outputs containing mv commands</a:t>
+            </a:r>
+            <a:r>
+              <a:rPr lang="en-US" sz="1400" baseline="30000" dirty="0" smtClean="0">
+                <a:solidFill>
+                  <a:schemeClr val="tx1"/>
+                </a:solidFill>
+              </a:rPr>
+              <a:t>[1]</a:t>
+            </a:r>
+            <a:endParaRPr lang="en-US" sz="1400" baseline="30000" dirty="0">
+              <a:solidFill>
+                <a:schemeClr val="tx1"/>
+              </a:solidFill>
+            </a:endParaRPr>
+          </a:p>
+          <a:p>
+            <a:pPr marL="346075" lvl="1" indent="0">
+              <a:spcBef>
+                <a:spcPts val="0"/>
+              </a:spcBef>
+              <a:buNone/>
+            </a:pPr>
+            <a:r>
+              <a:rPr lang="en-US" sz="1400" dirty="0">
+                <a:solidFill>
+                  <a:schemeClr val="tx1"/>
+                </a:solidFill>
+                <a:latin typeface="+mn-lt"/>
+              </a:rPr>
+              <a:t>-</a:t>
+            </a:r>
+            <a:r>
+              <a:rPr lang="en-US" sz="1400" dirty="0" err="1" smtClean="0">
+                <a:solidFill>
+                  <a:schemeClr val="tx1"/>
+                </a:solidFill>
+                <a:latin typeface="+mn-lt"/>
+              </a:rPr>
+              <a:t>cmp</a:t>
+            </a:r>
+            <a:r>
+              <a:rPr lang="en-US" sz="1400" dirty="0" smtClean="0">
+                <a:solidFill>
+                  <a:schemeClr val="tx1"/>
+                </a:solidFill>
+                <a:latin typeface="+mn-lt"/>
+              </a:rPr>
+              <a:t>[=&lt;criteria&gt;</a:t>
+            </a:r>
+            <a:r>
+              <a:rPr lang="en-US" sz="1400" dirty="0">
+                <a:solidFill>
+                  <a:schemeClr val="tx1"/>
+                </a:solidFill>
+                <a:latin typeface="+mn-lt"/>
+              </a:rPr>
+              <a:t>		// Create .</a:t>
+            </a:r>
+            <a:r>
+              <a:rPr lang="en-US" sz="1400" dirty="0" err="1">
+                <a:solidFill>
+                  <a:schemeClr val="tx1"/>
+                </a:solidFill>
+                <a:latin typeface="+mn-lt"/>
+              </a:rPr>
+              <a:t>cmp</a:t>
+            </a:r>
+            <a:r>
+              <a:rPr lang="en-US" sz="1400" dirty="0">
+                <a:solidFill>
+                  <a:schemeClr val="tx1"/>
+                </a:solidFill>
+                <a:latin typeface="+mn-lt"/>
+              </a:rPr>
+              <a:t> outputs from file hierarchy </a:t>
+            </a:r>
+            <a:r>
+              <a:rPr lang="en-US" sz="1400" dirty="0" smtClean="0">
+                <a:solidFill>
+                  <a:schemeClr val="tx1"/>
+                </a:solidFill>
+                <a:latin typeface="+mn-lt"/>
+              </a:rPr>
+              <a:t>compare</a:t>
+            </a:r>
+            <a:endParaRPr lang="en-US" sz="1400" dirty="0">
+              <a:latin typeface="+mn-lt"/>
+            </a:endParaRPr>
+          </a:p>
+          <a:p>
+            <a:pPr marL="346075" lvl="1" indent="0">
+              <a:spcBef>
+                <a:spcPts val="0"/>
+              </a:spcBef>
+              <a:buNone/>
+            </a:pPr>
+            <a:r>
+              <a:rPr lang="en-US" sz="1400" dirty="0">
                 <a:solidFill>
                   <a:srgbClr val="FF0000"/>
                 </a:solidFill>
                 <a:latin typeface="+mn-lt"/>
               </a:rPr>
-              <a:t>rm</a:t>
-            </a:r>
-            <a:r>
-              <a:rPr lang="en-US" sz="1400" dirty="0" smtClean="0">
+              <a:t>-csv=&lt;file&gt;		// Create .csv outputs with parameters from &lt;file&gt; </a:t>
+            </a:r>
+            <a:r>
+              <a:rPr lang="en-US" sz="1400" baseline="30000" dirty="0" smtClean="0">
                 <a:solidFill>
                   <a:srgbClr val="FF0000"/>
                 </a:solidFill>
                 <a:latin typeface="+mn-lt"/>
               </a:rPr>
-              <a:t>			// Create .</a:t>
-            </a:r>
-            <a:r>
-              <a:rPr lang="en-US" sz="1400" dirty="0" err="1" smtClean="0">
-                <a:solidFill>
-                  <a:srgbClr val="FF0000"/>
-                </a:solidFill>
-                <a:latin typeface="+mn-lt"/>
-              </a:rPr>
-              <a:t>sh</a:t>
-            </a:r>
-            <a:r>
-              <a:rPr lang="en-US" sz="1400" dirty="0" smtClean="0">
-                <a:solidFill>
-                  <a:srgbClr val="FF0000"/>
-                </a:solidFill>
-                <a:latin typeface="+mn-lt"/>
-              </a:rPr>
-              <a:t> outputs containing cd and </a:t>
-            </a:r>
-            <a:r>
-              <a:rPr lang="en-US" sz="1400" dirty="0" err="1" smtClean="0">
-                <a:solidFill>
-                  <a:srgbClr val="FF0000"/>
-                </a:solidFill>
-                <a:latin typeface="+mn-lt"/>
-              </a:rPr>
-              <a:t>rm</a:t>
-            </a:r>
-            <a:r>
-              <a:rPr lang="en-US" sz="1400" dirty="0" smtClean="0">
-                <a:solidFill>
-                  <a:srgbClr val="FF0000"/>
-                </a:solidFill>
-                <a:latin typeface="+mn-lt"/>
-              </a:rPr>
-              <a:t> commands</a:t>
-            </a:r>
-            <a:endParaRPr lang="en-US" sz="1400" dirty="0">
+              <a:t>[2]</a:t>
+            </a:r>
+            <a:endParaRPr lang="en-US" sz="1400" baseline="30000" dirty="0" smtClean="0">
               <a:solidFill>
                 <a:srgbClr val="FF0000"/>
               </a:solidFill>
               <a:latin typeface="+mn-lt"/>
             </a:endParaRPr>
-          </a:p>
-          <a:p>
-            <a:pPr marL="346075" lvl="1" indent="0">
-              <a:spcBef>
-                <a:spcPts val="0"/>
-              </a:spcBef>
-              <a:buNone/>
-            </a:pPr>
-            <a:r>
-              <a:rPr lang="en-US" sz="1400" dirty="0">
-                <a:solidFill>
-                  <a:schemeClr val="tx1"/>
-                </a:solidFill>
-                <a:latin typeface="+mn-lt"/>
-              </a:rPr>
-              <a:t>-</a:t>
-            </a:r>
-            <a:r>
-              <a:rPr lang="en-US" sz="1400" dirty="0" err="1" smtClean="0">
-                <a:solidFill>
-                  <a:schemeClr val="tx1"/>
-                </a:solidFill>
-                <a:latin typeface="+mn-lt"/>
-              </a:rPr>
-              <a:t>cmp</a:t>
-            </a:r>
-            <a:r>
-              <a:rPr lang="en-US" sz="1400" dirty="0" smtClean="0">
-                <a:solidFill>
-                  <a:schemeClr val="tx1"/>
-                </a:solidFill>
-                <a:latin typeface="+mn-lt"/>
-              </a:rPr>
-              <a:t>=</a:t>
-            </a:r>
-            <a:r>
-              <a:rPr lang="en-US" sz="1400" dirty="0">
-                <a:solidFill>
-                  <a:schemeClr val="tx1"/>
-                </a:solidFill>
-                <a:latin typeface="+mn-lt"/>
-              </a:rPr>
-              <a:t>			// Create .</a:t>
-            </a:r>
-            <a:r>
-              <a:rPr lang="en-US" sz="1400" dirty="0" err="1">
-                <a:solidFill>
-                  <a:schemeClr val="tx1"/>
-                </a:solidFill>
-                <a:latin typeface="+mn-lt"/>
-              </a:rPr>
-              <a:t>cmp</a:t>
-            </a:r>
-            <a:r>
-              <a:rPr lang="en-US" sz="1400" dirty="0">
-                <a:solidFill>
-                  <a:schemeClr val="tx1"/>
-                </a:solidFill>
-                <a:latin typeface="+mn-lt"/>
-              </a:rPr>
-              <a:t> outputs from file hierarchy </a:t>
-            </a:r>
-            <a:r>
-              <a:rPr lang="en-US" sz="1400" dirty="0" smtClean="0">
-                <a:solidFill>
-                  <a:schemeClr val="tx1"/>
-                </a:solidFill>
-                <a:latin typeface="+mn-lt"/>
-              </a:rPr>
-              <a:t>compare</a:t>
-            </a:r>
-            <a:endParaRPr lang="en-US" sz="1400" dirty="0">
-              <a:latin typeface="+mn-lt"/>
-            </a:endParaRPr>
-          </a:p>
-          <a:p>
-            <a:pPr marL="346075" lvl="1" indent="0">
-              <a:spcBef>
-                <a:spcPts val="0"/>
-              </a:spcBef>
-              <a:buNone/>
-            </a:pPr>
-            <a:r>
-              <a:rPr lang="en-US" sz="1400" dirty="0">
-                <a:solidFill>
-                  <a:srgbClr val="FF0000"/>
-                </a:solidFill>
-                <a:latin typeface="+mn-lt"/>
-              </a:rPr>
-              <a:t>-csv=&lt;file&gt;		// Create .csv outputs with parameters from &lt;file&gt; </a:t>
-            </a:r>
-            <a:r>
-              <a:rPr lang="en-US" sz="1400" baseline="30000" dirty="0" smtClean="0">
-                <a:solidFill>
-                  <a:srgbClr val="FF0000"/>
-                </a:solidFill>
-                <a:latin typeface="+mn-lt"/>
-              </a:rPr>
-              <a:t>[*]</a:t>
-            </a:r>
           </a:p>
           <a:p>
             <a:pPr marL="346075" lvl="1" indent="0">
@@ -14114,6 +14335,33 @@
               </a:spcBef>
               <a:buNone/>
             </a:pPr>
+            <a:r>
+              <a:rPr lang="en-US" sz="1400" dirty="0" smtClean="0">
+                <a:solidFill>
+                  <a:srgbClr val="FF0000"/>
+                </a:solidFill>
+                <a:latin typeface="+mn-lt"/>
+              </a:rPr>
+              <a:t>[1] These .</a:t>
+            </a:r>
+            <a:r>
+              <a:rPr lang="en-US" sz="1400" dirty="0" err="1" smtClean="0">
+                <a:solidFill>
+                  <a:srgbClr val="FF0000"/>
+                </a:solidFill>
+                <a:latin typeface="+mn-lt"/>
+              </a:rPr>
+              <a:t>sh</a:t>
+            </a:r>
+            <a:r>
+              <a:rPr lang="en-US" sz="1400" dirty="0" smtClean="0">
+                <a:solidFill>
+                  <a:srgbClr val="FF0000"/>
+                </a:solidFill>
+                <a:latin typeface="+mn-lt"/>
+              </a:rPr>
+              <a:t> files are *NOT* directly executable; they only log what happened (or what would happen)</a:t>
+            </a:r>
             <a:endParaRPr lang="en-US" sz="1400" dirty="0">
               <a:solidFill>
                 <a:srgbClr val="FF0000"/>
@@ -14135,8 +14383,32 @@
                 </a:solidFill>
                 <a:latin typeface="+mn-lt"/>
               </a:rPr>
-              <a:t>[*] Not yet implemented or under development</a:t>
-            </a:r>
+              <a:t>[2] </a:t>
+            </a:r>
+            <a:r>
+              <a:rPr lang="en-US" sz="1400" dirty="0" smtClean="0">
+                <a:solidFill>
+                  <a:srgbClr val="FF0000"/>
+                </a:solidFill>
+                <a:latin typeface="+mn-lt"/>
+              </a:rPr>
+              <a:t>Not yet implemented or under </a:t>
+            </a:r>
+            <a:r>
+              <a:rPr lang="en-US" sz="1400" dirty="0" smtClean="0">
+                <a:solidFill>
+                  <a:srgbClr val="FF0000"/>
+                </a:solidFill>
+                <a:latin typeface="+mn-lt"/>
+              </a:rPr>
+              <a:t>development </a:t>
+            </a:r>
+            <a:endParaRPr lang="en-US" sz="1400" dirty="0" smtClean="0">
+              <a:solidFill>
+                <a:srgbClr val="FF0000"/>
+              </a:solidFill>
+              <a:latin typeface="+mn-lt"/>
+            </a:endParaRPr>
           </a:p>
         </p:txBody>
       </p:sp>
@@ -15667,11 +15939,7 @@
             </a:pPr>
             <a:r>
               <a:rPr lang="en-US" sz="1400" dirty="0" smtClean="0"/>
-              <a:t>-q			// Quiet mode </a:t>
-            </a:r>
-            <a:r>
-              <a:rPr lang="en-US" sz="1400" dirty="0" smtClean="0"/>
-              <a:t>(for -</a:t>
+              <a:t>-q			// Quiet mode (for -</a:t>
             </a:r>
             <a:r>
               <a:rPr lang="en-US" sz="1400" dirty="0" err="1" smtClean="0"/>
@@ -15773,11 +16041,7 @@
             </a:r>
             <a:r>
               <a:rPr lang="en-US" sz="1400" dirty="0" smtClean="0"/>
-              <a:t>calls </a:t>
-            </a:r>
-            <a:r>
-              <a:rPr lang="en-US" sz="1400" dirty="0" smtClean="0"/>
-              <a:t>(for -</a:t>
+              <a:t>calls (for -</a:t>
             </a:r>
             <a:r>
               <a:rPr lang="en-US" sz="1400" dirty="0" err="1" smtClean="0"/>
@@ -18716,7 +18980,7 @@
           <a:graphicData uri="http://schemas.openxmlformats.org/presentationml/2006/ole">
             <mc:AlternateContent xmlns:mc="http://schemas.openxmlformats.org/markup-compatibility/2006">
               <mc:Choice xmlns:v="urn:schemas-microsoft-com:vml" Requires="v">
-                <p:oleObj spid="_x0000_s2139" name="Worksheet" r:id="rId5" imgW="10134600" imgH="5829300" progId="Excel.Sheet.12">
+                <p:oleObj spid="_x0000_s2143" name="Worksheet" r:id="rId5" imgW="10134600" imgH="5829300" progId="Excel.Sheet.12">
                   <p:embed/>
                 </p:oleObj>
               </mc:Choice>
@@ -19435,11 +19699,7 @@
             </a:pPr>
             <a:r>
               <a:rPr lang="en-US" sz="1400" u="sng" dirty="0" smtClean="0"/>
-              <a:t>o</a:t>
-            </a:r>
-            <a:r>
-              <a:rPr lang="en-US" sz="1400" u="sng" dirty="0" smtClean="0"/>
-              <a:t>nly</a:t>
+              <a:t>only</a:t>
             </a:r>
             <a:r>
               <a:rPr lang="en-US" sz="1400" dirty="0" smtClean="0">
@@ -34317,11 +34577,6 @@
               </a:rPr>
               <a:t>select logic</a:t>
             </a:r>
-            <a:endParaRPr lang="en-US" sz="1300" dirty="0" smtClean="0">
-              <a:solidFill>
-                <a:srgbClr val="FF0000"/>
-              </a:solidFill>
-            </a:endParaRPr>
           </a:p>
           <a:p>
             <a:pPr lvl="1"/>
@@ -34370,7 +34625,15 @@
                   <a:srgbClr val="FF0000"/>
                 </a:solidFill>
               </a:rPr>
-              <a:t> remove </a:t>
+              <a:t> remove files, with optional ‘-</a:t>
+            </a:r>
+            <a:r>
+              <a:rPr lang="en-US" sz="1300" dirty="0" err="1" smtClean="0">
+                <a:solidFill>
+                  <a:srgbClr val="FF0000"/>
+                </a:solidFill>
+              </a:rPr>
+              <a:t>dryrun</a:t>
             </a:r>
             <a:r>
               <a:rPr lang="en-US" sz="1300" dirty="0" smtClean="0">
@@ -34378,7 +34641,15 @@
                   <a:srgbClr val="FF0000"/>
                 </a:solidFill>
               </a:rPr>
-              <a:t>files, with </a:t>
+              <a:t>’ option and </a:t>
+            </a:r>
+            <a:r>
+              <a:rPr lang="mr-IN" sz="1300" dirty="0" smtClean="0">
+                <a:solidFill>
+                  <a:srgbClr val="FF0000"/>
+                </a:solidFill>
+              </a:rPr>
+              <a:t>–</a:t>
             </a:r>
             <a:r>
               <a:rPr lang="en-US" sz="1300" dirty="0" smtClean="0">
@@ -34386,53 +34657,8 @@
                   <a:srgbClr val="FF0000"/>
                 </a:solidFill>
               </a:rPr>
-              <a:t>optional ‘-</a:t>
-            </a:r>
-            <a:r>
-              <a:rPr lang="en-US" sz="1300" dirty="0" err="1" smtClean="0">
-                <a:solidFill>
-                  <a:srgbClr val="FF0000"/>
-                </a:solidFill>
-              </a:rPr>
-              <a:t>dryrun</a:t>
-            </a:r>
-            <a:r>
-              <a:rPr lang="en-US" sz="1300" dirty="0" smtClean="0">
-                <a:solidFill>
-                  <a:srgbClr val="FF0000"/>
-                </a:solidFill>
-              </a:rPr>
-              <a:t>’ </a:t>
-            </a:r>
-            <a:r>
-              <a:rPr lang="en-US" sz="1300" dirty="0" smtClean="0">
-                <a:solidFill>
-                  <a:srgbClr val="FF0000"/>
-                </a:solidFill>
-              </a:rPr>
-              <a:t>option and </a:t>
-            </a:r>
-            <a:r>
-              <a:rPr lang="mr-IN" sz="1300" dirty="0" smtClean="0">
-                <a:solidFill>
-                  <a:srgbClr val="FF0000"/>
-                </a:solidFill>
-              </a:rPr>
-              <a:t>–</a:t>
-            </a:r>
-            <a:r>
-              <a:rPr lang="en-US" sz="1300" dirty="0" smtClean="0">
-                <a:solidFill>
-                  <a:srgbClr val="FF0000"/>
-                </a:solidFill>
-              </a:rPr>
               <a:t>select logic</a:t>
             </a:r>
-            <a:endParaRPr lang="en-US" sz="1300" dirty="0" smtClean="0">
-              <a:solidFill>
-                <a:srgbClr val="FF0000"/>
-              </a:solidFill>
-            </a:endParaRPr>
           </a:p>
           <a:p>
             <a:pPr lvl="1"/>
@@ -37115,7 +37341,7 @@
   </a:extraClrSchemeLst>
   <a:extLst>
     <a:ext uri="{05A4C25C-085E-4340-85A3-A5531E510DB2}">
-      <thm15:themeFamily xmlns:thm15="http://schemas.microsoft.com/office/thememl/2012/main" xmlns="" name="DellEMC_PPT_Template_16x9" id="{B8B5C6D0-E3FF-4310-9DCF-1B14F86F2E69}" vid="{627FB30F-31F4-4FBE-8A3A-F7BC81DAC0BD}"/>
+      <thm15:themeFamily xmlns="" xmlns:thm15="http://schemas.microsoft.com/office/thememl/2012/main" name="DellEMC_PPT_Template_16x9" id="{B8B5C6D0-E3FF-4310-9DCF-1B14F86F2E69}" vid="{627FB30F-31F4-4FBE-8A3A-F7BC81DAC0BD}"/>
     </a:ext>
   </a:extLst>
 </a:theme>

--- a/doc/pwalk_slides.pptx
+++ b/doc/pwalk_slides.pptx
@@ -5,10 +5,10 @@
     <p:sldMasterId id="2147484241" r:id="rId4"/>
   </p:sldMasterIdLst>
   <p:notesMasterIdLst>
-    <p:notesMasterId r:id="rId59"/>
+    <p:notesMasterId r:id="rId60"/>
   </p:notesMasterIdLst>
   <p:handoutMasterIdLst>
-    <p:handoutMasterId r:id="rId60"/>
+    <p:handoutMasterId r:id="rId61"/>
   </p:handoutMasterIdLst>
   <p:sldIdLst>
     <p:sldId id="306" r:id="rId5"/>
@@ -31,45 +31,46 @@
     <p:sldId id="362" r:id="rId22"/>
     <p:sldId id="354" r:id="rId23"/>
     <p:sldId id="356" r:id="rId24"/>
-    <p:sldId id="359" r:id="rId25"/>
-    <p:sldId id="360" r:id="rId26"/>
-    <p:sldId id="324" r:id="rId27"/>
-    <p:sldId id="366" r:id="rId28"/>
-    <p:sldId id="349" r:id="rId29"/>
-    <p:sldId id="365" r:id="rId30"/>
-    <p:sldId id="318" r:id="rId31"/>
-    <p:sldId id="317" r:id="rId32"/>
-    <p:sldId id="319" r:id="rId33"/>
-    <p:sldId id="355" r:id="rId34"/>
-    <p:sldId id="347" r:id="rId35"/>
-    <p:sldId id="327" r:id="rId36"/>
-    <p:sldId id="328" r:id="rId37"/>
-    <p:sldId id="329" r:id="rId38"/>
-    <p:sldId id="330" r:id="rId39"/>
-    <p:sldId id="331" r:id="rId40"/>
-    <p:sldId id="363" r:id="rId41"/>
-    <p:sldId id="332" r:id="rId42"/>
-    <p:sldId id="333" r:id="rId43"/>
-    <p:sldId id="321" r:id="rId44"/>
-    <p:sldId id="323" r:id="rId45"/>
-    <p:sldId id="334" r:id="rId46"/>
-    <p:sldId id="335" r:id="rId47"/>
-    <p:sldId id="336" r:id="rId48"/>
-    <p:sldId id="337" r:id="rId49"/>
-    <p:sldId id="338" r:id="rId50"/>
-    <p:sldId id="339" r:id="rId51"/>
-    <p:sldId id="340" r:id="rId52"/>
-    <p:sldId id="353" r:id="rId53"/>
-    <p:sldId id="352" r:id="rId54"/>
-    <p:sldId id="342" r:id="rId55"/>
-    <p:sldId id="344" r:id="rId56"/>
-    <p:sldId id="345" r:id="rId57"/>
-    <p:sldId id="346" r:id="rId58"/>
+    <p:sldId id="368" r:id="rId25"/>
+    <p:sldId id="359" r:id="rId26"/>
+    <p:sldId id="360" r:id="rId27"/>
+    <p:sldId id="324" r:id="rId28"/>
+    <p:sldId id="366" r:id="rId29"/>
+    <p:sldId id="349" r:id="rId30"/>
+    <p:sldId id="365" r:id="rId31"/>
+    <p:sldId id="318" r:id="rId32"/>
+    <p:sldId id="317" r:id="rId33"/>
+    <p:sldId id="319" r:id="rId34"/>
+    <p:sldId id="355" r:id="rId35"/>
+    <p:sldId id="347" r:id="rId36"/>
+    <p:sldId id="327" r:id="rId37"/>
+    <p:sldId id="328" r:id="rId38"/>
+    <p:sldId id="329" r:id="rId39"/>
+    <p:sldId id="330" r:id="rId40"/>
+    <p:sldId id="331" r:id="rId41"/>
+    <p:sldId id="363" r:id="rId42"/>
+    <p:sldId id="332" r:id="rId43"/>
+    <p:sldId id="333" r:id="rId44"/>
+    <p:sldId id="321" r:id="rId45"/>
+    <p:sldId id="323" r:id="rId46"/>
+    <p:sldId id="334" r:id="rId47"/>
+    <p:sldId id="335" r:id="rId48"/>
+    <p:sldId id="336" r:id="rId49"/>
+    <p:sldId id="337" r:id="rId50"/>
+    <p:sldId id="338" r:id="rId51"/>
+    <p:sldId id="339" r:id="rId52"/>
+    <p:sldId id="340" r:id="rId53"/>
+    <p:sldId id="353" r:id="rId54"/>
+    <p:sldId id="352" r:id="rId55"/>
+    <p:sldId id="342" r:id="rId56"/>
+    <p:sldId id="344" r:id="rId57"/>
+    <p:sldId id="345" r:id="rId58"/>
+    <p:sldId id="346" r:id="rId59"/>
   </p:sldIdLst>
   <p:sldSz cx="9144000" cy="5143500" type="screen16x9"/>
   <p:notesSz cx="7010400" cy="9296400"/>
   <p:custDataLst>
-    <p:tags r:id="rId62"/>
+    <p:tags r:id="rId63"/>
   </p:custDataLst>
   <p:defaultTextStyle>
     <a:defPPr>
@@ -229,6 +230,7 @@
           <p14:sldIdLst>
             <p14:sldId id="354"/>
             <p14:sldId id="356"/>
+            <p14:sldId id="368"/>
             <p14:sldId id="359"/>
             <p14:sldId id="360"/>
             <p14:sldId id="324"/>
@@ -1027,11 +1029,7 @@
           <a:p>
             <a:r>
               <a:rPr lang="en-US" baseline="0" dirty="0" smtClean="0"/>
-              <a:t>Current argument processing is </a:t>
-            </a:r>
-            <a:r>
-              <a:rPr lang="en-US" baseline="0" dirty="0" smtClean="0"/>
-              <a:t>primitive in places, but includes numerous </a:t>
+              <a:t>Current argument processing is primitive in places, but includes numerous </a:t>
             </a:r>
             <a:r>
               <a:rPr lang="en-US" baseline="0" smtClean="0"/>
@@ -2224,6 +2222,60 @@
           <a:bodyPr/>
           <a:lstStyle/>
           <a:p>
+            <a:r>
+              <a:rPr lang="en-US" baseline="0" dirty="0" smtClean="0"/>
+              <a:t>-</a:t>
+            </a:r>
+            <a:r>
+              <a:rPr lang="en-US" baseline="0" dirty="0" err="1" smtClean="0"/>
+              <a:t>ls</a:t>
+            </a:r>
+            <a:r>
+              <a:rPr lang="en-US" baseline="0" dirty="0" smtClean="0"/>
+              <a:t> with +</a:t>
+            </a:r>
+            <a:r>
+              <a:rPr lang="en-US" baseline="0" dirty="0" err="1" smtClean="0"/>
+              <a:t>acls</a:t>
+            </a:r>
+            <a:r>
+              <a:rPr lang="en-US" baseline="0" dirty="0" smtClean="0"/>
+              <a:t> will show a ‘+’ where </a:t>
+            </a:r>
+            <a:r>
+              <a:rPr lang="en-US" baseline="0" smtClean="0"/>
+              <a:t>an actual </a:t>
+            </a:r>
+            <a:r>
+              <a:rPr lang="en-US" baseline="0" dirty="0" smtClean="0"/>
+              <a:t>ACL is present (platform-dependent)</a:t>
+            </a:r>
+          </a:p>
+          <a:p>
+            <a:r>
+              <a:rPr lang="en-US" baseline="0" dirty="0" smtClean="0"/>
+              <a:t>The ‘</a:t>
+            </a:r>
+            <a:r>
+              <a:rPr lang="en-US" baseline="0" dirty="0" err="1" smtClean="0"/>
+              <a:t>pwalk_ls_cat</a:t>
+            </a:r>
+            <a:r>
+              <a:rPr lang="en-US" baseline="0" dirty="0" smtClean="0"/>
+              <a:t>’ program is a simple UNIX-style filter which will transform </a:t>
+            </a:r>
+            <a:r>
+              <a:rPr lang="mr-IN" baseline="0" dirty="0" smtClean="0"/>
+              <a:t>–</a:t>
+            </a:r>
+            <a:r>
+              <a:rPr lang="en-US" baseline="0" dirty="0" err="1" smtClean="0"/>
+              <a:t>ls_special</a:t>
+            </a:r>
+            <a:r>
+              <a:rPr lang="en-US" baseline="0" dirty="0" smtClean="0"/>
+              <a:t> output into a stream of fully-qualified pathnames.</a:t>
+            </a:r>
             <a:endParaRPr lang="en-US" dirty="0"/>
           </a:p>
         </p:txBody>
@@ -2361,54 +2413,6 @@
           <a:bodyPr/>
           <a:lstStyle/>
           <a:p>
-            <a:r>
-              <a:rPr lang="en-US" dirty="0" smtClean="0"/>
-              <a:t>Keywords can be combined</a:t>
-            </a:r>
-            <a:r>
-              <a:rPr lang="en-US" baseline="0" dirty="0" smtClean="0"/>
-              <a:t> in a comma-delimited list as arguments to </a:t>
-            </a:r>
-            <a:r>
-              <a:rPr lang="mr-IN" baseline="0" dirty="0" smtClean="0"/>
-              <a:t>–</a:t>
-            </a:r>
-            <a:r>
-              <a:rPr lang="en-US" baseline="0" dirty="0" err="1" smtClean="0"/>
-              <a:t>cmp</a:t>
-            </a:r>
-            <a:r>
-              <a:rPr lang="en-US" baseline="0" dirty="0" smtClean="0"/>
-              <a:t>=</a:t>
-            </a:r>
-          </a:p>
-          <a:p>
-            <a:r>
-              <a:rPr lang="en-US" baseline="0" dirty="0" smtClean="0"/>
-              <a:t>Code values are the letters shown in column 2 of .</a:t>
-            </a:r>
-            <a:r>
-              <a:rPr lang="en-US" baseline="0" dirty="0" err="1" smtClean="0"/>
-              <a:t>cmp</a:t>
-            </a:r>
-            <a:r>
-              <a:rPr lang="en-US" baseline="0" dirty="0" smtClean="0"/>
-              <a:t> outputs to indicated differences between SOURCE and TARGET files.</a:t>
-            </a:r>
-          </a:p>
-          <a:p>
-            <a:r>
-              <a:rPr lang="en-US" baseline="0" dirty="0" smtClean="0"/>
-              <a:t>Mask values are used internally in </a:t>
-            </a:r>
-            <a:r>
-              <a:rPr lang="en-US" baseline="0" dirty="0" err="1" smtClean="0"/>
-              <a:t>pwalk</a:t>
-            </a:r>
-            <a:r>
-              <a:rPr lang="en-US" baseline="0" dirty="0" smtClean="0"/>
-              <a:t> code.</a:t>
-            </a:r>
             <a:endParaRPr lang="en-US" dirty="0"/>
           </a:p>
         </p:txBody>
@@ -2689,61 +2693,53 @@
           <a:p>
             <a:r>
               <a:rPr lang="en-US" dirty="0" smtClean="0"/>
-              <a:t>This set of </a:t>
-            </a:r>
-            <a:r>
-              <a:rPr lang="en-US" dirty="0" err="1" smtClean="0"/>
+              <a:t>Keywords can be combined</a:t>
+            </a:r>
+            <a:r>
+              <a:rPr lang="en-US" baseline="0" dirty="0" smtClean="0"/>
+              <a:t> in a comma-delimited list as arguments to </a:t>
+            </a:r>
+            <a:r>
+              <a:rPr lang="mr-IN" baseline="0" dirty="0" smtClean="0"/>
+              <a:t>–</a:t>
+            </a:r>
+            <a:r>
+              <a:rPr lang="en-US" baseline="0" dirty="0" err="1" smtClean="0"/>
+              <a:t>cmp</a:t>
+            </a:r>
+            <a:r>
+              <a:rPr lang="en-US" baseline="0" dirty="0" smtClean="0"/>
+              <a:t>=</a:t>
+            </a:r>
+          </a:p>
+          <a:p>
+            <a:r>
+              <a:rPr lang="en-US" baseline="0" dirty="0" smtClean="0"/>
+              <a:t>Code values are the letters shown in column 2 of .</a:t>
+            </a:r>
+            <a:r>
+              <a:rPr lang="en-US" baseline="0" dirty="0" err="1" smtClean="0"/>
+              <a:t>cmp</a:t>
+            </a:r>
+            <a:r>
+              <a:rPr lang="en-US" baseline="0" dirty="0" smtClean="0"/>
+              <a:t> outputs to indicated differences between SOURCE and TARGET files.</a:t>
+            </a:r>
+          </a:p>
+          <a:p>
+            <a:r>
+              <a:rPr lang="en-US" baseline="0" dirty="0" smtClean="0"/>
+              <a:t>Mask values are used internally in </a:t>
+            </a:r>
+            <a:r>
+              <a:rPr lang="en-US" baseline="0" dirty="0" err="1" smtClean="0"/>
               <a:t>pwalk</a:t>
             </a:r>
             <a:r>
-              <a:rPr lang="en-US" dirty="0" smtClean="0"/>
-              <a:t> functionality</a:t>
-            </a:r>
-            <a:r>
               <a:rPr lang="en-US" baseline="0" dirty="0" smtClean="0"/>
-              <a:t> is documented in the cited paper; </a:t>
-            </a:r>
-            <a:r>
-              <a:rPr lang="en-US" sz="1200" dirty="0" smtClean="0"/>
-              <a:t>“</a:t>
-            </a:r>
-            <a:r>
-              <a:rPr lang="en-US" sz="1200" b="1" i="1" dirty="0" smtClean="0"/>
-              <a:t>Converting POSIX ACLs to NFSv4 ACLs with </a:t>
-            </a:r>
-            <a:r>
-              <a:rPr lang="en-US" sz="1200" b="1" i="1" dirty="0" err="1" smtClean="0"/>
-              <a:t>pwalk</a:t>
-            </a:r>
-            <a:r>
-              <a:rPr lang="en-US" sz="1200" b="1" i="1" dirty="0" smtClean="0"/>
-              <a:t>(1)</a:t>
-            </a:r>
-            <a:r>
-              <a:rPr lang="en-US" sz="1200" dirty="0" smtClean="0"/>
-              <a:t>“</a:t>
-            </a:r>
-            <a:endParaRPr lang="en-US" baseline="0" dirty="0" smtClean="0"/>
-          </a:p>
-          <a:p>
-            <a:r>
-              <a:rPr lang="en-US" baseline="0" dirty="0" smtClean="0"/>
-              <a:t>As ‘+’ secondary modes, these can be specified independently of the primary mode used.</a:t>
-            </a:r>
-          </a:p>
-          <a:p>
-            <a:r>
-              <a:rPr lang="en-US" baseline="0" dirty="0" smtClean="0"/>
-              <a:t>The OneFS-specific binary ‘</a:t>
-            </a:r>
-            <a:r>
-              <a:rPr lang="en-US" baseline="0" dirty="0" err="1" smtClean="0"/>
-              <a:t>wacls</a:t>
-            </a:r>
-            <a:r>
-              <a:rPr lang="en-US" baseline="0" dirty="0" smtClean="0"/>
-              <a:t>’ is not made widely-distributed, and is not end-user buildable.</a:t>
-            </a:r>
+              <a:t> code.</a:t>
+            </a:r>
+            <a:endParaRPr lang="en-US" dirty="0"/>
           </a:p>
         </p:txBody>
       </p:sp>
@@ -2882,11 +2878,60 @@
           <a:p>
             <a:r>
               <a:rPr lang="en-US" dirty="0" smtClean="0"/>
-              <a:t>Use with</a:t>
+              <a:t>This set of </a:t>
+            </a:r>
+            <a:r>
+              <a:rPr lang="en-US" dirty="0" err="1" smtClean="0"/>
+              <a:t>pwalk</a:t>
+            </a:r>
+            <a:r>
+              <a:rPr lang="en-US" dirty="0" smtClean="0"/>
+              <a:t> functionality</a:t>
             </a:r>
             <a:r>
               <a:rPr lang="en-US" baseline="0" dirty="0" smtClean="0"/>
-              <a:t> extreme care!</a:t>
+              <a:t> is documented in the cited paper; </a:t>
+            </a:r>
+            <a:r>
+              <a:rPr lang="en-US" sz="1200" dirty="0" smtClean="0"/>
+              <a:t>“</a:t>
+            </a:r>
+            <a:r>
+              <a:rPr lang="en-US" sz="1200" b="1" i="1" dirty="0" smtClean="0"/>
+              <a:t>Converting POSIX ACLs to NFSv4 ACLs with </a:t>
+            </a:r>
+            <a:r>
+              <a:rPr lang="en-US" sz="1200" b="1" i="1" dirty="0" err="1" smtClean="0"/>
+              <a:t>pwalk</a:t>
+            </a:r>
+            <a:r>
+              <a:rPr lang="en-US" sz="1200" b="1" i="1" dirty="0" smtClean="0"/>
+              <a:t>(1)</a:t>
+            </a:r>
+            <a:r>
+              <a:rPr lang="en-US" sz="1200" dirty="0" smtClean="0"/>
+              <a:t>“</a:t>
+            </a:r>
+            <a:endParaRPr lang="en-US" baseline="0" dirty="0" smtClean="0"/>
+          </a:p>
+          <a:p>
+            <a:r>
+              <a:rPr lang="en-US" baseline="0" dirty="0" smtClean="0"/>
+              <a:t>As ‘+’ secondary modes, these can be specified independently of the primary mode used.</a:t>
+            </a:r>
+          </a:p>
+          <a:p>
+            <a:r>
+              <a:rPr lang="en-US" baseline="0" dirty="0" smtClean="0"/>
+              <a:t>The OneFS-specific binary ‘</a:t>
+            </a:r>
+            <a:r>
+              <a:rPr lang="en-US" baseline="0" dirty="0" err="1" smtClean="0"/>
+              <a:t>wacls</a:t>
+            </a:r>
+            <a:r>
+              <a:rPr lang="en-US" baseline="0" dirty="0" smtClean="0"/>
+              <a:t>’ is not made widely-distributed, and is not end-user buildable.</a:t>
             </a:r>
           </a:p>
         </p:txBody>
@@ -3026,13 +3071,12 @@
           <a:p>
             <a:r>
               <a:rPr lang="en-US" dirty="0" smtClean="0"/>
-              <a:t>This</a:t>
+              <a:t>Use with</a:t>
             </a:r>
             <a:r>
               <a:rPr lang="en-US" baseline="0" dirty="0" smtClean="0"/>
-              <a:t> pseudo-code shows the key functions</a:t>
-            </a:r>
-            <a:endParaRPr lang="en-US" dirty="0"/>
+              <a:t> extreme care!</a:t>
+            </a:r>
           </a:p>
         </p:txBody>
       </p:sp>
@@ -3169,21 +3213,60 @@
           <a:bodyPr/>
           <a:lstStyle/>
           <a:p>
-            <a:pPr defTabSz="931774">
-              <a:defRPr/>
-            </a:pPr>
-            <a:endParaRPr lang="en-US" sz="1400" dirty="0"/>
+            <a:r>
+              <a:rPr lang="en-US" dirty="0" smtClean="0"/>
+              <a:t>This</a:t>
+            </a:r>
+            <a:r>
+              <a:rPr lang="en-US" baseline="0" dirty="0" smtClean="0"/>
+              <a:t> pseudo-code shows the key functions</a:t>
+            </a:r>
+            <a:endParaRPr lang="en-US" dirty="0"/>
           </a:p>
         </p:txBody>
       </p:sp>
       <p:sp>
         <p:nvSpPr>
-          <p:cNvPr id="4" name="Slide Number Placeholder 3"/>
+          <p:cNvPr id="4" name="Footer Placeholder 3"/>
           <p:cNvSpPr>
             <a:spLocks noGrp="1"/>
           </p:cNvSpPr>
           <p:nvPr>
-            <p:ph type="sldNum" sz="quarter" idx="10"/>
+            <p:ph type="ftr" sz="quarter" idx="10"/>
+          </p:nvPr>
+        </p:nvSpPr>
+        <p:spPr>
+          <a:xfrm>
+            <a:off x="0" y="8829967"/>
+            <a:ext cx="3037840" cy="464820"/>
+          </a:xfrm>
+          <a:prstGeom prst="rect">
+            <a:avLst/>
+          </a:prstGeom>
+        </p:spPr>
+        <p:txBody>
+          <a:bodyPr lIns="93177" tIns="46589" rIns="93177" bIns="46589"/>
+          <a:lstStyle/>
+          <a:p>
+            <a:pPr>
+              <a:defRPr/>
+            </a:pPr>
+            <a:r>
+              <a:rPr lang="en-US" smtClean="0"/>
+              <a:t>Module #: Module Name</a:t>
+            </a:r>
+            <a:endParaRPr lang="en-US" dirty="0"/>
+          </a:p>
+        </p:txBody>
+      </p:sp>
+      <p:sp>
+        <p:nvSpPr>
+          <p:cNvPr id="5" name="Slide Number Placeholder 4"/>
+          <p:cNvSpPr>
+            <a:spLocks noGrp="1"/>
+          </p:cNvSpPr>
+          <p:nvPr>
+            <p:ph type="sldNum" sz="quarter" idx="11"/>
           </p:nvPr>
         </p:nvSpPr>
         <p:spPr>
@@ -3199,27 +3282,24 @@
           <a:bodyPr lIns="93177" tIns="46589" rIns="93177" bIns="46589"/>
           <a:lstStyle/>
           <a:p>
-            <a:fld id="{C3102598-0D32-4B82-B7EF-C4D9838D3CB7}" type="slidenum">
-              <a:rPr lang="en-US" smtClean="0">
-                <a:solidFill>
-                  <a:prstClr val="black"/>
-                </a:solidFill>
-              </a:rPr>
-              <a:pPr/>
+            <a:pPr>
+              <a:defRPr/>
+            </a:pPr>
+            <a:fld id="{80249327-EC2F-4096-8D35-6B76097739FC}" type="slidenum">
+              <a:rPr lang="en-US" smtClean="0"/>
+              <a:pPr>
+                <a:defRPr/>
+              </a:pPr>
               <a:t>25</a:t>
             </a:fld>
-            <a:endParaRPr lang="en-US" dirty="0">
-              <a:solidFill>
-                <a:prstClr val="black"/>
-              </a:solidFill>
-            </a:endParaRPr>
+            <a:endParaRPr lang="en-US" dirty="0"/>
           </a:p>
         </p:txBody>
       </p:sp>
     </p:spTree>
     <p:extLst>
       <p:ext uri="{BB962C8B-B14F-4D97-AF65-F5344CB8AC3E}">
-        <p14:creationId xmlns:p14="http://schemas.microsoft.com/office/powerpoint/2010/main" val="1461428334"/>
+        <p14:creationId xmlns:p14="http://schemas.microsoft.com/office/powerpoint/2010/main" val="2703140797"/>
       </p:ext>
     </p:extLst>
   </p:cSld>
@@ -3278,60 +3358,21 @@
           <a:bodyPr/>
           <a:lstStyle/>
           <a:p>
-            <a:r>
-              <a:rPr lang="en-US" dirty="0" smtClean="0"/>
-              <a:t>This</a:t>
-            </a:r>
-            <a:r>
-              <a:rPr lang="en-US" baseline="0" dirty="0" smtClean="0"/>
-              <a:t> pseudo-code shows the key functions</a:t>
-            </a:r>
-            <a:endParaRPr lang="en-US" dirty="0"/>
+            <a:pPr defTabSz="931774">
+              <a:defRPr/>
+            </a:pPr>
+            <a:endParaRPr lang="en-US" sz="1400" dirty="0"/>
           </a:p>
         </p:txBody>
       </p:sp>
       <p:sp>
         <p:nvSpPr>
-          <p:cNvPr id="4" name="Footer Placeholder 3"/>
+          <p:cNvPr id="4" name="Slide Number Placeholder 3"/>
           <p:cNvSpPr>
             <a:spLocks noGrp="1"/>
           </p:cNvSpPr>
           <p:nvPr>
-            <p:ph type="ftr" sz="quarter" idx="10"/>
-          </p:nvPr>
-        </p:nvSpPr>
-        <p:spPr>
-          <a:xfrm>
-            <a:off x="0" y="8829967"/>
-            <a:ext cx="3037840" cy="464820"/>
-          </a:xfrm>
-          <a:prstGeom prst="rect">
-            <a:avLst/>
-          </a:prstGeom>
-        </p:spPr>
-        <p:txBody>
-          <a:bodyPr lIns="93177" tIns="46589" rIns="93177" bIns="46589"/>
-          <a:lstStyle/>
-          <a:p>
-            <a:pPr>
-              <a:defRPr/>
-            </a:pPr>
-            <a:r>
-              <a:rPr lang="en-US" smtClean="0"/>
-              <a:t>Module #: Module Name</a:t>
-            </a:r>
-            <a:endParaRPr lang="en-US" dirty="0"/>
-          </a:p>
-        </p:txBody>
-      </p:sp>
-      <p:sp>
-        <p:nvSpPr>
-          <p:cNvPr id="5" name="Slide Number Placeholder 4"/>
-          <p:cNvSpPr>
-            <a:spLocks noGrp="1"/>
-          </p:cNvSpPr>
-          <p:nvPr>
-            <p:ph type="sldNum" sz="quarter" idx="11"/>
+            <p:ph type="sldNum" sz="quarter" idx="10"/>
           </p:nvPr>
         </p:nvSpPr>
         <p:spPr>
@@ -3347,24 +3388,27 @@
           <a:bodyPr lIns="93177" tIns="46589" rIns="93177" bIns="46589"/>
           <a:lstStyle/>
           <a:p>
-            <a:pPr>
-              <a:defRPr/>
-            </a:pPr>
-            <a:fld id="{80249327-EC2F-4096-8D35-6B76097739FC}" type="slidenum">
-              <a:rPr lang="en-US" smtClean="0"/>
-              <a:pPr>
-                <a:defRPr/>
-              </a:pPr>
+            <a:fld id="{C3102598-0D32-4B82-B7EF-C4D9838D3CB7}" type="slidenum">
+              <a:rPr lang="en-US" smtClean="0">
+                <a:solidFill>
+                  <a:prstClr val="black"/>
+                </a:solidFill>
+              </a:rPr>
+              <a:pPr/>
               <a:t>26</a:t>
             </a:fld>
-            <a:endParaRPr lang="en-US" dirty="0"/>
+            <a:endParaRPr lang="en-US" dirty="0">
+              <a:solidFill>
+                <a:prstClr val="black"/>
+              </a:solidFill>
+            </a:endParaRPr>
           </a:p>
         </p:txBody>
       </p:sp>
     </p:spTree>
     <p:extLst>
       <p:ext uri="{BB962C8B-B14F-4D97-AF65-F5344CB8AC3E}">
-        <p14:creationId xmlns:p14="http://schemas.microsoft.com/office/powerpoint/2010/main" val="2703140797"/>
+        <p14:creationId xmlns:p14="http://schemas.microsoft.com/office/powerpoint/2010/main" val="1461428334"/>
       </p:ext>
     </p:extLst>
   </p:cSld>
@@ -3715,61 +3759,13 @@
           <a:p>
             <a:r>
               <a:rPr lang="en-US" dirty="0" smtClean="0"/>
-              <a:t>This set of </a:t>
-            </a:r>
-            <a:r>
-              <a:rPr lang="en-US" dirty="0" err="1" smtClean="0"/>
-              <a:t>pwalk</a:t>
-            </a:r>
-            <a:r>
-              <a:rPr lang="en-US" dirty="0" smtClean="0"/>
-              <a:t> functionality</a:t>
+              <a:t>This</a:t>
             </a:r>
             <a:r>
               <a:rPr lang="en-US" baseline="0" dirty="0" smtClean="0"/>
-              <a:t> is documented in the cited paper; </a:t>
-            </a:r>
-            <a:r>
-              <a:rPr lang="en-US" sz="1200" dirty="0" smtClean="0"/>
-              <a:t>“</a:t>
-            </a:r>
-            <a:r>
-              <a:rPr lang="en-US" sz="1200" b="1" i="1" dirty="0" smtClean="0"/>
-              <a:t>Converting POSIX ACLs to NFSv4 ACLs with </a:t>
-            </a:r>
-            <a:r>
-              <a:rPr lang="en-US" sz="1200" b="1" i="1" dirty="0" err="1" smtClean="0"/>
-              <a:t>pwalk</a:t>
-            </a:r>
-            <a:r>
-              <a:rPr lang="en-US" sz="1200" b="1" i="1" dirty="0" smtClean="0"/>
-              <a:t>(1)</a:t>
-            </a:r>
-            <a:r>
-              <a:rPr lang="en-US" sz="1200" dirty="0" smtClean="0"/>
-              <a:t>“</a:t>
-            </a:r>
-            <a:endParaRPr lang="en-US" baseline="0" dirty="0" smtClean="0"/>
-          </a:p>
-          <a:p>
-            <a:r>
-              <a:rPr lang="en-US" baseline="0" dirty="0" smtClean="0"/>
-              <a:t>As ‘+’ secondary modes, these can be specified independently of the primary mode used.</a:t>
-            </a:r>
-          </a:p>
-          <a:p>
-            <a:r>
-              <a:rPr lang="en-US" baseline="0" dirty="0" smtClean="0"/>
-              <a:t>The OneFS-specific binary ‘</a:t>
-            </a:r>
-            <a:r>
-              <a:rPr lang="en-US" baseline="0" dirty="0" err="1" smtClean="0"/>
-              <a:t>wacls</a:t>
-            </a:r>
-            <a:r>
-              <a:rPr lang="en-US" baseline="0" dirty="0" smtClean="0"/>
-              <a:t>’ is not made widely-distributed, and is not end-user buildable.</a:t>
-            </a:r>
+              <a:t> pseudo-code shows the key functions</a:t>
+            </a:r>
+            <a:endParaRPr lang="en-US" dirty="0"/>
           </a:p>
         </p:txBody>
       </p:sp>
@@ -3907,38 +3903,61 @@
           <a:lstStyle/>
           <a:p>
             <a:r>
+              <a:rPr lang="en-US" dirty="0" smtClean="0"/>
+              <a:t>This set of </a:t>
+            </a:r>
+            <a:r>
+              <a:rPr lang="en-US" dirty="0" err="1" smtClean="0"/>
+              <a:t>pwalk</a:t>
+            </a:r>
+            <a:r>
+              <a:rPr lang="en-US" dirty="0" smtClean="0"/>
+              <a:t> functionality</a:t>
+            </a:r>
+            <a:r>
               <a:rPr lang="en-US" baseline="0" dirty="0" smtClean="0"/>
-              <a:t>The NFS4 binary ACL format and the [NFS4 binary ACL, pathname] tuple formats are unique to </a:t>
+              <a:t> is documented in the cited paper; </a:t>
+            </a:r>
+            <a:r>
+              <a:rPr lang="en-US" sz="1200" dirty="0" smtClean="0"/>
+              <a:t>“</a:t>
+            </a:r>
+            <a:r>
+              <a:rPr lang="en-US" sz="1200" b="1" i="1" dirty="0" smtClean="0"/>
+              <a:t>Converting POSIX ACLs to NFSv4 ACLs with </a:t>
+            </a:r>
+            <a:r>
+              <a:rPr lang="en-US" sz="1200" b="1" i="1" dirty="0" err="1" smtClean="0"/>
+              <a:t>pwalk</a:t>
+            </a:r>
+            <a:r>
+              <a:rPr lang="en-US" sz="1200" b="1" i="1" dirty="0" smtClean="0"/>
+              <a:t>(1)</a:t>
+            </a:r>
+            <a:r>
+              <a:rPr lang="en-US" sz="1200" dirty="0" smtClean="0"/>
+              <a:t>“</a:t>
+            </a:r>
+            <a:endParaRPr lang="en-US" baseline="0" dirty="0" smtClean="0"/>
+          </a:p>
+          <a:p>
+            <a:r>
+              <a:rPr lang="en-US" baseline="0" dirty="0" smtClean="0"/>
+              <a:t>As ‘+’ secondary modes, these can be specified independently of the primary mode used.</a:t>
+            </a:r>
+          </a:p>
+          <a:p>
+            <a:r>
+              <a:rPr lang="en-US" baseline="0" dirty="0" smtClean="0"/>
+              <a:t>The OneFS-specific binary ‘</a:t>
             </a:r>
             <a:r>
               <a:rPr lang="en-US" baseline="0" dirty="0" err="1" smtClean="0"/>
-              <a:t>pwalk</a:t>
+              <a:t>wacls</a:t>
             </a:r>
             <a:r>
               <a:rPr lang="en-US" baseline="0" dirty="0" smtClean="0"/>
-              <a:t>.</a:t>
-            </a:r>
-          </a:p>
-          <a:p>
-            <a:r>
-              <a:rPr lang="en-US" baseline="0" dirty="0" smtClean="0"/>
-              <a:t>The main distinction between the standard NFS4 ACL format and </a:t>
-            </a:r>
-            <a:r>
-              <a:rPr lang="en-US" baseline="0" dirty="0" err="1" smtClean="0"/>
-              <a:t>pwalk’s</a:t>
-            </a:r>
-            <a:r>
-              <a:rPr lang="en-US" baseline="0" dirty="0" smtClean="0"/>
-              <a:t> binary format is that </a:t>
-            </a:r>
-            <a:r>
-              <a:rPr lang="en-US" baseline="0" dirty="0" err="1" smtClean="0"/>
-              <a:t>pwalk</a:t>
-            </a:r>
-            <a:r>
-              <a:rPr lang="en-US" baseline="0" dirty="0" smtClean="0"/>
-              <a:t> uses binary UID and GID trustee values rather than a UTF-8 strings.</a:t>
+              <a:t>’ is not made widely-distributed, and is not end-user buildable.</a:t>
             </a:r>
           </a:p>
         </p:txBody>
@@ -4076,21 +4095,85 @@
           <a:bodyPr/>
           <a:lstStyle/>
           <a:p>
-            <a:pPr defTabSz="931774">
-              <a:defRPr/>
-            </a:pPr>
-            <a:endParaRPr lang="en-US" sz="1400" dirty="0"/>
+            <a:r>
+              <a:rPr lang="en-US" baseline="0" dirty="0" smtClean="0"/>
+              <a:t>The NFS4 binary ACL format and the [NFS4 binary ACL, pathname] tuple formats are unique to </a:t>
+            </a:r>
+            <a:r>
+              <a:rPr lang="en-US" baseline="0" dirty="0" err="1" smtClean="0"/>
+              <a:t>pwalk</a:t>
+            </a:r>
+            <a:r>
+              <a:rPr lang="en-US" baseline="0" dirty="0" smtClean="0"/>
+              <a:t>.</a:t>
+            </a:r>
+          </a:p>
+          <a:p>
+            <a:r>
+              <a:rPr lang="en-US" baseline="0" dirty="0" smtClean="0"/>
+              <a:t>The main distinction between the standard NFS4 ACL format and </a:t>
+            </a:r>
+            <a:r>
+              <a:rPr lang="en-US" baseline="0" dirty="0" err="1" smtClean="0"/>
+              <a:t>pwalk’s</a:t>
+            </a:r>
+            <a:r>
+              <a:rPr lang="en-US" baseline="0" dirty="0" smtClean="0"/>
+              <a:t> binary format is that </a:t>
+            </a:r>
+            <a:r>
+              <a:rPr lang="en-US" baseline="0" dirty="0" err="1" smtClean="0"/>
+              <a:t>pwalk</a:t>
+            </a:r>
+            <a:r>
+              <a:rPr lang="en-US" baseline="0" dirty="0" smtClean="0"/>
+              <a:t> uses binary UID and GID trustee values rather than a UTF-8 strings.</a:t>
+            </a:r>
           </a:p>
         </p:txBody>
       </p:sp>
       <p:sp>
         <p:nvSpPr>
-          <p:cNvPr id="4" name="Slide Number Placeholder 3"/>
+          <p:cNvPr id="4" name="Footer Placeholder 3"/>
           <p:cNvSpPr>
             <a:spLocks noGrp="1"/>
           </p:cNvSpPr>
           <p:nvPr>
-            <p:ph type="sldNum" sz="quarter" idx="10"/>
+            <p:ph type="ftr" sz="quarter" idx="10"/>
+          </p:nvPr>
+        </p:nvSpPr>
+        <p:spPr>
+          <a:xfrm>
+            <a:off x="0" y="8829967"/>
+            <a:ext cx="3037840" cy="464820"/>
+          </a:xfrm>
+          <a:prstGeom prst="rect">
+            <a:avLst/>
+          </a:prstGeom>
+        </p:spPr>
+        <p:txBody>
+          <a:bodyPr lIns="93177" tIns="46589" rIns="93177" bIns="46589"/>
+          <a:lstStyle/>
+          <a:p>
+            <a:pPr>
+              <a:defRPr/>
+            </a:pPr>
+            <a:r>
+              <a:rPr lang="en-US" smtClean="0"/>
+              <a:t>Module #: Module Name</a:t>
+            </a:r>
+            <a:endParaRPr lang="en-US" dirty="0"/>
+          </a:p>
+        </p:txBody>
+      </p:sp>
+      <p:sp>
+        <p:nvSpPr>
+          <p:cNvPr id="5" name="Slide Number Placeholder 4"/>
+          <p:cNvSpPr>
+            <a:spLocks noGrp="1"/>
+          </p:cNvSpPr>
+          <p:nvPr>
+            <p:ph type="sldNum" sz="quarter" idx="11"/>
           </p:nvPr>
         </p:nvSpPr>
         <p:spPr>
@@ -4106,27 +4189,24 @@
           <a:bodyPr lIns="93177" tIns="46589" rIns="93177" bIns="46589"/>
           <a:lstStyle/>
           <a:p>
-            <a:fld id="{C3102598-0D32-4B82-B7EF-C4D9838D3CB7}" type="slidenum">
-              <a:rPr lang="en-US" smtClean="0">
-                <a:solidFill>
-                  <a:prstClr val="black"/>
-                </a:solidFill>
-              </a:rPr>
-              <a:pPr/>
+            <a:pPr>
+              <a:defRPr/>
+            </a:pPr>
+            <a:fld id="{80249327-EC2F-4096-8D35-6B76097739FC}" type="slidenum">
+              <a:rPr lang="en-US" smtClean="0"/>
+              <a:pPr>
+                <a:defRPr/>
+              </a:pPr>
               <a:t>31</a:t>
             </a:fld>
-            <a:endParaRPr lang="en-US" dirty="0">
-              <a:solidFill>
-                <a:prstClr val="black"/>
-              </a:solidFill>
-            </a:endParaRPr>
+            <a:endParaRPr lang="en-US" dirty="0"/>
           </a:p>
         </p:txBody>
       </p:sp>
     </p:spTree>
     <p:extLst>
       <p:ext uri="{BB962C8B-B14F-4D97-AF65-F5344CB8AC3E}">
-        <p14:creationId xmlns:p14="http://schemas.microsoft.com/office/powerpoint/2010/main" val="1461428334"/>
+        <p14:creationId xmlns:p14="http://schemas.microsoft.com/office/powerpoint/2010/main" val="2703140797"/>
       </p:ext>
     </p:extLst>
   </p:cSld>
@@ -4294,60 +4374,21 @@
           <a:bodyPr/>
           <a:lstStyle/>
           <a:p>
-            <a:r>
-              <a:rPr lang="en-US" dirty="0" smtClean="0"/>
-              <a:t>This</a:t>
-            </a:r>
-            <a:r>
-              <a:rPr lang="en-US" baseline="0" dirty="0" smtClean="0"/>
-              <a:t> pseudo-code shows the key functions</a:t>
-            </a:r>
-            <a:endParaRPr lang="en-US" dirty="0"/>
+            <a:pPr defTabSz="931774">
+              <a:defRPr/>
+            </a:pPr>
+            <a:endParaRPr lang="en-US" sz="1400" dirty="0"/>
           </a:p>
         </p:txBody>
       </p:sp>
       <p:sp>
         <p:nvSpPr>
-          <p:cNvPr id="4" name="Footer Placeholder 3"/>
+          <p:cNvPr id="4" name="Slide Number Placeholder 3"/>
           <p:cNvSpPr>
             <a:spLocks noGrp="1"/>
           </p:cNvSpPr>
           <p:nvPr>
-            <p:ph type="ftr" sz="quarter" idx="10"/>
-          </p:nvPr>
-        </p:nvSpPr>
-        <p:spPr>
-          <a:xfrm>
-            <a:off x="0" y="8829967"/>
-            <a:ext cx="3037840" cy="464820"/>
-          </a:xfrm>
-          <a:prstGeom prst="rect">
-            <a:avLst/>
-          </a:prstGeom>
-        </p:spPr>
-        <p:txBody>
-          <a:bodyPr lIns="93177" tIns="46589" rIns="93177" bIns="46589"/>
-          <a:lstStyle/>
-          <a:p>
-            <a:pPr>
-              <a:defRPr/>
-            </a:pPr>
-            <a:r>
-              <a:rPr lang="en-US" smtClean="0"/>
-              <a:t>Module #: Module Name</a:t>
-            </a:r>
-            <a:endParaRPr lang="en-US" dirty="0"/>
-          </a:p>
-        </p:txBody>
-      </p:sp>
-      <p:sp>
-        <p:nvSpPr>
-          <p:cNvPr id="5" name="Slide Number Placeholder 4"/>
-          <p:cNvSpPr>
-            <a:spLocks noGrp="1"/>
-          </p:cNvSpPr>
-          <p:nvPr>
-            <p:ph type="sldNum" sz="quarter" idx="11"/>
+            <p:ph type="sldNum" sz="quarter" idx="10"/>
           </p:nvPr>
         </p:nvSpPr>
         <p:spPr>
@@ -4363,24 +4404,27 @@
           <a:bodyPr lIns="93177" tIns="46589" rIns="93177" bIns="46589"/>
           <a:lstStyle/>
           <a:p>
-            <a:pPr>
-              <a:defRPr/>
-            </a:pPr>
-            <a:fld id="{80249327-EC2F-4096-8D35-6B76097739FC}" type="slidenum">
-              <a:rPr lang="en-US" smtClean="0"/>
-              <a:pPr>
-                <a:defRPr/>
-              </a:pPr>
+            <a:fld id="{C3102598-0D32-4B82-B7EF-C4D9838D3CB7}" type="slidenum">
+              <a:rPr lang="en-US" smtClean="0">
+                <a:solidFill>
+                  <a:prstClr val="black"/>
+                </a:solidFill>
+              </a:rPr>
+              <a:pPr/>
               <a:t>32</a:t>
             </a:fld>
-            <a:endParaRPr lang="en-US" dirty="0"/>
+            <a:endParaRPr lang="en-US" dirty="0">
+              <a:solidFill>
+                <a:prstClr val="black"/>
+              </a:solidFill>
+            </a:endParaRPr>
           </a:p>
         </p:txBody>
       </p:sp>
     </p:spTree>
     <p:extLst>
       <p:ext uri="{BB962C8B-B14F-4D97-AF65-F5344CB8AC3E}">
-        <p14:creationId xmlns:p14="http://schemas.microsoft.com/office/powerpoint/2010/main" val="2703140797"/>
+        <p14:creationId xmlns:p14="http://schemas.microsoft.com/office/powerpoint/2010/main" val="1461428334"/>
       </p:ext>
     </p:extLst>
   </p:cSld>
@@ -4441,11 +4485,11 @@
           <a:p>
             <a:r>
               <a:rPr lang="en-US" dirty="0" smtClean="0"/>
-              <a:t>For large filesystem scans, budget</a:t>
+              <a:t>This</a:t>
             </a:r>
             <a:r>
               <a:rPr lang="en-US" baseline="0" dirty="0" smtClean="0"/>
-              <a:t> output space accordingly!</a:t>
+              <a:t> pseudo-code shows the key functions</a:t>
             </a:r>
             <a:endParaRPr lang="en-US" dirty="0"/>
           </a:p>
@@ -4516,7 +4560,7 @@
               <a:pPr>
                 <a:defRPr/>
               </a:pPr>
-              <a:t>34</a:t>
+              <a:t>33</a:t>
             </a:fld>
             <a:endParaRPr lang="en-US" dirty="0"/>
           </a:p>
@@ -4586,32 +4630,11 @@
           <a:p>
             <a:r>
               <a:rPr lang="en-US" dirty="0" smtClean="0"/>
-              <a:t>This</a:t>
+              <a:t>For large filesystem scans, budget</a:t>
             </a:r>
             <a:r>
               <a:rPr lang="en-US" baseline="0" dirty="0" smtClean="0"/>
-              <a:t> example does not represent the limits of </a:t>
-            </a:r>
-            <a:r>
-              <a:rPr lang="en-US" baseline="0" dirty="0" err="1" smtClean="0"/>
-              <a:t>pwalk</a:t>
-            </a:r>
-            <a:r>
-              <a:rPr lang="en-US" baseline="0" dirty="0" smtClean="0"/>
-              <a:t> throughput; merely the results of some tests that were run.</a:t>
-            </a:r>
-          </a:p>
-          <a:p>
-            <a:endParaRPr lang="en-US" dirty="0" smtClean="0"/>
-          </a:p>
-          <a:p>
-            <a:r>
-              <a:rPr lang="en-US" dirty="0" smtClean="0"/>
-              <a:t>One should also characterize the network bandwidth and CPU usage on both</a:t>
-            </a:r>
-            <a:r>
-              <a:rPr lang="en-US" baseline="0" dirty="0" smtClean="0"/>
-              <a:t> the client and the target storage to find the right tradeoff between performance and resource saturation.</a:t>
+              <a:t> output space accordingly!</a:t>
             </a:r>
             <a:endParaRPr lang="en-US" dirty="0"/>
           </a:p>
@@ -4691,7 +4714,7 @@
     </p:spTree>
     <p:extLst>
       <p:ext uri="{BB962C8B-B14F-4D97-AF65-F5344CB8AC3E}">
-        <p14:creationId xmlns:p14="http://schemas.microsoft.com/office/powerpoint/2010/main" val="4039075285"/>
+        <p14:creationId xmlns:p14="http://schemas.microsoft.com/office/powerpoint/2010/main" val="2703140797"/>
       </p:ext>
     </p:extLst>
   </p:cSld>
@@ -4750,6 +4773,35 @@
           <a:bodyPr/>
           <a:lstStyle/>
           <a:p>
+            <a:r>
+              <a:rPr lang="en-US" dirty="0" smtClean="0"/>
+              <a:t>This</a:t>
+            </a:r>
+            <a:r>
+              <a:rPr lang="en-US" baseline="0" dirty="0" smtClean="0"/>
+              <a:t> example does not represent the limits of </a:t>
+            </a:r>
+            <a:r>
+              <a:rPr lang="en-US" baseline="0" dirty="0" err="1" smtClean="0"/>
+              <a:t>pwalk</a:t>
+            </a:r>
+            <a:r>
+              <a:rPr lang="en-US" baseline="0" dirty="0" smtClean="0"/>
+              <a:t> throughput; merely the results of some tests that were run.</a:t>
+            </a:r>
+          </a:p>
+          <a:p>
+            <a:endParaRPr lang="en-US" dirty="0" smtClean="0"/>
+          </a:p>
+          <a:p>
+            <a:r>
+              <a:rPr lang="en-US" dirty="0" smtClean="0"/>
+              <a:t>One should also characterize the network bandwidth and CPU usage on both</a:t>
+            </a:r>
+            <a:r>
+              <a:rPr lang="en-US" baseline="0" dirty="0" smtClean="0"/>
+              <a:t> the client and the target storage to find the right tradeoff between performance and resource saturation.</a:t>
+            </a:r>
             <a:endParaRPr lang="en-US" dirty="0"/>
           </a:p>
         </p:txBody>
@@ -5024,21 +5076,52 @@
           <a:bodyPr/>
           <a:lstStyle/>
           <a:p>
-            <a:pPr defTabSz="931774">
-              <a:defRPr/>
-            </a:pPr>
-            <a:endParaRPr lang="en-US" sz="1400" dirty="0"/>
+            <a:endParaRPr lang="en-US" dirty="0"/>
           </a:p>
         </p:txBody>
       </p:sp>
       <p:sp>
         <p:nvSpPr>
-          <p:cNvPr id="4" name="Slide Number Placeholder 3"/>
+          <p:cNvPr id="4" name="Footer Placeholder 3"/>
           <p:cNvSpPr>
             <a:spLocks noGrp="1"/>
           </p:cNvSpPr>
           <p:nvPr>
-            <p:ph type="sldNum" sz="quarter" idx="10"/>
+            <p:ph type="ftr" sz="quarter" idx="10"/>
+          </p:nvPr>
+        </p:nvSpPr>
+        <p:spPr>
+          <a:xfrm>
+            <a:off x="0" y="8829967"/>
+            <a:ext cx="3037840" cy="464820"/>
+          </a:xfrm>
+          <a:prstGeom prst="rect">
+            <a:avLst/>
+          </a:prstGeom>
+        </p:spPr>
+        <p:txBody>
+          <a:bodyPr lIns="93177" tIns="46589" rIns="93177" bIns="46589"/>
+          <a:lstStyle/>
+          <a:p>
+            <a:pPr>
+              <a:defRPr/>
+            </a:pPr>
+            <a:r>
+              <a:rPr lang="en-US" smtClean="0"/>
+              <a:t>Module #: Module Name</a:t>
+            </a:r>
+            <a:endParaRPr lang="en-US" dirty="0"/>
+          </a:p>
+        </p:txBody>
+      </p:sp>
+      <p:sp>
+        <p:nvSpPr>
+          <p:cNvPr id="5" name="Slide Number Placeholder 4"/>
+          <p:cNvSpPr>
+            <a:spLocks noGrp="1"/>
+          </p:cNvSpPr>
+          <p:nvPr>
+            <p:ph type="sldNum" sz="quarter" idx="11"/>
           </p:nvPr>
         </p:nvSpPr>
         <p:spPr>
@@ -5054,27 +5137,24 @@
           <a:bodyPr lIns="93177" tIns="46589" rIns="93177" bIns="46589"/>
           <a:lstStyle/>
           <a:p>
-            <a:fld id="{C3102598-0D32-4B82-B7EF-C4D9838D3CB7}" type="slidenum">
-              <a:rPr lang="en-US" smtClean="0">
-                <a:solidFill>
-                  <a:prstClr val="black"/>
-                </a:solidFill>
-              </a:rPr>
-              <a:pPr/>
-              <a:t>39</a:t>
+            <a:pPr>
+              <a:defRPr/>
+            </a:pPr>
+            <a:fld id="{80249327-EC2F-4096-8D35-6B76097739FC}" type="slidenum">
+              <a:rPr lang="en-US" smtClean="0"/>
+              <a:pPr>
+                <a:defRPr/>
+              </a:pPr>
+              <a:t>38</a:t>
             </a:fld>
-            <a:endParaRPr lang="en-US" dirty="0">
-              <a:solidFill>
-                <a:prstClr val="black"/>
-              </a:solidFill>
-            </a:endParaRPr>
+            <a:endParaRPr lang="en-US" dirty="0"/>
           </a:p>
         </p:txBody>
       </p:sp>
     </p:spTree>
     <p:extLst>
       <p:ext uri="{BB962C8B-B14F-4D97-AF65-F5344CB8AC3E}">
-        <p14:creationId xmlns:p14="http://schemas.microsoft.com/office/powerpoint/2010/main" val="1461428334"/>
+        <p14:creationId xmlns:p14="http://schemas.microsoft.com/office/powerpoint/2010/main" val="4039075285"/>
       </p:ext>
     </p:extLst>
   </p:cSld>
@@ -5133,60 +5213,21 @@
           <a:bodyPr/>
           <a:lstStyle/>
           <a:p>
-            <a:r>
-              <a:rPr lang="en-US" dirty="0" smtClean="0"/>
-              <a:t>This</a:t>
-            </a:r>
-            <a:r>
-              <a:rPr lang="en-US" baseline="0" dirty="0" smtClean="0"/>
-              <a:t> pseudo-code shows the key functions</a:t>
-            </a:r>
-            <a:endParaRPr lang="en-US" dirty="0"/>
+            <a:pPr defTabSz="931774">
+              <a:defRPr/>
+            </a:pPr>
+            <a:endParaRPr lang="en-US" sz="1400" dirty="0"/>
           </a:p>
         </p:txBody>
       </p:sp>
       <p:sp>
         <p:nvSpPr>
-          <p:cNvPr id="4" name="Footer Placeholder 3"/>
+          <p:cNvPr id="4" name="Slide Number Placeholder 3"/>
           <p:cNvSpPr>
             <a:spLocks noGrp="1"/>
           </p:cNvSpPr>
           <p:nvPr>
-            <p:ph type="ftr" sz="quarter" idx="10"/>
-          </p:nvPr>
-        </p:nvSpPr>
-        <p:spPr>
-          <a:xfrm>
-            <a:off x="0" y="8829967"/>
-            <a:ext cx="3037840" cy="464820"/>
-          </a:xfrm>
-          <a:prstGeom prst="rect">
-            <a:avLst/>
-          </a:prstGeom>
-        </p:spPr>
-        <p:txBody>
-          <a:bodyPr lIns="93177" tIns="46589" rIns="93177" bIns="46589"/>
-          <a:lstStyle/>
-          <a:p>
-            <a:pPr>
-              <a:defRPr/>
-            </a:pPr>
-            <a:r>
-              <a:rPr lang="en-US" smtClean="0"/>
-              <a:t>Module #: Module Name</a:t>
-            </a:r>
-            <a:endParaRPr lang="en-US" dirty="0"/>
-          </a:p>
-        </p:txBody>
-      </p:sp>
-      <p:sp>
-        <p:nvSpPr>
-          <p:cNvPr id="5" name="Slide Number Placeholder 4"/>
-          <p:cNvSpPr>
-            <a:spLocks noGrp="1"/>
-          </p:cNvSpPr>
-          <p:nvPr>
-            <p:ph type="sldNum" sz="quarter" idx="11"/>
+            <p:ph type="sldNum" sz="quarter" idx="10"/>
           </p:nvPr>
         </p:nvSpPr>
         <p:spPr>
@@ -5202,24 +5243,27 @@
           <a:bodyPr lIns="93177" tIns="46589" rIns="93177" bIns="46589"/>
           <a:lstStyle/>
           <a:p>
-            <a:pPr>
-              <a:defRPr/>
-            </a:pPr>
-            <a:fld id="{80249327-EC2F-4096-8D35-6B76097739FC}" type="slidenum">
-              <a:rPr lang="en-US" smtClean="0"/>
-              <a:pPr>
-                <a:defRPr/>
-              </a:pPr>
+            <a:fld id="{C3102598-0D32-4B82-B7EF-C4D9838D3CB7}" type="slidenum">
+              <a:rPr lang="en-US" smtClean="0">
+                <a:solidFill>
+                  <a:prstClr val="black"/>
+                </a:solidFill>
+              </a:rPr>
+              <a:pPr/>
               <a:t>40</a:t>
             </a:fld>
-            <a:endParaRPr lang="en-US" dirty="0"/>
+            <a:endParaRPr lang="en-US" dirty="0">
+              <a:solidFill>
+                <a:prstClr val="black"/>
+              </a:solidFill>
+            </a:endParaRPr>
           </a:p>
         </p:txBody>
       </p:sp>
     </p:spTree>
     <p:extLst>
       <p:ext uri="{BB962C8B-B14F-4D97-AF65-F5344CB8AC3E}">
-        <p14:creationId xmlns:p14="http://schemas.microsoft.com/office/powerpoint/2010/main" val="2703140797"/>
+        <p14:creationId xmlns:p14="http://schemas.microsoft.com/office/powerpoint/2010/main" val="1461428334"/>
       </p:ext>
     </p:extLst>
   </p:cSld>
@@ -5420,17 +5464,96 @@
         </p:nvSpPr>
         <p:spPr/>
         <p:txBody>
-          <a:bodyPr lIns="91435" tIns="45717" rIns="91435" bIns="45717"/>
+          <a:bodyPr/>
           <a:lstStyle/>
           <a:p>
-            <a:endParaRPr lang="en-US" baseline="0" dirty="0" smtClean="0"/>
+            <a:r>
+              <a:rPr lang="en-US" dirty="0" smtClean="0"/>
+              <a:t>This</a:t>
+            </a:r>
+            <a:r>
+              <a:rPr lang="en-US" baseline="0" dirty="0" smtClean="0"/>
+              <a:t> pseudo-code shows the key functions</a:t>
+            </a:r>
+            <a:endParaRPr lang="en-US" dirty="0"/>
+          </a:p>
+        </p:txBody>
+      </p:sp>
+      <p:sp>
+        <p:nvSpPr>
+          <p:cNvPr id="4" name="Footer Placeholder 3"/>
+          <p:cNvSpPr>
+            <a:spLocks noGrp="1"/>
+          </p:cNvSpPr>
+          <p:nvPr>
+            <p:ph type="ftr" sz="quarter" idx="10"/>
+          </p:nvPr>
+        </p:nvSpPr>
+        <p:spPr>
+          <a:xfrm>
+            <a:off x="0" y="8829967"/>
+            <a:ext cx="3037840" cy="464820"/>
+          </a:xfrm>
+          <a:prstGeom prst="rect">
+            <a:avLst/>
+          </a:prstGeom>
+        </p:spPr>
+        <p:txBody>
+          <a:bodyPr lIns="93177" tIns="46589" rIns="93177" bIns="46589"/>
+          <a:lstStyle/>
+          <a:p>
+            <a:pPr>
+              <a:defRPr/>
+            </a:pPr>
+            <a:r>
+              <a:rPr lang="en-US" smtClean="0"/>
+              <a:t>Module #: Module Name</a:t>
+            </a:r>
+            <a:endParaRPr lang="en-US" dirty="0"/>
+          </a:p>
+        </p:txBody>
+      </p:sp>
+      <p:sp>
+        <p:nvSpPr>
+          <p:cNvPr id="5" name="Slide Number Placeholder 4"/>
+          <p:cNvSpPr>
+            <a:spLocks noGrp="1"/>
+          </p:cNvSpPr>
+          <p:nvPr>
+            <p:ph type="sldNum" sz="quarter" idx="11"/>
+          </p:nvPr>
+        </p:nvSpPr>
+        <p:spPr>
+          <a:xfrm>
+            <a:off x="3970938" y="8829967"/>
+            <a:ext cx="3037840" cy="464820"/>
+          </a:xfrm>
+          <a:prstGeom prst="rect">
+            <a:avLst/>
+          </a:prstGeom>
+        </p:spPr>
+        <p:txBody>
+          <a:bodyPr lIns="93177" tIns="46589" rIns="93177" bIns="46589"/>
+          <a:lstStyle/>
+          <a:p>
+            <a:pPr>
+              <a:defRPr/>
+            </a:pPr>
+            <a:fld id="{80249327-EC2F-4096-8D35-6B76097739FC}" type="slidenum">
+              <a:rPr lang="en-US" smtClean="0"/>
+              <a:pPr>
+                <a:defRPr/>
+              </a:pPr>
+              <a:t>42</a:t>
+            </a:fld>
+            <a:endParaRPr lang="en-US" dirty="0"/>
           </a:p>
         </p:txBody>
       </p:sp>
     </p:spTree>
     <p:extLst>
       <p:ext uri="{BB962C8B-B14F-4D97-AF65-F5344CB8AC3E}">
-        <p14:creationId xmlns:p14="http://schemas.microsoft.com/office/powerpoint/2010/main" val="2054967166"/>
+        <p14:creationId xmlns:p14="http://schemas.microsoft.com/office/powerpoint/2010/main" val="2703140797"/>
       </p:ext>
     </p:extLst>
   </p:cSld>
@@ -5953,60 +6076,17 @@
         </p:nvSpPr>
         <p:spPr/>
         <p:txBody>
-          <a:bodyPr/>
+          <a:bodyPr lIns="91435" tIns="45717" rIns="91435" bIns="45717"/>
           <a:lstStyle/>
           <a:p>
-            <a:pPr defTabSz="931774">
-              <a:defRPr/>
-            </a:pPr>
-            <a:endParaRPr lang="en-US" sz="1400" dirty="0"/>
-          </a:p>
-        </p:txBody>
-      </p:sp>
-      <p:sp>
-        <p:nvSpPr>
-          <p:cNvPr id="4" name="Slide Number Placeholder 3"/>
-          <p:cNvSpPr>
-            <a:spLocks noGrp="1"/>
-          </p:cNvSpPr>
-          <p:nvPr>
-            <p:ph type="sldNum" sz="quarter" idx="10"/>
-          </p:nvPr>
-        </p:nvSpPr>
-        <p:spPr>
-          <a:xfrm>
-            <a:off x="3970938" y="8829967"/>
-            <a:ext cx="3037840" cy="464820"/>
-          </a:xfrm>
-          <a:prstGeom prst="rect">
-            <a:avLst/>
-          </a:prstGeom>
-        </p:spPr>
-        <p:txBody>
-          <a:bodyPr lIns="93177" tIns="46589" rIns="93177" bIns="46589"/>
-          <a:lstStyle/>
-          <a:p>
-            <a:fld id="{C3102598-0D32-4B82-B7EF-C4D9838D3CB7}" type="slidenum">
-              <a:rPr lang="en-US" smtClean="0">
-                <a:solidFill>
-                  <a:prstClr val="black"/>
-                </a:solidFill>
-              </a:rPr>
-              <a:pPr/>
-              <a:t>48</a:t>
-            </a:fld>
-            <a:endParaRPr lang="en-US" dirty="0">
-              <a:solidFill>
-                <a:prstClr val="black"/>
-              </a:solidFill>
-            </a:endParaRPr>
+            <a:endParaRPr lang="en-US" baseline="0" dirty="0" smtClean="0"/>
           </a:p>
         </p:txBody>
       </p:sp>
     </p:spTree>
     <p:extLst>
       <p:ext uri="{BB962C8B-B14F-4D97-AF65-F5344CB8AC3E}">
-        <p14:creationId xmlns:p14="http://schemas.microsoft.com/office/powerpoint/2010/main" val="1461428334"/>
+        <p14:creationId xmlns:p14="http://schemas.microsoft.com/office/powerpoint/2010/main" val="2054967166"/>
       </p:ext>
     </p:extLst>
   </p:cSld>
@@ -6065,30 +6145,10 @@
           <a:bodyPr/>
           <a:lstStyle/>
           <a:p>
-            <a:r>
-              <a:rPr lang="en-US" dirty="0" smtClean="0"/>
-              <a:t>This a very straightforward C code, with the only consideration being inclusion of the </a:t>
-            </a:r>
-            <a:r>
-              <a:rPr lang="en-US" dirty="0" err="1" smtClean="0"/>
-              <a:t>pThreads</a:t>
-            </a:r>
-            <a:r>
-              <a:rPr lang="en-US" dirty="0" smtClean="0"/>
-              <a:t> library (the POSIX portable threads library).</a:t>
-            </a:r>
-          </a:p>
-          <a:p>
-            <a:r>
-              <a:rPr lang="en-US" dirty="0" smtClean="0"/>
-              <a:t>The O’Reilly book is all one needs to get started.</a:t>
-            </a:r>
-          </a:p>
-          <a:p>
-            <a:endParaRPr lang="en-US" dirty="0"/>
-          </a:p>
-          <a:p>
-            <a:endParaRPr lang="en-US" dirty="0"/>
+            <a:pPr defTabSz="931774">
+              <a:defRPr/>
+            </a:pPr>
+            <a:endParaRPr lang="en-US" sz="1400" dirty="0"/>
           </a:p>
         </p:txBody>
       </p:sp>
@@ -6115,24 +6175,27 @@
           <a:bodyPr lIns="93177" tIns="46589" rIns="93177" bIns="46589"/>
           <a:lstStyle/>
           <a:p>
-            <a:pPr>
-              <a:defRPr/>
-            </a:pPr>
-            <a:fld id="{D1F60938-1488-DE48-B964-642B5D0865D8}" type="slidenum">
-              <a:rPr lang="en-US" smtClean="0"/>
-              <a:pPr>
-                <a:defRPr/>
-              </a:pPr>
+            <a:fld id="{C3102598-0D32-4B82-B7EF-C4D9838D3CB7}" type="slidenum">
+              <a:rPr lang="en-US" smtClean="0">
+                <a:solidFill>
+                  <a:prstClr val="black"/>
+                </a:solidFill>
+              </a:rPr>
+              <a:pPr/>
               <a:t>49</a:t>
             </a:fld>
-            <a:endParaRPr lang="en-US"/>
+            <a:endParaRPr lang="en-US" dirty="0">
+              <a:solidFill>
+                <a:prstClr val="black"/>
+              </a:solidFill>
+            </a:endParaRPr>
           </a:p>
         </p:txBody>
       </p:sp>
     </p:spTree>
     <p:extLst>
       <p:ext uri="{BB962C8B-B14F-4D97-AF65-F5344CB8AC3E}">
-        <p14:creationId xmlns:p14="http://schemas.microsoft.com/office/powerpoint/2010/main" val="249082682"/>
+        <p14:creationId xmlns:p14="http://schemas.microsoft.com/office/powerpoint/2010/main" val="1461428334"/>
       </p:ext>
     </p:extLst>
   </p:cSld>
@@ -6192,6 +6255,132 @@
           <a:lstStyle/>
           <a:p>
             <a:r>
+              <a:rPr lang="en-US" dirty="0" smtClean="0"/>
+              <a:t>This a very straightforward C code, with the only consideration being inclusion of the </a:t>
+            </a:r>
+            <a:r>
+              <a:rPr lang="en-US" dirty="0" err="1" smtClean="0"/>
+              <a:t>pThreads</a:t>
+            </a:r>
+            <a:r>
+              <a:rPr lang="en-US" dirty="0" smtClean="0"/>
+              <a:t> library (the POSIX portable threads library).</a:t>
+            </a:r>
+          </a:p>
+          <a:p>
+            <a:r>
+              <a:rPr lang="en-US" dirty="0" smtClean="0"/>
+              <a:t>The O’Reilly book is all one needs to get started.</a:t>
+            </a:r>
+          </a:p>
+          <a:p>
+            <a:endParaRPr lang="en-US" dirty="0"/>
+          </a:p>
+          <a:p>
+            <a:endParaRPr lang="en-US" dirty="0"/>
+          </a:p>
+        </p:txBody>
+      </p:sp>
+      <p:sp>
+        <p:nvSpPr>
+          <p:cNvPr id="4" name="Slide Number Placeholder 3"/>
+          <p:cNvSpPr>
+            <a:spLocks noGrp="1"/>
+          </p:cNvSpPr>
+          <p:nvPr>
+            <p:ph type="sldNum" sz="quarter" idx="10"/>
+          </p:nvPr>
+        </p:nvSpPr>
+        <p:spPr>
+          <a:xfrm>
+            <a:off x="3970938" y="8829967"/>
+            <a:ext cx="3037840" cy="464820"/>
+          </a:xfrm>
+          <a:prstGeom prst="rect">
+            <a:avLst/>
+          </a:prstGeom>
+        </p:spPr>
+        <p:txBody>
+          <a:bodyPr lIns="93177" tIns="46589" rIns="93177" bIns="46589"/>
+          <a:lstStyle/>
+          <a:p>
+            <a:pPr>
+              <a:defRPr/>
+            </a:pPr>
+            <a:fld id="{D1F60938-1488-DE48-B964-642B5D0865D8}" type="slidenum">
+              <a:rPr lang="en-US" smtClean="0"/>
+              <a:pPr>
+                <a:defRPr/>
+              </a:pPr>
+              <a:t>50</a:t>
+            </a:fld>
+            <a:endParaRPr lang="en-US"/>
+          </a:p>
+        </p:txBody>
+      </p:sp>
+    </p:spTree>
+    <p:extLst>
+      <p:ext uri="{BB962C8B-B14F-4D97-AF65-F5344CB8AC3E}">
+        <p14:creationId xmlns:p14="http://schemas.microsoft.com/office/powerpoint/2010/main" val="249082682"/>
+      </p:ext>
+    </p:extLst>
+  </p:cSld>
+  <p:clrMapOvr>
+    <a:masterClrMapping/>
+  </p:clrMapOvr>
+</p:notes>
+</file>
+
+<file path=ppt/notesSlides/notesSlide47.xml><?xml version="1.0" encoding="utf-8"?>
+<p:notes xmlns:a="http://schemas.openxmlformats.org/drawingml/2006/main" xmlns:r="http://schemas.openxmlformats.org/officeDocument/2006/relationships" xmlns:p="http://schemas.openxmlformats.org/presentationml/2006/main">
+  <p:cSld>
+    <p:spTree>
+      <p:nvGrpSpPr>
+        <p:cNvPr id="1" name=""/>
+        <p:cNvGrpSpPr/>
+        <p:nvPr/>
+      </p:nvGrpSpPr>
+      <p:grpSpPr>
+        <a:xfrm>
+          <a:off x="0" y="0"/>
+          <a:ext cx="0" cy="0"/>
+          <a:chOff x="0" y="0"/>
+          <a:chExt cx="0" cy="0"/>
+        </a:xfrm>
+      </p:grpSpPr>
+      <p:sp>
+        <p:nvSpPr>
+          <p:cNvPr id="2" name="Slide Image Placeholder 1"/>
+          <p:cNvSpPr>
+            <a:spLocks noGrp="1" noRot="1" noChangeAspect="1"/>
+          </p:cNvSpPr>
+          <p:nvPr>
+            <p:ph type="sldImg"/>
+          </p:nvPr>
+        </p:nvSpPr>
+        <p:spPr>
+          <a:xfrm>
+            <a:off x="457200" y="384175"/>
+            <a:ext cx="6096000" cy="3430588"/>
+          </a:xfrm>
+        </p:spPr>
+      </p:sp>
+      <p:sp>
+        <p:nvSpPr>
+          <p:cNvPr id="3" name="Notes Placeholder 2"/>
+          <p:cNvSpPr>
+            <a:spLocks noGrp="1"/>
+          </p:cNvSpPr>
+          <p:nvPr>
+            <p:ph type="body" idx="1"/>
+          </p:nvPr>
+        </p:nvSpPr>
+        <p:spPr/>
+        <p:txBody>
+          <a:bodyPr/>
+          <a:lstStyle/>
+          <a:p>
+            <a:r>
               <a:rPr lang="en-US" baseline="0" dirty="0" smtClean="0"/>
               <a:t>Gathering and presenting this data is what </a:t>
             </a:r>
@@ -6350,7 +6539,7 @@
               <a:pPr>
                 <a:defRPr/>
               </a:pPr>
-              <a:t>50</a:t>
+              <a:t>51</a:t>
             </a:fld>
             <a:endParaRPr lang="en-US" dirty="0"/>
           </a:p>
@@ -6369,7 +6558,7 @@
 </p:notes>
 </file>
 
-<file path=ppt/notesSlides/notesSlide47.xml><?xml version="1.0" encoding="utf-8"?>
+<file path=ppt/notesSlides/notesSlide48.xml><?xml version="1.0" encoding="utf-8"?>
 <p:notes xmlns:a="http://schemas.openxmlformats.org/drawingml/2006/main" xmlns:r="http://schemas.openxmlformats.org/officeDocument/2006/relationships" xmlns:p="http://schemas.openxmlformats.org/presentationml/2006/main">
   <p:cSld>
     <p:spTree>
@@ -6413,7 +6602,7 @@
             <a:fld id="{264D9E70-C7EE-EC47-B3E9-B8FB59B59006}" type="slidenum">
               <a:rPr lang="en-US"/>
               <a:pPr/>
-              <a:t>52</a:t>
+              <a:t>53</a:t>
             </a:fld>
             <a:endParaRPr lang="en-US"/>
           </a:p>
@@ -6471,7 +6660,7 @@
 </p:notes>
 </file>
 
-<file path=ppt/notesSlides/notesSlide48.xml><?xml version="1.0" encoding="utf-8"?>
+<file path=ppt/notesSlides/notesSlide49.xml><?xml version="1.0" encoding="utf-8"?>
 <p:notes xmlns:a="http://schemas.openxmlformats.org/drawingml/2006/main" xmlns:r="http://schemas.openxmlformats.org/officeDocument/2006/relationships" xmlns:p="http://schemas.openxmlformats.org/presentationml/2006/main">
   <p:cSld>
     <p:spTree>
@@ -10631,7 +10820,7 @@
                   <a:schemeClr val="bg1"/>
                 </a:buClr>
               </a:pPr>
-              <a:t>2018/06/15</a:t>
+              <a:t>2018/07/23</a:t>
             </a:fld>
             <a:endParaRPr lang="en-US" sz="900" dirty="0" smtClean="0">
               <a:solidFill>
@@ -10705,7 +10894,7 @@
                   <a:schemeClr val="bg1"/>
                 </a:buClr>
               </a:pPr>
-              <a:t>2018/06/15</a:t>
+              <a:t>2018/07/23</a:t>
             </a:fld>
             <a:endParaRPr lang="en-US" sz="900" dirty="0" smtClean="0">
               <a:solidFill>
@@ -11630,7 +11819,7 @@
                   <a:srgbClr val="FFFFFF"/>
                 </a:solidFill>
               </a:rPr>
-              <a:t>May 23, 2018</a:t>
+              <a:t>July, 2018</a:t>
             </a:r>
             <a:endParaRPr lang="en-US" dirty="0"/>
           </a:p>
@@ -12357,9 +12546,14 @@
               <a:t>–</a:t>
             </a:r>
             <a:r>
+              <a:rPr lang="en-US" sz="1200" dirty="0" err="1" smtClean="0"/>
+              <a:t>pfile</a:t>
+            </a:r>
+            <a:r>
               <a:rPr lang="en-US" sz="1200" dirty="0" smtClean="0"/>
-              <a:t>paths= file</a:t>
-            </a:r>
+              <a:t>=&lt;file&gt;</a:t>
+            </a:r>
+            <a:endParaRPr lang="en-US" sz="1200" dirty="0" smtClean="0"/>
           </a:p>
         </p:txBody>
       </p:sp>
@@ -13096,16 +13290,7 @@
                 </a:solidFill>
                 <a:latin typeface="+mn-lt"/>
               </a:rPr>
-              <a:t>&gt; </a:t>
-            </a:r>
-            <a:r>
-              <a:rPr lang="en-US" sz="1400" dirty="0" smtClean="0">
-                <a:solidFill>
-                  <a:srgbClr val="444444"/>
-                </a:solidFill>
-                <a:latin typeface="+mn-lt"/>
-              </a:rPr>
-              <a:t>values</a:t>
+              <a:t>&gt; values</a:t>
             </a:r>
           </a:p>
           <a:p>
@@ -13712,13 +13897,7 @@
               <a:rPr lang="en-US" sz="1400" dirty="0" smtClean="0">
                 <a:latin typeface="+mn-lt"/>
               </a:rPr>
-              <a:t>–l</a:t>
-            </a:r>
-            <a:r>
-              <a:rPr lang="en-US" sz="1400" dirty="0" smtClean="0">
-                <a:latin typeface="+mn-lt"/>
-              </a:rPr>
-              <a:t>)</a:t>
+              <a:t>–l)</a:t>
             </a:r>
           </a:p>
           <a:p>
@@ -13795,11 +13974,6 @@
               </a:rPr>
               <a:t>, but only outputs directories)</a:t>
             </a:r>
-            <a:endParaRPr lang="en-US" sz="1400" dirty="0" smtClean="0">
-              <a:solidFill>
-                <a:srgbClr val="444444"/>
-              </a:solidFill>
-            </a:endParaRPr>
           </a:p>
           <a:p>
             <a:pPr marL="346075" lvl="1" indent="0">
@@ -13958,7 +14132,87 @@
                 </a:solidFill>
                 <a:latin typeface="+mn-lt"/>
               </a:rPr>
-              <a:t> </a:t>
+              <a:t> commands</a:t>
+            </a:r>
+            <a:r>
+              <a:rPr lang="en-US" sz="1400" baseline="30000" dirty="0" smtClean="0">
+                <a:solidFill>
+                  <a:schemeClr val="tx1"/>
+                </a:solidFill>
+                <a:latin typeface="+mn-lt"/>
+              </a:rPr>
+              <a:t>[1]</a:t>
+            </a:r>
+          </a:p>
+          <a:p>
+            <a:pPr marL="346075" lvl="1" indent="0">
+              <a:spcBef>
+                <a:spcPts val="0"/>
+              </a:spcBef>
+              <a:buNone/>
+            </a:pPr>
+            <a:r>
+              <a:rPr lang="en-US" sz="1400" dirty="0" smtClean="0">
+                <a:solidFill>
+                  <a:srgbClr val="FF0000"/>
+                </a:solidFill>
+              </a:rPr>
+              <a:t>-trash			// Create .</a:t>
+            </a:r>
+            <a:r>
+              <a:rPr lang="en-US" sz="1400" dirty="0" err="1" smtClean="0">
+                <a:solidFill>
+                  <a:srgbClr val="FF0000"/>
+                </a:solidFill>
+              </a:rPr>
+              <a:t>sh</a:t>
+            </a:r>
+            <a:r>
+              <a:rPr lang="en-US" sz="1400" dirty="0" smtClean="0">
+                <a:solidFill>
+                  <a:srgbClr val="FF0000"/>
+                </a:solidFill>
+              </a:rPr>
+              <a:t> outputs containing mv commands</a:t>
+            </a:r>
+            <a:r>
+              <a:rPr lang="en-US" sz="1400" baseline="30000" dirty="0" smtClean="0">
+                <a:solidFill>
+                  <a:srgbClr val="FF0000"/>
+                </a:solidFill>
+              </a:rPr>
+              <a:t>[1]</a:t>
+            </a:r>
+            <a:endParaRPr lang="en-US" sz="1400" baseline="30000" dirty="0">
+              <a:solidFill>
+                <a:srgbClr val="FF0000"/>
+              </a:solidFill>
+            </a:endParaRPr>
+          </a:p>
+          <a:p>
+            <a:pPr marL="346075" lvl="1" indent="0">
+              <a:spcBef>
+                <a:spcPts val="0"/>
+              </a:spcBef>
+              <a:buNone/>
+            </a:pPr>
+            <a:r>
+              <a:rPr lang="en-US" sz="1400" dirty="0">
+                <a:solidFill>
+                  <a:schemeClr val="tx1"/>
+                </a:solidFill>
+                <a:latin typeface="+mn-lt"/>
+              </a:rPr>
+              <a:t>-</a:t>
+            </a:r>
+            <a:r>
+              <a:rPr lang="en-US" sz="1400" dirty="0" err="1" smtClean="0">
+                <a:solidFill>
+                  <a:schemeClr val="tx1"/>
+                </a:solidFill>
+                <a:latin typeface="+mn-lt"/>
+              </a:rPr>
+              <a:t>cmp</a:t>
             </a:r>
             <a:r>
               <a:rPr lang="en-US" sz="1400" dirty="0" smtClean="0">
@@ -13967,17 +14221,47 @@
                 </a:solidFill>
                 <a:latin typeface="+mn-lt"/>
               </a:rPr>
-              <a:t>commands</a:t>
-            </a:r>
-            <a:r>
-              <a:rPr lang="en-US" sz="1400" baseline="30000" dirty="0" smtClean="0">
+              <a:t>[=&lt;criteria&gt;</a:t>
+            </a:r>
+            <a:r>
+              <a:rPr lang="en-US" sz="1400" dirty="0">
                 <a:solidFill>
                   <a:schemeClr val="tx1"/>
                 </a:solidFill>
                 <a:latin typeface="+mn-lt"/>
               </a:rPr>
-              <a:t>[1]</a:t>
-            </a:r>
+              <a:t>		// Create .</a:t>
+            </a:r>
+            <a:r>
+              <a:rPr lang="en-US" sz="1400" dirty="0" err="1">
+                <a:solidFill>
+                  <a:schemeClr val="tx1"/>
+                </a:solidFill>
+                <a:latin typeface="+mn-lt"/>
+              </a:rPr>
+              <a:t>cmp</a:t>
+            </a:r>
+            <a:r>
+              <a:rPr lang="en-US" sz="1400" dirty="0">
+                <a:solidFill>
+                  <a:schemeClr val="tx1"/>
+                </a:solidFill>
+                <a:latin typeface="+mn-lt"/>
+              </a:rPr>
+              <a:t> outputs from file hierarchy </a:t>
+            </a:r>
+            <a:r>
+              <a:rPr lang="en-US" sz="1400" dirty="0" smtClean="0">
+                <a:solidFill>
+                  <a:schemeClr val="tx1"/>
+                </a:solidFill>
+                <a:latin typeface="+mn-lt"/>
+              </a:rPr>
+              <a:t>compare</a:t>
+            </a:r>
+            <a:endParaRPr lang="en-US" sz="1400" dirty="0">
+              <a:latin typeface="+mn-lt"/>
+            </a:endParaRPr>
           </a:p>
           <a:p>
             <a:pPr marL="346075" lvl="1" indent="0">
@@ -13987,125 +14271,6 @@
               <a:buNone/>
             </a:pPr>
             <a:r>
-              <a:rPr lang="en-US" sz="1400" dirty="0" smtClean="0">
-                <a:solidFill>
-                  <a:schemeClr val="tx1"/>
-                </a:solidFill>
-              </a:rPr>
-              <a:t>-trash			// Create .</a:t>
-            </a:r>
-            <a:r>
-              <a:rPr lang="en-US" sz="1400" dirty="0" err="1" smtClean="0">
-                <a:solidFill>
-                  <a:schemeClr val="tx1"/>
-                </a:solidFill>
-              </a:rPr>
-              <a:t>sh</a:t>
-            </a:r>
-            <a:r>
-              <a:rPr lang="en-US" sz="1400" dirty="0" smtClean="0">
-                <a:solidFill>
-                  <a:schemeClr val="tx1"/>
-                </a:solidFill>
-              </a:rPr>
-              <a:t> outputs containing mv commands</a:t>
-            </a:r>
-            <a:r>
-              <a:rPr lang="en-US" sz="1400" baseline="30000" dirty="0" smtClean="0">
-                <a:solidFill>
-                  <a:schemeClr val="tx1"/>
-                </a:solidFill>
-              </a:rPr>
-              <a:t>[1]</a:t>
-            </a:r>
-            <a:endParaRPr lang="en-US" sz="1400" baseline="30000" dirty="0">
-              <a:solidFill>
-                <a:schemeClr val="tx1"/>
-              </a:solidFill>
-            </a:endParaRPr>
-          </a:p>
-          <a:p>
-            <a:pPr marL="346075" lvl="1" indent="0">
-              <a:spcBef>
-                <a:spcPts val="0"/>
-              </a:spcBef>
-              <a:buNone/>
-            </a:pPr>
-            <a:r>
-              <a:rPr lang="en-US" sz="1400" dirty="0">
-                <a:solidFill>
-                  <a:schemeClr val="tx1"/>
-                </a:solidFill>
-                <a:latin typeface="+mn-lt"/>
-              </a:rPr>
-              <a:t>-</a:t>
-            </a:r>
-            <a:r>
-              <a:rPr lang="en-US" sz="1400" dirty="0" err="1" smtClean="0">
-                <a:solidFill>
-                  <a:schemeClr val="tx1"/>
-                </a:solidFill>
-                <a:latin typeface="+mn-lt"/>
-              </a:rPr>
-              <a:t>cmp</a:t>
-            </a:r>
-            <a:r>
-              <a:rPr lang="en-US" sz="1400" dirty="0" smtClean="0">
-                <a:solidFill>
-                  <a:schemeClr val="tx1"/>
-                </a:solidFill>
-                <a:latin typeface="+mn-lt"/>
-              </a:rPr>
-              <a:t>[=&lt;criteria&gt;</a:t>
-            </a:r>
-            <a:r>
-              <a:rPr lang="en-US" sz="1400" dirty="0">
-                <a:solidFill>
-                  <a:schemeClr val="tx1"/>
-                </a:solidFill>
-                <a:latin typeface="+mn-lt"/>
-              </a:rPr>
-              <a:t>		// Create .</a:t>
-            </a:r>
-            <a:r>
-              <a:rPr lang="en-US" sz="1400" dirty="0" err="1">
-                <a:solidFill>
-                  <a:schemeClr val="tx1"/>
-                </a:solidFill>
-                <a:latin typeface="+mn-lt"/>
-              </a:rPr>
-              <a:t>cmp</a:t>
-            </a:r>
-            <a:r>
-              <a:rPr lang="en-US" sz="1400" dirty="0">
-                <a:solidFill>
-                  <a:schemeClr val="tx1"/>
-                </a:solidFill>
-                <a:latin typeface="+mn-lt"/>
-              </a:rPr>
-              <a:t> outputs from file hierarchy </a:t>
-            </a:r>
-            <a:r>
-              <a:rPr lang="en-US" sz="1400" dirty="0" smtClean="0">
-                <a:solidFill>
-                  <a:schemeClr val="tx1"/>
-                </a:solidFill>
-                <a:latin typeface="+mn-lt"/>
-              </a:rPr>
-              <a:t>compare</a:t>
-            </a:r>
-            <a:endParaRPr lang="en-US" sz="1400" dirty="0">
-              <a:latin typeface="+mn-lt"/>
-            </a:endParaRPr>
-          </a:p>
-          <a:p>
-            <a:pPr marL="346075" lvl="1" indent="0">
-              <a:spcBef>
-                <a:spcPts val="0"/>
-              </a:spcBef>
-              <a:buNone/>
-            </a:pPr>
-            <a:r>
               <a:rPr lang="en-US" sz="1400" dirty="0">
                 <a:solidFill>
                   <a:srgbClr val="FF0000"/>
@@ -14123,12 +14288,6 @@
               </a:rPr>
               <a:t>[2]</a:t>
             </a:r>
-            <a:endParaRPr lang="en-US" sz="1400" baseline="30000" dirty="0" smtClean="0">
-              <a:solidFill>
-                <a:srgbClr val="FF0000"/>
-              </a:solidFill>
-              <a:latin typeface="+mn-lt"/>
-            </a:endParaRPr>
           </a:p>
           <a:p>
             <a:pPr marL="346075" lvl="1" indent="0">
@@ -14383,32 +14542,8 @@
                 </a:solidFill>
                 <a:latin typeface="+mn-lt"/>
               </a:rPr>
-              <a:t>[2] </a:t>
-            </a:r>
-            <a:r>
-              <a:rPr lang="en-US" sz="1400" dirty="0" smtClean="0">
-                <a:solidFill>
-                  <a:srgbClr val="FF0000"/>
-                </a:solidFill>
-                <a:latin typeface="+mn-lt"/>
-              </a:rPr>
-              <a:t>Not yet implemented or under </a:t>
-            </a:r>
-            <a:r>
-              <a:rPr lang="en-US" sz="1400" dirty="0" smtClean="0">
-                <a:solidFill>
-                  <a:srgbClr val="FF0000"/>
-                </a:solidFill>
-                <a:latin typeface="+mn-lt"/>
-              </a:rPr>
-              <a:t>development </a:t>
-            </a:r>
-            <a:endParaRPr lang="en-US" sz="1400" dirty="0" smtClean="0">
-              <a:solidFill>
-                <a:srgbClr val="FF0000"/>
-              </a:solidFill>
-              <a:latin typeface="+mn-lt"/>
-            </a:endParaRPr>
+              <a:t>[2] Not yet implemented or under development </a:t>
+            </a:r>
           </a:p>
         </p:txBody>
       </p:sp>
@@ -15855,7 +15990,7 @@
             </a:pPr>
             <a:r>
               <a:rPr lang="en-US" sz="1400" dirty="0" smtClean="0"/>
-              <a:t>--since=&lt;path&gt;		// DEVELOPMENTAL: -select only files with </a:t>
+              <a:t>-since=&lt;path&gt;		// DEVELOPMENTAL: -select only files with </a:t>
             </a:r>
             <a:r>
               <a:rPr lang="en-US" sz="1400" dirty="0" err="1" smtClean="0"/>
@@ -15975,13 +16110,8 @@
             </a:r>
             <a:r>
               <a:rPr lang="en-US" sz="1400" dirty="0" smtClean="0"/>
-              <a:t>, -xml) to indicate ACL present [</a:t>
-            </a:r>
-            <a:r>
-              <a:rPr lang="en-US" sz="1400" smtClean="0"/>
-              <a:t>*][**]</a:t>
-            </a:r>
-            <a:endParaRPr lang="en-US" sz="1400" dirty="0" smtClean="0"/>
+              <a:t>, -xml) to indicate ACL present [*][**]</a:t>
+            </a:r>
           </a:p>
           <a:p>
             <a:pPr marL="514350" lvl="1" indent="0">
@@ -18550,6 +18680,688 @@
           <a:chExt cx="0" cy="0"/>
         </a:xfrm>
       </p:grpSpPr>
+      <p:sp>
+        <p:nvSpPr>
+          <p:cNvPr id="2" name="Title 1"/>
+          <p:cNvSpPr>
+            <a:spLocks noGrp="1"/>
+          </p:cNvSpPr>
+          <p:nvPr>
+            <p:ph type="title"/>
+          </p:nvPr>
+        </p:nvSpPr>
+        <p:spPr/>
+        <p:txBody>
+          <a:bodyPr anchor="ctr" anchorCtr="0"/>
+          <a:lstStyle/>
+          <a:p>
+            <a:r>
+              <a:rPr lang="en-US" dirty="0"/>
+              <a:t>-</a:t>
+            </a:r>
+            <a:r>
+              <a:rPr lang="en-US" dirty="0" err="1" smtClean="0"/>
+              <a:t>ls</a:t>
+            </a:r>
+            <a:r>
+              <a:rPr lang="en-US" dirty="0" smtClean="0"/>
+              <a:t>, -</a:t>
+            </a:r>
+            <a:r>
+              <a:rPr lang="en-US" dirty="0" err="1" smtClean="0"/>
+              <a:t>lsd</a:t>
+            </a:r>
+            <a:r>
+              <a:rPr lang="en-US" dirty="0" smtClean="0"/>
+              <a:t>, -</a:t>
+            </a:r>
+            <a:r>
+              <a:rPr lang="en-US" dirty="0" err="1" smtClean="0"/>
+              <a:t>ls</a:t>
+            </a:r>
+            <a:r>
+              <a:rPr lang="en-US" dirty="0" smtClean="0"/>
+              <a:t>-special modes </a:t>
+            </a:r>
+            <a:r>
+              <a:rPr lang="en-US" dirty="0" smtClean="0"/>
+              <a:t>(primary)</a:t>
+            </a:r>
+            <a:endParaRPr lang="en-US" dirty="0"/>
+          </a:p>
+        </p:txBody>
+      </p:sp>
+      <p:sp>
+        <p:nvSpPr>
+          <p:cNvPr id="3" name="Content Placeholder 2"/>
+          <p:cNvSpPr>
+            <a:spLocks noGrp="1"/>
+          </p:cNvSpPr>
+          <p:nvPr>
+            <p:ph sz="quarter" idx="10"/>
+          </p:nvPr>
+        </p:nvSpPr>
+        <p:spPr/>
+        <p:txBody>
+          <a:bodyPr>
+            <a:normAutofit/>
+          </a:bodyPr>
+          <a:lstStyle/>
+          <a:p>
+            <a:pPr>
+              <a:buClrTx/>
+            </a:pPr>
+            <a:r>
+              <a:rPr lang="en-US" dirty="0" smtClean="0"/>
+              <a:t>-</a:t>
+            </a:r>
+            <a:r>
+              <a:rPr lang="en-US" dirty="0" err="1" smtClean="0"/>
+              <a:t>ls</a:t>
+            </a:r>
+            <a:r>
+              <a:rPr lang="en-US" dirty="0" smtClean="0"/>
+              <a:t> </a:t>
+            </a:r>
+            <a:r>
+              <a:rPr lang="mr-IN" dirty="0" smtClean="0"/>
+              <a:t>–</a:t>
+            </a:r>
+            <a:r>
+              <a:rPr lang="en-US" dirty="0" smtClean="0"/>
+              <a:t> much like ‘</a:t>
+            </a:r>
+            <a:r>
+              <a:rPr lang="en-US" dirty="0" err="1" smtClean="0"/>
+              <a:t>ls</a:t>
+            </a:r>
+            <a:r>
+              <a:rPr lang="en-US" dirty="0" smtClean="0"/>
+              <a:t> </a:t>
+            </a:r>
+            <a:r>
+              <a:rPr lang="mr-IN" dirty="0" smtClean="0"/>
+              <a:t>–</a:t>
+            </a:r>
+            <a:r>
+              <a:rPr lang="en-US" dirty="0" smtClean="0"/>
+              <a:t>l’</a:t>
+            </a:r>
+          </a:p>
+          <a:p>
+            <a:pPr marL="457200" indent="0">
+              <a:spcBef>
+                <a:spcPts val="0"/>
+              </a:spcBef>
+              <a:buNone/>
+            </a:pPr>
+            <a:r>
+              <a:rPr lang="mr-IN" sz="1050" dirty="0">
+                <a:latin typeface="Consolas"/>
+                <a:cs typeface="Consolas"/>
+              </a:rPr>
+              <a:t>/usr:</a:t>
+            </a:r>
+          </a:p>
+          <a:p>
+            <a:pPr marL="457200" indent="0">
+              <a:spcBef>
+                <a:spcPts val="0"/>
+              </a:spcBef>
+              <a:buNone/>
+            </a:pPr>
+            <a:r>
+              <a:rPr lang="en-US" sz="1050" dirty="0" err="1">
+                <a:latin typeface="Consolas"/>
+                <a:cs typeface="Consolas"/>
+              </a:rPr>
+              <a:t>drwxr</a:t>
+            </a:r>
+            <a:r>
+              <a:rPr lang="en-US" sz="1050" dirty="0">
+                <a:latin typeface="Consolas"/>
+                <a:cs typeface="Consolas"/>
+              </a:rPr>
+              <a:t>-</a:t>
+            </a:r>
+            <a:r>
+              <a:rPr lang="en-US" sz="1050" dirty="0" err="1">
+                <a:latin typeface="Consolas"/>
+                <a:cs typeface="Consolas"/>
+              </a:rPr>
+              <a:t>xr</a:t>
+            </a:r>
+            <a:r>
+              <a:rPr lang="en-US" sz="1050" dirty="0">
+                <a:latin typeface="Consolas"/>
+                <a:cs typeface="Consolas"/>
+              </a:rPr>
+              <a:t>-x 980 0 bin</a:t>
+            </a:r>
+          </a:p>
+          <a:p>
+            <a:pPr marL="457200" indent="0">
+              <a:spcBef>
+                <a:spcPts val="0"/>
+              </a:spcBef>
+              <a:buNone/>
+            </a:pPr>
+            <a:r>
+              <a:rPr lang="en-US" sz="1050" dirty="0" err="1" smtClean="0">
+                <a:latin typeface="Consolas"/>
+                <a:cs typeface="Consolas"/>
+              </a:rPr>
+              <a:t>drwxr</a:t>
+            </a:r>
+            <a:r>
+              <a:rPr lang="en-US" sz="1050" dirty="0">
+                <a:latin typeface="Consolas"/>
+                <a:cs typeface="Consolas"/>
+              </a:rPr>
+              <a:t>-</a:t>
+            </a:r>
+            <a:r>
+              <a:rPr lang="en-US" sz="1050" dirty="0" err="1">
+                <a:latin typeface="Consolas"/>
+                <a:cs typeface="Consolas"/>
+              </a:rPr>
+              <a:t>xr</a:t>
+            </a:r>
+            <a:r>
+              <a:rPr lang="en-US" sz="1050" dirty="0">
+                <a:latin typeface="Consolas"/>
+                <a:cs typeface="Consolas"/>
+              </a:rPr>
+              <a:t>-x 294 0 lib</a:t>
+            </a:r>
+          </a:p>
+          <a:p>
+            <a:pPr marL="457200" indent="0">
+              <a:spcBef>
+                <a:spcPts val="0"/>
+              </a:spcBef>
+              <a:buNone/>
+            </a:pPr>
+            <a:r>
+              <a:rPr lang="mr-IN" sz="1050" dirty="0">
+                <a:latin typeface="Consolas"/>
+                <a:cs typeface="Consolas"/>
+              </a:rPr>
+              <a:t>lrwxr-xr-x 1 8 </a:t>
+            </a:r>
+            <a:r>
+              <a:rPr lang="mr-IN" sz="1050" dirty="0" smtClean="0">
+                <a:latin typeface="Consolas"/>
+                <a:cs typeface="Consolas"/>
+              </a:rPr>
+              <a:t>X11</a:t>
+            </a:r>
+            <a:endParaRPr lang="en-US" sz="1050" dirty="0" smtClean="0">
+              <a:latin typeface="Consolas"/>
+              <a:cs typeface="Consolas"/>
+            </a:endParaRPr>
+          </a:p>
+          <a:p>
+            <a:pPr marL="457200" indent="0">
+              <a:spcBef>
+                <a:spcPts val="0"/>
+              </a:spcBef>
+              <a:buNone/>
+            </a:pPr>
+            <a:r>
+              <a:rPr lang="mr-IN" sz="1050" dirty="0" smtClean="0">
+                <a:latin typeface="Consolas"/>
+                <a:cs typeface="Consolas"/>
+              </a:rPr>
+              <a:t>…</a:t>
+            </a:r>
+            <a:endParaRPr lang="mr-IN" sz="1050" dirty="0">
+              <a:latin typeface="Consolas"/>
+              <a:cs typeface="Consolas"/>
+            </a:endParaRPr>
+          </a:p>
+          <a:p>
+            <a:pPr marL="457200" indent="0">
+              <a:spcBef>
+                <a:spcPts val="0"/>
+              </a:spcBef>
+              <a:buNone/>
+            </a:pPr>
+            <a:r>
+              <a:rPr lang="en-US" sz="1050" dirty="0" err="1">
+                <a:latin typeface="Consolas"/>
+                <a:cs typeface="Consolas"/>
+              </a:rPr>
+              <a:t>drwxr</a:t>
+            </a:r>
+            <a:r>
+              <a:rPr lang="en-US" sz="1050" dirty="0">
+                <a:latin typeface="Consolas"/>
+                <a:cs typeface="Consolas"/>
+              </a:rPr>
+              <a:t>-</a:t>
+            </a:r>
+            <a:r>
+              <a:rPr lang="en-US" sz="1050" dirty="0" err="1">
+                <a:latin typeface="Consolas"/>
+                <a:cs typeface="Consolas"/>
+              </a:rPr>
+              <a:t>xr</a:t>
+            </a:r>
+            <a:r>
+              <a:rPr lang="en-US" sz="1050" dirty="0">
+                <a:latin typeface="Consolas"/>
+                <a:cs typeface="Consolas"/>
+              </a:rPr>
+              <a:t>-x 47 0 share</a:t>
+            </a:r>
+          </a:p>
+          <a:p>
+            <a:pPr marL="457200" indent="0">
+              <a:spcBef>
+                <a:spcPts val="0"/>
+              </a:spcBef>
+              <a:buNone/>
+            </a:pPr>
+            <a:r>
+              <a:rPr lang="en-US" sz="1050" dirty="0">
+                <a:latin typeface="Consolas"/>
+                <a:cs typeface="Consolas"/>
+              </a:rPr>
+              <a:t>total: files=0 </a:t>
+            </a:r>
+            <a:r>
+              <a:rPr lang="en-US" sz="1050" dirty="0" err="1">
+                <a:latin typeface="Consolas"/>
+                <a:cs typeface="Consolas"/>
+              </a:rPr>
+              <a:t>dirs</a:t>
+            </a:r>
+            <a:r>
+              <a:rPr lang="en-US" sz="1050" dirty="0">
+                <a:latin typeface="Consolas"/>
+                <a:cs typeface="Consolas"/>
+              </a:rPr>
+              <a:t>=7 other=1 errors=0 allocated=0 nominal=328</a:t>
+            </a:r>
+            <a:endParaRPr lang="en-US" sz="1050" dirty="0" smtClean="0">
+              <a:latin typeface="Consolas"/>
+              <a:cs typeface="Consolas"/>
+            </a:endParaRPr>
+          </a:p>
+          <a:p>
+            <a:pPr>
+              <a:buClrTx/>
+            </a:pPr>
+            <a:r>
+              <a:rPr lang="en-US" dirty="0" smtClean="0"/>
+              <a:t>-</a:t>
+            </a:r>
+            <a:r>
+              <a:rPr lang="en-US" dirty="0" err="1" smtClean="0"/>
+              <a:t>lsd</a:t>
+            </a:r>
+            <a:r>
+              <a:rPr lang="en-US" dirty="0" smtClean="0"/>
+              <a:t> </a:t>
+            </a:r>
+            <a:r>
+              <a:rPr lang="mr-IN" dirty="0" smtClean="0"/>
+              <a:t>–</a:t>
+            </a:r>
+            <a:r>
+              <a:rPr lang="en-US" dirty="0" smtClean="0"/>
+              <a:t> like </a:t>
+            </a:r>
+            <a:r>
+              <a:rPr lang="mr-IN" dirty="0" smtClean="0"/>
+              <a:t>–</a:t>
+            </a:r>
+            <a:r>
+              <a:rPr lang="en-US" dirty="0" err="1" smtClean="0"/>
+              <a:t>ls</a:t>
+            </a:r>
+            <a:r>
+              <a:rPr lang="en-US" dirty="0" smtClean="0"/>
+              <a:t>, but show </a:t>
+            </a:r>
+            <a:r>
+              <a:rPr lang="en-US" u="sng" dirty="0" smtClean="0"/>
+              <a:t>only</a:t>
+            </a:r>
+            <a:r>
+              <a:rPr lang="en-US" dirty="0" smtClean="0"/>
+              <a:t> directory totals</a:t>
+            </a:r>
+          </a:p>
+          <a:p>
+            <a:pPr marL="457200" indent="0">
+              <a:spcBef>
+                <a:spcPts val="0"/>
+              </a:spcBef>
+              <a:buNone/>
+            </a:pPr>
+            <a:r>
+              <a:rPr lang="mr-IN" sz="1050" dirty="0">
+                <a:latin typeface="Consolas"/>
+                <a:cs typeface="Consolas"/>
+              </a:rPr>
+              <a:t>/usr:</a:t>
+            </a:r>
+          </a:p>
+          <a:p>
+            <a:pPr marL="457200" indent="0">
+              <a:spcBef>
+                <a:spcPts val="0"/>
+              </a:spcBef>
+              <a:buNone/>
+            </a:pPr>
+            <a:r>
+              <a:rPr lang="en-US" sz="1050" dirty="0" smtClean="0">
+                <a:latin typeface="Consolas"/>
+                <a:cs typeface="Consolas"/>
+              </a:rPr>
+              <a:t>total</a:t>
+            </a:r>
+            <a:r>
+              <a:rPr lang="en-US" sz="1050" dirty="0">
+                <a:latin typeface="Consolas"/>
+                <a:cs typeface="Consolas"/>
+              </a:rPr>
+              <a:t>: files=0 </a:t>
+            </a:r>
+            <a:r>
+              <a:rPr lang="en-US" sz="1050" dirty="0" err="1">
+                <a:latin typeface="Consolas"/>
+                <a:cs typeface="Consolas"/>
+              </a:rPr>
+              <a:t>dirs</a:t>
+            </a:r>
+            <a:r>
+              <a:rPr lang="en-US" sz="1050" dirty="0">
+                <a:latin typeface="Consolas"/>
+                <a:cs typeface="Consolas"/>
+              </a:rPr>
+              <a:t>=7 other=1 errors=0 allocated=0 nominal=328</a:t>
+            </a:r>
+          </a:p>
+          <a:p>
+            <a:pPr>
+              <a:buClrTx/>
+            </a:pPr>
+            <a:r>
+              <a:rPr lang="en-US" dirty="0" smtClean="0"/>
+              <a:t>-</a:t>
+            </a:r>
+            <a:r>
+              <a:rPr lang="en-US" dirty="0" err="1" smtClean="0"/>
+              <a:t>ls</a:t>
+            </a:r>
+            <a:r>
+              <a:rPr lang="en-US" dirty="0" smtClean="0"/>
+              <a:t>-special </a:t>
+            </a:r>
+            <a:r>
+              <a:rPr lang="mr-IN" dirty="0" smtClean="0"/>
+              <a:t>–</a:t>
+            </a:r>
+            <a:r>
+              <a:rPr lang="en-US" dirty="0" smtClean="0"/>
+              <a:t> compact type &amp; name only format </a:t>
+            </a:r>
+            <a:r>
+              <a:rPr lang="en-US" i="1" u="sng" dirty="0" smtClean="0"/>
+              <a:t>skips directories</a:t>
+            </a:r>
+            <a:endParaRPr lang="en-US" dirty="0" smtClean="0"/>
+          </a:p>
+          <a:p>
+            <a:pPr marL="457200" indent="0">
+              <a:spcBef>
+                <a:spcPts val="0"/>
+              </a:spcBef>
+              <a:buNone/>
+            </a:pPr>
+            <a:r>
+              <a:rPr lang="mr-IN" sz="1100" dirty="0">
+                <a:latin typeface="Consolas"/>
+                <a:cs typeface="Consolas"/>
+              </a:rPr>
+              <a:t>@ /usr</a:t>
+            </a:r>
+          </a:p>
+          <a:p>
+            <a:pPr marL="457200" indent="0">
+              <a:spcBef>
+                <a:spcPts val="0"/>
+              </a:spcBef>
+              <a:buNone/>
+            </a:pPr>
+            <a:r>
+              <a:rPr lang="it-IT" sz="1100" dirty="0">
+                <a:latin typeface="Consolas"/>
+                <a:cs typeface="Consolas"/>
+              </a:rPr>
+              <a:t>l X11</a:t>
+            </a:r>
+          </a:p>
+          <a:p>
+            <a:pPr marL="457200" indent="0">
+              <a:spcBef>
+                <a:spcPts val="0"/>
+              </a:spcBef>
+              <a:buNone/>
+            </a:pPr>
+            <a:r>
+              <a:rPr lang="it-IT" sz="1100" dirty="0">
+                <a:latin typeface="Consolas"/>
+                <a:cs typeface="Consolas"/>
+              </a:rPr>
+              <a:t>*</a:t>
+            </a:r>
+            <a:r>
+              <a:rPr lang="it-IT" sz="1100" dirty="0" err="1">
+                <a:latin typeface="Consolas"/>
+                <a:cs typeface="Consolas"/>
+              </a:rPr>
+              <a:t>S</a:t>
+            </a:r>
+            <a:r>
+              <a:rPr lang="it-IT" sz="1100" dirty="0">
+                <a:latin typeface="Consolas"/>
+                <a:cs typeface="Consolas"/>
+              </a:rPr>
+              <a:t> </a:t>
+            </a:r>
+            <a:r>
+              <a:rPr lang="it-IT" sz="1100" dirty="0" err="1">
+                <a:latin typeface="Consolas"/>
+                <a:cs typeface="Consolas"/>
+              </a:rPr>
+              <a:t>files</a:t>
+            </a:r>
+            <a:r>
+              <a:rPr lang="it-IT" sz="1100" dirty="0">
+                <a:latin typeface="Consolas"/>
+                <a:cs typeface="Consolas"/>
+              </a:rPr>
+              <a:t>=0 </a:t>
+            </a:r>
+            <a:r>
+              <a:rPr lang="it-IT" sz="1100" dirty="0" err="1">
+                <a:latin typeface="Consolas"/>
+                <a:cs typeface="Consolas"/>
+              </a:rPr>
+              <a:t>dirs</a:t>
+            </a:r>
+            <a:r>
+              <a:rPr lang="it-IT" sz="1100" dirty="0">
+                <a:latin typeface="Consolas"/>
+                <a:cs typeface="Consolas"/>
+              </a:rPr>
+              <a:t>=7 </a:t>
+            </a:r>
+            <a:r>
+              <a:rPr lang="it-IT" sz="1100" dirty="0" err="1">
+                <a:latin typeface="Consolas"/>
+                <a:cs typeface="Consolas"/>
+              </a:rPr>
+              <a:t>other</a:t>
+            </a:r>
+            <a:r>
+              <a:rPr lang="it-IT" sz="1100" dirty="0">
+                <a:latin typeface="Consolas"/>
+                <a:cs typeface="Consolas"/>
+              </a:rPr>
+              <a:t>=1 </a:t>
+            </a:r>
+            <a:r>
+              <a:rPr lang="it-IT" sz="1100" dirty="0" err="1">
+                <a:latin typeface="Consolas"/>
+                <a:cs typeface="Consolas"/>
+              </a:rPr>
+              <a:t>errors</a:t>
+            </a:r>
+            <a:r>
+              <a:rPr lang="it-IT" sz="1100" dirty="0">
+                <a:latin typeface="Consolas"/>
+                <a:cs typeface="Consolas"/>
+              </a:rPr>
+              <a:t>=0 </a:t>
+            </a:r>
+            <a:r>
+              <a:rPr lang="it-IT" sz="1100" dirty="0" err="1">
+                <a:latin typeface="Consolas"/>
+                <a:cs typeface="Consolas"/>
+              </a:rPr>
+              <a:t>allocated</a:t>
+            </a:r>
+            <a:r>
+              <a:rPr lang="it-IT" sz="1100" dirty="0">
+                <a:latin typeface="Consolas"/>
+                <a:cs typeface="Consolas"/>
+              </a:rPr>
+              <a:t>=0 </a:t>
+            </a:r>
+            <a:r>
+              <a:rPr lang="it-IT" sz="1100" dirty="0" err="1">
+                <a:latin typeface="Consolas"/>
+                <a:cs typeface="Consolas"/>
+              </a:rPr>
+              <a:t>nominal</a:t>
+            </a:r>
+            <a:r>
+              <a:rPr lang="it-IT" sz="1100" dirty="0">
+                <a:latin typeface="Consolas"/>
+                <a:cs typeface="Consolas"/>
+              </a:rPr>
+              <a:t>=328</a:t>
+            </a:r>
+            <a:endParaRPr lang="en-US" sz="1100" dirty="0" smtClean="0">
+              <a:latin typeface="Consolas"/>
+              <a:cs typeface="Consolas"/>
+            </a:endParaRPr>
+          </a:p>
+          <a:p>
+            <a:pPr>
+              <a:buClrTx/>
+            </a:pPr>
+            <a:r>
+              <a:rPr lang="en-US" dirty="0" smtClean="0"/>
+              <a:t>NOTE: All of these modes output to worker&lt;</a:t>
+            </a:r>
+            <a:r>
+              <a:rPr lang="en-US" dirty="0" err="1" smtClean="0"/>
+              <a:t>nnn</a:t>
+            </a:r>
+            <a:r>
+              <a:rPr lang="en-US" dirty="0" smtClean="0"/>
+              <a:t>&gt;.</a:t>
+            </a:r>
+            <a:r>
+              <a:rPr lang="en-US" dirty="0" err="1" smtClean="0"/>
+              <a:t>ls</a:t>
+            </a:r>
+            <a:r>
+              <a:rPr lang="en-US" dirty="0" smtClean="0"/>
+              <a:t>[.</a:t>
+            </a:r>
+            <a:r>
+              <a:rPr lang="en-US" dirty="0" err="1" smtClean="0"/>
+              <a:t>gz</a:t>
+            </a:r>
+            <a:r>
+              <a:rPr lang="en-US" dirty="0" smtClean="0"/>
+              <a:t>] files</a:t>
+            </a:r>
+            <a:endParaRPr lang="en-US" dirty="0"/>
+          </a:p>
+        </p:txBody>
+      </p:sp>
+      <p:pic>
+        <p:nvPicPr>
+          <p:cNvPr id="9" name="Picture 8"/>
+          <p:cNvPicPr>
+            <a:picLocks noChangeAspect="1"/>
+          </p:cNvPicPr>
+          <p:nvPr/>
+        </p:nvPicPr>
+        <p:blipFill>
+          <a:blip r:embed="rId3"/>
+          <a:stretch>
+            <a:fillRect/>
+          </a:stretch>
+        </p:blipFill>
+        <p:spPr>
+          <a:xfrm>
+            <a:off x="7791506" y="221687"/>
+            <a:ext cx="1098286" cy="767575"/>
+          </a:xfrm>
+          <a:prstGeom prst="rect">
+            <a:avLst/>
+          </a:prstGeom>
+        </p:spPr>
+      </p:pic>
+    </p:spTree>
+    <p:extLst>
+      <p:ext uri="{BB962C8B-B14F-4D97-AF65-F5344CB8AC3E}">
+        <p14:creationId xmlns:p14="http://schemas.microsoft.com/office/powerpoint/2010/main" val="1579557168"/>
+      </p:ext>
+    </p:extLst>
+  </p:cSld>
+  <p:clrMapOvr>
+    <a:masterClrMapping/>
+  </p:clrMapOvr>
+  <p:transition xmlns:p14="http://schemas.microsoft.com/office/powerpoint/2010/main" spd="med">
+    <p:wipe dir="r"/>
+  </p:transition>
+  <p:timing>
+    <p:tnLst>
+      <p:par>
+        <p:cTn xmlns:p14="http://schemas.microsoft.com/office/powerpoint/2010/main" id="1" dur="indefinite" restart="never" nodeType="tmRoot"/>
+      </p:par>
+    </p:tnLst>
+  </p:timing>
+</p:sld>
+</file>
+
+<file path=ppt/slides/slide21.xml><?xml version="1.0" encoding="utf-8"?>
+<p:sld xmlns:a="http://schemas.openxmlformats.org/drawingml/2006/main" xmlns:r="http://schemas.openxmlformats.org/officeDocument/2006/relationships" xmlns:p="http://schemas.openxmlformats.org/presentationml/2006/main">
+  <p:cSld>
+    <p:spTree>
+      <p:nvGrpSpPr>
+        <p:cNvPr id="1" name=""/>
+        <p:cNvGrpSpPr/>
+        <p:nvPr/>
+      </p:nvGrpSpPr>
+      <p:grpSpPr>
+        <a:xfrm>
+          <a:off x="0" y="0"/>
+          <a:ext cx="0" cy="0"/>
+          <a:chOff x="0" y="0"/>
+          <a:chExt cx="0" cy="0"/>
+        </a:xfrm>
+      </p:grpSpPr>
       <p:pic>
         <p:nvPicPr>
           <p:cNvPr id="4" name="Picture 2" descr="C:\Users\BROOME~1\AppData\Local\Temp\VMwareDnD\cfc176d6\iStock_000011953681XSmall.jpg"/>
@@ -18600,12 +19412,8 @@
           <a:lstStyle/>
           <a:p>
             <a:r>
-              <a:rPr lang="en-US" dirty="0" err="1" smtClean="0"/>
-              <a:t>pwalk</a:t>
-            </a:r>
-            <a:r>
-              <a:rPr lang="en-US" dirty="0" smtClean="0"/>
-              <a:t> –</a:t>
+              <a:rPr lang="en-US" dirty="0"/>
+              <a:t>-</a:t>
             </a:r>
             <a:r>
               <a:rPr lang="en-US" dirty="0" err="1" smtClean="0"/>
@@ -18757,7 +19565,7 @@
     </p:spTree>
     <p:extLst>
       <p:ext uri="{BB962C8B-B14F-4D97-AF65-F5344CB8AC3E}">
-        <p14:creationId xmlns:p14="http://schemas.microsoft.com/office/powerpoint/2010/main" val="1579557168"/>
+        <p14:creationId xmlns:p14="http://schemas.microsoft.com/office/powerpoint/2010/main" val="1154507290"/>
       </p:ext>
     </p:extLst>
   </p:cSld>
@@ -18856,7 +19664,7 @@
 </p:sld>
 </file>
 
-<file path=ppt/slides/slide21.xml><?xml version="1.0" encoding="utf-8"?>
+<file path=ppt/slides/slide22.xml><?xml version="1.0" encoding="utf-8"?>
 <p:sld xmlns:a="http://schemas.openxmlformats.org/drawingml/2006/main" xmlns:r="http://schemas.openxmlformats.org/officeDocument/2006/relationships" xmlns:p="http://schemas.openxmlformats.org/presentationml/2006/main">
   <p:cSld>
     <p:spTree>
@@ -18889,20 +19697,12 @@
           <a:lstStyle/>
           <a:p>
             <a:r>
-              <a:rPr lang="en-US" dirty="0" err="1" smtClean="0">
-                <a:solidFill>
-                  <a:srgbClr val="007DB8"/>
-                </a:solidFill>
-              </a:rPr>
-              <a:t>pwalk</a:t>
-            </a:r>
-            <a:r>
               <a:rPr lang="en-US" dirty="0" smtClean="0">
                 <a:solidFill>
                   <a:srgbClr val="007DB8"/>
                 </a:solidFill>
               </a:rPr>
-              <a:t> –</a:t>
+              <a:t>-</a:t>
             </a:r>
             <a:r>
               <a:rPr lang="en-US" dirty="0" err="1" smtClean="0">
@@ -18967,20 +19767,20 @@
           <p:nvPr>
             <p:extLst>
               <p:ext uri="{D42A27DB-BD31-4B8C-83A1-F6EECF244321}">
-                <p14:modId xmlns:p14="http://schemas.microsoft.com/office/powerpoint/2010/main" val="202009775"/>
+                <p14:modId xmlns:p14="http://schemas.microsoft.com/office/powerpoint/2010/main" val="479621895"/>
               </p:ext>
             </p:extLst>
           </p:nvPr>
         </p:nvGraphicFramePr>
         <p:xfrm>
-          <a:off x="869580" y="863058"/>
+          <a:off x="878161" y="863058"/>
           <a:ext cx="6858000" cy="3944937"/>
         </p:xfrm>
         <a:graphic>
           <a:graphicData uri="http://schemas.openxmlformats.org/presentationml/2006/ole">
             <mc:AlternateContent xmlns:mc="http://schemas.openxmlformats.org/markup-compatibility/2006">
               <mc:Choice xmlns:v="urn:schemas-microsoft-com:vml" Requires="v">
-                <p:oleObj spid="_x0000_s2143" name="Worksheet" r:id="rId5" imgW="10134600" imgH="5829300" progId="Excel.Sheet.12">
+                <p:oleObj spid="_x0000_s2155" name="Worksheet" r:id="rId5" imgW="10134600" imgH="5829300" progId="Excel.Sheet.12">
                   <p:embed/>
                 </p:oleObj>
               </mc:Choice>
@@ -19001,7 +19801,7 @@
                     </p:blipFill>
                     <p:spPr>
                       <a:xfrm>
-                        <a:off x="869580" y="863058"/>
+                        <a:off x="878161" y="863058"/>
                         <a:ext cx="6858000" cy="3944937"/>
                       </a:xfrm>
                       <a:prstGeom prst="rect">
@@ -19038,7 +19838,7 @@
 </p:sld>
 </file>
 
-<file path=ppt/slides/slide22.xml><?xml version="1.0" encoding="utf-8"?>
+<file path=ppt/slides/slide23.xml><?xml version="1.0" encoding="utf-8"?>
 <p:sld xmlns:a="http://schemas.openxmlformats.org/drawingml/2006/main" xmlns:r="http://schemas.openxmlformats.org/officeDocument/2006/relationships" xmlns:p="http://schemas.openxmlformats.org/presentationml/2006/main">
   <p:cSld>
     <p:spTree>
@@ -19115,12 +19915,20 @@
               </a:lnSpc>
             </a:pPr>
             <a:r>
+              <a:rPr lang="en-US" sz="3200" dirty="0" smtClean="0">
+                <a:solidFill>
+                  <a:srgbClr val="007DB8"/>
+                </a:solidFill>
+              </a:rPr>
+              <a:t>-</a:t>
+            </a:r>
+            <a:r>
               <a:rPr lang="en-US" sz="3200" dirty="0" err="1" smtClean="0">
                 <a:solidFill>
                   <a:srgbClr val="007DB8"/>
                 </a:solidFill>
               </a:rPr>
-              <a:t>pwalk</a:t>
+              <a:t>cmp</a:t>
             </a:r>
             <a:r>
               <a:rPr lang="en-US" sz="3200" dirty="0" smtClean="0">
@@ -19128,31 +19936,7 @@
                   <a:srgbClr val="007DB8"/>
                 </a:solidFill>
               </a:rPr>
-              <a:t> </a:t>
-            </a:r>
-            <a:r>
-              <a:rPr lang="mr-IN" sz="3200" dirty="0" smtClean="0">
-                <a:solidFill>
-                  <a:srgbClr val="007DB8"/>
-                </a:solidFill>
-              </a:rPr>
-              <a:t>–</a:t>
-            </a:r>
-            <a:r>
-              <a:rPr lang="en-US" sz="3200" dirty="0" err="1" smtClean="0">
-                <a:solidFill>
-                  <a:srgbClr val="007DB8"/>
-                </a:solidFill>
-              </a:rPr>
-              <a:t>cmp</a:t>
-            </a:r>
-            <a:r>
-              <a:rPr lang="en-US" sz="3200" dirty="0">
-                <a:solidFill>
-                  <a:srgbClr val="007DB8"/>
-                </a:solidFill>
-              </a:rPr>
-              <a:t> </a:t>
+              <a:t>= </a:t>
             </a:r>
             <a:r>
               <a:rPr lang="en-US" sz="3200" dirty="0" smtClean="0">
@@ -19428,612 +20212,6 @@
     <p:extLst>
       <p:ext uri="{BB962C8B-B14F-4D97-AF65-F5344CB8AC3E}">
         <p14:creationId xmlns:p14="http://schemas.microsoft.com/office/powerpoint/2010/main" val="2281601679"/>
-      </p:ext>
-    </p:extLst>
-  </p:cSld>
-  <p:clrMapOvr>
-    <a:masterClrMapping/>
-  </p:clrMapOvr>
-  <p:transition xmlns:p14="http://schemas.microsoft.com/office/powerpoint/2010/main">
-    <p:fade/>
-  </p:transition>
-  <p:timing>
-    <p:tnLst>
-      <p:par>
-        <p:cTn xmlns:p14="http://schemas.microsoft.com/office/powerpoint/2010/main" id="1" dur="indefinite" restart="never" nodeType="tmRoot">
-          <p:childTnLst>
-            <p:seq concurrent="1" nextAc="seek">
-              <p:cTn id="2" dur="indefinite" nodeType="mainSeq">
-                <p:childTnLst>
-                  <p:par>
-                    <p:cTn id="3" fill="hold">
-                      <p:stCondLst>
-                        <p:cond delay="indefinite"/>
-                        <p:cond evt="onBegin" delay="0">
-                          <p:tn val="2"/>
-                        </p:cond>
-                      </p:stCondLst>
-                      <p:childTnLst>
-                        <p:par>
-                          <p:cTn id="4" fill="hold">
-                            <p:stCondLst>
-                              <p:cond delay="0"/>
-                            </p:stCondLst>
-                            <p:childTnLst>
-                              <p:par>
-                                <p:cTn id="5" presetID="10" presetClass="entr" presetSubtype="0" fill="hold" nodeType="withEffect">
-                                  <p:stCondLst>
-                                    <p:cond delay="0"/>
-                                  </p:stCondLst>
-                                  <p:childTnLst>
-                                    <p:set>
-                                      <p:cBhvr>
-                                        <p:cTn id="6" dur="1" fill="hold">
-                                          <p:stCondLst>
-                                            <p:cond delay="0"/>
-                                          </p:stCondLst>
-                                        </p:cTn>
-                                        <p:tgtEl>
-                                          <p:spTgt spid="4"/>
-                                        </p:tgtEl>
-                                        <p:attrNameLst>
-                                          <p:attrName>style.visibility</p:attrName>
-                                        </p:attrNameLst>
-                                      </p:cBhvr>
-                                      <p:to>
-                                        <p:strVal val="visible"/>
-                                      </p:to>
-                                    </p:set>
-                                    <p:animEffect transition="in" filter="fade">
-                                      <p:cBhvr>
-                                        <p:cTn id="7" dur="500"/>
-                                        <p:tgtEl>
-                                          <p:spTgt spid="4"/>
-                                        </p:tgtEl>
-                                      </p:cBhvr>
-                                    </p:animEffect>
-                                  </p:childTnLst>
-                                </p:cTn>
-                              </p:par>
-                            </p:childTnLst>
-                          </p:cTn>
-                        </p:par>
-                      </p:childTnLst>
-                    </p:cTn>
-                  </p:par>
-                </p:childTnLst>
-              </p:cTn>
-              <p:prevCondLst>
-                <p:cond evt="onPrev" delay="0">
-                  <p:tgtEl>
-                    <p:sldTgt/>
-                  </p:tgtEl>
-                </p:cond>
-              </p:prevCondLst>
-              <p:nextCondLst>
-                <p:cond evt="onNext" delay="0">
-                  <p:tgtEl>
-                    <p:sldTgt/>
-                  </p:tgtEl>
-                </p:cond>
-              </p:nextCondLst>
-            </p:seq>
-          </p:childTnLst>
-        </p:cTn>
-      </p:par>
-    </p:tnLst>
-  </p:timing>
-</p:sld>
-</file>
-
-<file path=ppt/slides/slide23.xml><?xml version="1.0" encoding="utf-8"?>
-<p:sld xmlns:a="http://schemas.openxmlformats.org/drawingml/2006/main" xmlns:r="http://schemas.openxmlformats.org/officeDocument/2006/relationships" xmlns:p="http://schemas.openxmlformats.org/presentationml/2006/main">
-  <p:cSld>
-    <p:spTree>
-      <p:nvGrpSpPr>
-        <p:cNvPr id="1" name=""/>
-        <p:cNvGrpSpPr/>
-        <p:nvPr/>
-      </p:nvGrpSpPr>
-      <p:grpSpPr>
-        <a:xfrm>
-          <a:off x="0" y="0"/>
-          <a:ext cx="0" cy="0"/>
-          <a:chOff x="0" y="0"/>
-          <a:chExt cx="0" cy="0"/>
-        </a:xfrm>
-      </p:grpSpPr>
-      <p:pic>
-        <p:nvPicPr>
-          <p:cNvPr id="4" name="Picture 2" descr="C:\Users\BROOME~1\AppData\Local\Temp\VMwareDnD\cfc176d6\iStock_000011953681XSmall.jpg"/>
-          <p:cNvPicPr>
-            <a:picLocks noChangeAspect="1" noChangeArrowheads="1"/>
-          </p:cNvPicPr>
-          <p:nvPr/>
-        </p:nvPicPr>
-        <p:blipFill>
-          <a:blip r:embed="rId3" cstate="email">
-            <a:extLst>
-              <a:ext uri="{28A0092B-C50C-407E-A947-70E740481C1C}">
-                <a14:useLocalDpi xmlns:a14="http://schemas.microsoft.com/office/drawing/2010/main"/>
-              </a:ext>
-            </a:extLst>
-          </a:blip>
-          <a:stretch>
-            <a:fillRect/>
-          </a:stretch>
-        </p:blipFill>
-        <p:spPr bwMode="auto">
-          <a:xfrm flipH="1">
-            <a:off x="7774886" y="176470"/>
-            <a:ext cx="1140515" cy="852230"/>
-          </a:xfrm>
-          <a:prstGeom prst="rect">
-            <a:avLst/>
-          </a:prstGeom>
-          <a:noFill/>
-          <a:ln>
-            <a:noFill/>
-          </a:ln>
-        </p:spPr>
-      </p:pic>
-      <p:sp>
-        <p:nvSpPr>
-          <p:cNvPr id="2" name="Title 1"/>
-          <p:cNvSpPr>
-            <a:spLocks noGrp="1"/>
-          </p:cNvSpPr>
-          <p:nvPr>
-            <p:ph type="title"/>
-          </p:nvPr>
-        </p:nvSpPr>
-        <p:spPr/>
-        <p:txBody>
-          <a:bodyPr anchor="ctr" anchorCtr="0"/>
-          <a:lstStyle/>
-          <a:p>
-            <a:r>
-              <a:rPr lang="en-US" sz="2800" dirty="0" err="1" smtClean="0">
-                <a:solidFill>
-                  <a:srgbClr val="007DB8"/>
-                </a:solidFill>
-              </a:rPr>
-              <a:t>pwalk</a:t>
-            </a:r>
-            <a:r>
-              <a:rPr lang="en-US" sz="2800" dirty="0" smtClean="0">
-                <a:solidFill>
-                  <a:srgbClr val="007DB8"/>
-                </a:solidFill>
-              </a:rPr>
-              <a:t> -</a:t>
-            </a:r>
-            <a:r>
-              <a:rPr lang="en-US" sz="2800" dirty="0" err="1" smtClean="0">
-                <a:solidFill>
-                  <a:srgbClr val="007DB8"/>
-                </a:solidFill>
-              </a:rPr>
-              <a:t>rm</a:t>
-            </a:r>
-            <a:r>
-              <a:rPr lang="en-US" sz="2800" dirty="0" smtClean="0">
-                <a:solidFill>
-                  <a:srgbClr val="007DB8"/>
-                </a:solidFill>
-              </a:rPr>
-              <a:t> mode (primary)</a:t>
-            </a:r>
-            <a:endParaRPr lang="en-US" sz="2800" dirty="0">
-              <a:solidFill>
-                <a:srgbClr val="007DB8"/>
-              </a:solidFill>
-            </a:endParaRPr>
-          </a:p>
-        </p:txBody>
-      </p:sp>
-      <p:sp>
-        <p:nvSpPr>
-          <p:cNvPr id="8" name="Content Placeholder 7"/>
-          <p:cNvSpPr>
-            <a:spLocks noGrp="1"/>
-          </p:cNvSpPr>
-          <p:nvPr>
-            <p:ph sz="quarter" idx="10"/>
-          </p:nvPr>
-        </p:nvSpPr>
-        <p:spPr>
-          <a:xfrm>
-            <a:off x="366714" y="1128792"/>
-            <a:ext cx="8426696" cy="3386058"/>
-          </a:xfrm>
-        </p:spPr>
-        <p:txBody>
-          <a:bodyPr>
-            <a:noAutofit/>
-          </a:bodyPr>
-          <a:lstStyle/>
-          <a:p>
-            <a:pPr>
-              <a:spcBef>
-                <a:spcPts val="0"/>
-              </a:spcBef>
-              <a:buClr>
-                <a:srgbClr val="000000"/>
-              </a:buClr>
-            </a:pPr>
-            <a:r>
-              <a:rPr lang="en-US" sz="1800" dirty="0" err="1" smtClean="0"/>
-              <a:t>pwalk</a:t>
-            </a:r>
-            <a:r>
-              <a:rPr lang="en-US" sz="1800" dirty="0" smtClean="0"/>
-              <a:t> </a:t>
-            </a:r>
-            <a:r>
-              <a:rPr lang="mr-IN" sz="1800" dirty="0" smtClean="0"/>
-              <a:t>–</a:t>
-            </a:r>
-            <a:r>
-              <a:rPr lang="en-US" sz="1800" dirty="0" err="1" smtClean="0"/>
-              <a:t>rm</a:t>
-            </a:r>
-            <a:r>
-              <a:rPr lang="en-US" sz="1800" dirty="0" smtClean="0"/>
-              <a:t> </a:t>
-            </a:r>
-            <a:r>
-              <a:rPr lang="mr-IN" sz="1800" dirty="0" smtClean="0"/>
-              <a:t>…</a:t>
-            </a:r>
-            <a:endParaRPr lang="en-US" sz="1800" dirty="0" smtClean="0"/>
-          </a:p>
-          <a:p>
-            <a:pPr lvl="1">
-              <a:spcBef>
-                <a:spcPts val="0"/>
-              </a:spcBef>
-              <a:buClr>
-                <a:srgbClr val="000000"/>
-              </a:buClr>
-            </a:pPr>
-            <a:r>
-              <a:rPr lang="en-US" sz="1400" u="sng" dirty="0" smtClean="0"/>
-              <a:t>only</a:t>
-            </a:r>
-            <a:r>
-              <a:rPr lang="en-US" sz="1400" dirty="0" smtClean="0">
-                <a:latin typeface="+mn-lt"/>
-              </a:rPr>
-              <a:t> removes files that are </a:t>
-            </a:r>
-            <a:r>
-              <a:rPr lang="en-US" sz="1400" u="sng" dirty="0" smtClean="0">
-                <a:latin typeface="+mn-lt"/>
-              </a:rPr>
-              <a:t>not</a:t>
-            </a:r>
-            <a:r>
-              <a:rPr lang="en-US" sz="1400" dirty="0" smtClean="0">
-                <a:latin typeface="+mn-lt"/>
-              </a:rPr>
-              <a:t> directories</a:t>
-            </a:r>
-          </a:p>
-          <a:p>
-            <a:pPr lvl="1">
-              <a:spcBef>
-                <a:spcPts val="0"/>
-              </a:spcBef>
-              <a:buClr>
-                <a:srgbClr val="000000"/>
-              </a:buClr>
-            </a:pPr>
-            <a:r>
-              <a:rPr lang="en-US" sz="1400" dirty="0"/>
-              <a:t>w</a:t>
-            </a:r>
-            <a:r>
-              <a:rPr lang="en-US" sz="1400" dirty="0" smtClean="0"/>
-              <a:t>orks with </a:t>
-            </a:r>
-            <a:r>
-              <a:rPr lang="mr-IN" sz="1400" dirty="0" smtClean="0"/>
-              <a:t>–</a:t>
-            </a:r>
-            <a:r>
-              <a:rPr lang="en-US" sz="1400" dirty="0" err="1" smtClean="0"/>
-              <a:t>dryrun</a:t>
-            </a:r>
-            <a:r>
-              <a:rPr lang="en-US" sz="1400" dirty="0" smtClean="0"/>
-              <a:t> to suppress any live changes</a:t>
-            </a:r>
-          </a:p>
-          <a:p>
-            <a:pPr lvl="1">
-              <a:spcBef>
-                <a:spcPts val="0"/>
-              </a:spcBef>
-              <a:buClr>
-                <a:srgbClr val="000000"/>
-              </a:buClr>
-            </a:pPr>
-            <a:r>
-              <a:rPr lang="en-US" sz="1400" dirty="0"/>
-              <a:t>w</a:t>
-            </a:r>
-            <a:r>
-              <a:rPr lang="en-US" sz="1400" dirty="0" smtClean="0">
-                <a:latin typeface="+mn-lt"/>
-              </a:rPr>
-              <a:t>orks with </a:t>
-            </a:r>
-            <a:r>
-              <a:rPr lang="mr-IN" sz="1400" dirty="0" smtClean="0">
-                <a:latin typeface="+mn-lt"/>
-              </a:rPr>
-              <a:t>–</a:t>
-            </a:r>
-            <a:r>
-              <a:rPr lang="en-US" sz="1400" dirty="0" smtClean="0">
-                <a:latin typeface="+mn-lt"/>
-              </a:rPr>
-              <a:t>select to enable internal selected() function</a:t>
-            </a:r>
-          </a:p>
-          <a:p>
-            <a:pPr lvl="1">
-              <a:spcBef>
-                <a:spcPts val="0"/>
-              </a:spcBef>
-              <a:buClr>
-                <a:srgbClr val="000000"/>
-              </a:buClr>
-            </a:pPr>
-            <a:r>
-              <a:rPr lang="en-US" sz="1400" b="1" dirty="0" smtClean="0"/>
-              <a:t>WARNING</a:t>
-            </a:r>
-            <a:r>
-              <a:rPr lang="en-US" sz="1400" dirty="0" smtClean="0"/>
-              <a:t>: Without ‘-select’, </a:t>
-            </a:r>
-            <a:r>
-              <a:rPr lang="en-US" sz="1400" u="sng" dirty="0" smtClean="0"/>
-              <a:t>all files in the </a:t>
-            </a:r>
-            <a:r>
-              <a:rPr lang="en-US" sz="1400" u="sng" dirty="0" err="1" smtClean="0"/>
-              <a:t>treewalk</a:t>
-            </a:r>
-            <a:r>
-              <a:rPr lang="en-US" sz="1400" u="sng" dirty="0" smtClean="0"/>
-              <a:t> will be deleted</a:t>
-            </a:r>
-            <a:r>
-              <a:rPr lang="en-US" sz="1400" dirty="0" smtClean="0"/>
-              <a:t>!</a:t>
-            </a:r>
-            <a:endParaRPr lang="en-US" sz="1400" dirty="0" smtClean="0">
-              <a:latin typeface="+mn-lt"/>
-            </a:endParaRPr>
-          </a:p>
-          <a:p>
-            <a:pPr>
-              <a:spcBef>
-                <a:spcPts val="0"/>
-              </a:spcBef>
-              <a:buClr>
-                <a:srgbClr val="000000"/>
-              </a:buClr>
-            </a:pPr>
-            <a:r>
-              <a:rPr lang="en-US" sz="1800" dirty="0" smtClean="0"/>
-              <a:t>Outputs are .</a:t>
-            </a:r>
-            <a:r>
-              <a:rPr lang="en-US" sz="1800" dirty="0" err="1" smtClean="0"/>
-              <a:t>sh</a:t>
-            </a:r>
-            <a:r>
-              <a:rPr lang="en-US" sz="1800" dirty="0" smtClean="0"/>
-              <a:t> files with three columns;</a:t>
-            </a:r>
-          </a:p>
-          <a:p>
-            <a:pPr lvl="1">
-              <a:spcBef>
-                <a:spcPts val="0"/>
-              </a:spcBef>
-              <a:buClr>
-                <a:srgbClr val="000000"/>
-              </a:buClr>
-            </a:pPr>
-            <a:r>
-              <a:rPr lang="en-US" sz="1400" dirty="0" smtClean="0">
-                <a:latin typeface="+mn-lt"/>
-              </a:rPr>
-              <a:t>Column 1: ‘@’ to show directory in which files are deleted, or &lt;N&gt; to show the error code from trying to remove the file</a:t>
-            </a:r>
-          </a:p>
-          <a:p>
-            <a:pPr lvl="1">
-              <a:spcBef>
-                <a:spcPts val="0"/>
-              </a:spcBef>
-              <a:buClr>
-                <a:srgbClr val="000000"/>
-              </a:buClr>
-            </a:pPr>
-            <a:r>
-              <a:rPr lang="en-US" sz="1400" dirty="0" smtClean="0"/>
-              <a:t>Column 2: ‘cd’ for directories, or ‘</a:t>
-            </a:r>
-            <a:r>
-              <a:rPr lang="en-US" sz="1400" dirty="0" err="1" smtClean="0"/>
-              <a:t>rm</a:t>
-            </a:r>
-            <a:r>
-              <a:rPr lang="en-US" sz="1400" dirty="0" smtClean="0"/>
-              <a:t>’ for files selected to be removed</a:t>
-            </a:r>
-            <a:endParaRPr lang="en-US" sz="1400" dirty="0" smtClean="0">
-              <a:latin typeface="+mn-lt"/>
-            </a:endParaRPr>
-          </a:p>
-          <a:p>
-            <a:pPr lvl="1">
-              <a:spcBef>
-                <a:spcPts val="0"/>
-              </a:spcBef>
-              <a:buClr>
-                <a:srgbClr val="000000"/>
-              </a:buClr>
-            </a:pPr>
-            <a:r>
-              <a:rPr lang="en-US" sz="1400" dirty="0" smtClean="0"/>
-              <a:t>Column 3: filename, enclosed in double-quotes</a:t>
-            </a:r>
-          </a:p>
-          <a:p>
-            <a:pPr lvl="1">
-              <a:spcBef>
-                <a:spcPts val="0"/>
-              </a:spcBef>
-              <a:buClr>
-                <a:srgbClr val="000000"/>
-              </a:buClr>
-            </a:pPr>
-            <a:r>
-              <a:rPr lang="en-US" sz="1400" b="1" dirty="0" smtClean="0">
-                <a:latin typeface="+mn-lt"/>
-              </a:rPr>
-              <a:t>WARNING</a:t>
-            </a:r>
-            <a:r>
-              <a:rPr lang="en-US" sz="1400" dirty="0" smtClean="0">
-                <a:latin typeface="+mn-lt"/>
-              </a:rPr>
-              <a:t>: These .</a:t>
-            </a:r>
-            <a:r>
-              <a:rPr lang="en-US" sz="1400" dirty="0" err="1" smtClean="0">
-                <a:latin typeface="+mn-lt"/>
-              </a:rPr>
-              <a:t>sh</a:t>
-            </a:r>
-            <a:r>
-              <a:rPr lang="en-US" sz="1400" dirty="0" smtClean="0">
-                <a:latin typeface="+mn-lt"/>
-              </a:rPr>
-              <a:t> scripts are merely a record of what </a:t>
-            </a:r>
-            <a:r>
-              <a:rPr lang="en-US" sz="1400" dirty="0" err="1" smtClean="0">
-                <a:latin typeface="+mn-lt"/>
-              </a:rPr>
-              <a:t>pwalk</a:t>
-            </a:r>
-            <a:r>
-              <a:rPr lang="en-US" sz="1400" dirty="0" smtClean="0">
-                <a:latin typeface="+mn-lt"/>
-              </a:rPr>
-              <a:t> did; they are </a:t>
-            </a:r>
-            <a:r>
-              <a:rPr lang="en-US" sz="1400" u="sng" dirty="0" smtClean="0">
-                <a:latin typeface="+mn-lt"/>
-              </a:rPr>
-              <a:t>not</a:t>
-            </a:r>
-            <a:r>
-              <a:rPr lang="en-US" sz="1400" dirty="0" smtClean="0">
-                <a:latin typeface="+mn-lt"/>
-              </a:rPr>
-              <a:t> directly executable!  Additional logic would be required to assure that the directories still exist before trying to remove the named files!</a:t>
-            </a:r>
-          </a:p>
-          <a:p>
-            <a:pPr>
-              <a:spcBef>
-                <a:spcPts val="0"/>
-              </a:spcBef>
-              <a:buClr>
-                <a:srgbClr val="000000"/>
-              </a:buClr>
-            </a:pPr>
-            <a:r>
-              <a:rPr lang="en-US" sz="1800" b="1" dirty="0" smtClean="0"/>
-              <a:t>WARNING</a:t>
-            </a:r>
-            <a:r>
-              <a:rPr lang="en-US" sz="1800" dirty="0" smtClean="0"/>
-              <a:t>: Make sure the </a:t>
-            </a:r>
-            <a:r>
-              <a:rPr lang="en-US" sz="1800" dirty="0" err="1" smtClean="0"/>
-              <a:t>pwalk</a:t>
-            </a:r>
-            <a:r>
-              <a:rPr lang="en-US" sz="1800" dirty="0" smtClean="0"/>
-              <a:t> output directory does not get cleared by </a:t>
-            </a:r>
-            <a:r>
-              <a:rPr lang="mr-IN" sz="1800" dirty="0" smtClean="0"/>
-              <a:t>–</a:t>
-            </a:r>
-            <a:r>
-              <a:rPr lang="en-US" sz="1800" dirty="0" err="1" smtClean="0"/>
-              <a:t>rm</a:t>
-            </a:r>
-            <a:r>
-              <a:rPr lang="en-US" sz="1800" dirty="0" smtClean="0"/>
-              <a:t>! Use of the </a:t>
-            </a:r>
-            <a:r>
-              <a:rPr lang="mr-IN" sz="1800" dirty="0" smtClean="0"/>
-              <a:t>–</a:t>
-            </a:r>
-            <a:r>
-              <a:rPr lang="en-US" sz="1800" dirty="0" smtClean="0"/>
-              <a:t>output=&lt;directory&gt; option is highly-recommended with </a:t>
-            </a:r>
-            <a:r>
-              <a:rPr lang="mr-IN" sz="1800" dirty="0" smtClean="0"/>
-              <a:t>–</a:t>
-            </a:r>
-            <a:r>
-              <a:rPr lang="en-US" sz="1800" dirty="0" err="1" smtClean="0"/>
-              <a:t>rm</a:t>
-            </a:r>
-            <a:r>
-              <a:rPr lang="en-US" sz="1800" dirty="0" smtClean="0"/>
-              <a:t>!</a:t>
-            </a:r>
-            <a:endParaRPr lang="en-US" sz="1800" dirty="0" smtClean="0">
-              <a:latin typeface="+mn-lt"/>
-            </a:endParaRPr>
-          </a:p>
-          <a:p>
-            <a:pPr lvl="1">
-              <a:spcBef>
-                <a:spcPts val="0"/>
-              </a:spcBef>
-              <a:buClr>
-                <a:srgbClr val="000000"/>
-              </a:buClr>
-            </a:pPr>
-            <a:endParaRPr lang="en-US" sz="1400" dirty="0" smtClean="0">
-              <a:latin typeface="+mn-lt"/>
-            </a:endParaRPr>
-          </a:p>
-        </p:txBody>
-      </p:sp>
-    </p:spTree>
-    <p:extLst>
-      <p:ext uri="{BB962C8B-B14F-4D97-AF65-F5344CB8AC3E}">
-        <p14:creationId xmlns:p14="http://schemas.microsoft.com/office/powerpoint/2010/main" val="2377359591"/>
       </p:ext>
     </p:extLst>
   </p:cSld>
@@ -20149,40 +20327,6 @@
           <a:chExt cx="0" cy="0"/>
         </a:xfrm>
       </p:grpSpPr>
-      <p:pic>
-        <p:nvPicPr>
-          <p:cNvPr id="4" name="Picture 2" descr="C:\Users\BROOME~1\AppData\Local\Temp\VMwareDnD\cfc176d6\iStock_000011953681XSmall.jpg"/>
-          <p:cNvPicPr>
-            <a:picLocks noChangeAspect="1" noChangeArrowheads="1"/>
-          </p:cNvPicPr>
-          <p:nvPr/>
-        </p:nvPicPr>
-        <p:blipFill>
-          <a:blip r:embed="rId3" cstate="email">
-            <a:extLst>
-              <a:ext uri="{28A0092B-C50C-407E-A947-70E740481C1C}">
-                <a14:useLocalDpi xmlns:a14="http://schemas.microsoft.com/office/drawing/2010/main"/>
-              </a:ext>
-            </a:extLst>
-          </a:blip>
-          <a:stretch>
-            <a:fillRect/>
-          </a:stretch>
-        </p:blipFill>
-        <p:spPr bwMode="auto">
-          <a:xfrm flipH="1">
-            <a:off x="7774886" y="176470"/>
-            <a:ext cx="1140515" cy="852230"/>
-          </a:xfrm>
-          <a:prstGeom prst="rect">
-            <a:avLst/>
-          </a:prstGeom>
-          <a:noFill/>
-          <a:ln>
-            <a:noFill/>
-          </a:ln>
-        </p:spPr>
-      </p:pic>
       <p:sp>
         <p:nvSpPr>
           <p:cNvPr id="2" name="Title 1"/>
@@ -20199,12 +20343,20 @@
           <a:lstStyle/>
           <a:p>
             <a:r>
+              <a:rPr lang="en-US" sz="2800" dirty="0" smtClean="0">
+                <a:solidFill>
+                  <a:srgbClr val="007DB8"/>
+                </a:solidFill>
+              </a:rPr>
+              <a:t>-</a:t>
+            </a:r>
+            <a:r>
               <a:rPr lang="en-US" sz="2800" dirty="0" err="1" smtClean="0">
                 <a:solidFill>
                   <a:srgbClr val="007DB8"/>
                 </a:solidFill>
               </a:rPr>
-              <a:t>pwalk</a:t>
+              <a:t>rm</a:t>
             </a:r>
             <a:r>
               <a:rPr lang="en-US" sz="2800" dirty="0" smtClean="0">
@@ -20212,7 +20364,47 @@
                   <a:srgbClr val="007DB8"/>
                 </a:solidFill>
               </a:rPr>
-              <a:t> +tally mode (secondary)</a:t>
+              <a:t> mode (primary</a:t>
+            </a:r>
+            <a:r>
+              <a:rPr lang="en-US" sz="2800" dirty="0" smtClean="0">
+                <a:solidFill>
+                  <a:srgbClr val="007DB8"/>
+                </a:solidFill>
+              </a:rPr>
+              <a:t>) </a:t>
+            </a:r>
+            <a:r>
+              <a:rPr lang="mr-IN" sz="2800" dirty="0" smtClean="0">
+                <a:solidFill>
+                  <a:srgbClr val="007DB8"/>
+                </a:solidFill>
+              </a:rPr>
+              <a:t>–</a:t>
+            </a:r>
+            <a:r>
+              <a:rPr lang="en-US" sz="2800" dirty="0" smtClean="0">
+                <a:solidFill>
+                  <a:srgbClr val="007DB8"/>
+                </a:solidFill>
+              </a:rPr>
+              <a:t> </a:t>
+            </a:r>
+            <a:r>
+              <a:rPr lang="en-US" sz="2800" dirty="0" smtClean="0">
+                <a:solidFill>
+                  <a:srgbClr val="FF0000"/>
+                </a:solidFill>
+              </a:rPr>
+              <a:t>data destructive</a:t>
+            </a:r>
+            <a:r>
+              <a:rPr lang="en-US" sz="2800" dirty="0" smtClean="0">
+                <a:solidFill>
+                  <a:srgbClr val="007DB8"/>
+                </a:solidFill>
+              </a:rPr>
+              <a:t>!</a:t>
             </a:r>
             <a:endParaRPr lang="en-US" sz="2800" dirty="0">
               <a:solidFill>
@@ -20253,16 +20445,529 @@
               </a:buClr>
             </a:pPr>
             <a:r>
+              <a:rPr lang="en-US" sz="1800" dirty="0" err="1" smtClean="0"/>
+              <a:t>pwalk</a:t>
+            </a:r>
+            <a:r>
+              <a:rPr lang="en-US" sz="1800" dirty="0" smtClean="0"/>
+              <a:t> </a:t>
+            </a:r>
+            <a:r>
+              <a:rPr lang="mr-IN" sz="1800" dirty="0" smtClean="0"/>
+              <a:t>–</a:t>
+            </a:r>
+            <a:r>
+              <a:rPr lang="en-US" sz="1800" dirty="0" err="1" smtClean="0"/>
+              <a:t>rm</a:t>
+            </a:r>
+            <a:r>
+              <a:rPr lang="en-US" sz="1800" dirty="0" smtClean="0"/>
+              <a:t> </a:t>
+            </a:r>
+            <a:r>
+              <a:rPr lang="mr-IN" sz="1800" dirty="0" smtClean="0"/>
+              <a:t>…</a:t>
+            </a:r>
+            <a:endParaRPr lang="en-US" sz="1800" dirty="0" smtClean="0"/>
+          </a:p>
+          <a:p>
+            <a:pPr lvl="1">
+              <a:spcBef>
+                <a:spcPts val="0"/>
+              </a:spcBef>
+              <a:buClr>
+                <a:srgbClr val="000000"/>
+              </a:buClr>
+            </a:pPr>
+            <a:r>
+              <a:rPr lang="en-US" sz="1400" u="sng" dirty="0" smtClean="0"/>
+              <a:t>only</a:t>
+            </a:r>
+            <a:r>
+              <a:rPr lang="en-US" sz="1400" dirty="0" smtClean="0">
+                <a:latin typeface="+mn-lt"/>
+              </a:rPr>
+              <a:t> removes files that are </a:t>
+            </a:r>
+            <a:r>
+              <a:rPr lang="en-US" sz="1400" u="sng" dirty="0" smtClean="0">
+                <a:latin typeface="+mn-lt"/>
+              </a:rPr>
+              <a:t>not</a:t>
+            </a:r>
+            <a:r>
+              <a:rPr lang="en-US" sz="1400" dirty="0" smtClean="0">
+                <a:latin typeface="+mn-lt"/>
+              </a:rPr>
+              <a:t> directories</a:t>
+            </a:r>
+          </a:p>
+          <a:p>
+            <a:pPr lvl="1">
+              <a:spcBef>
+                <a:spcPts val="0"/>
+              </a:spcBef>
+              <a:buClr>
+                <a:srgbClr val="000000"/>
+              </a:buClr>
+            </a:pPr>
+            <a:r>
+              <a:rPr lang="en-US" sz="1400" dirty="0"/>
+              <a:t>w</a:t>
+            </a:r>
+            <a:r>
+              <a:rPr lang="en-US" sz="1400" dirty="0" smtClean="0"/>
+              <a:t>orks with </a:t>
+            </a:r>
+            <a:r>
+              <a:rPr lang="mr-IN" sz="1400" dirty="0" smtClean="0"/>
+              <a:t>–</a:t>
+            </a:r>
+            <a:r>
+              <a:rPr lang="en-US" sz="1400" dirty="0" err="1" smtClean="0"/>
+              <a:t>dryrun</a:t>
+            </a:r>
+            <a:r>
+              <a:rPr lang="en-US" sz="1400" dirty="0" smtClean="0"/>
+              <a:t> to suppress any live changes</a:t>
+            </a:r>
+          </a:p>
+          <a:p>
+            <a:pPr lvl="1">
+              <a:spcBef>
+                <a:spcPts val="0"/>
+              </a:spcBef>
+              <a:buClr>
+                <a:srgbClr val="000000"/>
+              </a:buClr>
+            </a:pPr>
+            <a:r>
+              <a:rPr lang="en-US" sz="1400" dirty="0"/>
+              <a:t>w</a:t>
+            </a:r>
+            <a:r>
+              <a:rPr lang="en-US" sz="1400" dirty="0" smtClean="0">
+                <a:latin typeface="+mn-lt"/>
+              </a:rPr>
+              <a:t>orks with </a:t>
+            </a:r>
+            <a:r>
+              <a:rPr lang="mr-IN" sz="1400" dirty="0" smtClean="0">
+                <a:latin typeface="+mn-lt"/>
+              </a:rPr>
+              <a:t>–</a:t>
+            </a:r>
+            <a:r>
+              <a:rPr lang="en-US" sz="1400" dirty="0" smtClean="0">
+                <a:latin typeface="+mn-lt"/>
+              </a:rPr>
+              <a:t>select to enable internal selected() function</a:t>
+            </a:r>
+          </a:p>
+          <a:p>
+            <a:pPr lvl="1">
+              <a:spcBef>
+                <a:spcPts val="0"/>
+              </a:spcBef>
+              <a:buClr>
+                <a:srgbClr val="000000"/>
+              </a:buClr>
+            </a:pPr>
+            <a:r>
+              <a:rPr lang="en-US" sz="1400" b="1" dirty="0" smtClean="0"/>
+              <a:t>WARNING</a:t>
+            </a:r>
+            <a:r>
+              <a:rPr lang="en-US" sz="1400" dirty="0" smtClean="0"/>
+              <a:t>: Without ‘-select’, </a:t>
+            </a:r>
+            <a:r>
+              <a:rPr lang="en-US" sz="1400" u="sng" dirty="0" smtClean="0"/>
+              <a:t>all files in the </a:t>
+            </a:r>
+            <a:r>
+              <a:rPr lang="en-US" sz="1400" u="sng" dirty="0" err="1" smtClean="0"/>
+              <a:t>treewalk</a:t>
+            </a:r>
+            <a:r>
+              <a:rPr lang="en-US" sz="1400" u="sng" dirty="0" smtClean="0"/>
+              <a:t> will be deleted</a:t>
+            </a:r>
+            <a:r>
+              <a:rPr lang="en-US" sz="1400" dirty="0" smtClean="0"/>
+              <a:t>!</a:t>
+            </a:r>
+            <a:endParaRPr lang="en-US" sz="1400" dirty="0" smtClean="0">
+              <a:latin typeface="+mn-lt"/>
+            </a:endParaRPr>
+          </a:p>
+          <a:p>
+            <a:pPr>
+              <a:spcBef>
+                <a:spcPts val="0"/>
+              </a:spcBef>
+              <a:buClr>
+                <a:srgbClr val="000000"/>
+              </a:buClr>
+            </a:pPr>
+            <a:r>
+              <a:rPr lang="en-US" sz="1800" dirty="0" smtClean="0"/>
+              <a:t>Outputs are .</a:t>
+            </a:r>
+            <a:r>
+              <a:rPr lang="en-US" sz="1800" dirty="0" err="1" smtClean="0"/>
+              <a:t>sh</a:t>
+            </a:r>
+            <a:r>
+              <a:rPr lang="en-US" sz="1800" dirty="0" smtClean="0"/>
+              <a:t> files with three columns;</a:t>
+            </a:r>
+          </a:p>
+          <a:p>
+            <a:pPr lvl="1">
+              <a:spcBef>
+                <a:spcPts val="0"/>
+              </a:spcBef>
+              <a:buClr>
+                <a:srgbClr val="000000"/>
+              </a:buClr>
+            </a:pPr>
+            <a:r>
+              <a:rPr lang="en-US" sz="1400" dirty="0" smtClean="0">
+                <a:latin typeface="+mn-lt"/>
+              </a:rPr>
+              <a:t>Column 1: ‘@’ to show directory in which files are deleted, or &lt;N&gt; to show the error code from trying to remove the file</a:t>
+            </a:r>
+          </a:p>
+          <a:p>
+            <a:pPr lvl="1">
+              <a:spcBef>
+                <a:spcPts val="0"/>
+              </a:spcBef>
+              <a:buClr>
+                <a:srgbClr val="000000"/>
+              </a:buClr>
+            </a:pPr>
+            <a:r>
+              <a:rPr lang="en-US" sz="1400" dirty="0" smtClean="0"/>
+              <a:t>Column 2: ‘cd’ for directories, or ‘</a:t>
+            </a:r>
+            <a:r>
+              <a:rPr lang="en-US" sz="1400" dirty="0" err="1" smtClean="0"/>
+              <a:t>rm</a:t>
+            </a:r>
+            <a:r>
+              <a:rPr lang="en-US" sz="1400" dirty="0" smtClean="0"/>
+              <a:t>’ for files selected to be removed</a:t>
+            </a:r>
+            <a:endParaRPr lang="en-US" sz="1400" dirty="0" smtClean="0">
+              <a:latin typeface="+mn-lt"/>
+            </a:endParaRPr>
+          </a:p>
+          <a:p>
+            <a:pPr lvl="1">
+              <a:spcBef>
+                <a:spcPts val="0"/>
+              </a:spcBef>
+              <a:buClr>
+                <a:srgbClr val="000000"/>
+              </a:buClr>
+            </a:pPr>
+            <a:r>
+              <a:rPr lang="en-US" sz="1400" dirty="0" smtClean="0"/>
+              <a:t>Column 3: filename, enclosed in double-quotes</a:t>
+            </a:r>
+          </a:p>
+          <a:p>
+            <a:pPr lvl="1">
+              <a:spcBef>
+                <a:spcPts val="0"/>
+              </a:spcBef>
+              <a:buClr>
+                <a:srgbClr val="000000"/>
+              </a:buClr>
+            </a:pPr>
+            <a:r>
+              <a:rPr lang="en-US" sz="1400" b="1" dirty="0" smtClean="0">
+                <a:latin typeface="+mn-lt"/>
+              </a:rPr>
+              <a:t>WARNING</a:t>
+            </a:r>
+            <a:r>
+              <a:rPr lang="en-US" sz="1400" dirty="0" smtClean="0">
+                <a:latin typeface="+mn-lt"/>
+              </a:rPr>
+              <a:t>: These .</a:t>
+            </a:r>
+            <a:r>
+              <a:rPr lang="en-US" sz="1400" dirty="0" err="1" smtClean="0">
+                <a:latin typeface="+mn-lt"/>
+              </a:rPr>
+              <a:t>sh</a:t>
+            </a:r>
+            <a:r>
+              <a:rPr lang="en-US" sz="1400" dirty="0" smtClean="0">
+                <a:latin typeface="+mn-lt"/>
+              </a:rPr>
+              <a:t> scripts are merely a record of what </a:t>
+            </a:r>
+            <a:r>
+              <a:rPr lang="en-US" sz="1400" dirty="0" err="1" smtClean="0">
+                <a:latin typeface="+mn-lt"/>
+              </a:rPr>
+              <a:t>pwalk</a:t>
+            </a:r>
+            <a:r>
+              <a:rPr lang="en-US" sz="1400" dirty="0" smtClean="0">
+                <a:latin typeface="+mn-lt"/>
+              </a:rPr>
+              <a:t> did; they are </a:t>
+            </a:r>
+            <a:r>
+              <a:rPr lang="en-US" sz="1400" u="sng" dirty="0" smtClean="0">
+                <a:latin typeface="+mn-lt"/>
+              </a:rPr>
+              <a:t>not</a:t>
+            </a:r>
+            <a:r>
+              <a:rPr lang="en-US" sz="1400" dirty="0" smtClean="0">
+                <a:latin typeface="+mn-lt"/>
+              </a:rPr>
+              <a:t> directly executable!  Additional logic would be required to assure that the directories still exist before trying to remove the named files!</a:t>
+            </a:r>
+          </a:p>
+          <a:p>
+            <a:pPr>
+              <a:spcBef>
+                <a:spcPts val="0"/>
+              </a:spcBef>
+              <a:buClr>
+                <a:srgbClr val="000000"/>
+              </a:buClr>
+            </a:pPr>
+            <a:r>
+              <a:rPr lang="en-US" sz="1800" b="1" dirty="0" smtClean="0"/>
+              <a:t>WARNING</a:t>
+            </a:r>
+            <a:r>
+              <a:rPr lang="en-US" sz="1800" dirty="0" smtClean="0"/>
+              <a:t>: Make sure the </a:t>
+            </a:r>
+            <a:r>
+              <a:rPr lang="en-US" sz="1800" dirty="0" err="1" smtClean="0"/>
+              <a:t>pwalk</a:t>
+            </a:r>
+            <a:r>
+              <a:rPr lang="en-US" sz="1800" dirty="0" smtClean="0"/>
+              <a:t> output directory does not get cleared by </a:t>
+            </a:r>
+            <a:r>
+              <a:rPr lang="mr-IN" sz="1800" dirty="0" smtClean="0"/>
+              <a:t>–</a:t>
+            </a:r>
+            <a:r>
+              <a:rPr lang="en-US" sz="1800" dirty="0" err="1" smtClean="0"/>
+              <a:t>rm</a:t>
+            </a:r>
+            <a:r>
+              <a:rPr lang="en-US" sz="1800" dirty="0" smtClean="0"/>
+              <a:t>! Use of the </a:t>
+            </a:r>
+            <a:r>
+              <a:rPr lang="mr-IN" sz="1800" dirty="0" smtClean="0"/>
+              <a:t>–</a:t>
+            </a:r>
+            <a:r>
+              <a:rPr lang="en-US" sz="1800" dirty="0" smtClean="0"/>
+              <a:t>output=&lt;directory&gt; option is highly-recommended with </a:t>
+            </a:r>
+            <a:r>
+              <a:rPr lang="mr-IN" sz="1800" dirty="0" smtClean="0"/>
+              <a:t>–</a:t>
+            </a:r>
+            <a:r>
+              <a:rPr lang="en-US" sz="1800" dirty="0" err="1" smtClean="0"/>
+              <a:t>rm</a:t>
+            </a:r>
+            <a:r>
+              <a:rPr lang="en-US" sz="1800" dirty="0" smtClean="0"/>
+              <a:t>!</a:t>
+            </a:r>
+            <a:endParaRPr lang="en-US" sz="1800" dirty="0" smtClean="0">
+              <a:latin typeface="+mn-lt"/>
+            </a:endParaRPr>
+          </a:p>
+          <a:p>
+            <a:pPr lvl="1">
+              <a:spcBef>
+                <a:spcPts val="0"/>
+              </a:spcBef>
+              <a:buClr>
+                <a:srgbClr val="000000"/>
+              </a:buClr>
+            </a:pPr>
+            <a:endParaRPr lang="en-US" sz="1400" dirty="0" smtClean="0">
+              <a:latin typeface="+mn-lt"/>
+            </a:endParaRPr>
+          </a:p>
+        </p:txBody>
+      </p:sp>
+      <p:pic>
+        <p:nvPicPr>
+          <p:cNvPr id="5" name="Picture 4"/>
+          <p:cNvPicPr>
+            <a:picLocks noChangeAspect="1"/>
+          </p:cNvPicPr>
+          <p:nvPr/>
+        </p:nvPicPr>
+        <p:blipFill>
+          <a:blip r:embed="rId3"/>
+          <a:stretch>
+            <a:fillRect/>
+          </a:stretch>
+        </p:blipFill>
+        <p:spPr>
+          <a:xfrm>
+            <a:off x="8040195" y="223119"/>
+            <a:ext cx="754126" cy="746584"/>
+          </a:xfrm>
+          <a:prstGeom prst="rect">
+            <a:avLst/>
+          </a:prstGeom>
+        </p:spPr>
+      </p:pic>
+    </p:spTree>
+    <p:extLst>
+      <p:ext uri="{BB962C8B-B14F-4D97-AF65-F5344CB8AC3E}">
+        <p14:creationId xmlns:p14="http://schemas.microsoft.com/office/powerpoint/2010/main" val="2377359591"/>
+      </p:ext>
+    </p:extLst>
+  </p:cSld>
+  <p:clrMapOvr>
+    <a:masterClrMapping/>
+  </p:clrMapOvr>
+  <p:transition xmlns:p14="http://schemas.microsoft.com/office/powerpoint/2010/main">
+    <p:fade/>
+  </p:transition>
+  <p:timing>
+    <p:tnLst>
+      <p:par>
+        <p:cTn xmlns:p14="http://schemas.microsoft.com/office/powerpoint/2010/main" id="1" dur="indefinite" restart="never" nodeType="tmRoot"/>
+      </p:par>
+    </p:tnLst>
+  </p:timing>
+</p:sld>
+</file>
+
+<file path=ppt/slides/slide25.xml><?xml version="1.0" encoding="utf-8"?>
+<p:sld xmlns:a="http://schemas.openxmlformats.org/drawingml/2006/main" xmlns:r="http://schemas.openxmlformats.org/officeDocument/2006/relationships" xmlns:p="http://schemas.openxmlformats.org/presentationml/2006/main">
+  <p:cSld>
+    <p:spTree>
+      <p:nvGrpSpPr>
+        <p:cNvPr id="1" name=""/>
+        <p:cNvGrpSpPr/>
+        <p:nvPr/>
+      </p:nvGrpSpPr>
+      <p:grpSpPr>
+        <a:xfrm>
+          <a:off x="0" y="0"/>
+          <a:ext cx="0" cy="0"/>
+          <a:chOff x="0" y="0"/>
+          <a:chExt cx="0" cy="0"/>
+        </a:xfrm>
+      </p:grpSpPr>
+      <p:sp>
+        <p:nvSpPr>
+          <p:cNvPr id="2" name="Title 1"/>
+          <p:cNvSpPr>
+            <a:spLocks noGrp="1"/>
+          </p:cNvSpPr>
+          <p:nvPr>
+            <p:ph type="title"/>
+          </p:nvPr>
+        </p:nvSpPr>
+        <p:spPr/>
+        <p:txBody>
+          <a:bodyPr anchor="ctr" anchorCtr="0"/>
+          <a:lstStyle/>
+          <a:p>
+            <a:r>
+              <a:rPr lang="en-US" sz="2800" dirty="0" smtClean="0">
+                <a:solidFill>
+                  <a:srgbClr val="007DB8"/>
+                </a:solidFill>
+              </a:rPr>
+              <a:t>+</a:t>
+            </a:r>
+            <a:r>
+              <a:rPr lang="en-US" sz="2800" dirty="0" smtClean="0">
+                <a:solidFill>
+                  <a:srgbClr val="007DB8"/>
+                </a:solidFill>
+              </a:rPr>
+              <a:t>tally mode (secondary)</a:t>
+            </a:r>
+            <a:endParaRPr lang="en-US" sz="2800" dirty="0">
+              <a:solidFill>
+                <a:srgbClr val="007DB8"/>
+              </a:solidFill>
+            </a:endParaRPr>
+          </a:p>
+        </p:txBody>
+      </p:sp>
+      <p:sp>
+        <p:nvSpPr>
+          <p:cNvPr id="8" name="Content Placeholder 7"/>
+          <p:cNvSpPr>
+            <a:spLocks noGrp="1"/>
+          </p:cNvSpPr>
+          <p:nvPr>
+            <p:ph sz="quarter" idx="10"/>
+          </p:nvPr>
+        </p:nvSpPr>
+        <p:spPr>
+          <a:xfrm>
+            <a:off x="366714" y="1128792"/>
+            <a:ext cx="8426696" cy="3386058"/>
+          </a:xfrm>
+        </p:spPr>
+        <p:txBody>
+          <a:bodyPr>
+            <a:noAutofit/>
+          </a:bodyPr>
+          <a:lstStyle/>
+          <a:p>
+            <a:pPr>
+              <a:spcBef>
+                <a:spcPts val="0"/>
+              </a:spcBef>
+              <a:buClr>
+                <a:srgbClr val="000000"/>
+              </a:buClr>
+            </a:pPr>
+            <a:r>
+              <a:rPr lang="en-US" sz="1800" dirty="0" err="1" smtClean="0">
+                <a:latin typeface="+mn-lt"/>
+              </a:rPr>
+              <a:t>Creats</a:t>
+            </a:r>
+            <a:r>
               <a:rPr lang="en-US" sz="1800" dirty="0" smtClean="0">
                 <a:latin typeface="+mn-lt"/>
               </a:rPr>
-              <a:t>Creates a summary</a:t>
-            </a:r>
-            <a:r>
-              <a:rPr lang="en-US" sz="1800" dirty="0">
+              <a:t> </a:t>
+            </a:r>
+            <a:r>
+              <a:rPr lang="en-US" sz="1800" dirty="0" smtClean="0">
                 <a:latin typeface="+mn-lt"/>
               </a:rPr>
-              <a:t> </a:t>
+              <a:t>a </a:t>
+            </a:r>
+            <a:r>
+              <a:rPr lang="en-US" sz="1800" dirty="0" smtClean="0">
+                <a:latin typeface="+mn-lt"/>
+              </a:rPr>
+              <a:t>cross-sectional summary </a:t>
             </a:r>
             <a:r>
               <a:rPr lang="en-US" sz="1800" dirty="0" smtClean="0">
@@ -20664,13 +21369,55 @@
             </a:pPr>
             <a:r>
               <a:rPr lang="en-US" sz="1800" dirty="0" smtClean="0">
+                <a:solidFill>
+                  <a:srgbClr val="FF0000"/>
+                </a:solidFill>
                 <a:latin typeface="+mn-lt"/>
               </a:rPr>
-              <a:t>This logic is currently hard-coded, but easily modified to use different thresholds</a:t>
-            </a:r>
+              <a:t>This logic is currently hard-coded, but easily modified to use different </a:t>
+            </a:r>
+            <a:r>
+              <a:rPr lang="en-US" sz="1800" dirty="0" smtClean="0">
+                <a:solidFill>
+                  <a:srgbClr val="FF0000"/>
+                </a:solidFill>
+                <a:latin typeface="+mn-lt"/>
+              </a:rPr>
+              <a:t>thresholds. A parameterized version is under consideration.</a:t>
+            </a:r>
+            <a:endParaRPr lang="en-US" sz="1800" dirty="0" smtClean="0">
+              <a:solidFill>
+                <a:srgbClr val="FF0000"/>
+              </a:solidFill>
+              <a:latin typeface="+mn-lt"/>
+            </a:endParaRPr>
           </a:p>
         </p:txBody>
       </p:sp>
+      <p:pic>
+        <p:nvPicPr>
+          <p:cNvPr id="3" name="Picture 2"/>
+          <p:cNvPicPr>
+            <a:picLocks noChangeAspect="1"/>
+          </p:cNvPicPr>
+          <p:nvPr/>
+        </p:nvPicPr>
+        <p:blipFill>
+          <a:blip r:embed="rId3"/>
+          <a:stretch>
+            <a:fillRect/>
+          </a:stretch>
+        </p:blipFill>
+        <p:spPr>
+          <a:xfrm>
+            <a:off x="8143253" y="231699"/>
+            <a:ext cx="653849" cy="784619"/>
+          </a:xfrm>
+          <a:prstGeom prst="rect">
+            <a:avLst/>
+          </a:prstGeom>
+        </p:spPr>
+      </p:pic>
     </p:spTree>
     <p:extLst>
       <p:ext uri="{BB962C8B-B14F-4D97-AF65-F5344CB8AC3E}">
@@ -20687,93 +21434,14 @@
   <p:timing>
     <p:tnLst>
       <p:par>
-        <p:cTn xmlns:p14="http://schemas.microsoft.com/office/powerpoint/2010/main" id="1" dur="indefinite" restart="never" nodeType="tmRoot">
-          <p:childTnLst>
-            <p:seq concurrent="1" nextAc="seek">
-              <p:cTn id="2" dur="indefinite" nodeType="mainSeq">
-                <p:childTnLst>
-                  <p:par>
-                    <p:cTn id="3" fill="hold">
-                      <p:stCondLst>
-                        <p:cond delay="indefinite"/>
-                        <p:cond evt="onBegin" delay="0">
-                          <p:tn val="2"/>
-                        </p:cond>
-                      </p:stCondLst>
-                      <p:childTnLst>
-                        <p:par>
-                          <p:cTn id="4" fill="hold">
-                            <p:stCondLst>
-                              <p:cond delay="0"/>
-                            </p:stCondLst>
-                            <p:childTnLst>
-                              <p:par>
-                                <p:cTn id="5" presetID="10" presetClass="entr" presetSubtype="0" fill="hold" nodeType="withEffect">
-                                  <p:stCondLst>
-                                    <p:cond delay="0"/>
-                                  </p:stCondLst>
-                                  <p:childTnLst>
-                                    <p:set>
-                                      <p:cBhvr>
-                                        <p:cTn id="6" dur="1" fill="hold">
-                                          <p:stCondLst>
-                                            <p:cond delay="0"/>
-                                          </p:stCondLst>
-                                        </p:cTn>
-                                        <p:tgtEl>
-                                          <p:spTgt spid="4"/>
-                                        </p:tgtEl>
-                                        <p:attrNameLst>
-                                          <p:attrName>style.visibility</p:attrName>
-                                        </p:attrNameLst>
-                                      </p:cBhvr>
-                                      <p:to>
-                                        <p:strVal val="visible"/>
-                                      </p:to>
-                                    </p:set>
-                                    <p:animEffect transition="in" filter="fade">
-                                      <p:cBhvr>
-                                        <p:cTn id="7" dur="500"/>
-                                        <p:tgtEl>
-                                          <p:spTgt spid="4"/>
-                                        </p:tgtEl>
-                                      </p:cBhvr>
-                                    </p:animEffect>
-                                  </p:childTnLst>
-                                </p:cTn>
-                              </p:par>
-                            </p:childTnLst>
-                          </p:cTn>
-                        </p:par>
-                      </p:childTnLst>
-                    </p:cTn>
-                  </p:par>
-                </p:childTnLst>
-              </p:cTn>
-              <p:prevCondLst>
-                <p:cond evt="onPrev" delay="0">
-                  <p:tgtEl>
-                    <p:sldTgt/>
-                  </p:tgtEl>
-                </p:cond>
-              </p:prevCondLst>
-              <p:nextCondLst>
-                <p:cond evt="onNext" delay="0">
-                  <p:tgtEl>
-                    <p:sldTgt/>
-                  </p:tgtEl>
-                </p:cond>
-              </p:nextCondLst>
-            </p:seq>
-          </p:childTnLst>
-        </p:cTn>
+        <p:cTn xmlns:p14="http://schemas.microsoft.com/office/powerpoint/2010/main" id="1" dur="indefinite" restart="never" nodeType="tmRoot"/>
       </p:par>
     </p:tnLst>
   </p:timing>
 </p:sld>
 </file>
 
-<file path=ppt/slides/slide25.xml><?xml version="1.0" encoding="utf-8"?>
+<file path=ppt/slides/slide26.xml><?xml version="1.0" encoding="utf-8"?>
 <p:sld xmlns:a="http://schemas.openxmlformats.org/drawingml/2006/main" xmlns:r="http://schemas.openxmlformats.org/officeDocument/2006/relationships" xmlns:p="http://schemas.openxmlformats.org/presentationml/2006/main">
   <p:cSld>
     <p:bg>
@@ -20870,7 +21538,7 @@
 </p:sld>
 </file>
 
-<file path=ppt/slides/slide26.xml><?xml version="1.0" encoding="utf-8"?>
+<file path=ppt/slides/slide27.xml><?xml version="1.0" encoding="utf-8"?>
 <p:sld xmlns:a="http://schemas.openxmlformats.org/drawingml/2006/main" xmlns:r="http://schemas.openxmlformats.org/officeDocument/2006/relationships" xmlns:p="http://schemas.openxmlformats.org/presentationml/2006/main">
   <p:cSld>
     <p:spTree>
@@ -20903,8 +21571,16 @@
           <a:lstStyle/>
           <a:p>
             <a:r>
-              <a:rPr lang="en-US" smtClean="0"/>
-              <a:t>OneFS: –audit mode</a:t>
+              <a:rPr lang="en-US" dirty="0" smtClean="0"/>
+              <a:t>–</a:t>
+            </a:r>
+            <a:r>
+              <a:rPr lang="en-US" dirty="0" smtClean="0"/>
+              <a:t>audit </a:t>
+            </a:r>
+            <a:r>
+              <a:rPr lang="en-US" dirty="0" smtClean="0"/>
+              <a:t>mode (primary, OneFS-only)</a:t>
             </a:r>
             <a:endParaRPr lang="en-US" dirty="0"/>
           </a:p>
@@ -21293,7 +21969,7 @@
 </p:sld>
 </file>
 
-<file path=ppt/slides/slide27.xml><?xml version="1.0" encoding="utf-8"?>
+<file path=ppt/slides/slide28.xml><?xml version="1.0" encoding="utf-8"?>
 <p:sld xmlns:a="http://schemas.openxmlformats.org/drawingml/2006/main" xmlns:r="http://schemas.openxmlformats.org/officeDocument/2006/relationships" xmlns:p="http://schemas.openxmlformats.org/presentationml/2006/main">
   <p:cSld>
     <p:spTree>
@@ -21326,8 +22002,12 @@
           <a:lstStyle/>
           <a:p>
             <a:r>
-              <a:rPr lang="en-US" smtClean="0"/>
-              <a:t>OneFS: –audit mode</a:t>
+              <a:rPr lang="en-US" dirty="0" smtClean="0"/>
+              <a:t>–</a:t>
+            </a:r>
+            <a:r>
+              <a:rPr lang="en-US" dirty="0" smtClean="0"/>
+              <a:t>audit mode</a:t>
             </a:r>
             <a:endParaRPr lang="en-US" dirty="0"/>
           </a:p>
@@ -21589,7 +22269,7 @@
 </p:sld>
 </file>
 
-<file path=ppt/slides/slide28.xml><?xml version="1.0" encoding="utf-8"?>
+<file path=ppt/slides/slide29.xml><?xml version="1.0" encoding="utf-8"?>
 <p:sld xmlns:a="http://schemas.openxmlformats.org/drawingml/2006/main" xmlns:r="http://schemas.openxmlformats.org/officeDocument/2006/relationships" xmlns:p="http://schemas.openxmlformats.org/presentationml/2006/main">
   <p:cSld>
     <p:spTree>
@@ -21622,8 +22302,8 @@
           <a:lstStyle/>
           <a:p>
             <a:r>
-              <a:rPr lang="en-US" dirty="0" smtClean="0"/>
-              <a:t>OneFS –</a:t>
+              <a:rPr lang="en-US" dirty="0"/>
+              <a:t>-</a:t>
             </a:r>
             <a:r>
               <a:rPr lang="en-US" dirty="0" err="1" smtClean="0"/>
@@ -21631,7 +22311,15 @@
             </a:r>
             <a:r>
               <a:rPr lang="en-US" dirty="0" smtClean="0"/>
-              <a:t> mode (primary)</a:t>
+              <a:t> </a:t>
+            </a:r>
+            <a:r>
+              <a:rPr lang="en-US" dirty="0" smtClean="0"/>
+              <a:t>mode (</a:t>
+            </a:r>
+            <a:r>
+              <a:rPr lang="en-US" dirty="0" smtClean="0"/>
+              <a:t>primary, OneFS-only)</a:t>
             </a:r>
             <a:endParaRPr lang="en-US" dirty="0"/>
           </a:p>
@@ -21653,26 +22341,77 @@
           <a:lstStyle/>
           <a:p>
             <a:r>
-              <a:rPr lang="en-US" smtClean="0"/>
-              <a:t>New in version 1.91</a:t>
-            </a:r>
-          </a:p>
-          <a:p>
-            <a:r>
-              <a:rPr lang="en-US" smtClean="0"/>
-              <a:t>Due to limitations with timestamp handling over SMB or NFS4, must generally be run natively on OneFS for correct results!</a:t>
-            </a:r>
-          </a:p>
-          <a:p>
-            <a:r>
-              <a:rPr lang="en-US" smtClean="0"/>
-              <a:t>Not for general-purpose use!</a:t>
-            </a:r>
-          </a:p>
-          <a:p>
-            <a:r>
-              <a:rPr lang="en-US" smtClean="0"/>
-              <a:t>Details in Dell EMC-internal-only blog posting</a:t>
+              <a:rPr lang="en-US" dirty="0" smtClean="0">
+                <a:solidFill>
+                  <a:srgbClr val="FF0000"/>
+                </a:solidFill>
+              </a:rPr>
+              <a:t>Esoteric limited-use functionality!  Not for general-purpose use!  Details </a:t>
+            </a:r>
+            <a:r>
+              <a:rPr lang="en-US" u="sng" dirty="0" smtClean="0">
+                <a:solidFill>
+                  <a:srgbClr val="FF0000"/>
+                </a:solidFill>
+              </a:rPr>
+              <a:t>only</a:t>
+            </a:r>
+            <a:r>
+              <a:rPr lang="en-US" dirty="0" smtClean="0">
+                <a:solidFill>
+                  <a:srgbClr val="FF0000"/>
+                </a:solidFill>
+              </a:rPr>
+              <a:t> appear in Dell EMC-internal-only blog posting.</a:t>
+            </a:r>
+          </a:p>
+          <a:p>
+            <a:r>
+              <a:rPr lang="en-US" dirty="0" smtClean="0"/>
+              <a:t>Implemented in </a:t>
+            </a:r>
+            <a:r>
+              <a:rPr lang="en-US" dirty="0" err="1" smtClean="0"/>
+              <a:t>pwalk</a:t>
+            </a:r>
+            <a:r>
+              <a:rPr lang="en-US" dirty="0" smtClean="0"/>
+              <a:t> 1.91</a:t>
+            </a:r>
+            <a:endParaRPr lang="en-US" dirty="0" smtClean="0"/>
+          </a:p>
+          <a:p>
+            <a:r>
+              <a:rPr lang="en-US" dirty="0" smtClean="0"/>
+              <a:t>Due to limitations with timestamp handling over SMB or NFS4</a:t>
+            </a:r>
+            <a:r>
+              <a:rPr lang="en-US" dirty="0" smtClean="0"/>
+              <a:t>, this </a:t>
+            </a:r>
+            <a:r>
+              <a:rPr lang="en-US" dirty="0" smtClean="0"/>
+              <a:t>must </a:t>
+            </a:r>
+            <a:r>
+              <a:rPr lang="en-US" u="sng" dirty="0" smtClean="0"/>
+              <a:t>generally</a:t>
+            </a:r>
+            <a:r>
+              <a:rPr lang="en-US" dirty="0" smtClean="0"/>
+              <a:t> be run natively on OneFS for </a:t>
+            </a:r>
+            <a:r>
+              <a:rPr lang="en-US" u="sng" dirty="0" smtClean="0"/>
+              <a:t>correct</a:t>
+            </a:r>
+            <a:r>
+              <a:rPr lang="en-US" dirty="0" smtClean="0"/>
+              <a:t> results</a:t>
+            </a:r>
+            <a:r>
+              <a:rPr lang="en-US" dirty="0" smtClean="0"/>
+              <a:t>!</a:t>
             </a:r>
             <a:endParaRPr lang="en-US" dirty="0" smtClean="0"/>
           </a:p>
@@ -21680,36 +22419,26 @@
       </p:sp>
       <p:pic>
         <p:nvPicPr>
-          <p:cNvPr id="4" name="Picture 2" descr="C:\Users\BROOME~1\AppData\Local\Temp\VMwareDnD\cfc176d6\iStock_000011953681XSmall.jpg"/>
+          <p:cNvPr id="6" name="Picture 5"/>
           <p:cNvPicPr>
-            <a:picLocks noChangeAspect="1" noChangeArrowheads="1"/>
+            <a:picLocks noChangeAspect="1"/>
           </p:cNvPicPr>
           <p:nvPr/>
         </p:nvPicPr>
         <p:blipFill>
-          <a:blip r:embed="rId3" cstate="email">
-            <a:extLst>
-              <a:ext uri="{28A0092B-C50C-407E-A947-70E740481C1C}">
-                <a14:useLocalDpi xmlns:a14="http://schemas.microsoft.com/office/drawing/2010/main"/>
-              </a:ext>
-            </a:extLst>
-          </a:blip>
+          <a:blip r:embed="rId3"/>
           <a:stretch>
             <a:fillRect/>
           </a:stretch>
         </p:blipFill>
-        <p:spPr bwMode="auto">
-          <a:xfrm flipH="1">
-            <a:off x="7774886" y="176470"/>
-            <a:ext cx="1140515" cy="852230"/>
+        <p:spPr>
+          <a:xfrm>
+            <a:off x="7954478" y="83924"/>
+            <a:ext cx="900993" cy="900993"/>
           </a:xfrm>
           <a:prstGeom prst="rect">
             <a:avLst/>
           </a:prstGeom>
-          <a:noFill/>
-          <a:ln>
-            <a:noFill/>
-          </a:ln>
         </p:spPr>
       </p:pic>
     </p:spTree>
@@ -21728,93 +22457,186 @@
   <p:timing>
     <p:tnLst>
       <p:par>
-        <p:cTn xmlns:p14="http://schemas.microsoft.com/office/powerpoint/2010/main" id="1" dur="indefinite" restart="never" nodeType="tmRoot">
-          <p:childTnLst>
-            <p:seq concurrent="1" nextAc="seek">
-              <p:cTn id="2" dur="indefinite" nodeType="mainSeq">
-                <p:childTnLst>
-                  <p:par>
-                    <p:cTn id="3" fill="hold">
-                      <p:stCondLst>
-                        <p:cond delay="indefinite"/>
-                        <p:cond evt="onBegin" delay="0">
-                          <p:tn val="2"/>
-                        </p:cond>
-                      </p:stCondLst>
-                      <p:childTnLst>
-                        <p:par>
-                          <p:cTn id="4" fill="hold">
-                            <p:stCondLst>
-                              <p:cond delay="0"/>
-                            </p:stCondLst>
-                            <p:childTnLst>
-                              <p:par>
-                                <p:cTn id="5" presetID="10" presetClass="entr" presetSubtype="0" fill="hold" nodeType="withEffect">
-                                  <p:stCondLst>
-                                    <p:cond delay="0"/>
-                                  </p:stCondLst>
-                                  <p:childTnLst>
-                                    <p:set>
-                                      <p:cBhvr>
-                                        <p:cTn id="6" dur="1" fill="hold">
-                                          <p:stCondLst>
-                                            <p:cond delay="0"/>
-                                          </p:stCondLst>
-                                        </p:cTn>
-                                        <p:tgtEl>
-                                          <p:spTgt spid="4"/>
-                                        </p:tgtEl>
-                                        <p:attrNameLst>
-                                          <p:attrName>style.visibility</p:attrName>
-                                        </p:attrNameLst>
-                                      </p:cBhvr>
-                                      <p:to>
-                                        <p:strVal val="visible"/>
-                                      </p:to>
-                                    </p:set>
-                                    <p:animEffect transition="in" filter="fade">
-                                      <p:cBhvr>
-                                        <p:cTn id="7" dur="500"/>
-                                        <p:tgtEl>
-                                          <p:spTgt spid="4"/>
-                                        </p:tgtEl>
-                                      </p:cBhvr>
-                                    </p:animEffect>
-                                  </p:childTnLst>
-                                </p:cTn>
-                              </p:par>
-                            </p:childTnLst>
-                          </p:cTn>
-                        </p:par>
-                      </p:childTnLst>
-                    </p:cTn>
-                  </p:par>
-                </p:childTnLst>
-              </p:cTn>
-              <p:prevCondLst>
-                <p:cond evt="onPrev" delay="0">
-                  <p:tgtEl>
-                    <p:sldTgt/>
-                  </p:tgtEl>
-                </p:cond>
-              </p:prevCondLst>
-              <p:nextCondLst>
-                <p:cond evt="onNext" delay="0">
-                  <p:tgtEl>
-                    <p:sldTgt/>
-                  </p:tgtEl>
-                </p:cond>
-              </p:nextCondLst>
-            </p:seq>
-          </p:childTnLst>
-        </p:cTn>
+        <p:cTn xmlns:p14="http://schemas.microsoft.com/office/powerpoint/2010/main" id="1" dur="indefinite" restart="never" nodeType="tmRoot"/>
       </p:par>
     </p:tnLst>
   </p:timing>
 </p:sld>
 </file>
 
-<file path=ppt/slides/slide29.xml><?xml version="1.0" encoding="utf-8"?>
+<file path=ppt/slides/slide3.xml><?xml version="1.0" encoding="utf-8"?>
+<p:sld xmlns:a="http://schemas.openxmlformats.org/drawingml/2006/main" xmlns:r="http://schemas.openxmlformats.org/officeDocument/2006/relationships" xmlns:p="http://schemas.openxmlformats.org/presentationml/2006/main">
+  <p:cSld>
+    <p:spTree>
+      <p:nvGrpSpPr>
+        <p:cNvPr id="1" name=""/>
+        <p:cNvGrpSpPr/>
+        <p:nvPr/>
+      </p:nvGrpSpPr>
+      <p:grpSpPr>
+        <a:xfrm>
+          <a:off x="0" y="0"/>
+          <a:ext cx="0" cy="0"/>
+          <a:chOff x="0" y="0"/>
+          <a:chExt cx="0" cy="0"/>
+        </a:xfrm>
+      </p:grpSpPr>
+      <p:sp>
+        <p:nvSpPr>
+          <p:cNvPr id="2" name="Title 1"/>
+          <p:cNvSpPr>
+            <a:spLocks noGrp="1"/>
+          </p:cNvSpPr>
+          <p:nvPr>
+            <p:ph type="title"/>
+          </p:nvPr>
+        </p:nvSpPr>
+        <p:spPr/>
+        <p:txBody>
+          <a:bodyPr/>
+          <a:lstStyle/>
+          <a:p>
+            <a:r>
+              <a:rPr lang="en-US" dirty="0" smtClean="0">
+                <a:solidFill>
+                  <a:srgbClr val="007DB8"/>
+                </a:solidFill>
+              </a:rPr>
+              <a:t>Outline</a:t>
+            </a:r>
+            <a:endParaRPr lang="en-US" dirty="0">
+              <a:solidFill>
+                <a:srgbClr val="007DB8"/>
+              </a:solidFill>
+            </a:endParaRPr>
+          </a:p>
+        </p:txBody>
+      </p:sp>
+      <p:sp>
+        <p:nvSpPr>
+          <p:cNvPr id="4" name="Content Placeholder 3"/>
+          <p:cNvSpPr>
+            <a:spLocks noGrp="1"/>
+          </p:cNvSpPr>
+          <p:nvPr>
+            <p:ph sz="quarter" idx="10"/>
+          </p:nvPr>
+        </p:nvSpPr>
+        <p:spPr/>
+        <p:txBody>
+          <a:bodyPr/>
+          <a:lstStyle/>
+          <a:p>
+            <a:pPr>
+              <a:buClr>
+                <a:srgbClr val="000000"/>
+              </a:buClr>
+              <a:buFont typeface="Arial"/>
+              <a:buChar char="•"/>
+            </a:pPr>
+            <a:r>
+              <a:rPr lang="en-US" dirty="0" smtClean="0">
+                <a:solidFill>
+                  <a:schemeClr val="tx1"/>
+                </a:solidFill>
+              </a:rPr>
+              <a:t>General Discussion &amp; Usage</a:t>
+            </a:r>
+          </a:p>
+          <a:p>
+            <a:pPr>
+              <a:buClr>
+                <a:srgbClr val="000000"/>
+              </a:buClr>
+              <a:buFont typeface="Arial"/>
+              <a:buChar char="•"/>
+            </a:pPr>
+            <a:r>
+              <a:rPr lang="en-US" dirty="0" smtClean="0">
+                <a:solidFill>
+                  <a:schemeClr val="tx1"/>
+                </a:solidFill>
+              </a:rPr>
+              <a:t>Platform-specific Features</a:t>
+            </a:r>
+          </a:p>
+          <a:p>
+            <a:pPr>
+              <a:buClr>
+                <a:srgbClr val="000000"/>
+              </a:buClr>
+              <a:buFont typeface="Arial"/>
+              <a:buChar char="•"/>
+            </a:pPr>
+            <a:r>
+              <a:rPr lang="en-US" dirty="0" smtClean="0">
+                <a:solidFill>
+                  <a:schemeClr val="tx1"/>
+                </a:solidFill>
+              </a:rPr>
+              <a:t>Operational Notes</a:t>
+            </a:r>
+          </a:p>
+          <a:p>
+            <a:pPr>
+              <a:buClr>
+                <a:srgbClr val="000000"/>
+              </a:buClr>
+              <a:buFont typeface="Arial"/>
+              <a:buChar char="•"/>
+            </a:pPr>
+            <a:r>
+              <a:rPr lang="en-US" dirty="0" smtClean="0">
+                <a:solidFill>
+                  <a:schemeClr val="tx1"/>
+                </a:solidFill>
+              </a:rPr>
+              <a:t>Extensions and Refinements</a:t>
+            </a:r>
+          </a:p>
+          <a:p>
+            <a:pPr>
+              <a:buClr>
+                <a:srgbClr val="000000"/>
+              </a:buClr>
+              <a:buFont typeface="Arial"/>
+              <a:buChar char="•"/>
+            </a:pPr>
+            <a:r>
+              <a:rPr lang="en-US" dirty="0" smtClean="0">
+                <a:solidFill>
+                  <a:schemeClr val="tx1"/>
+                </a:solidFill>
+              </a:rPr>
+              <a:t>Implementation Notes</a:t>
+            </a:r>
+          </a:p>
+        </p:txBody>
+      </p:sp>
+    </p:spTree>
+    <p:extLst>
+      <p:ext uri="{BB962C8B-B14F-4D97-AF65-F5344CB8AC3E}">
+        <p14:creationId xmlns:p14="http://schemas.microsoft.com/office/powerpoint/2010/main" val="647540154"/>
+      </p:ext>
+    </p:extLst>
+  </p:cSld>
+  <p:clrMapOvr>
+    <a:masterClrMapping/>
+  </p:clrMapOvr>
+  <p:transition xmlns:p14="http://schemas.microsoft.com/office/powerpoint/2010/main">
+    <p:fade/>
+  </p:transition>
+  <p:timing>
+    <p:tnLst>
+      <p:par>
+        <p:cTn xmlns:p14="http://schemas.microsoft.com/office/powerpoint/2010/main" id="1" dur="indefinite" restart="never" nodeType="tmRoot"/>
+      </p:par>
+    </p:tnLst>
+  </p:timing>
+</p:sld>
+</file>
+
+<file path=ppt/slides/slide30.xml><?xml version="1.0" encoding="utf-8"?>
 <p:sld xmlns:a="http://schemas.openxmlformats.org/drawingml/2006/main" xmlns:r="http://schemas.openxmlformats.org/officeDocument/2006/relationships" xmlns:p="http://schemas.openxmlformats.org/presentationml/2006/main">
   <p:cSld>
     <p:spTree>
@@ -22320,179 +23142,7 @@
 </p:sld>
 </file>
 
-<file path=ppt/slides/slide3.xml><?xml version="1.0" encoding="utf-8"?>
-<p:sld xmlns:a="http://schemas.openxmlformats.org/drawingml/2006/main" xmlns:r="http://schemas.openxmlformats.org/officeDocument/2006/relationships" xmlns:p="http://schemas.openxmlformats.org/presentationml/2006/main">
-  <p:cSld>
-    <p:spTree>
-      <p:nvGrpSpPr>
-        <p:cNvPr id="1" name=""/>
-        <p:cNvGrpSpPr/>
-        <p:nvPr/>
-      </p:nvGrpSpPr>
-      <p:grpSpPr>
-        <a:xfrm>
-          <a:off x="0" y="0"/>
-          <a:ext cx="0" cy="0"/>
-          <a:chOff x="0" y="0"/>
-          <a:chExt cx="0" cy="0"/>
-        </a:xfrm>
-      </p:grpSpPr>
-      <p:sp>
-        <p:nvSpPr>
-          <p:cNvPr id="2" name="Title 1"/>
-          <p:cNvSpPr>
-            <a:spLocks noGrp="1"/>
-          </p:cNvSpPr>
-          <p:nvPr>
-            <p:ph type="title"/>
-          </p:nvPr>
-        </p:nvSpPr>
-        <p:spPr/>
-        <p:txBody>
-          <a:bodyPr/>
-          <a:lstStyle/>
-          <a:p>
-            <a:r>
-              <a:rPr lang="en-US" dirty="0" smtClean="0">
-                <a:solidFill>
-                  <a:srgbClr val="007DB8"/>
-                </a:solidFill>
-              </a:rPr>
-              <a:t>Outline</a:t>
-            </a:r>
-            <a:endParaRPr lang="en-US" dirty="0">
-              <a:solidFill>
-                <a:srgbClr val="007DB8"/>
-              </a:solidFill>
-            </a:endParaRPr>
-          </a:p>
-        </p:txBody>
-      </p:sp>
-      <p:sp>
-        <p:nvSpPr>
-          <p:cNvPr id="4" name="Content Placeholder 3"/>
-          <p:cNvSpPr>
-            <a:spLocks noGrp="1"/>
-          </p:cNvSpPr>
-          <p:nvPr>
-            <p:ph sz="quarter" idx="10"/>
-          </p:nvPr>
-        </p:nvSpPr>
-        <p:spPr/>
-        <p:txBody>
-          <a:bodyPr/>
-          <a:lstStyle/>
-          <a:p>
-            <a:pPr>
-              <a:buClr>
-                <a:srgbClr val="000000"/>
-              </a:buClr>
-              <a:buFont typeface="Arial"/>
-              <a:buChar char="•"/>
-            </a:pPr>
-            <a:r>
-              <a:rPr lang="en-US" dirty="0" smtClean="0">
-                <a:solidFill>
-                  <a:schemeClr val="tx1"/>
-                </a:solidFill>
-              </a:rPr>
-              <a:t>General Discussion &amp; Usage</a:t>
-            </a:r>
-          </a:p>
-          <a:p>
-            <a:pPr>
-              <a:buClr>
-                <a:srgbClr val="000000"/>
-              </a:buClr>
-              <a:buFont typeface="Arial"/>
-              <a:buChar char="•"/>
-            </a:pPr>
-            <a:r>
-              <a:rPr lang="en-US" dirty="0" smtClean="0">
-                <a:solidFill>
-                  <a:schemeClr val="tx1"/>
-                </a:solidFill>
-              </a:rPr>
-              <a:t>Platform-specific Features</a:t>
-            </a:r>
-          </a:p>
-          <a:p>
-            <a:pPr>
-              <a:buClr>
-                <a:srgbClr val="000000"/>
-              </a:buClr>
-              <a:buFont typeface="Arial"/>
-              <a:buChar char="•"/>
-            </a:pPr>
-            <a:r>
-              <a:rPr lang="en-US" dirty="0" smtClean="0">
-                <a:solidFill>
-                  <a:schemeClr val="tx1"/>
-                </a:solidFill>
-              </a:rPr>
-              <a:t>Operational Notes</a:t>
-            </a:r>
-          </a:p>
-          <a:p>
-            <a:pPr>
-              <a:buClr>
-                <a:srgbClr val="000000"/>
-              </a:buClr>
-              <a:buFont typeface="Arial"/>
-              <a:buChar char="•"/>
-            </a:pPr>
-            <a:r>
-              <a:rPr lang="en-US" dirty="0" smtClean="0">
-                <a:solidFill>
-                  <a:schemeClr val="tx1"/>
-                </a:solidFill>
-              </a:rPr>
-              <a:t>Extensions and Refinements</a:t>
-            </a:r>
-          </a:p>
-          <a:p>
-            <a:pPr>
-              <a:buClr>
-                <a:srgbClr val="000000"/>
-              </a:buClr>
-              <a:buFont typeface="Arial"/>
-              <a:buChar char="•"/>
-            </a:pPr>
-            <a:r>
-              <a:rPr lang="en-US" dirty="0" smtClean="0">
-                <a:solidFill>
-                  <a:schemeClr val="tx1"/>
-                </a:solidFill>
-              </a:rPr>
-              <a:t>Implementation Notes</a:t>
-            </a:r>
-          </a:p>
-        </p:txBody>
-      </p:sp>
-    </p:spTree>
-    <p:extLst>
-      <p:ext uri="{BB962C8B-B14F-4D97-AF65-F5344CB8AC3E}">
-        <p14:creationId xmlns:p14="http://schemas.microsoft.com/office/powerpoint/2010/main" val="647540154"/>
-      </p:ext>
-    </p:extLst>
-  </p:cSld>
-  <p:clrMapOvr>
-    <a:masterClrMapping/>
-  </p:clrMapOvr>
-  <p:transition xmlns:p14="http://schemas.microsoft.com/office/powerpoint/2010/main">
-    <p:fade/>
-  </p:transition>
-  <p:timing>
-    <p:tnLst>
-      <p:par>
-        <p:cTn xmlns:p14="http://schemas.microsoft.com/office/powerpoint/2010/main" id="1" dur="indefinite" restart="never" nodeType="tmRoot"/>
-      </p:par>
-    </p:tnLst>
-  </p:timing>
-</p:sld>
-</file>
-
-<file path=ppt/slides/slide30.xml><?xml version="1.0" encoding="utf-8"?>
+<file path=ppt/slides/slide31.xml><?xml version="1.0" encoding="utf-8"?>
 <p:sld xmlns:a="http://schemas.openxmlformats.org/drawingml/2006/main" xmlns:r="http://schemas.openxmlformats.org/officeDocument/2006/relationships" xmlns:p="http://schemas.openxmlformats.org/presentationml/2006/main">
   <p:cSld>
     <p:spTree>
@@ -22727,7 +23377,7 @@
 </p:sld>
 </file>
 
-<file path=ppt/slides/slide31.xml><?xml version="1.0" encoding="utf-8"?>
+<file path=ppt/slides/slide32.xml><?xml version="1.0" encoding="utf-8"?>
 <p:sld xmlns:a="http://schemas.openxmlformats.org/drawingml/2006/main" xmlns:r="http://schemas.openxmlformats.org/officeDocument/2006/relationships" xmlns:p="http://schemas.openxmlformats.org/presentationml/2006/main">
   <p:cSld>
     <p:bg>
@@ -22816,7 +23466,7 @@
 </p:sld>
 </file>
 
-<file path=ppt/slides/slide32.xml><?xml version="1.0" encoding="utf-8"?>
+<file path=ppt/slides/slide33.xml><?xml version="1.0" encoding="utf-8"?>
 <p:sld xmlns:a="http://schemas.openxmlformats.org/drawingml/2006/main" xmlns:r="http://schemas.openxmlformats.org/officeDocument/2006/relationships" xmlns:p="http://schemas.openxmlformats.org/presentationml/2006/main">
   <p:cSld>
     <p:spTree>
@@ -23173,7 +23823,7 @@
 </p:sld>
 </file>
 
-<file path=ppt/slides/slide33.xml><?xml version="1.0" encoding="utf-8"?>
+<file path=ppt/slides/slide34.xml><?xml version="1.0" encoding="utf-8"?>
 <p:sld xmlns:a="http://schemas.openxmlformats.org/drawingml/2006/main" xmlns:r="http://schemas.openxmlformats.org/officeDocument/2006/relationships" xmlns:p="http://schemas.openxmlformats.org/presentationml/2006/main">
   <p:cSld>
     <p:spTree>
@@ -23313,7 +23963,7 @@
 </p:sld>
 </file>
 
-<file path=ppt/slides/slide34.xml><?xml version="1.0" encoding="utf-8"?>
+<file path=ppt/slides/slide35.xml><?xml version="1.0" encoding="utf-8"?>
 <p:sld xmlns:a="http://schemas.openxmlformats.org/drawingml/2006/main" xmlns:r="http://schemas.openxmlformats.org/officeDocument/2006/relationships" xmlns:p="http://schemas.openxmlformats.org/presentationml/2006/main">
   <p:cSld>
     <p:spTree>
@@ -23622,7 +24272,7 @@
 </p:sld>
 </file>
 
-<file path=ppt/slides/slide35.xml><?xml version="1.0" encoding="utf-8"?>
+<file path=ppt/slides/slide36.xml><?xml version="1.0" encoding="utf-8"?>
 <p:sld xmlns:a="http://schemas.openxmlformats.org/drawingml/2006/main" xmlns:r="http://schemas.openxmlformats.org/officeDocument/2006/relationships" xmlns:p="http://schemas.openxmlformats.org/presentationml/2006/main">
   <p:cSld>
     <p:spTree>
@@ -25612,7 +26262,7 @@
 </p:sld>
 </file>
 
-<file path=ppt/slides/slide36.xml><?xml version="1.0" encoding="utf-8"?>
+<file path=ppt/slides/slide37.xml><?xml version="1.0" encoding="utf-8"?>
 <p:sld xmlns:a="http://schemas.openxmlformats.org/drawingml/2006/main" xmlns:r="http://schemas.openxmlformats.org/officeDocument/2006/relationships" xmlns:p="http://schemas.openxmlformats.org/presentationml/2006/main">
   <p:cSld>
     <p:spTree>
@@ -25977,7 +26627,7 @@
 </p:sld>
 </file>
 
-<file path=ppt/slides/slide37.xml><?xml version="1.0" encoding="utf-8"?>
+<file path=ppt/slides/slide38.xml><?xml version="1.0" encoding="utf-8"?>
 <p:sld xmlns:a="http://schemas.openxmlformats.org/drawingml/2006/main" xmlns:r="http://schemas.openxmlformats.org/officeDocument/2006/relationships" xmlns:p="http://schemas.openxmlformats.org/presentationml/2006/main">
   <p:cSld>
     <p:spTree>
@@ -26276,7 +26926,7 @@
 </p:sld>
 </file>
 
-<file path=ppt/slides/slide38.xml><?xml version="1.0" encoding="utf-8"?>
+<file path=ppt/slides/slide39.xml><?xml version="1.0" encoding="utf-8"?>
 <p:sld xmlns:a="http://schemas.openxmlformats.org/drawingml/2006/main" xmlns:r="http://schemas.openxmlformats.org/officeDocument/2006/relationships" xmlns:p="http://schemas.openxmlformats.org/presentationml/2006/main">
   <p:cSld>
     <p:spTree>
@@ -26576,103 +27226,6 @@
     <p:extLst>
       <p:ext uri="{BB962C8B-B14F-4D97-AF65-F5344CB8AC3E}">
         <p14:creationId xmlns:p14="http://schemas.microsoft.com/office/powerpoint/2010/main" val="2458797156"/>
-      </p:ext>
-    </p:extLst>
-  </p:cSld>
-  <p:clrMapOvr>
-    <a:masterClrMapping/>
-  </p:clrMapOvr>
-  <p:transition xmlns:p14="http://schemas.microsoft.com/office/powerpoint/2010/main">
-    <p:fade/>
-  </p:transition>
-  <p:timing>
-    <p:tnLst>
-      <p:par>
-        <p:cTn xmlns:p14="http://schemas.microsoft.com/office/powerpoint/2010/main" id="1" dur="indefinite" restart="never" nodeType="tmRoot"/>
-      </p:par>
-    </p:tnLst>
-  </p:timing>
-</p:sld>
-</file>
-
-<file path=ppt/slides/slide39.xml><?xml version="1.0" encoding="utf-8"?>
-<p:sld xmlns:a="http://schemas.openxmlformats.org/drawingml/2006/main" xmlns:r="http://schemas.openxmlformats.org/officeDocument/2006/relationships" xmlns:p="http://schemas.openxmlformats.org/presentationml/2006/main" show="0">
-  <p:cSld>
-    <p:bg>
-      <p:bgPr>
-        <a:solidFill>
-          <a:schemeClr val="accent2">
-            <a:lumMod val="20000"/>
-            <a:lumOff val="80000"/>
-          </a:schemeClr>
-        </a:solidFill>
-        <a:effectLst/>
-      </p:bgPr>
-    </p:bg>
-    <p:spTree>
-      <p:nvGrpSpPr>
-        <p:cNvPr id="1" name=""/>
-        <p:cNvGrpSpPr/>
-        <p:nvPr/>
-      </p:nvGrpSpPr>
-      <p:grpSpPr>
-        <a:xfrm>
-          <a:off x="0" y="0"/>
-          <a:ext cx="0" cy="0"/>
-          <a:chOff x="0" y="0"/>
-          <a:chExt cx="0" cy="0"/>
-        </a:xfrm>
-      </p:grpSpPr>
-      <p:sp>
-        <p:nvSpPr>
-          <p:cNvPr id="3" name="Title 2"/>
-          <p:cNvSpPr>
-            <a:spLocks noGrp="1"/>
-          </p:cNvSpPr>
-          <p:nvPr>
-            <p:ph type="ctrTitle"/>
-          </p:nvPr>
-        </p:nvSpPr>
-        <p:spPr>
-          <a:xfrm>
-            <a:off x="533400" y="1485900"/>
-            <a:ext cx="8077200" cy="1885950"/>
-          </a:xfrm>
-        </p:spPr>
-        <p:txBody>
-          <a:bodyPr anchor="ctr" anchorCtr="1">
-            <a:noAutofit/>
-          </a:bodyPr>
-          <a:lstStyle/>
-          <a:p>
-            <a:r>
-              <a:rPr lang="en-US" dirty="0" smtClean="0">
-                <a:solidFill>
-                  <a:srgbClr val="444444"/>
-                </a:solidFill>
-              </a:rPr>
-              <a:t>Extensions </a:t>
-            </a:r>
-            <a:r>
-              <a:rPr lang="en-US" smtClean="0">
-                <a:solidFill>
-                  <a:srgbClr val="444444"/>
-                </a:solidFill>
-              </a:rPr>
-              <a:t>and Refinements</a:t>
-            </a:r>
-            <a:endParaRPr lang="en-US" dirty="0">
-              <a:solidFill>
-                <a:srgbClr val="444444"/>
-              </a:solidFill>
-            </a:endParaRPr>
-          </a:p>
-        </p:txBody>
-      </p:sp>
-    </p:spTree>
-    <p:extLst>
-      <p:ext uri="{BB962C8B-B14F-4D97-AF65-F5344CB8AC3E}">
-        <p14:creationId xmlns:p14="http://schemas.microsoft.com/office/powerpoint/2010/main" val="2771827488"/>
       </p:ext>
     </p:extLst>
   </p:cSld>
@@ -26784,6 +27337,103 @@
 <file path=ppt/slides/slide40.xml><?xml version="1.0" encoding="utf-8"?>
 <p:sld xmlns:a="http://schemas.openxmlformats.org/drawingml/2006/main" xmlns:r="http://schemas.openxmlformats.org/officeDocument/2006/relationships" xmlns:p="http://schemas.openxmlformats.org/presentationml/2006/main" show="0">
   <p:cSld>
+    <p:bg>
+      <p:bgPr>
+        <a:solidFill>
+          <a:schemeClr val="accent2">
+            <a:lumMod val="20000"/>
+            <a:lumOff val="80000"/>
+          </a:schemeClr>
+        </a:solidFill>
+        <a:effectLst/>
+      </p:bgPr>
+    </p:bg>
+    <p:spTree>
+      <p:nvGrpSpPr>
+        <p:cNvPr id="1" name=""/>
+        <p:cNvGrpSpPr/>
+        <p:nvPr/>
+      </p:nvGrpSpPr>
+      <p:grpSpPr>
+        <a:xfrm>
+          <a:off x="0" y="0"/>
+          <a:ext cx="0" cy="0"/>
+          <a:chOff x="0" y="0"/>
+          <a:chExt cx="0" cy="0"/>
+        </a:xfrm>
+      </p:grpSpPr>
+      <p:sp>
+        <p:nvSpPr>
+          <p:cNvPr id="3" name="Title 2"/>
+          <p:cNvSpPr>
+            <a:spLocks noGrp="1"/>
+          </p:cNvSpPr>
+          <p:nvPr>
+            <p:ph type="ctrTitle"/>
+          </p:nvPr>
+        </p:nvSpPr>
+        <p:spPr>
+          <a:xfrm>
+            <a:off x="533400" y="1485900"/>
+            <a:ext cx="8077200" cy="1885950"/>
+          </a:xfrm>
+        </p:spPr>
+        <p:txBody>
+          <a:bodyPr anchor="ctr" anchorCtr="1">
+            <a:noAutofit/>
+          </a:bodyPr>
+          <a:lstStyle/>
+          <a:p>
+            <a:r>
+              <a:rPr lang="en-US" dirty="0" smtClean="0">
+                <a:solidFill>
+                  <a:srgbClr val="444444"/>
+                </a:solidFill>
+              </a:rPr>
+              <a:t>Extensions </a:t>
+            </a:r>
+            <a:r>
+              <a:rPr lang="en-US" smtClean="0">
+                <a:solidFill>
+                  <a:srgbClr val="444444"/>
+                </a:solidFill>
+              </a:rPr>
+              <a:t>and Refinements</a:t>
+            </a:r>
+            <a:endParaRPr lang="en-US" dirty="0">
+              <a:solidFill>
+                <a:srgbClr val="444444"/>
+              </a:solidFill>
+            </a:endParaRPr>
+          </a:p>
+        </p:txBody>
+      </p:sp>
+    </p:spTree>
+    <p:extLst>
+      <p:ext uri="{BB962C8B-B14F-4D97-AF65-F5344CB8AC3E}">
+        <p14:creationId xmlns:p14="http://schemas.microsoft.com/office/powerpoint/2010/main" val="2771827488"/>
+      </p:ext>
+    </p:extLst>
+  </p:cSld>
+  <p:clrMapOvr>
+    <a:masterClrMapping/>
+  </p:clrMapOvr>
+  <p:transition xmlns:p14="http://schemas.microsoft.com/office/powerpoint/2010/main">
+    <p:fade/>
+  </p:transition>
+  <p:timing>
+    <p:tnLst>
+      <p:par>
+        <p:cTn xmlns:p14="http://schemas.microsoft.com/office/powerpoint/2010/main" id="1" dur="indefinite" restart="never" nodeType="tmRoot"/>
+      </p:par>
+    </p:tnLst>
+  </p:timing>
+</p:sld>
+</file>
+
+<file path=ppt/slides/slide41.xml><?xml version="1.0" encoding="utf-8"?>
+<p:sld xmlns:a="http://schemas.openxmlformats.org/drawingml/2006/main" xmlns:r="http://schemas.openxmlformats.org/officeDocument/2006/relationships" xmlns:p="http://schemas.openxmlformats.org/presentationml/2006/main" show="0">
+  <p:cSld>
     <p:spTree>
       <p:nvGrpSpPr>
         <p:cNvPr id="1" name=""/>
@@ -26924,322 +27574,6 @@
     <p:extLst>
       <p:ext uri="{BB962C8B-B14F-4D97-AF65-F5344CB8AC3E}">
         <p14:creationId xmlns:p14="http://schemas.microsoft.com/office/powerpoint/2010/main" val="403150059"/>
-      </p:ext>
-    </p:extLst>
-  </p:cSld>
-  <p:clrMapOvr>
-    <a:masterClrMapping/>
-  </p:clrMapOvr>
-  <p:transition xmlns:p14="http://schemas.microsoft.com/office/powerpoint/2010/main">
-    <p:fade/>
-  </p:transition>
-  <p:timing>
-    <p:tnLst>
-      <p:par>
-        <p:cTn xmlns:p14="http://schemas.microsoft.com/office/powerpoint/2010/main" id="1" dur="indefinite" restart="never" nodeType="tmRoot">
-          <p:childTnLst>
-            <p:seq concurrent="1" nextAc="seek">
-              <p:cTn id="2" dur="indefinite" nodeType="mainSeq">
-                <p:childTnLst>
-                  <p:par>
-                    <p:cTn id="3" fill="hold">
-                      <p:stCondLst>
-                        <p:cond delay="indefinite"/>
-                        <p:cond evt="onBegin" delay="0">
-                          <p:tn val="2"/>
-                        </p:cond>
-                      </p:stCondLst>
-                      <p:childTnLst>
-                        <p:par>
-                          <p:cTn id="4" fill="hold">
-                            <p:stCondLst>
-                              <p:cond delay="0"/>
-                            </p:stCondLst>
-                            <p:childTnLst>
-                              <p:par>
-                                <p:cTn id="5" presetID="10" presetClass="entr" presetSubtype="0" fill="hold" nodeType="withEffect">
-                                  <p:stCondLst>
-                                    <p:cond delay="0"/>
-                                  </p:stCondLst>
-                                  <p:childTnLst>
-                                    <p:set>
-                                      <p:cBhvr>
-                                        <p:cTn id="6" dur="1" fill="hold">
-                                          <p:stCondLst>
-                                            <p:cond delay="0"/>
-                                          </p:stCondLst>
-                                        </p:cTn>
-                                        <p:tgtEl>
-                                          <p:spTgt spid="4"/>
-                                        </p:tgtEl>
-                                        <p:attrNameLst>
-                                          <p:attrName>style.visibility</p:attrName>
-                                        </p:attrNameLst>
-                                      </p:cBhvr>
-                                      <p:to>
-                                        <p:strVal val="visible"/>
-                                      </p:to>
-                                    </p:set>
-                                    <p:animEffect transition="in" filter="fade">
-                                      <p:cBhvr>
-                                        <p:cTn id="7" dur="500"/>
-                                        <p:tgtEl>
-                                          <p:spTgt spid="4"/>
-                                        </p:tgtEl>
-                                      </p:cBhvr>
-                                    </p:animEffect>
-                                  </p:childTnLst>
-                                </p:cTn>
-                              </p:par>
-                            </p:childTnLst>
-                          </p:cTn>
-                        </p:par>
-                      </p:childTnLst>
-                    </p:cTn>
-                  </p:par>
-                </p:childTnLst>
-              </p:cTn>
-              <p:prevCondLst>
-                <p:cond evt="onPrev" delay="0">
-                  <p:tgtEl>
-                    <p:sldTgt/>
-                  </p:tgtEl>
-                </p:cond>
-              </p:prevCondLst>
-              <p:nextCondLst>
-                <p:cond evt="onNext" delay="0">
-                  <p:tgtEl>
-                    <p:sldTgt/>
-                  </p:tgtEl>
-                </p:cond>
-              </p:nextCondLst>
-            </p:seq>
-          </p:childTnLst>
-        </p:cTn>
-      </p:par>
-    </p:tnLst>
-  </p:timing>
-</p:sld>
-</file>
-
-<file path=ppt/slides/slide41.xml><?xml version="1.0" encoding="utf-8"?>
-<p:sld xmlns:a="http://schemas.openxmlformats.org/drawingml/2006/main" xmlns:r="http://schemas.openxmlformats.org/officeDocument/2006/relationships" xmlns:p="http://schemas.openxmlformats.org/presentationml/2006/main" show="0">
-  <p:cSld>
-    <p:spTree>
-      <p:nvGrpSpPr>
-        <p:cNvPr id="1" name=""/>
-        <p:cNvGrpSpPr/>
-        <p:nvPr/>
-      </p:nvGrpSpPr>
-      <p:grpSpPr>
-        <a:xfrm>
-          <a:off x="0" y="0"/>
-          <a:ext cx="0" cy="0"/>
-          <a:chOff x="0" y="0"/>
-          <a:chExt cx="0" cy="0"/>
-        </a:xfrm>
-      </p:grpSpPr>
-      <p:sp>
-        <p:nvSpPr>
-          <p:cNvPr id="2" name="Title 1"/>
-          <p:cNvSpPr>
-            <a:spLocks noGrp="1"/>
-          </p:cNvSpPr>
-          <p:nvPr>
-            <p:ph type="title"/>
-          </p:nvPr>
-        </p:nvSpPr>
-        <p:spPr/>
-        <p:txBody>
-          <a:bodyPr/>
-          <a:lstStyle/>
-          <a:p>
-            <a:r>
-              <a:rPr lang="en-US" dirty="0" err="1" smtClean="0">
-                <a:solidFill>
-                  <a:srgbClr val="444444"/>
-                </a:solidFill>
-              </a:rPr>
-              <a:t>pwalk</a:t>
-            </a:r>
-            <a:r>
-              <a:rPr lang="en-US" dirty="0" smtClean="0">
-                <a:solidFill>
-                  <a:srgbClr val="444444"/>
-                </a:solidFill>
-              </a:rPr>
-              <a:t> </a:t>
-            </a:r>
-            <a:r>
-              <a:rPr lang="en-US" dirty="0">
-                <a:solidFill>
-                  <a:srgbClr val="444444"/>
-                </a:solidFill>
-              </a:rPr>
-              <a:t>+</a:t>
-            </a:r>
-            <a:r>
-              <a:rPr lang="en-US" dirty="0" smtClean="0">
-                <a:solidFill>
-                  <a:srgbClr val="444444"/>
-                </a:solidFill>
-              </a:rPr>
-              <a:t>verify Mode (FUTURE)</a:t>
-            </a:r>
-            <a:endParaRPr lang="en-US" dirty="0">
-              <a:solidFill>
-                <a:srgbClr val="444444"/>
-              </a:solidFill>
-            </a:endParaRPr>
-          </a:p>
-        </p:txBody>
-      </p:sp>
-      <p:pic>
-        <p:nvPicPr>
-          <p:cNvPr id="4" name="Picture 2" descr="C:\Users\BROOME~1\AppData\Local\Temp\VMwareDnD\cfc176d6\iStock_000011953681XSmall.jpg"/>
-          <p:cNvPicPr>
-            <a:picLocks noChangeAspect="1" noChangeArrowheads="1"/>
-          </p:cNvPicPr>
-          <p:nvPr/>
-        </p:nvPicPr>
-        <p:blipFill>
-          <a:blip r:embed="rId3" cstate="email">
-            <a:extLst>
-              <a:ext uri="{28A0092B-C50C-407E-A947-70E740481C1C}">
-                <a14:useLocalDpi xmlns:a14="http://schemas.microsoft.com/office/drawing/2010/main"/>
-              </a:ext>
-            </a:extLst>
-          </a:blip>
-          <a:stretch>
-            <a:fillRect/>
-          </a:stretch>
-        </p:blipFill>
-        <p:spPr bwMode="auto">
-          <a:xfrm flipH="1">
-            <a:off x="7774886" y="176470"/>
-            <a:ext cx="1140515" cy="852230"/>
-          </a:xfrm>
-          <a:prstGeom prst="rect">
-            <a:avLst/>
-          </a:prstGeom>
-          <a:noFill/>
-          <a:ln>
-            <a:noFill/>
-          </a:ln>
-        </p:spPr>
-      </p:pic>
-      <p:sp>
-        <p:nvSpPr>
-          <p:cNvPr id="5" name="Content Placeholder 4"/>
-          <p:cNvSpPr>
-            <a:spLocks noGrp="1"/>
-          </p:cNvSpPr>
-          <p:nvPr>
-            <p:ph sz="quarter" idx="10"/>
-          </p:nvPr>
-        </p:nvSpPr>
-        <p:spPr>
-          <a:xfrm>
-            <a:off x="366714" y="1016794"/>
-            <a:ext cx="8410575" cy="3555206"/>
-          </a:xfrm>
-        </p:spPr>
-        <p:txBody>
-          <a:bodyPr>
-            <a:normAutofit/>
-          </a:bodyPr>
-          <a:lstStyle/>
-          <a:p>
-            <a:r>
-              <a:rPr lang="en-US" dirty="0" smtClean="0"/>
-              <a:t>For files types whose validity can be determined by inspection, perform the requisite test</a:t>
-            </a:r>
-          </a:p>
-          <a:p>
-            <a:pPr lvl="1"/>
-            <a:r>
-              <a:rPr lang="en-US" dirty="0" smtClean="0"/>
-              <a:t>GZIP - .</a:t>
-            </a:r>
-            <a:r>
-              <a:rPr lang="en-US" dirty="0" err="1" smtClean="0"/>
-              <a:t>gz</a:t>
-            </a:r>
-            <a:r>
-              <a:rPr lang="en-US" dirty="0" smtClean="0"/>
-              <a:t>, .</a:t>
-            </a:r>
-            <a:r>
-              <a:rPr lang="en-US" dirty="0" err="1" smtClean="0"/>
-              <a:t>tgz</a:t>
-            </a:r>
-            <a:r>
-              <a:rPr lang="en-US" dirty="0" smtClean="0"/>
-              <a:t> – test with </a:t>
-            </a:r>
-            <a:r>
-              <a:rPr lang="en-US" dirty="0" err="1" smtClean="0"/>
-              <a:t>gzip</a:t>
-            </a:r>
-            <a:r>
-              <a:rPr lang="en-US" dirty="0" smtClean="0"/>
-              <a:t> –</a:t>
-            </a:r>
-            <a:r>
-              <a:rPr lang="en-US" dirty="0" err="1" smtClean="0"/>
-              <a:t>tq</a:t>
-            </a:r>
-            <a:endParaRPr lang="en-US" dirty="0" smtClean="0"/>
-          </a:p>
-          <a:p>
-            <a:pPr lvl="1"/>
-            <a:r>
-              <a:rPr lang="en-US" dirty="0" smtClean="0">
-                <a:solidFill>
-                  <a:schemeClr val="accent6"/>
-                </a:solidFill>
-              </a:rPr>
-              <a:t>=== MORE TBD ===</a:t>
-            </a:r>
-          </a:p>
-          <a:p>
-            <a:pPr lvl="2"/>
-            <a:r>
-              <a:rPr lang="en-US" dirty="0" smtClean="0">
-                <a:solidFill>
-                  <a:schemeClr val="accent6"/>
-                </a:solidFill>
-              </a:rPr>
-              <a:t>.c, .txt, .</a:t>
-            </a:r>
-            <a:r>
-              <a:rPr lang="en-US" dirty="0" err="1" smtClean="0">
-                <a:solidFill>
-                  <a:schemeClr val="accent6"/>
-                </a:solidFill>
-              </a:rPr>
-              <a:t>asc</a:t>
-            </a:r>
-            <a:r>
-              <a:rPr lang="en-US" dirty="0" smtClean="0">
-                <a:solidFill>
-                  <a:schemeClr val="accent6"/>
-                </a:solidFill>
-              </a:rPr>
-              <a:t>, .info – check for all ASCII</a:t>
-            </a:r>
-            <a:endParaRPr lang="en-US" dirty="0">
-              <a:solidFill>
-                <a:schemeClr val="accent6"/>
-              </a:solidFill>
-            </a:endParaRPr>
-          </a:p>
-        </p:txBody>
-      </p:sp>
-    </p:spTree>
-    <p:extLst>
-      <p:ext uri="{BB962C8B-B14F-4D97-AF65-F5344CB8AC3E}">
-        <p14:creationId xmlns:p14="http://schemas.microsoft.com/office/powerpoint/2010/main" val="3737200043"/>
       </p:ext>
     </p:extLst>
   </p:cSld>
@@ -27357,6 +27691,322 @@
       </p:grpSpPr>
       <p:sp>
         <p:nvSpPr>
+          <p:cNvPr id="2" name="Title 1"/>
+          <p:cNvSpPr>
+            <a:spLocks noGrp="1"/>
+          </p:cNvSpPr>
+          <p:nvPr>
+            <p:ph type="title"/>
+          </p:nvPr>
+        </p:nvSpPr>
+        <p:spPr/>
+        <p:txBody>
+          <a:bodyPr/>
+          <a:lstStyle/>
+          <a:p>
+            <a:r>
+              <a:rPr lang="en-US" dirty="0" err="1" smtClean="0">
+                <a:solidFill>
+                  <a:srgbClr val="444444"/>
+                </a:solidFill>
+              </a:rPr>
+              <a:t>pwalk</a:t>
+            </a:r>
+            <a:r>
+              <a:rPr lang="en-US" dirty="0" smtClean="0">
+                <a:solidFill>
+                  <a:srgbClr val="444444"/>
+                </a:solidFill>
+              </a:rPr>
+              <a:t> </a:t>
+            </a:r>
+            <a:r>
+              <a:rPr lang="en-US" dirty="0">
+                <a:solidFill>
+                  <a:srgbClr val="444444"/>
+                </a:solidFill>
+              </a:rPr>
+              <a:t>+</a:t>
+            </a:r>
+            <a:r>
+              <a:rPr lang="en-US" dirty="0" smtClean="0">
+                <a:solidFill>
+                  <a:srgbClr val="444444"/>
+                </a:solidFill>
+              </a:rPr>
+              <a:t>verify Mode (FUTURE)</a:t>
+            </a:r>
+            <a:endParaRPr lang="en-US" dirty="0">
+              <a:solidFill>
+                <a:srgbClr val="444444"/>
+              </a:solidFill>
+            </a:endParaRPr>
+          </a:p>
+        </p:txBody>
+      </p:sp>
+      <p:pic>
+        <p:nvPicPr>
+          <p:cNvPr id="4" name="Picture 2" descr="C:\Users\BROOME~1\AppData\Local\Temp\VMwareDnD\cfc176d6\iStock_000011953681XSmall.jpg"/>
+          <p:cNvPicPr>
+            <a:picLocks noChangeAspect="1" noChangeArrowheads="1"/>
+          </p:cNvPicPr>
+          <p:nvPr/>
+        </p:nvPicPr>
+        <p:blipFill>
+          <a:blip r:embed="rId3" cstate="email">
+            <a:extLst>
+              <a:ext uri="{28A0092B-C50C-407E-A947-70E740481C1C}">
+                <a14:useLocalDpi xmlns:a14="http://schemas.microsoft.com/office/drawing/2010/main"/>
+              </a:ext>
+            </a:extLst>
+          </a:blip>
+          <a:stretch>
+            <a:fillRect/>
+          </a:stretch>
+        </p:blipFill>
+        <p:spPr bwMode="auto">
+          <a:xfrm flipH="1">
+            <a:off x="7774886" y="176470"/>
+            <a:ext cx="1140515" cy="852230"/>
+          </a:xfrm>
+          <a:prstGeom prst="rect">
+            <a:avLst/>
+          </a:prstGeom>
+          <a:noFill/>
+          <a:ln>
+            <a:noFill/>
+          </a:ln>
+        </p:spPr>
+      </p:pic>
+      <p:sp>
+        <p:nvSpPr>
+          <p:cNvPr id="5" name="Content Placeholder 4"/>
+          <p:cNvSpPr>
+            <a:spLocks noGrp="1"/>
+          </p:cNvSpPr>
+          <p:nvPr>
+            <p:ph sz="quarter" idx="10"/>
+          </p:nvPr>
+        </p:nvSpPr>
+        <p:spPr>
+          <a:xfrm>
+            <a:off x="366714" y="1016794"/>
+            <a:ext cx="8410575" cy="3555206"/>
+          </a:xfrm>
+        </p:spPr>
+        <p:txBody>
+          <a:bodyPr>
+            <a:normAutofit/>
+          </a:bodyPr>
+          <a:lstStyle/>
+          <a:p>
+            <a:r>
+              <a:rPr lang="en-US" dirty="0" smtClean="0"/>
+              <a:t>For files types whose validity can be determined by inspection, perform the requisite test</a:t>
+            </a:r>
+          </a:p>
+          <a:p>
+            <a:pPr lvl="1"/>
+            <a:r>
+              <a:rPr lang="en-US" dirty="0" smtClean="0"/>
+              <a:t>GZIP - .</a:t>
+            </a:r>
+            <a:r>
+              <a:rPr lang="en-US" dirty="0" err="1" smtClean="0"/>
+              <a:t>gz</a:t>
+            </a:r>
+            <a:r>
+              <a:rPr lang="en-US" dirty="0" smtClean="0"/>
+              <a:t>, .</a:t>
+            </a:r>
+            <a:r>
+              <a:rPr lang="en-US" dirty="0" err="1" smtClean="0"/>
+              <a:t>tgz</a:t>
+            </a:r>
+            <a:r>
+              <a:rPr lang="en-US" dirty="0" smtClean="0"/>
+              <a:t> – test with </a:t>
+            </a:r>
+            <a:r>
+              <a:rPr lang="en-US" dirty="0" err="1" smtClean="0"/>
+              <a:t>gzip</a:t>
+            </a:r>
+            <a:r>
+              <a:rPr lang="en-US" dirty="0" smtClean="0"/>
+              <a:t> –</a:t>
+            </a:r>
+            <a:r>
+              <a:rPr lang="en-US" dirty="0" err="1" smtClean="0"/>
+              <a:t>tq</a:t>
+            </a:r>
+            <a:endParaRPr lang="en-US" dirty="0" smtClean="0"/>
+          </a:p>
+          <a:p>
+            <a:pPr lvl="1"/>
+            <a:r>
+              <a:rPr lang="en-US" dirty="0" smtClean="0">
+                <a:solidFill>
+                  <a:schemeClr val="accent6"/>
+                </a:solidFill>
+              </a:rPr>
+              <a:t>=== MORE TBD ===</a:t>
+            </a:r>
+          </a:p>
+          <a:p>
+            <a:pPr lvl="2"/>
+            <a:r>
+              <a:rPr lang="en-US" dirty="0" smtClean="0">
+                <a:solidFill>
+                  <a:schemeClr val="accent6"/>
+                </a:solidFill>
+              </a:rPr>
+              <a:t>.c, .txt, .</a:t>
+            </a:r>
+            <a:r>
+              <a:rPr lang="en-US" dirty="0" err="1" smtClean="0">
+                <a:solidFill>
+                  <a:schemeClr val="accent6"/>
+                </a:solidFill>
+              </a:rPr>
+              <a:t>asc</a:t>
+            </a:r>
+            <a:r>
+              <a:rPr lang="en-US" dirty="0" smtClean="0">
+                <a:solidFill>
+                  <a:schemeClr val="accent6"/>
+                </a:solidFill>
+              </a:rPr>
+              <a:t>, .info – check for all ASCII</a:t>
+            </a:r>
+            <a:endParaRPr lang="en-US" dirty="0">
+              <a:solidFill>
+                <a:schemeClr val="accent6"/>
+              </a:solidFill>
+            </a:endParaRPr>
+          </a:p>
+        </p:txBody>
+      </p:sp>
+    </p:spTree>
+    <p:extLst>
+      <p:ext uri="{BB962C8B-B14F-4D97-AF65-F5344CB8AC3E}">
+        <p14:creationId xmlns:p14="http://schemas.microsoft.com/office/powerpoint/2010/main" val="3737200043"/>
+      </p:ext>
+    </p:extLst>
+  </p:cSld>
+  <p:clrMapOvr>
+    <a:masterClrMapping/>
+  </p:clrMapOvr>
+  <p:transition xmlns:p14="http://schemas.microsoft.com/office/powerpoint/2010/main">
+    <p:fade/>
+  </p:transition>
+  <p:timing>
+    <p:tnLst>
+      <p:par>
+        <p:cTn xmlns:p14="http://schemas.microsoft.com/office/powerpoint/2010/main" id="1" dur="indefinite" restart="never" nodeType="tmRoot">
+          <p:childTnLst>
+            <p:seq concurrent="1" nextAc="seek">
+              <p:cTn id="2" dur="indefinite" nodeType="mainSeq">
+                <p:childTnLst>
+                  <p:par>
+                    <p:cTn id="3" fill="hold">
+                      <p:stCondLst>
+                        <p:cond delay="indefinite"/>
+                        <p:cond evt="onBegin" delay="0">
+                          <p:tn val="2"/>
+                        </p:cond>
+                      </p:stCondLst>
+                      <p:childTnLst>
+                        <p:par>
+                          <p:cTn id="4" fill="hold">
+                            <p:stCondLst>
+                              <p:cond delay="0"/>
+                            </p:stCondLst>
+                            <p:childTnLst>
+                              <p:par>
+                                <p:cTn id="5" presetID="10" presetClass="entr" presetSubtype="0" fill="hold" nodeType="withEffect">
+                                  <p:stCondLst>
+                                    <p:cond delay="0"/>
+                                  </p:stCondLst>
+                                  <p:childTnLst>
+                                    <p:set>
+                                      <p:cBhvr>
+                                        <p:cTn id="6" dur="1" fill="hold">
+                                          <p:stCondLst>
+                                            <p:cond delay="0"/>
+                                          </p:stCondLst>
+                                        </p:cTn>
+                                        <p:tgtEl>
+                                          <p:spTgt spid="4"/>
+                                        </p:tgtEl>
+                                        <p:attrNameLst>
+                                          <p:attrName>style.visibility</p:attrName>
+                                        </p:attrNameLst>
+                                      </p:cBhvr>
+                                      <p:to>
+                                        <p:strVal val="visible"/>
+                                      </p:to>
+                                    </p:set>
+                                    <p:animEffect transition="in" filter="fade">
+                                      <p:cBhvr>
+                                        <p:cTn id="7" dur="500"/>
+                                        <p:tgtEl>
+                                          <p:spTgt spid="4"/>
+                                        </p:tgtEl>
+                                      </p:cBhvr>
+                                    </p:animEffect>
+                                  </p:childTnLst>
+                                </p:cTn>
+                              </p:par>
+                            </p:childTnLst>
+                          </p:cTn>
+                        </p:par>
+                      </p:childTnLst>
+                    </p:cTn>
+                  </p:par>
+                </p:childTnLst>
+              </p:cTn>
+              <p:prevCondLst>
+                <p:cond evt="onPrev" delay="0">
+                  <p:tgtEl>
+                    <p:sldTgt/>
+                  </p:tgtEl>
+                </p:cond>
+              </p:prevCondLst>
+              <p:nextCondLst>
+                <p:cond evt="onNext" delay="0">
+                  <p:tgtEl>
+                    <p:sldTgt/>
+                  </p:tgtEl>
+                </p:cond>
+              </p:nextCondLst>
+            </p:seq>
+          </p:childTnLst>
+        </p:cTn>
+      </p:par>
+    </p:tnLst>
+  </p:timing>
+</p:sld>
+</file>
+
+<file path=ppt/slides/slide43.xml><?xml version="1.0" encoding="utf-8"?>
+<p:sld xmlns:a="http://schemas.openxmlformats.org/drawingml/2006/main" xmlns:r="http://schemas.openxmlformats.org/officeDocument/2006/relationships" xmlns:p="http://schemas.openxmlformats.org/presentationml/2006/main" show="0">
+  <p:cSld>
+    <p:spTree>
+      <p:nvGrpSpPr>
+        <p:cNvPr id="1" name=""/>
+        <p:cNvGrpSpPr/>
+        <p:nvPr/>
+      </p:nvGrpSpPr>
+      <p:grpSpPr>
+        <a:xfrm>
+          <a:off x="0" y="0"/>
+          <a:ext cx="0" cy="0"/>
+          <a:chOff x="0" y="0"/>
+          <a:chExt cx="0" cy="0"/>
+        </a:xfrm>
+      </p:grpSpPr>
+      <p:sp>
+        <p:nvSpPr>
           <p:cNvPr id="5" name="Title 4"/>
           <p:cNvSpPr>
             <a:spLocks noGrp="1"/>
@@ -27571,7 +28221,7 @@
 </p:sld>
 </file>
 
-<file path=ppt/slides/slide43.xml><?xml version="1.0" encoding="utf-8"?>
+<file path=ppt/slides/slide44.xml><?xml version="1.0" encoding="utf-8"?>
 <p:sld xmlns:a="http://schemas.openxmlformats.org/drawingml/2006/main" xmlns:r="http://schemas.openxmlformats.org/officeDocument/2006/relationships" xmlns:p="http://schemas.openxmlformats.org/presentationml/2006/main" show="0">
   <p:cSld>
     <p:spTree>
@@ -27744,7 +28394,7 @@
 </p:sld>
 </file>
 
-<file path=ppt/slides/slide44.xml><?xml version="1.0" encoding="utf-8"?>
+<file path=ppt/slides/slide45.xml><?xml version="1.0" encoding="utf-8"?>
 <p:sld xmlns:a="http://schemas.openxmlformats.org/drawingml/2006/main" xmlns:r="http://schemas.openxmlformats.org/officeDocument/2006/relationships" xmlns:p="http://schemas.openxmlformats.org/presentationml/2006/main" show="0">
   <p:cSld>
     <p:spTree>
@@ -27923,7 +28573,7 @@
 </p:sld>
 </file>
 
-<file path=ppt/slides/slide45.xml><?xml version="1.0" encoding="utf-8"?>
+<file path=ppt/slides/slide46.xml><?xml version="1.0" encoding="utf-8"?>
 <p:sld xmlns:a="http://schemas.openxmlformats.org/drawingml/2006/main" xmlns:r="http://schemas.openxmlformats.org/officeDocument/2006/relationships" xmlns:p="http://schemas.openxmlformats.org/presentationml/2006/main" show="0">
   <p:cSld>
     <p:spTree>
@@ -28092,7 +28742,7 @@
 </p:sld>
 </file>
 
-<file path=ppt/slides/slide46.xml><?xml version="1.0" encoding="utf-8"?>
+<file path=ppt/slides/slide47.xml><?xml version="1.0" encoding="utf-8"?>
 <p:sld xmlns:a="http://schemas.openxmlformats.org/drawingml/2006/main" xmlns:r="http://schemas.openxmlformats.org/officeDocument/2006/relationships" xmlns:p="http://schemas.openxmlformats.org/presentationml/2006/main" show="0">
   <p:cSld>
     <p:spTree>
@@ -28409,7 +29059,7 @@
 </p:sld>
 </file>
 
-<file path=ppt/slides/slide47.xml><?xml version="1.0" encoding="utf-8"?>
+<file path=ppt/slides/slide48.xml><?xml version="1.0" encoding="utf-8"?>
 <p:sld xmlns:a="http://schemas.openxmlformats.org/drawingml/2006/main" xmlns:r="http://schemas.openxmlformats.org/officeDocument/2006/relationships" xmlns:p="http://schemas.openxmlformats.org/presentationml/2006/main" show="0">
   <p:cSld>
     <p:spTree>
@@ -28634,7 +29284,7 @@
 </p:sld>
 </file>
 
-<file path=ppt/slides/slide48.xml><?xml version="1.0" encoding="utf-8"?>
+<file path=ppt/slides/slide49.xml><?xml version="1.0" encoding="utf-8"?>
 <p:sld xmlns:a="http://schemas.openxmlformats.org/drawingml/2006/main" xmlns:r="http://schemas.openxmlformats.org/officeDocument/2006/relationships" xmlns:p="http://schemas.openxmlformats.org/presentationml/2006/main">
   <p:cSld>
     <p:bg>
@@ -28723,7 +29373,320 @@
 </p:sld>
 </file>
 
-<file path=ppt/slides/slide49.xml><?xml version="1.0" encoding="utf-8"?>
+<file path=ppt/slides/slide5.xml><?xml version="1.0" encoding="utf-8"?>
+<p:sld xmlns:a="http://schemas.openxmlformats.org/drawingml/2006/main" xmlns:r="http://schemas.openxmlformats.org/officeDocument/2006/relationships" xmlns:p="http://schemas.openxmlformats.org/presentationml/2006/main">
+  <p:cSld>
+    <p:spTree>
+      <p:nvGrpSpPr>
+        <p:cNvPr id="1" name=""/>
+        <p:cNvGrpSpPr/>
+        <p:nvPr/>
+      </p:nvGrpSpPr>
+      <p:grpSpPr>
+        <a:xfrm>
+          <a:off x="0" y="0"/>
+          <a:ext cx="0" cy="0"/>
+          <a:chOff x="0" y="0"/>
+          <a:chExt cx="0" cy="0"/>
+        </a:xfrm>
+      </p:grpSpPr>
+      <p:sp>
+        <p:nvSpPr>
+          <p:cNvPr id="2" name="Title 1"/>
+          <p:cNvSpPr>
+            <a:spLocks noGrp="1"/>
+          </p:cNvSpPr>
+          <p:nvPr>
+            <p:ph type="title"/>
+          </p:nvPr>
+        </p:nvSpPr>
+        <p:spPr/>
+        <p:txBody>
+          <a:bodyPr/>
+          <a:lstStyle/>
+          <a:p>
+            <a:r>
+              <a:rPr lang="en-US" dirty="0" smtClean="0">
+                <a:solidFill>
+                  <a:srgbClr val="007DB8"/>
+                </a:solidFill>
+                <a:latin typeface="+mj-lt"/>
+              </a:rPr>
+              <a:t>Motivations</a:t>
+            </a:r>
+            <a:endParaRPr lang="en-US" dirty="0">
+              <a:solidFill>
+                <a:srgbClr val="007DB8"/>
+              </a:solidFill>
+              <a:latin typeface="+mj-lt"/>
+            </a:endParaRPr>
+          </a:p>
+        </p:txBody>
+      </p:sp>
+      <p:sp>
+        <p:nvSpPr>
+          <p:cNvPr id="4" name="Content Placeholder 3"/>
+          <p:cNvSpPr>
+            <a:spLocks noGrp="1"/>
+          </p:cNvSpPr>
+          <p:nvPr>
+            <p:ph sz="quarter" idx="10"/>
+          </p:nvPr>
+        </p:nvSpPr>
+        <p:spPr/>
+        <p:txBody>
+          <a:bodyPr>
+            <a:normAutofit fontScale="92500" lnSpcReduction="20000"/>
+          </a:bodyPr>
+          <a:lstStyle/>
+          <a:p>
+            <a:pPr>
+              <a:buClr>
+                <a:srgbClr val="000000"/>
+              </a:buClr>
+            </a:pPr>
+            <a:r>
+              <a:rPr lang="en-US" dirty="0" smtClean="0">
+                <a:latin typeface="+mn-lt"/>
+              </a:rPr>
+              <a:t>Performance</a:t>
+            </a:r>
+          </a:p>
+          <a:p>
+            <a:pPr lvl="1">
+              <a:buClr>
+                <a:srgbClr val="000000"/>
+              </a:buClr>
+            </a:pPr>
+            <a:r>
+              <a:rPr lang="en-US" sz="1600" dirty="0" err="1">
+                <a:latin typeface="+mn-lt"/>
+              </a:rPr>
+              <a:t>T</a:t>
+            </a:r>
+            <a:r>
+              <a:rPr lang="en-US" sz="1600" dirty="0" err="1" smtClean="0">
+                <a:latin typeface="+mn-lt"/>
+              </a:rPr>
+              <a:t>reewalk</a:t>
+            </a:r>
+            <a:r>
+              <a:rPr lang="en-US" sz="1600" dirty="0" smtClean="0">
+                <a:latin typeface="+mn-lt"/>
+              </a:rPr>
+              <a:t> speed is governed by the latency of directory lookups and file attribute lookups</a:t>
+            </a:r>
+          </a:p>
+          <a:p>
+            <a:pPr lvl="1">
+              <a:buClr>
+                <a:srgbClr val="000000"/>
+              </a:buClr>
+            </a:pPr>
+            <a:r>
+              <a:rPr lang="en-US" sz="1600" dirty="0" smtClean="0">
+                <a:latin typeface="+mn-lt"/>
+              </a:rPr>
+              <a:t>In turn, those operations are governed by the </a:t>
+            </a:r>
+            <a:r>
+              <a:rPr lang="en-US" sz="1600" u="sng" dirty="0" smtClean="0">
+                <a:latin typeface="+mn-lt"/>
+              </a:rPr>
+              <a:t>latency</a:t>
+            </a:r>
+            <a:r>
+              <a:rPr lang="en-US" sz="1600" dirty="0" smtClean="0">
+                <a:latin typeface="+mn-lt"/>
+              </a:rPr>
+              <a:t> of NAS protocol (NFS or SMB) namespace RPCs (LOOKUP, READDIR, READIRPLUS, GETATTR, </a:t>
+            </a:r>
+            <a:r>
+              <a:rPr lang="en-US" sz="1600" dirty="0" err="1" smtClean="0">
+                <a:latin typeface="+mn-lt"/>
+              </a:rPr>
+              <a:t>etc</a:t>
+            </a:r>
+            <a:r>
+              <a:rPr lang="en-US" sz="1600" dirty="0" smtClean="0">
+                <a:latin typeface="+mn-lt"/>
+              </a:rPr>
+              <a:t>)</a:t>
+            </a:r>
+          </a:p>
+          <a:p>
+            <a:pPr lvl="1">
+              <a:buClr>
+                <a:srgbClr val="000000"/>
+              </a:buClr>
+            </a:pPr>
+            <a:r>
+              <a:rPr lang="en-US" sz="1600" dirty="0" smtClean="0">
+                <a:latin typeface="+mn-lt"/>
+              </a:rPr>
+              <a:t>All NAS operations inherit network latency</a:t>
+            </a:r>
+          </a:p>
+          <a:p>
+            <a:pPr lvl="1">
+              <a:buClr>
+                <a:srgbClr val="000000"/>
+              </a:buClr>
+            </a:pPr>
+            <a:r>
+              <a:rPr lang="en-US" sz="1600" dirty="0" smtClean="0">
+                <a:latin typeface="+mn-lt"/>
+              </a:rPr>
+              <a:t>OneFS NAS namespace and metadata operations are relatively slower without SSD metadata acceleration</a:t>
+            </a:r>
+          </a:p>
+          <a:p>
+            <a:pPr lvl="1">
+              <a:buClr>
+                <a:srgbClr val="000000"/>
+              </a:buClr>
+            </a:pPr>
+            <a:r>
+              <a:rPr lang="en-US" sz="1600" dirty="0" smtClean="0">
+                <a:latin typeface="+mn-lt"/>
+              </a:rPr>
+              <a:t>Little’s Law: X=N/R</a:t>
+            </a:r>
+          </a:p>
+          <a:p>
+            <a:pPr lvl="2">
+              <a:buClr>
+                <a:srgbClr val="000000"/>
+              </a:buClr>
+            </a:pPr>
+            <a:r>
+              <a:rPr lang="en-US" sz="1600" dirty="0" smtClean="0">
+                <a:latin typeface="+mn-lt"/>
+              </a:rPr>
+              <a:t>Throughput (X) = Concurrency (N) / Response Time (R)</a:t>
+            </a:r>
+          </a:p>
+          <a:p>
+            <a:pPr lvl="2">
+              <a:buClr>
+                <a:srgbClr val="000000"/>
+              </a:buClr>
+            </a:pPr>
+            <a:r>
+              <a:rPr lang="en-US" sz="1600" dirty="0" smtClean="0">
+                <a:latin typeface="+mn-lt"/>
+              </a:rPr>
+              <a:t>When R cannot be lowered, increase N to increase X</a:t>
+            </a:r>
+          </a:p>
+          <a:p>
+            <a:pPr>
+              <a:buClr>
+                <a:srgbClr val="000000"/>
+              </a:buClr>
+            </a:pPr>
+            <a:r>
+              <a:rPr lang="en-US" dirty="0" smtClean="0">
+                <a:latin typeface="+mn-lt"/>
+              </a:rPr>
+              <a:t>Portability</a:t>
+            </a:r>
+          </a:p>
+          <a:p>
+            <a:pPr lvl="1">
+              <a:buClr>
+                <a:srgbClr val="000000"/>
+              </a:buClr>
+            </a:pPr>
+            <a:r>
+              <a:rPr lang="en-US" sz="1600" dirty="0" smtClean="0">
+                <a:latin typeface="+mn-lt"/>
+              </a:rPr>
+              <a:t>Coded in relatively portable C for Linux, OSX, Solaris, or native OneFS deployment</a:t>
+            </a:r>
+          </a:p>
+          <a:p>
+            <a:pPr>
+              <a:buClr>
+                <a:srgbClr val="000000"/>
+              </a:buClr>
+            </a:pPr>
+            <a:r>
+              <a:rPr lang="en-US" dirty="0" smtClean="0">
+                <a:latin typeface="+mn-lt"/>
+              </a:rPr>
+              <a:t>Extensibility</a:t>
+            </a:r>
+          </a:p>
+          <a:p>
+            <a:pPr lvl="1">
+              <a:buClr>
+                <a:srgbClr val="000000"/>
+              </a:buClr>
+            </a:pPr>
+            <a:r>
+              <a:rPr lang="en-US" sz="1700" dirty="0" smtClean="0">
+                <a:latin typeface="+mn-lt"/>
+              </a:rPr>
+              <a:t>Designed to enable rapid delivery of tactical functionality</a:t>
+            </a:r>
+          </a:p>
+        </p:txBody>
+      </p:sp>
+      <p:pic>
+        <p:nvPicPr>
+          <p:cNvPr id="3" name="Picture 2"/>
+          <p:cNvPicPr>
+            <a:picLocks noChangeAspect="1"/>
+          </p:cNvPicPr>
+          <p:nvPr/>
+        </p:nvPicPr>
+        <p:blipFill>
+          <a:blip r:embed="rId3">
+            <a:extLst>
+              <a:ext uri="{28A0092B-C50C-407E-A947-70E740481C1C}">
+                <a14:useLocalDpi xmlns:a14="http://schemas.microsoft.com/office/drawing/2010/main"/>
+              </a:ext>
+            </a:extLst>
+          </a:blip>
+          <a:stretch>
+            <a:fillRect/>
+          </a:stretch>
+        </p:blipFill>
+        <p:spPr>
+          <a:xfrm>
+            <a:off x="7912100" y="154158"/>
+            <a:ext cx="990600" cy="877631"/>
+          </a:xfrm>
+          <a:prstGeom prst="rect">
+            <a:avLst/>
+          </a:prstGeom>
+        </p:spPr>
+      </p:pic>
+    </p:spTree>
+    <p:extLst>
+      <p:ext uri="{BB962C8B-B14F-4D97-AF65-F5344CB8AC3E}">
+        <p14:creationId xmlns:p14="http://schemas.microsoft.com/office/powerpoint/2010/main" val="4156777804"/>
+      </p:ext>
+    </p:extLst>
+  </p:cSld>
+  <p:clrMapOvr>
+    <a:masterClrMapping/>
+  </p:clrMapOvr>
+  <p:transition xmlns:p14="http://schemas.microsoft.com/office/powerpoint/2010/main">
+    <p:fade/>
+  </p:transition>
+  <p:timing>
+    <p:tnLst>
+      <p:par>
+        <p:cTn xmlns:p14="http://schemas.microsoft.com/office/powerpoint/2010/main" id="1" dur="indefinite" restart="never" nodeType="tmRoot"/>
+      </p:par>
+    </p:tnLst>
+  </p:timing>
+</p:sld>
+</file>
+
+<file path=ppt/slides/slide50.xml><?xml version="1.0" encoding="utf-8"?>
 <p:sld xmlns:a="http://schemas.openxmlformats.org/drawingml/2006/main" xmlns:r="http://schemas.openxmlformats.org/officeDocument/2006/relationships" xmlns:p="http://schemas.openxmlformats.org/presentationml/2006/main">
   <p:cSld>
     <p:spTree>
@@ -30091,320 +31054,7 @@
 </p:sld>
 </file>
 
-<file path=ppt/slides/slide5.xml><?xml version="1.0" encoding="utf-8"?>
-<p:sld xmlns:a="http://schemas.openxmlformats.org/drawingml/2006/main" xmlns:r="http://schemas.openxmlformats.org/officeDocument/2006/relationships" xmlns:p="http://schemas.openxmlformats.org/presentationml/2006/main">
-  <p:cSld>
-    <p:spTree>
-      <p:nvGrpSpPr>
-        <p:cNvPr id="1" name=""/>
-        <p:cNvGrpSpPr/>
-        <p:nvPr/>
-      </p:nvGrpSpPr>
-      <p:grpSpPr>
-        <a:xfrm>
-          <a:off x="0" y="0"/>
-          <a:ext cx="0" cy="0"/>
-          <a:chOff x="0" y="0"/>
-          <a:chExt cx="0" cy="0"/>
-        </a:xfrm>
-      </p:grpSpPr>
-      <p:sp>
-        <p:nvSpPr>
-          <p:cNvPr id="2" name="Title 1"/>
-          <p:cNvSpPr>
-            <a:spLocks noGrp="1"/>
-          </p:cNvSpPr>
-          <p:nvPr>
-            <p:ph type="title"/>
-          </p:nvPr>
-        </p:nvSpPr>
-        <p:spPr/>
-        <p:txBody>
-          <a:bodyPr/>
-          <a:lstStyle/>
-          <a:p>
-            <a:r>
-              <a:rPr lang="en-US" dirty="0" smtClean="0">
-                <a:solidFill>
-                  <a:srgbClr val="007DB8"/>
-                </a:solidFill>
-                <a:latin typeface="+mj-lt"/>
-              </a:rPr>
-              <a:t>Motivations</a:t>
-            </a:r>
-            <a:endParaRPr lang="en-US" dirty="0">
-              <a:solidFill>
-                <a:srgbClr val="007DB8"/>
-              </a:solidFill>
-              <a:latin typeface="+mj-lt"/>
-            </a:endParaRPr>
-          </a:p>
-        </p:txBody>
-      </p:sp>
-      <p:sp>
-        <p:nvSpPr>
-          <p:cNvPr id="4" name="Content Placeholder 3"/>
-          <p:cNvSpPr>
-            <a:spLocks noGrp="1"/>
-          </p:cNvSpPr>
-          <p:nvPr>
-            <p:ph sz="quarter" idx="10"/>
-          </p:nvPr>
-        </p:nvSpPr>
-        <p:spPr/>
-        <p:txBody>
-          <a:bodyPr>
-            <a:normAutofit fontScale="92500" lnSpcReduction="20000"/>
-          </a:bodyPr>
-          <a:lstStyle/>
-          <a:p>
-            <a:pPr>
-              <a:buClr>
-                <a:srgbClr val="000000"/>
-              </a:buClr>
-            </a:pPr>
-            <a:r>
-              <a:rPr lang="en-US" dirty="0" smtClean="0">
-                <a:latin typeface="+mn-lt"/>
-              </a:rPr>
-              <a:t>Performance</a:t>
-            </a:r>
-          </a:p>
-          <a:p>
-            <a:pPr lvl="1">
-              <a:buClr>
-                <a:srgbClr val="000000"/>
-              </a:buClr>
-            </a:pPr>
-            <a:r>
-              <a:rPr lang="en-US" sz="1600" dirty="0" err="1">
-                <a:latin typeface="+mn-lt"/>
-              </a:rPr>
-              <a:t>T</a:t>
-            </a:r>
-            <a:r>
-              <a:rPr lang="en-US" sz="1600" dirty="0" err="1" smtClean="0">
-                <a:latin typeface="+mn-lt"/>
-              </a:rPr>
-              <a:t>reewalk</a:t>
-            </a:r>
-            <a:r>
-              <a:rPr lang="en-US" sz="1600" dirty="0" smtClean="0">
-                <a:latin typeface="+mn-lt"/>
-              </a:rPr>
-              <a:t> speed is governed by the latency of directory lookups and file attribute lookups</a:t>
-            </a:r>
-          </a:p>
-          <a:p>
-            <a:pPr lvl="1">
-              <a:buClr>
-                <a:srgbClr val="000000"/>
-              </a:buClr>
-            </a:pPr>
-            <a:r>
-              <a:rPr lang="en-US" sz="1600" dirty="0" smtClean="0">
-                <a:latin typeface="+mn-lt"/>
-              </a:rPr>
-              <a:t>In turn, those operations are governed by the </a:t>
-            </a:r>
-            <a:r>
-              <a:rPr lang="en-US" sz="1600" u="sng" dirty="0" smtClean="0">
-                <a:latin typeface="+mn-lt"/>
-              </a:rPr>
-              <a:t>latency</a:t>
-            </a:r>
-            <a:r>
-              <a:rPr lang="en-US" sz="1600" dirty="0" smtClean="0">
-                <a:latin typeface="+mn-lt"/>
-              </a:rPr>
-              <a:t> of NAS protocol (NFS or SMB) namespace RPCs (LOOKUP, READDIR, READIRPLUS, GETATTR, </a:t>
-            </a:r>
-            <a:r>
-              <a:rPr lang="en-US" sz="1600" dirty="0" err="1" smtClean="0">
-                <a:latin typeface="+mn-lt"/>
-              </a:rPr>
-              <a:t>etc</a:t>
-            </a:r>
-            <a:r>
-              <a:rPr lang="en-US" sz="1600" dirty="0" smtClean="0">
-                <a:latin typeface="+mn-lt"/>
-              </a:rPr>
-              <a:t>)</a:t>
-            </a:r>
-          </a:p>
-          <a:p>
-            <a:pPr lvl="1">
-              <a:buClr>
-                <a:srgbClr val="000000"/>
-              </a:buClr>
-            </a:pPr>
-            <a:r>
-              <a:rPr lang="en-US" sz="1600" dirty="0" smtClean="0">
-                <a:latin typeface="+mn-lt"/>
-              </a:rPr>
-              <a:t>All NAS operations inherit network latency</a:t>
-            </a:r>
-          </a:p>
-          <a:p>
-            <a:pPr lvl="1">
-              <a:buClr>
-                <a:srgbClr val="000000"/>
-              </a:buClr>
-            </a:pPr>
-            <a:r>
-              <a:rPr lang="en-US" sz="1600" dirty="0" smtClean="0">
-                <a:latin typeface="+mn-lt"/>
-              </a:rPr>
-              <a:t>OneFS NAS namespace and metadata operations are relatively slower without SSD metadata acceleration</a:t>
-            </a:r>
-          </a:p>
-          <a:p>
-            <a:pPr lvl="1">
-              <a:buClr>
-                <a:srgbClr val="000000"/>
-              </a:buClr>
-            </a:pPr>
-            <a:r>
-              <a:rPr lang="en-US" sz="1600" dirty="0" smtClean="0">
-                <a:latin typeface="+mn-lt"/>
-              </a:rPr>
-              <a:t>Little’s Law: X=N/R</a:t>
-            </a:r>
-          </a:p>
-          <a:p>
-            <a:pPr lvl="2">
-              <a:buClr>
-                <a:srgbClr val="000000"/>
-              </a:buClr>
-            </a:pPr>
-            <a:r>
-              <a:rPr lang="en-US" sz="1600" dirty="0" smtClean="0">
-                <a:latin typeface="+mn-lt"/>
-              </a:rPr>
-              <a:t>Throughput (X) = Concurrency (N) / Response Time (R)</a:t>
-            </a:r>
-          </a:p>
-          <a:p>
-            <a:pPr lvl="2">
-              <a:buClr>
-                <a:srgbClr val="000000"/>
-              </a:buClr>
-            </a:pPr>
-            <a:r>
-              <a:rPr lang="en-US" sz="1600" dirty="0" smtClean="0">
-                <a:latin typeface="+mn-lt"/>
-              </a:rPr>
-              <a:t>When R cannot be lowered, increase N to increase X</a:t>
-            </a:r>
-          </a:p>
-          <a:p>
-            <a:pPr>
-              <a:buClr>
-                <a:srgbClr val="000000"/>
-              </a:buClr>
-            </a:pPr>
-            <a:r>
-              <a:rPr lang="en-US" dirty="0" smtClean="0">
-                <a:latin typeface="+mn-lt"/>
-              </a:rPr>
-              <a:t>Portability</a:t>
-            </a:r>
-          </a:p>
-          <a:p>
-            <a:pPr lvl="1">
-              <a:buClr>
-                <a:srgbClr val="000000"/>
-              </a:buClr>
-            </a:pPr>
-            <a:r>
-              <a:rPr lang="en-US" sz="1600" dirty="0" smtClean="0">
-                <a:latin typeface="+mn-lt"/>
-              </a:rPr>
-              <a:t>Coded in relatively portable C for Linux, OSX, Solaris, or native OneFS deployment</a:t>
-            </a:r>
-          </a:p>
-          <a:p>
-            <a:pPr>
-              <a:buClr>
-                <a:srgbClr val="000000"/>
-              </a:buClr>
-            </a:pPr>
-            <a:r>
-              <a:rPr lang="en-US" dirty="0" smtClean="0">
-                <a:latin typeface="+mn-lt"/>
-              </a:rPr>
-              <a:t>Extensibility</a:t>
-            </a:r>
-          </a:p>
-          <a:p>
-            <a:pPr lvl="1">
-              <a:buClr>
-                <a:srgbClr val="000000"/>
-              </a:buClr>
-            </a:pPr>
-            <a:r>
-              <a:rPr lang="en-US" sz="1700" dirty="0" smtClean="0">
-                <a:latin typeface="+mn-lt"/>
-              </a:rPr>
-              <a:t>Designed to enable rapid delivery of tactical functionality</a:t>
-            </a:r>
-          </a:p>
-        </p:txBody>
-      </p:sp>
-      <p:pic>
-        <p:nvPicPr>
-          <p:cNvPr id="3" name="Picture 2"/>
-          <p:cNvPicPr>
-            <a:picLocks noChangeAspect="1"/>
-          </p:cNvPicPr>
-          <p:nvPr/>
-        </p:nvPicPr>
-        <p:blipFill>
-          <a:blip r:embed="rId3">
-            <a:extLst>
-              <a:ext uri="{28A0092B-C50C-407E-A947-70E740481C1C}">
-                <a14:useLocalDpi xmlns:a14="http://schemas.microsoft.com/office/drawing/2010/main"/>
-              </a:ext>
-            </a:extLst>
-          </a:blip>
-          <a:stretch>
-            <a:fillRect/>
-          </a:stretch>
-        </p:blipFill>
-        <p:spPr>
-          <a:xfrm>
-            <a:off x="7912100" y="154158"/>
-            <a:ext cx="990600" cy="877631"/>
-          </a:xfrm>
-          <a:prstGeom prst="rect">
-            <a:avLst/>
-          </a:prstGeom>
-        </p:spPr>
-      </p:pic>
-    </p:spTree>
-    <p:extLst>
-      <p:ext uri="{BB962C8B-B14F-4D97-AF65-F5344CB8AC3E}">
-        <p14:creationId xmlns:p14="http://schemas.microsoft.com/office/powerpoint/2010/main" val="4156777804"/>
-      </p:ext>
-    </p:extLst>
-  </p:cSld>
-  <p:clrMapOvr>
-    <a:masterClrMapping/>
-  </p:clrMapOvr>
-  <p:transition xmlns:p14="http://schemas.microsoft.com/office/powerpoint/2010/main">
-    <p:fade/>
-  </p:transition>
-  <p:timing>
-    <p:tnLst>
-      <p:par>
-        <p:cTn xmlns:p14="http://schemas.microsoft.com/office/powerpoint/2010/main" id="1" dur="indefinite" restart="never" nodeType="tmRoot"/>
-      </p:par>
-    </p:tnLst>
-  </p:timing>
-</p:sld>
-</file>
-
-<file path=ppt/slides/slide50.xml><?xml version="1.0" encoding="utf-8"?>
+<file path=ppt/slides/slide51.xml><?xml version="1.0" encoding="utf-8"?>
 <p:sld xmlns:a="http://schemas.openxmlformats.org/drawingml/2006/main" xmlns:r="http://schemas.openxmlformats.org/officeDocument/2006/relationships" xmlns:p="http://schemas.openxmlformats.org/presentationml/2006/main">
   <p:cSld>
     <p:spTree>
@@ -32245,7 +32895,7 @@
 </p:sld>
 </file>
 
-<file path=ppt/slides/slide51.xml><?xml version="1.0" encoding="utf-8"?>
+<file path=ppt/slides/slide52.xml><?xml version="1.0" encoding="utf-8"?>
 <p:sld xmlns:a="http://schemas.openxmlformats.org/drawingml/2006/main" xmlns:r="http://schemas.openxmlformats.org/officeDocument/2006/relationships" xmlns:p="http://schemas.openxmlformats.org/presentationml/2006/main">
   <p:cSld>
     <p:spTree>
@@ -32802,7 +33452,7 @@
 </p:sld>
 </file>
 
-<file path=ppt/slides/slide52.xml><?xml version="1.0" encoding="utf-8"?>
+<file path=ppt/slides/slide53.xml><?xml version="1.0" encoding="utf-8"?>
 <p:sld xmlns:a="http://schemas.openxmlformats.org/drawingml/2006/main" xmlns:r="http://schemas.openxmlformats.org/officeDocument/2006/relationships" xmlns:p="http://schemas.openxmlformats.org/presentationml/2006/main">
   <p:cSld>
     <p:spTree>
@@ -33201,7 +33851,7 @@
 </p:sld>
 </file>
 
-<file path=ppt/slides/slide53.xml><?xml version="1.0" encoding="utf-8"?>
+<file path=ppt/slides/slide54.xml><?xml version="1.0" encoding="utf-8"?>
 <p:sld xmlns:a="http://schemas.openxmlformats.org/drawingml/2006/main" xmlns:r="http://schemas.openxmlformats.org/officeDocument/2006/relationships" xmlns:p="http://schemas.openxmlformats.org/presentationml/2006/main">
   <p:cSld>
     <p:spTree>
@@ -33510,7 +34160,7 @@
 </p:sld>
 </file>
 
-<file path=ppt/slides/slide54.xml><?xml version="1.0" encoding="utf-8"?>
+<file path=ppt/slides/slide55.xml><?xml version="1.0" encoding="utf-8"?>
 <p:sld xmlns:a="http://schemas.openxmlformats.org/drawingml/2006/main" xmlns:r="http://schemas.openxmlformats.org/officeDocument/2006/relationships" xmlns:p="http://schemas.openxmlformats.org/presentationml/2006/main">
   <p:cSld>
     <p:spTree>
@@ -34515,8 +35165,176 @@
               <a:t>–</a:t>
             </a:r>
             <a:r>
+              <a:rPr lang="en-US" sz="1300" dirty="0" err="1" smtClean="0"/>
+              <a:t>lR</a:t>
+            </a:r>
+            <a:r>
               <a:rPr lang="en-US" sz="1300" dirty="0" smtClean="0"/>
-              <a:t>l’</a:t>
+              <a:t>’</a:t>
+            </a:r>
+          </a:p>
+          <a:p>
+            <a:pPr lvl="1"/>
+            <a:r>
+              <a:rPr lang="en-US" sz="1300" dirty="0" smtClean="0"/>
+              <a:t>-</a:t>
+            </a:r>
+            <a:r>
+              <a:rPr lang="en-US" sz="1300" dirty="0" err="1" smtClean="0"/>
+              <a:t>lsd</a:t>
+            </a:r>
+            <a:r>
+              <a:rPr lang="en-US" sz="1300" dirty="0" smtClean="0"/>
+              <a:t> </a:t>
+            </a:r>
+            <a:r>
+              <a:rPr lang="mr-IN" sz="1300" dirty="0" smtClean="0"/>
+              <a:t>–</a:t>
+            </a:r>
+            <a:r>
+              <a:rPr lang="en-US" sz="1300" dirty="0" smtClean="0"/>
+              <a:t> list directory summaries only</a:t>
+            </a:r>
+          </a:p>
+          <a:p>
+            <a:pPr lvl="1"/>
+            <a:r>
+              <a:rPr lang="en-US" sz="1300" dirty="0" smtClean="0">
+                <a:solidFill>
+                  <a:schemeClr val="tx1"/>
+                </a:solidFill>
+              </a:rPr>
+              <a:t>-</a:t>
+            </a:r>
+            <a:r>
+              <a:rPr lang="en-US" sz="1300" dirty="0" err="1" smtClean="0">
+                <a:solidFill>
+                  <a:schemeClr val="tx1"/>
+                </a:solidFill>
+              </a:rPr>
+              <a:t>ls</a:t>
+            </a:r>
+            <a:r>
+              <a:rPr lang="en-US" sz="1300" dirty="0" smtClean="0">
+                <a:solidFill>
+                  <a:schemeClr val="tx1"/>
+                </a:solidFill>
+              </a:rPr>
+              <a:t>-special </a:t>
+            </a:r>
+            <a:r>
+              <a:rPr lang="mr-IN" sz="1300" dirty="0" smtClean="0">
+                <a:solidFill>
+                  <a:schemeClr val="tx1"/>
+                </a:solidFill>
+              </a:rPr>
+              <a:t>–</a:t>
+            </a:r>
+            <a:r>
+              <a:rPr lang="en-US" sz="1300" dirty="0" smtClean="0">
+                <a:solidFill>
+                  <a:schemeClr val="tx1"/>
+                </a:solidFill>
+              </a:rPr>
+              <a:t> list files, names only, with </a:t>
+            </a:r>
+            <a:r>
+              <a:rPr lang="mr-IN" sz="1300" dirty="0" smtClean="0">
+                <a:solidFill>
+                  <a:schemeClr val="tx1"/>
+                </a:solidFill>
+              </a:rPr>
+              <a:t>–</a:t>
+            </a:r>
+            <a:r>
+              <a:rPr lang="en-US" sz="1300" dirty="0" smtClean="0">
+                <a:solidFill>
+                  <a:schemeClr val="tx1"/>
+                </a:solidFill>
+              </a:rPr>
+              <a:t>select logic</a:t>
+            </a:r>
+          </a:p>
+          <a:p>
+            <a:pPr lvl="1"/>
+            <a:r>
+              <a:rPr lang="en-US" sz="1300" dirty="0" smtClean="0"/>
+              <a:t>-xml – list files in XML format</a:t>
+            </a:r>
+          </a:p>
+          <a:p>
+            <a:pPr lvl="1"/>
+            <a:r>
+              <a:rPr lang="en-US" sz="1300" dirty="0" smtClean="0">
+                <a:solidFill>
+                  <a:srgbClr val="444444"/>
+                </a:solidFill>
+              </a:rPr>
+              <a:t>-</a:t>
+            </a:r>
+            <a:r>
+              <a:rPr lang="en-US" sz="1300" dirty="0" err="1" smtClean="0">
+                <a:solidFill>
+                  <a:srgbClr val="444444"/>
+                </a:solidFill>
+              </a:rPr>
+              <a:t>rm</a:t>
+            </a:r>
+            <a:r>
+              <a:rPr lang="en-US" sz="1300" dirty="0" smtClean="0">
+                <a:solidFill>
+                  <a:srgbClr val="444444"/>
+                </a:solidFill>
+              </a:rPr>
+              <a:t> </a:t>
+            </a:r>
+            <a:r>
+              <a:rPr lang="mr-IN" sz="1300" dirty="0" smtClean="0">
+                <a:solidFill>
+                  <a:srgbClr val="444444"/>
+                </a:solidFill>
+              </a:rPr>
+              <a:t>–</a:t>
+            </a:r>
+            <a:r>
+              <a:rPr lang="en-US" sz="1300" dirty="0" smtClean="0">
+                <a:solidFill>
+                  <a:srgbClr val="444444"/>
+                </a:solidFill>
+              </a:rPr>
+              <a:t> remove files, with optional ‘-</a:t>
+            </a:r>
+            <a:r>
+              <a:rPr lang="en-US" sz="1300" dirty="0" err="1" smtClean="0">
+                <a:solidFill>
+                  <a:srgbClr val="444444"/>
+                </a:solidFill>
+              </a:rPr>
+              <a:t>dryrun</a:t>
+            </a:r>
+            <a:r>
+              <a:rPr lang="en-US" sz="1300" dirty="0" smtClean="0">
+                <a:solidFill>
+                  <a:srgbClr val="444444"/>
+                </a:solidFill>
+              </a:rPr>
+              <a:t>’ option and </a:t>
+            </a:r>
+            <a:r>
+              <a:rPr lang="mr-IN" sz="1300" dirty="0" smtClean="0">
+                <a:solidFill>
+                  <a:srgbClr val="444444"/>
+                </a:solidFill>
+              </a:rPr>
+              <a:t>–</a:t>
+            </a:r>
+            <a:r>
+              <a:rPr lang="en-US" sz="1300" dirty="0" smtClean="0">
+                <a:solidFill>
+                  <a:srgbClr val="444444"/>
+                </a:solidFill>
+              </a:rPr>
+              <a:t>select logic</a:t>
             </a:r>
           </a:p>
           <a:p>
@@ -34530,12 +35348,28 @@
               <a:t>-</a:t>
             </a:r>
             <a:r>
-              <a:rPr lang="en-US" sz="1300" dirty="0" err="1" smtClean="0">
+              <a:rPr lang="en-US" sz="1300" dirty="0">
                 <a:solidFill>
                   <a:srgbClr val="FF0000"/>
                 </a:solidFill>
               </a:rPr>
-              <a:t>ls</a:t>
+              <a:t>csv </a:t>
+            </a:r>
+            <a:r>
+              <a:rPr lang="mr-IN" sz="1300" dirty="0">
+                <a:solidFill>
+                  <a:srgbClr val="FF0000"/>
+                </a:solidFill>
+              </a:rPr>
+              <a:t>–</a:t>
+            </a:r>
+            <a:r>
+              <a:rPr lang="en-US" sz="1300" dirty="0">
+                <a:solidFill>
+                  <a:srgbClr val="FF0000"/>
+                </a:solidFill>
+              </a:rPr>
+              <a:t> extract specific metadata fields into a .csv </a:t>
             </a:r>
             <a:r>
               <a:rPr lang="en-US" sz="1300" dirty="0" smtClean="0">
@@ -34543,143 +35377,6 @@
                   <a:srgbClr val="FF0000"/>
                 </a:solidFill>
               </a:rPr>
-              <a:t>-special </a:t>
-            </a:r>
-            <a:r>
-              <a:rPr lang="mr-IN" sz="1300" dirty="0" smtClean="0">
-                <a:solidFill>
-                  <a:srgbClr val="FF0000"/>
-                </a:solidFill>
-              </a:rPr>
-              <a:t>–</a:t>
-            </a:r>
-            <a:r>
-              <a:rPr lang="en-US" sz="1300" dirty="0" smtClean="0">
-                <a:solidFill>
-                  <a:srgbClr val="FF0000"/>
-                </a:solidFill>
-              </a:rPr>
-              <a:t> list files, names only, with </a:t>
-            </a:r>
-            <a:r>
-              <a:rPr lang="mr-IN" sz="1300" dirty="0" smtClean="0">
-                <a:solidFill>
-                  <a:srgbClr val="FF0000"/>
-                </a:solidFill>
-              </a:rPr>
-              <a:t>–</a:t>
-            </a:r>
-            <a:r>
-              <a:rPr lang="en-US" sz="1300" dirty="0" smtClean="0">
-                <a:solidFill>
-                  <a:srgbClr val="FF0000"/>
-                </a:solidFill>
-              </a:rPr>
-              <a:t>select logic</a:t>
-            </a:r>
-          </a:p>
-          <a:p>
-            <a:pPr lvl="1"/>
-            <a:r>
-              <a:rPr lang="en-US" sz="1300" dirty="0" smtClean="0"/>
-              <a:t>-xml – list files in XML format</a:t>
-            </a:r>
-          </a:p>
-          <a:p>
-            <a:pPr lvl="1"/>
-            <a:r>
-              <a:rPr lang="en-US" sz="1300" dirty="0" smtClean="0">
-                <a:solidFill>
-                  <a:srgbClr val="FF0000"/>
-                </a:solidFill>
-              </a:rPr>
-              <a:t>-</a:t>
-            </a:r>
-            <a:r>
-              <a:rPr lang="en-US" sz="1300" dirty="0" err="1" smtClean="0">
-                <a:solidFill>
-                  <a:srgbClr val="FF0000"/>
-                </a:solidFill>
-              </a:rPr>
-              <a:t>rm</a:t>
-            </a:r>
-            <a:r>
-              <a:rPr lang="en-US" sz="1300" dirty="0" smtClean="0">
-                <a:solidFill>
-                  <a:srgbClr val="FF0000"/>
-                </a:solidFill>
-              </a:rPr>
-              <a:t> </a:t>
-            </a:r>
-            <a:r>
-              <a:rPr lang="mr-IN" sz="1300" dirty="0" smtClean="0">
-                <a:solidFill>
-                  <a:srgbClr val="FF0000"/>
-                </a:solidFill>
-              </a:rPr>
-              <a:t>–</a:t>
-            </a:r>
-            <a:r>
-              <a:rPr lang="en-US" sz="1300" dirty="0" smtClean="0">
-                <a:solidFill>
-                  <a:srgbClr val="FF0000"/>
-                </a:solidFill>
-              </a:rPr>
-              <a:t> remove files, with optional ‘-</a:t>
-            </a:r>
-            <a:r>
-              <a:rPr lang="en-US" sz="1300" dirty="0" err="1" smtClean="0">
-                <a:solidFill>
-                  <a:srgbClr val="FF0000"/>
-                </a:solidFill>
-              </a:rPr>
-              <a:t>dryrun</a:t>
-            </a:r>
-            <a:r>
-              <a:rPr lang="en-US" sz="1300" dirty="0" smtClean="0">
-                <a:solidFill>
-                  <a:srgbClr val="FF0000"/>
-                </a:solidFill>
-              </a:rPr>
-              <a:t>’ option and </a:t>
-            </a:r>
-            <a:r>
-              <a:rPr lang="mr-IN" sz="1300" dirty="0" smtClean="0">
-                <a:solidFill>
-                  <a:srgbClr val="FF0000"/>
-                </a:solidFill>
-              </a:rPr>
-              <a:t>–</a:t>
-            </a:r>
-            <a:r>
-              <a:rPr lang="en-US" sz="1300" dirty="0" smtClean="0">
-                <a:solidFill>
-                  <a:srgbClr val="FF0000"/>
-                </a:solidFill>
-              </a:rPr>
-              <a:t>select logic</a:t>
-            </a:r>
-          </a:p>
-          <a:p>
-            <a:pPr lvl="1"/>
-            <a:r>
-              <a:rPr lang="en-US" sz="1300" dirty="0" smtClean="0"/>
-              <a:t>-</a:t>
-            </a:r>
-            <a:r>
-              <a:rPr lang="en-US" sz="1300" dirty="0"/>
-              <a:t>csv </a:t>
-            </a:r>
-            <a:r>
-              <a:rPr lang="mr-IN" sz="1300" dirty="0"/>
-              <a:t>–</a:t>
-            </a:r>
-            <a:r>
-              <a:rPr lang="en-US" sz="1300" dirty="0"/>
-              <a:t> extract specific metadata fields into a .csv </a:t>
-            </a:r>
-            <a:r>
-              <a:rPr lang="en-US" sz="1300" dirty="0" smtClean="0"/>
               <a:t>file</a:t>
             </a:r>
           </a:p>

--- a/doc/pwalk_slides.pptx
+++ b/doc/pwalk_slides.pptx
@@ -5,10 +5,10 @@
     <p:sldMasterId id="2147484241" r:id="rId4"/>
   </p:sldMasterIdLst>
   <p:notesMasterIdLst>
-    <p:notesMasterId r:id="rId60"/>
+    <p:notesMasterId r:id="rId62"/>
   </p:notesMasterIdLst>
   <p:handoutMasterIdLst>
-    <p:handoutMasterId r:id="rId61"/>
+    <p:handoutMasterId r:id="rId63"/>
   </p:handoutMasterIdLst>
   <p:sldIdLst>
     <p:sldId id="306" r:id="rId5"/>
@@ -28,49 +28,51 @@
     <p:sldId id="351" r:id="rId19"/>
     <p:sldId id="314" r:id="rId20"/>
     <p:sldId id="322" r:id="rId21"/>
-    <p:sldId id="325" r:id="rId22"/>
-    <p:sldId id="354" r:id="rId23"/>
-    <p:sldId id="356" r:id="rId24"/>
-    <p:sldId id="368" r:id="rId25"/>
-    <p:sldId id="360" r:id="rId26"/>
-    <p:sldId id="359" r:id="rId27"/>
-    <p:sldId id="324" r:id="rId28"/>
-    <p:sldId id="366" r:id="rId29"/>
-    <p:sldId id="349" r:id="rId30"/>
-    <p:sldId id="365" r:id="rId31"/>
-    <p:sldId id="318" r:id="rId32"/>
-    <p:sldId id="317" r:id="rId33"/>
-    <p:sldId id="319" r:id="rId34"/>
-    <p:sldId id="355" r:id="rId35"/>
-    <p:sldId id="347" r:id="rId36"/>
-    <p:sldId id="327" r:id="rId37"/>
-    <p:sldId id="328" r:id="rId38"/>
-    <p:sldId id="329" r:id="rId39"/>
-    <p:sldId id="330" r:id="rId40"/>
-    <p:sldId id="331" r:id="rId41"/>
-    <p:sldId id="363" r:id="rId42"/>
-    <p:sldId id="332" r:id="rId43"/>
-    <p:sldId id="333" r:id="rId44"/>
-    <p:sldId id="321" r:id="rId45"/>
-    <p:sldId id="323" r:id="rId46"/>
-    <p:sldId id="334" r:id="rId47"/>
-    <p:sldId id="335" r:id="rId48"/>
-    <p:sldId id="336" r:id="rId49"/>
-    <p:sldId id="337" r:id="rId50"/>
-    <p:sldId id="338" r:id="rId51"/>
-    <p:sldId id="339" r:id="rId52"/>
-    <p:sldId id="340" r:id="rId53"/>
-    <p:sldId id="353" r:id="rId54"/>
-    <p:sldId id="352" r:id="rId55"/>
-    <p:sldId id="342" r:id="rId56"/>
-    <p:sldId id="344" r:id="rId57"/>
-    <p:sldId id="345" r:id="rId58"/>
-    <p:sldId id="346" r:id="rId59"/>
+    <p:sldId id="370" r:id="rId22"/>
+    <p:sldId id="369" r:id="rId23"/>
+    <p:sldId id="325" r:id="rId24"/>
+    <p:sldId id="354" r:id="rId25"/>
+    <p:sldId id="356" r:id="rId26"/>
+    <p:sldId id="368" r:id="rId27"/>
+    <p:sldId id="360" r:id="rId28"/>
+    <p:sldId id="359" r:id="rId29"/>
+    <p:sldId id="324" r:id="rId30"/>
+    <p:sldId id="366" r:id="rId31"/>
+    <p:sldId id="349" r:id="rId32"/>
+    <p:sldId id="365" r:id="rId33"/>
+    <p:sldId id="318" r:id="rId34"/>
+    <p:sldId id="317" r:id="rId35"/>
+    <p:sldId id="319" r:id="rId36"/>
+    <p:sldId id="355" r:id="rId37"/>
+    <p:sldId id="347" r:id="rId38"/>
+    <p:sldId id="327" r:id="rId39"/>
+    <p:sldId id="328" r:id="rId40"/>
+    <p:sldId id="329" r:id="rId41"/>
+    <p:sldId id="330" r:id="rId42"/>
+    <p:sldId id="331" r:id="rId43"/>
+    <p:sldId id="363" r:id="rId44"/>
+    <p:sldId id="332" r:id="rId45"/>
+    <p:sldId id="333" r:id="rId46"/>
+    <p:sldId id="321" r:id="rId47"/>
+    <p:sldId id="323" r:id="rId48"/>
+    <p:sldId id="334" r:id="rId49"/>
+    <p:sldId id="335" r:id="rId50"/>
+    <p:sldId id="336" r:id="rId51"/>
+    <p:sldId id="337" r:id="rId52"/>
+    <p:sldId id="338" r:id="rId53"/>
+    <p:sldId id="339" r:id="rId54"/>
+    <p:sldId id="340" r:id="rId55"/>
+    <p:sldId id="353" r:id="rId56"/>
+    <p:sldId id="352" r:id="rId57"/>
+    <p:sldId id="342" r:id="rId58"/>
+    <p:sldId id="344" r:id="rId59"/>
+    <p:sldId id="345" r:id="rId60"/>
+    <p:sldId id="346" r:id="rId61"/>
   </p:sldIdLst>
   <p:sldSz cx="9144000" cy="5143500" type="screen16x9"/>
   <p:notesSz cx="7010400" cy="9296400"/>
   <p:custDataLst>
-    <p:tags r:id="rId62"/>
+    <p:tags r:id="rId64"/>
   </p:custDataLst>
   <p:defaultTextStyle>
     <a:defPPr>
@@ -223,6 +225,8 @@
             <p14:sldId id="351"/>
             <p14:sldId id="314"/>
             <p14:sldId id="322"/>
+            <p14:sldId id="370"/>
+            <p14:sldId id="369"/>
             <p14:sldId id="325"/>
           </p14:sldIdLst>
         </p14:section>
@@ -1811,12 +1815,32 @@
           <a:lstStyle/>
           <a:p>
             <a:r>
+              <a:rPr lang="en-US" dirty="0" err="1"/>
+              <a:t>pwalk</a:t>
+            </a:r>
+            <a:r>
               <a:rPr lang="en-US" dirty="0"/>
-              <a:t>This multipath</a:t>
-            </a:r>
+              <a:t> multi-pathing allows </a:t>
+            </a:r>
+            <a:r>
+              <a:rPr lang="en-US" dirty="0" err="1"/>
+              <a:t>pwalk</a:t>
+            </a:r>
+            <a:r>
+              <a:rPr lang="en-US" dirty="0"/>
+              <a:t> to ‘load balance’ across multiple target filesystem access paths for improved scaling.</a:t>
+            </a:r>
+          </a:p>
+          <a:p>
+            <a:r>
+              <a:rPr lang="en-US" dirty="0"/>
+              <a:t>In this diagram, the server is an abstracted Isilon cluster with 3 nodes and 6 possible network paths to the export or share. </a:t>
+            </a:r>
+          </a:p>
+          <a:p>
             <a:r>
               <a:rPr lang="en-US" baseline="0" dirty="0"/>
-              <a:t> logic is new as of </a:t>
+              <a:t>Normally, the </a:t>
             </a:r>
             <a:r>
               <a:rPr lang="en-US" baseline="0" dirty="0" err="1"/>
@@ -1824,15 +1848,78 @@
             </a:r>
             <a:r>
               <a:rPr lang="en-US" baseline="0" dirty="0"/>
-              <a:t> 2.04 to allow both source and target multi-</a:t>
+              <a:t> client will be a </a:t>
+            </a:r>
+            <a:r>
+              <a:rPr lang="en-US" u="sng" baseline="0" dirty="0"/>
+              <a:t>root-enabled</a:t>
+            </a:r>
+            <a:r>
+              <a:rPr lang="en-US" baseline="0" dirty="0"/>
+              <a:t> client.</a:t>
+            </a:r>
+          </a:p>
+          <a:p>
+            <a:r>
+              <a:rPr lang="en-US" baseline="0" dirty="0"/>
+              <a:t>For safety sake, use </a:t>
+            </a:r>
+            <a:r>
+              <a:rPr lang="en-US" u="sng" baseline="0" dirty="0" err="1"/>
+              <a:t>readonly</a:t>
+            </a:r>
+            <a:r>
+              <a:rPr lang="en-US" baseline="0" dirty="0"/>
+              <a:t> mounts when intending to do </a:t>
+            </a:r>
+            <a:r>
+              <a:rPr lang="en-US" u="sng" baseline="0" dirty="0"/>
+              <a:t>only</a:t>
+            </a:r>
+            <a:r>
+              <a:rPr lang="en-US" baseline="0" dirty="0"/>
+              <a:t> </a:t>
             </a:r>
             <a:r>
               <a:rPr lang="en-US" baseline="0" dirty="0" err="1"/>
-              <a:t>pathing</a:t>
+              <a:t>readonly</a:t>
+            </a:r>
+            <a:r>
+              <a:rPr lang="en-US" baseline="0" dirty="0"/>
+              <a:t> operations (</a:t>
+            </a:r>
+            <a:r>
+              <a:rPr lang="en-US" baseline="0" dirty="0" err="1"/>
+              <a:t>ie</a:t>
+            </a:r>
+            <a:r>
+              <a:rPr lang="en-US" baseline="0" dirty="0"/>
+              <a:t>: no –</a:t>
+            </a:r>
+            <a:r>
+              <a:rPr lang="en-US" baseline="0" dirty="0" err="1"/>
+              <a:t>rm</a:t>
+            </a:r>
+            <a:r>
+              <a:rPr lang="en-US" baseline="0" dirty="0"/>
+              <a:t> file write operations) from </a:t>
+            </a:r>
+            <a:r>
+              <a:rPr lang="en-US" baseline="0" dirty="0" err="1"/>
+              <a:t>pwalk</a:t>
             </a:r>
             <a:r>
               <a:rPr lang="en-US" baseline="0" dirty="0"/>
               <a:t>.</a:t>
+            </a:r>
+          </a:p>
+          <a:p>
+            <a:endParaRPr lang="en-US" baseline="0" dirty="0"/>
+          </a:p>
+          <a:p>
+            <a:r>
+              <a:rPr lang="en-US" baseline="0" dirty="0"/>
+              <a:t>[1] ‘Same’ results except in rare cases where SMB provides different different timestamp precision or semantics.</a:t>
             </a:r>
           </a:p>
         </p:txBody>
@@ -1972,13 +2059,28 @@
           <a:p>
             <a:r>
               <a:rPr lang="en-US" dirty="0"/>
-              <a:t>This</a:t>
+              <a:t>This multipath</a:t>
             </a:r>
             <a:r>
               <a:rPr lang="en-US" baseline="0" dirty="0"/>
-              <a:t> pseudo-code shows the key functions</a:t>
-            </a:r>
-            <a:endParaRPr lang="en-US" dirty="0"/>
+              <a:t> logic is new as of </a:t>
+            </a:r>
+            <a:r>
+              <a:rPr lang="en-US" baseline="0" dirty="0" err="1"/>
+              <a:t>pwalk</a:t>
+            </a:r>
+            <a:r>
+              <a:rPr lang="en-US" baseline="0" dirty="0"/>
+              <a:t> 2.04 to allow both source and target multi-</a:t>
+            </a:r>
+            <a:r>
+              <a:rPr lang="en-US" baseline="0" dirty="0" err="1"/>
+              <a:t>pathing</a:t>
+            </a:r>
+            <a:r>
+              <a:rPr lang="en-US" baseline="0" dirty="0"/>
+              <a:t>.</a:t>
+            </a:r>
           </a:p>
         </p:txBody>
       </p:sp>
@@ -2056,7 +2158,7 @@
     </p:spTree>
     <p:extLst>
       <p:ext uri="{BB962C8B-B14F-4D97-AF65-F5344CB8AC3E}">
-        <p14:creationId xmlns:p14="http://schemas.microsoft.com/office/powerpoint/2010/main" val="2703140797"/>
+        <p14:creationId xmlns:p14="http://schemas.microsoft.com/office/powerpoint/2010/main" val="2764701228"/>
       </p:ext>
     </p:extLst>
   </p:cSld>
@@ -2115,21 +2217,64 @@
           <a:bodyPr/>
           <a:lstStyle/>
           <a:p>
-            <a:pPr defTabSz="931774">
-              <a:defRPr/>
-            </a:pPr>
-            <a:endParaRPr lang="en-US" sz="1400" dirty="0"/>
+            <a:r>
+              <a:rPr lang="en-US" dirty="0"/>
+              <a:t>[source] and [target] paths are independently specifiable.  (Since </a:t>
+            </a:r>
+            <a:r>
+              <a:rPr lang="en-US" dirty="0" err="1"/>
+              <a:t>pwalk</a:t>
+            </a:r>
+            <a:r>
+              <a:rPr lang="en-US" dirty="0"/>
+              <a:t> version 2.04)</a:t>
+            </a:r>
+            <a:endParaRPr lang="en-US" baseline="0" dirty="0"/>
           </a:p>
         </p:txBody>
       </p:sp>
       <p:sp>
         <p:nvSpPr>
-          <p:cNvPr id="4" name="Slide Number Placeholder 3"/>
+          <p:cNvPr id="4" name="Footer Placeholder 3"/>
           <p:cNvSpPr>
             <a:spLocks noGrp="1"/>
           </p:cNvSpPr>
           <p:nvPr>
-            <p:ph type="sldNum" sz="quarter" idx="10"/>
+            <p:ph type="ftr" sz="quarter" idx="10"/>
+          </p:nvPr>
+        </p:nvSpPr>
+        <p:spPr>
+          <a:xfrm>
+            <a:off x="0" y="8829967"/>
+            <a:ext cx="3037840" cy="464820"/>
+          </a:xfrm>
+          <a:prstGeom prst="rect">
+            <a:avLst/>
+          </a:prstGeom>
+        </p:spPr>
+        <p:txBody>
+          <a:bodyPr lIns="93177" tIns="46589" rIns="93177" bIns="46589"/>
+          <a:lstStyle/>
+          <a:p>
+            <a:pPr>
+              <a:defRPr/>
+            </a:pPr>
+            <a:r>
+              <a:rPr lang="en-US"/>
+              <a:t>Module #: Module Name</a:t>
+            </a:r>
+            <a:endParaRPr lang="en-US" dirty="0"/>
+          </a:p>
+        </p:txBody>
+      </p:sp>
+      <p:sp>
+        <p:nvSpPr>
+          <p:cNvPr id="5" name="Slide Number Placeholder 4"/>
+          <p:cNvSpPr>
+            <a:spLocks noGrp="1"/>
+          </p:cNvSpPr>
+          <p:nvPr>
+            <p:ph type="sldNum" sz="quarter" idx="11"/>
           </p:nvPr>
         </p:nvSpPr>
         <p:spPr>
@@ -2145,27 +2290,24 @@
           <a:bodyPr lIns="93177" tIns="46589" rIns="93177" bIns="46589"/>
           <a:lstStyle/>
           <a:p>
-            <a:fld id="{C3102598-0D32-4B82-B7EF-C4D9838D3CB7}" type="slidenum">
-              <a:rPr lang="en-US" smtClean="0">
-                <a:solidFill>
-                  <a:prstClr val="black"/>
-                </a:solidFill>
-              </a:rPr>
-              <a:pPr/>
+            <a:pPr>
+              <a:defRPr/>
+            </a:pPr>
+            <a:fld id="{80249327-EC2F-4096-8D35-6B76097739FC}" type="slidenum">
+              <a:rPr lang="en-US" smtClean="0"/>
+              <a:pPr>
+                <a:defRPr/>
+              </a:pPr>
               <a:t>19</a:t>
             </a:fld>
-            <a:endParaRPr lang="en-US" dirty="0">
-              <a:solidFill>
-                <a:prstClr val="black"/>
-              </a:solidFill>
-            </a:endParaRPr>
+            <a:endParaRPr lang="en-US" dirty="0"/>
           </a:p>
         </p:txBody>
       </p:sp>
     </p:spTree>
     <p:extLst>
       <p:ext uri="{BB962C8B-B14F-4D97-AF65-F5344CB8AC3E}">
-        <p14:creationId xmlns:p14="http://schemas.microsoft.com/office/powerpoint/2010/main" val="1461428334"/>
+        <p14:creationId xmlns:p14="http://schemas.microsoft.com/office/powerpoint/2010/main" val="479701766"/>
       </p:ext>
     </p:extLst>
   </p:cSld>
@@ -2225,50 +2367,12 @@
           <a:lstStyle/>
           <a:p>
             <a:r>
+              <a:rPr lang="en-US" dirty="0"/>
+              <a:t>This</a:t>
+            </a:r>
+            <a:r>
               <a:rPr lang="en-US" baseline="0" dirty="0"/>
-              <a:t>-</a:t>
-            </a:r>
-            <a:r>
-              <a:rPr lang="en-US" baseline="0" dirty="0" err="1"/>
-              <a:t>ls</a:t>
-            </a:r>
-            <a:r>
-              <a:rPr lang="en-US" baseline="0" dirty="0"/>
-              <a:t> with +</a:t>
-            </a:r>
-            <a:r>
-              <a:rPr lang="en-US" baseline="0" dirty="0" err="1"/>
-              <a:t>acls</a:t>
-            </a:r>
-            <a:r>
-              <a:rPr lang="en-US" baseline="0" dirty="0"/>
-              <a:t> will show a ‘+’ where an actual ACL is present (platform-dependent)</a:t>
-            </a:r>
-          </a:p>
-          <a:p>
-            <a:r>
-              <a:rPr lang="en-US" baseline="0" dirty="0"/>
-              <a:t>The ‘</a:t>
-            </a:r>
-            <a:r>
-              <a:rPr lang="en-US" baseline="0" dirty="0" err="1"/>
-              <a:t>pwalk_ls_cat</a:t>
-            </a:r>
-            <a:r>
-              <a:rPr lang="en-US" baseline="0" dirty="0"/>
-              <a:t>’ program is a simple UNIX-style filter which will transform </a:t>
-            </a:r>
-            <a:r>
-              <a:rPr lang="mr-IN" baseline="0" dirty="0"/>
-              <a:t>–</a:t>
-            </a:r>
-            <a:r>
-              <a:rPr lang="en-US" baseline="0" dirty="0" err="1"/>
-              <a:t>ls_special</a:t>
-            </a:r>
-            <a:r>
-              <a:rPr lang="en-US" baseline="0" dirty="0"/>
-              <a:t> output into a stream of fully-qualified pathnames.</a:t>
+              <a:t> pseudo-code shows the key functions</a:t>
             </a:r>
             <a:endParaRPr lang="en-US" dirty="0"/>
           </a:p>
@@ -2407,52 +2511,21 @@
           <a:bodyPr/>
           <a:lstStyle/>
           <a:p>
-            <a:endParaRPr lang="en-US" dirty="0"/>
+            <a:pPr defTabSz="931774">
+              <a:defRPr/>
+            </a:pPr>
+            <a:endParaRPr lang="en-US" sz="1400" dirty="0"/>
           </a:p>
         </p:txBody>
       </p:sp>
       <p:sp>
         <p:nvSpPr>
-          <p:cNvPr id="4" name="Footer Placeholder 3"/>
+          <p:cNvPr id="4" name="Slide Number Placeholder 3"/>
           <p:cNvSpPr>
             <a:spLocks noGrp="1"/>
           </p:cNvSpPr>
           <p:nvPr>
-            <p:ph type="ftr" sz="quarter" idx="10"/>
-          </p:nvPr>
-        </p:nvSpPr>
-        <p:spPr>
-          <a:xfrm>
-            <a:off x="0" y="8829967"/>
-            <a:ext cx="3037840" cy="464820"/>
-          </a:xfrm>
-          <a:prstGeom prst="rect">
-            <a:avLst/>
-          </a:prstGeom>
-        </p:spPr>
-        <p:txBody>
-          <a:bodyPr lIns="93177" tIns="46589" rIns="93177" bIns="46589"/>
-          <a:lstStyle/>
-          <a:p>
-            <a:pPr>
-              <a:defRPr/>
-            </a:pPr>
-            <a:r>
-              <a:rPr lang="en-US"/>
-              <a:t>Module #: Module Name</a:t>
-            </a:r>
-            <a:endParaRPr lang="en-US" dirty="0"/>
-          </a:p>
-        </p:txBody>
-      </p:sp>
-      <p:sp>
-        <p:nvSpPr>
-          <p:cNvPr id="5" name="Slide Number Placeholder 4"/>
-          <p:cNvSpPr>
-            <a:spLocks noGrp="1"/>
-          </p:cNvSpPr>
-          <p:nvPr>
-            <p:ph type="sldNum" sz="quarter" idx="11"/>
+            <p:ph type="sldNum" sz="quarter" idx="10"/>
           </p:nvPr>
         </p:nvSpPr>
         <p:spPr>
@@ -2468,24 +2541,27 @@
           <a:bodyPr lIns="93177" tIns="46589" rIns="93177" bIns="46589"/>
           <a:lstStyle/>
           <a:p>
-            <a:pPr>
-              <a:defRPr/>
-            </a:pPr>
-            <a:fld id="{80249327-EC2F-4096-8D35-6B76097739FC}" type="slidenum">
-              <a:rPr lang="en-US" smtClean="0"/>
-              <a:pPr>
-                <a:defRPr/>
-              </a:pPr>
+            <a:fld id="{C3102598-0D32-4B82-B7EF-C4D9838D3CB7}" type="slidenum">
+              <a:rPr lang="en-US" smtClean="0">
+                <a:solidFill>
+                  <a:prstClr val="black"/>
+                </a:solidFill>
+              </a:rPr>
+              <a:pPr/>
               <a:t>21</a:t>
             </a:fld>
-            <a:endParaRPr lang="en-US" dirty="0"/>
+            <a:endParaRPr lang="en-US" dirty="0">
+              <a:solidFill>
+                <a:prstClr val="black"/>
+              </a:solidFill>
+            </a:endParaRPr>
           </a:p>
         </p:txBody>
       </p:sp>
     </p:spTree>
     <p:extLst>
       <p:ext uri="{BB962C8B-B14F-4D97-AF65-F5344CB8AC3E}">
-        <p14:creationId xmlns:p14="http://schemas.microsoft.com/office/powerpoint/2010/main" val="2703140797"/>
+        <p14:creationId xmlns:p14="http://schemas.microsoft.com/office/powerpoint/2010/main" val="1461428334"/>
       </p:ext>
     </p:extLst>
   </p:cSld>
@@ -2685,62 +2761,52 @@
           <a:lstStyle/>
           <a:p>
             <a:r>
-              <a:rPr lang="en-US" dirty="0"/>
-              <a:t>This set of </a:t>
-            </a:r>
-            <a:r>
-              <a:rPr lang="en-US" dirty="0" err="1"/>
-              <a:t>pwalk</a:t>
-            </a:r>
-            <a:r>
-              <a:rPr lang="en-US" dirty="0"/>
-              <a:t> functionality</a:t>
-            </a:r>
-            <a:r>
               <a:rPr lang="en-US" baseline="0" dirty="0"/>
-              <a:t> is documented in the cited paper; </a:t>
-            </a:r>
-            <a:r>
-              <a:rPr lang="en-US" sz="1200" dirty="0"/>
-              <a:t>“</a:t>
-            </a:r>
-            <a:r>
-              <a:rPr lang="en-US" sz="1200" b="1" i="1" dirty="0"/>
-              <a:t>Converting POSIX ACLs to NFSv4 ACLs with </a:t>
-            </a:r>
-            <a:r>
-              <a:rPr lang="en-US" sz="1200" b="1" i="1" dirty="0" err="1"/>
-              <a:t>pwalk</a:t>
-            </a:r>
-            <a:r>
-              <a:rPr lang="en-US" sz="1200" b="1" i="1" dirty="0"/>
-              <a:t>(1)</a:t>
-            </a:r>
-            <a:r>
-              <a:rPr lang="en-US" sz="1200" dirty="0"/>
-              <a:t>“</a:t>
-            </a:r>
-            <a:endParaRPr lang="en-US" baseline="0" dirty="0"/>
-          </a:p>
-          <a:p>
+              <a:t>-</a:t>
+            </a:r>
+            <a:r>
+              <a:rPr lang="en-US" baseline="0" dirty="0" err="1"/>
+              <a:t>ls</a:t>
+            </a:r>
             <a:r>
               <a:rPr lang="en-US" baseline="0" dirty="0"/>
-              <a:t>As ‘+’ secondary modes, these can be specified independently of the primary mode used.</a:t>
-            </a:r>
-          </a:p>
-          <a:p>
+              <a:t> with +</a:t>
+            </a:r>
+            <a:r>
+              <a:rPr lang="en-US" baseline="0" dirty="0" err="1"/>
+              <a:t>acls</a:t>
+            </a:r>
             <a:r>
               <a:rPr lang="en-US" baseline="0" dirty="0"/>
-              <a:t>The OneFS-specific binary ‘</a:t>
+              <a:t> will show a ‘+’ where an actual ACL is present (platform-dependent)</a:t>
+            </a:r>
+          </a:p>
+          <a:p>
+            <a:r>
+              <a:rPr lang="en-US" baseline="0" dirty="0"/>
+              <a:t>The ‘</a:t>
             </a:r>
             <a:r>
               <a:rPr lang="en-US" baseline="0" dirty="0" err="1"/>
-              <a:t>wacls</a:t>
+              <a:t>pwalk_ls_cat</a:t>
             </a:r>
             <a:r>
               <a:rPr lang="en-US" baseline="0" dirty="0"/>
-              <a:t>’ is not made widely-distributed, and is not end-user buildable.</a:t>
-            </a:r>
+              <a:t>’ program is a simple UNIX-style filter which will transform </a:t>
+            </a:r>
+            <a:r>
+              <a:rPr lang="mr-IN" baseline="0" dirty="0"/>
+              <a:t>–</a:t>
+            </a:r>
+            <a:r>
+              <a:rPr lang="en-US" baseline="0" dirty="0" err="1"/>
+              <a:t>ls_special</a:t>
+            </a:r>
+            <a:r>
+              <a:rPr lang="en-US" baseline="0" dirty="0"/>
+              <a:t> output into a stream of fully-qualified pathnames.</a:t>
+            </a:r>
+            <a:endParaRPr lang="en-US" dirty="0"/>
           </a:p>
         </p:txBody>
       </p:sp>
@@ -2877,54 +2943,6 @@
           <a:bodyPr/>
           <a:lstStyle/>
           <a:p>
-            <a:r>
-              <a:rPr lang="en-US" dirty="0"/>
-              <a:t>Keywords can be combined</a:t>
-            </a:r>
-            <a:r>
-              <a:rPr lang="en-US" baseline="0" dirty="0"/>
-              <a:t> in a comma-delimited list as arguments to </a:t>
-            </a:r>
-            <a:r>
-              <a:rPr lang="mr-IN" baseline="0" dirty="0"/>
-              <a:t>–</a:t>
-            </a:r>
-            <a:r>
-              <a:rPr lang="en-US" baseline="0" dirty="0" err="1"/>
-              <a:t>cmp</a:t>
-            </a:r>
-            <a:r>
-              <a:rPr lang="en-US" baseline="0" dirty="0"/>
-              <a:t>=</a:t>
-            </a:r>
-          </a:p>
-          <a:p>
-            <a:r>
-              <a:rPr lang="en-US" baseline="0" dirty="0"/>
-              <a:t>Code values are the letters shown in column 2 of .</a:t>
-            </a:r>
-            <a:r>
-              <a:rPr lang="en-US" baseline="0" dirty="0" err="1"/>
-              <a:t>cmp</a:t>
-            </a:r>
-            <a:r>
-              <a:rPr lang="en-US" baseline="0" dirty="0"/>
-              <a:t> outputs to indicated differences between SOURCE and TARGET files.</a:t>
-            </a:r>
-          </a:p>
-          <a:p>
-            <a:r>
-              <a:rPr lang="en-US" baseline="0" dirty="0"/>
-              <a:t>Mask values are used internally in </a:t>
-            </a:r>
-            <a:r>
-              <a:rPr lang="en-US" baseline="0" dirty="0" err="1"/>
-              <a:t>pwalk</a:t>
-            </a:r>
-            <a:r>
-              <a:rPr lang="en-US" baseline="0" dirty="0"/>
-              <a:t> code.</a:t>
-            </a:r>
             <a:endParaRPr lang="en-US" dirty="0"/>
           </a:p>
         </p:txBody>
@@ -3064,11 +3082,60 @@
           <a:p>
             <a:r>
               <a:rPr lang="en-US" dirty="0"/>
-              <a:t>Use with</a:t>
+              <a:t>This set of </a:t>
+            </a:r>
+            <a:r>
+              <a:rPr lang="en-US" dirty="0" err="1"/>
+              <a:t>pwalk</a:t>
+            </a:r>
+            <a:r>
+              <a:rPr lang="en-US" dirty="0"/>
+              <a:t> functionality</a:t>
             </a:r>
             <a:r>
               <a:rPr lang="en-US" baseline="0" dirty="0"/>
-              <a:t> extreme care!</a:t>
+              <a:t> is documented in the cited paper; </a:t>
+            </a:r>
+            <a:r>
+              <a:rPr lang="en-US" sz="1200" dirty="0"/>
+              <a:t>“</a:t>
+            </a:r>
+            <a:r>
+              <a:rPr lang="en-US" sz="1200" b="1" i="1" dirty="0"/>
+              <a:t>Converting POSIX ACLs to NFSv4 ACLs with </a:t>
+            </a:r>
+            <a:r>
+              <a:rPr lang="en-US" sz="1200" b="1" i="1" dirty="0" err="1"/>
+              <a:t>pwalk</a:t>
+            </a:r>
+            <a:r>
+              <a:rPr lang="en-US" sz="1200" b="1" i="1" dirty="0"/>
+              <a:t>(1)</a:t>
+            </a:r>
+            <a:r>
+              <a:rPr lang="en-US" sz="1200" dirty="0"/>
+              <a:t>“</a:t>
+            </a:r>
+            <a:endParaRPr lang="en-US" baseline="0" dirty="0"/>
+          </a:p>
+          <a:p>
+            <a:r>
+              <a:rPr lang="en-US" baseline="0" dirty="0"/>
+              <a:t>As ‘+’ secondary modes, these can be specified independently of the primary mode used.</a:t>
+            </a:r>
+          </a:p>
+          <a:p>
+            <a:r>
+              <a:rPr lang="en-US" baseline="0" dirty="0"/>
+              <a:t>The OneFS-specific binary ‘</a:t>
+            </a:r>
+            <a:r>
+              <a:rPr lang="en-US" baseline="0" dirty="0" err="1"/>
+              <a:t>wacls</a:t>
+            </a:r>
+            <a:r>
+              <a:rPr lang="en-US" baseline="0" dirty="0"/>
+              <a:t>’ is not made widely-distributed, and is not end-user buildable.</a:t>
             </a:r>
           </a:p>
         </p:txBody>
@@ -3208,11 +3275,51 @@
           <a:p>
             <a:r>
               <a:rPr lang="en-US" dirty="0"/>
-              <a:t>This</a:t>
+              <a:t>Keywords can be combined</a:t>
             </a:r>
             <a:r>
               <a:rPr lang="en-US" baseline="0" dirty="0"/>
-              <a:t> pseudo-code shows the key functions</a:t>
+              <a:t> in a comma-delimited list as arguments to </a:t>
+            </a:r>
+            <a:r>
+              <a:rPr lang="mr-IN" baseline="0" dirty="0"/>
+              <a:t>–</a:t>
+            </a:r>
+            <a:r>
+              <a:rPr lang="en-US" baseline="0" dirty="0" err="1"/>
+              <a:t>cmp</a:t>
+            </a:r>
+            <a:r>
+              <a:rPr lang="en-US" baseline="0" dirty="0"/>
+              <a:t>=</a:t>
+            </a:r>
+          </a:p>
+          <a:p>
+            <a:r>
+              <a:rPr lang="en-US" baseline="0" dirty="0"/>
+              <a:t>Code values are the letters shown in column 2 of .</a:t>
+            </a:r>
+            <a:r>
+              <a:rPr lang="en-US" baseline="0" dirty="0" err="1"/>
+              <a:t>cmp</a:t>
+            </a:r>
+            <a:r>
+              <a:rPr lang="en-US" baseline="0" dirty="0"/>
+              <a:t> outputs to indicated differences between SOURCE and TARGET files.</a:t>
+            </a:r>
+          </a:p>
+          <a:p>
+            <a:r>
+              <a:rPr lang="en-US" baseline="0" dirty="0"/>
+              <a:t>Mask values are used internally in </a:t>
+            </a:r>
+            <a:r>
+              <a:rPr lang="en-US" baseline="0" dirty="0" err="1"/>
+              <a:t>pwalk</a:t>
+            </a:r>
+            <a:r>
+              <a:rPr lang="en-US" baseline="0" dirty="0"/>
+              <a:t> code.</a:t>
             </a:r>
             <a:endParaRPr lang="en-US" dirty="0"/>
           </a:p>
@@ -3351,21 +3458,59 @@
           <a:bodyPr/>
           <a:lstStyle/>
           <a:p>
-            <a:pPr defTabSz="931774">
-              <a:defRPr/>
-            </a:pPr>
-            <a:endParaRPr lang="en-US" sz="1400" dirty="0"/>
+            <a:r>
+              <a:rPr lang="en-US" dirty="0"/>
+              <a:t>Use with</a:t>
+            </a:r>
+            <a:r>
+              <a:rPr lang="en-US" baseline="0" dirty="0"/>
+              <a:t> extreme care!</a:t>
+            </a:r>
           </a:p>
         </p:txBody>
       </p:sp>
       <p:sp>
         <p:nvSpPr>
-          <p:cNvPr id="4" name="Slide Number Placeholder 3"/>
+          <p:cNvPr id="4" name="Footer Placeholder 3"/>
           <p:cNvSpPr>
             <a:spLocks noGrp="1"/>
           </p:cNvSpPr>
           <p:nvPr>
-            <p:ph type="sldNum" sz="quarter" idx="10"/>
+            <p:ph type="ftr" sz="quarter" idx="10"/>
+          </p:nvPr>
+        </p:nvSpPr>
+        <p:spPr>
+          <a:xfrm>
+            <a:off x="0" y="8829967"/>
+            <a:ext cx="3037840" cy="464820"/>
+          </a:xfrm>
+          <a:prstGeom prst="rect">
+            <a:avLst/>
+          </a:prstGeom>
+        </p:spPr>
+        <p:txBody>
+          <a:bodyPr lIns="93177" tIns="46589" rIns="93177" bIns="46589"/>
+          <a:lstStyle/>
+          <a:p>
+            <a:pPr>
+              <a:defRPr/>
+            </a:pPr>
+            <a:r>
+              <a:rPr lang="en-US"/>
+              <a:t>Module #: Module Name</a:t>
+            </a:r>
+            <a:endParaRPr lang="en-US" dirty="0"/>
+          </a:p>
+        </p:txBody>
+      </p:sp>
+      <p:sp>
+        <p:nvSpPr>
+          <p:cNvPr id="5" name="Slide Number Placeholder 4"/>
+          <p:cNvSpPr>
+            <a:spLocks noGrp="1"/>
+          </p:cNvSpPr>
+          <p:nvPr>
+            <p:ph type="sldNum" sz="quarter" idx="11"/>
           </p:nvPr>
         </p:nvSpPr>
         <p:spPr>
@@ -3381,27 +3526,24 @@
           <a:bodyPr lIns="93177" tIns="46589" rIns="93177" bIns="46589"/>
           <a:lstStyle/>
           <a:p>
-            <a:fld id="{C3102598-0D32-4B82-B7EF-C4D9838D3CB7}" type="slidenum">
-              <a:rPr lang="en-US" smtClean="0">
-                <a:solidFill>
-                  <a:prstClr val="black"/>
-                </a:solidFill>
-              </a:rPr>
-              <a:pPr/>
+            <a:pPr>
+              <a:defRPr/>
+            </a:pPr>
+            <a:fld id="{80249327-EC2F-4096-8D35-6B76097739FC}" type="slidenum">
+              <a:rPr lang="en-US" smtClean="0"/>
+              <a:pPr>
+                <a:defRPr/>
+              </a:pPr>
               <a:t>26</a:t>
             </a:fld>
-            <a:endParaRPr lang="en-US" dirty="0">
-              <a:solidFill>
-                <a:prstClr val="black"/>
-              </a:solidFill>
-            </a:endParaRPr>
+            <a:endParaRPr lang="en-US" dirty="0"/>
           </a:p>
         </p:txBody>
       </p:sp>
     </p:spTree>
     <p:extLst>
       <p:ext uri="{BB962C8B-B14F-4D97-AF65-F5344CB8AC3E}">
-        <p14:creationId xmlns:p14="http://schemas.microsoft.com/office/powerpoint/2010/main" val="1461428334"/>
+        <p14:creationId xmlns:p14="http://schemas.microsoft.com/office/powerpoint/2010/main" val="2703140797"/>
       </p:ext>
     </p:extLst>
   </p:cSld>
@@ -3460,6 +3602,14 @@
           <a:bodyPr/>
           <a:lstStyle/>
           <a:p>
+            <a:r>
+              <a:rPr lang="en-US" dirty="0"/>
+              <a:t>This</a:t>
+            </a:r>
+            <a:r>
+              <a:rPr lang="en-US" baseline="0" dirty="0"/>
+              <a:t> pseudo-code shows the key functions</a:t>
+            </a:r>
             <a:endParaRPr lang="en-US" dirty="0"/>
           </a:p>
         </p:txBody>
@@ -3597,52 +3747,21 @@
           <a:bodyPr/>
           <a:lstStyle/>
           <a:p>
-            <a:endParaRPr lang="en-US" dirty="0"/>
+            <a:pPr defTabSz="931774">
+              <a:defRPr/>
+            </a:pPr>
+            <a:endParaRPr lang="en-US" sz="1400" dirty="0"/>
           </a:p>
         </p:txBody>
       </p:sp>
       <p:sp>
         <p:nvSpPr>
-          <p:cNvPr id="4" name="Footer Placeholder 3"/>
+          <p:cNvPr id="4" name="Slide Number Placeholder 3"/>
           <p:cNvSpPr>
             <a:spLocks noGrp="1"/>
           </p:cNvSpPr>
           <p:nvPr>
-            <p:ph type="ftr" sz="quarter" idx="10"/>
-          </p:nvPr>
-        </p:nvSpPr>
-        <p:spPr>
-          <a:xfrm>
-            <a:off x="0" y="8829967"/>
-            <a:ext cx="3037840" cy="464820"/>
-          </a:xfrm>
-          <a:prstGeom prst="rect">
-            <a:avLst/>
-          </a:prstGeom>
-        </p:spPr>
-        <p:txBody>
-          <a:bodyPr lIns="93177" tIns="46589" rIns="93177" bIns="46589"/>
-          <a:lstStyle/>
-          <a:p>
-            <a:pPr>
-              <a:defRPr/>
-            </a:pPr>
-            <a:r>
-              <a:rPr lang="en-US"/>
-              <a:t>Module #: Module Name</a:t>
-            </a:r>
-            <a:endParaRPr lang="en-US" dirty="0"/>
-          </a:p>
-        </p:txBody>
-      </p:sp>
-      <p:sp>
-        <p:nvSpPr>
-          <p:cNvPr id="5" name="Slide Number Placeholder 4"/>
-          <p:cNvSpPr>
-            <a:spLocks noGrp="1"/>
-          </p:cNvSpPr>
-          <p:nvPr>
-            <p:ph type="sldNum" sz="quarter" idx="11"/>
+            <p:ph type="sldNum" sz="quarter" idx="10"/>
           </p:nvPr>
         </p:nvSpPr>
         <p:spPr>
@@ -3658,24 +3777,27 @@
           <a:bodyPr lIns="93177" tIns="46589" rIns="93177" bIns="46589"/>
           <a:lstStyle/>
           <a:p>
-            <a:pPr>
-              <a:defRPr/>
-            </a:pPr>
-            <a:fld id="{80249327-EC2F-4096-8D35-6B76097739FC}" type="slidenum">
-              <a:rPr lang="en-US" smtClean="0"/>
-              <a:pPr>
-                <a:defRPr/>
-              </a:pPr>
+            <a:fld id="{C3102598-0D32-4B82-B7EF-C4D9838D3CB7}" type="slidenum">
+              <a:rPr lang="en-US" smtClean="0">
+                <a:solidFill>
+                  <a:prstClr val="black"/>
+                </a:solidFill>
+              </a:rPr>
+              <a:pPr/>
               <a:t>28</a:t>
             </a:fld>
-            <a:endParaRPr lang="en-US" dirty="0"/>
+            <a:endParaRPr lang="en-US" dirty="0">
+              <a:solidFill>
+                <a:prstClr val="black"/>
+              </a:solidFill>
+            </a:endParaRPr>
           </a:p>
         </p:txBody>
       </p:sp>
     </p:spTree>
     <p:extLst>
       <p:ext uri="{BB962C8B-B14F-4D97-AF65-F5344CB8AC3E}">
-        <p14:creationId xmlns:p14="http://schemas.microsoft.com/office/powerpoint/2010/main" val="2703140797"/>
+        <p14:creationId xmlns:p14="http://schemas.microsoft.com/office/powerpoint/2010/main" val="1461428334"/>
       </p:ext>
     </p:extLst>
   </p:cSld>
@@ -3734,14 +3856,6 @@
           <a:bodyPr/>
           <a:lstStyle/>
           <a:p>
-            <a:r>
-              <a:rPr lang="en-US" dirty="0"/>
-              <a:t>This</a:t>
-            </a:r>
-            <a:r>
-              <a:rPr lang="en-US" baseline="0" dirty="0"/>
-              <a:t> pseudo-code shows the key functions</a:t>
-            </a:r>
             <a:endParaRPr lang="en-US" dirty="0"/>
           </a:p>
         </p:txBody>
@@ -3879,63 +3993,7 @@
           <a:bodyPr/>
           <a:lstStyle/>
           <a:p>
-            <a:r>
-              <a:rPr lang="en-US" dirty="0"/>
-              <a:t>This set of </a:t>
-            </a:r>
-            <a:r>
-              <a:rPr lang="en-US" dirty="0" err="1"/>
-              <a:t>pwalk</a:t>
-            </a:r>
-            <a:r>
-              <a:rPr lang="en-US" dirty="0"/>
-              <a:t> functionality</a:t>
-            </a:r>
-            <a:r>
-              <a:rPr lang="en-US" baseline="0" dirty="0"/>
-              <a:t> is documented in the cited paper; </a:t>
-            </a:r>
-            <a:r>
-              <a:rPr lang="en-US" sz="1200" dirty="0"/>
-              <a:t>“</a:t>
-            </a:r>
-            <a:r>
-              <a:rPr lang="en-US" sz="1200" b="1" i="1" dirty="0"/>
-              <a:t>Converting POSIX ACLs to NFSv4 ACLs with </a:t>
-            </a:r>
-            <a:r>
-              <a:rPr lang="en-US" sz="1200" b="1" i="1" dirty="0" err="1"/>
-              <a:t>pwalk</a:t>
-            </a:r>
-            <a:r>
-              <a:rPr lang="en-US" sz="1200" b="1" i="1" dirty="0"/>
-              <a:t>(1)</a:t>
-            </a:r>
-            <a:r>
-              <a:rPr lang="en-US" sz="1200" dirty="0"/>
-              <a:t>“</a:t>
-            </a:r>
-            <a:endParaRPr lang="en-US" baseline="0" dirty="0"/>
-          </a:p>
-          <a:p>
-            <a:r>
-              <a:rPr lang="en-US" baseline="0" dirty="0"/>
-              <a:t>As ‘+’ secondary modes, these can be specified independently of the primary mode used.</a:t>
-            </a:r>
-          </a:p>
-          <a:p>
-            <a:r>
-              <a:rPr lang="en-US" baseline="0" dirty="0"/>
-              <a:t>The OneFS-specific binary ‘</a:t>
-            </a:r>
-            <a:r>
-              <a:rPr lang="en-US" baseline="0" dirty="0" err="1"/>
-              <a:t>wacls</a:t>
-            </a:r>
-            <a:r>
-              <a:rPr lang="en-US" baseline="0" dirty="0"/>
-              <a:t>’ is not made widely-distributed, and is not end-user buildable.</a:t>
-            </a:r>
+            <a:endParaRPr lang="en-US" dirty="0"/>
           </a:p>
         </p:txBody>
       </p:sp>
@@ -4073,39 +4131,14 @@
           <a:lstStyle/>
           <a:p>
             <a:r>
+              <a:rPr lang="en-US" dirty="0"/>
+              <a:t>This</a:t>
+            </a:r>
+            <a:r>
               <a:rPr lang="en-US" baseline="0" dirty="0"/>
-              <a:t>The NFS4 binary ACL format and the [NFS4 binary ACL, pathname] tuple formats are unique to </a:t>
-            </a:r>
-            <a:r>
-              <a:rPr lang="en-US" baseline="0" dirty="0" err="1"/>
-              <a:t>pwalk</a:t>
-            </a:r>
-            <a:r>
-              <a:rPr lang="en-US" baseline="0" dirty="0"/>
-              <a:t>.</a:t>
-            </a:r>
-          </a:p>
-          <a:p>
-            <a:r>
-              <a:rPr lang="en-US" baseline="0" dirty="0"/>
-              <a:t>The main distinction between the standard NFS4 ACL format and </a:t>
-            </a:r>
-            <a:r>
-              <a:rPr lang="en-US" baseline="0" dirty="0" err="1"/>
-              <a:t>pwalk’s</a:t>
-            </a:r>
-            <a:r>
-              <a:rPr lang="en-US" baseline="0" dirty="0"/>
-              <a:t> binary format is that </a:t>
-            </a:r>
-            <a:r>
-              <a:rPr lang="en-US" baseline="0" dirty="0" err="1"/>
-              <a:t>pwalk</a:t>
-            </a:r>
-            <a:r>
-              <a:rPr lang="en-US" baseline="0" dirty="0"/>
-              <a:t> uses binary UID and GID trustee values rather than a UTF-8 strings.</a:t>
-            </a:r>
+              <a:t> pseudo-code shows the key functions</a:t>
+            </a:r>
+            <a:endParaRPr lang="en-US" dirty="0"/>
           </a:p>
         </p:txBody>
       </p:sp>
@@ -4351,21 +4384,108 @@
           <a:bodyPr/>
           <a:lstStyle/>
           <a:p>
-            <a:pPr defTabSz="931774">
-              <a:defRPr/>
-            </a:pPr>
-            <a:endParaRPr lang="en-US" sz="1400" dirty="0"/>
+            <a:r>
+              <a:rPr lang="en-US" dirty="0"/>
+              <a:t>This set of </a:t>
+            </a:r>
+            <a:r>
+              <a:rPr lang="en-US" dirty="0" err="1"/>
+              <a:t>pwalk</a:t>
+            </a:r>
+            <a:r>
+              <a:rPr lang="en-US" dirty="0"/>
+              <a:t> functionality</a:t>
+            </a:r>
+            <a:r>
+              <a:rPr lang="en-US" baseline="0" dirty="0"/>
+              <a:t> is documented in the cited paper; </a:t>
+            </a:r>
+            <a:r>
+              <a:rPr lang="en-US" sz="1200" dirty="0"/>
+              <a:t>“</a:t>
+            </a:r>
+            <a:r>
+              <a:rPr lang="en-US" sz="1200" b="1" i="1" dirty="0"/>
+              <a:t>Converting POSIX ACLs to NFSv4 ACLs with </a:t>
+            </a:r>
+            <a:r>
+              <a:rPr lang="en-US" sz="1200" b="1" i="1" dirty="0" err="1"/>
+              <a:t>pwalk</a:t>
+            </a:r>
+            <a:r>
+              <a:rPr lang="en-US" sz="1200" b="1" i="1" dirty="0"/>
+              <a:t>(1)</a:t>
+            </a:r>
+            <a:r>
+              <a:rPr lang="en-US" sz="1200" dirty="0"/>
+              <a:t>“</a:t>
+            </a:r>
+            <a:endParaRPr lang="en-US" baseline="0" dirty="0"/>
+          </a:p>
+          <a:p>
+            <a:r>
+              <a:rPr lang="en-US" baseline="0" dirty="0"/>
+              <a:t>As ‘+’ secondary modes, these can be specified independently of the primary mode used.</a:t>
+            </a:r>
+          </a:p>
+          <a:p>
+            <a:r>
+              <a:rPr lang="en-US" baseline="0" dirty="0"/>
+              <a:t>The OneFS-specific binary ‘</a:t>
+            </a:r>
+            <a:r>
+              <a:rPr lang="en-US" baseline="0" dirty="0" err="1"/>
+              <a:t>wacls</a:t>
+            </a:r>
+            <a:r>
+              <a:rPr lang="en-US" baseline="0" dirty="0"/>
+              <a:t>’ is not made widely-distributed, and is not end-user buildable.</a:t>
+            </a:r>
           </a:p>
         </p:txBody>
       </p:sp>
       <p:sp>
         <p:nvSpPr>
-          <p:cNvPr id="4" name="Slide Number Placeholder 3"/>
+          <p:cNvPr id="4" name="Footer Placeholder 3"/>
           <p:cNvSpPr>
             <a:spLocks noGrp="1"/>
           </p:cNvSpPr>
           <p:nvPr>
-            <p:ph type="sldNum" sz="quarter" idx="10"/>
+            <p:ph type="ftr" sz="quarter" idx="10"/>
+          </p:nvPr>
+        </p:nvSpPr>
+        <p:spPr>
+          <a:xfrm>
+            <a:off x="0" y="8829967"/>
+            <a:ext cx="3037840" cy="464820"/>
+          </a:xfrm>
+          <a:prstGeom prst="rect">
+            <a:avLst/>
+          </a:prstGeom>
+        </p:spPr>
+        <p:txBody>
+          <a:bodyPr lIns="93177" tIns="46589" rIns="93177" bIns="46589"/>
+          <a:lstStyle/>
+          <a:p>
+            <a:pPr>
+              <a:defRPr/>
+            </a:pPr>
+            <a:r>
+              <a:rPr lang="en-US"/>
+              <a:t>Module #: Module Name</a:t>
+            </a:r>
+            <a:endParaRPr lang="en-US" dirty="0"/>
+          </a:p>
+        </p:txBody>
+      </p:sp>
+      <p:sp>
+        <p:nvSpPr>
+          <p:cNvPr id="5" name="Slide Number Placeholder 4"/>
+          <p:cNvSpPr>
+            <a:spLocks noGrp="1"/>
+          </p:cNvSpPr>
+          <p:nvPr>
+            <p:ph type="sldNum" sz="quarter" idx="11"/>
           </p:nvPr>
         </p:nvSpPr>
         <p:spPr>
@@ -4381,27 +4501,24 @@
           <a:bodyPr lIns="93177" tIns="46589" rIns="93177" bIns="46589"/>
           <a:lstStyle/>
           <a:p>
-            <a:fld id="{C3102598-0D32-4B82-B7EF-C4D9838D3CB7}" type="slidenum">
-              <a:rPr lang="en-US" smtClean="0">
-                <a:solidFill>
-                  <a:prstClr val="black"/>
-                </a:solidFill>
-              </a:rPr>
-              <a:pPr/>
+            <a:pPr>
+              <a:defRPr/>
+            </a:pPr>
+            <a:fld id="{80249327-EC2F-4096-8D35-6B76097739FC}" type="slidenum">
+              <a:rPr lang="en-US" smtClean="0"/>
+              <a:pPr>
+                <a:defRPr/>
+              </a:pPr>
               <a:t>32</a:t>
             </a:fld>
-            <a:endParaRPr lang="en-US" dirty="0">
-              <a:solidFill>
-                <a:prstClr val="black"/>
-              </a:solidFill>
-            </a:endParaRPr>
+            <a:endParaRPr lang="en-US" dirty="0"/>
           </a:p>
         </p:txBody>
       </p:sp>
     </p:spTree>
     <p:extLst>
       <p:ext uri="{BB962C8B-B14F-4D97-AF65-F5344CB8AC3E}">
-        <p14:creationId xmlns:p14="http://schemas.microsoft.com/office/powerpoint/2010/main" val="1461428334"/>
+        <p14:creationId xmlns:p14="http://schemas.microsoft.com/office/powerpoint/2010/main" val="2703140797"/>
       </p:ext>
     </p:extLst>
   </p:cSld>
@@ -4461,14 +4578,39 @@
           <a:lstStyle/>
           <a:p>
             <a:r>
-              <a:rPr lang="en-US" dirty="0"/>
-              <a:t>This</a:t>
-            </a:r>
-            <a:r>
               <a:rPr lang="en-US" baseline="0" dirty="0"/>
-              <a:t> pseudo-code shows the key functions</a:t>
-            </a:r>
-            <a:endParaRPr lang="en-US" dirty="0"/>
+              <a:t>The NFS4 binary ACL format and the [NFS4 binary ACL, pathname] tuple formats are unique to </a:t>
+            </a:r>
+            <a:r>
+              <a:rPr lang="en-US" baseline="0" dirty="0" err="1"/>
+              <a:t>pwalk</a:t>
+            </a:r>
+            <a:r>
+              <a:rPr lang="en-US" baseline="0" dirty="0"/>
+              <a:t>.</a:t>
+            </a:r>
+          </a:p>
+          <a:p>
+            <a:r>
+              <a:rPr lang="en-US" baseline="0" dirty="0"/>
+              <a:t>The main distinction between the standard NFS4 ACL format and </a:t>
+            </a:r>
+            <a:r>
+              <a:rPr lang="en-US" baseline="0" dirty="0" err="1"/>
+              <a:t>pwalk’s</a:t>
+            </a:r>
+            <a:r>
+              <a:rPr lang="en-US" baseline="0" dirty="0"/>
+              <a:t> binary format is that </a:t>
+            </a:r>
+            <a:r>
+              <a:rPr lang="en-US" baseline="0" dirty="0" err="1"/>
+              <a:t>pwalk</a:t>
+            </a:r>
+            <a:r>
+              <a:rPr lang="en-US" baseline="0" dirty="0"/>
+              <a:t> uses binary UID and GID trustee values rather than a UTF-8 strings.</a:t>
+            </a:r>
           </a:p>
         </p:txBody>
       </p:sp>
@@ -4605,60 +4747,21 @@
           <a:bodyPr/>
           <a:lstStyle/>
           <a:p>
-            <a:r>
-              <a:rPr lang="en-US" dirty="0"/>
-              <a:t>For large filesystem scans, budget</a:t>
-            </a:r>
-            <a:r>
-              <a:rPr lang="en-US" baseline="0" dirty="0"/>
-              <a:t> output space accordingly!</a:t>
-            </a:r>
-            <a:endParaRPr lang="en-US" dirty="0"/>
+            <a:pPr defTabSz="931774">
+              <a:defRPr/>
+            </a:pPr>
+            <a:endParaRPr lang="en-US" sz="1400" dirty="0"/>
           </a:p>
         </p:txBody>
       </p:sp>
       <p:sp>
         <p:nvSpPr>
-          <p:cNvPr id="4" name="Footer Placeholder 3"/>
+          <p:cNvPr id="4" name="Slide Number Placeholder 3"/>
           <p:cNvSpPr>
             <a:spLocks noGrp="1"/>
           </p:cNvSpPr>
           <p:nvPr>
-            <p:ph type="ftr" sz="quarter" idx="10"/>
-          </p:nvPr>
-        </p:nvSpPr>
-        <p:spPr>
-          <a:xfrm>
-            <a:off x="0" y="8829967"/>
-            <a:ext cx="3037840" cy="464820"/>
-          </a:xfrm>
-          <a:prstGeom prst="rect">
-            <a:avLst/>
-          </a:prstGeom>
-        </p:spPr>
-        <p:txBody>
-          <a:bodyPr lIns="93177" tIns="46589" rIns="93177" bIns="46589"/>
-          <a:lstStyle/>
-          <a:p>
-            <a:pPr>
-              <a:defRPr/>
-            </a:pPr>
-            <a:r>
-              <a:rPr lang="en-US"/>
-              <a:t>Module #: Module Name</a:t>
-            </a:r>
-            <a:endParaRPr lang="en-US" dirty="0"/>
-          </a:p>
-        </p:txBody>
-      </p:sp>
-      <p:sp>
-        <p:nvSpPr>
-          <p:cNvPr id="5" name="Slide Number Placeholder 4"/>
-          <p:cNvSpPr>
-            <a:spLocks noGrp="1"/>
-          </p:cNvSpPr>
-          <p:nvPr>
-            <p:ph type="sldNum" sz="quarter" idx="11"/>
+            <p:ph type="sldNum" sz="quarter" idx="10"/>
           </p:nvPr>
         </p:nvSpPr>
         <p:spPr>
@@ -4674,24 +4777,27 @@
           <a:bodyPr lIns="93177" tIns="46589" rIns="93177" bIns="46589"/>
           <a:lstStyle/>
           <a:p>
-            <a:pPr>
-              <a:defRPr/>
-            </a:pPr>
-            <a:fld id="{80249327-EC2F-4096-8D35-6B76097739FC}" type="slidenum">
-              <a:rPr lang="en-US" smtClean="0"/>
-              <a:pPr>
-                <a:defRPr/>
-              </a:pPr>
-              <a:t>35</a:t>
+            <a:fld id="{C3102598-0D32-4B82-B7EF-C4D9838D3CB7}" type="slidenum">
+              <a:rPr lang="en-US" smtClean="0">
+                <a:solidFill>
+                  <a:prstClr val="black"/>
+                </a:solidFill>
+              </a:rPr>
+              <a:pPr/>
+              <a:t>34</a:t>
             </a:fld>
-            <a:endParaRPr lang="en-US" dirty="0"/>
+            <a:endParaRPr lang="en-US" dirty="0">
+              <a:solidFill>
+                <a:prstClr val="black"/>
+              </a:solidFill>
+            </a:endParaRPr>
           </a:p>
         </p:txBody>
       </p:sp>
     </p:spTree>
     <p:extLst>
       <p:ext uri="{BB962C8B-B14F-4D97-AF65-F5344CB8AC3E}">
-        <p14:creationId xmlns:p14="http://schemas.microsoft.com/office/powerpoint/2010/main" val="2703140797"/>
+        <p14:creationId xmlns:p14="http://schemas.microsoft.com/office/powerpoint/2010/main" val="1461428334"/>
       </p:ext>
     </p:extLst>
   </p:cSld>
@@ -4756,28 +4862,7 @@
             </a:r>
             <a:r>
               <a:rPr lang="en-US" baseline="0" dirty="0"/>
-              <a:t> example does not represent the limits of </a:t>
-            </a:r>
-            <a:r>
-              <a:rPr lang="en-US" baseline="0" dirty="0" err="1"/>
-              <a:t>pwalk</a:t>
-            </a:r>
-            <a:r>
-              <a:rPr lang="en-US" baseline="0" dirty="0"/>
-              <a:t> throughput; merely the results of some tests that were run.</a:t>
-            </a:r>
-          </a:p>
-          <a:p>
-            <a:endParaRPr lang="en-US" dirty="0"/>
-          </a:p>
-          <a:p>
-            <a:r>
-              <a:rPr lang="en-US" dirty="0"/>
-              <a:t>One should also characterize the network bandwidth and CPU usage on both</a:t>
-            </a:r>
-            <a:r>
-              <a:rPr lang="en-US" baseline="0" dirty="0"/>
-              <a:t> the client and the target storage to find the right tradeoff between performance and resource saturation.</a:t>
+              <a:t> pseudo-code shows the key functions</a:t>
             </a:r>
             <a:endParaRPr lang="en-US" dirty="0"/>
           </a:p>
@@ -4848,7 +4933,7 @@
               <a:pPr>
                 <a:defRPr/>
               </a:pPr>
-              <a:t>36</a:t>
+              <a:t>35</a:t>
             </a:fld>
             <a:endParaRPr lang="en-US" dirty="0"/>
           </a:p>
@@ -4857,7 +4942,7 @@
     </p:spTree>
     <p:extLst>
       <p:ext uri="{BB962C8B-B14F-4D97-AF65-F5344CB8AC3E}">
-        <p14:creationId xmlns:p14="http://schemas.microsoft.com/office/powerpoint/2010/main" val="4039075285"/>
+        <p14:creationId xmlns:p14="http://schemas.microsoft.com/office/powerpoint/2010/main" val="2703140797"/>
       </p:ext>
     </p:extLst>
   </p:cSld>
@@ -4916,6 +5001,14 @@
           <a:bodyPr/>
           <a:lstStyle/>
           <a:p>
+            <a:r>
+              <a:rPr lang="en-US" dirty="0"/>
+              <a:t>For large filesystem scans, budget</a:t>
+            </a:r>
+            <a:r>
+              <a:rPr lang="en-US" baseline="0" dirty="0"/>
+              <a:t> output space accordingly!</a:t>
+            </a:r>
             <a:endParaRPr lang="en-US" dirty="0"/>
           </a:p>
         </p:txBody>
@@ -4994,7 +5087,7 @@
     </p:spTree>
     <p:extLst>
       <p:ext uri="{BB962C8B-B14F-4D97-AF65-F5344CB8AC3E}">
-        <p14:creationId xmlns:p14="http://schemas.microsoft.com/office/powerpoint/2010/main" val="4039075285"/>
+        <p14:creationId xmlns:p14="http://schemas.microsoft.com/office/powerpoint/2010/main" val="2703140797"/>
       </p:ext>
     </p:extLst>
   </p:cSld>
@@ -5053,6 +5146,35 @@
           <a:bodyPr/>
           <a:lstStyle/>
           <a:p>
+            <a:r>
+              <a:rPr lang="en-US" dirty="0"/>
+              <a:t>This</a:t>
+            </a:r>
+            <a:r>
+              <a:rPr lang="en-US" baseline="0" dirty="0"/>
+              <a:t> example does not represent the limits of </a:t>
+            </a:r>
+            <a:r>
+              <a:rPr lang="en-US" baseline="0" dirty="0" err="1"/>
+              <a:t>pwalk</a:t>
+            </a:r>
+            <a:r>
+              <a:rPr lang="en-US" baseline="0" dirty="0"/>
+              <a:t> throughput; merely the results of some tests that were run.</a:t>
+            </a:r>
+          </a:p>
+          <a:p>
+            <a:endParaRPr lang="en-US" dirty="0"/>
+          </a:p>
+          <a:p>
+            <a:r>
+              <a:rPr lang="en-US" dirty="0"/>
+              <a:t>One should also characterize the network bandwidth and CPU usage on both</a:t>
+            </a:r>
+            <a:r>
+              <a:rPr lang="en-US" baseline="0" dirty="0"/>
+              <a:t> the client and the target storage to find the right tradeoff between performance and resource saturation.</a:t>
+            </a:r>
             <a:endParaRPr lang="en-US" dirty="0"/>
           </a:p>
         </p:txBody>
@@ -5190,21 +5312,52 @@
           <a:bodyPr/>
           <a:lstStyle/>
           <a:p>
-            <a:pPr defTabSz="931774">
-              <a:defRPr/>
-            </a:pPr>
-            <a:endParaRPr lang="en-US" sz="1400" dirty="0"/>
+            <a:endParaRPr lang="en-US" dirty="0"/>
           </a:p>
         </p:txBody>
       </p:sp>
       <p:sp>
         <p:nvSpPr>
-          <p:cNvPr id="4" name="Slide Number Placeholder 3"/>
+          <p:cNvPr id="4" name="Footer Placeholder 3"/>
           <p:cNvSpPr>
             <a:spLocks noGrp="1"/>
           </p:cNvSpPr>
           <p:nvPr>
-            <p:ph type="sldNum" sz="quarter" idx="10"/>
+            <p:ph type="ftr" sz="quarter" idx="10"/>
+          </p:nvPr>
+        </p:nvSpPr>
+        <p:spPr>
+          <a:xfrm>
+            <a:off x="0" y="8829967"/>
+            <a:ext cx="3037840" cy="464820"/>
+          </a:xfrm>
+          <a:prstGeom prst="rect">
+            <a:avLst/>
+          </a:prstGeom>
+        </p:spPr>
+        <p:txBody>
+          <a:bodyPr lIns="93177" tIns="46589" rIns="93177" bIns="46589"/>
+          <a:lstStyle/>
+          <a:p>
+            <a:pPr>
+              <a:defRPr/>
+            </a:pPr>
+            <a:r>
+              <a:rPr lang="en-US"/>
+              <a:t>Module #: Module Name</a:t>
+            </a:r>
+            <a:endParaRPr lang="en-US" dirty="0"/>
+          </a:p>
+        </p:txBody>
+      </p:sp>
+      <p:sp>
+        <p:nvSpPr>
+          <p:cNvPr id="5" name="Slide Number Placeholder 4"/>
+          <p:cNvSpPr>
+            <a:spLocks noGrp="1"/>
+          </p:cNvSpPr>
+          <p:nvPr>
+            <p:ph type="sldNum" sz="quarter" idx="11"/>
           </p:nvPr>
         </p:nvSpPr>
         <p:spPr>
@@ -5220,27 +5373,24 @@
           <a:bodyPr lIns="93177" tIns="46589" rIns="93177" bIns="46589"/>
           <a:lstStyle/>
           <a:p>
-            <a:fld id="{C3102598-0D32-4B82-B7EF-C4D9838D3CB7}" type="slidenum">
-              <a:rPr lang="en-US" smtClean="0">
-                <a:solidFill>
-                  <a:prstClr val="black"/>
-                </a:solidFill>
-              </a:rPr>
-              <a:pPr/>
-              <a:t>40</a:t>
+            <a:pPr>
+              <a:defRPr/>
+            </a:pPr>
+            <a:fld id="{80249327-EC2F-4096-8D35-6B76097739FC}" type="slidenum">
+              <a:rPr lang="en-US" smtClean="0"/>
+              <a:pPr>
+                <a:defRPr/>
+              </a:pPr>
+              <a:t>39</a:t>
             </a:fld>
-            <a:endParaRPr lang="en-US" dirty="0">
-              <a:solidFill>
-                <a:prstClr val="black"/>
-              </a:solidFill>
-            </a:endParaRPr>
+            <a:endParaRPr lang="en-US" dirty="0"/>
           </a:p>
         </p:txBody>
       </p:sp>
     </p:spTree>
     <p:extLst>
       <p:ext uri="{BB962C8B-B14F-4D97-AF65-F5344CB8AC3E}">
-        <p14:creationId xmlns:p14="http://schemas.microsoft.com/office/powerpoint/2010/main" val="1461428334"/>
+        <p14:creationId xmlns:p14="http://schemas.microsoft.com/office/powerpoint/2010/main" val="4039075285"/>
       </p:ext>
     </p:extLst>
   </p:cSld>
@@ -5299,14 +5449,6 @@
           <a:bodyPr/>
           <a:lstStyle/>
           <a:p>
-            <a:r>
-              <a:rPr lang="en-US" dirty="0"/>
-              <a:t>This</a:t>
-            </a:r>
-            <a:r>
-              <a:rPr lang="en-US" baseline="0" dirty="0"/>
-              <a:t> pseudo-code shows the key functions</a:t>
-            </a:r>
             <a:endParaRPr lang="en-US" dirty="0"/>
           </a:p>
         </p:txBody>
@@ -5376,7 +5518,7 @@
               <a:pPr>
                 <a:defRPr/>
               </a:pPr>
-              <a:t>41</a:t>
+              <a:t>40</a:t>
             </a:fld>
             <a:endParaRPr lang="en-US" dirty="0"/>
           </a:p>
@@ -5385,7 +5527,7 @@
     </p:spTree>
     <p:extLst>
       <p:ext uri="{BB962C8B-B14F-4D97-AF65-F5344CB8AC3E}">
-        <p14:creationId xmlns:p14="http://schemas.microsoft.com/office/powerpoint/2010/main" val="2703140797"/>
+        <p14:creationId xmlns:p14="http://schemas.microsoft.com/office/powerpoint/2010/main" val="4039075285"/>
       </p:ext>
     </p:extLst>
   </p:cSld>
@@ -5444,60 +5586,21 @@
           <a:bodyPr/>
           <a:lstStyle/>
           <a:p>
-            <a:r>
-              <a:rPr lang="en-US" dirty="0"/>
-              <a:t>This</a:t>
-            </a:r>
-            <a:r>
-              <a:rPr lang="en-US" baseline="0" dirty="0"/>
-              <a:t> pseudo-code shows the key functions</a:t>
-            </a:r>
-            <a:endParaRPr lang="en-US" dirty="0"/>
+            <a:pPr defTabSz="931774">
+              <a:defRPr/>
+            </a:pPr>
+            <a:endParaRPr lang="en-US" sz="1400" dirty="0"/>
           </a:p>
         </p:txBody>
       </p:sp>
       <p:sp>
         <p:nvSpPr>
-          <p:cNvPr id="4" name="Footer Placeholder 3"/>
+          <p:cNvPr id="4" name="Slide Number Placeholder 3"/>
           <p:cNvSpPr>
             <a:spLocks noGrp="1"/>
           </p:cNvSpPr>
           <p:nvPr>
-            <p:ph type="ftr" sz="quarter" idx="10"/>
-          </p:nvPr>
-        </p:nvSpPr>
-        <p:spPr>
-          <a:xfrm>
-            <a:off x="0" y="8829967"/>
-            <a:ext cx="3037840" cy="464820"/>
-          </a:xfrm>
-          <a:prstGeom prst="rect">
-            <a:avLst/>
-          </a:prstGeom>
-        </p:spPr>
-        <p:txBody>
-          <a:bodyPr lIns="93177" tIns="46589" rIns="93177" bIns="46589"/>
-          <a:lstStyle/>
-          <a:p>
-            <a:pPr>
-              <a:defRPr/>
-            </a:pPr>
-            <a:r>
-              <a:rPr lang="en-US"/>
-              <a:t>Module #: Module Name</a:t>
-            </a:r>
-            <a:endParaRPr lang="en-US" dirty="0"/>
-          </a:p>
-        </p:txBody>
-      </p:sp>
-      <p:sp>
-        <p:nvSpPr>
-          <p:cNvPr id="5" name="Slide Number Placeholder 4"/>
-          <p:cNvSpPr>
-            <a:spLocks noGrp="1"/>
-          </p:cNvSpPr>
-          <p:nvPr>
-            <p:ph type="sldNum" sz="quarter" idx="11"/>
+            <p:ph type="sldNum" sz="quarter" idx="10"/>
           </p:nvPr>
         </p:nvSpPr>
         <p:spPr>
@@ -5513,24 +5616,27 @@
           <a:bodyPr lIns="93177" tIns="46589" rIns="93177" bIns="46589"/>
           <a:lstStyle/>
           <a:p>
-            <a:pPr>
-              <a:defRPr/>
-            </a:pPr>
-            <a:fld id="{80249327-EC2F-4096-8D35-6B76097739FC}" type="slidenum">
-              <a:rPr lang="en-US" smtClean="0"/>
-              <a:pPr>
-                <a:defRPr/>
-              </a:pPr>
+            <a:fld id="{C3102598-0D32-4B82-B7EF-C4D9838D3CB7}" type="slidenum">
+              <a:rPr lang="en-US" smtClean="0">
+                <a:solidFill>
+                  <a:prstClr val="black"/>
+                </a:solidFill>
+              </a:rPr>
+              <a:pPr/>
               <a:t>42</a:t>
             </a:fld>
-            <a:endParaRPr lang="en-US" dirty="0"/>
+            <a:endParaRPr lang="en-US" dirty="0">
+              <a:solidFill>
+                <a:prstClr val="black"/>
+              </a:solidFill>
+            </a:endParaRPr>
           </a:p>
         </p:txBody>
       </p:sp>
     </p:spTree>
     <p:extLst>
       <p:ext uri="{BB962C8B-B14F-4D97-AF65-F5344CB8AC3E}">
-        <p14:creationId xmlns:p14="http://schemas.microsoft.com/office/powerpoint/2010/main" val="2703140797"/>
+        <p14:creationId xmlns:p14="http://schemas.microsoft.com/office/powerpoint/2010/main" val="1461428334"/>
       </p:ext>
     </p:extLst>
   </p:cSld>
@@ -5586,17 +5692,96 @@
         </p:nvSpPr>
         <p:spPr/>
         <p:txBody>
-          <a:bodyPr lIns="91435" tIns="45717" rIns="91435" bIns="45717"/>
+          <a:bodyPr/>
           <a:lstStyle/>
           <a:p>
-            <a:endParaRPr lang="en-US" baseline="0" dirty="0"/>
+            <a:r>
+              <a:rPr lang="en-US" dirty="0"/>
+              <a:t>This</a:t>
+            </a:r>
+            <a:r>
+              <a:rPr lang="en-US" baseline="0" dirty="0"/>
+              <a:t> pseudo-code shows the key functions</a:t>
+            </a:r>
+            <a:endParaRPr lang="en-US" dirty="0"/>
+          </a:p>
+        </p:txBody>
+      </p:sp>
+      <p:sp>
+        <p:nvSpPr>
+          <p:cNvPr id="4" name="Footer Placeholder 3"/>
+          <p:cNvSpPr>
+            <a:spLocks noGrp="1"/>
+          </p:cNvSpPr>
+          <p:nvPr>
+            <p:ph type="ftr" sz="quarter" idx="10"/>
+          </p:nvPr>
+        </p:nvSpPr>
+        <p:spPr>
+          <a:xfrm>
+            <a:off x="0" y="8829967"/>
+            <a:ext cx="3037840" cy="464820"/>
+          </a:xfrm>
+          <a:prstGeom prst="rect">
+            <a:avLst/>
+          </a:prstGeom>
+        </p:spPr>
+        <p:txBody>
+          <a:bodyPr lIns="93177" tIns="46589" rIns="93177" bIns="46589"/>
+          <a:lstStyle/>
+          <a:p>
+            <a:pPr>
+              <a:defRPr/>
+            </a:pPr>
+            <a:r>
+              <a:rPr lang="en-US"/>
+              <a:t>Module #: Module Name</a:t>
+            </a:r>
+            <a:endParaRPr lang="en-US" dirty="0"/>
+          </a:p>
+        </p:txBody>
+      </p:sp>
+      <p:sp>
+        <p:nvSpPr>
+          <p:cNvPr id="5" name="Slide Number Placeholder 4"/>
+          <p:cNvSpPr>
+            <a:spLocks noGrp="1"/>
+          </p:cNvSpPr>
+          <p:nvPr>
+            <p:ph type="sldNum" sz="quarter" idx="11"/>
+          </p:nvPr>
+        </p:nvSpPr>
+        <p:spPr>
+          <a:xfrm>
+            <a:off x="3970938" y="8829967"/>
+            <a:ext cx="3037840" cy="464820"/>
+          </a:xfrm>
+          <a:prstGeom prst="rect">
+            <a:avLst/>
+          </a:prstGeom>
+        </p:spPr>
+        <p:txBody>
+          <a:bodyPr lIns="93177" tIns="46589" rIns="93177" bIns="46589"/>
+          <a:lstStyle/>
+          <a:p>
+            <a:pPr>
+              <a:defRPr/>
+            </a:pPr>
+            <a:fld id="{80249327-EC2F-4096-8D35-6B76097739FC}" type="slidenum">
+              <a:rPr lang="en-US" smtClean="0"/>
+              <a:pPr>
+                <a:defRPr/>
+              </a:pPr>
+              <a:t>43</a:t>
+            </a:fld>
+            <a:endParaRPr lang="en-US" dirty="0"/>
           </a:p>
         </p:txBody>
       </p:sp>
     </p:spTree>
     <p:extLst>
       <p:ext uri="{BB962C8B-B14F-4D97-AF65-F5344CB8AC3E}">
-        <p14:creationId xmlns:p14="http://schemas.microsoft.com/office/powerpoint/2010/main" val="2054967166"/>
+        <p14:creationId xmlns:p14="http://schemas.microsoft.com/office/powerpoint/2010/main" val="2703140797"/>
       </p:ext>
     </p:extLst>
   </p:cSld>
@@ -5789,17 +5974,96 @@
         </p:nvSpPr>
         <p:spPr/>
         <p:txBody>
-          <a:bodyPr lIns="91435" tIns="45717" rIns="91435" bIns="45717"/>
+          <a:bodyPr/>
           <a:lstStyle/>
           <a:p>
-            <a:endParaRPr lang="en-US" baseline="0" dirty="0"/>
+            <a:r>
+              <a:rPr lang="en-US" dirty="0"/>
+              <a:t>This</a:t>
+            </a:r>
+            <a:r>
+              <a:rPr lang="en-US" baseline="0" dirty="0"/>
+              <a:t> pseudo-code shows the key functions</a:t>
+            </a:r>
+            <a:endParaRPr lang="en-US" dirty="0"/>
+          </a:p>
+        </p:txBody>
+      </p:sp>
+      <p:sp>
+        <p:nvSpPr>
+          <p:cNvPr id="4" name="Footer Placeholder 3"/>
+          <p:cNvSpPr>
+            <a:spLocks noGrp="1"/>
+          </p:cNvSpPr>
+          <p:nvPr>
+            <p:ph type="ftr" sz="quarter" idx="10"/>
+          </p:nvPr>
+        </p:nvSpPr>
+        <p:spPr>
+          <a:xfrm>
+            <a:off x="0" y="8829967"/>
+            <a:ext cx="3037840" cy="464820"/>
+          </a:xfrm>
+          <a:prstGeom prst="rect">
+            <a:avLst/>
+          </a:prstGeom>
+        </p:spPr>
+        <p:txBody>
+          <a:bodyPr lIns="93177" tIns="46589" rIns="93177" bIns="46589"/>
+          <a:lstStyle/>
+          <a:p>
+            <a:pPr>
+              <a:defRPr/>
+            </a:pPr>
+            <a:r>
+              <a:rPr lang="en-US"/>
+              <a:t>Module #: Module Name</a:t>
+            </a:r>
+            <a:endParaRPr lang="en-US" dirty="0"/>
+          </a:p>
+        </p:txBody>
+      </p:sp>
+      <p:sp>
+        <p:nvSpPr>
+          <p:cNvPr id="5" name="Slide Number Placeholder 4"/>
+          <p:cNvSpPr>
+            <a:spLocks noGrp="1"/>
+          </p:cNvSpPr>
+          <p:nvPr>
+            <p:ph type="sldNum" sz="quarter" idx="11"/>
+          </p:nvPr>
+        </p:nvSpPr>
+        <p:spPr>
+          <a:xfrm>
+            <a:off x="3970938" y="8829967"/>
+            <a:ext cx="3037840" cy="464820"/>
+          </a:xfrm>
+          <a:prstGeom prst="rect">
+            <a:avLst/>
+          </a:prstGeom>
+        </p:spPr>
+        <p:txBody>
+          <a:bodyPr lIns="93177" tIns="46589" rIns="93177" bIns="46589"/>
+          <a:lstStyle/>
+          <a:p>
+            <a:pPr>
+              <a:defRPr/>
+            </a:pPr>
+            <a:fld id="{80249327-EC2F-4096-8D35-6B76097739FC}" type="slidenum">
+              <a:rPr lang="en-US" smtClean="0"/>
+              <a:pPr>
+                <a:defRPr/>
+              </a:pPr>
+              <a:t>44</a:t>
+            </a:fld>
+            <a:endParaRPr lang="en-US" dirty="0"/>
           </a:p>
         </p:txBody>
       </p:sp>
     </p:spTree>
     <p:extLst>
       <p:ext uri="{BB962C8B-B14F-4D97-AF65-F5344CB8AC3E}">
-        <p14:creationId xmlns:p14="http://schemas.microsoft.com/office/powerpoint/2010/main" val="2054967166"/>
+        <p14:creationId xmlns:p14="http://schemas.microsoft.com/office/powerpoint/2010/main" val="2703140797"/>
       </p:ext>
     </p:extLst>
   </p:cSld>
@@ -6119,60 +6383,17 @@
         </p:nvSpPr>
         <p:spPr/>
         <p:txBody>
-          <a:bodyPr/>
+          <a:bodyPr lIns="91435" tIns="45717" rIns="91435" bIns="45717"/>
           <a:lstStyle/>
           <a:p>
-            <a:pPr defTabSz="931774">
-              <a:defRPr/>
-            </a:pPr>
-            <a:endParaRPr lang="en-US" sz="1400" dirty="0"/>
-          </a:p>
-        </p:txBody>
-      </p:sp>
-      <p:sp>
-        <p:nvSpPr>
-          <p:cNvPr id="4" name="Slide Number Placeholder 3"/>
-          <p:cNvSpPr>
-            <a:spLocks noGrp="1"/>
-          </p:cNvSpPr>
-          <p:nvPr>
-            <p:ph type="sldNum" sz="quarter" idx="10"/>
-          </p:nvPr>
-        </p:nvSpPr>
-        <p:spPr>
-          <a:xfrm>
-            <a:off x="3970938" y="8829967"/>
-            <a:ext cx="3037840" cy="464820"/>
-          </a:xfrm>
-          <a:prstGeom prst="rect">
-            <a:avLst/>
-          </a:prstGeom>
-        </p:spPr>
-        <p:txBody>
-          <a:bodyPr lIns="93177" tIns="46589" rIns="93177" bIns="46589"/>
-          <a:lstStyle/>
-          <a:p>
-            <a:fld id="{C3102598-0D32-4B82-B7EF-C4D9838D3CB7}" type="slidenum">
-              <a:rPr lang="en-US" smtClean="0">
-                <a:solidFill>
-                  <a:prstClr val="black"/>
-                </a:solidFill>
-              </a:rPr>
-              <a:pPr/>
-              <a:t>49</a:t>
-            </a:fld>
-            <a:endParaRPr lang="en-US" dirty="0">
-              <a:solidFill>
-                <a:prstClr val="black"/>
-              </a:solidFill>
-            </a:endParaRPr>
+            <a:endParaRPr lang="en-US" baseline="0" dirty="0"/>
           </a:p>
         </p:txBody>
       </p:sp>
     </p:spTree>
     <p:extLst>
       <p:ext uri="{BB962C8B-B14F-4D97-AF65-F5344CB8AC3E}">
-        <p14:creationId xmlns:p14="http://schemas.microsoft.com/office/powerpoint/2010/main" val="1461428334"/>
+        <p14:creationId xmlns:p14="http://schemas.microsoft.com/office/powerpoint/2010/main" val="2054967166"/>
       </p:ext>
     </p:extLst>
   </p:cSld>
@@ -6228,77 +6449,17 @@
         </p:nvSpPr>
         <p:spPr/>
         <p:txBody>
-          <a:bodyPr/>
+          <a:bodyPr lIns="91435" tIns="45717" rIns="91435" bIns="45717"/>
           <a:lstStyle/>
           <a:p>
-            <a:r>
-              <a:rPr lang="en-US" dirty="0"/>
-              <a:t>This a very straightforward C code, with the only consideration being inclusion of the </a:t>
-            </a:r>
-            <a:r>
-              <a:rPr lang="en-US" dirty="0" err="1"/>
-              <a:t>pThreads</a:t>
-            </a:r>
-            <a:r>
-              <a:rPr lang="en-US" dirty="0"/>
-              <a:t> library (the POSIX portable threads library).</a:t>
-            </a:r>
-          </a:p>
-          <a:p>
-            <a:r>
-              <a:rPr lang="en-US" dirty="0"/>
-              <a:t>The O’Reilly book is all one needs to get started.</a:t>
-            </a:r>
-          </a:p>
-          <a:p>
-            <a:endParaRPr lang="en-US" dirty="0"/>
-          </a:p>
-          <a:p>
-            <a:endParaRPr lang="en-US" dirty="0"/>
-          </a:p>
-        </p:txBody>
-      </p:sp>
-      <p:sp>
-        <p:nvSpPr>
-          <p:cNvPr id="4" name="Slide Number Placeholder 3"/>
-          <p:cNvSpPr>
-            <a:spLocks noGrp="1"/>
-          </p:cNvSpPr>
-          <p:nvPr>
-            <p:ph type="sldNum" sz="quarter" idx="10"/>
-          </p:nvPr>
-        </p:nvSpPr>
-        <p:spPr>
-          <a:xfrm>
-            <a:off x="3970938" y="8829967"/>
-            <a:ext cx="3037840" cy="464820"/>
-          </a:xfrm>
-          <a:prstGeom prst="rect">
-            <a:avLst/>
-          </a:prstGeom>
-        </p:spPr>
-        <p:txBody>
-          <a:bodyPr lIns="93177" tIns="46589" rIns="93177" bIns="46589"/>
-          <a:lstStyle/>
-          <a:p>
-            <a:pPr>
-              <a:defRPr/>
-            </a:pPr>
-            <a:fld id="{D1F60938-1488-DE48-B964-642B5D0865D8}" type="slidenum">
-              <a:rPr lang="en-US" smtClean="0"/>
-              <a:pPr>
-                <a:defRPr/>
-              </a:pPr>
-              <a:t>50</a:t>
-            </a:fld>
-            <a:endParaRPr lang="en-US"/>
+            <a:endParaRPr lang="en-US" baseline="0" dirty="0"/>
           </a:p>
         </p:txBody>
       </p:sp>
     </p:spTree>
     <p:extLst>
       <p:ext uri="{BB962C8B-B14F-4D97-AF65-F5344CB8AC3E}">
-        <p14:creationId xmlns:p14="http://schemas.microsoft.com/office/powerpoint/2010/main" val="249082682"/>
+        <p14:creationId xmlns:p14="http://schemas.microsoft.com/office/powerpoint/2010/main" val="2054967166"/>
       </p:ext>
     </p:extLst>
   </p:cSld>
@@ -6357,142 +6518,21 @@
           <a:bodyPr/>
           <a:lstStyle/>
           <a:p>
-            <a:r>
-              <a:rPr lang="en-US" baseline="0" dirty="0"/>
-              <a:t>Gathering and presenting this data is what </a:t>
-            </a:r>
-            <a:r>
-              <a:rPr lang="en-US" baseline="0" dirty="0" err="1"/>
-              <a:t>pwalk</a:t>
-            </a:r>
-            <a:r>
-              <a:rPr lang="en-US" baseline="0" dirty="0"/>
-              <a:t> does. This example is from OSX, but the structure is very similar between various implementations.</a:t>
-            </a:r>
-          </a:p>
-          <a:p>
-            <a:endParaRPr lang="en-US" baseline="0" dirty="0"/>
-          </a:p>
-          <a:p>
-            <a:r>
-              <a:rPr lang="en-US" baseline="0" dirty="0"/>
-              <a:t>OneFS normally foregoes the metadata-maintenance expense of keeping access times accurately. Their updating frequency is adjustable, but typically no more aggressive than once-per-day </a:t>
-            </a:r>
-          </a:p>
-          <a:p>
-            <a:endParaRPr lang="en-US" baseline="0" dirty="0"/>
-          </a:p>
-          <a:p>
-            <a:r>
-              <a:rPr lang="en-US" baseline="0" dirty="0"/>
-              <a:t>http://</a:t>
-            </a:r>
-            <a:r>
-              <a:rPr lang="en-US" baseline="0" dirty="0" err="1"/>
-              <a:t>pubs.opengroup.org</a:t>
-            </a:r>
-            <a:r>
-              <a:rPr lang="en-US" baseline="0" dirty="0"/>
-              <a:t>/</a:t>
-            </a:r>
-            <a:r>
-              <a:rPr lang="en-US" baseline="0" dirty="0" err="1"/>
-              <a:t>onlinepubs</a:t>
-            </a:r>
-            <a:r>
-              <a:rPr lang="en-US" baseline="0" dirty="0"/>
-              <a:t>/009695399/</a:t>
-            </a:r>
-            <a:r>
-              <a:rPr lang="en-US" baseline="0" dirty="0" err="1"/>
-              <a:t>basedefs</a:t>
-            </a:r>
-            <a:r>
-              <a:rPr lang="en-US" baseline="0" dirty="0"/>
-              <a:t>/sys/</a:t>
-            </a:r>
-            <a:r>
-              <a:rPr lang="en-US" baseline="0" dirty="0" err="1"/>
-              <a:t>stat.h.html</a:t>
-            </a:r>
-            <a:r>
-              <a:rPr lang="en-US" baseline="0" dirty="0"/>
-              <a:t> – “</a:t>
-            </a:r>
-            <a:r>
-              <a:rPr lang="en-US" dirty="0"/>
-              <a:t>The unit for the </a:t>
-            </a:r>
-            <a:r>
-              <a:rPr lang="en-US" i="1" dirty="0" err="1"/>
-              <a:t>st_blocks</a:t>
-            </a:r>
-            <a:r>
-              <a:rPr lang="en-US" dirty="0"/>
-              <a:t> member of the </a:t>
-            </a:r>
-            <a:r>
-              <a:rPr lang="en-US" b="1" dirty="0"/>
-              <a:t>stat</a:t>
-            </a:r>
-            <a:r>
-              <a:rPr lang="en-US" dirty="0"/>
-              <a:t> structure is not defined within IEEE </a:t>
-            </a:r>
-            <a:r>
-              <a:rPr lang="en-US" dirty="0" err="1"/>
-              <a:t>Std</a:t>
-            </a:r>
-            <a:r>
-              <a:rPr lang="en-US" dirty="0"/>
-              <a:t> 1003.1-2001. In some implementations it is 512 bytes. It may differ on a file system basis.”</a:t>
-            </a:r>
-            <a:endParaRPr lang="en-US" baseline="0" dirty="0"/>
+            <a:pPr defTabSz="931774">
+              <a:defRPr/>
+            </a:pPr>
+            <a:endParaRPr lang="en-US" sz="1400" dirty="0"/>
           </a:p>
         </p:txBody>
       </p:sp>
       <p:sp>
         <p:nvSpPr>
-          <p:cNvPr id="4" name="Footer Placeholder 3"/>
+          <p:cNvPr id="4" name="Slide Number Placeholder 3"/>
           <p:cNvSpPr>
             <a:spLocks noGrp="1"/>
           </p:cNvSpPr>
           <p:nvPr>
-            <p:ph type="ftr" sz="quarter" idx="10"/>
-          </p:nvPr>
-        </p:nvSpPr>
-        <p:spPr>
-          <a:xfrm>
-            <a:off x="0" y="8829967"/>
-            <a:ext cx="3037840" cy="464820"/>
-          </a:xfrm>
-          <a:prstGeom prst="rect">
-            <a:avLst/>
-          </a:prstGeom>
-        </p:spPr>
-        <p:txBody>
-          <a:bodyPr lIns="93177" tIns="46589" rIns="93177" bIns="46589"/>
-          <a:lstStyle/>
-          <a:p>
-            <a:pPr>
-              <a:defRPr/>
-            </a:pPr>
-            <a:r>
-              <a:rPr lang="en-US"/>
-              <a:t>Module #: Module Name</a:t>
-            </a:r>
-            <a:endParaRPr lang="en-US" dirty="0"/>
-          </a:p>
-        </p:txBody>
-      </p:sp>
-      <p:sp>
-        <p:nvSpPr>
-          <p:cNvPr id="5" name="Slide Number Placeholder 4"/>
-          <p:cNvSpPr>
-            <a:spLocks noGrp="1"/>
-          </p:cNvSpPr>
-          <p:nvPr>
-            <p:ph type="sldNum" sz="quarter" idx="11"/>
+            <p:ph type="sldNum" sz="quarter" idx="10"/>
           </p:nvPr>
         </p:nvSpPr>
         <p:spPr>
@@ -6508,24 +6548,27 @@
           <a:bodyPr lIns="93177" tIns="46589" rIns="93177" bIns="46589"/>
           <a:lstStyle/>
           <a:p>
-            <a:pPr>
-              <a:defRPr/>
-            </a:pPr>
-            <a:fld id="{80249327-EC2F-4096-8D35-6B76097739FC}" type="slidenum">
-              <a:rPr lang="en-US" smtClean="0"/>
-              <a:pPr>
-                <a:defRPr/>
-              </a:pPr>
+            <a:fld id="{C3102598-0D32-4B82-B7EF-C4D9838D3CB7}" type="slidenum">
+              <a:rPr lang="en-US" smtClean="0">
+                <a:solidFill>
+                  <a:prstClr val="black"/>
+                </a:solidFill>
+              </a:rPr>
+              <a:pPr/>
               <a:t>51</a:t>
             </a:fld>
-            <a:endParaRPr lang="en-US" dirty="0"/>
+            <a:endParaRPr lang="en-US" dirty="0">
+              <a:solidFill>
+                <a:prstClr val="black"/>
+              </a:solidFill>
+            </a:endParaRPr>
           </a:p>
         </p:txBody>
       </p:sp>
     </p:spTree>
     <p:extLst>
       <p:ext uri="{BB962C8B-B14F-4D97-AF65-F5344CB8AC3E}">
-        <p14:creationId xmlns:p14="http://schemas.microsoft.com/office/powerpoint/2010/main" val="2703140797"/>
+        <p14:creationId xmlns:p14="http://schemas.microsoft.com/office/powerpoint/2010/main" val="1461428334"/>
       </p:ext>
     </p:extLst>
   </p:cSld>
@@ -6554,12 +6597,71 @@
       </p:grpSpPr>
       <p:sp>
         <p:nvSpPr>
-          <p:cNvPr id="80898" name="Rectangle 7"/>
+          <p:cNvPr id="2" name="Slide Image Placeholder 1"/>
           <p:cNvSpPr>
-            <a:spLocks noGrp="1" noChangeArrowheads="1"/>
+            <a:spLocks noGrp="1" noRot="1" noChangeAspect="1"/>
           </p:cNvSpPr>
           <p:nvPr>
-            <p:ph type="sldNum" sz="quarter" idx="5"/>
+            <p:ph type="sldImg"/>
+          </p:nvPr>
+        </p:nvSpPr>
+        <p:spPr>
+          <a:xfrm>
+            <a:off x="457200" y="384175"/>
+            <a:ext cx="6096000" cy="3430588"/>
+          </a:xfrm>
+        </p:spPr>
+      </p:sp>
+      <p:sp>
+        <p:nvSpPr>
+          <p:cNvPr id="3" name="Notes Placeholder 2"/>
+          <p:cNvSpPr>
+            <a:spLocks noGrp="1"/>
+          </p:cNvSpPr>
+          <p:nvPr>
+            <p:ph type="body" idx="1"/>
+          </p:nvPr>
+        </p:nvSpPr>
+        <p:spPr/>
+        <p:txBody>
+          <a:bodyPr/>
+          <a:lstStyle/>
+          <a:p>
+            <a:r>
+              <a:rPr lang="en-US" dirty="0"/>
+              <a:t>This a very straightforward C code, with the only consideration being inclusion of the </a:t>
+            </a:r>
+            <a:r>
+              <a:rPr lang="en-US" dirty="0" err="1"/>
+              <a:t>pThreads</a:t>
+            </a:r>
+            <a:r>
+              <a:rPr lang="en-US" dirty="0"/>
+              <a:t> library (the POSIX portable threads library).</a:t>
+            </a:r>
+          </a:p>
+          <a:p>
+            <a:r>
+              <a:rPr lang="en-US" dirty="0"/>
+              <a:t>The O’Reilly book is all one needs to get started.</a:t>
+            </a:r>
+          </a:p>
+          <a:p>
+            <a:endParaRPr lang="en-US" dirty="0"/>
+          </a:p>
+          <a:p>
+            <a:endParaRPr lang="en-US" dirty="0"/>
+          </a:p>
+        </p:txBody>
+      </p:sp>
+      <p:sp>
+        <p:nvSpPr>
+          <p:cNvPr id="4" name="Slide Number Placeholder 3"/>
+          <p:cNvSpPr>
+            <a:spLocks noGrp="1"/>
+          </p:cNvSpPr>
+          <p:nvPr>
+            <p:ph type="sldNum" sz="quarter" idx="10"/>
           </p:nvPr>
         </p:nvSpPr>
         <p:spPr>
@@ -6570,66 +6672,31 @@
           <a:prstGeom prst="rect">
             <a:avLst/>
           </a:prstGeom>
-          <a:noFill/>
         </p:spPr>
         <p:txBody>
           <a:bodyPr lIns="93177" tIns="46589" rIns="93177" bIns="46589"/>
           <a:lstStyle/>
           <a:p>
-            <a:fld id="{264D9E70-C7EE-EC47-B3E9-B8FB59B59006}" type="slidenum">
-              <a:rPr lang="en-US"/>
-              <a:pPr/>
-              <a:t>53</a:t>
+            <a:pPr>
+              <a:defRPr/>
+            </a:pPr>
+            <a:fld id="{D1F60938-1488-DE48-B964-642B5D0865D8}" type="slidenum">
+              <a:rPr lang="en-US" smtClean="0"/>
+              <a:pPr>
+                <a:defRPr/>
+              </a:pPr>
+              <a:t>52</a:t>
             </a:fld>
             <a:endParaRPr lang="en-US"/>
-          </a:p>
-        </p:txBody>
-      </p:sp>
-      <p:sp>
-        <p:nvSpPr>
-          <p:cNvPr id="80899" name="Rectangle 2"/>
-          <p:cNvSpPr>
-            <a:spLocks noGrp="1" noRot="1" noChangeAspect="1" noChangeArrowheads="1" noTextEdit="1"/>
-          </p:cNvSpPr>
-          <p:nvPr>
-            <p:ph type="sldImg"/>
-          </p:nvPr>
-        </p:nvSpPr>
-        <p:spPr>
-          <a:xfrm>
-            <a:off x="406400" y="696913"/>
-            <a:ext cx="6197600" cy="3486150"/>
-          </a:xfrm>
-          <a:ln/>
-        </p:spPr>
-      </p:sp>
-      <p:sp>
-        <p:nvSpPr>
-          <p:cNvPr id="80900" name="Rectangle 3"/>
-          <p:cNvSpPr>
-            <a:spLocks noGrp="1" noChangeArrowheads="1"/>
-          </p:cNvSpPr>
-          <p:nvPr>
-            <p:ph type="body" idx="1"/>
-          </p:nvPr>
-        </p:nvSpPr>
-        <p:spPr>
-          <a:noFill/>
-          <a:ln/>
-        </p:spPr>
-        <p:txBody>
-          <a:bodyPr/>
-          <a:lstStyle/>
-          <a:p>
-            <a:pPr eaLnBrk="1" hangingPunct="1"/>
-            <a:endParaRPr lang="en-US" dirty="0">
-              <a:ea typeface="ＭＳ Ｐゴシック" charset="-128"/>
-              <a:cs typeface="ＭＳ Ｐゴシック" charset="-128"/>
-            </a:endParaRPr>
           </a:p>
         </p:txBody>
       </p:sp>
     </p:spTree>
+    <p:extLst>
+      <p:ext uri="{BB962C8B-B14F-4D97-AF65-F5344CB8AC3E}">
+        <p14:creationId xmlns:p14="http://schemas.microsoft.com/office/powerpoint/2010/main" val="249082682"/>
+      </p:ext>
+    </p:extLst>
   </p:cSld>
   <p:clrMapOvr>
     <a:masterClrMapping/>
@@ -6683,17 +6750,178 @@
         </p:nvSpPr>
         <p:spPr/>
         <p:txBody>
-          <a:bodyPr lIns="91435" tIns="45717" rIns="91435" bIns="45717"/>
+          <a:bodyPr/>
           <a:lstStyle/>
           <a:p>
+            <a:r>
+              <a:rPr lang="en-US" baseline="0" dirty="0"/>
+              <a:t>Gathering and presenting this data is what </a:t>
+            </a:r>
+            <a:r>
+              <a:rPr lang="en-US" baseline="0" dirty="0" err="1"/>
+              <a:t>pwalk</a:t>
+            </a:r>
+            <a:r>
+              <a:rPr lang="en-US" baseline="0" dirty="0"/>
+              <a:t> does. This example is from OSX, but the structure is very similar between various implementations.</a:t>
+            </a:r>
+          </a:p>
+          <a:p>
             <a:endParaRPr lang="en-US" baseline="0" dirty="0"/>
+          </a:p>
+          <a:p>
+            <a:r>
+              <a:rPr lang="en-US" baseline="0" dirty="0"/>
+              <a:t>OneFS normally foregoes the metadata-maintenance expense of keeping access times accurately. Their updating frequency is adjustable, but typically no more aggressive than once-per-day </a:t>
+            </a:r>
+          </a:p>
+          <a:p>
+            <a:endParaRPr lang="en-US" baseline="0" dirty="0"/>
+          </a:p>
+          <a:p>
+            <a:r>
+              <a:rPr lang="en-US" baseline="0" dirty="0"/>
+              <a:t>http://</a:t>
+            </a:r>
+            <a:r>
+              <a:rPr lang="en-US" baseline="0" dirty="0" err="1"/>
+              <a:t>pubs.opengroup.org</a:t>
+            </a:r>
+            <a:r>
+              <a:rPr lang="en-US" baseline="0" dirty="0"/>
+              <a:t>/</a:t>
+            </a:r>
+            <a:r>
+              <a:rPr lang="en-US" baseline="0" dirty="0" err="1"/>
+              <a:t>onlinepubs</a:t>
+            </a:r>
+            <a:r>
+              <a:rPr lang="en-US" baseline="0" dirty="0"/>
+              <a:t>/009695399/</a:t>
+            </a:r>
+            <a:r>
+              <a:rPr lang="en-US" baseline="0" dirty="0" err="1"/>
+              <a:t>basedefs</a:t>
+            </a:r>
+            <a:r>
+              <a:rPr lang="en-US" baseline="0" dirty="0"/>
+              <a:t>/sys/</a:t>
+            </a:r>
+            <a:r>
+              <a:rPr lang="en-US" baseline="0" dirty="0" err="1"/>
+              <a:t>stat.h.html</a:t>
+            </a:r>
+            <a:r>
+              <a:rPr lang="en-US" baseline="0" dirty="0"/>
+              <a:t> – “</a:t>
+            </a:r>
+            <a:r>
+              <a:rPr lang="en-US" dirty="0"/>
+              <a:t>The unit for the </a:t>
+            </a:r>
+            <a:r>
+              <a:rPr lang="en-US" i="1" dirty="0" err="1"/>
+              <a:t>st_blocks</a:t>
+            </a:r>
+            <a:r>
+              <a:rPr lang="en-US" dirty="0"/>
+              <a:t> member of the </a:t>
+            </a:r>
+            <a:r>
+              <a:rPr lang="en-US" b="1" dirty="0"/>
+              <a:t>stat</a:t>
+            </a:r>
+            <a:r>
+              <a:rPr lang="en-US" dirty="0"/>
+              <a:t> structure is not defined within IEEE </a:t>
+            </a:r>
+            <a:r>
+              <a:rPr lang="en-US" dirty="0" err="1"/>
+              <a:t>Std</a:t>
+            </a:r>
+            <a:r>
+              <a:rPr lang="en-US" dirty="0"/>
+              <a:t> 1003.1-2001. In some implementations it is 512 bytes. It may differ on a file system basis.”</a:t>
+            </a:r>
+            <a:endParaRPr lang="en-US" baseline="0" dirty="0"/>
+          </a:p>
+        </p:txBody>
+      </p:sp>
+      <p:sp>
+        <p:nvSpPr>
+          <p:cNvPr id="4" name="Footer Placeholder 3"/>
+          <p:cNvSpPr>
+            <a:spLocks noGrp="1"/>
+          </p:cNvSpPr>
+          <p:nvPr>
+            <p:ph type="ftr" sz="quarter" idx="10"/>
+          </p:nvPr>
+        </p:nvSpPr>
+        <p:spPr>
+          <a:xfrm>
+            <a:off x="0" y="8829967"/>
+            <a:ext cx="3037840" cy="464820"/>
+          </a:xfrm>
+          <a:prstGeom prst="rect">
+            <a:avLst/>
+          </a:prstGeom>
+        </p:spPr>
+        <p:txBody>
+          <a:bodyPr lIns="93177" tIns="46589" rIns="93177" bIns="46589"/>
+          <a:lstStyle/>
+          <a:p>
+            <a:pPr>
+              <a:defRPr/>
+            </a:pPr>
+            <a:r>
+              <a:rPr lang="en-US"/>
+              <a:t>Module #: Module Name</a:t>
+            </a:r>
+            <a:endParaRPr lang="en-US" dirty="0"/>
+          </a:p>
+        </p:txBody>
+      </p:sp>
+      <p:sp>
+        <p:nvSpPr>
+          <p:cNvPr id="5" name="Slide Number Placeholder 4"/>
+          <p:cNvSpPr>
+            <a:spLocks noGrp="1"/>
+          </p:cNvSpPr>
+          <p:nvPr>
+            <p:ph type="sldNum" sz="quarter" idx="11"/>
+          </p:nvPr>
+        </p:nvSpPr>
+        <p:spPr>
+          <a:xfrm>
+            <a:off x="3970938" y="8829967"/>
+            <a:ext cx="3037840" cy="464820"/>
+          </a:xfrm>
+          <a:prstGeom prst="rect">
+            <a:avLst/>
+          </a:prstGeom>
+        </p:spPr>
+        <p:txBody>
+          <a:bodyPr lIns="93177" tIns="46589" rIns="93177" bIns="46589"/>
+          <a:lstStyle/>
+          <a:p>
+            <a:pPr>
+              <a:defRPr/>
+            </a:pPr>
+            <a:fld id="{80249327-EC2F-4096-8D35-6B76097739FC}" type="slidenum">
+              <a:rPr lang="en-US" smtClean="0"/>
+              <a:pPr>
+                <a:defRPr/>
+              </a:pPr>
+              <a:t>53</a:t>
+            </a:fld>
+            <a:endParaRPr lang="en-US" dirty="0"/>
           </a:p>
         </p:txBody>
       </p:sp>
     </p:spTree>
     <p:extLst>
       <p:ext uri="{BB962C8B-B14F-4D97-AF65-F5344CB8AC3E}">
-        <p14:creationId xmlns:p14="http://schemas.microsoft.com/office/powerpoint/2010/main" val="2054967166"/>
+        <p14:creationId xmlns:p14="http://schemas.microsoft.com/office/powerpoint/2010/main" val="2703140797"/>
       </p:ext>
     </p:extLst>
   </p:cSld>
@@ -6831,6 +7059,174 @@
     <p:extLst>
       <p:ext uri="{BB962C8B-B14F-4D97-AF65-F5344CB8AC3E}">
         <p14:creationId xmlns:p14="http://schemas.microsoft.com/office/powerpoint/2010/main" val="691540342"/>
+      </p:ext>
+    </p:extLst>
+  </p:cSld>
+  <p:clrMapOvr>
+    <a:masterClrMapping/>
+  </p:clrMapOvr>
+</p:notes>
+</file>
+
+<file path=ppt/notesSlides/notesSlide50.xml><?xml version="1.0" encoding="utf-8"?>
+<p:notes xmlns:a="http://schemas.openxmlformats.org/drawingml/2006/main" xmlns:r="http://schemas.openxmlformats.org/officeDocument/2006/relationships" xmlns:p="http://schemas.openxmlformats.org/presentationml/2006/main">
+  <p:cSld>
+    <p:spTree>
+      <p:nvGrpSpPr>
+        <p:cNvPr id="1" name=""/>
+        <p:cNvGrpSpPr/>
+        <p:nvPr/>
+      </p:nvGrpSpPr>
+      <p:grpSpPr>
+        <a:xfrm>
+          <a:off x="0" y="0"/>
+          <a:ext cx="0" cy="0"/>
+          <a:chOff x="0" y="0"/>
+          <a:chExt cx="0" cy="0"/>
+        </a:xfrm>
+      </p:grpSpPr>
+      <p:sp>
+        <p:nvSpPr>
+          <p:cNvPr id="80898" name="Rectangle 7"/>
+          <p:cNvSpPr>
+            <a:spLocks noGrp="1" noChangeArrowheads="1"/>
+          </p:cNvSpPr>
+          <p:nvPr>
+            <p:ph type="sldNum" sz="quarter" idx="5"/>
+          </p:nvPr>
+        </p:nvSpPr>
+        <p:spPr>
+          <a:xfrm>
+            <a:off x="3970938" y="8829967"/>
+            <a:ext cx="3037840" cy="464820"/>
+          </a:xfrm>
+          <a:prstGeom prst="rect">
+            <a:avLst/>
+          </a:prstGeom>
+          <a:noFill/>
+        </p:spPr>
+        <p:txBody>
+          <a:bodyPr lIns="93177" tIns="46589" rIns="93177" bIns="46589"/>
+          <a:lstStyle/>
+          <a:p>
+            <a:fld id="{264D9E70-C7EE-EC47-B3E9-B8FB59B59006}" type="slidenum">
+              <a:rPr lang="en-US"/>
+              <a:pPr/>
+              <a:t>55</a:t>
+            </a:fld>
+            <a:endParaRPr lang="en-US"/>
+          </a:p>
+        </p:txBody>
+      </p:sp>
+      <p:sp>
+        <p:nvSpPr>
+          <p:cNvPr id="80899" name="Rectangle 2"/>
+          <p:cNvSpPr>
+            <a:spLocks noGrp="1" noRot="1" noChangeAspect="1" noChangeArrowheads="1" noTextEdit="1"/>
+          </p:cNvSpPr>
+          <p:nvPr>
+            <p:ph type="sldImg"/>
+          </p:nvPr>
+        </p:nvSpPr>
+        <p:spPr>
+          <a:xfrm>
+            <a:off x="406400" y="696913"/>
+            <a:ext cx="6197600" cy="3486150"/>
+          </a:xfrm>
+          <a:ln/>
+        </p:spPr>
+      </p:sp>
+      <p:sp>
+        <p:nvSpPr>
+          <p:cNvPr id="80900" name="Rectangle 3"/>
+          <p:cNvSpPr>
+            <a:spLocks noGrp="1" noChangeArrowheads="1"/>
+          </p:cNvSpPr>
+          <p:nvPr>
+            <p:ph type="body" idx="1"/>
+          </p:nvPr>
+        </p:nvSpPr>
+        <p:spPr>
+          <a:noFill/>
+          <a:ln/>
+        </p:spPr>
+        <p:txBody>
+          <a:bodyPr/>
+          <a:lstStyle/>
+          <a:p>
+            <a:pPr eaLnBrk="1" hangingPunct="1"/>
+            <a:endParaRPr lang="en-US" dirty="0">
+              <a:ea typeface="ＭＳ Ｐゴシック" charset="-128"/>
+              <a:cs typeface="ＭＳ Ｐゴシック" charset="-128"/>
+            </a:endParaRPr>
+          </a:p>
+        </p:txBody>
+      </p:sp>
+    </p:spTree>
+  </p:cSld>
+  <p:clrMapOvr>
+    <a:masterClrMapping/>
+  </p:clrMapOvr>
+</p:notes>
+</file>
+
+<file path=ppt/notesSlides/notesSlide51.xml><?xml version="1.0" encoding="utf-8"?>
+<p:notes xmlns:a="http://schemas.openxmlformats.org/drawingml/2006/main" xmlns:r="http://schemas.openxmlformats.org/officeDocument/2006/relationships" xmlns:p="http://schemas.openxmlformats.org/presentationml/2006/main">
+  <p:cSld>
+    <p:spTree>
+      <p:nvGrpSpPr>
+        <p:cNvPr id="1" name=""/>
+        <p:cNvGrpSpPr/>
+        <p:nvPr/>
+      </p:nvGrpSpPr>
+      <p:grpSpPr>
+        <a:xfrm>
+          <a:off x="0" y="0"/>
+          <a:ext cx="0" cy="0"/>
+          <a:chOff x="0" y="0"/>
+          <a:chExt cx="0" cy="0"/>
+        </a:xfrm>
+      </p:grpSpPr>
+      <p:sp>
+        <p:nvSpPr>
+          <p:cNvPr id="2" name="Slide Image Placeholder 1"/>
+          <p:cNvSpPr>
+            <a:spLocks noGrp="1" noRot="1" noChangeAspect="1"/>
+          </p:cNvSpPr>
+          <p:nvPr>
+            <p:ph type="sldImg"/>
+          </p:nvPr>
+        </p:nvSpPr>
+        <p:spPr>
+          <a:xfrm>
+            <a:off x="457200" y="384175"/>
+            <a:ext cx="6096000" cy="3430588"/>
+          </a:xfrm>
+        </p:spPr>
+      </p:sp>
+      <p:sp>
+        <p:nvSpPr>
+          <p:cNvPr id="3" name="Notes Placeholder 2"/>
+          <p:cNvSpPr>
+            <a:spLocks noGrp="1"/>
+          </p:cNvSpPr>
+          <p:nvPr>
+            <p:ph type="body" idx="1"/>
+          </p:nvPr>
+        </p:nvSpPr>
+        <p:spPr/>
+        <p:txBody>
+          <a:bodyPr lIns="91435" tIns="45717" rIns="91435" bIns="45717"/>
+          <a:lstStyle/>
+          <a:p>
+            <a:endParaRPr lang="en-US" baseline="0" dirty="0"/>
+          </a:p>
+        </p:txBody>
+      </p:sp>
+    </p:spTree>
+    <p:extLst>
+      <p:ext uri="{BB962C8B-B14F-4D97-AF65-F5344CB8AC3E}">
+        <p14:creationId xmlns:p14="http://schemas.microsoft.com/office/powerpoint/2010/main" val="2054967166"/>
       </p:ext>
     </p:extLst>
   </p:cSld>
@@ -11606,7 +12002,7 @@
                   <a:srgbClr val="FFFFFF"/>
                 </a:solidFill>
               </a:rPr>
-              <a:t>Version 2.06 – October, 2018</a:t>
+              <a:t>Version 2.06+ – November, 2018</a:t>
             </a:r>
             <a:endParaRPr lang="en-US" dirty="0"/>
           </a:p>
@@ -16151,707 +16547,7 @@
                   <a:schemeClr val="accent1"/>
                 </a:solidFill>
               </a:rPr>
-              <a:t>Multi-</a:t>
-            </a:r>
-            <a:r>
-              <a:rPr lang="en-US" sz="2800" dirty="0" err="1">
-                <a:solidFill>
-                  <a:schemeClr val="accent1"/>
-                </a:solidFill>
-              </a:rPr>
-              <a:t>pathing</a:t>
-            </a:r>
-            <a:r>
-              <a:rPr lang="en-US" sz="2800" dirty="0">
-                <a:solidFill>
-                  <a:schemeClr val="accent1"/>
-                </a:solidFill>
-              </a:rPr>
-              <a:t> Option</a:t>
-            </a:r>
-          </a:p>
-        </p:txBody>
-      </p:sp>
-      <p:sp>
-        <p:nvSpPr>
-          <p:cNvPr id="3" name="Content Placeholder 2"/>
-          <p:cNvSpPr>
-            <a:spLocks noGrp="1"/>
-          </p:cNvSpPr>
-          <p:nvPr>
-            <p:ph sz="quarter" idx="10"/>
-          </p:nvPr>
-        </p:nvSpPr>
-        <p:spPr>
-          <a:xfrm>
-            <a:off x="457200" y="1028699"/>
-            <a:ext cx="8229600" cy="2287127"/>
-          </a:xfrm>
-          <a:ln>
-            <a:solidFill>
-              <a:schemeClr val="tx1"/>
-            </a:solidFill>
-          </a:ln>
-        </p:spPr>
-        <p:txBody>
-          <a:bodyPr wrap="none" lIns="274320" anchor="ctr" anchorCtr="0">
-            <a:normAutofit fontScale="77500" lnSpcReduction="20000"/>
-          </a:bodyPr>
-          <a:lstStyle/>
-          <a:p>
-            <a:pPr marL="0" indent="0">
-              <a:spcBef>
-                <a:spcPts val="0"/>
-              </a:spcBef>
-              <a:buNone/>
-            </a:pPr>
-            <a:r>
-              <a:rPr lang="en-US" sz="1600" b="1" dirty="0">
-                <a:latin typeface="Consolas"/>
-                <a:cs typeface="Consolas"/>
-              </a:rPr>
-              <a:t># cat </a:t>
-            </a:r>
-            <a:r>
-              <a:rPr lang="en-US" sz="1600" b="1" dirty="0" err="1">
-                <a:latin typeface="Consolas"/>
-                <a:cs typeface="Consolas"/>
-              </a:rPr>
-              <a:t>pwalk</a:t>
-            </a:r>
-            <a:r>
-              <a:rPr lang="en-US" sz="1600" b="1" dirty="0">
-                <a:latin typeface="Consolas"/>
-                <a:cs typeface="Consolas"/>
-              </a:rPr>
-              <a:t>-paths</a:t>
-            </a:r>
-          </a:p>
-          <a:p>
-            <a:pPr marL="0" indent="0">
-              <a:spcBef>
-                <a:spcPts val="0"/>
-              </a:spcBef>
-              <a:buNone/>
-            </a:pPr>
-            <a:r>
-              <a:rPr lang="en-US" sz="1600" b="1" dirty="0">
-                <a:latin typeface="Consolas"/>
-                <a:cs typeface="Consolas"/>
-              </a:rPr>
-              <a:t>[source]</a:t>
-            </a:r>
-          </a:p>
-          <a:p>
-            <a:pPr marL="0" indent="0">
-              <a:spcBef>
-                <a:spcPts val="0"/>
-              </a:spcBef>
-              <a:buNone/>
-            </a:pPr>
-            <a:r>
-              <a:rPr lang="en-US" sz="1600" b="1" dirty="0">
-                <a:latin typeface="Consolas"/>
-                <a:cs typeface="Consolas"/>
-              </a:rPr>
-              <a:t>/</a:t>
-            </a:r>
-            <a:r>
-              <a:rPr lang="en-US" sz="1600" b="1" dirty="0" err="1">
-                <a:latin typeface="Consolas"/>
-                <a:cs typeface="Consolas"/>
-              </a:rPr>
-              <a:t>mnt</a:t>
-            </a:r>
-            <a:r>
-              <a:rPr lang="en-US" sz="1600" b="1" dirty="0">
-                <a:latin typeface="Consolas"/>
-                <a:cs typeface="Consolas"/>
-              </a:rPr>
-              <a:t>/1</a:t>
-            </a:r>
-          </a:p>
-          <a:p>
-            <a:pPr marL="0" indent="0">
-              <a:spcBef>
-                <a:spcPts val="0"/>
-              </a:spcBef>
-              <a:buNone/>
-            </a:pPr>
-            <a:r>
-              <a:rPr lang="en-US" sz="1600" b="1" dirty="0">
-                <a:latin typeface="Consolas"/>
-                <a:cs typeface="Consolas"/>
-              </a:rPr>
-              <a:t>/</a:t>
-            </a:r>
-            <a:r>
-              <a:rPr lang="en-US" sz="1600" b="1" dirty="0" err="1">
-                <a:latin typeface="Consolas"/>
-                <a:cs typeface="Consolas"/>
-              </a:rPr>
-              <a:t>mnt</a:t>
-            </a:r>
-            <a:r>
-              <a:rPr lang="en-US" sz="1600" b="1" dirty="0">
-                <a:latin typeface="Consolas"/>
-                <a:cs typeface="Consolas"/>
-              </a:rPr>
-              <a:t>/2</a:t>
-            </a:r>
-          </a:p>
-          <a:p>
-            <a:pPr marL="0" indent="0">
-              <a:spcBef>
-                <a:spcPts val="0"/>
-              </a:spcBef>
-              <a:buNone/>
-            </a:pPr>
-            <a:r>
-              <a:rPr lang="en-US" sz="1600" b="1" dirty="0">
-                <a:latin typeface="Consolas"/>
-                <a:cs typeface="Consolas"/>
-              </a:rPr>
-              <a:t>/</a:t>
-            </a:r>
-            <a:r>
-              <a:rPr lang="en-US" sz="1600" b="1" dirty="0" err="1">
-                <a:latin typeface="Consolas"/>
-                <a:cs typeface="Consolas"/>
-              </a:rPr>
-              <a:t>mnt</a:t>
-            </a:r>
-            <a:r>
-              <a:rPr lang="en-US" sz="1600" b="1" dirty="0">
-                <a:latin typeface="Consolas"/>
-                <a:cs typeface="Consolas"/>
-              </a:rPr>
-              <a:t>/3</a:t>
-            </a:r>
-          </a:p>
-          <a:p>
-            <a:pPr marL="0" indent="0">
-              <a:spcBef>
-                <a:spcPts val="0"/>
-              </a:spcBef>
-              <a:buNone/>
-            </a:pPr>
-            <a:r>
-              <a:rPr lang="en-US" sz="1600" b="1" dirty="0">
-                <a:latin typeface="Consolas"/>
-                <a:cs typeface="Consolas"/>
-              </a:rPr>
-              <a:t>[target]</a:t>
-            </a:r>
-          </a:p>
-          <a:p>
-            <a:pPr marL="0" indent="0">
-              <a:spcBef>
-                <a:spcPts val="0"/>
-              </a:spcBef>
-              <a:buNone/>
-            </a:pPr>
-            <a:r>
-              <a:rPr lang="en-US" sz="1600" b="1" dirty="0">
-                <a:latin typeface="Consolas"/>
-                <a:cs typeface="Consolas"/>
-              </a:rPr>
-              <a:t>/</a:t>
-            </a:r>
-            <a:r>
-              <a:rPr lang="en-US" sz="1600" b="1" dirty="0" err="1">
-                <a:latin typeface="Consolas"/>
-                <a:cs typeface="Consolas"/>
-              </a:rPr>
-              <a:t>mnt</a:t>
-            </a:r>
-            <a:r>
-              <a:rPr lang="en-US" sz="1600" b="1" dirty="0">
-                <a:latin typeface="Consolas"/>
-                <a:cs typeface="Consolas"/>
-              </a:rPr>
-              <a:t>/target1</a:t>
-            </a:r>
-          </a:p>
-          <a:p>
-            <a:pPr marL="0" indent="0">
-              <a:spcBef>
-                <a:spcPts val="0"/>
-              </a:spcBef>
-              <a:buNone/>
-            </a:pPr>
-            <a:r>
-              <a:rPr lang="en-US" sz="1600" b="1" dirty="0">
-                <a:latin typeface="Consolas"/>
-                <a:cs typeface="Consolas"/>
-              </a:rPr>
-              <a:t>/</a:t>
-            </a:r>
-            <a:r>
-              <a:rPr lang="en-US" sz="1600" b="1" dirty="0" err="1">
-                <a:latin typeface="Consolas"/>
-                <a:cs typeface="Consolas"/>
-              </a:rPr>
-              <a:t>mnt</a:t>
-            </a:r>
-            <a:r>
-              <a:rPr lang="en-US" sz="1600" b="1" dirty="0">
-                <a:latin typeface="Consolas"/>
-                <a:cs typeface="Consolas"/>
-              </a:rPr>
-              <a:t>/target2</a:t>
-            </a:r>
-          </a:p>
-          <a:p>
-            <a:pPr marL="0" indent="0">
-              <a:spcBef>
-                <a:spcPts val="0"/>
-              </a:spcBef>
-              <a:buNone/>
-            </a:pPr>
-            <a:endParaRPr lang="en-US" sz="1600" b="1" dirty="0">
-              <a:latin typeface="Consolas"/>
-              <a:cs typeface="Consolas"/>
-            </a:endParaRPr>
-          </a:p>
-          <a:p>
-            <a:pPr marL="0" indent="0">
-              <a:spcBef>
-                <a:spcPts val="0"/>
-              </a:spcBef>
-              <a:buNone/>
-            </a:pPr>
-            <a:r>
-              <a:rPr lang="en-US" sz="1600" b="1" dirty="0">
-                <a:latin typeface="Consolas"/>
-                <a:cs typeface="Consolas"/>
-              </a:rPr>
-              <a:t># </a:t>
-            </a:r>
-            <a:r>
-              <a:rPr lang="en-US" sz="1600" b="1" dirty="0" err="1">
-                <a:latin typeface="Consolas"/>
-                <a:cs typeface="Consolas"/>
-              </a:rPr>
-              <a:t>pwalk</a:t>
-            </a:r>
-            <a:r>
-              <a:rPr lang="en-US" sz="1600" b="1" dirty="0">
-                <a:latin typeface="Consolas"/>
-                <a:cs typeface="Consolas"/>
-              </a:rPr>
-              <a:t> –</a:t>
-            </a:r>
-            <a:r>
-              <a:rPr lang="en-US" sz="1600" b="1" dirty="0" err="1">
-                <a:latin typeface="Consolas"/>
-                <a:cs typeface="Consolas"/>
-              </a:rPr>
-              <a:t>dop</a:t>
-            </a:r>
-            <a:r>
-              <a:rPr lang="en-US" sz="1600" b="1" dirty="0">
-                <a:latin typeface="Consolas"/>
-                <a:cs typeface="Consolas"/>
-              </a:rPr>
-              <a:t>=5 &lt;mode(s)&gt; –</a:t>
-            </a:r>
-            <a:r>
-              <a:rPr lang="en-US" sz="1600" b="1" dirty="0" err="1">
-                <a:latin typeface="Consolas"/>
-                <a:cs typeface="Consolas"/>
-              </a:rPr>
-              <a:t>pfile</a:t>
-            </a:r>
-            <a:r>
-              <a:rPr lang="en-US" sz="1600" b="1" dirty="0">
-                <a:latin typeface="Consolas"/>
-                <a:cs typeface="Consolas"/>
-              </a:rPr>
-              <a:t>=</a:t>
-            </a:r>
-            <a:r>
-              <a:rPr lang="en-US" sz="1600" b="1" dirty="0" err="1">
-                <a:latin typeface="Consolas"/>
-                <a:cs typeface="Consolas"/>
-              </a:rPr>
-              <a:t>pwalk</a:t>
-            </a:r>
-            <a:r>
-              <a:rPr lang="en-US" sz="1600" b="1" dirty="0">
-                <a:latin typeface="Consolas"/>
-                <a:cs typeface="Consolas"/>
-              </a:rPr>
-              <a:t>-paths &lt;</a:t>
-            </a:r>
-            <a:r>
-              <a:rPr lang="en-US" sz="1600" b="1" dirty="0" err="1">
-                <a:latin typeface="Consolas"/>
-                <a:cs typeface="Consolas"/>
-              </a:rPr>
-              <a:t>relative_directory_path</a:t>
-            </a:r>
-            <a:r>
-              <a:rPr lang="en-US" sz="1600" b="1" dirty="0">
-                <a:latin typeface="Consolas"/>
-                <a:cs typeface="Consolas"/>
-              </a:rPr>
-              <a:t>&gt; [&lt;…&gt;]</a:t>
-            </a:r>
-          </a:p>
-          <a:p>
-            <a:pPr marL="0" indent="0">
-              <a:spcBef>
-                <a:spcPts val="0"/>
-              </a:spcBef>
-              <a:buNone/>
-            </a:pPr>
-            <a:r>
-              <a:rPr lang="en-US" sz="1600" b="1" dirty="0">
-                <a:latin typeface="Consolas"/>
-                <a:cs typeface="Consolas"/>
-              </a:rPr>
-              <a:t>     Worker 1 -&gt; /</a:t>
-            </a:r>
-            <a:r>
-              <a:rPr lang="en-US" sz="1600" b="1" dirty="0" err="1">
-                <a:latin typeface="Consolas"/>
-                <a:cs typeface="Consolas"/>
-              </a:rPr>
-              <a:t>mnt</a:t>
-            </a:r>
-            <a:r>
-              <a:rPr lang="en-US" sz="1600" b="1" dirty="0">
-                <a:latin typeface="Consolas"/>
-                <a:cs typeface="Consolas"/>
-              </a:rPr>
-              <a:t>/1/&lt;</a:t>
-            </a:r>
-            <a:r>
-              <a:rPr lang="en-US" sz="1600" b="1" dirty="0" err="1">
-                <a:latin typeface="Consolas"/>
-                <a:cs typeface="Consolas"/>
-              </a:rPr>
-              <a:t>relative_directory_path</a:t>
-            </a:r>
-            <a:r>
-              <a:rPr lang="en-US" sz="1600" b="1" dirty="0">
-                <a:latin typeface="Consolas"/>
-                <a:cs typeface="Consolas"/>
-              </a:rPr>
-              <a:t>&gt;  /</a:t>
-            </a:r>
-            <a:r>
-              <a:rPr lang="en-US" sz="1600" b="1" dirty="0" err="1">
-                <a:latin typeface="Consolas"/>
-                <a:cs typeface="Consolas"/>
-              </a:rPr>
-              <a:t>mnt</a:t>
-            </a:r>
-            <a:r>
-              <a:rPr lang="en-US" sz="1600" b="1" dirty="0">
-                <a:latin typeface="Consolas"/>
-                <a:cs typeface="Consolas"/>
-              </a:rPr>
-              <a:t>/target1/&lt;</a:t>
-            </a:r>
-            <a:r>
-              <a:rPr lang="en-US" sz="1600" b="1" dirty="0" err="1">
-                <a:latin typeface="Consolas"/>
-                <a:cs typeface="Consolas"/>
-              </a:rPr>
-              <a:t>relative_directory_path</a:t>
-            </a:r>
-            <a:r>
-              <a:rPr lang="en-US" sz="1600" b="1" dirty="0">
-                <a:latin typeface="Consolas"/>
-                <a:cs typeface="Consolas"/>
-              </a:rPr>
-              <a:t>&gt;</a:t>
-            </a:r>
-          </a:p>
-          <a:p>
-            <a:pPr marL="0" indent="0">
-              <a:spcBef>
-                <a:spcPts val="0"/>
-              </a:spcBef>
-              <a:buNone/>
-            </a:pPr>
-            <a:r>
-              <a:rPr lang="en-US" sz="1600" b="1" dirty="0">
-                <a:latin typeface="Consolas"/>
-                <a:cs typeface="Consolas"/>
-              </a:rPr>
-              <a:t>     Worker 2 -&gt; /</a:t>
-            </a:r>
-            <a:r>
-              <a:rPr lang="en-US" sz="1600" b="1" dirty="0" err="1">
-                <a:latin typeface="Consolas"/>
-                <a:cs typeface="Consolas"/>
-              </a:rPr>
-              <a:t>mnt</a:t>
-            </a:r>
-            <a:r>
-              <a:rPr lang="en-US" sz="1600" b="1" dirty="0">
-                <a:latin typeface="Consolas"/>
-                <a:cs typeface="Consolas"/>
-              </a:rPr>
-              <a:t>/2/&lt;</a:t>
-            </a:r>
-            <a:r>
-              <a:rPr lang="en-US" sz="1600" b="1" dirty="0" err="1">
-                <a:latin typeface="Consolas"/>
-                <a:cs typeface="Consolas"/>
-              </a:rPr>
-              <a:t>relative_directory_path</a:t>
-            </a:r>
-            <a:r>
-              <a:rPr lang="en-US" sz="1600" b="1" dirty="0">
-                <a:latin typeface="Consolas"/>
-                <a:cs typeface="Consolas"/>
-              </a:rPr>
-              <a:t>&gt;  /</a:t>
-            </a:r>
-            <a:r>
-              <a:rPr lang="en-US" sz="1600" b="1" dirty="0" err="1">
-                <a:latin typeface="Consolas"/>
-                <a:cs typeface="Consolas"/>
-              </a:rPr>
-              <a:t>mnt</a:t>
-            </a:r>
-            <a:r>
-              <a:rPr lang="en-US" sz="1600" b="1" dirty="0">
-                <a:latin typeface="Consolas"/>
-                <a:cs typeface="Consolas"/>
-              </a:rPr>
-              <a:t>/target2/&lt;</a:t>
-            </a:r>
-            <a:r>
-              <a:rPr lang="en-US" sz="1600" b="1" dirty="0" err="1">
-                <a:latin typeface="Consolas"/>
-                <a:cs typeface="Consolas"/>
-              </a:rPr>
-              <a:t>relative_directory_path</a:t>
-            </a:r>
-            <a:r>
-              <a:rPr lang="en-US" sz="1600" b="1" dirty="0">
-                <a:latin typeface="Consolas"/>
-                <a:cs typeface="Consolas"/>
-              </a:rPr>
-              <a:t>&gt;</a:t>
-            </a:r>
-          </a:p>
-          <a:p>
-            <a:pPr marL="0" indent="0">
-              <a:spcBef>
-                <a:spcPts val="0"/>
-              </a:spcBef>
-              <a:buNone/>
-            </a:pPr>
-            <a:r>
-              <a:rPr lang="en-US" sz="1600" b="1" dirty="0">
-                <a:latin typeface="Consolas"/>
-                <a:cs typeface="Consolas"/>
-              </a:rPr>
-              <a:t>     Worker 3 -&gt; /</a:t>
-            </a:r>
-            <a:r>
-              <a:rPr lang="en-US" sz="1600" b="1" dirty="0" err="1">
-                <a:latin typeface="Consolas"/>
-                <a:cs typeface="Consolas"/>
-              </a:rPr>
-              <a:t>mnt</a:t>
-            </a:r>
-            <a:r>
-              <a:rPr lang="en-US" sz="1600" b="1" dirty="0">
-                <a:latin typeface="Consolas"/>
-                <a:cs typeface="Consolas"/>
-              </a:rPr>
-              <a:t>/3/&lt;</a:t>
-            </a:r>
-            <a:r>
-              <a:rPr lang="en-US" sz="1600" b="1" dirty="0" err="1">
-                <a:latin typeface="Consolas"/>
-                <a:cs typeface="Consolas"/>
-              </a:rPr>
-              <a:t>relative_directory_path</a:t>
-            </a:r>
-            <a:r>
-              <a:rPr lang="en-US" sz="1600" b="1" dirty="0">
-                <a:latin typeface="Consolas"/>
-                <a:cs typeface="Consolas"/>
-              </a:rPr>
-              <a:t>&gt;  /</a:t>
-            </a:r>
-            <a:r>
-              <a:rPr lang="en-US" sz="1600" b="1" dirty="0" err="1">
-                <a:latin typeface="Consolas"/>
-                <a:cs typeface="Consolas"/>
-              </a:rPr>
-              <a:t>mnt</a:t>
-            </a:r>
-            <a:r>
-              <a:rPr lang="en-US" sz="1600" b="1" dirty="0">
-                <a:latin typeface="Consolas"/>
-                <a:cs typeface="Consolas"/>
-              </a:rPr>
-              <a:t>/target1/&lt;</a:t>
-            </a:r>
-            <a:r>
-              <a:rPr lang="en-US" sz="1600" b="1" dirty="0" err="1">
-                <a:latin typeface="Consolas"/>
-                <a:cs typeface="Consolas"/>
-              </a:rPr>
-              <a:t>relative_directory_path</a:t>
-            </a:r>
-            <a:r>
-              <a:rPr lang="en-US" sz="1600" b="1" dirty="0">
-                <a:latin typeface="Consolas"/>
-                <a:cs typeface="Consolas"/>
-              </a:rPr>
-              <a:t>&gt;</a:t>
-            </a:r>
-          </a:p>
-          <a:p>
-            <a:pPr marL="0" indent="0">
-              <a:spcBef>
-                <a:spcPts val="0"/>
-              </a:spcBef>
-              <a:buNone/>
-            </a:pPr>
-            <a:r>
-              <a:rPr lang="en-US" sz="1600" b="1" dirty="0">
-                <a:latin typeface="Consolas"/>
-                <a:cs typeface="Consolas"/>
-              </a:rPr>
-              <a:t>     Worker 4 -&gt; /</a:t>
-            </a:r>
-            <a:r>
-              <a:rPr lang="en-US" sz="1600" b="1" dirty="0" err="1">
-                <a:latin typeface="Consolas"/>
-                <a:cs typeface="Consolas"/>
-              </a:rPr>
-              <a:t>mnt</a:t>
-            </a:r>
-            <a:r>
-              <a:rPr lang="en-US" sz="1600" b="1" dirty="0">
-                <a:latin typeface="Consolas"/>
-                <a:cs typeface="Consolas"/>
-              </a:rPr>
-              <a:t>/1/&lt;</a:t>
-            </a:r>
-            <a:r>
-              <a:rPr lang="en-US" sz="1600" b="1" dirty="0" err="1">
-                <a:latin typeface="Consolas"/>
-                <a:cs typeface="Consolas"/>
-              </a:rPr>
-              <a:t>relative_directory_path</a:t>
-            </a:r>
-            <a:r>
-              <a:rPr lang="en-US" sz="1600" b="1" dirty="0">
-                <a:latin typeface="Consolas"/>
-                <a:cs typeface="Consolas"/>
-              </a:rPr>
-              <a:t>&gt;  /</a:t>
-            </a:r>
-            <a:r>
-              <a:rPr lang="en-US" sz="1600" b="1" dirty="0" err="1">
-                <a:latin typeface="Consolas"/>
-                <a:cs typeface="Consolas"/>
-              </a:rPr>
-              <a:t>mnt</a:t>
-            </a:r>
-            <a:r>
-              <a:rPr lang="en-US" sz="1600" b="1" dirty="0">
-                <a:latin typeface="Consolas"/>
-                <a:cs typeface="Consolas"/>
-              </a:rPr>
-              <a:t>/target2/&lt;</a:t>
-            </a:r>
-            <a:r>
-              <a:rPr lang="en-US" sz="1600" b="1" dirty="0" err="1">
-                <a:latin typeface="Consolas"/>
-                <a:cs typeface="Consolas"/>
-              </a:rPr>
-              <a:t>relative_directory_path</a:t>
-            </a:r>
-            <a:r>
-              <a:rPr lang="en-US" sz="1600" b="1" dirty="0">
-                <a:latin typeface="Consolas"/>
-                <a:cs typeface="Consolas"/>
-              </a:rPr>
-              <a:t>&gt;</a:t>
-            </a:r>
-          </a:p>
-          <a:p>
-            <a:pPr marL="0" indent="0">
-              <a:spcBef>
-                <a:spcPts val="0"/>
-              </a:spcBef>
-              <a:buNone/>
-            </a:pPr>
-            <a:r>
-              <a:rPr lang="en-US" sz="1600" b="1" dirty="0">
-                <a:latin typeface="Consolas"/>
-                <a:cs typeface="Consolas"/>
-              </a:rPr>
-              <a:t>     Worker 5 -&gt; /</a:t>
-            </a:r>
-            <a:r>
-              <a:rPr lang="en-US" sz="1600" b="1" dirty="0" err="1">
-                <a:latin typeface="Consolas"/>
-                <a:cs typeface="Consolas"/>
-              </a:rPr>
-              <a:t>mnt</a:t>
-            </a:r>
-            <a:r>
-              <a:rPr lang="en-US" sz="1600" b="1" dirty="0">
-                <a:latin typeface="Consolas"/>
-                <a:cs typeface="Consolas"/>
-              </a:rPr>
-              <a:t>/2/&lt;</a:t>
-            </a:r>
-            <a:r>
-              <a:rPr lang="en-US" sz="1600" b="1" dirty="0" err="1">
-                <a:latin typeface="Consolas"/>
-                <a:cs typeface="Consolas"/>
-              </a:rPr>
-              <a:t>relative_directory_path</a:t>
-            </a:r>
-            <a:r>
-              <a:rPr lang="en-US" sz="1600" b="1" dirty="0">
-                <a:latin typeface="Consolas"/>
-                <a:cs typeface="Consolas"/>
-              </a:rPr>
-              <a:t>&gt;  /</a:t>
-            </a:r>
-            <a:r>
-              <a:rPr lang="en-US" sz="1600" b="1" dirty="0" err="1">
-                <a:latin typeface="Consolas"/>
-                <a:cs typeface="Consolas"/>
-              </a:rPr>
-              <a:t>mnt</a:t>
-            </a:r>
-            <a:r>
-              <a:rPr lang="en-US" sz="1600" b="1" dirty="0">
-                <a:latin typeface="Consolas"/>
-                <a:cs typeface="Consolas"/>
-              </a:rPr>
-              <a:t>/target1/&lt;</a:t>
-            </a:r>
-            <a:r>
-              <a:rPr lang="en-US" sz="1600" b="1" dirty="0" err="1">
-                <a:latin typeface="Consolas"/>
-                <a:cs typeface="Consolas"/>
-              </a:rPr>
-              <a:t>relative_directory_path</a:t>
-            </a:r>
-            <a:r>
-              <a:rPr lang="en-US" sz="1600" b="1" dirty="0">
-                <a:latin typeface="Consolas"/>
-                <a:cs typeface="Consolas"/>
-              </a:rPr>
-              <a:t>&gt;</a:t>
+              <a:t>Multipathing with Multiple Equivalent Paths</a:t>
             </a:r>
           </a:p>
         </p:txBody>
@@ -16890,26 +16586,693 @@
           </a:ln>
         </p:spPr>
       </p:pic>
+      <p:grpSp>
+        <p:nvGrpSpPr>
+          <p:cNvPr id="21" name="Group 20">
+            <a:extLst>
+              <a:ext uri="{FF2B5EF4-FFF2-40B4-BE49-F238E27FC236}">
+                <a16:creationId xmlns:a16="http://schemas.microsoft.com/office/drawing/2014/main" id="{56CFB5EB-6756-ED4F-B222-4532952E50B3}"/>
+              </a:ext>
+            </a:extLst>
+          </p:cNvPr>
+          <p:cNvGrpSpPr/>
+          <p:nvPr/>
+        </p:nvGrpSpPr>
+        <p:grpSpPr>
+          <a:xfrm>
+            <a:off x="366713" y="1496284"/>
+            <a:ext cx="2653578" cy="3170958"/>
+            <a:chOff x="366713" y="1320800"/>
+            <a:chExt cx="2216728" cy="3170958"/>
+          </a:xfrm>
+        </p:grpSpPr>
+        <p:sp>
+          <p:nvSpPr>
+            <p:cNvPr id="8" name="Rectangle 7">
+              <a:extLst>
+                <a:ext uri="{FF2B5EF4-FFF2-40B4-BE49-F238E27FC236}">
+                  <a16:creationId xmlns:a16="http://schemas.microsoft.com/office/drawing/2014/main" id="{1357C3CD-C41B-9C4A-88CA-D6320D9471D9}"/>
+                </a:ext>
+              </a:extLst>
+            </p:cNvPr>
+            <p:cNvSpPr/>
+            <p:nvPr/>
+          </p:nvSpPr>
+          <p:spPr>
+            <a:xfrm>
+              <a:off x="366713" y="1320800"/>
+              <a:ext cx="2216728" cy="1056986"/>
+            </a:xfrm>
+            <a:prstGeom prst="rect">
+              <a:avLst/>
+            </a:prstGeom>
+            <a:solidFill>
+              <a:schemeClr val="bg1">
+                <a:lumMod val="20000"/>
+                <a:lumOff val="80000"/>
+              </a:schemeClr>
+            </a:solidFill>
+            <a:ln w="19050" cmpd="sng">
+              <a:solidFill>
+                <a:schemeClr val="tx1"/>
+              </a:solidFill>
+            </a:ln>
+            <a:effectLst/>
+          </p:spPr>
+          <p:txBody>
+            <a:bodyPr wrap="square" lIns="182880" tIns="137160" rIns="137160" bIns="137160" rtlCol="0" anchor="t" anchorCtr="0">
+              <a:noAutofit/>
+            </a:bodyPr>
+            <a:lstStyle/>
+            <a:p>
+              <a:pPr>
+                <a:lnSpc>
+                  <a:spcPct val="90000"/>
+                </a:lnSpc>
+                <a:spcBef>
+                  <a:spcPts val="600"/>
+                </a:spcBef>
+                <a:spcAft>
+                  <a:spcPts val="0"/>
+                </a:spcAft>
+              </a:pPr>
+              <a:r>
+                <a:rPr lang="en-US" sz="1200" dirty="0">
+                  <a:solidFill>
+                    <a:schemeClr val="bg2"/>
+                  </a:solidFill>
+                  <a:latin typeface="+mn-lt"/>
+                </a:rPr>
+                <a:t>Node 0</a:t>
+              </a:r>
+            </a:p>
+          </p:txBody>
+        </p:sp>
+        <p:sp>
+          <p:nvSpPr>
+            <p:cNvPr id="9" name="Rectangle 8">
+              <a:extLst>
+                <a:ext uri="{FF2B5EF4-FFF2-40B4-BE49-F238E27FC236}">
+                  <a16:creationId xmlns:a16="http://schemas.microsoft.com/office/drawing/2014/main" id="{A04C0F77-AC92-7740-9D82-5E5A3228763C}"/>
+                </a:ext>
+              </a:extLst>
+            </p:cNvPr>
+            <p:cNvSpPr/>
+            <p:nvPr/>
+          </p:nvSpPr>
+          <p:spPr>
+            <a:xfrm>
+              <a:off x="366713" y="2377786"/>
+              <a:ext cx="2216728" cy="1056986"/>
+            </a:xfrm>
+            <a:prstGeom prst="rect">
+              <a:avLst/>
+            </a:prstGeom>
+            <a:solidFill>
+              <a:schemeClr val="bg1">
+                <a:lumMod val="20000"/>
+                <a:lumOff val="80000"/>
+              </a:schemeClr>
+            </a:solidFill>
+            <a:ln w="19050" cmpd="sng">
+              <a:solidFill>
+                <a:schemeClr val="tx1"/>
+              </a:solidFill>
+            </a:ln>
+            <a:effectLst/>
+          </p:spPr>
+          <p:txBody>
+            <a:bodyPr wrap="square" lIns="182880" tIns="137160" rIns="137160" bIns="137160" rtlCol="0" anchor="t" anchorCtr="0">
+              <a:noAutofit/>
+            </a:bodyPr>
+            <a:lstStyle/>
+            <a:p>
+              <a:pPr>
+                <a:lnSpc>
+                  <a:spcPct val="90000"/>
+                </a:lnSpc>
+                <a:spcBef>
+                  <a:spcPts val="600"/>
+                </a:spcBef>
+                <a:spcAft>
+                  <a:spcPts val="0"/>
+                </a:spcAft>
+              </a:pPr>
+              <a:r>
+                <a:rPr lang="en-US" sz="1200" dirty="0">
+                  <a:solidFill>
+                    <a:schemeClr val="bg2"/>
+                  </a:solidFill>
+                  <a:latin typeface="+mn-lt"/>
+                </a:rPr>
+                <a:t>Node 1</a:t>
+              </a:r>
+            </a:p>
+          </p:txBody>
+        </p:sp>
+        <p:sp>
+          <p:nvSpPr>
+            <p:cNvPr id="10" name="Rectangle 9">
+              <a:extLst>
+                <a:ext uri="{FF2B5EF4-FFF2-40B4-BE49-F238E27FC236}">
+                  <a16:creationId xmlns:a16="http://schemas.microsoft.com/office/drawing/2014/main" id="{51B77CD0-5260-F24E-A66A-322E705E2A99}"/>
+                </a:ext>
+              </a:extLst>
+            </p:cNvPr>
+            <p:cNvSpPr/>
+            <p:nvPr/>
+          </p:nvSpPr>
+          <p:spPr>
+            <a:xfrm>
+              <a:off x="366713" y="3434772"/>
+              <a:ext cx="2216728" cy="1056986"/>
+            </a:xfrm>
+            <a:prstGeom prst="rect">
+              <a:avLst/>
+            </a:prstGeom>
+            <a:solidFill>
+              <a:schemeClr val="bg1">
+                <a:lumMod val="20000"/>
+                <a:lumOff val="80000"/>
+              </a:schemeClr>
+            </a:solidFill>
+            <a:ln w="19050" cmpd="sng">
+              <a:solidFill>
+                <a:schemeClr val="tx1"/>
+              </a:solidFill>
+            </a:ln>
+            <a:effectLst/>
+          </p:spPr>
+          <p:txBody>
+            <a:bodyPr wrap="square" lIns="182880" tIns="137160" rIns="137160" bIns="137160" rtlCol="0" anchor="t" anchorCtr="0">
+              <a:noAutofit/>
+            </a:bodyPr>
+            <a:lstStyle/>
+            <a:p>
+              <a:pPr>
+                <a:lnSpc>
+                  <a:spcPct val="90000"/>
+                </a:lnSpc>
+                <a:spcBef>
+                  <a:spcPts val="600"/>
+                </a:spcBef>
+                <a:spcAft>
+                  <a:spcPts val="0"/>
+                </a:spcAft>
+              </a:pPr>
+              <a:r>
+                <a:rPr lang="en-US" sz="1200" dirty="0">
+                  <a:solidFill>
+                    <a:schemeClr val="bg2"/>
+                  </a:solidFill>
+                  <a:latin typeface="+mn-lt"/>
+                </a:rPr>
+                <a:t>Node 2</a:t>
+              </a:r>
+            </a:p>
+          </p:txBody>
+        </p:sp>
+        <p:grpSp>
+          <p:nvGrpSpPr>
+            <p:cNvPr id="13" name="Group 12">
+              <a:extLst>
+                <a:ext uri="{FF2B5EF4-FFF2-40B4-BE49-F238E27FC236}">
+                  <a16:creationId xmlns:a16="http://schemas.microsoft.com/office/drawing/2014/main" id="{FB3EBD0F-5F6B-9640-8F6F-F84A6B89ECB9}"/>
+                </a:ext>
+              </a:extLst>
+            </p:cNvPr>
+            <p:cNvGrpSpPr/>
+            <p:nvPr/>
+          </p:nvGrpSpPr>
+          <p:grpSpPr>
+            <a:xfrm>
+              <a:off x="1576677" y="1541535"/>
+              <a:ext cx="1006764" cy="584776"/>
+              <a:chOff x="1576677" y="1541535"/>
+              <a:chExt cx="1006764" cy="584776"/>
+            </a:xfrm>
+          </p:grpSpPr>
+          <p:sp>
+            <p:nvSpPr>
+              <p:cNvPr id="11" name="TextBox 10">
+                <a:extLst>
+                  <a:ext uri="{FF2B5EF4-FFF2-40B4-BE49-F238E27FC236}">
+                    <a16:creationId xmlns:a16="http://schemas.microsoft.com/office/drawing/2014/main" id="{811051E1-3AB7-A84A-8D6D-A5C9939B5240}"/>
+                  </a:ext>
+                </a:extLst>
+              </p:cNvPr>
+              <p:cNvSpPr txBox="1"/>
+              <p:nvPr/>
+            </p:nvSpPr>
+            <p:spPr>
+              <a:xfrm>
+                <a:off x="1576677" y="1541535"/>
+                <a:ext cx="1006764" cy="276999"/>
+              </a:xfrm>
+              <a:prstGeom prst="rect">
+                <a:avLst/>
+              </a:prstGeom>
+              <a:noFill/>
+              <a:ln w="12700">
+                <a:solidFill>
+                  <a:schemeClr val="tx1"/>
+                </a:solidFill>
+              </a:ln>
+            </p:spPr>
+            <p:txBody>
+              <a:bodyPr wrap="square" lIns="0" rIns="0" rtlCol="0" anchor="ctr" anchorCtr="1">
+                <a:spAutoFit/>
+              </a:bodyPr>
+              <a:lstStyle/>
+              <a:p>
+                <a:pPr>
+                  <a:spcBef>
+                    <a:spcPts val="0"/>
+                  </a:spcBef>
+                  <a:spcAft>
+                    <a:spcPts val="0"/>
+                  </a:spcAft>
+                  <a:buClr>
+                    <a:schemeClr val="bg1"/>
+                  </a:buClr>
+                </a:pPr>
+                <a:r>
+                  <a:rPr lang="en-US" sz="1200" dirty="0">
+                    <a:solidFill>
+                      <a:schemeClr val="bg2"/>
+                    </a:solidFill>
+                    <a:latin typeface="+mn-lt"/>
+                  </a:rPr>
+                  <a:t>10.1.1.1</a:t>
+                </a:r>
+              </a:p>
+            </p:txBody>
+          </p:sp>
+          <p:sp>
+            <p:nvSpPr>
+              <p:cNvPr id="12" name="TextBox 11">
+                <a:extLst>
+                  <a:ext uri="{FF2B5EF4-FFF2-40B4-BE49-F238E27FC236}">
+                    <a16:creationId xmlns:a16="http://schemas.microsoft.com/office/drawing/2014/main" id="{3DC1A4A7-9157-8C46-9692-926D5F2AE713}"/>
+                  </a:ext>
+                </a:extLst>
+              </p:cNvPr>
+              <p:cNvSpPr txBox="1"/>
+              <p:nvPr/>
+            </p:nvSpPr>
+            <p:spPr>
+              <a:xfrm>
+                <a:off x="1576677" y="1849312"/>
+                <a:ext cx="1006764" cy="276999"/>
+              </a:xfrm>
+              <a:prstGeom prst="rect">
+                <a:avLst/>
+              </a:prstGeom>
+              <a:noFill/>
+              <a:ln w="12700">
+                <a:solidFill>
+                  <a:schemeClr val="tx1"/>
+                </a:solidFill>
+              </a:ln>
+            </p:spPr>
+            <p:txBody>
+              <a:bodyPr wrap="square" lIns="0" rIns="0" rtlCol="0" anchor="ctr" anchorCtr="1">
+                <a:spAutoFit/>
+              </a:bodyPr>
+              <a:lstStyle/>
+              <a:p>
+                <a:pPr>
+                  <a:spcBef>
+                    <a:spcPts val="0"/>
+                  </a:spcBef>
+                  <a:spcAft>
+                    <a:spcPts val="0"/>
+                  </a:spcAft>
+                  <a:buClr>
+                    <a:schemeClr val="bg1"/>
+                  </a:buClr>
+                </a:pPr>
+                <a:r>
+                  <a:rPr lang="en-US" sz="1200" dirty="0">
+                    <a:solidFill>
+                      <a:schemeClr val="bg2"/>
+                    </a:solidFill>
+                    <a:latin typeface="+mn-lt"/>
+                  </a:rPr>
+                  <a:t>10.1.1.2</a:t>
+                </a:r>
+              </a:p>
+            </p:txBody>
+          </p:sp>
+        </p:grpSp>
+        <p:grpSp>
+          <p:nvGrpSpPr>
+            <p:cNvPr id="14" name="Group 13">
+              <a:extLst>
+                <a:ext uri="{FF2B5EF4-FFF2-40B4-BE49-F238E27FC236}">
+                  <a16:creationId xmlns:a16="http://schemas.microsoft.com/office/drawing/2014/main" id="{D76024A4-1A25-854E-864B-001F9B1BA4D6}"/>
+                </a:ext>
+              </a:extLst>
+            </p:cNvPr>
+            <p:cNvGrpSpPr/>
+            <p:nvPr/>
+          </p:nvGrpSpPr>
+          <p:grpSpPr>
+            <a:xfrm>
+              <a:off x="1576677" y="3661641"/>
+              <a:ext cx="1006764" cy="584776"/>
+              <a:chOff x="1576677" y="1541535"/>
+              <a:chExt cx="1006764" cy="584776"/>
+            </a:xfrm>
+          </p:grpSpPr>
+          <p:sp>
+            <p:nvSpPr>
+              <p:cNvPr id="15" name="TextBox 14">
+                <a:extLst>
+                  <a:ext uri="{FF2B5EF4-FFF2-40B4-BE49-F238E27FC236}">
+                    <a16:creationId xmlns:a16="http://schemas.microsoft.com/office/drawing/2014/main" id="{582AB900-0A65-7246-8CC3-640906BD40F0}"/>
+                  </a:ext>
+                </a:extLst>
+              </p:cNvPr>
+              <p:cNvSpPr txBox="1"/>
+              <p:nvPr/>
+            </p:nvSpPr>
+            <p:spPr>
+              <a:xfrm>
+                <a:off x="1576677" y="1541535"/>
+                <a:ext cx="1006764" cy="276999"/>
+              </a:xfrm>
+              <a:prstGeom prst="rect">
+                <a:avLst/>
+              </a:prstGeom>
+              <a:noFill/>
+              <a:ln w="12700">
+                <a:solidFill>
+                  <a:schemeClr val="tx1"/>
+                </a:solidFill>
+              </a:ln>
+            </p:spPr>
+            <p:txBody>
+              <a:bodyPr wrap="square" lIns="0" rIns="0" rtlCol="0" anchor="ctr" anchorCtr="1">
+                <a:spAutoFit/>
+              </a:bodyPr>
+              <a:lstStyle/>
+              <a:p>
+                <a:pPr>
+                  <a:spcBef>
+                    <a:spcPts val="0"/>
+                  </a:spcBef>
+                  <a:spcAft>
+                    <a:spcPts val="0"/>
+                  </a:spcAft>
+                  <a:buClr>
+                    <a:schemeClr val="bg1"/>
+                  </a:buClr>
+                </a:pPr>
+                <a:r>
+                  <a:rPr lang="en-US" sz="1200" dirty="0">
+                    <a:solidFill>
+                      <a:schemeClr val="bg2"/>
+                    </a:solidFill>
+                    <a:latin typeface="+mn-lt"/>
+                  </a:rPr>
+                  <a:t>10.1.1.5</a:t>
+                </a:r>
+              </a:p>
+            </p:txBody>
+          </p:sp>
+          <p:sp>
+            <p:nvSpPr>
+              <p:cNvPr id="16" name="TextBox 15">
+                <a:extLst>
+                  <a:ext uri="{FF2B5EF4-FFF2-40B4-BE49-F238E27FC236}">
+                    <a16:creationId xmlns:a16="http://schemas.microsoft.com/office/drawing/2014/main" id="{166B056F-065D-F14A-860F-9FE7287AC5F5}"/>
+                  </a:ext>
+                </a:extLst>
+              </p:cNvPr>
+              <p:cNvSpPr txBox="1"/>
+              <p:nvPr/>
+            </p:nvSpPr>
+            <p:spPr>
+              <a:xfrm>
+                <a:off x="1576677" y="1849312"/>
+                <a:ext cx="1006764" cy="276999"/>
+              </a:xfrm>
+              <a:prstGeom prst="rect">
+                <a:avLst/>
+              </a:prstGeom>
+              <a:noFill/>
+              <a:ln w="12700">
+                <a:solidFill>
+                  <a:schemeClr val="tx1"/>
+                </a:solidFill>
+              </a:ln>
+            </p:spPr>
+            <p:txBody>
+              <a:bodyPr wrap="square" lIns="0" rIns="0" rtlCol="0" anchor="ctr" anchorCtr="1">
+                <a:spAutoFit/>
+              </a:bodyPr>
+              <a:lstStyle/>
+              <a:p>
+                <a:pPr>
+                  <a:spcBef>
+                    <a:spcPts val="0"/>
+                  </a:spcBef>
+                  <a:spcAft>
+                    <a:spcPts val="0"/>
+                  </a:spcAft>
+                  <a:buClr>
+                    <a:schemeClr val="bg1"/>
+                  </a:buClr>
+                </a:pPr>
+                <a:r>
+                  <a:rPr lang="en-US" sz="1200" dirty="0">
+                    <a:solidFill>
+                      <a:schemeClr val="bg2"/>
+                    </a:solidFill>
+                    <a:latin typeface="+mn-lt"/>
+                  </a:rPr>
+                  <a:t>10.1.1.6</a:t>
+                </a:r>
+              </a:p>
+            </p:txBody>
+          </p:sp>
+        </p:grpSp>
+        <p:grpSp>
+          <p:nvGrpSpPr>
+            <p:cNvPr id="17" name="Group 16">
+              <a:extLst>
+                <a:ext uri="{FF2B5EF4-FFF2-40B4-BE49-F238E27FC236}">
+                  <a16:creationId xmlns:a16="http://schemas.microsoft.com/office/drawing/2014/main" id="{60BC3155-7506-7449-B281-BAE3E9846F70}"/>
+                </a:ext>
+              </a:extLst>
+            </p:cNvPr>
+            <p:cNvGrpSpPr/>
+            <p:nvPr/>
+          </p:nvGrpSpPr>
+          <p:grpSpPr>
+            <a:xfrm>
+              <a:off x="1576677" y="2595391"/>
+              <a:ext cx="1006764" cy="584776"/>
+              <a:chOff x="1576677" y="1541535"/>
+              <a:chExt cx="1006764" cy="584776"/>
+            </a:xfrm>
+          </p:grpSpPr>
+          <p:sp>
+            <p:nvSpPr>
+              <p:cNvPr id="18" name="TextBox 17">
+                <a:extLst>
+                  <a:ext uri="{FF2B5EF4-FFF2-40B4-BE49-F238E27FC236}">
+                    <a16:creationId xmlns:a16="http://schemas.microsoft.com/office/drawing/2014/main" id="{95749D05-C112-8546-AF27-B6B6032DD6D3}"/>
+                  </a:ext>
+                </a:extLst>
+              </p:cNvPr>
+              <p:cNvSpPr txBox="1"/>
+              <p:nvPr/>
+            </p:nvSpPr>
+            <p:spPr>
+              <a:xfrm>
+                <a:off x="1576677" y="1541535"/>
+                <a:ext cx="1006764" cy="276999"/>
+              </a:xfrm>
+              <a:prstGeom prst="rect">
+                <a:avLst/>
+              </a:prstGeom>
+              <a:noFill/>
+              <a:ln w="12700">
+                <a:solidFill>
+                  <a:schemeClr val="tx1"/>
+                </a:solidFill>
+              </a:ln>
+            </p:spPr>
+            <p:txBody>
+              <a:bodyPr wrap="square" lIns="0" rIns="0" rtlCol="0" anchor="ctr" anchorCtr="1">
+                <a:spAutoFit/>
+              </a:bodyPr>
+              <a:lstStyle/>
+              <a:p>
+                <a:pPr>
+                  <a:spcBef>
+                    <a:spcPts val="0"/>
+                  </a:spcBef>
+                  <a:spcAft>
+                    <a:spcPts val="0"/>
+                  </a:spcAft>
+                  <a:buClr>
+                    <a:schemeClr val="bg1"/>
+                  </a:buClr>
+                </a:pPr>
+                <a:r>
+                  <a:rPr lang="en-US" sz="1200" dirty="0">
+                    <a:solidFill>
+                      <a:schemeClr val="bg2"/>
+                    </a:solidFill>
+                    <a:latin typeface="+mn-lt"/>
+                  </a:rPr>
+                  <a:t>10.1.1.3</a:t>
+                </a:r>
+              </a:p>
+            </p:txBody>
+          </p:sp>
+          <p:sp>
+            <p:nvSpPr>
+              <p:cNvPr id="19" name="TextBox 18">
+                <a:extLst>
+                  <a:ext uri="{FF2B5EF4-FFF2-40B4-BE49-F238E27FC236}">
+                    <a16:creationId xmlns:a16="http://schemas.microsoft.com/office/drawing/2014/main" id="{66654E36-05BC-BD4E-BD45-F440E94F92AA}"/>
+                  </a:ext>
+                </a:extLst>
+              </p:cNvPr>
+              <p:cNvSpPr txBox="1"/>
+              <p:nvPr/>
+            </p:nvSpPr>
+            <p:spPr>
+              <a:xfrm>
+                <a:off x="1576677" y="1849312"/>
+                <a:ext cx="1006764" cy="276999"/>
+              </a:xfrm>
+              <a:prstGeom prst="rect">
+                <a:avLst/>
+              </a:prstGeom>
+              <a:noFill/>
+              <a:ln w="12700">
+                <a:solidFill>
+                  <a:schemeClr val="tx1"/>
+                </a:solidFill>
+              </a:ln>
+            </p:spPr>
+            <p:txBody>
+              <a:bodyPr wrap="square" lIns="0" rIns="0" rtlCol="0" anchor="ctr" anchorCtr="1">
+                <a:spAutoFit/>
+              </a:bodyPr>
+              <a:lstStyle/>
+              <a:p>
+                <a:pPr>
+                  <a:spcBef>
+                    <a:spcPts val="0"/>
+                  </a:spcBef>
+                  <a:spcAft>
+                    <a:spcPts val="0"/>
+                  </a:spcAft>
+                  <a:buClr>
+                    <a:schemeClr val="bg1"/>
+                  </a:buClr>
+                </a:pPr>
+                <a:r>
+                  <a:rPr lang="en-US" sz="1200" dirty="0">
+                    <a:solidFill>
+                      <a:schemeClr val="bg2"/>
+                    </a:solidFill>
+                    <a:latin typeface="+mn-lt"/>
+                  </a:rPr>
+                  <a:t>10.1.1.4</a:t>
+                </a:r>
+              </a:p>
+            </p:txBody>
+          </p:sp>
+        </p:grpSp>
+      </p:grpSp>
       <p:sp>
         <p:nvSpPr>
-          <p:cNvPr id="5" name="TextBox 4"/>
+          <p:cNvPr id="20" name="TextBox 19">
+            <a:extLst>
+              <a:ext uri="{FF2B5EF4-FFF2-40B4-BE49-F238E27FC236}">
+                <a16:creationId xmlns:a16="http://schemas.microsoft.com/office/drawing/2014/main" id="{855E38E2-AEF7-5045-B8F6-A10EEB10B64B}"/>
+              </a:ext>
+            </a:extLst>
+          </p:cNvPr>
           <p:cNvSpPr txBox="1"/>
           <p:nvPr/>
         </p:nvSpPr>
         <p:spPr>
           <a:xfrm>
-            <a:off x="457200" y="3394072"/>
-            <a:ext cx="8229600" cy="1107996"/>
+            <a:off x="482166" y="842963"/>
+            <a:ext cx="2422671" cy="646331"/>
           </a:xfrm>
           <a:prstGeom prst="rect">
             <a:avLst/>
           </a:prstGeom>
           <a:noFill/>
-          <a:ln>
-            <a:solidFill>
-              <a:schemeClr val="bg2"/>
-            </a:solidFill>
-          </a:ln>
+        </p:spPr>
+        <p:txBody>
+          <a:bodyPr wrap="square" lIns="0" rIns="0" rtlCol="0">
+            <a:spAutoFit/>
+          </a:bodyPr>
+          <a:lstStyle/>
+          <a:p>
+            <a:pPr algn="ctr">
+              <a:spcBef>
+                <a:spcPts val="0"/>
+              </a:spcBef>
+              <a:spcAft>
+                <a:spcPts val="0"/>
+              </a:spcAft>
+              <a:buClr>
+                <a:schemeClr val="bg1"/>
+              </a:buClr>
+            </a:pPr>
+            <a:r>
+              <a:rPr lang="en-US" sz="1200" b="1" dirty="0">
+                <a:solidFill>
+                  <a:schemeClr val="bg2"/>
+                </a:solidFill>
+                <a:latin typeface="+mn-lt"/>
+              </a:rPr>
+              <a:t>Multipath NAS Server:</a:t>
+            </a:r>
+            <a:r>
+              <a:rPr lang="en-US" sz="1200" dirty="0">
+                <a:solidFill>
+                  <a:schemeClr val="bg2"/>
+                </a:solidFill>
+                <a:latin typeface="+mn-lt"/>
+              </a:rPr>
+              <a:t> /ifs/data export or share accessible via multiple nodes and IP addresses</a:t>
+            </a:r>
+          </a:p>
+        </p:txBody>
+      </p:sp>
+      <p:sp>
+        <p:nvSpPr>
+          <p:cNvPr id="25" name="TextBox 24">
+            <a:extLst>
+              <a:ext uri="{FF2B5EF4-FFF2-40B4-BE49-F238E27FC236}">
+                <a16:creationId xmlns:a16="http://schemas.microsoft.com/office/drawing/2014/main" id="{CE669EE5-3812-7440-8CB7-F56BEDC11C8D}"/>
+              </a:ext>
+            </a:extLst>
+          </p:cNvPr>
+          <p:cNvSpPr txBox="1"/>
+          <p:nvPr/>
+        </p:nvSpPr>
+        <p:spPr>
+          <a:xfrm>
+            <a:off x="4519361" y="838635"/>
+            <a:ext cx="3208699" cy="646331"/>
+          </a:xfrm>
+          <a:prstGeom prst="rect">
+            <a:avLst/>
+          </a:prstGeom>
+          <a:noFill/>
         </p:spPr>
         <p:txBody>
           <a:bodyPr wrap="square" rtlCol="0">
@@ -16917,201 +17280,994 @@
           </a:bodyPr>
           <a:lstStyle/>
           <a:p>
-            <a:pPr marL="171450" indent="-171450">
+            <a:pPr algn="ctr">
               <a:spcBef>
                 <a:spcPts val="0"/>
               </a:spcBef>
-              <a:buFont typeface="Arial"/>
-              <a:buChar char="•"/>
-            </a:pPr>
-            <a:r>
-              <a:rPr lang="en-US" sz="1100" b="1" dirty="0">
-                <a:latin typeface="Consolas"/>
-                <a:cs typeface="Consolas"/>
-              </a:rPr>
-              <a:t>-</a:t>
-            </a:r>
-            <a:r>
-              <a:rPr lang="en-US" sz="1100" b="1" dirty="0" err="1">
-                <a:latin typeface="Consolas"/>
-                <a:cs typeface="Consolas"/>
-              </a:rPr>
-              <a:t>pfile</a:t>
-            </a:r>
-            <a:r>
-              <a:rPr lang="en-US" sz="1100" b="1" dirty="0">
-                <a:latin typeface="Consolas"/>
-                <a:cs typeface="Consolas"/>
-              </a:rPr>
-              <a:t>= file format is one path-per-line, with ^[%#*] lines ignored as comments</a:t>
-            </a:r>
-          </a:p>
-          <a:p>
-            <a:pPr marL="171450" indent="-171450">
-              <a:spcBef>
+              <a:spcAft>
                 <a:spcPts val="0"/>
-              </a:spcBef>
-              <a:buFont typeface="Arial"/>
-              <a:buChar char="•"/>
-            </a:pPr>
-            <a:r>
-              <a:rPr lang="en-US" sz="1100" b="1" dirty="0">
-                <a:latin typeface="Consolas"/>
-                <a:cs typeface="Consolas"/>
-              </a:rPr>
-              <a:t>All equivalent [source] or [target] paths </a:t>
-            </a:r>
-            <a:r>
-              <a:rPr lang="en-US" sz="1100" b="1" u="sng" dirty="0">
-                <a:latin typeface="Consolas"/>
-                <a:cs typeface="Consolas"/>
-              </a:rPr>
-              <a:t>must</a:t>
-            </a:r>
-            <a:r>
-              <a:rPr lang="en-US" sz="1100" b="1" dirty="0">
-                <a:latin typeface="Consolas"/>
-                <a:cs typeface="Consolas"/>
-              </a:rPr>
-              <a:t> exist and represent the same actual directory</a:t>
-            </a:r>
-          </a:p>
-          <a:p>
-            <a:pPr marL="171450" indent="-171450">
-              <a:spcBef>
-                <a:spcPts val="0"/>
-              </a:spcBef>
-              <a:buFont typeface="Arial"/>
-              <a:buChar char="•"/>
-            </a:pPr>
-            <a:r>
-              <a:rPr lang="en-US" sz="1100" b="1" dirty="0">
-                <a:latin typeface="Consolas"/>
-                <a:cs typeface="Consolas"/>
-              </a:rPr>
-              <a:t>All source pathnames will be evaluated relative to the </a:t>
-            </a:r>
-            <a:r>
-              <a:rPr lang="mr-IN" sz="1100" b="1" dirty="0">
-                <a:latin typeface="Consolas"/>
-                <a:cs typeface="Consolas"/>
-              </a:rPr>
-              <a:t>–</a:t>
-            </a:r>
-            <a:r>
-              <a:rPr lang="en-US" sz="1100" b="1" dirty="0">
-                <a:latin typeface="Consolas"/>
-                <a:cs typeface="Consolas"/>
-              </a:rPr>
-              <a:t>source= or [source] paths</a:t>
-            </a:r>
-          </a:p>
-          <a:p>
-            <a:pPr marL="171450" indent="-171450">
-              <a:spcBef>
-                <a:spcPts val="0"/>
-              </a:spcBef>
-              <a:buFont typeface="Arial"/>
-              <a:buChar char="•"/>
-            </a:pPr>
-            <a:r>
-              <a:rPr lang="en-US" sz="1100" b="1" dirty="0">
-                <a:latin typeface="Consolas"/>
-                <a:cs typeface="Consolas"/>
-              </a:rPr>
-              <a:t>All target pathnames will be evaluated relative to the </a:t>
-            </a:r>
-            <a:r>
-              <a:rPr lang="mr-IN" sz="1100" b="1" dirty="0">
-                <a:latin typeface="Consolas"/>
-                <a:cs typeface="Consolas"/>
-              </a:rPr>
-              <a:t>–</a:t>
-            </a:r>
-            <a:r>
-              <a:rPr lang="en-US" sz="1100" b="1" dirty="0">
-                <a:latin typeface="Consolas"/>
-                <a:cs typeface="Consolas"/>
-              </a:rPr>
-              <a:t>target= or [target] paths</a:t>
-            </a:r>
-          </a:p>
-          <a:p>
-            <a:pPr marL="171450" indent="-171450">
-              <a:spcBef>
-                <a:spcPts val="0"/>
-              </a:spcBef>
-              <a:buFont typeface="Arial"/>
-              <a:buChar char="•"/>
-            </a:pPr>
-            <a:r>
-              <a:rPr lang="en-US" sz="1100" b="1" dirty="0">
-                <a:latin typeface="Consolas"/>
-                <a:cs typeface="Consolas"/>
-              </a:rPr>
-              <a:t>When [source] or [target] paths are defined, </a:t>
-            </a:r>
-            <a:r>
-              <a:rPr lang="mr-IN" sz="1100" b="1" dirty="0">
-                <a:latin typeface="Consolas"/>
-                <a:cs typeface="Consolas"/>
-              </a:rPr>
-              <a:t>–</a:t>
-            </a:r>
-            <a:r>
-              <a:rPr lang="en-US" sz="1100" b="1" dirty="0">
-                <a:latin typeface="Consolas"/>
-                <a:cs typeface="Consolas"/>
-              </a:rPr>
-              <a:t>source= or </a:t>
-            </a:r>
-            <a:r>
-              <a:rPr lang="mr-IN" sz="1100" b="1" dirty="0">
-                <a:latin typeface="Consolas"/>
-                <a:cs typeface="Consolas"/>
-              </a:rPr>
-              <a:t>–</a:t>
-            </a:r>
-            <a:r>
-              <a:rPr lang="en-US" sz="1100" b="1" dirty="0">
-                <a:latin typeface="Consolas"/>
-                <a:cs typeface="Consolas"/>
-              </a:rPr>
-              <a:t>target= options cannot be specified</a:t>
-            </a:r>
-          </a:p>
-          <a:p>
-            <a:pPr marL="171450" indent="-171450">
-              <a:spcBef>
-                <a:spcPts val="0"/>
-              </a:spcBef>
-              <a:buFont typeface="Arial"/>
-              <a:buChar char="•"/>
-            </a:pPr>
-            <a:r>
-              <a:rPr lang="en-US" sz="1100" b="1" dirty="0">
-                <a:latin typeface="Consolas"/>
-                <a:cs typeface="Consolas"/>
-              </a:rPr>
-              <a:t>Source and target root paths will be bound to absolute paths, with all </a:t>
-            </a:r>
-            <a:r>
-              <a:rPr lang="en-US" sz="1100" b="1" dirty="0" err="1">
-                <a:latin typeface="Consolas"/>
-                <a:cs typeface="Consolas"/>
-              </a:rPr>
-              <a:t>symlinks</a:t>
-            </a:r>
-            <a:r>
-              <a:rPr lang="en-US" sz="1100" b="1" dirty="0">
-                <a:latin typeface="Consolas"/>
-                <a:cs typeface="Consolas"/>
-              </a:rPr>
-              <a:t> fully-resolved </a:t>
+              </a:spcAft>
+              <a:buClr>
+                <a:schemeClr val="bg1"/>
+              </a:buClr>
+            </a:pPr>
+            <a:r>
+              <a:rPr lang="en-US" sz="1200" b="1" dirty="0" err="1">
+                <a:solidFill>
+                  <a:schemeClr val="bg2"/>
+                </a:solidFill>
+                <a:latin typeface="+mn-lt"/>
+              </a:rPr>
+              <a:t>pwalk</a:t>
+            </a:r>
+            <a:r>
+              <a:rPr lang="en-US" sz="1200" b="1" dirty="0">
+                <a:solidFill>
+                  <a:schemeClr val="bg2"/>
+                </a:solidFill>
+                <a:latin typeface="+mn-lt"/>
+              </a:rPr>
+              <a:t> Client:</a:t>
+            </a:r>
+            <a:r>
+              <a:rPr lang="en-US" sz="1200" dirty="0">
+                <a:solidFill>
+                  <a:schemeClr val="bg2"/>
+                </a:solidFill>
+                <a:latin typeface="+mn-lt"/>
+              </a:rPr>
+              <a:t> access /ifs/data export or share mounted via multiple manually-mapped ‘equivalent paths’</a:t>
             </a:r>
           </a:p>
         </p:txBody>
       </p:sp>
+      <p:grpSp>
+        <p:nvGrpSpPr>
+          <p:cNvPr id="59" name="Group 58">
+            <a:extLst>
+              <a:ext uri="{FF2B5EF4-FFF2-40B4-BE49-F238E27FC236}">
+                <a16:creationId xmlns:a16="http://schemas.microsoft.com/office/drawing/2014/main" id="{A2D84580-7602-9B46-B682-0B145E3A65E1}"/>
+              </a:ext>
+            </a:extLst>
+          </p:cNvPr>
+          <p:cNvGrpSpPr/>
+          <p:nvPr/>
+        </p:nvGrpSpPr>
+        <p:grpSpPr>
+          <a:xfrm>
+            <a:off x="3530168" y="1496284"/>
+            <a:ext cx="5187086" cy="3177948"/>
+            <a:chOff x="3530168" y="1496284"/>
+            <a:chExt cx="5187086" cy="3177948"/>
+          </a:xfrm>
+        </p:grpSpPr>
+        <p:sp>
+          <p:nvSpPr>
+            <p:cNvPr id="26" name="TextBox 25">
+              <a:extLst>
+                <a:ext uri="{FF2B5EF4-FFF2-40B4-BE49-F238E27FC236}">
+                  <a16:creationId xmlns:a16="http://schemas.microsoft.com/office/drawing/2014/main" id="{24076629-478E-A744-80B2-91593830B05C}"/>
+                </a:ext>
+              </a:extLst>
+            </p:cNvPr>
+            <p:cNvSpPr txBox="1"/>
+            <p:nvPr/>
+          </p:nvSpPr>
+          <p:spPr>
+            <a:xfrm>
+              <a:off x="3530168" y="1496284"/>
+              <a:ext cx="5187086" cy="3177948"/>
+            </a:xfrm>
+            <a:prstGeom prst="rect">
+              <a:avLst/>
+            </a:prstGeom>
+            <a:solidFill>
+              <a:schemeClr val="accent1">
+                <a:lumMod val="20000"/>
+                <a:lumOff val="80000"/>
+              </a:schemeClr>
+            </a:solidFill>
+            <a:ln w="19050">
+              <a:solidFill>
+                <a:schemeClr val="tx1"/>
+              </a:solidFill>
+            </a:ln>
+          </p:spPr>
+          <p:txBody>
+            <a:bodyPr wrap="square" lIns="365760" tIns="182880" rtlCol="0" anchor="t" anchorCtr="0">
+              <a:noAutofit/>
+            </a:bodyPr>
+            <a:lstStyle/>
+            <a:p>
+              <a:pPr>
+                <a:spcBef>
+                  <a:spcPts val="0"/>
+                </a:spcBef>
+                <a:spcAft>
+                  <a:spcPts val="0"/>
+                </a:spcAft>
+                <a:buClr>
+                  <a:schemeClr val="bg1"/>
+                </a:buClr>
+              </a:pPr>
+              <a:r>
+                <a:rPr lang="en-US" sz="1200" dirty="0">
+                  <a:solidFill>
+                    <a:schemeClr val="bg2"/>
+                  </a:solidFill>
+                  <a:latin typeface="+mn-lt"/>
+                </a:rPr>
+                <a:t># mount –t </a:t>
+              </a:r>
+              <a:r>
+                <a:rPr lang="en-US" sz="1200" dirty="0" err="1">
+                  <a:solidFill>
+                    <a:schemeClr val="bg2"/>
+                  </a:solidFill>
+                  <a:latin typeface="+mn-lt"/>
+                </a:rPr>
+                <a:t>nfs</a:t>
+              </a:r>
+              <a:r>
+                <a:rPr lang="en-US" sz="1200" dirty="0">
+                  <a:solidFill>
+                    <a:schemeClr val="bg2"/>
+                  </a:solidFill>
+                  <a:latin typeface="+mn-lt"/>
+                </a:rPr>
+                <a:t> </a:t>
+              </a:r>
+              <a:r>
+                <a:rPr lang="en-US" sz="1200" dirty="0">
+                  <a:solidFill>
+                    <a:schemeClr val="bg2"/>
+                  </a:solidFill>
+                </a:rPr>
+                <a:t>–o </a:t>
+              </a:r>
+              <a:r>
+                <a:rPr lang="en-US" sz="1200" dirty="0" err="1">
+                  <a:solidFill>
+                    <a:schemeClr val="bg2"/>
+                  </a:solidFill>
+                </a:rPr>
+                <a:t>ro</a:t>
+              </a:r>
+              <a:r>
+                <a:rPr lang="en-US" sz="1200" dirty="0">
+                  <a:solidFill>
+                    <a:schemeClr val="bg2"/>
+                  </a:solidFill>
+                </a:rPr>
+                <a:t> </a:t>
+              </a:r>
+              <a:r>
+                <a:rPr lang="en-US" sz="1200" dirty="0">
+                  <a:solidFill>
+                    <a:schemeClr val="bg2"/>
+                  </a:solidFill>
+                  <a:latin typeface="+mn-lt"/>
+                </a:rPr>
+                <a:t>10.1.1.1:/ifs/data /</a:t>
+              </a:r>
+              <a:r>
+                <a:rPr lang="en-US" sz="1200" dirty="0" err="1">
+                  <a:solidFill>
+                    <a:schemeClr val="bg2"/>
+                  </a:solidFill>
+                  <a:latin typeface="+mn-lt"/>
+                </a:rPr>
+                <a:t>mnt</a:t>
+              </a:r>
+              <a:r>
+                <a:rPr lang="en-US" sz="1200" dirty="0">
+                  <a:solidFill>
+                    <a:schemeClr val="bg2"/>
+                  </a:solidFill>
+                  <a:latin typeface="+mn-lt"/>
+                </a:rPr>
+                <a:t>/1</a:t>
+              </a:r>
+            </a:p>
+            <a:p>
+              <a:pPr>
+                <a:spcBef>
+                  <a:spcPts val="0"/>
+                </a:spcBef>
+                <a:spcAft>
+                  <a:spcPts val="0"/>
+                </a:spcAft>
+                <a:buClr>
+                  <a:schemeClr val="bg1"/>
+                </a:buClr>
+              </a:pPr>
+              <a:r>
+                <a:rPr lang="en-US" sz="1200" dirty="0">
+                  <a:solidFill>
+                    <a:schemeClr val="bg2"/>
+                  </a:solidFill>
+                </a:rPr>
+                <a:t># mount –t </a:t>
+              </a:r>
+              <a:r>
+                <a:rPr lang="en-US" sz="1200" dirty="0" err="1">
+                  <a:solidFill>
+                    <a:schemeClr val="bg2"/>
+                  </a:solidFill>
+                </a:rPr>
+                <a:t>nfs</a:t>
+              </a:r>
+              <a:r>
+                <a:rPr lang="en-US" sz="1200" dirty="0">
+                  <a:solidFill>
+                    <a:schemeClr val="bg2"/>
+                  </a:solidFill>
+                </a:rPr>
+                <a:t> –o </a:t>
+              </a:r>
+              <a:r>
+                <a:rPr lang="en-US" sz="1200" dirty="0" err="1">
+                  <a:solidFill>
+                    <a:schemeClr val="bg2"/>
+                  </a:solidFill>
+                </a:rPr>
+                <a:t>ro</a:t>
+              </a:r>
+              <a:r>
+                <a:rPr lang="en-US" sz="1200" dirty="0">
+                  <a:solidFill>
+                    <a:schemeClr val="bg2"/>
+                  </a:solidFill>
+                </a:rPr>
+                <a:t> 10.1.1.3:/ifs/data /</a:t>
+              </a:r>
+              <a:r>
+                <a:rPr lang="en-US" sz="1200" dirty="0" err="1">
+                  <a:solidFill>
+                    <a:schemeClr val="bg2"/>
+                  </a:solidFill>
+                </a:rPr>
+                <a:t>mnt</a:t>
+              </a:r>
+              <a:r>
+                <a:rPr lang="en-US" sz="1200" dirty="0">
+                  <a:solidFill>
+                    <a:schemeClr val="bg2"/>
+                  </a:solidFill>
+                </a:rPr>
+                <a:t>/2</a:t>
+              </a:r>
+            </a:p>
+            <a:p>
+              <a:pPr>
+                <a:spcBef>
+                  <a:spcPts val="0"/>
+                </a:spcBef>
+                <a:spcAft>
+                  <a:spcPts val="0"/>
+                </a:spcAft>
+                <a:buClr>
+                  <a:schemeClr val="bg1"/>
+                </a:buClr>
+              </a:pPr>
+              <a:r>
+                <a:rPr lang="en-US" sz="1200" dirty="0">
+                  <a:solidFill>
+                    <a:schemeClr val="bg2"/>
+                  </a:solidFill>
+                </a:rPr>
+                <a:t># mount –t </a:t>
+              </a:r>
+              <a:r>
+                <a:rPr lang="en-US" sz="1200" dirty="0" err="1">
+                  <a:solidFill>
+                    <a:schemeClr val="bg2"/>
+                  </a:solidFill>
+                </a:rPr>
+                <a:t>nfs</a:t>
+              </a:r>
+              <a:r>
+                <a:rPr lang="en-US" sz="1200" dirty="0">
+                  <a:solidFill>
+                    <a:schemeClr val="bg2"/>
+                  </a:solidFill>
+                </a:rPr>
+                <a:t> –o </a:t>
+              </a:r>
+              <a:r>
+                <a:rPr lang="en-US" sz="1200" dirty="0" err="1">
+                  <a:solidFill>
+                    <a:schemeClr val="bg2"/>
+                  </a:solidFill>
+                </a:rPr>
+                <a:t>ro</a:t>
+              </a:r>
+              <a:r>
+                <a:rPr lang="en-US" sz="1200" dirty="0">
+                  <a:solidFill>
+                    <a:schemeClr val="bg2"/>
+                  </a:solidFill>
+                </a:rPr>
+                <a:t> 10.1.1.5:/ifs/data /</a:t>
+              </a:r>
+              <a:r>
+                <a:rPr lang="en-US" sz="1200" dirty="0" err="1">
+                  <a:solidFill>
+                    <a:schemeClr val="bg2"/>
+                  </a:solidFill>
+                </a:rPr>
+                <a:t>mnt</a:t>
+              </a:r>
+              <a:r>
+                <a:rPr lang="en-US" sz="1200" dirty="0">
+                  <a:solidFill>
+                    <a:schemeClr val="bg2"/>
+                  </a:solidFill>
+                </a:rPr>
+                <a:t>/3</a:t>
+              </a:r>
+            </a:p>
+            <a:p>
+              <a:pPr>
+                <a:spcBef>
+                  <a:spcPts val="0"/>
+                </a:spcBef>
+                <a:spcAft>
+                  <a:spcPts val="0"/>
+                </a:spcAft>
+                <a:buClr>
+                  <a:schemeClr val="bg1"/>
+                </a:buClr>
+              </a:pPr>
+              <a:r>
+                <a:rPr lang="en-US" sz="1200" dirty="0">
+                  <a:solidFill>
+                    <a:schemeClr val="bg2"/>
+                  </a:solidFill>
+                  <a:latin typeface="+mn-lt"/>
+                </a:rPr>
+                <a:t>              -------  ------                             --------</a:t>
+              </a:r>
+            </a:p>
+          </p:txBody>
+        </p:sp>
+        <p:sp>
+          <p:nvSpPr>
+            <p:cNvPr id="36" name="Rounded Rectangular Callout 35">
+              <a:extLst>
+                <a:ext uri="{FF2B5EF4-FFF2-40B4-BE49-F238E27FC236}">
+                  <a16:creationId xmlns:a16="http://schemas.microsoft.com/office/drawing/2014/main" id="{8F4DB683-EA2C-6D48-B81F-2AB486DD5695}"/>
+                </a:ext>
+              </a:extLst>
+            </p:cNvPr>
+            <p:cNvSpPr/>
+            <p:nvPr/>
+          </p:nvSpPr>
+          <p:spPr>
+            <a:xfrm>
+              <a:off x="5920502" y="2770876"/>
+              <a:ext cx="2604661" cy="1697206"/>
+            </a:xfrm>
+            <a:prstGeom prst="wedgeRoundRectCallout">
+              <a:avLst>
+                <a:gd name="adj1" fmla="val -21525"/>
+                <a:gd name="adj2" fmla="val -73510"/>
+                <a:gd name="adj3" fmla="val 16667"/>
+              </a:avLst>
+            </a:prstGeom>
+            <a:solidFill>
+              <a:schemeClr val="accent1">
+                <a:lumMod val="40000"/>
+                <a:lumOff val="60000"/>
+              </a:schemeClr>
+            </a:solidFill>
+            <a:ln w="12700" cmpd="sng">
+              <a:solidFill>
+                <a:schemeClr val="tx1"/>
+              </a:solidFill>
+            </a:ln>
+            <a:effectLst/>
+          </p:spPr>
+          <p:txBody>
+            <a:bodyPr wrap="square" lIns="182880" tIns="0" rIns="137160" bIns="0" rtlCol="0" anchor="ctr" anchorCtr="0">
+              <a:noAutofit/>
+            </a:bodyPr>
+            <a:lstStyle/>
+            <a:p>
+              <a:pPr>
+                <a:lnSpc>
+                  <a:spcPct val="90000"/>
+                </a:lnSpc>
+                <a:spcBef>
+                  <a:spcPts val="0"/>
+                </a:spcBef>
+                <a:spcAft>
+                  <a:spcPts val="0"/>
+                </a:spcAft>
+              </a:pPr>
+              <a:r>
+                <a:rPr lang="en-US" sz="1200" dirty="0">
+                  <a:solidFill>
+                    <a:schemeClr val="bg2"/>
+                  </a:solidFill>
+                  <a:latin typeface="+mn-lt"/>
+                </a:rPr>
+                <a:t>‘Equivalent paths’ are conveyed to </a:t>
+              </a:r>
+              <a:r>
+                <a:rPr lang="en-US" sz="1200" dirty="0" err="1">
+                  <a:solidFill>
+                    <a:schemeClr val="bg2"/>
+                  </a:solidFill>
+                  <a:latin typeface="+mn-lt"/>
+                </a:rPr>
+                <a:t>pwalk</a:t>
+              </a:r>
+              <a:r>
+                <a:rPr lang="en-US" sz="1200" dirty="0">
+                  <a:solidFill>
+                    <a:schemeClr val="bg2"/>
+                  </a:solidFill>
+                  <a:latin typeface="+mn-lt"/>
+                </a:rPr>
+                <a:t> via the parameter file (–</a:t>
+              </a:r>
+              <a:r>
+                <a:rPr lang="en-US" sz="1200" dirty="0" err="1">
+                  <a:solidFill>
+                    <a:schemeClr val="bg2"/>
+                  </a:solidFill>
+                  <a:latin typeface="+mn-lt"/>
+                </a:rPr>
+                <a:t>pfile</a:t>
+              </a:r>
+              <a:r>
+                <a:rPr lang="en-US" sz="1200" dirty="0">
+                  <a:solidFill>
+                    <a:schemeClr val="bg2"/>
+                  </a:solidFill>
+                  <a:latin typeface="+mn-lt"/>
+                </a:rPr>
+                <a:t>=&lt;file&gt;) ...</a:t>
+              </a:r>
+            </a:p>
+            <a:p>
+              <a:pPr>
+                <a:lnSpc>
+                  <a:spcPct val="90000"/>
+                </a:lnSpc>
+                <a:spcBef>
+                  <a:spcPts val="0"/>
+                </a:spcBef>
+                <a:spcAft>
+                  <a:spcPts val="0"/>
+                </a:spcAft>
+              </a:pPr>
+              <a:endParaRPr lang="en-US" sz="1200" dirty="0">
+                <a:solidFill>
+                  <a:schemeClr val="bg2"/>
+                </a:solidFill>
+                <a:latin typeface="+mn-lt"/>
+              </a:endParaRPr>
+            </a:p>
+            <a:p>
+              <a:pPr>
+                <a:lnSpc>
+                  <a:spcPct val="90000"/>
+                </a:lnSpc>
+                <a:spcBef>
+                  <a:spcPts val="0"/>
+                </a:spcBef>
+                <a:spcAft>
+                  <a:spcPts val="0"/>
+                </a:spcAft>
+              </a:pPr>
+              <a:r>
+                <a:rPr lang="en-US" sz="1200" dirty="0">
+                  <a:solidFill>
+                    <a:schemeClr val="bg2"/>
+                  </a:solidFill>
+                  <a:latin typeface="+mn-lt"/>
+                </a:rPr>
+                <a:t># cat </a:t>
+              </a:r>
+              <a:r>
+                <a:rPr lang="en-US" sz="1200" dirty="0" err="1">
+                  <a:solidFill>
+                    <a:schemeClr val="bg2"/>
+                  </a:solidFill>
+                  <a:latin typeface="+mn-lt"/>
+                </a:rPr>
+                <a:t>pfile</a:t>
+              </a:r>
+              <a:endParaRPr lang="en-US" sz="1200" dirty="0">
+                <a:solidFill>
+                  <a:schemeClr val="bg2"/>
+                </a:solidFill>
+                <a:latin typeface="+mn-lt"/>
+              </a:endParaRPr>
+            </a:p>
+            <a:p>
+              <a:pPr>
+                <a:lnSpc>
+                  <a:spcPct val="90000"/>
+                </a:lnSpc>
+                <a:spcBef>
+                  <a:spcPts val="0"/>
+                </a:spcBef>
+                <a:spcAft>
+                  <a:spcPts val="0"/>
+                </a:spcAft>
+              </a:pPr>
+              <a:r>
+                <a:rPr lang="en-US" sz="1200" dirty="0">
+                  <a:solidFill>
+                    <a:schemeClr val="bg2"/>
+                  </a:solidFill>
+                  <a:latin typeface="+mn-lt"/>
+                </a:rPr>
+                <a:t>[source]</a:t>
+              </a:r>
+            </a:p>
+            <a:p>
+              <a:pPr>
+                <a:lnSpc>
+                  <a:spcPct val="90000"/>
+                </a:lnSpc>
+                <a:spcBef>
+                  <a:spcPts val="0"/>
+                </a:spcBef>
+                <a:spcAft>
+                  <a:spcPts val="0"/>
+                </a:spcAft>
+              </a:pPr>
+              <a:r>
+                <a:rPr lang="en-US" sz="1200" dirty="0">
+                  <a:solidFill>
+                    <a:schemeClr val="bg2"/>
+                  </a:solidFill>
+                  <a:latin typeface="+mn-lt"/>
+                </a:rPr>
+                <a:t>/</a:t>
+              </a:r>
+              <a:r>
+                <a:rPr lang="en-US" sz="1200" dirty="0" err="1">
+                  <a:solidFill>
+                    <a:schemeClr val="bg2"/>
+                  </a:solidFill>
+                  <a:latin typeface="+mn-lt"/>
+                </a:rPr>
+                <a:t>mnt</a:t>
+              </a:r>
+              <a:r>
+                <a:rPr lang="en-US" sz="1200" dirty="0">
+                  <a:solidFill>
+                    <a:schemeClr val="bg2"/>
+                  </a:solidFill>
+                  <a:latin typeface="+mn-lt"/>
+                </a:rPr>
+                <a:t>/1</a:t>
+              </a:r>
+            </a:p>
+            <a:p>
+              <a:pPr>
+                <a:lnSpc>
+                  <a:spcPct val="90000"/>
+                </a:lnSpc>
+                <a:spcBef>
+                  <a:spcPts val="0"/>
+                </a:spcBef>
+                <a:spcAft>
+                  <a:spcPts val="0"/>
+                </a:spcAft>
+              </a:pPr>
+              <a:r>
+                <a:rPr lang="en-US" sz="1200" dirty="0">
+                  <a:solidFill>
+                    <a:schemeClr val="bg2"/>
+                  </a:solidFill>
+                  <a:latin typeface="+mn-lt"/>
+                </a:rPr>
+                <a:t>/</a:t>
+              </a:r>
+              <a:r>
+                <a:rPr lang="en-US" sz="1200" dirty="0" err="1">
+                  <a:solidFill>
+                    <a:schemeClr val="bg2"/>
+                  </a:solidFill>
+                  <a:latin typeface="+mn-lt"/>
+                </a:rPr>
+                <a:t>mnt</a:t>
+              </a:r>
+              <a:r>
+                <a:rPr lang="en-US" sz="1200" dirty="0">
+                  <a:solidFill>
+                    <a:schemeClr val="bg2"/>
+                  </a:solidFill>
+                  <a:latin typeface="+mn-lt"/>
+                </a:rPr>
+                <a:t>/2</a:t>
+              </a:r>
+            </a:p>
+            <a:p>
+              <a:pPr>
+                <a:lnSpc>
+                  <a:spcPct val="90000"/>
+                </a:lnSpc>
+                <a:spcBef>
+                  <a:spcPts val="0"/>
+                </a:spcBef>
+                <a:spcAft>
+                  <a:spcPts val="0"/>
+                </a:spcAft>
+              </a:pPr>
+              <a:r>
+                <a:rPr lang="en-US" sz="1200" dirty="0">
+                  <a:solidFill>
+                    <a:schemeClr val="bg2"/>
+                  </a:solidFill>
+                  <a:latin typeface="+mn-lt"/>
+                </a:rPr>
+                <a:t>/</a:t>
+              </a:r>
+              <a:r>
+                <a:rPr lang="en-US" sz="1200" dirty="0" err="1">
+                  <a:solidFill>
+                    <a:schemeClr val="bg2"/>
+                  </a:solidFill>
+                  <a:latin typeface="+mn-lt"/>
+                </a:rPr>
+                <a:t>mnt</a:t>
+              </a:r>
+              <a:r>
+                <a:rPr lang="en-US" sz="1200" dirty="0">
+                  <a:solidFill>
+                    <a:schemeClr val="bg2"/>
+                  </a:solidFill>
+                  <a:latin typeface="+mn-lt"/>
+                </a:rPr>
+                <a:t>/3</a:t>
+              </a:r>
+            </a:p>
+          </p:txBody>
+        </p:sp>
+        <p:sp>
+          <p:nvSpPr>
+            <p:cNvPr id="40" name="Rounded Rectangular Callout 39">
+              <a:extLst>
+                <a:ext uri="{FF2B5EF4-FFF2-40B4-BE49-F238E27FC236}">
+                  <a16:creationId xmlns:a16="http://schemas.microsoft.com/office/drawing/2014/main" id="{BEA34E3A-2635-8E41-9EEC-E690BC58E9B0}"/>
+                </a:ext>
+              </a:extLst>
+            </p:cNvPr>
+            <p:cNvSpPr/>
+            <p:nvPr/>
+          </p:nvSpPr>
+          <p:spPr>
+            <a:xfrm>
+              <a:off x="3713018" y="2501850"/>
+              <a:ext cx="1154547" cy="853801"/>
+            </a:xfrm>
+            <a:prstGeom prst="wedgeRoundRectCallout">
+              <a:avLst>
+                <a:gd name="adj1" fmla="val 31249"/>
+                <a:gd name="adj2" fmla="val -63908"/>
+                <a:gd name="adj3" fmla="val 16667"/>
+              </a:avLst>
+            </a:prstGeom>
+            <a:solidFill>
+              <a:schemeClr val="bg1">
+                <a:lumMod val="40000"/>
+                <a:lumOff val="60000"/>
+              </a:schemeClr>
+            </a:solidFill>
+            <a:ln w="12700" cmpd="sng">
+              <a:solidFill>
+                <a:schemeClr val="bg2"/>
+              </a:solidFill>
+            </a:ln>
+            <a:effectLst/>
+          </p:spPr>
+          <p:txBody>
+            <a:bodyPr wrap="square" lIns="91440" tIns="91440" rIns="91440" bIns="91440" rtlCol="0" anchor="ctr">
+              <a:noAutofit/>
+            </a:bodyPr>
+            <a:lstStyle/>
+            <a:p>
+              <a:pPr algn="ctr">
+                <a:lnSpc>
+                  <a:spcPct val="90000"/>
+                </a:lnSpc>
+                <a:spcBef>
+                  <a:spcPts val="600"/>
+                </a:spcBef>
+                <a:spcAft>
+                  <a:spcPts val="0"/>
+                </a:spcAft>
+              </a:pPr>
+              <a:r>
+                <a:rPr lang="en-US" sz="1200" dirty="0" err="1">
+                  <a:solidFill>
+                    <a:schemeClr val="bg2"/>
+                  </a:solidFill>
+                  <a:latin typeface="+mn-lt"/>
+                </a:rPr>
+                <a:t>pwalk</a:t>
+              </a:r>
+              <a:r>
+                <a:rPr lang="en-US" sz="1200" dirty="0">
+                  <a:solidFill>
+                    <a:schemeClr val="bg2"/>
+                  </a:solidFill>
+                  <a:latin typeface="+mn-lt"/>
+                </a:rPr>
+                <a:t> gives same</a:t>
+              </a:r>
+              <a:r>
+                <a:rPr lang="en-US" sz="1200" baseline="30000" dirty="0">
+                  <a:solidFill>
+                    <a:schemeClr val="bg2"/>
+                  </a:solidFill>
+                  <a:latin typeface="+mn-lt"/>
+                </a:rPr>
+                <a:t>[1] </a:t>
+              </a:r>
+              <a:r>
+                <a:rPr lang="en-US" sz="1200" dirty="0">
+                  <a:solidFill>
+                    <a:schemeClr val="bg2"/>
+                  </a:solidFill>
+                  <a:latin typeface="+mn-lt"/>
+                </a:rPr>
+                <a:t>results  over NFS or SMB</a:t>
+              </a:r>
+            </a:p>
+          </p:txBody>
+        </p:sp>
+        <p:sp>
+          <p:nvSpPr>
+            <p:cNvPr id="56" name="Rounded Rectangular Callout 55">
+              <a:extLst>
+                <a:ext uri="{FF2B5EF4-FFF2-40B4-BE49-F238E27FC236}">
+                  <a16:creationId xmlns:a16="http://schemas.microsoft.com/office/drawing/2014/main" id="{E4976BD8-AC4B-E84E-82A0-2D47048AD35E}"/>
+                </a:ext>
+              </a:extLst>
+            </p:cNvPr>
+            <p:cNvSpPr/>
+            <p:nvPr/>
+          </p:nvSpPr>
+          <p:spPr>
+            <a:xfrm>
+              <a:off x="3713019" y="3551012"/>
+              <a:ext cx="2096654" cy="917069"/>
+            </a:xfrm>
+            <a:prstGeom prst="wedgeRoundRectCallout">
+              <a:avLst>
+                <a:gd name="adj1" fmla="val 15786"/>
+                <a:gd name="adj2" fmla="val -175409"/>
+                <a:gd name="adj3" fmla="val 16667"/>
+              </a:avLst>
+            </a:prstGeom>
+            <a:solidFill>
+              <a:schemeClr val="bg1">
+                <a:lumMod val="40000"/>
+                <a:lumOff val="60000"/>
+              </a:schemeClr>
+            </a:solidFill>
+            <a:ln w="12700" cmpd="sng">
+              <a:solidFill>
+                <a:schemeClr val="bg2"/>
+              </a:solidFill>
+            </a:ln>
+            <a:effectLst/>
+          </p:spPr>
+          <p:txBody>
+            <a:bodyPr wrap="square" lIns="91440" tIns="91440" rIns="91440" bIns="91440" rtlCol="0" anchor="ctr">
+              <a:noAutofit/>
+            </a:bodyPr>
+            <a:lstStyle/>
+            <a:p>
+              <a:pPr algn="ctr">
+                <a:lnSpc>
+                  <a:spcPct val="90000"/>
+                </a:lnSpc>
+                <a:spcBef>
+                  <a:spcPts val="600"/>
+                </a:spcBef>
+                <a:spcAft>
+                  <a:spcPts val="0"/>
+                </a:spcAft>
+              </a:pPr>
+              <a:r>
+                <a:rPr lang="en-US" sz="1200" dirty="0">
+                  <a:solidFill>
+                    <a:schemeClr val="bg2"/>
+                  </a:solidFill>
+                  <a:latin typeface="+mn-lt"/>
+                </a:rPr>
+                <a:t>It is recommended to use </a:t>
+              </a:r>
+              <a:r>
+                <a:rPr lang="en-US" sz="1200" dirty="0" err="1">
+                  <a:solidFill>
+                    <a:schemeClr val="bg2"/>
+                  </a:solidFill>
+                  <a:latin typeface="+mn-lt"/>
+                </a:rPr>
+                <a:t>readonly</a:t>
+              </a:r>
+              <a:r>
+                <a:rPr lang="en-US" sz="1200" dirty="0">
+                  <a:solidFill>
+                    <a:schemeClr val="bg2"/>
+                  </a:solidFill>
+                  <a:latin typeface="+mn-lt"/>
+                </a:rPr>
+                <a:t> mounts when only </a:t>
+              </a:r>
+              <a:r>
+                <a:rPr lang="en-US" sz="1200" dirty="0" err="1">
+                  <a:solidFill>
+                    <a:schemeClr val="bg2"/>
+                  </a:solidFill>
+                  <a:latin typeface="+mn-lt"/>
+                </a:rPr>
+                <a:t>readonly</a:t>
+              </a:r>
+              <a:r>
+                <a:rPr lang="en-US" sz="1200" dirty="0">
+                  <a:solidFill>
+                    <a:schemeClr val="bg2"/>
+                  </a:solidFill>
+                  <a:latin typeface="+mn-lt"/>
+                </a:rPr>
+                <a:t> operations are intended!</a:t>
+              </a:r>
+            </a:p>
+          </p:txBody>
+        </p:sp>
+      </p:grpSp>
+      <p:cxnSp>
+        <p:nvCxnSpPr>
+          <p:cNvPr id="28" name="Straight Arrow Connector 27">
+            <a:extLst>
+              <a:ext uri="{FF2B5EF4-FFF2-40B4-BE49-F238E27FC236}">
+                <a16:creationId xmlns:a16="http://schemas.microsoft.com/office/drawing/2014/main" id="{B38BEB08-BCDB-724A-B988-82B565E6884C}"/>
+              </a:ext>
+            </a:extLst>
+          </p:cNvPr>
+          <p:cNvCxnSpPr>
+            <a:cxnSpLocks/>
+            <a:stCxn id="11" idx="3"/>
+          </p:cNvCxnSpPr>
+          <p:nvPr/>
+        </p:nvCxnSpPr>
+        <p:spPr>
+          <a:xfrm flipV="1">
+            <a:off x="3020291" y="1767149"/>
+            <a:ext cx="840509" cy="88370"/>
+          </a:xfrm>
+          <a:prstGeom prst="straightConnector1">
+            <a:avLst/>
+          </a:prstGeom>
+          <a:ln w="25400" cmpd="sng">
+            <a:solidFill>
+              <a:schemeClr val="accent4"/>
+            </a:solidFill>
+            <a:headEnd type="triangle"/>
+            <a:tailEnd type="triangle"/>
+          </a:ln>
+          <a:effectLst/>
+        </p:spPr>
+        <p:style>
+          <a:lnRef idx="2">
+            <a:schemeClr val="accent1"/>
+          </a:lnRef>
+          <a:fillRef idx="0">
+            <a:schemeClr val="accent1"/>
+          </a:fillRef>
+          <a:effectRef idx="1">
+            <a:schemeClr val="accent1"/>
+          </a:effectRef>
+          <a:fontRef idx="minor">
+            <a:schemeClr val="tx1"/>
+          </a:fontRef>
+        </p:style>
+      </p:cxnSp>
+      <p:cxnSp>
+        <p:nvCxnSpPr>
+          <p:cNvPr id="29" name="Straight Arrow Connector 28">
+            <a:extLst>
+              <a:ext uri="{FF2B5EF4-FFF2-40B4-BE49-F238E27FC236}">
+                <a16:creationId xmlns:a16="http://schemas.microsoft.com/office/drawing/2014/main" id="{ADB8C9F4-93CA-9E44-B3C2-01D4FA9D6A96}"/>
+              </a:ext>
+            </a:extLst>
+          </p:cNvPr>
+          <p:cNvCxnSpPr>
+            <a:cxnSpLocks/>
+            <a:stCxn id="18" idx="3"/>
+          </p:cNvCxnSpPr>
+          <p:nvPr/>
+        </p:nvCxnSpPr>
+        <p:spPr>
+          <a:xfrm flipV="1">
+            <a:off x="3020291" y="1935571"/>
+            <a:ext cx="840509" cy="973804"/>
+          </a:xfrm>
+          <a:prstGeom prst="straightConnector1">
+            <a:avLst/>
+          </a:prstGeom>
+          <a:ln w="25400" cmpd="sng">
+            <a:solidFill>
+              <a:schemeClr val="accent4"/>
+            </a:solidFill>
+            <a:headEnd type="triangle"/>
+            <a:tailEnd type="triangle"/>
+          </a:ln>
+          <a:effectLst/>
+        </p:spPr>
+        <p:style>
+          <a:lnRef idx="2">
+            <a:schemeClr val="accent1"/>
+          </a:lnRef>
+          <a:fillRef idx="0">
+            <a:schemeClr val="accent1"/>
+          </a:fillRef>
+          <a:effectRef idx="1">
+            <a:schemeClr val="accent1"/>
+          </a:effectRef>
+          <a:fontRef idx="minor">
+            <a:schemeClr val="tx1"/>
+          </a:fontRef>
+        </p:style>
+      </p:cxnSp>
+      <p:cxnSp>
+        <p:nvCxnSpPr>
+          <p:cNvPr id="30" name="Straight Arrow Connector 29">
+            <a:extLst>
+              <a:ext uri="{FF2B5EF4-FFF2-40B4-BE49-F238E27FC236}">
+                <a16:creationId xmlns:a16="http://schemas.microsoft.com/office/drawing/2014/main" id="{93B4644B-5F1B-ED43-8FA3-C4E6B08850B3}"/>
+              </a:ext>
+            </a:extLst>
+          </p:cNvPr>
+          <p:cNvCxnSpPr>
+            <a:cxnSpLocks/>
+            <a:stCxn id="15" idx="3"/>
+          </p:cNvCxnSpPr>
+          <p:nvPr/>
+        </p:nvCxnSpPr>
+        <p:spPr>
+          <a:xfrm flipV="1">
+            <a:off x="3020291" y="2142615"/>
+            <a:ext cx="840509" cy="1833010"/>
+          </a:xfrm>
+          <a:prstGeom prst="straightConnector1">
+            <a:avLst/>
+          </a:prstGeom>
+          <a:ln w="25400" cmpd="sng">
+            <a:solidFill>
+              <a:schemeClr val="accent4"/>
+            </a:solidFill>
+            <a:headEnd type="triangle"/>
+            <a:tailEnd type="triangle"/>
+          </a:ln>
+          <a:effectLst/>
+        </p:spPr>
+        <p:style>
+          <a:lnRef idx="2">
+            <a:schemeClr val="accent1"/>
+          </a:lnRef>
+          <a:fillRef idx="0">
+            <a:schemeClr val="accent1"/>
+          </a:fillRef>
+          <a:effectRef idx="1">
+            <a:schemeClr val="accent1"/>
+          </a:effectRef>
+          <a:fontRef idx="minor">
+            <a:schemeClr val="tx1"/>
+          </a:fontRef>
+        </p:style>
+      </p:cxnSp>
     </p:spTree>
     <p:extLst>
       <p:ext uri="{BB962C8B-B14F-4D97-AF65-F5344CB8AC3E}">
@@ -17215,6 +18371,2135 @@
 </file>
 
 <file path=ppt/slides/slide18.xml><?xml version="1.0" encoding="utf-8"?>
+<p:sld xmlns:a="http://schemas.openxmlformats.org/drawingml/2006/main" xmlns:r="http://schemas.openxmlformats.org/officeDocument/2006/relationships" xmlns:p="http://schemas.openxmlformats.org/presentationml/2006/main">
+  <p:cSld>
+    <p:spTree>
+      <p:nvGrpSpPr>
+        <p:cNvPr id="1" name=""/>
+        <p:cNvGrpSpPr/>
+        <p:nvPr/>
+      </p:nvGrpSpPr>
+      <p:grpSpPr>
+        <a:xfrm>
+          <a:off x="0" y="0"/>
+          <a:ext cx="0" cy="0"/>
+          <a:chOff x="0" y="0"/>
+          <a:chExt cx="0" cy="0"/>
+        </a:xfrm>
+      </p:grpSpPr>
+      <p:sp>
+        <p:nvSpPr>
+          <p:cNvPr id="2" name="Title 1"/>
+          <p:cNvSpPr>
+            <a:spLocks noGrp="1"/>
+          </p:cNvSpPr>
+          <p:nvPr>
+            <p:ph type="title"/>
+          </p:nvPr>
+        </p:nvSpPr>
+        <p:spPr/>
+        <p:txBody>
+          <a:bodyPr anchor="ctr" anchorCtr="0"/>
+          <a:lstStyle/>
+          <a:p>
+            <a:r>
+              <a:rPr lang="en-US" sz="2800" dirty="0">
+                <a:solidFill>
+                  <a:schemeClr val="accent1"/>
+                </a:solidFill>
+              </a:rPr>
+              <a:t>Multipathing – Source Example</a:t>
+            </a:r>
+          </a:p>
+        </p:txBody>
+      </p:sp>
+      <p:sp>
+        <p:nvSpPr>
+          <p:cNvPr id="3" name="Content Placeholder 2"/>
+          <p:cNvSpPr>
+            <a:spLocks noGrp="1"/>
+          </p:cNvSpPr>
+          <p:nvPr>
+            <p:ph sz="quarter" idx="10"/>
+          </p:nvPr>
+        </p:nvSpPr>
+        <p:spPr>
+          <a:xfrm>
+            <a:off x="457200" y="1028699"/>
+            <a:ext cx="8229600" cy="2287127"/>
+          </a:xfrm>
+          <a:ln>
+            <a:solidFill>
+              <a:schemeClr val="tx1"/>
+            </a:solidFill>
+          </a:ln>
+        </p:spPr>
+        <p:txBody>
+          <a:bodyPr wrap="square" lIns="274320" anchor="ctr" anchorCtr="0">
+            <a:normAutofit/>
+          </a:bodyPr>
+          <a:lstStyle/>
+          <a:p>
+            <a:pPr marL="0" indent="0">
+              <a:spcBef>
+                <a:spcPts val="0"/>
+              </a:spcBef>
+              <a:buNone/>
+            </a:pPr>
+            <a:r>
+              <a:rPr lang="en-US" sz="1100" b="1" dirty="0">
+                <a:latin typeface="Consolas"/>
+                <a:cs typeface="Consolas"/>
+              </a:rPr>
+              <a:t># cat </a:t>
+            </a:r>
+            <a:r>
+              <a:rPr lang="en-US" sz="1100" b="1" dirty="0" err="1">
+                <a:latin typeface="Consolas"/>
+                <a:cs typeface="Consolas"/>
+              </a:rPr>
+              <a:t>pwalk</a:t>
+            </a:r>
+            <a:r>
+              <a:rPr lang="en-US" sz="1100" b="1" dirty="0">
+                <a:latin typeface="Consolas"/>
+                <a:cs typeface="Consolas"/>
+              </a:rPr>
+              <a:t>-paths</a:t>
+            </a:r>
+          </a:p>
+          <a:p>
+            <a:pPr marL="0" indent="0">
+              <a:spcBef>
+                <a:spcPts val="0"/>
+              </a:spcBef>
+              <a:buNone/>
+            </a:pPr>
+            <a:r>
+              <a:rPr lang="en-US" sz="1100" b="1" dirty="0">
+                <a:latin typeface="Consolas"/>
+                <a:cs typeface="Consolas"/>
+              </a:rPr>
+              <a:t>[source]</a:t>
+            </a:r>
+          </a:p>
+          <a:p>
+            <a:pPr marL="0" indent="0">
+              <a:spcBef>
+                <a:spcPts val="0"/>
+              </a:spcBef>
+              <a:buNone/>
+            </a:pPr>
+            <a:r>
+              <a:rPr lang="en-US" sz="1100" b="1" dirty="0">
+                <a:latin typeface="Consolas"/>
+                <a:cs typeface="Consolas"/>
+              </a:rPr>
+              <a:t>/</a:t>
+            </a:r>
+            <a:r>
+              <a:rPr lang="en-US" sz="1100" b="1" dirty="0" err="1">
+                <a:latin typeface="Consolas"/>
+                <a:cs typeface="Consolas"/>
+              </a:rPr>
+              <a:t>mnt</a:t>
+            </a:r>
+            <a:r>
+              <a:rPr lang="en-US" sz="1100" b="1" dirty="0">
+                <a:latin typeface="Consolas"/>
+                <a:cs typeface="Consolas"/>
+              </a:rPr>
+              <a:t>/1</a:t>
+            </a:r>
+          </a:p>
+          <a:p>
+            <a:pPr marL="0" indent="0">
+              <a:spcBef>
+                <a:spcPts val="0"/>
+              </a:spcBef>
+              <a:buNone/>
+            </a:pPr>
+            <a:r>
+              <a:rPr lang="en-US" sz="1100" b="1" dirty="0">
+                <a:latin typeface="Consolas"/>
+                <a:cs typeface="Consolas"/>
+              </a:rPr>
+              <a:t>/</a:t>
+            </a:r>
+            <a:r>
+              <a:rPr lang="en-US" sz="1100" b="1" dirty="0" err="1">
+                <a:latin typeface="Consolas"/>
+                <a:cs typeface="Consolas"/>
+              </a:rPr>
+              <a:t>mnt</a:t>
+            </a:r>
+            <a:r>
+              <a:rPr lang="en-US" sz="1100" b="1" dirty="0">
+                <a:latin typeface="Consolas"/>
+                <a:cs typeface="Consolas"/>
+              </a:rPr>
+              <a:t>/2</a:t>
+            </a:r>
+          </a:p>
+          <a:p>
+            <a:pPr marL="0" indent="0">
+              <a:spcBef>
+                <a:spcPts val="0"/>
+              </a:spcBef>
+              <a:buNone/>
+            </a:pPr>
+            <a:r>
+              <a:rPr lang="en-US" sz="1100" b="1" dirty="0">
+                <a:latin typeface="Consolas"/>
+                <a:cs typeface="Consolas"/>
+              </a:rPr>
+              <a:t>/</a:t>
+            </a:r>
+            <a:r>
+              <a:rPr lang="en-US" sz="1100" b="1" dirty="0" err="1">
+                <a:latin typeface="Consolas"/>
+                <a:cs typeface="Consolas"/>
+              </a:rPr>
+              <a:t>mnt</a:t>
+            </a:r>
+            <a:r>
+              <a:rPr lang="en-US" sz="1100" b="1" dirty="0">
+                <a:latin typeface="Consolas"/>
+                <a:cs typeface="Consolas"/>
+              </a:rPr>
+              <a:t>/3</a:t>
+            </a:r>
+          </a:p>
+          <a:p>
+            <a:pPr marL="0" indent="0">
+              <a:spcBef>
+                <a:spcPts val="0"/>
+              </a:spcBef>
+              <a:buNone/>
+            </a:pPr>
+            <a:endParaRPr lang="en-US" sz="1100" b="1" dirty="0">
+              <a:latin typeface="Consolas"/>
+              <a:cs typeface="Consolas"/>
+            </a:endParaRPr>
+          </a:p>
+          <a:p>
+            <a:pPr marL="0" indent="0">
+              <a:spcBef>
+                <a:spcPts val="0"/>
+              </a:spcBef>
+              <a:buNone/>
+            </a:pPr>
+            <a:r>
+              <a:rPr lang="en-US" sz="1100" b="1" dirty="0">
+                <a:latin typeface="Consolas"/>
+                <a:cs typeface="Consolas"/>
+              </a:rPr>
+              <a:t># </a:t>
+            </a:r>
+            <a:r>
+              <a:rPr lang="en-US" sz="1100" b="1" dirty="0" err="1">
+                <a:latin typeface="Consolas"/>
+                <a:cs typeface="Consolas"/>
+              </a:rPr>
+              <a:t>pwalk</a:t>
+            </a:r>
+            <a:r>
+              <a:rPr lang="en-US" sz="1100" b="1" dirty="0">
+                <a:latin typeface="Consolas"/>
+                <a:cs typeface="Consolas"/>
+              </a:rPr>
+              <a:t> –</a:t>
+            </a:r>
+            <a:r>
+              <a:rPr lang="en-US" sz="1100" b="1" dirty="0" err="1">
+                <a:latin typeface="Consolas"/>
+                <a:cs typeface="Consolas"/>
+              </a:rPr>
+              <a:t>dop</a:t>
+            </a:r>
+            <a:r>
+              <a:rPr lang="en-US" sz="1100" b="1" dirty="0">
+                <a:latin typeface="Consolas"/>
+                <a:cs typeface="Consolas"/>
+              </a:rPr>
+              <a:t>=5 &lt;mode(s)&gt; –</a:t>
+            </a:r>
+            <a:r>
+              <a:rPr lang="en-US" sz="1100" b="1" dirty="0" err="1">
+                <a:latin typeface="Consolas"/>
+                <a:cs typeface="Consolas"/>
+              </a:rPr>
+              <a:t>pfile</a:t>
+            </a:r>
+            <a:r>
+              <a:rPr lang="en-US" sz="1100" b="1" dirty="0">
+                <a:latin typeface="Consolas"/>
+                <a:cs typeface="Consolas"/>
+              </a:rPr>
+              <a:t>=</a:t>
+            </a:r>
+            <a:r>
+              <a:rPr lang="en-US" sz="1100" b="1" dirty="0" err="1">
+                <a:latin typeface="Consolas"/>
+                <a:cs typeface="Consolas"/>
+              </a:rPr>
+              <a:t>pwalk</a:t>
+            </a:r>
+            <a:r>
+              <a:rPr lang="en-US" sz="1100" b="1" dirty="0">
+                <a:latin typeface="Consolas"/>
+                <a:cs typeface="Consolas"/>
+              </a:rPr>
+              <a:t>-paths &lt;</a:t>
+            </a:r>
+            <a:r>
+              <a:rPr lang="en-US" sz="1100" b="1" dirty="0" err="1">
+                <a:latin typeface="Consolas"/>
+                <a:cs typeface="Consolas"/>
+              </a:rPr>
+              <a:t>relative_directory_path</a:t>
+            </a:r>
+            <a:r>
+              <a:rPr lang="en-US" sz="1100" b="1" dirty="0">
+                <a:latin typeface="Consolas"/>
+                <a:cs typeface="Consolas"/>
+              </a:rPr>
+              <a:t>&gt; [&lt;…&gt;]</a:t>
+            </a:r>
+          </a:p>
+          <a:p>
+            <a:pPr marL="0" indent="0">
+              <a:spcBef>
+                <a:spcPts val="0"/>
+              </a:spcBef>
+              <a:buNone/>
+            </a:pPr>
+            <a:r>
+              <a:rPr lang="en-US" sz="1100" b="1" dirty="0">
+                <a:latin typeface="Consolas"/>
+                <a:cs typeface="Consolas"/>
+              </a:rPr>
+              <a:t>     Worker 1 -&gt; /</a:t>
+            </a:r>
+            <a:r>
+              <a:rPr lang="en-US" sz="1100" b="1" dirty="0" err="1">
+                <a:latin typeface="Consolas"/>
+                <a:cs typeface="Consolas"/>
+              </a:rPr>
+              <a:t>mnt</a:t>
+            </a:r>
+            <a:r>
+              <a:rPr lang="en-US" sz="1100" b="1" dirty="0">
+                <a:latin typeface="Consolas"/>
+                <a:cs typeface="Consolas"/>
+              </a:rPr>
+              <a:t>/1/&lt;</a:t>
+            </a:r>
+            <a:r>
+              <a:rPr lang="en-US" sz="1100" b="1" dirty="0" err="1">
+                <a:latin typeface="Consolas"/>
+                <a:cs typeface="Consolas"/>
+              </a:rPr>
+              <a:t>relative_directory_path</a:t>
+            </a:r>
+            <a:r>
+              <a:rPr lang="en-US" sz="1100" b="1" dirty="0">
+                <a:latin typeface="Consolas"/>
+                <a:cs typeface="Consolas"/>
+              </a:rPr>
+              <a:t>&gt;</a:t>
+            </a:r>
+          </a:p>
+          <a:p>
+            <a:pPr marL="0" indent="0">
+              <a:spcBef>
+                <a:spcPts val="0"/>
+              </a:spcBef>
+              <a:buNone/>
+            </a:pPr>
+            <a:r>
+              <a:rPr lang="en-US" sz="1100" b="1" dirty="0">
+                <a:latin typeface="Consolas"/>
+                <a:cs typeface="Consolas"/>
+              </a:rPr>
+              <a:t>     Worker 2 -&gt; /</a:t>
+            </a:r>
+            <a:r>
+              <a:rPr lang="en-US" sz="1100" b="1" dirty="0" err="1">
+                <a:latin typeface="Consolas"/>
+                <a:cs typeface="Consolas"/>
+              </a:rPr>
+              <a:t>mnt</a:t>
+            </a:r>
+            <a:r>
+              <a:rPr lang="en-US" sz="1100" b="1" dirty="0">
+                <a:latin typeface="Consolas"/>
+                <a:cs typeface="Consolas"/>
+              </a:rPr>
+              <a:t>/2/&lt;</a:t>
+            </a:r>
+            <a:r>
+              <a:rPr lang="en-US" sz="1100" b="1" dirty="0" err="1">
+                <a:latin typeface="Consolas"/>
+                <a:cs typeface="Consolas"/>
+              </a:rPr>
+              <a:t>relative_directory_path</a:t>
+            </a:r>
+            <a:r>
+              <a:rPr lang="en-US" sz="1100" b="1" dirty="0">
+                <a:latin typeface="Consolas"/>
+                <a:cs typeface="Consolas"/>
+              </a:rPr>
+              <a:t>&gt;</a:t>
+            </a:r>
+          </a:p>
+          <a:p>
+            <a:pPr marL="0" indent="0">
+              <a:spcBef>
+                <a:spcPts val="0"/>
+              </a:spcBef>
+              <a:buNone/>
+            </a:pPr>
+            <a:r>
+              <a:rPr lang="en-US" sz="1100" b="1" dirty="0">
+                <a:latin typeface="Consolas"/>
+                <a:cs typeface="Consolas"/>
+              </a:rPr>
+              <a:t>     Worker 3 -&gt; /</a:t>
+            </a:r>
+            <a:r>
+              <a:rPr lang="en-US" sz="1100" b="1" dirty="0" err="1">
+                <a:latin typeface="Consolas"/>
+                <a:cs typeface="Consolas"/>
+              </a:rPr>
+              <a:t>mnt</a:t>
+            </a:r>
+            <a:r>
+              <a:rPr lang="en-US" sz="1100" b="1" dirty="0">
+                <a:latin typeface="Consolas"/>
+                <a:cs typeface="Consolas"/>
+              </a:rPr>
+              <a:t>/3/&lt;</a:t>
+            </a:r>
+            <a:r>
+              <a:rPr lang="en-US" sz="1100" b="1" dirty="0" err="1">
+                <a:latin typeface="Consolas"/>
+                <a:cs typeface="Consolas"/>
+              </a:rPr>
+              <a:t>relative_directory_path</a:t>
+            </a:r>
+            <a:r>
+              <a:rPr lang="en-US" sz="1100" b="1" dirty="0">
+                <a:latin typeface="Consolas"/>
+                <a:cs typeface="Consolas"/>
+              </a:rPr>
+              <a:t>&gt;</a:t>
+            </a:r>
+          </a:p>
+          <a:p>
+            <a:pPr marL="0" indent="0">
+              <a:spcBef>
+                <a:spcPts val="0"/>
+              </a:spcBef>
+              <a:buNone/>
+            </a:pPr>
+            <a:r>
+              <a:rPr lang="en-US" sz="1100" b="1" dirty="0">
+                <a:latin typeface="Consolas"/>
+                <a:cs typeface="Consolas"/>
+              </a:rPr>
+              <a:t>     Worker 4 -&gt; /</a:t>
+            </a:r>
+            <a:r>
+              <a:rPr lang="en-US" sz="1100" b="1" dirty="0" err="1">
+                <a:latin typeface="Consolas"/>
+                <a:cs typeface="Consolas"/>
+              </a:rPr>
+              <a:t>mnt</a:t>
+            </a:r>
+            <a:r>
+              <a:rPr lang="en-US" sz="1100" b="1" dirty="0">
+                <a:latin typeface="Consolas"/>
+                <a:cs typeface="Consolas"/>
+              </a:rPr>
+              <a:t>/1/&lt;</a:t>
+            </a:r>
+            <a:r>
+              <a:rPr lang="en-US" sz="1100" b="1" dirty="0" err="1">
+                <a:latin typeface="Consolas"/>
+                <a:cs typeface="Consolas"/>
+              </a:rPr>
+              <a:t>relative_directory_path</a:t>
+            </a:r>
+            <a:r>
+              <a:rPr lang="en-US" sz="1100" b="1" dirty="0">
+                <a:latin typeface="Consolas"/>
+                <a:cs typeface="Consolas"/>
+              </a:rPr>
+              <a:t>&gt;</a:t>
+            </a:r>
+          </a:p>
+          <a:p>
+            <a:pPr marL="0" indent="0">
+              <a:spcBef>
+                <a:spcPts val="0"/>
+              </a:spcBef>
+              <a:buNone/>
+            </a:pPr>
+            <a:r>
+              <a:rPr lang="en-US" sz="1100" b="1" dirty="0">
+                <a:latin typeface="Consolas"/>
+                <a:cs typeface="Consolas"/>
+              </a:rPr>
+              <a:t>     Worker 5 -&gt; /</a:t>
+            </a:r>
+            <a:r>
+              <a:rPr lang="en-US" sz="1100" b="1" dirty="0" err="1">
+                <a:latin typeface="Consolas"/>
+                <a:cs typeface="Consolas"/>
+              </a:rPr>
+              <a:t>mnt</a:t>
+            </a:r>
+            <a:r>
+              <a:rPr lang="en-US" sz="1100" b="1" dirty="0">
+                <a:latin typeface="Consolas"/>
+                <a:cs typeface="Consolas"/>
+              </a:rPr>
+              <a:t>/2/&lt;</a:t>
+            </a:r>
+            <a:r>
+              <a:rPr lang="en-US" sz="1100" b="1" dirty="0" err="1">
+                <a:latin typeface="Consolas"/>
+                <a:cs typeface="Consolas"/>
+              </a:rPr>
+              <a:t>relative_directory_path</a:t>
+            </a:r>
+            <a:r>
+              <a:rPr lang="en-US" sz="1100" b="1" dirty="0">
+                <a:latin typeface="Consolas"/>
+                <a:cs typeface="Consolas"/>
+              </a:rPr>
+              <a:t>&gt;</a:t>
+            </a:r>
+          </a:p>
+        </p:txBody>
+      </p:sp>
+      <p:pic>
+        <p:nvPicPr>
+          <p:cNvPr id="4" name="Picture 2" descr="C:\Users\BROOME~1\AppData\Local\Temp\VMwareDnD\cfc176d6\iStock_000011953681XSmall.jpg"/>
+          <p:cNvPicPr>
+            <a:picLocks noChangeAspect="1" noChangeArrowheads="1"/>
+          </p:cNvPicPr>
+          <p:nvPr/>
+        </p:nvPicPr>
+        <p:blipFill>
+          <a:blip r:embed="rId3" cstate="email">
+            <a:extLst>
+              <a:ext uri="{28A0092B-C50C-407E-A947-70E740481C1C}">
+                <a14:useLocalDpi xmlns:a14="http://schemas.microsoft.com/office/drawing/2010/main"/>
+              </a:ext>
+            </a:extLst>
+          </a:blip>
+          <a:stretch>
+            <a:fillRect/>
+          </a:stretch>
+        </p:blipFill>
+        <p:spPr bwMode="auto">
+          <a:xfrm flipH="1">
+            <a:off x="7774886" y="176470"/>
+            <a:ext cx="1140515" cy="852230"/>
+          </a:xfrm>
+          <a:prstGeom prst="rect">
+            <a:avLst/>
+          </a:prstGeom>
+          <a:noFill/>
+          <a:ln>
+            <a:noFill/>
+          </a:ln>
+        </p:spPr>
+      </p:pic>
+      <p:sp>
+        <p:nvSpPr>
+          <p:cNvPr id="5" name="TextBox 4"/>
+          <p:cNvSpPr txBox="1"/>
+          <p:nvPr/>
+        </p:nvSpPr>
+        <p:spPr>
+          <a:xfrm>
+            <a:off x="457200" y="3394072"/>
+            <a:ext cx="8229600" cy="938719"/>
+          </a:xfrm>
+          <a:prstGeom prst="rect">
+            <a:avLst/>
+          </a:prstGeom>
+          <a:noFill/>
+          <a:ln>
+            <a:solidFill>
+              <a:schemeClr val="bg2"/>
+            </a:solidFill>
+          </a:ln>
+        </p:spPr>
+        <p:txBody>
+          <a:bodyPr wrap="square" rtlCol="0">
+            <a:spAutoFit/>
+          </a:bodyPr>
+          <a:lstStyle/>
+          <a:p>
+            <a:pPr marL="171450" indent="-171450">
+              <a:spcBef>
+                <a:spcPts val="0"/>
+              </a:spcBef>
+              <a:buFont typeface="Arial"/>
+              <a:buChar char="•"/>
+            </a:pPr>
+            <a:r>
+              <a:rPr lang="en-US" sz="1100" b="1" dirty="0">
+                <a:latin typeface="Consolas"/>
+                <a:cs typeface="Consolas"/>
+              </a:rPr>
+              <a:t>-</a:t>
+            </a:r>
+            <a:r>
+              <a:rPr lang="en-US" sz="1100" b="1" dirty="0" err="1">
+                <a:latin typeface="Consolas"/>
+                <a:cs typeface="Consolas"/>
+              </a:rPr>
+              <a:t>pfile</a:t>
+            </a:r>
+            <a:r>
+              <a:rPr lang="en-US" sz="1100" b="1" dirty="0">
+                <a:latin typeface="Consolas"/>
+                <a:cs typeface="Consolas"/>
+              </a:rPr>
+              <a:t>= [source] format is one path-per-line, with ^[%#*] lines ignored as comments</a:t>
+            </a:r>
+          </a:p>
+          <a:p>
+            <a:pPr marL="171450" indent="-171450">
+              <a:spcBef>
+                <a:spcPts val="0"/>
+              </a:spcBef>
+              <a:buFont typeface="Arial"/>
+              <a:buChar char="•"/>
+            </a:pPr>
+            <a:r>
+              <a:rPr lang="en-US" sz="1100" b="1" dirty="0">
+                <a:latin typeface="Consolas"/>
+                <a:cs typeface="Consolas"/>
+              </a:rPr>
+              <a:t>All equivalent [source] paths </a:t>
+            </a:r>
+            <a:r>
+              <a:rPr lang="en-US" sz="1100" b="1" u="sng" dirty="0">
+                <a:latin typeface="Consolas"/>
+                <a:cs typeface="Consolas"/>
+              </a:rPr>
+              <a:t>must</a:t>
+            </a:r>
+            <a:r>
+              <a:rPr lang="en-US" sz="1100" b="1" dirty="0">
+                <a:latin typeface="Consolas"/>
+                <a:cs typeface="Consolas"/>
+              </a:rPr>
+              <a:t> exist and represent the same actual directory</a:t>
+            </a:r>
+          </a:p>
+          <a:p>
+            <a:pPr marL="171450" indent="-171450">
+              <a:spcBef>
+                <a:spcPts val="0"/>
+              </a:spcBef>
+              <a:buFont typeface="Arial"/>
+              <a:buChar char="•"/>
+            </a:pPr>
+            <a:r>
+              <a:rPr lang="en-US" sz="1100" b="1" dirty="0">
+                <a:latin typeface="Consolas"/>
+                <a:cs typeface="Consolas"/>
+              </a:rPr>
+              <a:t>All source pathnames will be evaluated relative to the [source] paths</a:t>
+            </a:r>
+          </a:p>
+          <a:p>
+            <a:pPr marL="171450" indent="-171450">
+              <a:spcBef>
+                <a:spcPts val="0"/>
+              </a:spcBef>
+              <a:buFont typeface="Arial"/>
+              <a:buChar char="•"/>
+            </a:pPr>
+            <a:r>
+              <a:rPr lang="en-US" sz="1100" b="1" dirty="0">
+                <a:latin typeface="Consolas"/>
+                <a:cs typeface="Consolas"/>
+              </a:rPr>
+              <a:t>When [source] is defined, the </a:t>
+            </a:r>
+            <a:r>
+              <a:rPr lang="mr-IN" sz="1100" b="1" dirty="0">
+                <a:latin typeface="Consolas"/>
+                <a:cs typeface="Consolas"/>
+              </a:rPr>
+              <a:t>–</a:t>
+            </a:r>
+            <a:r>
+              <a:rPr lang="en-US" sz="1100" b="1" dirty="0">
+                <a:latin typeface="Consolas"/>
+                <a:cs typeface="Consolas"/>
+              </a:rPr>
+              <a:t>source= option cannot be specified</a:t>
+            </a:r>
+          </a:p>
+          <a:p>
+            <a:pPr marL="171450" indent="-171450">
+              <a:spcBef>
+                <a:spcPts val="0"/>
+              </a:spcBef>
+              <a:buFont typeface="Arial"/>
+              <a:buChar char="•"/>
+            </a:pPr>
+            <a:r>
+              <a:rPr lang="en-US" sz="1100" b="1" dirty="0">
+                <a:latin typeface="Consolas"/>
+                <a:cs typeface="Consolas"/>
+              </a:rPr>
+              <a:t>Source root paths will be bound to absolute paths, with all </a:t>
+            </a:r>
+            <a:r>
+              <a:rPr lang="en-US" sz="1100" b="1" dirty="0" err="1">
+                <a:latin typeface="Consolas"/>
+                <a:cs typeface="Consolas"/>
+              </a:rPr>
+              <a:t>symlinks</a:t>
+            </a:r>
+            <a:r>
+              <a:rPr lang="en-US" sz="1100" b="1" dirty="0">
+                <a:latin typeface="Consolas"/>
+                <a:cs typeface="Consolas"/>
+              </a:rPr>
+              <a:t> fully-resolved </a:t>
+            </a:r>
+          </a:p>
+        </p:txBody>
+      </p:sp>
+    </p:spTree>
+    <p:extLst>
+      <p:ext uri="{BB962C8B-B14F-4D97-AF65-F5344CB8AC3E}">
+        <p14:creationId xmlns:p14="http://schemas.microsoft.com/office/powerpoint/2010/main" val="2719647061"/>
+      </p:ext>
+    </p:extLst>
+  </p:cSld>
+  <p:clrMapOvr>
+    <a:masterClrMapping/>
+  </p:clrMapOvr>
+  <p:transition>
+    <p:fade/>
+  </p:transition>
+  <p:timing>
+    <p:tnLst>
+      <p:par>
+        <p:cTn id="1" dur="indefinite" restart="never" nodeType="tmRoot">
+          <p:childTnLst>
+            <p:seq concurrent="1" nextAc="seek">
+              <p:cTn id="2" dur="indefinite" nodeType="mainSeq">
+                <p:childTnLst>
+                  <p:par>
+                    <p:cTn id="3" fill="hold">
+                      <p:stCondLst>
+                        <p:cond delay="indefinite"/>
+                        <p:cond evt="onBegin" delay="0">
+                          <p:tn val="2"/>
+                        </p:cond>
+                      </p:stCondLst>
+                      <p:childTnLst>
+                        <p:par>
+                          <p:cTn id="4" fill="hold">
+                            <p:stCondLst>
+                              <p:cond delay="0"/>
+                            </p:stCondLst>
+                            <p:childTnLst>
+                              <p:par>
+                                <p:cTn id="5" presetID="10" presetClass="entr" presetSubtype="0" fill="hold" nodeType="withEffect">
+                                  <p:stCondLst>
+                                    <p:cond delay="0"/>
+                                  </p:stCondLst>
+                                  <p:childTnLst>
+                                    <p:set>
+                                      <p:cBhvr>
+                                        <p:cTn id="6" dur="1" fill="hold">
+                                          <p:stCondLst>
+                                            <p:cond delay="0"/>
+                                          </p:stCondLst>
+                                        </p:cTn>
+                                        <p:tgtEl>
+                                          <p:spTgt spid="4"/>
+                                        </p:tgtEl>
+                                        <p:attrNameLst>
+                                          <p:attrName>style.visibility</p:attrName>
+                                        </p:attrNameLst>
+                                      </p:cBhvr>
+                                      <p:to>
+                                        <p:strVal val="visible"/>
+                                      </p:to>
+                                    </p:set>
+                                    <p:animEffect transition="in" filter="fade">
+                                      <p:cBhvr>
+                                        <p:cTn id="7" dur="500"/>
+                                        <p:tgtEl>
+                                          <p:spTgt spid="4"/>
+                                        </p:tgtEl>
+                                      </p:cBhvr>
+                                    </p:animEffect>
+                                  </p:childTnLst>
+                                </p:cTn>
+                              </p:par>
+                            </p:childTnLst>
+                          </p:cTn>
+                        </p:par>
+                      </p:childTnLst>
+                    </p:cTn>
+                  </p:par>
+                </p:childTnLst>
+              </p:cTn>
+              <p:prevCondLst>
+                <p:cond evt="onPrev" delay="0">
+                  <p:tgtEl>
+                    <p:sldTgt/>
+                  </p:tgtEl>
+                </p:cond>
+              </p:prevCondLst>
+              <p:nextCondLst>
+                <p:cond evt="onNext" delay="0">
+                  <p:tgtEl>
+                    <p:sldTgt/>
+                  </p:tgtEl>
+                </p:cond>
+              </p:nextCondLst>
+            </p:seq>
+          </p:childTnLst>
+        </p:cTn>
+      </p:par>
+    </p:tnLst>
+  </p:timing>
+</p:sld>
+</file>
+
+<file path=ppt/slides/slide19.xml><?xml version="1.0" encoding="utf-8"?>
+<p:sld xmlns:a="http://schemas.openxmlformats.org/drawingml/2006/main" xmlns:r="http://schemas.openxmlformats.org/officeDocument/2006/relationships" xmlns:p="http://schemas.openxmlformats.org/presentationml/2006/main">
+  <p:cSld>
+    <p:spTree>
+      <p:nvGrpSpPr>
+        <p:cNvPr id="1" name=""/>
+        <p:cNvGrpSpPr/>
+        <p:nvPr/>
+      </p:nvGrpSpPr>
+      <p:grpSpPr>
+        <a:xfrm>
+          <a:off x="0" y="0"/>
+          <a:ext cx="0" cy="0"/>
+          <a:chOff x="0" y="0"/>
+          <a:chExt cx="0" cy="0"/>
+        </a:xfrm>
+      </p:grpSpPr>
+      <p:sp>
+        <p:nvSpPr>
+          <p:cNvPr id="2" name="Title 1"/>
+          <p:cNvSpPr>
+            <a:spLocks noGrp="1"/>
+          </p:cNvSpPr>
+          <p:nvPr>
+            <p:ph type="title"/>
+          </p:nvPr>
+        </p:nvSpPr>
+        <p:spPr/>
+        <p:txBody>
+          <a:bodyPr anchor="ctr" anchorCtr="0"/>
+          <a:lstStyle/>
+          <a:p>
+            <a:r>
+              <a:rPr lang="en-US" sz="2800" dirty="0">
+                <a:solidFill>
+                  <a:schemeClr val="accent1"/>
+                </a:solidFill>
+              </a:rPr>
+              <a:t>Multipathing – Source &amp; Target Example</a:t>
+            </a:r>
+          </a:p>
+        </p:txBody>
+      </p:sp>
+      <p:sp>
+        <p:nvSpPr>
+          <p:cNvPr id="3" name="Content Placeholder 2"/>
+          <p:cNvSpPr>
+            <a:spLocks noGrp="1"/>
+          </p:cNvSpPr>
+          <p:nvPr>
+            <p:ph sz="quarter" idx="10"/>
+          </p:nvPr>
+        </p:nvSpPr>
+        <p:spPr>
+          <a:xfrm>
+            <a:off x="457200" y="1028699"/>
+            <a:ext cx="8229600" cy="2287127"/>
+          </a:xfrm>
+          <a:ln>
+            <a:solidFill>
+              <a:schemeClr val="tx1"/>
+            </a:solidFill>
+          </a:ln>
+        </p:spPr>
+        <p:txBody>
+          <a:bodyPr wrap="none" lIns="274320" anchor="ctr" anchorCtr="0">
+            <a:normAutofit lnSpcReduction="10000"/>
+          </a:bodyPr>
+          <a:lstStyle/>
+          <a:p>
+            <a:pPr marL="0" indent="0">
+              <a:spcBef>
+                <a:spcPts val="0"/>
+              </a:spcBef>
+              <a:buNone/>
+            </a:pPr>
+            <a:r>
+              <a:rPr lang="en-US" sz="1100" b="1" dirty="0">
+                <a:latin typeface="Consolas"/>
+                <a:cs typeface="Consolas"/>
+              </a:rPr>
+              <a:t># cat </a:t>
+            </a:r>
+            <a:r>
+              <a:rPr lang="en-US" sz="1100" b="1" dirty="0" err="1">
+                <a:latin typeface="Consolas"/>
+                <a:cs typeface="Consolas"/>
+              </a:rPr>
+              <a:t>pwalk</a:t>
+            </a:r>
+            <a:r>
+              <a:rPr lang="en-US" sz="1100" b="1" dirty="0">
+                <a:latin typeface="Consolas"/>
+                <a:cs typeface="Consolas"/>
+              </a:rPr>
+              <a:t>-paths</a:t>
+            </a:r>
+          </a:p>
+          <a:p>
+            <a:pPr marL="0" indent="0">
+              <a:spcBef>
+                <a:spcPts val="0"/>
+              </a:spcBef>
+              <a:buNone/>
+            </a:pPr>
+            <a:r>
+              <a:rPr lang="en-US" sz="1100" b="1" dirty="0">
+                <a:latin typeface="Consolas"/>
+                <a:cs typeface="Consolas"/>
+              </a:rPr>
+              <a:t>[source]</a:t>
+            </a:r>
+          </a:p>
+          <a:p>
+            <a:pPr marL="0" indent="0">
+              <a:spcBef>
+                <a:spcPts val="0"/>
+              </a:spcBef>
+              <a:buNone/>
+            </a:pPr>
+            <a:r>
+              <a:rPr lang="en-US" sz="1100" b="1" dirty="0">
+                <a:latin typeface="Consolas"/>
+                <a:cs typeface="Consolas"/>
+              </a:rPr>
+              <a:t>/</a:t>
+            </a:r>
+            <a:r>
+              <a:rPr lang="en-US" sz="1100" b="1" dirty="0" err="1">
+                <a:latin typeface="Consolas"/>
+                <a:cs typeface="Consolas"/>
+              </a:rPr>
+              <a:t>mnt</a:t>
+            </a:r>
+            <a:r>
+              <a:rPr lang="en-US" sz="1100" b="1" dirty="0">
+                <a:latin typeface="Consolas"/>
+                <a:cs typeface="Consolas"/>
+              </a:rPr>
+              <a:t>/1</a:t>
+            </a:r>
+          </a:p>
+          <a:p>
+            <a:pPr marL="0" indent="0">
+              <a:spcBef>
+                <a:spcPts val="0"/>
+              </a:spcBef>
+              <a:buNone/>
+            </a:pPr>
+            <a:r>
+              <a:rPr lang="en-US" sz="1100" b="1" dirty="0">
+                <a:latin typeface="Consolas"/>
+                <a:cs typeface="Consolas"/>
+              </a:rPr>
+              <a:t>/</a:t>
+            </a:r>
+            <a:r>
+              <a:rPr lang="en-US" sz="1100" b="1" dirty="0" err="1">
+                <a:latin typeface="Consolas"/>
+                <a:cs typeface="Consolas"/>
+              </a:rPr>
+              <a:t>mnt</a:t>
+            </a:r>
+            <a:r>
+              <a:rPr lang="en-US" sz="1100" b="1" dirty="0">
+                <a:latin typeface="Consolas"/>
+                <a:cs typeface="Consolas"/>
+              </a:rPr>
+              <a:t>/2</a:t>
+            </a:r>
+          </a:p>
+          <a:p>
+            <a:pPr marL="0" indent="0">
+              <a:spcBef>
+                <a:spcPts val="0"/>
+              </a:spcBef>
+              <a:buNone/>
+            </a:pPr>
+            <a:r>
+              <a:rPr lang="en-US" sz="1100" b="1" dirty="0">
+                <a:latin typeface="Consolas"/>
+                <a:cs typeface="Consolas"/>
+              </a:rPr>
+              <a:t>/</a:t>
+            </a:r>
+            <a:r>
+              <a:rPr lang="en-US" sz="1100" b="1" dirty="0" err="1">
+                <a:latin typeface="Consolas"/>
+                <a:cs typeface="Consolas"/>
+              </a:rPr>
+              <a:t>mnt</a:t>
+            </a:r>
+            <a:r>
+              <a:rPr lang="en-US" sz="1100" b="1" dirty="0">
+                <a:latin typeface="Consolas"/>
+                <a:cs typeface="Consolas"/>
+              </a:rPr>
+              <a:t>/3</a:t>
+            </a:r>
+          </a:p>
+          <a:p>
+            <a:pPr marL="0" indent="0">
+              <a:spcBef>
+                <a:spcPts val="0"/>
+              </a:spcBef>
+              <a:buNone/>
+            </a:pPr>
+            <a:r>
+              <a:rPr lang="en-US" sz="1100" b="1" dirty="0">
+                <a:latin typeface="Consolas"/>
+                <a:cs typeface="Consolas"/>
+              </a:rPr>
+              <a:t>[target]</a:t>
+            </a:r>
+          </a:p>
+          <a:p>
+            <a:pPr marL="0" indent="0">
+              <a:spcBef>
+                <a:spcPts val="0"/>
+              </a:spcBef>
+              <a:buNone/>
+            </a:pPr>
+            <a:r>
+              <a:rPr lang="en-US" sz="1100" b="1" dirty="0">
+                <a:latin typeface="Consolas"/>
+                <a:cs typeface="Consolas"/>
+              </a:rPr>
+              <a:t>/</a:t>
+            </a:r>
+            <a:r>
+              <a:rPr lang="en-US" sz="1100" b="1" dirty="0" err="1">
+                <a:latin typeface="Consolas"/>
+                <a:cs typeface="Consolas"/>
+              </a:rPr>
+              <a:t>mnt</a:t>
+            </a:r>
+            <a:r>
+              <a:rPr lang="en-US" sz="1100" b="1" dirty="0">
+                <a:latin typeface="Consolas"/>
+                <a:cs typeface="Consolas"/>
+              </a:rPr>
+              <a:t>/target1</a:t>
+            </a:r>
+          </a:p>
+          <a:p>
+            <a:pPr marL="0" indent="0">
+              <a:spcBef>
+                <a:spcPts val="0"/>
+              </a:spcBef>
+              <a:buNone/>
+            </a:pPr>
+            <a:r>
+              <a:rPr lang="en-US" sz="1100" b="1" dirty="0">
+                <a:latin typeface="Consolas"/>
+                <a:cs typeface="Consolas"/>
+              </a:rPr>
+              <a:t>/</a:t>
+            </a:r>
+            <a:r>
+              <a:rPr lang="en-US" sz="1100" b="1" dirty="0" err="1">
+                <a:latin typeface="Consolas"/>
+                <a:cs typeface="Consolas"/>
+              </a:rPr>
+              <a:t>mnt</a:t>
+            </a:r>
+            <a:r>
+              <a:rPr lang="en-US" sz="1100" b="1" dirty="0">
+                <a:latin typeface="Consolas"/>
+                <a:cs typeface="Consolas"/>
+              </a:rPr>
+              <a:t>/target2</a:t>
+            </a:r>
+          </a:p>
+          <a:p>
+            <a:pPr marL="0" indent="0">
+              <a:spcBef>
+                <a:spcPts val="0"/>
+              </a:spcBef>
+              <a:buNone/>
+            </a:pPr>
+            <a:endParaRPr lang="en-US" sz="1100" b="1" dirty="0">
+              <a:latin typeface="Consolas"/>
+              <a:cs typeface="Consolas"/>
+            </a:endParaRPr>
+          </a:p>
+          <a:p>
+            <a:pPr marL="0" indent="0">
+              <a:spcBef>
+                <a:spcPts val="0"/>
+              </a:spcBef>
+              <a:buNone/>
+            </a:pPr>
+            <a:r>
+              <a:rPr lang="en-US" sz="1100" b="1" dirty="0">
+                <a:latin typeface="Consolas"/>
+                <a:cs typeface="Consolas"/>
+              </a:rPr>
+              <a:t># </a:t>
+            </a:r>
+            <a:r>
+              <a:rPr lang="en-US" sz="1100" b="1" dirty="0" err="1">
+                <a:latin typeface="Consolas"/>
+                <a:cs typeface="Consolas"/>
+              </a:rPr>
+              <a:t>pwalk</a:t>
+            </a:r>
+            <a:r>
+              <a:rPr lang="en-US" sz="1100" b="1" dirty="0">
+                <a:latin typeface="Consolas"/>
+                <a:cs typeface="Consolas"/>
+              </a:rPr>
+              <a:t> –</a:t>
+            </a:r>
+            <a:r>
+              <a:rPr lang="en-US" sz="1100" b="1" dirty="0" err="1">
+                <a:latin typeface="Consolas"/>
+                <a:cs typeface="Consolas"/>
+              </a:rPr>
+              <a:t>dop</a:t>
+            </a:r>
+            <a:r>
+              <a:rPr lang="en-US" sz="1100" b="1" dirty="0">
+                <a:latin typeface="Consolas"/>
+                <a:cs typeface="Consolas"/>
+              </a:rPr>
+              <a:t>=5 &lt;mode(s)&gt; –</a:t>
+            </a:r>
+            <a:r>
+              <a:rPr lang="en-US" sz="1100" b="1" dirty="0" err="1">
+                <a:latin typeface="Consolas"/>
+                <a:cs typeface="Consolas"/>
+              </a:rPr>
+              <a:t>pfile</a:t>
+            </a:r>
+            <a:r>
+              <a:rPr lang="en-US" sz="1100" b="1" dirty="0">
+                <a:latin typeface="Consolas"/>
+                <a:cs typeface="Consolas"/>
+              </a:rPr>
+              <a:t>=</a:t>
+            </a:r>
+            <a:r>
+              <a:rPr lang="en-US" sz="1100" b="1" dirty="0" err="1">
+                <a:latin typeface="Consolas"/>
+                <a:cs typeface="Consolas"/>
+              </a:rPr>
+              <a:t>pwalk</a:t>
+            </a:r>
+            <a:r>
+              <a:rPr lang="en-US" sz="1100" b="1" dirty="0">
+                <a:latin typeface="Consolas"/>
+                <a:cs typeface="Consolas"/>
+              </a:rPr>
+              <a:t>-paths &lt;</a:t>
+            </a:r>
+            <a:r>
+              <a:rPr lang="en-US" sz="1100" b="1" dirty="0" err="1">
+                <a:latin typeface="Consolas"/>
+                <a:cs typeface="Consolas"/>
+              </a:rPr>
+              <a:t>relative_directory_path</a:t>
+            </a:r>
+            <a:r>
+              <a:rPr lang="en-US" sz="1100" b="1" dirty="0">
+                <a:latin typeface="Consolas"/>
+                <a:cs typeface="Consolas"/>
+              </a:rPr>
+              <a:t>&gt; [&lt;…&gt;]</a:t>
+            </a:r>
+          </a:p>
+          <a:p>
+            <a:pPr marL="0" indent="0">
+              <a:spcBef>
+                <a:spcPts val="0"/>
+              </a:spcBef>
+              <a:buNone/>
+            </a:pPr>
+            <a:r>
+              <a:rPr lang="en-US" sz="1100" b="1" dirty="0">
+                <a:latin typeface="Consolas"/>
+                <a:cs typeface="Consolas"/>
+              </a:rPr>
+              <a:t>     Worker 1 -&gt; /</a:t>
+            </a:r>
+            <a:r>
+              <a:rPr lang="en-US" sz="1100" b="1" dirty="0" err="1">
+                <a:latin typeface="Consolas"/>
+                <a:cs typeface="Consolas"/>
+              </a:rPr>
+              <a:t>mnt</a:t>
+            </a:r>
+            <a:r>
+              <a:rPr lang="en-US" sz="1100" b="1" dirty="0">
+                <a:latin typeface="Consolas"/>
+                <a:cs typeface="Consolas"/>
+              </a:rPr>
+              <a:t>/1/&lt;</a:t>
+            </a:r>
+            <a:r>
+              <a:rPr lang="en-US" sz="1100" b="1" dirty="0" err="1">
+                <a:latin typeface="Consolas"/>
+                <a:cs typeface="Consolas"/>
+              </a:rPr>
+              <a:t>relative_directory_path</a:t>
+            </a:r>
+            <a:r>
+              <a:rPr lang="en-US" sz="1100" b="1" dirty="0">
+                <a:latin typeface="Consolas"/>
+                <a:cs typeface="Consolas"/>
+              </a:rPr>
+              <a:t>&gt;  /</a:t>
+            </a:r>
+            <a:r>
+              <a:rPr lang="en-US" sz="1100" b="1" dirty="0" err="1">
+                <a:latin typeface="Consolas"/>
+                <a:cs typeface="Consolas"/>
+              </a:rPr>
+              <a:t>mnt</a:t>
+            </a:r>
+            <a:r>
+              <a:rPr lang="en-US" sz="1100" b="1" dirty="0">
+                <a:latin typeface="Consolas"/>
+                <a:cs typeface="Consolas"/>
+              </a:rPr>
+              <a:t>/target1/&lt;</a:t>
+            </a:r>
+            <a:r>
+              <a:rPr lang="en-US" sz="1100" b="1" dirty="0" err="1">
+                <a:latin typeface="Consolas"/>
+                <a:cs typeface="Consolas"/>
+              </a:rPr>
+              <a:t>relative_directory_path</a:t>
+            </a:r>
+            <a:r>
+              <a:rPr lang="en-US" sz="1100" b="1" dirty="0">
+                <a:latin typeface="Consolas"/>
+                <a:cs typeface="Consolas"/>
+              </a:rPr>
+              <a:t>&gt;</a:t>
+            </a:r>
+          </a:p>
+          <a:p>
+            <a:pPr marL="0" indent="0">
+              <a:spcBef>
+                <a:spcPts val="0"/>
+              </a:spcBef>
+              <a:buNone/>
+            </a:pPr>
+            <a:r>
+              <a:rPr lang="en-US" sz="1100" b="1" dirty="0">
+                <a:latin typeface="Consolas"/>
+                <a:cs typeface="Consolas"/>
+              </a:rPr>
+              <a:t>     Worker 2 -&gt; /</a:t>
+            </a:r>
+            <a:r>
+              <a:rPr lang="en-US" sz="1100" b="1" dirty="0" err="1">
+                <a:latin typeface="Consolas"/>
+                <a:cs typeface="Consolas"/>
+              </a:rPr>
+              <a:t>mnt</a:t>
+            </a:r>
+            <a:r>
+              <a:rPr lang="en-US" sz="1100" b="1" dirty="0">
+                <a:latin typeface="Consolas"/>
+                <a:cs typeface="Consolas"/>
+              </a:rPr>
+              <a:t>/2/&lt;</a:t>
+            </a:r>
+            <a:r>
+              <a:rPr lang="en-US" sz="1100" b="1" dirty="0" err="1">
+                <a:latin typeface="Consolas"/>
+                <a:cs typeface="Consolas"/>
+              </a:rPr>
+              <a:t>relative_directory_path</a:t>
+            </a:r>
+            <a:r>
+              <a:rPr lang="en-US" sz="1100" b="1" dirty="0">
+                <a:latin typeface="Consolas"/>
+                <a:cs typeface="Consolas"/>
+              </a:rPr>
+              <a:t>&gt;  /</a:t>
+            </a:r>
+            <a:r>
+              <a:rPr lang="en-US" sz="1100" b="1" dirty="0" err="1">
+                <a:latin typeface="Consolas"/>
+                <a:cs typeface="Consolas"/>
+              </a:rPr>
+              <a:t>mnt</a:t>
+            </a:r>
+            <a:r>
+              <a:rPr lang="en-US" sz="1100" b="1" dirty="0">
+                <a:latin typeface="Consolas"/>
+                <a:cs typeface="Consolas"/>
+              </a:rPr>
+              <a:t>/target2/&lt;</a:t>
+            </a:r>
+            <a:r>
+              <a:rPr lang="en-US" sz="1100" b="1" dirty="0" err="1">
+                <a:latin typeface="Consolas"/>
+                <a:cs typeface="Consolas"/>
+              </a:rPr>
+              <a:t>relative_directory_path</a:t>
+            </a:r>
+            <a:r>
+              <a:rPr lang="en-US" sz="1100" b="1" dirty="0">
+                <a:latin typeface="Consolas"/>
+                <a:cs typeface="Consolas"/>
+              </a:rPr>
+              <a:t>&gt;</a:t>
+            </a:r>
+          </a:p>
+          <a:p>
+            <a:pPr marL="0" indent="0">
+              <a:spcBef>
+                <a:spcPts val="0"/>
+              </a:spcBef>
+              <a:buNone/>
+            </a:pPr>
+            <a:r>
+              <a:rPr lang="en-US" sz="1100" b="1" dirty="0">
+                <a:latin typeface="Consolas"/>
+                <a:cs typeface="Consolas"/>
+              </a:rPr>
+              <a:t>     Worker 3 -&gt; /</a:t>
+            </a:r>
+            <a:r>
+              <a:rPr lang="en-US" sz="1100" b="1" dirty="0" err="1">
+                <a:latin typeface="Consolas"/>
+                <a:cs typeface="Consolas"/>
+              </a:rPr>
+              <a:t>mnt</a:t>
+            </a:r>
+            <a:r>
+              <a:rPr lang="en-US" sz="1100" b="1" dirty="0">
+                <a:latin typeface="Consolas"/>
+                <a:cs typeface="Consolas"/>
+              </a:rPr>
+              <a:t>/3/&lt;</a:t>
+            </a:r>
+            <a:r>
+              <a:rPr lang="en-US" sz="1100" b="1" dirty="0" err="1">
+                <a:latin typeface="Consolas"/>
+                <a:cs typeface="Consolas"/>
+              </a:rPr>
+              <a:t>relative_directory_path</a:t>
+            </a:r>
+            <a:r>
+              <a:rPr lang="en-US" sz="1100" b="1" dirty="0">
+                <a:latin typeface="Consolas"/>
+                <a:cs typeface="Consolas"/>
+              </a:rPr>
+              <a:t>&gt;  /</a:t>
+            </a:r>
+            <a:r>
+              <a:rPr lang="en-US" sz="1100" b="1" dirty="0" err="1">
+                <a:latin typeface="Consolas"/>
+                <a:cs typeface="Consolas"/>
+              </a:rPr>
+              <a:t>mnt</a:t>
+            </a:r>
+            <a:r>
+              <a:rPr lang="en-US" sz="1100" b="1" dirty="0">
+                <a:latin typeface="Consolas"/>
+                <a:cs typeface="Consolas"/>
+              </a:rPr>
+              <a:t>/target1/&lt;</a:t>
+            </a:r>
+            <a:r>
+              <a:rPr lang="en-US" sz="1100" b="1" dirty="0" err="1">
+                <a:latin typeface="Consolas"/>
+                <a:cs typeface="Consolas"/>
+              </a:rPr>
+              <a:t>relative_directory_path</a:t>
+            </a:r>
+            <a:r>
+              <a:rPr lang="en-US" sz="1100" b="1" dirty="0">
+                <a:latin typeface="Consolas"/>
+                <a:cs typeface="Consolas"/>
+              </a:rPr>
+              <a:t>&gt;</a:t>
+            </a:r>
+          </a:p>
+          <a:p>
+            <a:pPr marL="0" indent="0">
+              <a:spcBef>
+                <a:spcPts val="0"/>
+              </a:spcBef>
+              <a:buNone/>
+            </a:pPr>
+            <a:r>
+              <a:rPr lang="en-US" sz="1100" b="1" dirty="0">
+                <a:latin typeface="Consolas"/>
+                <a:cs typeface="Consolas"/>
+              </a:rPr>
+              <a:t>     Worker 4 -&gt; /</a:t>
+            </a:r>
+            <a:r>
+              <a:rPr lang="en-US" sz="1100" b="1" dirty="0" err="1">
+                <a:latin typeface="Consolas"/>
+                <a:cs typeface="Consolas"/>
+              </a:rPr>
+              <a:t>mnt</a:t>
+            </a:r>
+            <a:r>
+              <a:rPr lang="en-US" sz="1100" b="1" dirty="0">
+                <a:latin typeface="Consolas"/>
+                <a:cs typeface="Consolas"/>
+              </a:rPr>
+              <a:t>/1/&lt;</a:t>
+            </a:r>
+            <a:r>
+              <a:rPr lang="en-US" sz="1100" b="1" dirty="0" err="1">
+                <a:latin typeface="Consolas"/>
+                <a:cs typeface="Consolas"/>
+              </a:rPr>
+              <a:t>relative_directory_path</a:t>
+            </a:r>
+            <a:r>
+              <a:rPr lang="en-US" sz="1100" b="1" dirty="0">
+                <a:latin typeface="Consolas"/>
+                <a:cs typeface="Consolas"/>
+              </a:rPr>
+              <a:t>&gt;  /</a:t>
+            </a:r>
+            <a:r>
+              <a:rPr lang="en-US" sz="1100" b="1" dirty="0" err="1">
+                <a:latin typeface="Consolas"/>
+                <a:cs typeface="Consolas"/>
+              </a:rPr>
+              <a:t>mnt</a:t>
+            </a:r>
+            <a:r>
+              <a:rPr lang="en-US" sz="1100" b="1" dirty="0">
+                <a:latin typeface="Consolas"/>
+                <a:cs typeface="Consolas"/>
+              </a:rPr>
+              <a:t>/target2/&lt;</a:t>
+            </a:r>
+            <a:r>
+              <a:rPr lang="en-US" sz="1100" b="1" dirty="0" err="1">
+                <a:latin typeface="Consolas"/>
+                <a:cs typeface="Consolas"/>
+              </a:rPr>
+              <a:t>relative_directory_path</a:t>
+            </a:r>
+            <a:r>
+              <a:rPr lang="en-US" sz="1100" b="1" dirty="0">
+                <a:latin typeface="Consolas"/>
+                <a:cs typeface="Consolas"/>
+              </a:rPr>
+              <a:t>&gt;</a:t>
+            </a:r>
+          </a:p>
+          <a:p>
+            <a:pPr marL="0" indent="0">
+              <a:spcBef>
+                <a:spcPts val="0"/>
+              </a:spcBef>
+              <a:buNone/>
+            </a:pPr>
+            <a:r>
+              <a:rPr lang="en-US" sz="1100" b="1" dirty="0">
+                <a:latin typeface="Consolas"/>
+                <a:cs typeface="Consolas"/>
+              </a:rPr>
+              <a:t>     Worker 5 -&gt; /</a:t>
+            </a:r>
+            <a:r>
+              <a:rPr lang="en-US" sz="1100" b="1" dirty="0" err="1">
+                <a:latin typeface="Consolas"/>
+                <a:cs typeface="Consolas"/>
+              </a:rPr>
+              <a:t>mnt</a:t>
+            </a:r>
+            <a:r>
+              <a:rPr lang="en-US" sz="1100" b="1" dirty="0">
+                <a:latin typeface="Consolas"/>
+                <a:cs typeface="Consolas"/>
+              </a:rPr>
+              <a:t>/2/&lt;</a:t>
+            </a:r>
+            <a:r>
+              <a:rPr lang="en-US" sz="1100" b="1" dirty="0" err="1">
+                <a:latin typeface="Consolas"/>
+                <a:cs typeface="Consolas"/>
+              </a:rPr>
+              <a:t>relative_directory_path</a:t>
+            </a:r>
+            <a:r>
+              <a:rPr lang="en-US" sz="1100" b="1" dirty="0">
+                <a:latin typeface="Consolas"/>
+                <a:cs typeface="Consolas"/>
+              </a:rPr>
+              <a:t>&gt;  /</a:t>
+            </a:r>
+            <a:r>
+              <a:rPr lang="en-US" sz="1100" b="1" dirty="0" err="1">
+                <a:latin typeface="Consolas"/>
+                <a:cs typeface="Consolas"/>
+              </a:rPr>
+              <a:t>mnt</a:t>
+            </a:r>
+            <a:r>
+              <a:rPr lang="en-US" sz="1100" b="1" dirty="0">
+                <a:latin typeface="Consolas"/>
+                <a:cs typeface="Consolas"/>
+              </a:rPr>
+              <a:t>/target1/&lt;</a:t>
+            </a:r>
+            <a:r>
+              <a:rPr lang="en-US" sz="1100" b="1" dirty="0" err="1">
+                <a:latin typeface="Consolas"/>
+                <a:cs typeface="Consolas"/>
+              </a:rPr>
+              <a:t>relative_directory_path</a:t>
+            </a:r>
+            <a:r>
+              <a:rPr lang="en-US" sz="1100" b="1" dirty="0">
+                <a:latin typeface="Consolas"/>
+                <a:cs typeface="Consolas"/>
+              </a:rPr>
+              <a:t>&gt;</a:t>
+            </a:r>
+          </a:p>
+        </p:txBody>
+      </p:sp>
+      <p:pic>
+        <p:nvPicPr>
+          <p:cNvPr id="4" name="Picture 2" descr="C:\Users\BROOME~1\AppData\Local\Temp\VMwareDnD\cfc176d6\iStock_000011953681XSmall.jpg"/>
+          <p:cNvPicPr>
+            <a:picLocks noChangeAspect="1" noChangeArrowheads="1"/>
+          </p:cNvPicPr>
+          <p:nvPr/>
+        </p:nvPicPr>
+        <p:blipFill>
+          <a:blip r:embed="rId3" cstate="email">
+            <a:extLst>
+              <a:ext uri="{28A0092B-C50C-407E-A947-70E740481C1C}">
+                <a14:useLocalDpi xmlns:a14="http://schemas.microsoft.com/office/drawing/2010/main"/>
+              </a:ext>
+            </a:extLst>
+          </a:blip>
+          <a:stretch>
+            <a:fillRect/>
+          </a:stretch>
+        </p:blipFill>
+        <p:spPr bwMode="auto">
+          <a:xfrm flipH="1">
+            <a:off x="7774886" y="176470"/>
+            <a:ext cx="1140515" cy="852230"/>
+          </a:xfrm>
+          <a:prstGeom prst="rect">
+            <a:avLst/>
+          </a:prstGeom>
+          <a:noFill/>
+          <a:ln>
+            <a:noFill/>
+          </a:ln>
+        </p:spPr>
+      </p:pic>
+      <p:sp>
+        <p:nvSpPr>
+          <p:cNvPr id="6" name="TextBox 5">
+            <a:extLst>
+              <a:ext uri="{FF2B5EF4-FFF2-40B4-BE49-F238E27FC236}">
+                <a16:creationId xmlns:a16="http://schemas.microsoft.com/office/drawing/2014/main" id="{77609F47-D11A-9F41-AE37-4BAA11F84D1D}"/>
+              </a:ext>
+            </a:extLst>
+          </p:cNvPr>
+          <p:cNvSpPr txBox="1"/>
+          <p:nvPr/>
+        </p:nvSpPr>
+        <p:spPr>
+          <a:xfrm>
+            <a:off x="457200" y="3394072"/>
+            <a:ext cx="8229600" cy="1107996"/>
+          </a:xfrm>
+          <a:prstGeom prst="rect">
+            <a:avLst/>
+          </a:prstGeom>
+          <a:noFill/>
+          <a:ln>
+            <a:solidFill>
+              <a:schemeClr val="bg2"/>
+            </a:solidFill>
+          </a:ln>
+        </p:spPr>
+        <p:txBody>
+          <a:bodyPr wrap="square" rtlCol="0">
+            <a:spAutoFit/>
+          </a:bodyPr>
+          <a:lstStyle/>
+          <a:p>
+            <a:pPr marL="171450" indent="-171450">
+              <a:spcBef>
+                <a:spcPts val="0"/>
+              </a:spcBef>
+              <a:buFont typeface="Arial"/>
+              <a:buChar char="•"/>
+            </a:pPr>
+            <a:r>
+              <a:rPr lang="en-US" sz="1100" b="1" dirty="0">
+                <a:latin typeface="Consolas"/>
+                <a:cs typeface="Consolas"/>
+              </a:rPr>
+              <a:t>-</a:t>
+            </a:r>
+            <a:r>
+              <a:rPr lang="en-US" sz="1100" b="1" dirty="0" err="1">
+                <a:latin typeface="Consolas"/>
+                <a:cs typeface="Consolas"/>
+              </a:rPr>
+              <a:t>pfile</a:t>
+            </a:r>
+            <a:r>
+              <a:rPr lang="en-US" sz="1100" b="1" dirty="0">
+                <a:latin typeface="Consolas"/>
+                <a:cs typeface="Consolas"/>
+              </a:rPr>
+              <a:t>= [source] and [target] format is one path-per-line, with ^[%#*] lines ignored as comments</a:t>
+            </a:r>
+          </a:p>
+          <a:p>
+            <a:pPr marL="171450" indent="-171450">
+              <a:spcBef>
+                <a:spcPts val="0"/>
+              </a:spcBef>
+              <a:buFont typeface="Arial"/>
+              <a:buChar char="•"/>
+            </a:pPr>
+            <a:r>
+              <a:rPr lang="en-US" sz="1100" b="1" dirty="0">
+                <a:latin typeface="Consolas"/>
+                <a:cs typeface="Consolas"/>
+              </a:rPr>
+              <a:t>All equivalent [source] or [target] paths </a:t>
+            </a:r>
+            <a:r>
+              <a:rPr lang="en-US" sz="1100" b="1" u="sng" dirty="0">
+                <a:latin typeface="Consolas"/>
+                <a:cs typeface="Consolas"/>
+              </a:rPr>
+              <a:t>must</a:t>
+            </a:r>
+            <a:r>
+              <a:rPr lang="en-US" sz="1100" b="1" dirty="0">
+                <a:latin typeface="Consolas"/>
+                <a:cs typeface="Consolas"/>
+              </a:rPr>
+              <a:t> exist and represent the same actual directory</a:t>
+            </a:r>
+          </a:p>
+          <a:p>
+            <a:pPr marL="171450" indent="-171450">
+              <a:spcBef>
+                <a:spcPts val="0"/>
+              </a:spcBef>
+              <a:buFont typeface="Arial"/>
+              <a:buChar char="•"/>
+            </a:pPr>
+            <a:r>
+              <a:rPr lang="en-US" sz="1100" b="1" dirty="0">
+                <a:latin typeface="Consolas"/>
+                <a:cs typeface="Consolas"/>
+              </a:rPr>
+              <a:t>All source pathnames will be evaluated relative to the </a:t>
+            </a:r>
+            <a:r>
+              <a:rPr lang="mr-IN" sz="1100" b="1" dirty="0">
+                <a:latin typeface="Consolas"/>
+                <a:cs typeface="Consolas"/>
+              </a:rPr>
+              <a:t>–</a:t>
+            </a:r>
+            <a:r>
+              <a:rPr lang="en-US" sz="1100" b="1" dirty="0">
+                <a:latin typeface="Consolas"/>
+                <a:cs typeface="Consolas"/>
+              </a:rPr>
+              <a:t>source= or [source] paths</a:t>
+            </a:r>
+          </a:p>
+          <a:p>
+            <a:pPr marL="171450" indent="-171450">
+              <a:spcBef>
+                <a:spcPts val="0"/>
+              </a:spcBef>
+              <a:buFont typeface="Arial"/>
+              <a:buChar char="•"/>
+            </a:pPr>
+            <a:r>
+              <a:rPr lang="en-US" sz="1100" b="1" dirty="0">
+                <a:latin typeface="Consolas"/>
+                <a:cs typeface="Consolas"/>
+              </a:rPr>
+              <a:t>All target pathnames will be evaluated relative to the </a:t>
+            </a:r>
+            <a:r>
+              <a:rPr lang="mr-IN" sz="1100" b="1" dirty="0">
+                <a:latin typeface="Consolas"/>
+                <a:cs typeface="Consolas"/>
+              </a:rPr>
+              <a:t>–</a:t>
+            </a:r>
+            <a:r>
+              <a:rPr lang="en-US" sz="1100" b="1" dirty="0">
+                <a:latin typeface="Consolas"/>
+                <a:cs typeface="Consolas"/>
+              </a:rPr>
+              <a:t>target= or [target] paths</a:t>
+            </a:r>
+          </a:p>
+          <a:p>
+            <a:pPr marL="171450" indent="-171450">
+              <a:spcBef>
+                <a:spcPts val="0"/>
+              </a:spcBef>
+              <a:buFont typeface="Arial"/>
+              <a:buChar char="•"/>
+            </a:pPr>
+            <a:r>
+              <a:rPr lang="en-US" sz="1100" b="1" dirty="0">
+                <a:latin typeface="Consolas"/>
+                <a:cs typeface="Consolas"/>
+              </a:rPr>
+              <a:t>When [source] or [target] paths are defined, </a:t>
+            </a:r>
+            <a:r>
+              <a:rPr lang="mr-IN" sz="1100" b="1" dirty="0">
+                <a:latin typeface="Consolas"/>
+                <a:cs typeface="Consolas"/>
+              </a:rPr>
+              <a:t>–</a:t>
+            </a:r>
+            <a:r>
+              <a:rPr lang="en-US" sz="1100" b="1" dirty="0">
+                <a:latin typeface="Consolas"/>
+                <a:cs typeface="Consolas"/>
+              </a:rPr>
+              <a:t>source= or </a:t>
+            </a:r>
+            <a:r>
+              <a:rPr lang="mr-IN" sz="1100" b="1" dirty="0">
+                <a:latin typeface="Consolas"/>
+                <a:cs typeface="Consolas"/>
+              </a:rPr>
+              <a:t>–</a:t>
+            </a:r>
+            <a:r>
+              <a:rPr lang="en-US" sz="1100" b="1" dirty="0">
+                <a:latin typeface="Consolas"/>
+                <a:cs typeface="Consolas"/>
+              </a:rPr>
+              <a:t>target= options cannot be specified</a:t>
+            </a:r>
+          </a:p>
+          <a:p>
+            <a:pPr marL="171450" indent="-171450">
+              <a:spcBef>
+                <a:spcPts val="0"/>
+              </a:spcBef>
+              <a:buFont typeface="Arial"/>
+              <a:buChar char="•"/>
+            </a:pPr>
+            <a:r>
+              <a:rPr lang="en-US" sz="1100" b="1" dirty="0">
+                <a:latin typeface="Consolas"/>
+                <a:cs typeface="Consolas"/>
+              </a:rPr>
+              <a:t>Source and target root paths will be bound to absolute paths, with all </a:t>
+            </a:r>
+            <a:r>
+              <a:rPr lang="en-US" sz="1100" b="1" dirty="0" err="1">
+                <a:latin typeface="Consolas"/>
+                <a:cs typeface="Consolas"/>
+              </a:rPr>
+              <a:t>symlinks</a:t>
+            </a:r>
+            <a:r>
+              <a:rPr lang="en-US" sz="1100" b="1" dirty="0">
+                <a:latin typeface="Consolas"/>
+                <a:cs typeface="Consolas"/>
+              </a:rPr>
+              <a:t> fully-resolved </a:t>
+            </a:r>
+          </a:p>
+        </p:txBody>
+      </p:sp>
+    </p:spTree>
+    <p:extLst>
+      <p:ext uri="{BB962C8B-B14F-4D97-AF65-F5344CB8AC3E}">
+        <p14:creationId xmlns:p14="http://schemas.microsoft.com/office/powerpoint/2010/main" val="3649459786"/>
+      </p:ext>
+    </p:extLst>
+  </p:cSld>
+  <p:clrMapOvr>
+    <a:masterClrMapping/>
+  </p:clrMapOvr>
+  <p:transition>
+    <p:fade/>
+  </p:transition>
+  <p:timing>
+    <p:tnLst>
+      <p:par>
+        <p:cTn id="1" dur="indefinite" restart="never" nodeType="tmRoot">
+          <p:childTnLst>
+            <p:seq concurrent="1" nextAc="seek">
+              <p:cTn id="2" dur="indefinite" nodeType="mainSeq">
+                <p:childTnLst>
+                  <p:par>
+                    <p:cTn id="3" fill="hold">
+                      <p:stCondLst>
+                        <p:cond delay="indefinite"/>
+                        <p:cond evt="onBegin" delay="0">
+                          <p:tn val="2"/>
+                        </p:cond>
+                      </p:stCondLst>
+                      <p:childTnLst>
+                        <p:par>
+                          <p:cTn id="4" fill="hold">
+                            <p:stCondLst>
+                              <p:cond delay="0"/>
+                            </p:stCondLst>
+                            <p:childTnLst>
+                              <p:par>
+                                <p:cTn id="5" presetID="10" presetClass="entr" presetSubtype="0" fill="hold" nodeType="withEffect">
+                                  <p:stCondLst>
+                                    <p:cond delay="0"/>
+                                  </p:stCondLst>
+                                  <p:childTnLst>
+                                    <p:set>
+                                      <p:cBhvr>
+                                        <p:cTn id="6" dur="1" fill="hold">
+                                          <p:stCondLst>
+                                            <p:cond delay="0"/>
+                                          </p:stCondLst>
+                                        </p:cTn>
+                                        <p:tgtEl>
+                                          <p:spTgt spid="4"/>
+                                        </p:tgtEl>
+                                        <p:attrNameLst>
+                                          <p:attrName>style.visibility</p:attrName>
+                                        </p:attrNameLst>
+                                      </p:cBhvr>
+                                      <p:to>
+                                        <p:strVal val="visible"/>
+                                      </p:to>
+                                    </p:set>
+                                    <p:animEffect transition="in" filter="fade">
+                                      <p:cBhvr>
+                                        <p:cTn id="7" dur="500"/>
+                                        <p:tgtEl>
+                                          <p:spTgt spid="4"/>
+                                        </p:tgtEl>
+                                      </p:cBhvr>
+                                    </p:animEffect>
+                                  </p:childTnLst>
+                                </p:cTn>
+                              </p:par>
+                            </p:childTnLst>
+                          </p:cTn>
+                        </p:par>
+                      </p:childTnLst>
+                    </p:cTn>
+                  </p:par>
+                </p:childTnLst>
+              </p:cTn>
+              <p:prevCondLst>
+                <p:cond evt="onPrev" delay="0">
+                  <p:tgtEl>
+                    <p:sldTgt/>
+                  </p:tgtEl>
+                </p:cond>
+              </p:prevCondLst>
+              <p:nextCondLst>
+                <p:cond evt="onNext" delay="0">
+                  <p:tgtEl>
+                    <p:sldTgt/>
+                  </p:tgtEl>
+                </p:cond>
+              </p:nextCondLst>
+            </p:seq>
+          </p:childTnLst>
+        </p:cTn>
+      </p:par>
+    </p:tnLst>
+  </p:timing>
+</p:sld>
+</file>
+
+<file path=ppt/slides/slide2.xml><?xml version="1.0" encoding="utf-8"?>
+<p:sld xmlns:a="http://schemas.openxmlformats.org/drawingml/2006/main" xmlns:r="http://schemas.openxmlformats.org/officeDocument/2006/relationships" xmlns:p="http://schemas.openxmlformats.org/presentationml/2006/main">
+  <p:cSld>
+    <p:spTree>
+      <p:nvGrpSpPr>
+        <p:cNvPr id="1" name=""/>
+        <p:cNvGrpSpPr/>
+        <p:nvPr/>
+      </p:nvGrpSpPr>
+      <p:grpSpPr>
+        <a:xfrm>
+          <a:off x="0" y="0"/>
+          <a:ext cx="0" cy="0"/>
+          <a:chOff x="0" y="0"/>
+          <a:chExt cx="0" cy="0"/>
+        </a:xfrm>
+      </p:grpSpPr>
+      <p:sp>
+        <p:nvSpPr>
+          <p:cNvPr id="2" name="Title 1"/>
+          <p:cNvSpPr>
+            <a:spLocks noGrp="1"/>
+          </p:cNvSpPr>
+          <p:nvPr>
+            <p:ph type="title"/>
+          </p:nvPr>
+        </p:nvSpPr>
+        <p:spPr>
+          <a:xfrm>
+            <a:off x="375533" y="161219"/>
+            <a:ext cx="8410575" cy="690563"/>
+          </a:xfrm>
+        </p:spPr>
+        <p:txBody>
+          <a:bodyPr/>
+          <a:lstStyle/>
+          <a:p>
+            <a:r>
+              <a:rPr lang="en-US" dirty="0">
+                <a:solidFill>
+                  <a:srgbClr val="007DB8"/>
+                </a:solidFill>
+              </a:rPr>
+              <a:t>Disclaimers</a:t>
+            </a:r>
+          </a:p>
+        </p:txBody>
+      </p:sp>
+      <p:sp>
+        <p:nvSpPr>
+          <p:cNvPr id="4" name="Content Placeholder 3"/>
+          <p:cNvSpPr>
+            <a:spLocks noGrp="1"/>
+          </p:cNvSpPr>
+          <p:nvPr>
+            <p:ph sz="quarter" idx="10"/>
+          </p:nvPr>
+        </p:nvSpPr>
+        <p:spPr>
+          <a:xfrm>
+            <a:off x="366714" y="1060450"/>
+            <a:ext cx="8410575" cy="3610036"/>
+          </a:xfrm>
+        </p:spPr>
+        <p:txBody>
+          <a:bodyPr>
+            <a:normAutofit/>
+          </a:bodyPr>
+          <a:lstStyle/>
+          <a:p>
+            <a:pPr marL="0" indent="0">
+              <a:spcBef>
+                <a:spcPts val="0"/>
+              </a:spcBef>
+              <a:buNone/>
+            </a:pPr>
+            <a:r>
+              <a:rPr lang="en-US" sz="1800" i="1" dirty="0">
+                <a:latin typeface="+mn-lt"/>
+              </a:rPr>
+              <a:t>The software described herein is FREE CODE provided for instructional purposes only. It is not an official or supported product of Dell Technologies, Dell EMC, or any of its affiliates. Neither Dell Technologies nor Dell EMC assume any liability whatsoever for any use of this software or derivatives of this software, including any potential consequential damages which could arise from its use.</a:t>
+            </a:r>
+          </a:p>
+          <a:p>
+            <a:pPr marL="0" indent="0">
+              <a:spcBef>
+                <a:spcPts val="0"/>
+              </a:spcBef>
+              <a:buNone/>
+            </a:pPr>
+            <a:endParaRPr lang="en-US" sz="900" i="1" dirty="0">
+              <a:latin typeface="+mn-lt"/>
+            </a:endParaRPr>
+          </a:p>
+          <a:p>
+            <a:pPr marL="0" indent="0">
+              <a:spcBef>
+                <a:spcPts val="0"/>
+              </a:spcBef>
+              <a:buNone/>
+            </a:pPr>
+            <a:r>
+              <a:rPr lang="en-US" sz="1800" i="1" dirty="0">
+                <a:latin typeface="+mn-lt"/>
+              </a:rPr>
+              <a:t>The C source code includes this disclaimer ...</a:t>
+            </a:r>
+          </a:p>
+          <a:p>
+            <a:pPr marL="0" indent="0">
+              <a:spcBef>
+                <a:spcPts val="0"/>
+              </a:spcBef>
+              <a:buNone/>
+            </a:pPr>
+            <a:endParaRPr lang="en-US" sz="900" dirty="0">
+              <a:latin typeface="+mn-lt"/>
+            </a:endParaRPr>
+          </a:p>
+          <a:p>
+            <a:pPr marL="346075" lvl="1" indent="0">
+              <a:spcBef>
+                <a:spcPts val="0"/>
+              </a:spcBef>
+              <a:buNone/>
+            </a:pPr>
+            <a:r>
+              <a:rPr lang="en-US" sz="1400" dirty="0">
+                <a:latin typeface="+mn-lt"/>
+                <a:cs typeface="Consolas"/>
+              </a:rPr>
+              <a:t>// This is FREE CODE.  There are no warranties,</a:t>
+            </a:r>
+          </a:p>
+          <a:p>
+            <a:pPr marL="346075" lvl="1" indent="0">
+              <a:spcBef>
+                <a:spcPts val="0"/>
+              </a:spcBef>
+              <a:buNone/>
+            </a:pPr>
+            <a:r>
+              <a:rPr lang="en-US" sz="1400" dirty="0">
+                <a:latin typeface="+mn-lt"/>
+                <a:cs typeface="Consolas"/>
+              </a:rPr>
+              <a:t>// express or implied of any sort whatsoever,</a:t>
+            </a:r>
+          </a:p>
+          <a:p>
+            <a:pPr marL="346075" lvl="1" indent="0">
+              <a:spcBef>
+                <a:spcPts val="0"/>
+              </a:spcBef>
+              <a:buNone/>
+            </a:pPr>
+            <a:r>
+              <a:rPr lang="en-US" sz="1400" dirty="0">
+                <a:latin typeface="+mn-lt"/>
+                <a:cs typeface="Consolas"/>
+              </a:rPr>
+              <a:t>// including any warrantees of correctness or </a:t>
+            </a:r>
+          </a:p>
+          <a:p>
+            <a:pPr marL="346075" lvl="1" indent="0">
+              <a:spcBef>
+                <a:spcPts val="0"/>
+              </a:spcBef>
+              <a:buNone/>
+            </a:pPr>
+            <a:r>
+              <a:rPr lang="en-US" sz="1400" dirty="0">
+                <a:latin typeface="+mn-lt"/>
+                <a:cs typeface="Consolas"/>
+              </a:rPr>
+              <a:t>// suitability for any particular purpose.</a:t>
+            </a:r>
+          </a:p>
+          <a:p>
+            <a:pPr marL="346075" lvl="1" indent="0">
+              <a:spcBef>
+                <a:spcPts val="0"/>
+              </a:spcBef>
+              <a:buNone/>
+            </a:pPr>
+            <a:endParaRPr lang="en-US" sz="900" dirty="0">
+              <a:latin typeface="+mn-lt"/>
+              <a:cs typeface="Consolas"/>
+            </a:endParaRPr>
+          </a:p>
+          <a:p>
+            <a:pPr marL="0" indent="0">
+              <a:spcBef>
+                <a:spcPts val="0"/>
+              </a:spcBef>
+              <a:buNone/>
+            </a:pPr>
+            <a:r>
+              <a:rPr lang="en-US" sz="1800" i="1" dirty="0">
+                <a:latin typeface="+mn-lt"/>
+                <a:cs typeface="Consolas"/>
+              </a:rPr>
+              <a:t>This project is a work-in-process. All aspects of its features and implementation details are subject to change without notice.</a:t>
+            </a:r>
+          </a:p>
+        </p:txBody>
+      </p:sp>
+    </p:spTree>
+    <p:extLst>
+      <p:ext uri="{BB962C8B-B14F-4D97-AF65-F5344CB8AC3E}">
+        <p14:creationId xmlns:p14="http://schemas.microsoft.com/office/powerpoint/2010/main" val="2147835070"/>
+      </p:ext>
+    </p:extLst>
+  </p:cSld>
+  <p:clrMapOvr>
+    <a:masterClrMapping/>
+  </p:clrMapOvr>
+  <p:transition>
+    <p:fade/>
+  </p:transition>
+</p:sld>
+</file>
+
+<file path=ppt/slides/slide20.xml><?xml version="1.0" encoding="utf-8"?>
 <p:sld xmlns:a="http://schemas.openxmlformats.org/drawingml/2006/main" xmlns:r="http://schemas.openxmlformats.org/officeDocument/2006/relationships" xmlns:p="http://schemas.openxmlformats.org/presentationml/2006/main">
   <p:cSld>
     <p:spTree>
@@ -17419,7 +20704,7 @@
 </p:sld>
 </file>
 
-<file path=ppt/slides/slide19.xml><?xml version="1.0" encoding="utf-8"?>
+<file path=ppt/slides/slide21.xml><?xml version="1.0" encoding="utf-8"?>
 <p:sld xmlns:a="http://schemas.openxmlformats.org/drawingml/2006/main" xmlns:r="http://schemas.openxmlformats.org/officeDocument/2006/relationships" xmlns:p="http://schemas.openxmlformats.org/presentationml/2006/main">
   <p:cSld>
     <p:bg>
@@ -17504,231 +20789,7 @@
 </p:sld>
 </file>
 
-<file path=ppt/slides/slide2.xml><?xml version="1.0" encoding="utf-8"?>
-<p:sld xmlns:a="http://schemas.openxmlformats.org/drawingml/2006/main" xmlns:r="http://schemas.openxmlformats.org/officeDocument/2006/relationships" xmlns:p="http://schemas.openxmlformats.org/presentationml/2006/main">
-  <p:cSld>
-    <p:spTree>
-      <p:nvGrpSpPr>
-        <p:cNvPr id="1" name=""/>
-        <p:cNvGrpSpPr/>
-        <p:nvPr/>
-      </p:nvGrpSpPr>
-      <p:grpSpPr>
-        <a:xfrm>
-          <a:off x="0" y="0"/>
-          <a:ext cx="0" cy="0"/>
-          <a:chOff x="0" y="0"/>
-          <a:chExt cx="0" cy="0"/>
-        </a:xfrm>
-      </p:grpSpPr>
-      <p:sp>
-        <p:nvSpPr>
-          <p:cNvPr id="2" name="Title 1"/>
-          <p:cNvSpPr>
-            <a:spLocks noGrp="1"/>
-          </p:cNvSpPr>
-          <p:nvPr>
-            <p:ph type="title"/>
-          </p:nvPr>
-        </p:nvSpPr>
-        <p:spPr>
-          <a:xfrm>
-            <a:off x="375533" y="161219"/>
-            <a:ext cx="8410575" cy="690563"/>
-          </a:xfrm>
-        </p:spPr>
-        <p:txBody>
-          <a:bodyPr/>
-          <a:lstStyle/>
-          <a:p>
-            <a:r>
-              <a:rPr lang="en-US" dirty="0">
-                <a:solidFill>
-                  <a:srgbClr val="007DB8"/>
-                </a:solidFill>
-              </a:rPr>
-              <a:t>Disclaimers</a:t>
-            </a:r>
-          </a:p>
-        </p:txBody>
-      </p:sp>
-      <p:sp>
-        <p:nvSpPr>
-          <p:cNvPr id="4" name="Content Placeholder 3"/>
-          <p:cNvSpPr>
-            <a:spLocks noGrp="1"/>
-          </p:cNvSpPr>
-          <p:nvPr>
-            <p:ph sz="quarter" idx="10"/>
-          </p:nvPr>
-        </p:nvSpPr>
-        <p:spPr>
-          <a:xfrm>
-            <a:off x="366714" y="1060450"/>
-            <a:ext cx="8410575" cy="3610036"/>
-          </a:xfrm>
-        </p:spPr>
-        <p:txBody>
-          <a:bodyPr>
-            <a:normAutofit/>
-          </a:bodyPr>
-          <a:lstStyle/>
-          <a:p>
-            <a:pPr marL="0" indent="0">
-              <a:spcBef>
-                <a:spcPts val="0"/>
-              </a:spcBef>
-              <a:buNone/>
-            </a:pPr>
-            <a:r>
-              <a:rPr lang="en-US" sz="1800" i="1" dirty="0">
-                <a:latin typeface="+mn-lt"/>
-              </a:rPr>
-              <a:t>The software described herein is FREE CODE provided for instructional purposes only. It is not an official or supported product of Dell Technologies, Dell EMC, or any of its affiliates. Neither Dell Technologies nor Dell EMC assume any liability whatsoever for any use of this software or derivatives of this software, including any potential consequential damages which could arise from its use.</a:t>
-            </a:r>
-          </a:p>
-          <a:p>
-            <a:pPr marL="0" indent="0">
-              <a:spcBef>
-                <a:spcPts val="0"/>
-              </a:spcBef>
-              <a:buNone/>
-            </a:pPr>
-            <a:endParaRPr lang="en-US" sz="900" i="1" dirty="0">
-              <a:latin typeface="+mn-lt"/>
-            </a:endParaRPr>
-          </a:p>
-          <a:p>
-            <a:pPr marL="0" indent="0">
-              <a:spcBef>
-                <a:spcPts val="0"/>
-              </a:spcBef>
-              <a:buNone/>
-            </a:pPr>
-            <a:r>
-              <a:rPr lang="en-US" sz="1800" i="1" dirty="0">
-                <a:latin typeface="+mn-lt"/>
-              </a:rPr>
-              <a:t>The C source code includes this disclaimer ...</a:t>
-            </a:r>
-          </a:p>
-          <a:p>
-            <a:pPr marL="0" indent="0">
-              <a:spcBef>
-                <a:spcPts val="0"/>
-              </a:spcBef>
-              <a:buNone/>
-            </a:pPr>
-            <a:endParaRPr lang="en-US" sz="900" dirty="0">
-              <a:latin typeface="+mn-lt"/>
-            </a:endParaRPr>
-          </a:p>
-          <a:p>
-            <a:pPr marL="346075" lvl="1" indent="0">
-              <a:spcBef>
-                <a:spcPts val="0"/>
-              </a:spcBef>
-              <a:buNone/>
-            </a:pPr>
-            <a:r>
-              <a:rPr lang="en-US" sz="1400" dirty="0">
-                <a:latin typeface="+mn-lt"/>
-                <a:cs typeface="Consolas"/>
-              </a:rPr>
-              <a:t>// This is FREE CODE.  There are no warranties,</a:t>
-            </a:r>
-          </a:p>
-          <a:p>
-            <a:pPr marL="346075" lvl="1" indent="0">
-              <a:spcBef>
-                <a:spcPts val="0"/>
-              </a:spcBef>
-              <a:buNone/>
-            </a:pPr>
-            <a:r>
-              <a:rPr lang="en-US" sz="1400" dirty="0">
-                <a:latin typeface="+mn-lt"/>
-                <a:cs typeface="Consolas"/>
-              </a:rPr>
-              <a:t>// express or implied of any sort whatsoever,</a:t>
-            </a:r>
-          </a:p>
-          <a:p>
-            <a:pPr marL="346075" lvl="1" indent="0">
-              <a:spcBef>
-                <a:spcPts val="0"/>
-              </a:spcBef>
-              <a:buNone/>
-            </a:pPr>
-            <a:r>
-              <a:rPr lang="en-US" sz="1400" dirty="0">
-                <a:latin typeface="+mn-lt"/>
-                <a:cs typeface="Consolas"/>
-              </a:rPr>
-              <a:t>// including any warrantees of correctness or </a:t>
-            </a:r>
-          </a:p>
-          <a:p>
-            <a:pPr marL="346075" lvl="1" indent="0">
-              <a:spcBef>
-                <a:spcPts val="0"/>
-              </a:spcBef>
-              <a:buNone/>
-            </a:pPr>
-            <a:r>
-              <a:rPr lang="en-US" sz="1400" dirty="0">
-                <a:latin typeface="+mn-lt"/>
-                <a:cs typeface="Consolas"/>
-              </a:rPr>
-              <a:t>// suitability for any particular purpose.</a:t>
-            </a:r>
-          </a:p>
-          <a:p>
-            <a:pPr marL="346075" lvl="1" indent="0">
-              <a:spcBef>
-                <a:spcPts val="0"/>
-              </a:spcBef>
-              <a:buNone/>
-            </a:pPr>
-            <a:endParaRPr lang="en-US" sz="900" dirty="0">
-              <a:latin typeface="+mn-lt"/>
-              <a:cs typeface="Consolas"/>
-            </a:endParaRPr>
-          </a:p>
-          <a:p>
-            <a:pPr marL="0" indent="0">
-              <a:spcBef>
-                <a:spcPts val="0"/>
-              </a:spcBef>
-              <a:buNone/>
-            </a:pPr>
-            <a:r>
-              <a:rPr lang="en-US" sz="1800" i="1" dirty="0">
-                <a:latin typeface="+mn-lt"/>
-                <a:cs typeface="Consolas"/>
-              </a:rPr>
-              <a:t>This code is a work-in-process. All aspects of its features and implementation are subject to change.</a:t>
-            </a:r>
-          </a:p>
-        </p:txBody>
-      </p:sp>
-    </p:spTree>
-    <p:extLst>
-      <p:ext uri="{BB962C8B-B14F-4D97-AF65-F5344CB8AC3E}">
-        <p14:creationId xmlns:p14="http://schemas.microsoft.com/office/powerpoint/2010/main" val="2147835070"/>
-      </p:ext>
-    </p:extLst>
-  </p:cSld>
-  <p:clrMapOvr>
-    <a:masterClrMapping/>
-  </p:clrMapOvr>
-  <p:transition>
-    <p:fade/>
-  </p:transition>
-</p:sld>
-</file>
-
-<file path=ppt/slides/slide20.xml><?xml version="1.0" encoding="utf-8"?>
+<file path=ppt/slides/slide22.xml><?xml version="1.0" encoding="utf-8"?>
 <p:sld xmlns:a="http://schemas.openxmlformats.org/drawingml/2006/main" xmlns:r="http://schemas.openxmlformats.org/officeDocument/2006/relationships" xmlns:p="http://schemas.openxmlformats.org/presentationml/2006/main">
   <p:cSld>
     <p:spTree>
@@ -17821,15 +20882,7 @@
             </a:r>
             <a:r>
               <a:rPr lang="en-US" dirty="0"/>
-              <a:t> </a:t>
-            </a:r>
-            <a:r>
-              <a:rPr lang="en-US"/>
-              <a:t>(basic) much </a:t>
-            </a:r>
-            <a:r>
-              <a:rPr lang="en-US" dirty="0"/>
-              <a:t>like ‘ls </a:t>
+              <a:t> (basic) much like ‘ls </a:t>
             </a:r>
             <a:r>
               <a:rPr lang="mr-IN" dirty="0"/>
@@ -18217,21 +21270,7 @@
                 <a:latin typeface="Consolas"/>
                 <a:cs typeface="Consolas"/>
               </a:rPr>
-              <a:t>=0 d=7 </a:t>
-            </a:r>
-            <a:r>
-              <a:rPr lang="it-IT" sz="1100" dirty="0" err="1">
-                <a:latin typeface="Consolas"/>
-                <a:cs typeface="Consolas"/>
-              </a:rPr>
-              <a:t>S</a:t>
-            </a:r>
-            <a:r>
-              <a:rPr lang="it-IT" sz="1100" dirty="0">
-                <a:latin typeface="Consolas"/>
-                <a:cs typeface="Consolas"/>
-              </a:rPr>
-              <a:t>=1 o=1 </a:t>
+              <a:t>=0 d=7 s=1 o=1 </a:t>
             </a:r>
             <a:r>
               <a:rPr lang="it-IT" sz="1100" dirty="0" err="1">
@@ -18355,7 +21394,7 @@
 </p:sld>
 </file>
 
-<file path=ppt/slides/slide21.xml><?xml version="1.0" encoding="utf-8"?>
+<file path=ppt/slides/slide23.xml><?xml version="1.0" encoding="utf-8"?>
 <p:sld xmlns:a="http://schemas.openxmlformats.org/drawingml/2006/main" xmlns:r="http://schemas.openxmlformats.org/officeDocument/2006/relationships" xmlns:p="http://schemas.openxmlformats.org/presentationml/2006/main">
   <p:cSld>
     <p:spTree>
@@ -18672,7 +21711,7 @@
 </p:sld>
 </file>
 
-<file path=ppt/slides/slide22.xml><?xml version="1.0" encoding="utf-8"?>
+<file path=ppt/slides/slide24.xml><?xml version="1.0" encoding="utf-8"?>
 <p:sld xmlns:a="http://schemas.openxmlformats.org/drawingml/2006/main" xmlns:r="http://schemas.openxmlformats.org/officeDocument/2006/relationships" xmlns:p="http://schemas.openxmlformats.org/presentationml/2006/main">
   <p:cSld>
     <p:spTree>
@@ -19041,7 +22080,7 @@
 </p:sld>
 </file>
 
-<file path=ppt/slides/slide23.xml><?xml version="1.0" encoding="utf-8"?>
+<file path=ppt/slides/slide25.xml><?xml version="1.0" encoding="utf-8"?>
 <p:sld xmlns:a="http://schemas.openxmlformats.org/drawingml/2006/main" xmlns:r="http://schemas.openxmlformats.org/officeDocument/2006/relationships" xmlns:p="http://schemas.openxmlformats.org/presentationml/2006/main">
   <p:cSld>
     <p:spTree>
@@ -19152,7 +22191,7 @@
           <a:graphicData uri="http://schemas.openxmlformats.org/presentationml/2006/ole">
             <mc:AlternateContent xmlns:mc="http://schemas.openxmlformats.org/markup-compatibility/2006">
               <mc:Choice xmlns:v="urn:schemas-microsoft-com:vml" Requires="v">
-                <p:oleObj spid="_x0000_s2174" name="Worksheet" r:id="rId5" imgW="10134600" imgH="5829300" progId="Excel.Sheet.12">
+                <p:oleObj spid="_x0000_s2180" name="Worksheet" r:id="rId5" imgW="10134600" imgH="5829300" progId="Excel.Sheet.12">
                   <p:embed/>
                 </p:oleObj>
               </mc:Choice>
@@ -19203,7 +22242,7 @@
 </p:sld>
 </file>
 
-<file path=ppt/slides/slide24.xml><?xml version="1.0" encoding="utf-8"?>
+<file path=ppt/slides/slide26.xml><?xml version="1.0" encoding="utf-8"?>
 <p:sld xmlns:a="http://schemas.openxmlformats.org/drawingml/2006/main" xmlns:r="http://schemas.openxmlformats.org/officeDocument/2006/relationships" xmlns:p="http://schemas.openxmlformats.org/presentationml/2006/main">
   <p:cSld>
     <p:spTree>
@@ -19728,7 +22767,7 @@
 </p:sld>
 </file>
 
-<file path=ppt/slides/slide25.xml><?xml version="1.0" encoding="utf-8"?>
+<file path=ppt/slides/slide27.xml><?xml version="1.0" encoding="utf-8"?>
 <p:sld xmlns:a="http://schemas.openxmlformats.org/drawingml/2006/main" xmlns:r="http://schemas.openxmlformats.org/officeDocument/2006/relationships" xmlns:p="http://schemas.openxmlformats.org/presentationml/2006/main">
   <p:cSld>
     <p:spTree>
@@ -19789,7 +22828,7 @@
         </p:spPr>
         <p:txBody>
           <a:bodyPr>
-            <a:noAutofit/>
+            <a:normAutofit/>
           </a:bodyPr>
           <a:lstStyle/>
           <a:p>
@@ -19802,16 +22841,10 @@
               </a:buClr>
             </a:pPr>
             <a:r>
-              <a:rPr lang="en-US" sz="1800" dirty="0" err="1">
+              <a:rPr lang="en-US" sz="1600" dirty="0">
                 <a:latin typeface="+mn-lt"/>
               </a:rPr>
-              <a:t>Creats</a:t>
-            </a:r>
-            <a:r>
-              <a:rPr lang="en-US" sz="1800" dirty="0">
-                <a:latin typeface="+mn-lt"/>
-              </a:rPr>
-              <a:t> a cross-sectional summary of space usage by file age</a:t>
+              <a:t>Creates a cross-sectional summary of file counts and space usage by file size</a:t>
             </a:r>
           </a:p>
           <a:p>
@@ -19824,22 +22857,22 @@
               </a:buClr>
             </a:pPr>
             <a:r>
-              <a:rPr lang="en-US" sz="1800" dirty="0">
+              <a:rPr lang="en-US" sz="1600" dirty="0">
                 <a:latin typeface="+mn-lt"/>
               </a:rPr>
-              <a:t>Output is a single CSV-formatted </a:t>
-            </a:r>
-            <a:r>
-              <a:rPr lang="en-US" sz="1800" dirty="0" err="1">
+              <a:t>Output is a single </a:t>
+            </a:r>
+            <a:r>
+              <a:rPr lang="en-US" sz="1600" dirty="0" err="1">
                 <a:latin typeface="+mn-lt"/>
               </a:rPr>
-              <a:t>pwalk.tally</a:t>
-            </a:r>
-            <a:r>
-              <a:rPr lang="en-US" sz="1800" dirty="0">
+              <a:t>pwalk_tally.csv</a:t>
+            </a:r>
+            <a:r>
+              <a:rPr lang="en-US" sz="1600" dirty="0">
                 <a:latin typeface="+mn-lt"/>
               </a:rPr>
-              <a:t> output file with these columns;</a:t>
+              <a:t> file with these columns;</a:t>
             </a:r>
           </a:p>
           <a:p>
@@ -19854,46 +22887,44 @@
               <a:buAutoNum type="arabicPeriod"/>
             </a:pPr>
             <a:r>
-              <a:rPr lang="en-US" sz="1800" dirty="0">
+              <a:rPr lang="en-US" sz="1400" dirty="0">
                 <a:latin typeface="+mn-lt"/>
               </a:rPr>
               <a:t>“Tag” </a:t>
             </a:r>
             <a:r>
-              <a:rPr lang="mr-IN" sz="1800" dirty="0">
+              <a:rPr lang="mr-IN" sz="1400" dirty="0">
                 <a:latin typeface="+mn-lt"/>
               </a:rPr>
               <a:t>–</a:t>
             </a:r>
             <a:r>
-              <a:rPr lang="en-US" sz="1800" dirty="0">
+              <a:rPr lang="en-US" sz="1400" dirty="0">
                 <a:latin typeface="+mn-lt"/>
               </a:rPr>
               <a:t> default is ‘</a:t>
             </a:r>
             <a:r>
-              <a:rPr lang="en-US" sz="1800" dirty="0" err="1">
+              <a:rPr lang="en-US" sz="1400" dirty="0" err="1">
                 <a:latin typeface="+mn-lt"/>
               </a:rPr>
               <a:t>pwalk</a:t>
             </a:r>
             <a:r>
-              <a:rPr lang="en-US" sz="1800" dirty="0">
+              <a:rPr lang="en-US" sz="1400" dirty="0">
                 <a:latin typeface="+mn-lt"/>
               </a:rPr>
-              <a:t>’, settable with the </a:t>
-            </a:r>
-            <a:r>
-              <a:rPr lang="mr-IN" sz="1800" dirty="0">
+              <a:t>’, settable with optional &lt;tag&gt; using </a:t>
+            </a:r>
+            <a:r>
+              <a:rPr lang="en-US" sz="1400" dirty="0"/>
+              <a:t>+tally[</a:t>
+            </a:r>
+            <a:r>
+              <a:rPr lang="en-US" sz="1400" dirty="0">
                 <a:latin typeface="+mn-lt"/>
               </a:rPr>
-              <a:t>–</a:t>
-            </a:r>
-            <a:r>
-              <a:rPr lang="en-US" sz="1800" dirty="0">
-                <a:latin typeface="+mn-lt"/>
-              </a:rPr>
-              <a:t>tag=&lt;string&gt; option</a:t>
+              <a:t>=&lt;tag&gt;]</a:t>
             </a:r>
           </a:p>
           <a:p>
@@ -19908,46 +22939,22 @@
               <a:buAutoNum type="arabicPeriod"/>
             </a:pPr>
             <a:r>
-              <a:rPr lang="en-US" sz="1800" dirty="0">
+              <a:rPr lang="en-US" sz="1400" dirty="0">
                 <a:latin typeface="+mn-lt"/>
               </a:rPr>
-              <a:t>“Age” </a:t>
-            </a:r>
-            <a:r>
-              <a:rPr lang="mr-IN" sz="1800" dirty="0">
+              <a:t>“Bucket” </a:t>
+            </a:r>
+            <a:r>
+              <a:rPr lang="mr-IN" sz="1400" dirty="0">
                 <a:latin typeface="+mn-lt"/>
               </a:rPr>
               <a:t>–</a:t>
             </a:r>
             <a:r>
-              <a:rPr lang="en-US" sz="1800" dirty="0">
+              <a:rPr lang="en-US" sz="1400" dirty="0">
                 <a:latin typeface="+mn-lt"/>
               </a:rPr>
-              <a:t> </a:t>
-            </a:r>
-            <a:r>
-              <a:rPr lang="en-US" sz="1800" dirty="0" err="1">
-                <a:latin typeface="+mn-lt"/>
-              </a:rPr>
-              <a:t>mtime</a:t>
-            </a:r>
-            <a:r>
-              <a:rPr lang="en-US" sz="1800" dirty="0">
-                <a:latin typeface="+mn-lt"/>
-              </a:rPr>
-              <a:t> </a:t>
-            </a:r>
-            <a:r>
-              <a:rPr lang="mr-IN" sz="1800" dirty="0">
-                <a:latin typeface="+mn-lt"/>
-              </a:rPr>
-              <a:t>"&lt; 365</a:t>
-            </a:r>
-            <a:r>
-              <a:rPr lang="en-US" sz="1800" dirty="0">
-                <a:latin typeface="+mn-lt"/>
-              </a:rPr>
-              <a:t>”, “&lt; 730”, “&gt; 730”</a:t>
+              <a:t> file size threshold</a:t>
             </a:r>
           </a:p>
           <a:p>
@@ -19962,19 +22969,19 @@
               <a:buAutoNum type="arabicPeriod"/>
             </a:pPr>
             <a:r>
-              <a:rPr lang="en-US" sz="1800" dirty="0">
+              <a:rPr lang="en-US" sz="1400" dirty="0">
                 <a:latin typeface="+mn-lt"/>
               </a:rPr>
               <a:t>“Files” </a:t>
             </a:r>
             <a:r>
-              <a:rPr lang="mr-IN" sz="1800" dirty="0">
+              <a:rPr lang="mr-IN" sz="1400" dirty="0">
                 <a:latin typeface="+mn-lt"/>
               </a:rPr>
               <a:t>–</a:t>
             </a:r>
             <a:r>
-              <a:rPr lang="en-US" sz="1800" dirty="0">
+              <a:rPr lang="en-US" sz="1400" dirty="0">
                 <a:latin typeface="+mn-lt"/>
               </a:rPr>
               <a:t>  file count</a:t>
@@ -19992,31 +22999,31 @@
               <a:buAutoNum type="arabicPeriod"/>
             </a:pPr>
             <a:r>
-              <a:rPr lang="en-US" sz="1800" dirty="0">
+              <a:rPr lang="en-US" sz="1400" dirty="0">
                 <a:latin typeface="+mn-lt"/>
               </a:rPr>
               <a:t>“Files%” </a:t>
             </a:r>
             <a:r>
-              <a:rPr lang="mr-IN" sz="1800" dirty="0">
+              <a:rPr lang="mr-IN" sz="1400" dirty="0">
                 <a:latin typeface="+mn-lt"/>
               </a:rPr>
               <a:t>–</a:t>
             </a:r>
             <a:r>
-              <a:rPr lang="en-US" sz="1800" dirty="0">
+              <a:rPr lang="en-US" sz="1400" dirty="0">
                 <a:latin typeface="+mn-lt"/>
               </a:rPr>
               <a:t> </a:t>
             </a:r>
             <a:r>
-              <a:rPr lang="mr-IN" sz="1800" dirty="0">
+              <a:rPr lang="mr-IN" sz="1400" dirty="0">
                 <a:latin typeface="+mn-lt"/>
               </a:rPr>
               <a:t>…</a:t>
             </a:r>
             <a:r>
-              <a:rPr lang="en-US" sz="1800" dirty="0">
+              <a:rPr lang="en-US" sz="1400" dirty="0">
                 <a:latin typeface="+mn-lt"/>
               </a:rPr>
               <a:t> as percent of total</a:t>
@@ -20034,19 +23041,19 @@
               <a:buAutoNum type="arabicPeriod"/>
             </a:pPr>
             <a:r>
-              <a:rPr lang="en-US" sz="1800" dirty="0">
+              <a:rPr lang="en-US" sz="1400" dirty="0">
                 <a:latin typeface="+mn-lt"/>
               </a:rPr>
               <a:t>“Size” </a:t>
             </a:r>
             <a:r>
-              <a:rPr lang="mr-IN" sz="1800" dirty="0">
+              <a:rPr lang="mr-IN" sz="1400" dirty="0">
                 <a:latin typeface="+mn-lt"/>
               </a:rPr>
               <a:t>–</a:t>
             </a:r>
             <a:r>
-              <a:rPr lang="en-US" sz="1800" dirty="0">
+              <a:rPr lang="en-US" sz="1400" dirty="0">
                 <a:latin typeface="+mn-lt"/>
               </a:rPr>
               <a:t> total nominal bytes</a:t>
@@ -20064,31 +23071,31 @@
               <a:buAutoNum type="arabicPeriod"/>
             </a:pPr>
             <a:r>
-              <a:rPr lang="en-US" sz="1800" dirty="0">
+              <a:rPr lang="en-US" sz="1400" dirty="0">
                 <a:latin typeface="+mn-lt"/>
               </a:rPr>
               <a:t>“Size%” </a:t>
             </a:r>
             <a:r>
-              <a:rPr lang="mr-IN" sz="1800" dirty="0">
+              <a:rPr lang="mr-IN" sz="1400" dirty="0">
                 <a:latin typeface="+mn-lt"/>
               </a:rPr>
               <a:t>–</a:t>
             </a:r>
             <a:r>
-              <a:rPr lang="en-US" sz="1800" dirty="0">
+              <a:rPr lang="en-US" sz="1400" dirty="0">
                 <a:latin typeface="+mn-lt"/>
               </a:rPr>
               <a:t> </a:t>
             </a:r>
             <a:r>
-              <a:rPr lang="mr-IN" sz="1800" dirty="0">
+              <a:rPr lang="mr-IN" sz="1400" dirty="0">
                 <a:latin typeface="+mn-lt"/>
               </a:rPr>
               <a:t>…</a:t>
             </a:r>
             <a:r>
-              <a:rPr lang="en-US" sz="1800" dirty="0">
+              <a:rPr lang="en-US" sz="1400" dirty="0">
                 <a:latin typeface="+mn-lt"/>
               </a:rPr>
               <a:t> as percent of total</a:t>
@@ -20106,31 +23113,31 @@
               <a:buAutoNum type="arabicPeriod"/>
             </a:pPr>
             <a:r>
-              <a:rPr lang="en-US" sz="1800" dirty="0">
+              <a:rPr lang="en-US" sz="1400" dirty="0">
                 <a:latin typeface="+mn-lt"/>
               </a:rPr>
               <a:t>“Space” </a:t>
             </a:r>
             <a:r>
-              <a:rPr lang="mr-IN" sz="1800" dirty="0">
+              <a:rPr lang="mr-IN" sz="1400" dirty="0">
                 <a:latin typeface="+mn-lt"/>
               </a:rPr>
               <a:t>–</a:t>
             </a:r>
             <a:r>
-              <a:rPr lang="en-US" sz="1800" dirty="0">
+              <a:rPr lang="en-US" sz="1400" dirty="0">
                 <a:latin typeface="+mn-lt"/>
               </a:rPr>
               <a:t> total allocated bytes </a:t>
             </a:r>
             <a:r>
-              <a:rPr lang="mr-IN" sz="1800" dirty="0">
+              <a:rPr lang="mr-IN" sz="1400" dirty="0">
                 <a:latin typeface="+mn-lt"/>
               </a:rPr>
               <a:t>–</a:t>
             </a:r>
             <a:r>
-              <a:rPr lang="en-US" sz="1800" dirty="0">
+              <a:rPr lang="en-US" sz="1400" dirty="0">
                 <a:latin typeface="+mn-lt"/>
               </a:rPr>
               <a:t> includes protection overhead</a:t>
@@ -20148,19 +23155,19 @@
               <a:buAutoNum type="arabicPeriod"/>
             </a:pPr>
             <a:r>
-              <a:rPr lang="en-US" sz="1800" dirty="0">
+              <a:rPr lang="en-US" sz="1400" dirty="0">
                 <a:latin typeface="+mn-lt"/>
               </a:rPr>
               <a:t>“Space%” - </a:t>
             </a:r>
             <a:r>
-              <a:rPr lang="mr-IN" sz="1800" dirty="0">
+              <a:rPr lang="mr-IN" sz="1400" dirty="0">
                 <a:latin typeface="+mn-lt"/>
               </a:rPr>
               <a:t>…</a:t>
             </a:r>
             <a:r>
-              <a:rPr lang="en-US" sz="1800" dirty="0">
+              <a:rPr lang="en-US" sz="1400" dirty="0">
                 <a:latin typeface="+mn-lt"/>
               </a:rPr>
               <a:t> as percent of total</a:t>
@@ -20176,13 +23183,22 @@
               </a:buClr>
             </a:pPr>
             <a:r>
-              <a:rPr lang="en-US" sz="1800" dirty="0">
-                <a:solidFill>
-                  <a:srgbClr val="FF0000"/>
-                </a:solidFill>
+              <a:rPr lang="en-US" sz="1600" dirty="0">
                 <a:latin typeface="+mn-lt"/>
               </a:rPr>
-              <a:t>This logic is currently hard-coded, but easily modified to use different thresholds. A parameterized version is under consideration.</a:t>
+              <a:t>This logic is currently hard-coded, but easily modified to use different “Bucket” thresholds. It should be externally parameterized version is a later version via a [tally] section of the –</a:t>
+            </a:r>
+            <a:r>
+              <a:rPr lang="en-US" sz="1600" dirty="0" err="1">
+                <a:latin typeface="+mn-lt"/>
+              </a:rPr>
+              <a:t>pfile</a:t>
+            </a:r>
+            <a:r>
+              <a:rPr lang="en-US" sz="1600" dirty="0">
+                <a:latin typeface="+mn-lt"/>
+              </a:rPr>
+              <a:t>=&lt;file&gt;.</a:t>
             </a:r>
           </a:p>
         </p:txBody>
@@ -20227,7 +23243,7 @@
 </p:sld>
 </file>
 
-<file path=ppt/slides/slide26.xml><?xml version="1.0" encoding="utf-8"?>
+<file path=ppt/slides/slide28.xml><?xml version="1.0" encoding="utf-8"?>
 <p:sld xmlns:a="http://schemas.openxmlformats.org/drawingml/2006/main" xmlns:r="http://schemas.openxmlformats.org/officeDocument/2006/relationships" xmlns:p="http://schemas.openxmlformats.org/presentationml/2006/main">
   <p:cSld>
     <p:bg>
@@ -20312,7 +23328,7 @@
 </p:sld>
 </file>
 
-<file path=ppt/slides/slide27.xml><?xml version="1.0" encoding="utf-8"?>
+<file path=ppt/slides/slide29.xml><?xml version="1.0" encoding="utf-8"?>
 <p:sld xmlns:a="http://schemas.openxmlformats.org/drawingml/2006/main" xmlns:r="http://schemas.openxmlformats.org/officeDocument/2006/relationships" xmlns:p="http://schemas.openxmlformats.org/presentationml/2006/main">
   <p:cSld>
     <p:spTree>
@@ -20731,7 +23747,167 @@
 </p:sld>
 </file>
 
-<file path=ppt/slides/slide28.xml><?xml version="1.0" encoding="utf-8"?>
+<file path=ppt/slides/slide3.xml><?xml version="1.0" encoding="utf-8"?>
+<p:sld xmlns:a="http://schemas.openxmlformats.org/drawingml/2006/main" xmlns:r="http://schemas.openxmlformats.org/officeDocument/2006/relationships" xmlns:p="http://schemas.openxmlformats.org/presentationml/2006/main">
+  <p:cSld>
+    <p:spTree>
+      <p:nvGrpSpPr>
+        <p:cNvPr id="1" name=""/>
+        <p:cNvGrpSpPr/>
+        <p:nvPr/>
+      </p:nvGrpSpPr>
+      <p:grpSpPr>
+        <a:xfrm>
+          <a:off x="0" y="0"/>
+          <a:ext cx="0" cy="0"/>
+          <a:chOff x="0" y="0"/>
+          <a:chExt cx="0" cy="0"/>
+        </a:xfrm>
+      </p:grpSpPr>
+      <p:sp>
+        <p:nvSpPr>
+          <p:cNvPr id="2" name="Title 1"/>
+          <p:cNvSpPr>
+            <a:spLocks noGrp="1"/>
+          </p:cNvSpPr>
+          <p:nvPr>
+            <p:ph type="title"/>
+          </p:nvPr>
+        </p:nvSpPr>
+        <p:spPr/>
+        <p:txBody>
+          <a:bodyPr/>
+          <a:lstStyle/>
+          <a:p>
+            <a:r>
+              <a:rPr lang="en-US" dirty="0">
+                <a:solidFill>
+                  <a:srgbClr val="007DB8"/>
+                </a:solidFill>
+              </a:rPr>
+              <a:t>Outline</a:t>
+            </a:r>
+          </a:p>
+        </p:txBody>
+      </p:sp>
+      <p:sp>
+        <p:nvSpPr>
+          <p:cNvPr id="4" name="Content Placeholder 3"/>
+          <p:cNvSpPr>
+            <a:spLocks noGrp="1"/>
+          </p:cNvSpPr>
+          <p:nvPr>
+            <p:ph sz="quarter" idx="10"/>
+          </p:nvPr>
+        </p:nvSpPr>
+        <p:spPr/>
+        <p:txBody>
+          <a:bodyPr/>
+          <a:lstStyle/>
+          <a:p>
+            <a:pPr>
+              <a:buClr>
+                <a:srgbClr val="000000"/>
+              </a:buClr>
+              <a:buFont typeface="Arial"/>
+              <a:buChar char="•"/>
+            </a:pPr>
+            <a:r>
+              <a:rPr lang="en-US" dirty="0">
+                <a:solidFill>
+                  <a:schemeClr val="tx1"/>
+                </a:solidFill>
+              </a:rPr>
+              <a:t>General Discussion &amp; Usage</a:t>
+            </a:r>
+          </a:p>
+          <a:p>
+            <a:pPr>
+              <a:buClr>
+                <a:srgbClr val="000000"/>
+              </a:buClr>
+              <a:buFont typeface="Arial"/>
+              <a:buChar char="•"/>
+            </a:pPr>
+            <a:r>
+              <a:rPr lang="en-US" dirty="0">
+                <a:solidFill>
+                  <a:schemeClr val="tx1"/>
+                </a:solidFill>
+              </a:rPr>
+              <a:t>Platform-specific Features</a:t>
+            </a:r>
+          </a:p>
+          <a:p>
+            <a:pPr>
+              <a:buClr>
+                <a:srgbClr val="000000"/>
+              </a:buClr>
+              <a:buFont typeface="Arial"/>
+              <a:buChar char="•"/>
+            </a:pPr>
+            <a:r>
+              <a:rPr lang="en-US" dirty="0">
+                <a:solidFill>
+                  <a:schemeClr val="tx1"/>
+                </a:solidFill>
+              </a:rPr>
+              <a:t>Operational Notes</a:t>
+            </a:r>
+          </a:p>
+          <a:p>
+            <a:pPr>
+              <a:buClr>
+                <a:srgbClr val="000000"/>
+              </a:buClr>
+              <a:buFont typeface="Arial"/>
+              <a:buChar char="•"/>
+            </a:pPr>
+            <a:r>
+              <a:rPr lang="en-US" dirty="0">
+                <a:solidFill>
+                  <a:schemeClr val="tx1"/>
+                </a:solidFill>
+              </a:rPr>
+              <a:t>Extensions and Refinements</a:t>
+            </a:r>
+          </a:p>
+          <a:p>
+            <a:pPr>
+              <a:buClr>
+                <a:srgbClr val="000000"/>
+              </a:buClr>
+              <a:buFont typeface="Arial"/>
+              <a:buChar char="•"/>
+            </a:pPr>
+            <a:r>
+              <a:rPr lang="en-US" dirty="0">
+                <a:solidFill>
+                  <a:schemeClr val="tx1"/>
+                </a:solidFill>
+              </a:rPr>
+              <a:t>Implementation Notes</a:t>
+            </a:r>
+          </a:p>
+        </p:txBody>
+      </p:sp>
+    </p:spTree>
+    <p:extLst>
+      <p:ext uri="{BB962C8B-B14F-4D97-AF65-F5344CB8AC3E}">
+        <p14:creationId xmlns:p14="http://schemas.microsoft.com/office/powerpoint/2010/main" val="647540154"/>
+      </p:ext>
+    </p:extLst>
+  </p:cSld>
+  <p:clrMapOvr>
+    <a:masterClrMapping/>
+  </p:clrMapOvr>
+  <p:transition>
+    <p:fade/>
+  </p:transition>
+</p:sld>
+</file>
+
+<file path=ppt/slides/slide30.xml><?xml version="1.0" encoding="utf-8"?>
 <p:sld xmlns:a="http://schemas.openxmlformats.org/drawingml/2006/main" xmlns:r="http://schemas.openxmlformats.org/officeDocument/2006/relationships" xmlns:p="http://schemas.openxmlformats.org/presentationml/2006/main">
   <p:cSld>
     <p:spTree>
@@ -21026,7 +24202,7 @@
 </p:sld>
 </file>
 
-<file path=ppt/slides/slide29.xml><?xml version="1.0" encoding="utf-8"?>
+<file path=ppt/slides/slide31.xml><?xml version="1.0" encoding="utf-8"?>
 <p:sld xmlns:a="http://schemas.openxmlformats.org/drawingml/2006/main" xmlns:r="http://schemas.openxmlformats.org/officeDocument/2006/relationships" xmlns:p="http://schemas.openxmlformats.org/presentationml/2006/main">
   <p:cSld>
     <p:spTree>
@@ -21191,167 +24367,7 @@
 </p:sld>
 </file>
 
-<file path=ppt/slides/slide3.xml><?xml version="1.0" encoding="utf-8"?>
-<p:sld xmlns:a="http://schemas.openxmlformats.org/drawingml/2006/main" xmlns:r="http://schemas.openxmlformats.org/officeDocument/2006/relationships" xmlns:p="http://schemas.openxmlformats.org/presentationml/2006/main">
-  <p:cSld>
-    <p:spTree>
-      <p:nvGrpSpPr>
-        <p:cNvPr id="1" name=""/>
-        <p:cNvGrpSpPr/>
-        <p:nvPr/>
-      </p:nvGrpSpPr>
-      <p:grpSpPr>
-        <a:xfrm>
-          <a:off x="0" y="0"/>
-          <a:ext cx="0" cy="0"/>
-          <a:chOff x="0" y="0"/>
-          <a:chExt cx="0" cy="0"/>
-        </a:xfrm>
-      </p:grpSpPr>
-      <p:sp>
-        <p:nvSpPr>
-          <p:cNvPr id="2" name="Title 1"/>
-          <p:cNvSpPr>
-            <a:spLocks noGrp="1"/>
-          </p:cNvSpPr>
-          <p:nvPr>
-            <p:ph type="title"/>
-          </p:nvPr>
-        </p:nvSpPr>
-        <p:spPr/>
-        <p:txBody>
-          <a:bodyPr/>
-          <a:lstStyle/>
-          <a:p>
-            <a:r>
-              <a:rPr lang="en-US" dirty="0">
-                <a:solidFill>
-                  <a:srgbClr val="007DB8"/>
-                </a:solidFill>
-              </a:rPr>
-              <a:t>Outline</a:t>
-            </a:r>
-          </a:p>
-        </p:txBody>
-      </p:sp>
-      <p:sp>
-        <p:nvSpPr>
-          <p:cNvPr id="4" name="Content Placeholder 3"/>
-          <p:cNvSpPr>
-            <a:spLocks noGrp="1"/>
-          </p:cNvSpPr>
-          <p:nvPr>
-            <p:ph sz="quarter" idx="10"/>
-          </p:nvPr>
-        </p:nvSpPr>
-        <p:spPr/>
-        <p:txBody>
-          <a:bodyPr/>
-          <a:lstStyle/>
-          <a:p>
-            <a:pPr>
-              <a:buClr>
-                <a:srgbClr val="000000"/>
-              </a:buClr>
-              <a:buFont typeface="Arial"/>
-              <a:buChar char="•"/>
-            </a:pPr>
-            <a:r>
-              <a:rPr lang="en-US" dirty="0">
-                <a:solidFill>
-                  <a:schemeClr val="tx1"/>
-                </a:solidFill>
-              </a:rPr>
-              <a:t>General Discussion &amp; Usage</a:t>
-            </a:r>
-          </a:p>
-          <a:p>
-            <a:pPr>
-              <a:buClr>
-                <a:srgbClr val="000000"/>
-              </a:buClr>
-              <a:buFont typeface="Arial"/>
-              <a:buChar char="•"/>
-            </a:pPr>
-            <a:r>
-              <a:rPr lang="en-US" dirty="0">
-                <a:solidFill>
-                  <a:schemeClr val="tx1"/>
-                </a:solidFill>
-              </a:rPr>
-              <a:t>Platform-specific Features</a:t>
-            </a:r>
-          </a:p>
-          <a:p>
-            <a:pPr>
-              <a:buClr>
-                <a:srgbClr val="000000"/>
-              </a:buClr>
-              <a:buFont typeface="Arial"/>
-              <a:buChar char="•"/>
-            </a:pPr>
-            <a:r>
-              <a:rPr lang="en-US" dirty="0">
-                <a:solidFill>
-                  <a:schemeClr val="tx1"/>
-                </a:solidFill>
-              </a:rPr>
-              <a:t>Operational Notes</a:t>
-            </a:r>
-          </a:p>
-          <a:p>
-            <a:pPr>
-              <a:buClr>
-                <a:srgbClr val="000000"/>
-              </a:buClr>
-              <a:buFont typeface="Arial"/>
-              <a:buChar char="•"/>
-            </a:pPr>
-            <a:r>
-              <a:rPr lang="en-US" dirty="0">
-                <a:solidFill>
-                  <a:schemeClr val="tx1"/>
-                </a:solidFill>
-              </a:rPr>
-              <a:t>Extensions and Refinements</a:t>
-            </a:r>
-          </a:p>
-          <a:p>
-            <a:pPr>
-              <a:buClr>
-                <a:srgbClr val="000000"/>
-              </a:buClr>
-              <a:buFont typeface="Arial"/>
-              <a:buChar char="•"/>
-            </a:pPr>
-            <a:r>
-              <a:rPr lang="en-US" dirty="0">
-                <a:solidFill>
-                  <a:schemeClr val="tx1"/>
-                </a:solidFill>
-              </a:rPr>
-              <a:t>Implementation Notes</a:t>
-            </a:r>
-          </a:p>
-        </p:txBody>
-      </p:sp>
-    </p:spTree>
-    <p:extLst>
-      <p:ext uri="{BB962C8B-B14F-4D97-AF65-F5344CB8AC3E}">
-        <p14:creationId xmlns:p14="http://schemas.microsoft.com/office/powerpoint/2010/main" val="647540154"/>
-      </p:ext>
-    </p:extLst>
-  </p:cSld>
-  <p:clrMapOvr>
-    <a:masterClrMapping/>
-  </p:clrMapOvr>
-  <p:transition>
-    <p:fade/>
-  </p:transition>
-</p:sld>
-</file>
-
-<file path=ppt/slides/slide30.xml><?xml version="1.0" encoding="utf-8"?>
+<file path=ppt/slides/slide32.xml><?xml version="1.0" encoding="utf-8"?>
 <p:sld xmlns:a="http://schemas.openxmlformats.org/drawingml/2006/main" xmlns:r="http://schemas.openxmlformats.org/officeDocument/2006/relationships" xmlns:p="http://schemas.openxmlformats.org/presentationml/2006/main">
   <p:cSld>
     <p:spTree>
@@ -21823,7 +24839,7 @@
 </p:sld>
 </file>
 
-<file path=ppt/slides/slide31.xml><?xml version="1.0" encoding="utf-8"?>
+<file path=ppt/slides/slide33.xml><?xml version="1.0" encoding="utf-8"?>
 <p:sld xmlns:a="http://schemas.openxmlformats.org/drawingml/2006/main" xmlns:r="http://schemas.openxmlformats.org/officeDocument/2006/relationships" xmlns:p="http://schemas.openxmlformats.org/presentationml/2006/main">
   <p:cSld>
     <p:spTree>
@@ -22058,7 +25074,7 @@
 </p:sld>
 </file>
 
-<file path=ppt/slides/slide32.xml><?xml version="1.0" encoding="utf-8"?>
+<file path=ppt/slides/slide34.xml><?xml version="1.0" encoding="utf-8"?>
 <p:sld xmlns:a="http://schemas.openxmlformats.org/drawingml/2006/main" xmlns:r="http://schemas.openxmlformats.org/officeDocument/2006/relationships" xmlns:p="http://schemas.openxmlformats.org/presentationml/2006/main">
   <p:cSld>
     <p:bg>
@@ -22135,7 +25151,7 @@
 </p:sld>
 </file>
 
-<file path=ppt/slides/slide33.xml><?xml version="1.0" encoding="utf-8"?>
+<file path=ppt/slides/slide35.xml><?xml version="1.0" encoding="utf-8"?>
 <p:sld xmlns:a="http://schemas.openxmlformats.org/drawingml/2006/main" xmlns:r="http://schemas.openxmlformats.org/officeDocument/2006/relationships" xmlns:p="http://schemas.openxmlformats.org/presentationml/2006/main">
   <p:cSld>
     <p:spTree>
@@ -22484,7 +25500,7 @@
 </p:sld>
 </file>
 
-<file path=ppt/slides/slide34.xml><?xml version="1.0" encoding="utf-8"?>
+<file path=ppt/slides/slide36.xml><?xml version="1.0" encoding="utf-8"?>
 <p:sld xmlns:a="http://schemas.openxmlformats.org/drawingml/2006/main" xmlns:r="http://schemas.openxmlformats.org/officeDocument/2006/relationships" xmlns:p="http://schemas.openxmlformats.org/presentationml/2006/main">
   <p:cSld>
     <p:spTree>
@@ -22617,7 +25633,7 @@
 </p:sld>
 </file>
 
-<file path=ppt/slides/slide35.xml><?xml version="1.0" encoding="utf-8"?>
+<file path=ppt/slides/slide37.xml><?xml version="1.0" encoding="utf-8"?>
 <p:sld xmlns:a="http://schemas.openxmlformats.org/drawingml/2006/main" xmlns:r="http://schemas.openxmlformats.org/officeDocument/2006/relationships" xmlns:p="http://schemas.openxmlformats.org/presentationml/2006/main">
   <p:cSld>
     <p:spTree>
@@ -22918,7 +25934,7 @@
 </p:sld>
 </file>
 
-<file path=ppt/slides/slide36.xml><?xml version="1.0" encoding="utf-8"?>
+<file path=ppt/slides/slide38.xml><?xml version="1.0" encoding="utf-8"?>
 <p:sld xmlns:a="http://schemas.openxmlformats.org/drawingml/2006/main" xmlns:r="http://schemas.openxmlformats.org/officeDocument/2006/relationships" xmlns:p="http://schemas.openxmlformats.org/presentationml/2006/main">
   <p:cSld>
     <p:spTree>
@@ -24972,7 +27988,7 @@
 </p:sld>
 </file>
 
-<file path=ppt/slides/slide37.xml><?xml version="1.0" encoding="utf-8"?>
+<file path=ppt/slides/slide39.xml><?xml version="1.0" encoding="utf-8"?>
 <p:sld xmlns:a="http://schemas.openxmlformats.org/drawingml/2006/main" xmlns:r="http://schemas.openxmlformats.org/officeDocument/2006/relationships" xmlns:p="http://schemas.openxmlformats.org/presentationml/2006/main">
   <p:cSld>
     <p:spTree>
@@ -25325,7 +28341,84 @@
 </p:sld>
 </file>
 
-<file path=ppt/slides/slide38.xml><?xml version="1.0" encoding="utf-8"?>
+<file path=ppt/slides/slide4.xml><?xml version="1.0" encoding="utf-8"?>
+<p:sld xmlns:a="http://schemas.openxmlformats.org/drawingml/2006/main" xmlns:r="http://schemas.openxmlformats.org/officeDocument/2006/relationships" xmlns:p="http://schemas.openxmlformats.org/presentationml/2006/main">
+  <p:cSld>
+    <p:bg>
+      <p:bgPr>
+        <a:solidFill>
+          <a:schemeClr val="accent4">
+            <a:lumMod val="40000"/>
+            <a:lumOff val="60000"/>
+          </a:schemeClr>
+        </a:solidFill>
+        <a:effectLst/>
+      </p:bgPr>
+    </p:bg>
+    <p:spTree>
+      <p:nvGrpSpPr>
+        <p:cNvPr id="1" name=""/>
+        <p:cNvGrpSpPr/>
+        <p:nvPr/>
+      </p:nvGrpSpPr>
+      <p:grpSpPr>
+        <a:xfrm>
+          <a:off x="0" y="0"/>
+          <a:ext cx="0" cy="0"/>
+          <a:chOff x="0" y="0"/>
+          <a:chExt cx="0" cy="0"/>
+        </a:xfrm>
+      </p:grpSpPr>
+      <p:sp>
+        <p:nvSpPr>
+          <p:cNvPr id="3" name="Title 2"/>
+          <p:cNvSpPr>
+            <a:spLocks noGrp="1"/>
+          </p:cNvSpPr>
+          <p:nvPr>
+            <p:ph type="ctrTitle"/>
+          </p:nvPr>
+        </p:nvSpPr>
+        <p:spPr>
+          <a:xfrm>
+            <a:off x="533400" y="1485900"/>
+            <a:ext cx="8077200" cy="1885950"/>
+          </a:xfrm>
+        </p:spPr>
+        <p:txBody>
+          <a:bodyPr anchor="ctr" anchorCtr="1">
+            <a:noAutofit/>
+          </a:bodyPr>
+          <a:lstStyle/>
+          <a:p>
+            <a:r>
+              <a:rPr lang="en-US" sz="3600" dirty="0">
+                <a:solidFill>
+                  <a:srgbClr val="444444"/>
+                </a:solidFill>
+              </a:rPr>
+              <a:t>General Discussion &amp; Usage</a:t>
+            </a:r>
+          </a:p>
+        </p:txBody>
+      </p:sp>
+    </p:spTree>
+    <p:extLst>
+      <p:ext uri="{BB962C8B-B14F-4D97-AF65-F5344CB8AC3E}">
+        <p14:creationId xmlns:p14="http://schemas.microsoft.com/office/powerpoint/2010/main" val="211341857"/>
+      </p:ext>
+    </p:extLst>
+  </p:cSld>
+  <p:clrMapOvr>
+    <a:masterClrMapping/>
+  </p:clrMapOvr>
+  <p:transition>
+    <p:fade/>
+  </p:transition>
+</p:sld>
+</file>
+
+<file path=ppt/slides/slide40.xml><?xml version="1.0" encoding="utf-8"?>
 <p:sld xmlns:a="http://schemas.openxmlformats.org/drawingml/2006/main" xmlns:r="http://schemas.openxmlformats.org/officeDocument/2006/relationships" xmlns:p="http://schemas.openxmlformats.org/presentationml/2006/main">
   <p:cSld>
     <p:spTree>
@@ -25377,7 +28470,7 @@
         <p:spPr/>
         <p:txBody>
           <a:bodyPr>
-            <a:normAutofit fontScale="92500" lnSpcReduction="10000"/>
+            <a:normAutofit fontScale="92500" lnSpcReduction="20000"/>
           </a:bodyPr>
           <a:lstStyle/>
           <a:p>
@@ -25390,7 +28483,17 @@
               <a:rPr lang="en-US" dirty="0">
                 <a:latin typeface="+mn-lt"/>
               </a:rPr>
-              <a:t>Per-worker -&gt; (7*N_WORKERS)</a:t>
+              <a:t>Per-worker -&gt; </a:t>
+            </a:r>
+            <a:r>
+              <a:rPr lang="en-US" dirty="0"/>
+              <a:t>(</a:t>
+            </a:r>
+            <a:r>
+              <a:rPr lang="en-US" dirty="0">
+                <a:latin typeface="+mn-lt"/>
+              </a:rPr>
+              <a:t>8*N_WORKERS) max</a:t>
             </a:r>
           </a:p>
           <a:p>
@@ -25458,45 +28561,85 @@
             <a:r>
               <a:rPr lang="en-US" dirty="0"/>
               <a:t> Python pipe (w/ -audit)</a:t>
+            </a:r>
+          </a:p>
+          <a:p>
+            <a:pPr lvl="1"/>
+            <a:r>
+              <a:rPr lang="en-US" dirty="0">
+                <a:latin typeface="+mn-lt"/>
+              </a:rPr>
+              <a:t>#N_WORKERS - .err file (only if worker generates errors)</a:t>
+            </a:r>
+          </a:p>
+          <a:p>
+            <a:pPr lvl="1"/>
+            <a:r>
+              <a:rPr lang="en-US" dirty="0"/>
+              <a:t>#4*N_WORKERS </a:t>
+            </a:r>
+            <a:r>
+              <a:rPr lang="mr-IN" dirty="0"/>
+              <a:t>–</a:t>
+            </a:r>
+            <a:r>
+              <a:rPr lang="en-US" dirty="0"/>
+              <a:t> ACL outputs (including </a:t>
+            </a:r>
+            <a:r>
+              <a:rPr lang="mr-IN" dirty="0"/>
+              <a:t>–</a:t>
+            </a:r>
+            <a:r>
+              <a:rPr lang="en-US" dirty="0" err="1"/>
+              <a:t>wacls</a:t>
+            </a:r>
+            <a:r>
+              <a:rPr lang="en-US" dirty="0"/>
+              <a:t>= pipe)</a:t>
             </a:r>
             <a:endParaRPr lang="en-US" dirty="0">
               <a:latin typeface="+mn-lt"/>
             </a:endParaRPr>
           </a:p>
           <a:p>
-            <a:pPr lvl="1"/>
             <a:r>
               <a:rPr lang="en-US" dirty="0"/>
-              <a:t>#4*N_WORKERS </a:t>
-            </a:r>
-            <a:r>
-              <a:rPr lang="mr-IN" dirty="0"/>
-              <a:t>–</a:t>
-            </a:r>
-            <a:r>
-              <a:rPr lang="en-US" dirty="0"/>
-              <a:t> ACL outputs (including </a:t>
-            </a:r>
-            <a:r>
-              <a:rPr lang="mr-IN" dirty="0"/>
-              <a:t>–</a:t>
-            </a:r>
-            <a:r>
-              <a:rPr lang="en-US" dirty="0" err="1"/>
-              <a:t>wacls</a:t>
-            </a:r>
-            <a:r>
-              <a:rPr lang="en-US" dirty="0"/>
-              <a:t>= pipe)</a:t>
+              <a:t>Per-process (6 + N_SOURCE_PATHS + N_TARGET_PATHS)</a:t>
             </a:r>
             <a:endParaRPr lang="en-US" dirty="0">
               <a:latin typeface="+mn-lt"/>
             </a:endParaRPr>
           </a:p>
           <a:p>
+            <a:pPr lvl="1"/>
             <a:r>
               <a:rPr lang="en-US" dirty="0"/>
-              <a:t>Per-process (6 + N_SOURCE_PATHS + N_TARGET_PATHS)</a:t>
+              <a:t>#N_SOURCE_PATHS + #N_TARGET_PATHS - SOURCE and TARGET paths</a:t>
+            </a:r>
+          </a:p>
+          <a:p>
+            <a:pPr lvl="1"/>
+            <a:r>
+              <a:rPr lang="en-US" dirty="0">
+                <a:latin typeface="+mn-lt"/>
+              </a:rPr>
+              <a:t>#1 - .log file</a:t>
+            </a:r>
+          </a:p>
+          <a:p>
+            <a:pPr lvl="1"/>
+            <a:r>
+              <a:rPr lang="en-US" dirty="0"/>
+              <a:t>#2 - .</a:t>
+            </a:r>
+            <a:r>
+              <a:rPr lang="en-US" dirty="0" err="1"/>
+              <a:t>fifo</a:t>
+            </a:r>
+            <a:r>
+              <a:rPr lang="en-US" dirty="0"/>
+              <a:t> (push and pop handles)</a:t>
             </a:r>
             <a:endParaRPr lang="en-US" dirty="0">
               <a:latin typeface="+mn-lt"/>
@@ -25506,40 +28649,6 @@
             <a:pPr lvl="1"/>
             <a:r>
               <a:rPr lang="en-US" dirty="0"/>
-              <a:t>#N_SOURCE_PATHS + #N_TARGET_PATHS - SOURCE and TARGET paths</a:t>
-            </a:r>
-          </a:p>
-          <a:p>
-            <a:pPr lvl="1"/>
-            <a:r>
-              <a:rPr lang="en-US" dirty="0">
-                <a:latin typeface="+mn-lt"/>
-              </a:rPr>
-              <a:t>#1 - .log file</a:t>
-            </a:r>
-          </a:p>
-          <a:p>
-            <a:pPr lvl="1"/>
-            <a:r>
-              <a:rPr lang="en-US" dirty="0"/>
-              <a:t>#2 - .</a:t>
-            </a:r>
-            <a:r>
-              <a:rPr lang="en-US" dirty="0" err="1"/>
-              <a:t>fifo</a:t>
-            </a:r>
-            <a:r>
-              <a:rPr lang="en-US" dirty="0"/>
-              <a:t> (push and pop handles)</a:t>
-            </a:r>
-            <a:endParaRPr lang="en-US" dirty="0">
-              <a:latin typeface="+mn-lt"/>
-            </a:endParaRPr>
-          </a:p>
-          <a:p>
-            <a:pPr lvl="1"/>
-            <a:r>
-              <a:rPr lang="en-US" dirty="0"/>
               <a:t>#3 - </a:t>
             </a:r>
             <a:r>
@@ -25574,8 +28683,13 @@
             <a:pPr lvl="1"/>
             <a:r>
               <a:rPr lang="en-US" dirty="0"/>
-              <a:t>#1 - .tally</a:t>
-            </a:r>
+              <a:t>#1 – </a:t>
+            </a:r>
+            <a:r>
+              <a:rPr lang="en-US" dirty="0" err="1"/>
+              <a:t>pwalk_tally.csv</a:t>
+            </a:r>
+            <a:endParaRPr lang="en-US" dirty="0"/>
           </a:p>
           <a:p>
             <a:pPr lvl="1"/>
@@ -25608,7 +28722,7 @@
 </p:sld>
 </file>
 
-<file path=ppt/slides/slide39.xml><?xml version="1.0" encoding="utf-8"?>
+<file path=ppt/slides/slide41.xml><?xml version="1.0" encoding="utf-8"?>
 <p:sld xmlns:a="http://schemas.openxmlformats.org/drawingml/2006/main" xmlns:r="http://schemas.openxmlformats.org/officeDocument/2006/relationships" xmlns:p="http://schemas.openxmlformats.org/presentationml/2006/main">
   <p:cSld>
     <p:spTree>
@@ -25903,84 +29017,7 @@
 </p:sld>
 </file>
 
-<file path=ppt/slides/slide4.xml><?xml version="1.0" encoding="utf-8"?>
-<p:sld xmlns:a="http://schemas.openxmlformats.org/drawingml/2006/main" xmlns:r="http://schemas.openxmlformats.org/officeDocument/2006/relationships" xmlns:p="http://schemas.openxmlformats.org/presentationml/2006/main">
-  <p:cSld>
-    <p:bg>
-      <p:bgPr>
-        <a:solidFill>
-          <a:schemeClr val="accent4">
-            <a:lumMod val="40000"/>
-            <a:lumOff val="60000"/>
-          </a:schemeClr>
-        </a:solidFill>
-        <a:effectLst/>
-      </p:bgPr>
-    </p:bg>
-    <p:spTree>
-      <p:nvGrpSpPr>
-        <p:cNvPr id="1" name=""/>
-        <p:cNvGrpSpPr/>
-        <p:nvPr/>
-      </p:nvGrpSpPr>
-      <p:grpSpPr>
-        <a:xfrm>
-          <a:off x="0" y="0"/>
-          <a:ext cx="0" cy="0"/>
-          <a:chOff x="0" y="0"/>
-          <a:chExt cx="0" cy="0"/>
-        </a:xfrm>
-      </p:grpSpPr>
-      <p:sp>
-        <p:nvSpPr>
-          <p:cNvPr id="3" name="Title 2"/>
-          <p:cNvSpPr>
-            <a:spLocks noGrp="1"/>
-          </p:cNvSpPr>
-          <p:nvPr>
-            <p:ph type="ctrTitle"/>
-          </p:nvPr>
-        </p:nvSpPr>
-        <p:spPr>
-          <a:xfrm>
-            <a:off x="533400" y="1485900"/>
-            <a:ext cx="8077200" cy="1885950"/>
-          </a:xfrm>
-        </p:spPr>
-        <p:txBody>
-          <a:bodyPr anchor="ctr" anchorCtr="1">
-            <a:noAutofit/>
-          </a:bodyPr>
-          <a:lstStyle/>
-          <a:p>
-            <a:r>
-              <a:rPr lang="en-US" sz="3600" dirty="0">
-                <a:solidFill>
-                  <a:srgbClr val="444444"/>
-                </a:solidFill>
-              </a:rPr>
-              <a:t>General Discussion &amp; Usage</a:t>
-            </a:r>
-          </a:p>
-        </p:txBody>
-      </p:sp>
-    </p:spTree>
-    <p:extLst>
-      <p:ext uri="{BB962C8B-B14F-4D97-AF65-F5344CB8AC3E}">
-        <p14:creationId xmlns:p14="http://schemas.microsoft.com/office/powerpoint/2010/main" val="211341857"/>
-      </p:ext>
-    </p:extLst>
-  </p:cSld>
-  <p:clrMapOvr>
-    <a:masterClrMapping/>
-  </p:clrMapOvr>
-  <p:transition>
-    <p:fade/>
-  </p:transition>
-</p:sld>
-</file>
-
-<file path=ppt/slides/slide40.xml><?xml version="1.0" encoding="utf-8"?>
+<file path=ppt/slides/slide42.xml><?xml version="1.0" encoding="utf-8"?>
 <p:sld xmlns:a="http://schemas.openxmlformats.org/drawingml/2006/main" xmlns:r="http://schemas.openxmlformats.org/officeDocument/2006/relationships" xmlns:p="http://schemas.openxmlformats.org/presentationml/2006/main" show="0">
   <p:cSld>
     <p:bg>
@@ -26070,7 +29107,7 @@
 </p:sld>
 </file>
 
-<file path=ppt/slides/slide41.xml><?xml version="1.0" encoding="utf-8"?>
+<file path=ppt/slides/slide43.xml><?xml version="1.0" encoding="utf-8"?>
 <p:sld xmlns:a="http://schemas.openxmlformats.org/drawingml/2006/main" xmlns:r="http://schemas.openxmlformats.org/officeDocument/2006/relationships" xmlns:p="http://schemas.openxmlformats.org/presentationml/2006/main" show="0">
   <p:cSld>
     <p:spTree>
@@ -26289,7 +29326,7 @@
 </p:sld>
 </file>
 
-<file path=ppt/slides/slide42.xml><?xml version="1.0" encoding="utf-8"?>
+<file path=ppt/slides/slide44.xml><?xml version="1.0" encoding="utf-8"?>
 <p:sld xmlns:a="http://schemas.openxmlformats.org/drawingml/2006/main" xmlns:r="http://schemas.openxmlformats.org/officeDocument/2006/relationships" xmlns:p="http://schemas.openxmlformats.org/presentationml/2006/main" show="0">
   <p:cSld>
     <p:spTree>
@@ -26579,7 +29616,7 @@
 </p:sld>
 </file>
 
-<file path=ppt/slides/slide43.xml><?xml version="1.0" encoding="utf-8"?>
+<file path=ppt/slides/slide45.xml><?xml version="1.0" encoding="utf-8"?>
 <p:sld xmlns:a="http://schemas.openxmlformats.org/drawingml/2006/main" xmlns:r="http://schemas.openxmlformats.org/officeDocument/2006/relationships" xmlns:p="http://schemas.openxmlformats.org/presentationml/2006/main" show="0">
   <p:cSld>
     <p:spTree>
@@ -26801,7 +29838,7 @@
 </p:sld>
 </file>
 
-<file path=ppt/slides/slide44.xml><?xml version="1.0" encoding="utf-8"?>
+<file path=ppt/slides/slide46.xml><?xml version="1.0" encoding="utf-8"?>
 <p:sld xmlns:a="http://schemas.openxmlformats.org/drawingml/2006/main" xmlns:r="http://schemas.openxmlformats.org/officeDocument/2006/relationships" xmlns:p="http://schemas.openxmlformats.org/presentationml/2006/main" show="0">
   <p:cSld>
     <p:spTree>
@@ -26966,7 +30003,7 @@
 </p:sld>
 </file>
 
-<file path=ppt/slides/slide45.xml><?xml version="1.0" encoding="utf-8"?>
+<file path=ppt/slides/slide47.xml><?xml version="1.0" encoding="utf-8"?>
 <p:sld xmlns:a="http://schemas.openxmlformats.org/drawingml/2006/main" xmlns:r="http://schemas.openxmlformats.org/officeDocument/2006/relationships" xmlns:p="http://schemas.openxmlformats.org/presentationml/2006/main" show="0">
   <p:cSld>
     <p:spTree>
@@ -27135,7 +30172,7 @@
 </p:sld>
 </file>
 
-<file path=ppt/slides/slide46.xml><?xml version="1.0" encoding="utf-8"?>
+<file path=ppt/slides/slide48.xml><?xml version="1.0" encoding="utf-8"?>
 <p:sld xmlns:a="http://schemas.openxmlformats.org/drawingml/2006/main" xmlns:r="http://schemas.openxmlformats.org/officeDocument/2006/relationships" xmlns:p="http://schemas.openxmlformats.org/presentationml/2006/main" show="0">
   <p:cSld>
     <p:spTree>
@@ -27297,7 +30334,7 @@
 </p:sld>
 </file>
 
-<file path=ppt/slides/slide47.xml><?xml version="1.0" encoding="utf-8"?>
+<file path=ppt/slides/slide49.xml><?xml version="1.0" encoding="utf-8"?>
 <p:sld xmlns:a="http://schemas.openxmlformats.org/drawingml/2006/main" xmlns:r="http://schemas.openxmlformats.org/officeDocument/2006/relationships" xmlns:p="http://schemas.openxmlformats.org/presentationml/2006/main" show="0">
   <p:cSld>
     <p:spTree>
@@ -27587,301 +30624,6 @@
     <p:extLst>
       <p:ext uri="{BB962C8B-B14F-4D97-AF65-F5344CB8AC3E}">
         <p14:creationId xmlns:p14="http://schemas.microsoft.com/office/powerpoint/2010/main" val="440484240"/>
-      </p:ext>
-    </p:extLst>
-  </p:cSld>
-  <p:clrMapOvr>
-    <a:masterClrMapping/>
-  </p:clrMapOvr>
-  <p:transition>
-    <p:fade/>
-  </p:transition>
-</p:sld>
-</file>
-
-<file path=ppt/slides/slide48.xml><?xml version="1.0" encoding="utf-8"?>
-<p:sld xmlns:a="http://schemas.openxmlformats.org/drawingml/2006/main" xmlns:r="http://schemas.openxmlformats.org/officeDocument/2006/relationships" xmlns:p="http://schemas.openxmlformats.org/presentationml/2006/main" show="0">
-  <p:cSld>
-    <p:spTree>
-      <p:nvGrpSpPr>
-        <p:cNvPr id="1" name=""/>
-        <p:cNvGrpSpPr/>
-        <p:nvPr/>
-      </p:nvGrpSpPr>
-      <p:grpSpPr>
-        <a:xfrm>
-          <a:off x="0" y="0"/>
-          <a:ext cx="0" cy="0"/>
-          <a:chOff x="0" y="0"/>
-          <a:chExt cx="0" cy="0"/>
-        </a:xfrm>
-      </p:grpSpPr>
-      <p:sp>
-        <p:nvSpPr>
-          <p:cNvPr id="5" name="Title 4"/>
-          <p:cNvSpPr>
-            <a:spLocks noGrp="1"/>
-          </p:cNvSpPr>
-          <p:nvPr>
-            <p:ph type="title"/>
-          </p:nvPr>
-        </p:nvSpPr>
-        <p:spPr/>
-        <p:txBody>
-          <a:bodyPr anchor="t" anchorCtr="0"/>
-          <a:lstStyle/>
-          <a:p>
-            <a:r>
-              <a:rPr lang="en-US" dirty="0"/>
-              <a:t>Use Per-Worker Slave Processes</a:t>
-            </a:r>
-            <a:endParaRPr lang="en-US" sz="1800" dirty="0"/>
-          </a:p>
-        </p:txBody>
-      </p:sp>
-      <p:sp>
-        <p:nvSpPr>
-          <p:cNvPr id="4" name="Content Placeholder 3"/>
-          <p:cNvSpPr>
-            <a:spLocks noGrp="1"/>
-          </p:cNvSpPr>
-          <p:nvPr>
-            <p:ph sz="quarter" idx="10"/>
-          </p:nvPr>
-        </p:nvSpPr>
-        <p:spPr>
-          <a:xfrm>
-            <a:off x="457200" y="857250"/>
-            <a:ext cx="8229600" cy="3600450"/>
-          </a:xfrm>
-        </p:spPr>
-        <p:txBody>
-          <a:bodyPr>
-            <a:normAutofit fontScale="92500" lnSpcReduction="10000"/>
-          </a:bodyPr>
-          <a:lstStyle/>
-          <a:p>
-            <a:pPr>
-              <a:buClr>
-                <a:schemeClr val="bg2"/>
-              </a:buClr>
-            </a:pPr>
-            <a:r>
-              <a:rPr lang="en-US" dirty="0"/>
-              <a:t>Possible Motivations …</a:t>
-            </a:r>
-          </a:p>
-          <a:p>
-            <a:pPr lvl="1">
-              <a:buClr>
-                <a:schemeClr val="bg2"/>
-              </a:buClr>
-            </a:pPr>
-            <a:r>
-              <a:rPr lang="en-US" dirty="0"/>
-              <a:t>Cannot change working directory in a thread; current-working-directory is a process-global thing</a:t>
-            </a:r>
-          </a:p>
-          <a:p>
-            <a:pPr lvl="1">
-              <a:buClr>
-                <a:schemeClr val="bg2"/>
-              </a:buClr>
-            </a:pPr>
-            <a:r>
-              <a:rPr lang="en-US" dirty="0"/>
-              <a:t>Optimal per-worker performance may require more memory per worker than will fit well in threaded model</a:t>
-            </a:r>
-          </a:p>
-          <a:p>
-            <a:pPr lvl="1">
-              <a:buClr>
-                <a:schemeClr val="bg2"/>
-              </a:buClr>
-            </a:pPr>
-            <a:r>
-              <a:rPr lang="en-US" dirty="0"/>
-              <a:t>Per-process open file count or other limits could limit maximum thread count or the complexity of the work done by worker threads</a:t>
-            </a:r>
-          </a:p>
-          <a:p>
-            <a:pPr lvl="1">
-              <a:buClr>
-                <a:schemeClr val="bg2"/>
-              </a:buClr>
-            </a:pPr>
-            <a:r>
-              <a:rPr lang="en-US" dirty="0"/>
-              <a:t>Might want to distribute work using </a:t>
-            </a:r>
-            <a:r>
-              <a:rPr lang="en-US" dirty="0" err="1"/>
-              <a:t>rsh</a:t>
-            </a:r>
-            <a:r>
-              <a:rPr lang="en-US" dirty="0"/>
-              <a:t> of some other means to leverage multiple clients</a:t>
-            </a:r>
-          </a:p>
-          <a:p>
-            <a:pPr>
-              <a:buClr>
-                <a:schemeClr val="bg2"/>
-              </a:buClr>
-            </a:pPr>
-            <a:r>
-              <a:rPr lang="en-US" dirty="0"/>
-              <a:t>Implementation …</a:t>
-            </a:r>
-          </a:p>
-          <a:p>
-            <a:pPr lvl="1">
-              <a:buClr>
-                <a:schemeClr val="bg2"/>
-              </a:buClr>
-            </a:pPr>
-            <a:r>
-              <a:rPr lang="en-US" dirty="0"/>
-              <a:t>Not too hard to </a:t>
-            </a:r>
-            <a:r>
-              <a:rPr lang="en-US" dirty="0" err="1"/>
-              <a:t>popen</a:t>
-            </a:r>
-            <a:r>
-              <a:rPr lang="en-US" dirty="0"/>
-              <a:t>() subordinate processes</a:t>
-            </a:r>
-          </a:p>
-          <a:p>
-            <a:pPr lvl="1">
-              <a:buClr>
-                <a:schemeClr val="bg2"/>
-              </a:buClr>
-            </a:pPr>
-            <a:endParaRPr lang="en-US" dirty="0"/>
-          </a:p>
-          <a:p>
-            <a:pPr>
-              <a:buClr>
-                <a:schemeClr val="bg2"/>
-              </a:buClr>
-            </a:pPr>
-            <a:endParaRPr lang="en-US" dirty="0"/>
-          </a:p>
-        </p:txBody>
-      </p:sp>
-      <p:pic>
-        <p:nvPicPr>
-          <p:cNvPr id="6" name="Picture 5"/>
-          <p:cNvPicPr>
-            <a:picLocks noChangeAspect="1"/>
-          </p:cNvPicPr>
-          <p:nvPr/>
-        </p:nvPicPr>
-        <p:blipFill>
-          <a:blip r:embed="rId3" cstate="print">
-            <a:extLst>
-              <a:ext uri="{28A0092B-C50C-407E-A947-70E740481C1C}">
-                <a14:useLocalDpi xmlns:a14="http://schemas.microsoft.com/office/drawing/2010/main"/>
-              </a:ext>
-            </a:extLst>
-          </a:blip>
-          <a:stretch>
-            <a:fillRect/>
-          </a:stretch>
-        </p:blipFill>
-        <p:spPr>
-          <a:xfrm>
-            <a:off x="8178800" y="114300"/>
-            <a:ext cx="812800" cy="612322"/>
-          </a:xfrm>
-          <a:prstGeom prst="rect">
-            <a:avLst/>
-          </a:prstGeom>
-        </p:spPr>
-      </p:pic>
-    </p:spTree>
-    <p:extLst>
-      <p:ext uri="{BB962C8B-B14F-4D97-AF65-F5344CB8AC3E}">
-        <p14:creationId xmlns:p14="http://schemas.microsoft.com/office/powerpoint/2010/main" val="3599859961"/>
-      </p:ext>
-    </p:extLst>
-  </p:cSld>
-  <p:clrMapOvr>
-    <a:masterClrMapping/>
-  </p:clrMapOvr>
-  <p:transition>
-    <p:fade/>
-  </p:transition>
-</p:sld>
-</file>
-
-<file path=ppt/slides/slide49.xml><?xml version="1.0" encoding="utf-8"?>
-<p:sld xmlns:a="http://schemas.openxmlformats.org/drawingml/2006/main" xmlns:r="http://schemas.openxmlformats.org/officeDocument/2006/relationships" xmlns:p="http://schemas.openxmlformats.org/presentationml/2006/main">
-  <p:cSld>
-    <p:bg>
-      <p:bgPr>
-        <a:solidFill>
-          <a:schemeClr val="accent3">
-            <a:lumMod val="40000"/>
-            <a:lumOff val="60000"/>
-          </a:schemeClr>
-        </a:solidFill>
-        <a:effectLst/>
-      </p:bgPr>
-    </p:bg>
-    <p:spTree>
-      <p:nvGrpSpPr>
-        <p:cNvPr id="1" name=""/>
-        <p:cNvGrpSpPr/>
-        <p:nvPr/>
-      </p:nvGrpSpPr>
-      <p:grpSpPr>
-        <a:xfrm>
-          <a:off x="0" y="0"/>
-          <a:ext cx="0" cy="0"/>
-          <a:chOff x="0" y="0"/>
-          <a:chExt cx="0" cy="0"/>
-        </a:xfrm>
-      </p:grpSpPr>
-      <p:sp>
-        <p:nvSpPr>
-          <p:cNvPr id="3" name="Title 2"/>
-          <p:cNvSpPr>
-            <a:spLocks noGrp="1"/>
-          </p:cNvSpPr>
-          <p:nvPr>
-            <p:ph type="ctrTitle"/>
-          </p:nvPr>
-        </p:nvSpPr>
-        <p:spPr>
-          <a:xfrm>
-            <a:off x="533400" y="1485900"/>
-            <a:ext cx="8077200" cy="1885950"/>
-          </a:xfrm>
-        </p:spPr>
-        <p:txBody>
-          <a:bodyPr anchor="ctr" anchorCtr="1">
-            <a:noAutofit/>
-          </a:bodyPr>
-          <a:lstStyle/>
-          <a:p>
-            <a:r>
-              <a:rPr lang="en-US" dirty="0">
-                <a:solidFill>
-                  <a:srgbClr val="444444"/>
-                </a:solidFill>
-              </a:rPr>
-              <a:t>Implementation Notes</a:t>
-            </a:r>
-          </a:p>
-        </p:txBody>
-      </p:sp>
-    </p:spTree>
-    <p:extLst>
-      <p:ext uri="{BB962C8B-B14F-4D97-AF65-F5344CB8AC3E}">
-        <p14:creationId xmlns:p14="http://schemas.microsoft.com/office/powerpoint/2010/main" val="3923334895"/>
       </p:ext>
     </p:extLst>
   </p:cSld>
@@ -28189,6 +30931,301 @@
 </file>
 
 <file path=ppt/slides/slide50.xml><?xml version="1.0" encoding="utf-8"?>
+<p:sld xmlns:a="http://schemas.openxmlformats.org/drawingml/2006/main" xmlns:r="http://schemas.openxmlformats.org/officeDocument/2006/relationships" xmlns:p="http://schemas.openxmlformats.org/presentationml/2006/main" show="0">
+  <p:cSld>
+    <p:spTree>
+      <p:nvGrpSpPr>
+        <p:cNvPr id="1" name=""/>
+        <p:cNvGrpSpPr/>
+        <p:nvPr/>
+      </p:nvGrpSpPr>
+      <p:grpSpPr>
+        <a:xfrm>
+          <a:off x="0" y="0"/>
+          <a:ext cx="0" cy="0"/>
+          <a:chOff x="0" y="0"/>
+          <a:chExt cx="0" cy="0"/>
+        </a:xfrm>
+      </p:grpSpPr>
+      <p:sp>
+        <p:nvSpPr>
+          <p:cNvPr id="5" name="Title 4"/>
+          <p:cNvSpPr>
+            <a:spLocks noGrp="1"/>
+          </p:cNvSpPr>
+          <p:nvPr>
+            <p:ph type="title"/>
+          </p:nvPr>
+        </p:nvSpPr>
+        <p:spPr/>
+        <p:txBody>
+          <a:bodyPr anchor="t" anchorCtr="0"/>
+          <a:lstStyle/>
+          <a:p>
+            <a:r>
+              <a:rPr lang="en-US" dirty="0"/>
+              <a:t>Use Per-Worker Slave Processes</a:t>
+            </a:r>
+            <a:endParaRPr lang="en-US" sz="1800" dirty="0"/>
+          </a:p>
+        </p:txBody>
+      </p:sp>
+      <p:sp>
+        <p:nvSpPr>
+          <p:cNvPr id="4" name="Content Placeholder 3"/>
+          <p:cNvSpPr>
+            <a:spLocks noGrp="1"/>
+          </p:cNvSpPr>
+          <p:nvPr>
+            <p:ph sz="quarter" idx="10"/>
+          </p:nvPr>
+        </p:nvSpPr>
+        <p:spPr>
+          <a:xfrm>
+            <a:off x="457200" y="857250"/>
+            <a:ext cx="8229600" cy="3600450"/>
+          </a:xfrm>
+        </p:spPr>
+        <p:txBody>
+          <a:bodyPr>
+            <a:normAutofit fontScale="92500" lnSpcReduction="10000"/>
+          </a:bodyPr>
+          <a:lstStyle/>
+          <a:p>
+            <a:pPr>
+              <a:buClr>
+                <a:schemeClr val="bg2"/>
+              </a:buClr>
+            </a:pPr>
+            <a:r>
+              <a:rPr lang="en-US" dirty="0"/>
+              <a:t>Possible Motivations …</a:t>
+            </a:r>
+          </a:p>
+          <a:p>
+            <a:pPr lvl="1">
+              <a:buClr>
+                <a:schemeClr val="bg2"/>
+              </a:buClr>
+            </a:pPr>
+            <a:r>
+              <a:rPr lang="en-US" dirty="0"/>
+              <a:t>Cannot change working directory in a thread; current-working-directory is a process-global thing</a:t>
+            </a:r>
+          </a:p>
+          <a:p>
+            <a:pPr lvl="1">
+              <a:buClr>
+                <a:schemeClr val="bg2"/>
+              </a:buClr>
+            </a:pPr>
+            <a:r>
+              <a:rPr lang="en-US" dirty="0"/>
+              <a:t>Optimal per-worker performance may require more memory per worker than will fit well in threaded model</a:t>
+            </a:r>
+          </a:p>
+          <a:p>
+            <a:pPr lvl="1">
+              <a:buClr>
+                <a:schemeClr val="bg2"/>
+              </a:buClr>
+            </a:pPr>
+            <a:r>
+              <a:rPr lang="en-US" dirty="0"/>
+              <a:t>Per-process open file count or other limits could limit maximum thread count or the complexity of the work done by worker threads</a:t>
+            </a:r>
+          </a:p>
+          <a:p>
+            <a:pPr lvl="1">
+              <a:buClr>
+                <a:schemeClr val="bg2"/>
+              </a:buClr>
+            </a:pPr>
+            <a:r>
+              <a:rPr lang="en-US" dirty="0"/>
+              <a:t>Might want to distribute work using </a:t>
+            </a:r>
+            <a:r>
+              <a:rPr lang="en-US" dirty="0" err="1"/>
+              <a:t>rsh</a:t>
+            </a:r>
+            <a:r>
+              <a:rPr lang="en-US" dirty="0"/>
+              <a:t> of some other means to leverage multiple clients</a:t>
+            </a:r>
+          </a:p>
+          <a:p>
+            <a:pPr>
+              <a:buClr>
+                <a:schemeClr val="bg2"/>
+              </a:buClr>
+            </a:pPr>
+            <a:r>
+              <a:rPr lang="en-US" dirty="0"/>
+              <a:t>Implementation …</a:t>
+            </a:r>
+          </a:p>
+          <a:p>
+            <a:pPr lvl="1">
+              <a:buClr>
+                <a:schemeClr val="bg2"/>
+              </a:buClr>
+            </a:pPr>
+            <a:r>
+              <a:rPr lang="en-US" dirty="0"/>
+              <a:t>Not too hard to </a:t>
+            </a:r>
+            <a:r>
+              <a:rPr lang="en-US" dirty="0" err="1"/>
+              <a:t>popen</a:t>
+            </a:r>
+            <a:r>
+              <a:rPr lang="en-US" dirty="0"/>
+              <a:t>() subordinate processes</a:t>
+            </a:r>
+          </a:p>
+          <a:p>
+            <a:pPr lvl="1">
+              <a:buClr>
+                <a:schemeClr val="bg2"/>
+              </a:buClr>
+            </a:pPr>
+            <a:endParaRPr lang="en-US" dirty="0"/>
+          </a:p>
+          <a:p>
+            <a:pPr>
+              <a:buClr>
+                <a:schemeClr val="bg2"/>
+              </a:buClr>
+            </a:pPr>
+            <a:endParaRPr lang="en-US" dirty="0"/>
+          </a:p>
+        </p:txBody>
+      </p:sp>
+      <p:pic>
+        <p:nvPicPr>
+          <p:cNvPr id="6" name="Picture 5"/>
+          <p:cNvPicPr>
+            <a:picLocks noChangeAspect="1"/>
+          </p:cNvPicPr>
+          <p:nvPr/>
+        </p:nvPicPr>
+        <p:blipFill>
+          <a:blip r:embed="rId3" cstate="print">
+            <a:extLst>
+              <a:ext uri="{28A0092B-C50C-407E-A947-70E740481C1C}">
+                <a14:useLocalDpi xmlns:a14="http://schemas.microsoft.com/office/drawing/2010/main"/>
+              </a:ext>
+            </a:extLst>
+          </a:blip>
+          <a:stretch>
+            <a:fillRect/>
+          </a:stretch>
+        </p:blipFill>
+        <p:spPr>
+          <a:xfrm>
+            <a:off x="8178800" y="114300"/>
+            <a:ext cx="812800" cy="612322"/>
+          </a:xfrm>
+          <a:prstGeom prst="rect">
+            <a:avLst/>
+          </a:prstGeom>
+        </p:spPr>
+      </p:pic>
+    </p:spTree>
+    <p:extLst>
+      <p:ext uri="{BB962C8B-B14F-4D97-AF65-F5344CB8AC3E}">
+        <p14:creationId xmlns:p14="http://schemas.microsoft.com/office/powerpoint/2010/main" val="3599859961"/>
+      </p:ext>
+    </p:extLst>
+  </p:cSld>
+  <p:clrMapOvr>
+    <a:masterClrMapping/>
+  </p:clrMapOvr>
+  <p:transition>
+    <p:fade/>
+  </p:transition>
+</p:sld>
+</file>
+
+<file path=ppt/slides/slide51.xml><?xml version="1.0" encoding="utf-8"?>
+<p:sld xmlns:a="http://schemas.openxmlformats.org/drawingml/2006/main" xmlns:r="http://schemas.openxmlformats.org/officeDocument/2006/relationships" xmlns:p="http://schemas.openxmlformats.org/presentationml/2006/main">
+  <p:cSld>
+    <p:bg>
+      <p:bgPr>
+        <a:solidFill>
+          <a:schemeClr val="accent3">
+            <a:lumMod val="40000"/>
+            <a:lumOff val="60000"/>
+          </a:schemeClr>
+        </a:solidFill>
+        <a:effectLst/>
+      </p:bgPr>
+    </p:bg>
+    <p:spTree>
+      <p:nvGrpSpPr>
+        <p:cNvPr id="1" name=""/>
+        <p:cNvGrpSpPr/>
+        <p:nvPr/>
+      </p:nvGrpSpPr>
+      <p:grpSpPr>
+        <a:xfrm>
+          <a:off x="0" y="0"/>
+          <a:ext cx="0" cy="0"/>
+          <a:chOff x="0" y="0"/>
+          <a:chExt cx="0" cy="0"/>
+        </a:xfrm>
+      </p:grpSpPr>
+      <p:sp>
+        <p:nvSpPr>
+          <p:cNvPr id="3" name="Title 2"/>
+          <p:cNvSpPr>
+            <a:spLocks noGrp="1"/>
+          </p:cNvSpPr>
+          <p:nvPr>
+            <p:ph type="ctrTitle"/>
+          </p:nvPr>
+        </p:nvSpPr>
+        <p:spPr>
+          <a:xfrm>
+            <a:off x="533400" y="1485900"/>
+            <a:ext cx="8077200" cy="1885950"/>
+          </a:xfrm>
+        </p:spPr>
+        <p:txBody>
+          <a:bodyPr anchor="ctr" anchorCtr="1">
+            <a:noAutofit/>
+          </a:bodyPr>
+          <a:lstStyle/>
+          <a:p>
+            <a:r>
+              <a:rPr lang="en-US" dirty="0">
+                <a:solidFill>
+                  <a:srgbClr val="444444"/>
+                </a:solidFill>
+              </a:rPr>
+              <a:t>Implementation Notes</a:t>
+            </a:r>
+          </a:p>
+        </p:txBody>
+      </p:sp>
+    </p:spTree>
+    <p:extLst>
+      <p:ext uri="{BB962C8B-B14F-4D97-AF65-F5344CB8AC3E}">
+        <p14:creationId xmlns:p14="http://schemas.microsoft.com/office/powerpoint/2010/main" val="3923334895"/>
+      </p:ext>
+    </p:extLst>
+  </p:cSld>
+  <p:clrMapOvr>
+    <a:masterClrMapping/>
+  </p:clrMapOvr>
+  <p:transition>
+    <p:fade/>
+  </p:transition>
+</p:sld>
+</file>
+
+<file path=ppt/slides/slide52.xml><?xml version="1.0" encoding="utf-8"?>
 <p:sld xmlns:a="http://schemas.openxmlformats.org/drawingml/2006/main" xmlns:r="http://schemas.openxmlformats.org/officeDocument/2006/relationships" xmlns:p="http://schemas.openxmlformats.org/presentationml/2006/main">
   <p:cSld>
     <p:spTree>
@@ -29615,7 +32652,7 @@
 </p:sld>
 </file>
 
-<file path=ppt/slides/slide51.xml><?xml version="1.0" encoding="utf-8"?>
+<file path=ppt/slides/slide53.xml><?xml version="1.0" encoding="utf-8"?>
 <p:sld xmlns:a="http://schemas.openxmlformats.org/drawingml/2006/main" xmlns:r="http://schemas.openxmlformats.org/officeDocument/2006/relationships" xmlns:p="http://schemas.openxmlformats.org/presentationml/2006/main">
   <p:cSld>
     <p:spTree>
@@ -30984,7 +34021,7 @@
 </p:sld>
 </file>
 
-<file path=ppt/slides/slide52.xml><?xml version="1.0" encoding="utf-8"?>
+<file path=ppt/slides/slide54.xml><?xml version="1.0" encoding="utf-8"?>
 <p:sld xmlns:a="http://schemas.openxmlformats.org/drawingml/2006/main" xmlns:r="http://schemas.openxmlformats.org/officeDocument/2006/relationships" xmlns:p="http://schemas.openxmlformats.org/presentationml/2006/main">
   <p:cSld>
     <p:spTree>
@@ -31480,7 +34517,7 @@
 </p:sld>
 </file>
 
-<file path=ppt/slides/slide53.xml><?xml version="1.0" encoding="utf-8"?>
+<file path=ppt/slides/slide55.xml><?xml version="1.0" encoding="utf-8"?>
 <p:sld xmlns:a="http://schemas.openxmlformats.org/drawingml/2006/main" xmlns:r="http://schemas.openxmlformats.org/officeDocument/2006/relationships" xmlns:p="http://schemas.openxmlformats.org/presentationml/2006/main">
   <p:cSld>
     <p:spTree>
@@ -31899,7 +34936,7 @@
 </p:sld>
 </file>
 
-<file path=ppt/slides/slide54.xml><?xml version="1.0" encoding="utf-8"?>
+<file path=ppt/slides/slide56.xml><?xml version="1.0" encoding="utf-8"?>
 <p:sld xmlns:a="http://schemas.openxmlformats.org/drawingml/2006/main" xmlns:r="http://schemas.openxmlformats.org/officeDocument/2006/relationships" xmlns:p="http://schemas.openxmlformats.org/presentationml/2006/main">
   <p:cSld>
     <p:spTree>
@@ -32227,7 +35264,7 @@
 </p:sld>
 </file>
 
-<file path=ppt/slides/slide55.xml><?xml version="1.0" encoding="utf-8"?>
+<file path=ppt/slides/slide57.xml><?xml version="1.0" encoding="utf-8"?>
 <p:sld xmlns:a="http://schemas.openxmlformats.org/drawingml/2006/main" xmlns:r="http://schemas.openxmlformats.org/officeDocument/2006/relationships" xmlns:p="http://schemas.openxmlformats.org/presentationml/2006/main">
   <p:cSld>
     <p:spTree>

--- a/doc/pwalk_slides.pptx
+++ b/doc/pwalk_slides.pptx
@@ -5,10 +5,10 @@
     <p:sldMasterId id="2147484241" r:id="rId4"/>
   </p:sldMasterIdLst>
   <p:notesMasterIdLst>
-    <p:notesMasterId r:id="rId62"/>
+    <p:notesMasterId r:id="rId63"/>
   </p:notesMasterIdLst>
   <p:handoutMasterIdLst>
-    <p:handoutMasterId r:id="rId63"/>
+    <p:handoutMasterId r:id="rId64"/>
   </p:handoutMasterIdLst>
   <p:sldIdLst>
     <p:sldId id="306" r:id="rId5"/>
@@ -51,28 +51,29 @@
     <p:sldId id="330" r:id="rId42"/>
     <p:sldId id="331" r:id="rId43"/>
     <p:sldId id="363" r:id="rId44"/>
-    <p:sldId id="332" r:id="rId45"/>
-    <p:sldId id="333" r:id="rId46"/>
-    <p:sldId id="321" r:id="rId47"/>
-    <p:sldId id="323" r:id="rId48"/>
-    <p:sldId id="334" r:id="rId49"/>
-    <p:sldId id="335" r:id="rId50"/>
-    <p:sldId id="336" r:id="rId51"/>
-    <p:sldId id="337" r:id="rId52"/>
-    <p:sldId id="338" r:id="rId53"/>
-    <p:sldId id="339" r:id="rId54"/>
-    <p:sldId id="340" r:id="rId55"/>
-    <p:sldId id="353" r:id="rId56"/>
-    <p:sldId id="352" r:id="rId57"/>
-    <p:sldId id="342" r:id="rId58"/>
-    <p:sldId id="344" r:id="rId59"/>
-    <p:sldId id="345" r:id="rId60"/>
-    <p:sldId id="346" r:id="rId61"/>
+    <p:sldId id="371" r:id="rId45"/>
+    <p:sldId id="332" r:id="rId46"/>
+    <p:sldId id="333" r:id="rId47"/>
+    <p:sldId id="321" r:id="rId48"/>
+    <p:sldId id="323" r:id="rId49"/>
+    <p:sldId id="334" r:id="rId50"/>
+    <p:sldId id="335" r:id="rId51"/>
+    <p:sldId id="336" r:id="rId52"/>
+    <p:sldId id="337" r:id="rId53"/>
+    <p:sldId id="338" r:id="rId54"/>
+    <p:sldId id="339" r:id="rId55"/>
+    <p:sldId id="340" r:id="rId56"/>
+    <p:sldId id="353" r:id="rId57"/>
+    <p:sldId id="352" r:id="rId58"/>
+    <p:sldId id="342" r:id="rId59"/>
+    <p:sldId id="344" r:id="rId60"/>
+    <p:sldId id="345" r:id="rId61"/>
+    <p:sldId id="346" r:id="rId62"/>
   </p:sldIdLst>
   <p:sldSz cx="9144000" cy="5143500" type="screen16x9"/>
   <p:notesSz cx="7010400" cy="9296400"/>
   <p:custDataLst>
-    <p:tags r:id="rId64"/>
+    <p:tags r:id="rId65"/>
   </p:custDataLst>
   <p:defaultTextStyle>
     <a:defPPr>
@@ -260,6 +261,7 @@
             <p14:sldId id="330"/>
             <p14:sldId id="331"/>
             <p14:sldId id="363"/>
+            <p14:sldId id="371"/>
             <p14:sldId id="332"/>
           </p14:sldIdLst>
         </p14:section>
@@ -5586,21 +5588,52 @@
           <a:bodyPr/>
           <a:lstStyle/>
           <a:p>
-            <a:pPr defTabSz="931774">
-              <a:defRPr/>
-            </a:pPr>
-            <a:endParaRPr lang="en-US" sz="1400" dirty="0"/>
+            <a:endParaRPr lang="en-US" dirty="0"/>
           </a:p>
         </p:txBody>
       </p:sp>
       <p:sp>
         <p:nvSpPr>
-          <p:cNvPr id="4" name="Slide Number Placeholder 3"/>
+          <p:cNvPr id="4" name="Footer Placeholder 3"/>
           <p:cNvSpPr>
             <a:spLocks noGrp="1"/>
           </p:cNvSpPr>
           <p:nvPr>
-            <p:ph type="sldNum" sz="quarter" idx="10"/>
+            <p:ph type="ftr" sz="quarter" idx="10"/>
+          </p:nvPr>
+        </p:nvSpPr>
+        <p:spPr>
+          <a:xfrm>
+            <a:off x="0" y="8829967"/>
+            <a:ext cx="3037840" cy="464820"/>
+          </a:xfrm>
+          <a:prstGeom prst="rect">
+            <a:avLst/>
+          </a:prstGeom>
+        </p:spPr>
+        <p:txBody>
+          <a:bodyPr lIns="93177" tIns="46589" rIns="93177" bIns="46589"/>
+          <a:lstStyle/>
+          <a:p>
+            <a:pPr>
+              <a:defRPr/>
+            </a:pPr>
+            <a:r>
+              <a:rPr lang="en-US"/>
+              <a:t>Module #: Module Name</a:t>
+            </a:r>
+            <a:endParaRPr lang="en-US" dirty="0"/>
+          </a:p>
+        </p:txBody>
+      </p:sp>
+      <p:sp>
+        <p:nvSpPr>
+          <p:cNvPr id="5" name="Slide Number Placeholder 4"/>
+          <p:cNvSpPr>
+            <a:spLocks noGrp="1"/>
+          </p:cNvSpPr>
+          <p:nvPr>
+            <p:ph type="sldNum" sz="quarter" idx="11"/>
           </p:nvPr>
         </p:nvSpPr>
         <p:spPr>
@@ -5616,27 +5649,24 @@
           <a:bodyPr lIns="93177" tIns="46589" rIns="93177" bIns="46589"/>
           <a:lstStyle/>
           <a:p>
-            <a:fld id="{C3102598-0D32-4B82-B7EF-C4D9838D3CB7}" type="slidenum">
-              <a:rPr lang="en-US" smtClean="0">
-                <a:solidFill>
-                  <a:prstClr val="black"/>
-                </a:solidFill>
-              </a:rPr>
-              <a:pPr/>
-              <a:t>42</a:t>
+            <a:pPr>
+              <a:defRPr/>
+            </a:pPr>
+            <a:fld id="{80249327-EC2F-4096-8D35-6B76097739FC}" type="slidenum">
+              <a:rPr lang="en-US" smtClean="0"/>
+              <a:pPr>
+                <a:defRPr/>
+              </a:pPr>
+              <a:t>41</a:t>
             </a:fld>
-            <a:endParaRPr lang="en-US" dirty="0">
-              <a:solidFill>
-                <a:prstClr val="black"/>
-              </a:solidFill>
-            </a:endParaRPr>
+            <a:endParaRPr lang="en-US" dirty="0"/>
           </a:p>
         </p:txBody>
       </p:sp>
     </p:spTree>
     <p:extLst>
       <p:ext uri="{BB962C8B-B14F-4D97-AF65-F5344CB8AC3E}">
-        <p14:creationId xmlns:p14="http://schemas.microsoft.com/office/powerpoint/2010/main" val="1461428334"/>
+        <p14:creationId xmlns:p14="http://schemas.microsoft.com/office/powerpoint/2010/main" val="179491326"/>
       </p:ext>
     </p:extLst>
   </p:cSld>
@@ -5695,60 +5725,21 @@
           <a:bodyPr/>
           <a:lstStyle/>
           <a:p>
-            <a:r>
-              <a:rPr lang="en-US" dirty="0"/>
-              <a:t>This</a:t>
-            </a:r>
-            <a:r>
-              <a:rPr lang="en-US" baseline="0" dirty="0"/>
-              <a:t> pseudo-code shows the key functions</a:t>
-            </a:r>
-            <a:endParaRPr lang="en-US" dirty="0"/>
+            <a:pPr defTabSz="931774">
+              <a:defRPr/>
+            </a:pPr>
+            <a:endParaRPr lang="en-US" sz="1400" dirty="0"/>
           </a:p>
         </p:txBody>
       </p:sp>
       <p:sp>
         <p:nvSpPr>
-          <p:cNvPr id="4" name="Footer Placeholder 3"/>
+          <p:cNvPr id="4" name="Slide Number Placeholder 3"/>
           <p:cNvSpPr>
             <a:spLocks noGrp="1"/>
           </p:cNvSpPr>
           <p:nvPr>
-            <p:ph type="ftr" sz="quarter" idx="10"/>
-          </p:nvPr>
-        </p:nvSpPr>
-        <p:spPr>
-          <a:xfrm>
-            <a:off x="0" y="8829967"/>
-            <a:ext cx="3037840" cy="464820"/>
-          </a:xfrm>
-          <a:prstGeom prst="rect">
-            <a:avLst/>
-          </a:prstGeom>
-        </p:spPr>
-        <p:txBody>
-          <a:bodyPr lIns="93177" tIns="46589" rIns="93177" bIns="46589"/>
-          <a:lstStyle/>
-          <a:p>
-            <a:pPr>
-              <a:defRPr/>
-            </a:pPr>
-            <a:r>
-              <a:rPr lang="en-US"/>
-              <a:t>Module #: Module Name</a:t>
-            </a:r>
-            <a:endParaRPr lang="en-US" dirty="0"/>
-          </a:p>
-        </p:txBody>
-      </p:sp>
-      <p:sp>
-        <p:nvSpPr>
-          <p:cNvPr id="5" name="Slide Number Placeholder 4"/>
-          <p:cNvSpPr>
-            <a:spLocks noGrp="1"/>
-          </p:cNvSpPr>
-          <p:nvPr>
-            <p:ph type="sldNum" sz="quarter" idx="11"/>
+            <p:ph type="sldNum" sz="quarter" idx="10"/>
           </p:nvPr>
         </p:nvSpPr>
         <p:spPr>
@@ -5764,24 +5755,27 @@
           <a:bodyPr lIns="93177" tIns="46589" rIns="93177" bIns="46589"/>
           <a:lstStyle/>
           <a:p>
-            <a:pPr>
-              <a:defRPr/>
-            </a:pPr>
-            <a:fld id="{80249327-EC2F-4096-8D35-6B76097739FC}" type="slidenum">
-              <a:rPr lang="en-US" smtClean="0"/>
-              <a:pPr>
-                <a:defRPr/>
-              </a:pPr>
+            <a:fld id="{C3102598-0D32-4B82-B7EF-C4D9838D3CB7}" type="slidenum">
+              <a:rPr lang="en-US" smtClean="0">
+                <a:solidFill>
+                  <a:prstClr val="black"/>
+                </a:solidFill>
+              </a:rPr>
+              <a:pPr/>
               <a:t>43</a:t>
             </a:fld>
-            <a:endParaRPr lang="en-US" dirty="0"/>
+            <a:endParaRPr lang="en-US" dirty="0">
+              <a:solidFill>
+                <a:prstClr val="black"/>
+              </a:solidFill>
+            </a:endParaRPr>
           </a:p>
         </p:txBody>
       </p:sp>
     </p:spTree>
     <p:extLst>
       <p:ext uri="{BB962C8B-B14F-4D97-AF65-F5344CB8AC3E}">
-        <p14:creationId xmlns:p14="http://schemas.microsoft.com/office/powerpoint/2010/main" val="2703140797"/>
+        <p14:creationId xmlns:p14="http://schemas.microsoft.com/office/powerpoint/2010/main" val="1461428334"/>
       </p:ext>
     </p:extLst>
   </p:cSld>
@@ -6119,17 +6113,96 @@
         </p:nvSpPr>
         <p:spPr/>
         <p:txBody>
-          <a:bodyPr lIns="91435" tIns="45717" rIns="91435" bIns="45717"/>
+          <a:bodyPr/>
           <a:lstStyle/>
           <a:p>
-            <a:endParaRPr lang="en-US" baseline="0" dirty="0"/>
+            <a:r>
+              <a:rPr lang="en-US" dirty="0"/>
+              <a:t>This</a:t>
+            </a:r>
+            <a:r>
+              <a:rPr lang="en-US" baseline="0" dirty="0"/>
+              <a:t> pseudo-code shows the key functions</a:t>
+            </a:r>
+            <a:endParaRPr lang="en-US" dirty="0"/>
+          </a:p>
+        </p:txBody>
+      </p:sp>
+      <p:sp>
+        <p:nvSpPr>
+          <p:cNvPr id="4" name="Footer Placeholder 3"/>
+          <p:cNvSpPr>
+            <a:spLocks noGrp="1"/>
+          </p:cNvSpPr>
+          <p:nvPr>
+            <p:ph type="ftr" sz="quarter" idx="10"/>
+          </p:nvPr>
+        </p:nvSpPr>
+        <p:spPr>
+          <a:xfrm>
+            <a:off x="0" y="8829967"/>
+            <a:ext cx="3037840" cy="464820"/>
+          </a:xfrm>
+          <a:prstGeom prst="rect">
+            <a:avLst/>
+          </a:prstGeom>
+        </p:spPr>
+        <p:txBody>
+          <a:bodyPr lIns="93177" tIns="46589" rIns="93177" bIns="46589"/>
+          <a:lstStyle/>
+          <a:p>
+            <a:pPr>
+              <a:defRPr/>
+            </a:pPr>
+            <a:r>
+              <a:rPr lang="en-US"/>
+              <a:t>Module #: Module Name</a:t>
+            </a:r>
+            <a:endParaRPr lang="en-US" dirty="0"/>
+          </a:p>
+        </p:txBody>
+      </p:sp>
+      <p:sp>
+        <p:nvSpPr>
+          <p:cNvPr id="5" name="Slide Number Placeholder 4"/>
+          <p:cNvSpPr>
+            <a:spLocks noGrp="1"/>
+          </p:cNvSpPr>
+          <p:nvPr>
+            <p:ph type="sldNum" sz="quarter" idx="11"/>
+          </p:nvPr>
+        </p:nvSpPr>
+        <p:spPr>
+          <a:xfrm>
+            <a:off x="3970938" y="8829967"/>
+            <a:ext cx="3037840" cy="464820"/>
+          </a:xfrm>
+          <a:prstGeom prst="rect">
+            <a:avLst/>
+          </a:prstGeom>
+        </p:spPr>
+        <p:txBody>
+          <a:bodyPr lIns="93177" tIns="46589" rIns="93177" bIns="46589"/>
+          <a:lstStyle/>
+          <a:p>
+            <a:pPr>
+              <a:defRPr/>
+            </a:pPr>
+            <a:fld id="{80249327-EC2F-4096-8D35-6B76097739FC}" type="slidenum">
+              <a:rPr lang="en-US" smtClean="0"/>
+              <a:pPr>
+                <a:defRPr/>
+              </a:pPr>
+              <a:t>45</a:t>
+            </a:fld>
+            <a:endParaRPr lang="en-US" dirty="0"/>
           </a:p>
         </p:txBody>
       </p:sp>
     </p:spTree>
     <p:extLst>
       <p:ext uri="{BB962C8B-B14F-4D97-AF65-F5344CB8AC3E}">
-        <p14:creationId xmlns:p14="http://schemas.microsoft.com/office/powerpoint/2010/main" val="2054967166"/>
+        <p14:creationId xmlns:p14="http://schemas.microsoft.com/office/powerpoint/2010/main" val="2703140797"/>
       </p:ext>
     </p:extLst>
   </p:cSld>
@@ -6515,60 +6588,17 @@
         </p:nvSpPr>
         <p:spPr/>
         <p:txBody>
-          <a:bodyPr/>
+          <a:bodyPr lIns="91435" tIns="45717" rIns="91435" bIns="45717"/>
           <a:lstStyle/>
           <a:p>
-            <a:pPr defTabSz="931774">
-              <a:defRPr/>
-            </a:pPr>
-            <a:endParaRPr lang="en-US" sz="1400" dirty="0"/>
-          </a:p>
-        </p:txBody>
-      </p:sp>
-      <p:sp>
-        <p:nvSpPr>
-          <p:cNvPr id="4" name="Slide Number Placeholder 3"/>
-          <p:cNvSpPr>
-            <a:spLocks noGrp="1"/>
-          </p:cNvSpPr>
-          <p:nvPr>
-            <p:ph type="sldNum" sz="quarter" idx="10"/>
-          </p:nvPr>
-        </p:nvSpPr>
-        <p:spPr>
-          <a:xfrm>
-            <a:off x="3970938" y="8829967"/>
-            <a:ext cx="3037840" cy="464820"/>
-          </a:xfrm>
-          <a:prstGeom prst="rect">
-            <a:avLst/>
-          </a:prstGeom>
-        </p:spPr>
-        <p:txBody>
-          <a:bodyPr lIns="93177" tIns="46589" rIns="93177" bIns="46589"/>
-          <a:lstStyle/>
-          <a:p>
-            <a:fld id="{C3102598-0D32-4B82-B7EF-C4D9838D3CB7}" type="slidenum">
-              <a:rPr lang="en-US" smtClean="0">
-                <a:solidFill>
-                  <a:prstClr val="black"/>
-                </a:solidFill>
-              </a:rPr>
-              <a:pPr/>
-              <a:t>51</a:t>
-            </a:fld>
-            <a:endParaRPr lang="en-US" dirty="0">
-              <a:solidFill>
-                <a:prstClr val="black"/>
-              </a:solidFill>
-            </a:endParaRPr>
+            <a:endParaRPr lang="en-US" baseline="0" dirty="0"/>
           </a:p>
         </p:txBody>
       </p:sp>
     </p:spTree>
     <p:extLst>
       <p:ext uri="{BB962C8B-B14F-4D97-AF65-F5344CB8AC3E}">
-        <p14:creationId xmlns:p14="http://schemas.microsoft.com/office/powerpoint/2010/main" val="1461428334"/>
+        <p14:creationId xmlns:p14="http://schemas.microsoft.com/office/powerpoint/2010/main" val="2054967166"/>
       </p:ext>
     </p:extLst>
   </p:cSld>
@@ -6627,30 +6657,10 @@
           <a:bodyPr/>
           <a:lstStyle/>
           <a:p>
-            <a:r>
-              <a:rPr lang="en-US" dirty="0"/>
-              <a:t>This a very straightforward C code, with the only consideration being inclusion of the </a:t>
-            </a:r>
-            <a:r>
-              <a:rPr lang="en-US" dirty="0" err="1"/>
-              <a:t>pThreads</a:t>
-            </a:r>
-            <a:r>
-              <a:rPr lang="en-US" dirty="0"/>
-              <a:t> library (the POSIX portable threads library).</a:t>
-            </a:r>
-          </a:p>
-          <a:p>
-            <a:r>
-              <a:rPr lang="en-US" dirty="0"/>
-              <a:t>The O’Reilly book is all one needs to get started.</a:t>
-            </a:r>
-          </a:p>
-          <a:p>
-            <a:endParaRPr lang="en-US" dirty="0"/>
-          </a:p>
-          <a:p>
-            <a:endParaRPr lang="en-US" dirty="0"/>
+            <a:pPr defTabSz="931774">
+              <a:defRPr/>
+            </a:pPr>
+            <a:endParaRPr lang="en-US" sz="1400" dirty="0"/>
           </a:p>
         </p:txBody>
       </p:sp>
@@ -6677,24 +6687,27 @@
           <a:bodyPr lIns="93177" tIns="46589" rIns="93177" bIns="46589"/>
           <a:lstStyle/>
           <a:p>
-            <a:pPr>
-              <a:defRPr/>
-            </a:pPr>
-            <a:fld id="{D1F60938-1488-DE48-B964-642B5D0865D8}" type="slidenum">
-              <a:rPr lang="en-US" smtClean="0"/>
-              <a:pPr>
-                <a:defRPr/>
-              </a:pPr>
+            <a:fld id="{C3102598-0D32-4B82-B7EF-C4D9838D3CB7}" type="slidenum">
+              <a:rPr lang="en-US" smtClean="0">
+                <a:solidFill>
+                  <a:prstClr val="black"/>
+                </a:solidFill>
+              </a:rPr>
+              <a:pPr/>
               <a:t>52</a:t>
             </a:fld>
-            <a:endParaRPr lang="en-US"/>
+            <a:endParaRPr lang="en-US" dirty="0">
+              <a:solidFill>
+                <a:prstClr val="black"/>
+              </a:solidFill>
+            </a:endParaRPr>
           </a:p>
         </p:txBody>
       </p:sp>
     </p:spTree>
     <p:extLst>
       <p:ext uri="{BB962C8B-B14F-4D97-AF65-F5344CB8AC3E}">
-        <p14:creationId xmlns:p14="http://schemas.microsoft.com/office/powerpoint/2010/main" val="249082682"/>
+        <p14:creationId xmlns:p14="http://schemas.microsoft.com/office/powerpoint/2010/main" val="1461428334"/>
       </p:ext>
     </p:extLst>
   </p:cSld>
@@ -6754,141 +6767,40 @@
           <a:lstStyle/>
           <a:p>
             <a:r>
-              <a:rPr lang="en-US" baseline="0" dirty="0"/>
-              <a:t>Gathering and presenting this data is what </a:t>
-            </a:r>
-            <a:r>
-              <a:rPr lang="en-US" baseline="0" dirty="0" err="1"/>
-              <a:t>pwalk</a:t>
-            </a:r>
-            <a:r>
-              <a:rPr lang="en-US" baseline="0" dirty="0"/>
-              <a:t> does. This example is from OSX, but the structure is very similar between various implementations.</a:t>
-            </a:r>
-          </a:p>
-          <a:p>
-            <a:endParaRPr lang="en-US" baseline="0" dirty="0"/>
-          </a:p>
-          <a:p>
-            <a:r>
-              <a:rPr lang="en-US" baseline="0" dirty="0"/>
-              <a:t>OneFS normally foregoes the metadata-maintenance expense of keeping access times accurately. Their updating frequency is adjustable, but typically no more aggressive than once-per-day </a:t>
-            </a:r>
-          </a:p>
-          <a:p>
-            <a:endParaRPr lang="en-US" baseline="0" dirty="0"/>
-          </a:p>
-          <a:p>
-            <a:r>
-              <a:rPr lang="en-US" baseline="0" dirty="0"/>
-              <a:t>http://</a:t>
-            </a:r>
-            <a:r>
-              <a:rPr lang="en-US" baseline="0" dirty="0" err="1"/>
-              <a:t>pubs.opengroup.org</a:t>
-            </a:r>
-            <a:r>
-              <a:rPr lang="en-US" baseline="0" dirty="0"/>
-              <a:t>/</a:t>
-            </a:r>
-            <a:r>
-              <a:rPr lang="en-US" baseline="0" dirty="0" err="1"/>
-              <a:t>onlinepubs</a:t>
-            </a:r>
-            <a:r>
-              <a:rPr lang="en-US" baseline="0" dirty="0"/>
-              <a:t>/009695399/</a:t>
-            </a:r>
-            <a:r>
-              <a:rPr lang="en-US" baseline="0" dirty="0" err="1"/>
-              <a:t>basedefs</a:t>
-            </a:r>
-            <a:r>
-              <a:rPr lang="en-US" baseline="0" dirty="0"/>
-              <a:t>/sys/</a:t>
-            </a:r>
-            <a:r>
-              <a:rPr lang="en-US" baseline="0" dirty="0" err="1"/>
-              <a:t>stat.h.html</a:t>
-            </a:r>
-            <a:r>
-              <a:rPr lang="en-US" baseline="0" dirty="0"/>
-              <a:t> – “</a:t>
-            </a:r>
-            <a:r>
               <a:rPr lang="en-US" dirty="0"/>
-              <a:t>The unit for the </a:t>
-            </a:r>
-            <a:r>
-              <a:rPr lang="en-US" i="1" dirty="0" err="1"/>
-              <a:t>st_blocks</a:t>
+              <a:t>This a very straightforward C code, with the only consideration being inclusion of the </a:t>
+            </a:r>
+            <a:r>
+              <a:rPr lang="en-US" dirty="0" err="1"/>
+              <a:t>pThreads</a:t>
             </a:r>
             <a:r>
               <a:rPr lang="en-US" dirty="0"/>
-              <a:t> member of the </a:t>
-            </a:r>
-            <a:r>
-              <a:rPr lang="en-US" b="1" dirty="0"/>
-              <a:t>stat</a:t>
-            </a:r>
+              <a:t> library (the POSIX portable threads library).</a:t>
+            </a:r>
+          </a:p>
+          <a:p>
             <a:r>
               <a:rPr lang="en-US" dirty="0"/>
-              <a:t> structure is not defined within IEEE </a:t>
-            </a:r>
-            <a:r>
-              <a:rPr lang="en-US" dirty="0" err="1"/>
-              <a:t>Std</a:t>
-            </a:r>
-            <a:r>
-              <a:rPr lang="en-US" dirty="0"/>
-              <a:t> 1003.1-2001. In some implementations it is 512 bytes. It may differ on a file system basis.”</a:t>
-            </a:r>
-            <a:endParaRPr lang="en-US" baseline="0" dirty="0"/>
+              <a:t>The O’Reilly book is all one needs to get started.</a:t>
+            </a:r>
+          </a:p>
+          <a:p>
+            <a:endParaRPr lang="en-US" dirty="0"/>
+          </a:p>
+          <a:p>
+            <a:endParaRPr lang="en-US" dirty="0"/>
           </a:p>
         </p:txBody>
       </p:sp>
       <p:sp>
         <p:nvSpPr>
-          <p:cNvPr id="4" name="Footer Placeholder 3"/>
+          <p:cNvPr id="4" name="Slide Number Placeholder 3"/>
           <p:cNvSpPr>
             <a:spLocks noGrp="1"/>
           </p:cNvSpPr>
           <p:nvPr>
-            <p:ph type="ftr" sz="quarter" idx="10"/>
-          </p:nvPr>
-        </p:nvSpPr>
-        <p:spPr>
-          <a:xfrm>
-            <a:off x="0" y="8829967"/>
-            <a:ext cx="3037840" cy="464820"/>
-          </a:xfrm>
-          <a:prstGeom prst="rect">
-            <a:avLst/>
-          </a:prstGeom>
-        </p:spPr>
-        <p:txBody>
-          <a:bodyPr lIns="93177" tIns="46589" rIns="93177" bIns="46589"/>
-          <a:lstStyle/>
-          <a:p>
-            <a:pPr>
-              <a:defRPr/>
-            </a:pPr>
-            <a:r>
-              <a:rPr lang="en-US"/>
-              <a:t>Module #: Module Name</a:t>
-            </a:r>
-            <a:endParaRPr lang="en-US" dirty="0"/>
-          </a:p>
-        </p:txBody>
-      </p:sp>
-      <p:sp>
-        <p:nvSpPr>
-          <p:cNvPr id="5" name="Slide Number Placeholder 4"/>
-          <p:cNvSpPr>
-            <a:spLocks noGrp="1"/>
-          </p:cNvSpPr>
-          <p:nvPr>
-            <p:ph type="sldNum" sz="quarter" idx="11"/>
+            <p:ph type="sldNum" sz="quarter" idx="10"/>
           </p:nvPr>
         </p:nvSpPr>
         <p:spPr>
@@ -6907,21 +6819,21 @@
             <a:pPr>
               <a:defRPr/>
             </a:pPr>
-            <a:fld id="{80249327-EC2F-4096-8D35-6B76097739FC}" type="slidenum">
+            <a:fld id="{D1F60938-1488-DE48-B964-642B5D0865D8}" type="slidenum">
               <a:rPr lang="en-US" smtClean="0"/>
               <a:pPr>
                 <a:defRPr/>
               </a:pPr>
               <a:t>53</a:t>
             </a:fld>
-            <a:endParaRPr lang="en-US" dirty="0"/>
+            <a:endParaRPr lang="en-US"/>
           </a:p>
         </p:txBody>
       </p:sp>
     </p:spTree>
     <p:extLst>
       <p:ext uri="{BB962C8B-B14F-4D97-AF65-F5344CB8AC3E}">
-        <p14:creationId xmlns:p14="http://schemas.microsoft.com/office/powerpoint/2010/main" val="2703140797"/>
+        <p14:creationId xmlns:p14="http://schemas.microsoft.com/office/powerpoint/2010/main" val="249082682"/>
       </p:ext>
     </p:extLst>
   </p:cSld>
@@ -7087,6 +6999,233 @@
       </p:grpSpPr>
       <p:sp>
         <p:nvSpPr>
+          <p:cNvPr id="2" name="Slide Image Placeholder 1"/>
+          <p:cNvSpPr>
+            <a:spLocks noGrp="1" noRot="1" noChangeAspect="1"/>
+          </p:cNvSpPr>
+          <p:nvPr>
+            <p:ph type="sldImg"/>
+          </p:nvPr>
+        </p:nvSpPr>
+        <p:spPr>
+          <a:xfrm>
+            <a:off x="457200" y="384175"/>
+            <a:ext cx="6096000" cy="3430588"/>
+          </a:xfrm>
+        </p:spPr>
+      </p:sp>
+      <p:sp>
+        <p:nvSpPr>
+          <p:cNvPr id="3" name="Notes Placeholder 2"/>
+          <p:cNvSpPr>
+            <a:spLocks noGrp="1"/>
+          </p:cNvSpPr>
+          <p:nvPr>
+            <p:ph type="body" idx="1"/>
+          </p:nvPr>
+        </p:nvSpPr>
+        <p:spPr/>
+        <p:txBody>
+          <a:bodyPr/>
+          <a:lstStyle/>
+          <a:p>
+            <a:r>
+              <a:rPr lang="en-US" baseline="0" dirty="0"/>
+              <a:t>Gathering and presenting this data is what </a:t>
+            </a:r>
+            <a:r>
+              <a:rPr lang="en-US" baseline="0" dirty="0" err="1"/>
+              <a:t>pwalk</a:t>
+            </a:r>
+            <a:r>
+              <a:rPr lang="en-US" baseline="0" dirty="0"/>
+              <a:t> does. This example is from OSX, but the structure is very similar between various implementations.</a:t>
+            </a:r>
+          </a:p>
+          <a:p>
+            <a:endParaRPr lang="en-US" baseline="0" dirty="0"/>
+          </a:p>
+          <a:p>
+            <a:r>
+              <a:rPr lang="en-US" baseline="0" dirty="0"/>
+              <a:t>OneFS normally foregoes the metadata-maintenance expense of keeping access times accurately. Their updating frequency is adjustable, but typically no more aggressive than once-per-day </a:t>
+            </a:r>
+          </a:p>
+          <a:p>
+            <a:endParaRPr lang="en-US" baseline="0" dirty="0"/>
+          </a:p>
+          <a:p>
+            <a:r>
+              <a:rPr lang="en-US" baseline="0" dirty="0"/>
+              <a:t>http://</a:t>
+            </a:r>
+            <a:r>
+              <a:rPr lang="en-US" baseline="0" dirty="0" err="1"/>
+              <a:t>pubs.opengroup.org</a:t>
+            </a:r>
+            <a:r>
+              <a:rPr lang="en-US" baseline="0" dirty="0"/>
+              <a:t>/</a:t>
+            </a:r>
+            <a:r>
+              <a:rPr lang="en-US" baseline="0" dirty="0" err="1"/>
+              <a:t>onlinepubs</a:t>
+            </a:r>
+            <a:r>
+              <a:rPr lang="en-US" baseline="0" dirty="0"/>
+              <a:t>/009695399/</a:t>
+            </a:r>
+            <a:r>
+              <a:rPr lang="en-US" baseline="0" dirty="0" err="1"/>
+              <a:t>basedefs</a:t>
+            </a:r>
+            <a:r>
+              <a:rPr lang="en-US" baseline="0" dirty="0"/>
+              <a:t>/sys/</a:t>
+            </a:r>
+            <a:r>
+              <a:rPr lang="en-US" baseline="0" dirty="0" err="1"/>
+              <a:t>stat.h.html</a:t>
+            </a:r>
+            <a:r>
+              <a:rPr lang="en-US" baseline="0" dirty="0"/>
+              <a:t> – “</a:t>
+            </a:r>
+            <a:r>
+              <a:rPr lang="en-US" dirty="0"/>
+              <a:t>The unit for the </a:t>
+            </a:r>
+            <a:r>
+              <a:rPr lang="en-US" i="1" dirty="0" err="1"/>
+              <a:t>st_blocks</a:t>
+            </a:r>
+            <a:r>
+              <a:rPr lang="en-US" dirty="0"/>
+              <a:t> member of the </a:t>
+            </a:r>
+            <a:r>
+              <a:rPr lang="en-US" b="1" dirty="0"/>
+              <a:t>stat</a:t>
+            </a:r>
+            <a:r>
+              <a:rPr lang="en-US" dirty="0"/>
+              <a:t> structure is not defined within IEEE </a:t>
+            </a:r>
+            <a:r>
+              <a:rPr lang="en-US" dirty="0" err="1"/>
+              <a:t>Std</a:t>
+            </a:r>
+            <a:r>
+              <a:rPr lang="en-US" dirty="0"/>
+              <a:t> 1003.1-2001. In some implementations it is 512 bytes. It may differ on a file system basis.”</a:t>
+            </a:r>
+            <a:endParaRPr lang="en-US" baseline="0" dirty="0"/>
+          </a:p>
+        </p:txBody>
+      </p:sp>
+      <p:sp>
+        <p:nvSpPr>
+          <p:cNvPr id="4" name="Footer Placeholder 3"/>
+          <p:cNvSpPr>
+            <a:spLocks noGrp="1"/>
+          </p:cNvSpPr>
+          <p:nvPr>
+            <p:ph type="ftr" sz="quarter" idx="10"/>
+          </p:nvPr>
+        </p:nvSpPr>
+        <p:spPr>
+          <a:xfrm>
+            <a:off x="0" y="8829967"/>
+            <a:ext cx="3037840" cy="464820"/>
+          </a:xfrm>
+          <a:prstGeom prst="rect">
+            <a:avLst/>
+          </a:prstGeom>
+        </p:spPr>
+        <p:txBody>
+          <a:bodyPr lIns="93177" tIns="46589" rIns="93177" bIns="46589"/>
+          <a:lstStyle/>
+          <a:p>
+            <a:pPr>
+              <a:defRPr/>
+            </a:pPr>
+            <a:r>
+              <a:rPr lang="en-US"/>
+              <a:t>Module #: Module Name</a:t>
+            </a:r>
+            <a:endParaRPr lang="en-US" dirty="0"/>
+          </a:p>
+        </p:txBody>
+      </p:sp>
+      <p:sp>
+        <p:nvSpPr>
+          <p:cNvPr id="5" name="Slide Number Placeholder 4"/>
+          <p:cNvSpPr>
+            <a:spLocks noGrp="1"/>
+          </p:cNvSpPr>
+          <p:nvPr>
+            <p:ph type="sldNum" sz="quarter" idx="11"/>
+          </p:nvPr>
+        </p:nvSpPr>
+        <p:spPr>
+          <a:xfrm>
+            <a:off x="3970938" y="8829967"/>
+            <a:ext cx="3037840" cy="464820"/>
+          </a:xfrm>
+          <a:prstGeom prst="rect">
+            <a:avLst/>
+          </a:prstGeom>
+        </p:spPr>
+        <p:txBody>
+          <a:bodyPr lIns="93177" tIns="46589" rIns="93177" bIns="46589"/>
+          <a:lstStyle/>
+          <a:p>
+            <a:pPr>
+              <a:defRPr/>
+            </a:pPr>
+            <a:fld id="{80249327-EC2F-4096-8D35-6B76097739FC}" type="slidenum">
+              <a:rPr lang="en-US" smtClean="0"/>
+              <a:pPr>
+                <a:defRPr/>
+              </a:pPr>
+              <a:t>54</a:t>
+            </a:fld>
+            <a:endParaRPr lang="en-US" dirty="0"/>
+          </a:p>
+        </p:txBody>
+      </p:sp>
+    </p:spTree>
+    <p:extLst>
+      <p:ext uri="{BB962C8B-B14F-4D97-AF65-F5344CB8AC3E}">
+        <p14:creationId xmlns:p14="http://schemas.microsoft.com/office/powerpoint/2010/main" val="2703140797"/>
+      </p:ext>
+    </p:extLst>
+  </p:cSld>
+  <p:clrMapOvr>
+    <a:masterClrMapping/>
+  </p:clrMapOvr>
+</p:notes>
+</file>
+
+<file path=ppt/notesSlides/notesSlide51.xml><?xml version="1.0" encoding="utf-8"?>
+<p:notes xmlns:a="http://schemas.openxmlformats.org/drawingml/2006/main" xmlns:r="http://schemas.openxmlformats.org/officeDocument/2006/relationships" xmlns:p="http://schemas.openxmlformats.org/presentationml/2006/main">
+  <p:cSld>
+    <p:spTree>
+      <p:nvGrpSpPr>
+        <p:cNvPr id="1" name=""/>
+        <p:cNvGrpSpPr/>
+        <p:nvPr/>
+      </p:nvGrpSpPr>
+      <p:grpSpPr>
+        <a:xfrm>
+          <a:off x="0" y="0"/>
+          <a:ext cx="0" cy="0"/>
+          <a:chOff x="0" y="0"/>
+          <a:chExt cx="0" cy="0"/>
+        </a:xfrm>
+      </p:grpSpPr>
+      <p:sp>
+        <p:nvSpPr>
           <p:cNvPr id="80898" name="Rectangle 7"/>
           <p:cNvSpPr>
             <a:spLocks noGrp="1" noChangeArrowheads="1"/>
@@ -7112,7 +7251,7 @@
             <a:fld id="{264D9E70-C7EE-EC47-B3E9-B8FB59B59006}" type="slidenum">
               <a:rPr lang="en-US"/>
               <a:pPr/>
-              <a:t>55</a:t>
+              <a:t>56</a:t>
             </a:fld>
             <a:endParaRPr lang="en-US"/>
           </a:p>
@@ -7170,7 +7309,7 @@
 </p:notes>
 </file>
 
-<file path=ppt/notesSlides/notesSlide51.xml><?xml version="1.0" encoding="utf-8"?>
+<file path=ppt/notesSlides/notesSlide52.xml><?xml version="1.0" encoding="utf-8"?>
 <p:notes xmlns:a="http://schemas.openxmlformats.org/drawingml/2006/main" xmlns:r="http://schemas.openxmlformats.org/officeDocument/2006/relationships" xmlns:p="http://schemas.openxmlformats.org/presentationml/2006/main">
   <p:cSld>
     <p:spTree>
@@ -11074,7 +11213,7 @@
                   <a:schemeClr val="bg1"/>
                 </a:buClr>
               </a:pPr>
-              <a:t>10/19/18</a:t>
+              <a:t>11/14/18</a:t>
             </a:fld>
             <a:endParaRPr lang="en-US" sz="900" dirty="0">
               <a:solidFill>
@@ -11148,7 +11287,7 @@
                   <a:schemeClr val="bg1"/>
                 </a:buClr>
               </a:pPr>
-              <a:t>10/19/18</a:t>
+              <a:t>11/14/18</a:t>
             </a:fld>
             <a:endParaRPr lang="en-US" sz="900" dirty="0">
               <a:solidFill>
@@ -12289,7 +12428,7 @@
               <a:rPr lang="en-US" sz="1600" b="1" dirty="0">
                 <a:latin typeface="+mn-lt"/>
               </a:rPr>
-              <a:t>		&lt;directory&gt; [&lt;directory&gt; ...]</a:t>
+              <a:t>		 [&lt;directory&gt; ...]</a:t>
             </a:r>
           </a:p>
           <a:p>
@@ -12537,13 +12676,13 @@
               <a:rPr lang="en-US" sz="1400" u="sng" dirty="0">
                 <a:latin typeface="+mn-lt"/>
               </a:rPr>
-              <a:t>One or more</a:t>
+              <a:t>Zero or more</a:t>
             </a:r>
             <a:r>
               <a:rPr lang="en-US" sz="1400" dirty="0">
                 <a:latin typeface="+mn-lt"/>
               </a:rPr>
-              <a:t> &lt;directory&gt; values</a:t>
+              <a:t> &lt;directory&gt; values (default value is just ‘.’)</a:t>
             </a:r>
           </a:p>
           <a:p>
@@ -22191,7 +22330,7 @@
           <a:graphicData uri="http://schemas.openxmlformats.org/presentationml/2006/ole">
             <mc:AlternateContent xmlns:mc="http://schemas.openxmlformats.org/markup-compatibility/2006">
               <mc:Choice xmlns:v="urn:schemas-microsoft-com:vml" Requires="v">
-                <p:oleObj spid="_x0000_s2180" name="Worksheet" r:id="rId5" imgW="10134600" imgH="5829300" progId="Excel.Sheet.12">
+                <p:oleObj spid="_x0000_s2182" name="Worksheet" r:id="rId5" imgW="10134600" imgH="5829300" progId="Excel.Sheet.12">
                   <p:embed/>
                 </p:oleObj>
               </mc:Choice>
@@ -28751,6 +28890,137 @@
         </p:nvSpPr>
         <p:spPr/>
         <p:txBody>
+          <a:bodyPr/>
+          <a:lstStyle/>
+          <a:p>
+            <a:r>
+              <a:rPr lang="en-US" dirty="0"/>
+              <a:t>Platform-specific Limitations</a:t>
+            </a:r>
+          </a:p>
+        </p:txBody>
+      </p:sp>
+      <p:sp>
+        <p:nvSpPr>
+          <p:cNvPr id="5" name="Content Placeholder 4"/>
+          <p:cNvSpPr>
+            <a:spLocks noGrp="1"/>
+          </p:cNvSpPr>
+          <p:nvPr>
+            <p:ph sz="quarter" idx="10"/>
+          </p:nvPr>
+        </p:nvSpPr>
+        <p:spPr/>
+        <p:txBody>
+          <a:bodyPr>
+            <a:normAutofit/>
+          </a:bodyPr>
+          <a:lstStyle/>
+          <a:p>
+            <a:pPr>
+              <a:buClr>
+                <a:srgbClr val="000000"/>
+              </a:buClr>
+            </a:pPr>
+            <a:r>
+              <a:rPr lang="en-US" dirty="0">
+                <a:latin typeface="+mn-lt"/>
+              </a:rPr>
+              <a:t>OSX</a:t>
+            </a:r>
+          </a:p>
+          <a:p>
+            <a:pPr lvl="1"/>
+            <a:r>
+              <a:rPr lang="en-US" dirty="0"/>
+              <a:t>/dev/</a:t>
+            </a:r>
+            <a:r>
+              <a:rPr lang="en-US" dirty="0" err="1"/>
+              <a:t>fd</a:t>
+            </a:r>
+            <a:r>
+              <a:rPr lang="en-US" dirty="0"/>
+              <a:t>/&lt;n&gt; entries that look like directories cannot be opened with </a:t>
+            </a:r>
+            <a:r>
+              <a:rPr lang="en-US" dirty="0" err="1"/>
+              <a:t>opendir</a:t>
+            </a:r>
+            <a:r>
+              <a:rPr lang="en-US" dirty="0"/>
+              <a:t>(), and will therefore produce errors</a:t>
+            </a:r>
+          </a:p>
+          <a:p>
+            <a:pPr lvl="1"/>
+            <a:r>
+              <a:rPr lang="en-US" dirty="0"/>
+              <a:t>The –</a:t>
+            </a:r>
+            <a:r>
+              <a:rPr lang="en-US" dirty="0" err="1"/>
+              <a:t>gz</a:t>
+            </a:r>
+            <a:r>
+              <a:rPr lang="en-US"/>
+              <a:t> option does not work</a:t>
+            </a:r>
+            <a:endParaRPr lang="en-US" dirty="0"/>
+          </a:p>
+          <a:p>
+            <a:pPr lvl="1"/>
+            <a:endParaRPr lang="en-US" dirty="0">
+              <a:latin typeface="+mn-lt"/>
+            </a:endParaRPr>
+          </a:p>
+        </p:txBody>
+      </p:sp>
+    </p:spTree>
+    <p:extLst>
+      <p:ext uri="{BB962C8B-B14F-4D97-AF65-F5344CB8AC3E}">
+        <p14:creationId xmlns:p14="http://schemas.microsoft.com/office/powerpoint/2010/main" val="2650336005"/>
+      </p:ext>
+    </p:extLst>
+  </p:cSld>
+  <p:clrMapOvr>
+    <a:masterClrMapping/>
+  </p:clrMapOvr>
+  <p:transition spd="med">
+    <p:wipe dir="r"/>
+  </p:transition>
+</p:sld>
+</file>
+
+<file path=ppt/slides/slide42.xml><?xml version="1.0" encoding="utf-8"?>
+<p:sld xmlns:a="http://schemas.openxmlformats.org/drawingml/2006/main" xmlns:r="http://schemas.openxmlformats.org/officeDocument/2006/relationships" xmlns:p="http://schemas.openxmlformats.org/presentationml/2006/main">
+  <p:cSld>
+    <p:spTree>
+      <p:nvGrpSpPr>
+        <p:cNvPr id="1" name=""/>
+        <p:cNvGrpSpPr/>
+        <p:nvPr/>
+      </p:nvGrpSpPr>
+      <p:grpSpPr>
+        <a:xfrm>
+          <a:off x="0" y="0"/>
+          <a:ext cx="0" cy="0"/>
+          <a:chOff x="0" y="0"/>
+          <a:chExt cx="0" cy="0"/>
+        </a:xfrm>
+      </p:grpSpPr>
+      <p:sp>
+        <p:nvSpPr>
+          <p:cNvPr id="2" name="Title 1"/>
+          <p:cNvSpPr>
+            <a:spLocks noGrp="1"/>
+          </p:cNvSpPr>
+          <p:nvPr>
+            <p:ph type="title"/>
+          </p:nvPr>
+        </p:nvSpPr>
+        <p:spPr/>
+        <p:txBody>
           <a:bodyPr anchor="ctr" anchorCtr="0"/>
           <a:lstStyle/>
           <a:p>
@@ -29017,7 +29287,7 @@
 </p:sld>
 </file>
 
-<file path=ppt/slides/slide42.xml><?xml version="1.0" encoding="utf-8"?>
+<file path=ppt/slides/slide43.xml><?xml version="1.0" encoding="utf-8"?>
 <p:sld xmlns:a="http://schemas.openxmlformats.org/drawingml/2006/main" xmlns:r="http://schemas.openxmlformats.org/officeDocument/2006/relationships" xmlns:p="http://schemas.openxmlformats.org/presentationml/2006/main" show="0">
   <p:cSld>
     <p:bg>
@@ -29107,7 +29377,7 @@
 </p:sld>
 </file>
 
-<file path=ppt/slides/slide43.xml><?xml version="1.0" encoding="utf-8"?>
+<file path=ppt/slides/slide44.xml><?xml version="1.0" encoding="utf-8"?>
 <p:sld xmlns:a="http://schemas.openxmlformats.org/drawingml/2006/main" xmlns:r="http://schemas.openxmlformats.org/officeDocument/2006/relationships" xmlns:p="http://schemas.openxmlformats.org/presentationml/2006/main" show="0">
   <p:cSld>
     <p:spTree>
@@ -29228,296 +29498,6 @@
     <p:extLst>
       <p:ext uri="{BB962C8B-B14F-4D97-AF65-F5344CB8AC3E}">
         <p14:creationId xmlns:p14="http://schemas.microsoft.com/office/powerpoint/2010/main" val="403150059"/>
-      </p:ext>
-    </p:extLst>
-  </p:cSld>
-  <p:clrMapOvr>
-    <a:masterClrMapping/>
-  </p:clrMapOvr>
-  <p:transition>
-    <p:fade/>
-  </p:transition>
-  <p:timing>
-    <p:tnLst>
-      <p:par>
-        <p:cTn id="1" dur="indefinite" restart="never" nodeType="tmRoot">
-          <p:childTnLst>
-            <p:seq concurrent="1" nextAc="seek">
-              <p:cTn id="2" dur="indefinite" nodeType="mainSeq">
-                <p:childTnLst>
-                  <p:par>
-                    <p:cTn id="3" fill="hold">
-                      <p:stCondLst>
-                        <p:cond delay="indefinite"/>
-                        <p:cond evt="onBegin" delay="0">
-                          <p:tn val="2"/>
-                        </p:cond>
-                      </p:stCondLst>
-                      <p:childTnLst>
-                        <p:par>
-                          <p:cTn id="4" fill="hold">
-                            <p:stCondLst>
-                              <p:cond delay="0"/>
-                            </p:stCondLst>
-                            <p:childTnLst>
-                              <p:par>
-                                <p:cTn id="5" presetID="10" presetClass="entr" presetSubtype="0" fill="hold" nodeType="withEffect">
-                                  <p:stCondLst>
-                                    <p:cond delay="0"/>
-                                  </p:stCondLst>
-                                  <p:childTnLst>
-                                    <p:set>
-                                      <p:cBhvr>
-                                        <p:cTn id="6" dur="1" fill="hold">
-                                          <p:stCondLst>
-                                            <p:cond delay="0"/>
-                                          </p:stCondLst>
-                                        </p:cTn>
-                                        <p:tgtEl>
-                                          <p:spTgt spid="4"/>
-                                        </p:tgtEl>
-                                        <p:attrNameLst>
-                                          <p:attrName>style.visibility</p:attrName>
-                                        </p:attrNameLst>
-                                      </p:cBhvr>
-                                      <p:to>
-                                        <p:strVal val="visible"/>
-                                      </p:to>
-                                    </p:set>
-                                    <p:animEffect transition="in" filter="fade">
-                                      <p:cBhvr>
-                                        <p:cTn id="7" dur="500"/>
-                                        <p:tgtEl>
-                                          <p:spTgt spid="4"/>
-                                        </p:tgtEl>
-                                      </p:cBhvr>
-                                    </p:animEffect>
-                                  </p:childTnLst>
-                                </p:cTn>
-                              </p:par>
-                            </p:childTnLst>
-                          </p:cTn>
-                        </p:par>
-                      </p:childTnLst>
-                    </p:cTn>
-                  </p:par>
-                </p:childTnLst>
-              </p:cTn>
-              <p:prevCondLst>
-                <p:cond evt="onPrev" delay="0">
-                  <p:tgtEl>
-                    <p:sldTgt/>
-                  </p:tgtEl>
-                </p:cond>
-              </p:prevCondLst>
-              <p:nextCondLst>
-                <p:cond evt="onNext" delay="0">
-                  <p:tgtEl>
-                    <p:sldTgt/>
-                  </p:tgtEl>
-                </p:cond>
-              </p:nextCondLst>
-            </p:seq>
-          </p:childTnLst>
-        </p:cTn>
-      </p:par>
-    </p:tnLst>
-  </p:timing>
-</p:sld>
-</file>
-
-<file path=ppt/slides/slide44.xml><?xml version="1.0" encoding="utf-8"?>
-<p:sld xmlns:a="http://schemas.openxmlformats.org/drawingml/2006/main" xmlns:r="http://schemas.openxmlformats.org/officeDocument/2006/relationships" xmlns:p="http://schemas.openxmlformats.org/presentationml/2006/main" show="0">
-  <p:cSld>
-    <p:spTree>
-      <p:nvGrpSpPr>
-        <p:cNvPr id="1" name=""/>
-        <p:cNvGrpSpPr/>
-        <p:nvPr/>
-      </p:nvGrpSpPr>
-      <p:grpSpPr>
-        <a:xfrm>
-          <a:off x="0" y="0"/>
-          <a:ext cx="0" cy="0"/>
-          <a:chOff x="0" y="0"/>
-          <a:chExt cx="0" cy="0"/>
-        </a:xfrm>
-      </p:grpSpPr>
-      <p:sp>
-        <p:nvSpPr>
-          <p:cNvPr id="2" name="Title 1"/>
-          <p:cNvSpPr>
-            <a:spLocks noGrp="1"/>
-          </p:cNvSpPr>
-          <p:nvPr>
-            <p:ph type="title"/>
-          </p:nvPr>
-        </p:nvSpPr>
-        <p:spPr/>
-        <p:txBody>
-          <a:bodyPr/>
-          <a:lstStyle/>
-          <a:p>
-            <a:r>
-              <a:rPr lang="en-US" dirty="0" err="1">
-                <a:solidFill>
-                  <a:srgbClr val="444444"/>
-                </a:solidFill>
-              </a:rPr>
-              <a:t>pwalk</a:t>
-            </a:r>
-            <a:r>
-              <a:rPr lang="en-US" dirty="0">
-                <a:solidFill>
-                  <a:srgbClr val="444444"/>
-                </a:solidFill>
-              </a:rPr>
-              <a:t> +verify Mode (FUTURE)</a:t>
-            </a:r>
-          </a:p>
-        </p:txBody>
-      </p:sp>
-      <p:pic>
-        <p:nvPicPr>
-          <p:cNvPr id="4" name="Picture 2" descr="C:\Users\BROOME~1\AppData\Local\Temp\VMwareDnD\cfc176d6\iStock_000011953681XSmall.jpg"/>
-          <p:cNvPicPr>
-            <a:picLocks noChangeAspect="1" noChangeArrowheads="1"/>
-          </p:cNvPicPr>
-          <p:nvPr/>
-        </p:nvPicPr>
-        <p:blipFill>
-          <a:blip r:embed="rId3" cstate="email">
-            <a:extLst>
-              <a:ext uri="{28A0092B-C50C-407E-A947-70E740481C1C}">
-                <a14:useLocalDpi xmlns:a14="http://schemas.microsoft.com/office/drawing/2010/main"/>
-              </a:ext>
-            </a:extLst>
-          </a:blip>
-          <a:stretch>
-            <a:fillRect/>
-          </a:stretch>
-        </p:blipFill>
-        <p:spPr bwMode="auto">
-          <a:xfrm flipH="1">
-            <a:off x="7774886" y="176470"/>
-            <a:ext cx="1140515" cy="852230"/>
-          </a:xfrm>
-          <a:prstGeom prst="rect">
-            <a:avLst/>
-          </a:prstGeom>
-          <a:noFill/>
-          <a:ln>
-            <a:noFill/>
-          </a:ln>
-        </p:spPr>
-      </p:pic>
-      <p:sp>
-        <p:nvSpPr>
-          <p:cNvPr id="5" name="Content Placeholder 4"/>
-          <p:cNvSpPr>
-            <a:spLocks noGrp="1"/>
-          </p:cNvSpPr>
-          <p:nvPr>
-            <p:ph sz="quarter" idx="10"/>
-          </p:nvPr>
-        </p:nvSpPr>
-        <p:spPr>
-          <a:xfrm>
-            <a:off x="366714" y="1016794"/>
-            <a:ext cx="8410575" cy="3555206"/>
-          </a:xfrm>
-        </p:spPr>
-        <p:txBody>
-          <a:bodyPr>
-            <a:normAutofit/>
-          </a:bodyPr>
-          <a:lstStyle/>
-          <a:p>
-            <a:r>
-              <a:rPr lang="en-US" dirty="0"/>
-              <a:t>For files types whose validity can be determined by inspection, perform the requisite test</a:t>
-            </a:r>
-          </a:p>
-          <a:p>
-            <a:pPr lvl="1"/>
-            <a:r>
-              <a:rPr lang="en-US" dirty="0"/>
-              <a:t>GZIP - .</a:t>
-            </a:r>
-            <a:r>
-              <a:rPr lang="en-US" dirty="0" err="1"/>
-              <a:t>gz</a:t>
-            </a:r>
-            <a:r>
-              <a:rPr lang="en-US" dirty="0"/>
-              <a:t>, .</a:t>
-            </a:r>
-            <a:r>
-              <a:rPr lang="en-US" dirty="0" err="1"/>
-              <a:t>tgz</a:t>
-            </a:r>
-            <a:r>
-              <a:rPr lang="en-US" dirty="0"/>
-              <a:t> – test with </a:t>
-            </a:r>
-            <a:r>
-              <a:rPr lang="en-US" dirty="0" err="1"/>
-              <a:t>gzip</a:t>
-            </a:r>
-            <a:r>
-              <a:rPr lang="en-US" dirty="0"/>
-              <a:t> –</a:t>
-            </a:r>
-            <a:r>
-              <a:rPr lang="en-US" dirty="0" err="1"/>
-              <a:t>tq</a:t>
-            </a:r>
-            <a:endParaRPr lang="en-US" dirty="0"/>
-          </a:p>
-          <a:p>
-            <a:pPr lvl="1"/>
-            <a:r>
-              <a:rPr lang="en-US" dirty="0">
-                <a:solidFill>
-                  <a:schemeClr val="accent6"/>
-                </a:solidFill>
-              </a:rPr>
-              <a:t>=== MORE TBD ===</a:t>
-            </a:r>
-          </a:p>
-          <a:p>
-            <a:pPr lvl="2"/>
-            <a:r>
-              <a:rPr lang="en-US" dirty="0">
-                <a:solidFill>
-                  <a:schemeClr val="accent6"/>
-                </a:solidFill>
-              </a:rPr>
-              <a:t>.c, .txt, .</a:t>
-            </a:r>
-            <a:r>
-              <a:rPr lang="en-US" dirty="0" err="1">
-                <a:solidFill>
-                  <a:schemeClr val="accent6"/>
-                </a:solidFill>
-              </a:rPr>
-              <a:t>asc</a:t>
-            </a:r>
-            <a:r>
-              <a:rPr lang="en-US" dirty="0">
-                <a:solidFill>
-                  <a:schemeClr val="accent6"/>
-                </a:solidFill>
-              </a:rPr>
-              <a:t>, .info – check for all ASCII</a:t>
-            </a:r>
-          </a:p>
-        </p:txBody>
-      </p:sp>
-    </p:spTree>
-    <p:extLst>
-      <p:ext uri="{BB962C8B-B14F-4D97-AF65-F5344CB8AC3E}">
-        <p14:creationId xmlns:p14="http://schemas.microsoft.com/office/powerpoint/2010/main" val="3737200043"/>
       </p:ext>
     </p:extLst>
   </p:cSld>
@@ -29635,6 +29615,296 @@
       </p:grpSpPr>
       <p:sp>
         <p:nvSpPr>
+          <p:cNvPr id="2" name="Title 1"/>
+          <p:cNvSpPr>
+            <a:spLocks noGrp="1"/>
+          </p:cNvSpPr>
+          <p:nvPr>
+            <p:ph type="title"/>
+          </p:nvPr>
+        </p:nvSpPr>
+        <p:spPr/>
+        <p:txBody>
+          <a:bodyPr/>
+          <a:lstStyle/>
+          <a:p>
+            <a:r>
+              <a:rPr lang="en-US" dirty="0" err="1">
+                <a:solidFill>
+                  <a:srgbClr val="444444"/>
+                </a:solidFill>
+              </a:rPr>
+              <a:t>pwalk</a:t>
+            </a:r>
+            <a:r>
+              <a:rPr lang="en-US" dirty="0">
+                <a:solidFill>
+                  <a:srgbClr val="444444"/>
+                </a:solidFill>
+              </a:rPr>
+              <a:t> +verify Mode (FUTURE)</a:t>
+            </a:r>
+          </a:p>
+        </p:txBody>
+      </p:sp>
+      <p:pic>
+        <p:nvPicPr>
+          <p:cNvPr id="4" name="Picture 2" descr="C:\Users\BROOME~1\AppData\Local\Temp\VMwareDnD\cfc176d6\iStock_000011953681XSmall.jpg"/>
+          <p:cNvPicPr>
+            <a:picLocks noChangeAspect="1" noChangeArrowheads="1"/>
+          </p:cNvPicPr>
+          <p:nvPr/>
+        </p:nvPicPr>
+        <p:blipFill>
+          <a:blip r:embed="rId3" cstate="email">
+            <a:extLst>
+              <a:ext uri="{28A0092B-C50C-407E-A947-70E740481C1C}">
+                <a14:useLocalDpi xmlns:a14="http://schemas.microsoft.com/office/drawing/2010/main"/>
+              </a:ext>
+            </a:extLst>
+          </a:blip>
+          <a:stretch>
+            <a:fillRect/>
+          </a:stretch>
+        </p:blipFill>
+        <p:spPr bwMode="auto">
+          <a:xfrm flipH="1">
+            <a:off x="7774886" y="176470"/>
+            <a:ext cx="1140515" cy="852230"/>
+          </a:xfrm>
+          <a:prstGeom prst="rect">
+            <a:avLst/>
+          </a:prstGeom>
+          <a:noFill/>
+          <a:ln>
+            <a:noFill/>
+          </a:ln>
+        </p:spPr>
+      </p:pic>
+      <p:sp>
+        <p:nvSpPr>
+          <p:cNvPr id="5" name="Content Placeholder 4"/>
+          <p:cNvSpPr>
+            <a:spLocks noGrp="1"/>
+          </p:cNvSpPr>
+          <p:nvPr>
+            <p:ph sz="quarter" idx="10"/>
+          </p:nvPr>
+        </p:nvSpPr>
+        <p:spPr>
+          <a:xfrm>
+            <a:off x="366714" y="1016794"/>
+            <a:ext cx="8410575" cy="3555206"/>
+          </a:xfrm>
+        </p:spPr>
+        <p:txBody>
+          <a:bodyPr>
+            <a:normAutofit/>
+          </a:bodyPr>
+          <a:lstStyle/>
+          <a:p>
+            <a:r>
+              <a:rPr lang="en-US" dirty="0"/>
+              <a:t>For files types whose validity can be determined by inspection, perform the requisite test</a:t>
+            </a:r>
+          </a:p>
+          <a:p>
+            <a:pPr lvl="1"/>
+            <a:r>
+              <a:rPr lang="en-US" dirty="0"/>
+              <a:t>GZIP - .</a:t>
+            </a:r>
+            <a:r>
+              <a:rPr lang="en-US" dirty="0" err="1"/>
+              <a:t>gz</a:t>
+            </a:r>
+            <a:r>
+              <a:rPr lang="en-US" dirty="0"/>
+              <a:t>, .</a:t>
+            </a:r>
+            <a:r>
+              <a:rPr lang="en-US" dirty="0" err="1"/>
+              <a:t>tgz</a:t>
+            </a:r>
+            <a:r>
+              <a:rPr lang="en-US" dirty="0"/>
+              <a:t> – test with </a:t>
+            </a:r>
+            <a:r>
+              <a:rPr lang="en-US" dirty="0" err="1"/>
+              <a:t>gzip</a:t>
+            </a:r>
+            <a:r>
+              <a:rPr lang="en-US" dirty="0"/>
+              <a:t> –</a:t>
+            </a:r>
+            <a:r>
+              <a:rPr lang="en-US" dirty="0" err="1"/>
+              <a:t>tq</a:t>
+            </a:r>
+            <a:endParaRPr lang="en-US" dirty="0"/>
+          </a:p>
+          <a:p>
+            <a:pPr lvl="1"/>
+            <a:r>
+              <a:rPr lang="en-US" dirty="0">
+                <a:solidFill>
+                  <a:schemeClr val="accent6"/>
+                </a:solidFill>
+              </a:rPr>
+              <a:t>=== MORE TBD ===</a:t>
+            </a:r>
+          </a:p>
+          <a:p>
+            <a:pPr lvl="2"/>
+            <a:r>
+              <a:rPr lang="en-US" dirty="0">
+                <a:solidFill>
+                  <a:schemeClr val="accent6"/>
+                </a:solidFill>
+              </a:rPr>
+              <a:t>.c, .txt, .</a:t>
+            </a:r>
+            <a:r>
+              <a:rPr lang="en-US" dirty="0" err="1">
+                <a:solidFill>
+                  <a:schemeClr val="accent6"/>
+                </a:solidFill>
+              </a:rPr>
+              <a:t>asc</a:t>
+            </a:r>
+            <a:r>
+              <a:rPr lang="en-US" dirty="0">
+                <a:solidFill>
+                  <a:schemeClr val="accent6"/>
+                </a:solidFill>
+              </a:rPr>
+              <a:t>, .info – check for all ASCII</a:t>
+            </a:r>
+          </a:p>
+        </p:txBody>
+      </p:sp>
+    </p:spTree>
+    <p:extLst>
+      <p:ext uri="{BB962C8B-B14F-4D97-AF65-F5344CB8AC3E}">
+        <p14:creationId xmlns:p14="http://schemas.microsoft.com/office/powerpoint/2010/main" val="3737200043"/>
+      </p:ext>
+    </p:extLst>
+  </p:cSld>
+  <p:clrMapOvr>
+    <a:masterClrMapping/>
+  </p:clrMapOvr>
+  <p:transition>
+    <p:fade/>
+  </p:transition>
+  <p:timing>
+    <p:tnLst>
+      <p:par>
+        <p:cTn id="1" dur="indefinite" restart="never" nodeType="tmRoot">
+          <p:childTnLst>
+            <p:seq concurrent="1" nextAc="seek">
+              <p:cTn id="2" dur="indefinite" nodeType="mainSeq">
+                <p:childTnLst>
+                  <p:par>
+                    <p:cTn id="3" fill="hold">
+                      <p:stCondLst>
+                        <p:cond delay="indefinite"/>
+                        <p:cond evt="onBegin" delay="0">
+                          <p:tn val="2"/>
+                        </p:cond>
+                      </p:stCondLst>
+                      <p:childTnLst>
+                        <p:par>
+                          <p:cTn id="4" fill="hold">
+                            <p:stCondLst>
+                              <p:cond delay="0"/>
+                            </p:stCondLst>
+                            <p:childTnLst>
+                              <p:par>
+                                <p:cTn id="5" presetID="10" presetClass="entr" presetSubtype="0" fill="hold" nodeType="withEffect">
+                                  <p:stCondLst>
+                                    <p:cond delay="0"/>
+                                  </p:stCondLst>
+                                  <p:childTnLst>
+                                    <p:set>
+                                      <p:cBhvr>
+                                        <p:cTn id="6" dur="1" fill="hold">
+                                          <p:stCondLst>
+                                            <p:cond delay="0"/>
+                                          </p:stCondLst>
+                                        </p:cTn>
+                                        <p:tgtEl>
+                                          <p:spTgt spid="4"/>
+                                        </p:tgtEl>
+                                        <p:attrNameLst>
+                                          <p:attrName>style.visibility</p:attrName>
+                                        </p:attrNameLst>
+                                      </p:cBhvr>
+                                      <p:to>
+                                        <p:strVal val="visible"/>
+                                      </p:to>
+                                    </p:set>
+                                    <p:animEffect transition="in" filter="fade">
+                                      <p:cBhvr>
+                                        <p:cTn id="7" dur="500"/>
+                                        <p:tgtEl>
+                                          <p:spTgt spid="4"/>
+                                        </p:tgtEl>
+                                      </p:cBhvr>
+                                    </p:animEffect>
+                                  </p:childTnLst>
+                                </p:cTn>
+                              </p:par>
+                            </p:childTnLst>
+                          </p:cTn>
+                        </p:par>
+                      </p:childTnLst>
+                    </p:cTn>
+                  </p:par>
+                </p:childTnLst>
+              </p:cTn>
+              <p:prevCondLst>
+                <p:cond evt="onPrev" delay="0">
+                  <p:tgtEl>
+                    <p:sldTgt/>
+                  </p:tgtEl>
+                </p:cond>
+              </p:prevCondLst>
+              <p:nextCondLst>
+                <p:cond evt="onNext" delay="0">
+                  <p:tgtEl>
+                    <p:sldTgt/>
+                  </p:tgtEl>
+                </p:cond>
+              </p:nextCondLst>
+            </p:seq>
+          </p:childTnLst>
+        </p:cTn>
+      </p:par>
+    </p:tnLst>
+  </p:timing>
+</p:sld>
+</file>
+
+<file path=ppt/slides/slide46.xml><?xml version="1.0" encoding="utf-8"?>
+<p:sld xmlns:a="http://schemas.openxmlformats.org/drawingml/2006/main" xmlns:r="http://schemas.openxmlformats.org/officeDocument/2006/relationships" xmlns:p="http://schemas.openxmlformats.org/presentationml/2006/main" show="0">
+  <p:cSld>
+    <p:spTree>
+      <p:nvGrpSpPr>
+        <p:cNvPr id="1" name=""/>
+        <p:cNvGrpSpPr/>
+        <p:nvPr/>
+      </p:nvGrpSpPr>
+      <p:grpSpPr>
+        <a:xfrm>
+          <a:off x="0" y="0"/>
+          <a:ext cx="0" cy="0"/>
+          <a:chOff x="0" y="0"/>
+          <a:chExt cx="0" cy="0"/>
+        </a:xfrm>
+      </p:grpSpPr>
+      <p:sp>
+        <p:nvSpPr>
           <p:cNvPr id="5" name="Title 4"/>
           <p:cNvSpPr>
             <a:spLocks noGrp="1"/>
@@ -29838,7 +30108,7 @@
 </p:sld>
 </file>
 
-<file path=ppt/slides/slide46.xml><?xml version="1.0" encoding="utf-8"?>
+<file path=ppt/slides/slide47.xml><?xml version="1.0" encoding="utf-8"?>
 <p:sld xmlns:a="http://schemas.openxmlformats.org/drawingml/2006/main" xmlns:r="http://schemas.openxmlformats.org/officeDocument/2006/relationships" xmlns:p="http://schemas.openxmlformats.org/presentationml/2006/main" show="0">
   <p:cSld>
     <p:spTree>
@@ -30003,7 +30273,7 @@
 </p:sld>
 </file>
 
-<file path=ppt/slides/slide47.xml><?xml version="1.0" encoding="utf-8"?>
+<file path=ppt/slides/slide48.xml><?xml version="1.0" encoding="utf-8"?>
 <p:sld xmlns:a="http://schemas.openxmlformats.org/drawingml/2006/main" xmlns:r="http://schemas.openxmlformats.org/officeDocument/2006/relationships" xmlns:p="http://schemas.openxmlformats.org/presentationml/2006/main" show="0">
   <p:cSld>
     <p:spTree>
@@ -30172,7 +30442,7 @@
 </p:sld>
 </file>
 
-<file path=ppt/slides/slide48.xml><?xml version="1.0" encoding="utf-8"?>
+<file path=ppt/slides/slide49.xml><?xml version="1.0" encoding="utf-8"?>
 <p:sld xmlns:a="http://schemas.openxmlformats.org/drawingml/2006/main" xmlns:r="http://schemas.openxmlformats.org/officeDocument/2006/relationships" xmlns:p="http://schemas.openxmlformats.org/presentationml/2006/main" show="0">
   <p:cSld>
     <p:spTree>
@@ -30322,308 +30592,6 @@
     <p:extLst>
       <p:ext uri="{BB962C8B-B14F-4D97-AF65-F5344CB8AC3E}">
         <p14:creationId xmlns:p14="http://schemas.microsoft.com/office/powerpoint/2010/main" val="3319800938"/>
-      </p:ext>
-    </p:extLst>
-  </p:cSld>
-  <p:clrMapOvr>
-    <a:masterClrMapping/>
-  </p:clrMapOvr>
-  <p:transition>
-    <p:fade/>
-  </p:transition>
-</p:sld>
-</file>
-
-<file path=ppt/slides/slide49.xml><?xml version="1.0" encoding="utf-8"?>
-<p:sld xmlns:a="http://schemas.openxmlformats.org/drawingml/2006/main" xmlns:r="http://schemas.openxmlformats.org/officeDocument/2006/relationships" xmlns:p="http://schemas.openxmlformats.org/presentationml/2006/main" show="0">
-  <p:cSld>
-    <p:spTree>
-      <p:nvGrpSpPr>
-        <p:cNvPr id="1" name=""/>
-        <p:cNvGrpSpPr/>
-        <p:nvPr/>
-      </p:nvGrpSpPr>
-      <p:grpSpPr>
-        <a:xfrm>
-          <a:off x="0" y="0"/>
-          <a:ext cx="0" cy="0"/>
-          <a:chOff x="0" y="0"/>
-          <a:chExt cx="0" cy="0"/>
-        </a:xfrm>
-      </p:grpSpPr>
-      <p:sp>
-        <p:nvSpPr>
-          <p:cNvPr id="5" name="Title 4"/>
-          <p:cNvSpPr>
-            <a:spLocks noGrp="1"/>
-          </p:cNvSpPr>
-          <p:nvPr>
-            <p:ph type="title"/>
-          </p:nvPr>
-        </p:nvSpPr>
-        <p:spPr/>
-        <p:txBody>
-          <a:bodyPr anchor="t" anchorCtr="0"/>
-          <a:lstStyle/>
-          <a:p>
-            <a:r>
-              <a:rPr lang="en-US" dirty="0"/>
-              <a:t>Have Workers Do More Work</a:t>
-            </a:r>
-            <a:endParaRPr lang="en-US" sz="1800" dirty="0"/>
-          </a:p>
-        </p:txBody>
-      </p:sp>
-      <p:sp>
-        <p:nvSpPr>
-          <p:cNvPr id="4" name="Content Placeholder 3"/>
-          <p:cNvSpPr>
-            <a:spLocks noGrp="1"/>
-          </p:cNvSpPr>
-          <p:nvPr>
-            <p:ph sz="quarter" idx="10"/>
-          </p:nvPr>
-        </p:nvSpPr>
-        <p:spPr/>
-        <p:txBody>
-          <a:bodyPr/>
-          <a:lstStyle/>
-          <a:p>
-            <a:pPr>
-              <a:buClr>
-                <a:schemeClr val="bg2"/>
-              </a:buClr>
-            </a:pPr>
-            <a:r>
-              <a:rPr lang="en-US" dirty="0"/>
-              <a:t>Uses cases abound …</a:t>
-            </a:r>
-          </a:p>
-          <a:p>
-            <a:pPr lvl="1">
-              <a:buClr>
-                <a:schemeClr val="bg2"/>
-              </a:buClr>
-            </a:pPr>
-            <a:r>
-              <a:rPr lang="en-US" dirty="0" err="1"/>
-              <a:t>PowerCopy</a:t>
-            </a:r>
-            <a:endParaRPr lang="en-US" dirty="0"/>
-          </a:p>
-          <a:p>
-            <a:pPr lvl="1">
-              <a:buClr>
-                <a:schemeClr val="bg2"/>
-              </a:buClr>
-            </a:pPr>
-            <a:r>
-              <a:rPr lang="en-US" dirty="0" err="1"/>
-              <a:t>PowerChmod</a:t>
-            </a:r>
-            <a:endParaRPr lang="en-US" dirty="0"/>
-          </a:p>
-          <a:p>
-            <a:pPr lvl="1">
-              <a:buClr>
-                <a:schemeClr val="bg2"/>
-              </a:buClr>
-            </a:pPr>
-            <a:r>
-              <a:rPr lang="en-US" dirty="0" err="1"/>
-              <a:t>PowerGrep</a:t>
-            </a:r>
-            <a:endParaRPr lang="en-US" dirty="0"/>
-          </a:p>
-          <a:p>
-            <a:pPr lvl="1">
-              <a:buClr>
-                <a:schemeClr val="bg2"/>
-              </a:buClr>
-            </a:pPr>
-            <a:r>
-              <a:rPr lang="en-US" dirty="0" err="1"/>
-              <a:t>PowerPurge</a:t>
-            </a:r>
-            <a:r>
-              <a:rPr lang="en-US" dirty="0"/>
-              <a:t> </a:t>
-            </a:r>
-            <a:r>
-              <a:rPr lang="mr-IN" dirty="0"/>
-              <a:t>–</a:t>
-            </a:r>
-            <a:r>
-              <a:rPr lang="en-US" dirty="0"/>
-              <a:t> </a:t>
-            </a:r>
-            <a:r>
-              <a:rPr lang="en-US" dirty="0" err="1"/>
-              <a:t>pwalk</a:t>
-            </a:r>
-            <a:r>
-              <a:rPr lang="en-US" dirty="0"/>
-              <a:t> </a:t>
-            </a:r>
-            <a:r>
-              <a:rPr lang="mr-IN" dirty="0"/>
-              <a:t>–</a:t>
-            </a:r>
-            <a:r>
-              <a:rPr lang="en-US" dirty="0" err="1"/>
-              <a:t>rm</a:t>
-            </a:r>
-            <a:r>
-              <a:rPr lang="en-US" dirty="0"/>
-              <a:t> </a:t>
-            </a:r>
-            <a:r>
-              <a:rPr lang="mr-IN" dirty="0"/>
-              <a:t>–</a:t>
-            </a:r>
-            <a:r>
-              <a:rPr lang="en-US" dirty="0"/>
-              <a:t>select=&lt;</a:t>
-            </a:r>
-            <a:r>
-              <a:rPr lang="mr-IN" dirty="0"/>
-              <a:t>…</a:t>
-            </a:r>
-            <a:r>
-              <a:rPr lang="en-US" dirty="0"/>
-              <a:t>&gt;</a:t>
-            </a:r>
-          </a:p>
-          <a:p>
-            <a:pPr lvl="1">
-              <a:buClr>
-                <a:schemeClr val="bg2"/>
-              </a:buClr>
-            </a:pPr>
-            <a:r>
-              <a:rPr lang="en-US" dirty="0" err="1"/>
-              <a:t>PowerScan</a:t>
-            </a:r>
-            <a:r>
-              <a:rPr lang="en-US" dirty="0"/>
-              <a:t> – </a:t>
-            </a:r>
-            <a:r>
-              <a:rPr lang="en-US" dirty="0" err="1"/>
-              <a:t>pwalk</a:t>
-            </a:r>
-            <a:r>
-              <a:rPr lang="en-US" dirty="0"/>
-              <a:t> -xml</a:t>
-            </a:r>
-          </a:p>
-          <a:p>
-            <a:pPr lvl="1">
-              <a:buClr>
-                <a:schemeClr val="bg2"/>
-              </a:buClr>
-            </a:pPr>
-            <a:r>
-              <a:rPr lang="en-US" dirty="0" err="1"/>
-              <a:t>PowerCmp</a:t>
-            </a:r>
-            <a:r>
-              <a:rPr lang="en-US" dirty="0"/>
-              <a:t> – </a:t>
-            </a:r>
-            <a:r>
-              <a:rPr lang="en-US" dirty="0" err="1"/>
-              <a:t>pwalk</a:t>
-            </a:r>
-            <a:r>
-              <a:rPr lang="en-US" dirty="0"/>
-              <a:t> </a:t>
-            </a:r>
-            <a:r>
-              <a:rPr lang="mr-IN" dirty="0"/>
-              <a:t>–</a:t>
-            </a:r>
-            <a:r>
-              <a:rPr lang="en-US" dirty="0" err="1"/>
-              <a:t>cmp</a:t>
-            </a:r>
-            <a:r>
-              <a:rPr lang="en-US" dirty="0"/>
-              <a:t> </a:t>
-            </a:r>
-            <a:r>
-              <a:rPr lang="mr-IN" dirty="0"/>
-              <a:t>–</a:t>
-            </a:r>
-            <a:r>
-              <a:rPr lang="en-US" dirty="0"/>
-              <a:t>source=&lt;</a:t>
-            </a:r>
-            <a:r>
-              <a:rPr lang="mr-IN" dirty="0"/>
-              <a:t>…</a:t>
-            </a:r>
-            <a:r>
-              <a:rPr lang="en-US" dirty="0"/>
-              <a:t>&gt; -target=&lt;</a:t>
-            </a:r>
-            <a:r>
-              <a:rPr lang="mr-IN" dirty="0"/>
-              <a:t>…</a:t>
-            </a:r>
-            <a:r>
-              <a:rPr lang="en-US" dirty="0"/>
-              <a:t>&gt;</a:t>
-            </a:r>
-          </a:p>
-          <a:p>
-            <a:pPr lvl="1">
-              <a:buClr>
-                <a:schemeClr val="bg2"/>
-              </a:buClr>
-            </a:pPr>
-            <a:r>
-              <a:rPr lang="en-US" dirty="0" err="1"/>
-              <a:t>PowerPermissionsRepair</a:t>
-            </a:r>
-            <a:endParaRPr lang="en-US" dirty="0"/>
-          </a:p>
-        </p:txBody>
-      </p:sp>
-      <p:pic>
-        <p:nvPicPr>
-          <p:cNvPr id="6" name="Picture 5"/>
-          <p:cNvPicPr>
-            <a:picLocks noChangeAspect="1"/>
-          </p:cNvPicPr>
-          <p:nvPr/>
-        </p:nvPicPr>
-        <p:blipFill>
-          <a:blip r:embed="rId3" cstate="print">
-            <a:extLst>
-              <a:ext uri="{28A0092B-C50C-407E-A947-70E740481C1C}">
-                <a14:useLocalDpi xmlns:a14="http://schemas.microsoft.com/office/drawing/2010/main"/>
-              </a:ext>
-            </a:extLst>
-          </a:blip>
-          <a:stretch>
-            <a:fillRect/>
-          </a:stretch>
-        </p:blipFill>
-        <p:spPr>
-          <a:xfrm>
-            <a:off x="8178800" y="114300"/>
-            <a:ext cx="812800" cy="612322"/>
-          </a:xfrm>
-          <a:prstGeom prst="rect">
-            <a:avLst/>
-          </a:prstGeom>
-        </p:spPr>
-      </p:pic>
-    </p:spTree>
-    <p:extLst>
-      <p:ext uri="{BB962C8B-B14F-4D97-AF65-F5344CB8AC3E}">
-        <p14:creationId xmlns:p14="http://schemas.microsoft.com/office/powerpoint/2010/main" val="440484240"/>
       </p:ext>
     </p:extLst>
   </p:cSld>
@@ -30964,6 +30932,308 @@
           <a:p>
             <a:r>
               <a:rPr lang="en-US" dirty="0"/>
+              <a:t>Have Workers Do More Work</a:t>
+            </a:r>
+            <a:endParaRPr lang="en-US" sz="1800" dirty="0"/>
+          </a:p>
+        </p:txBody>
+      </p:sp>
+      <p:sp>
+        <p:nvSpPr>
+          <p:cNvPr id="4" name="Content Placeholder 3"/>
+          <p:cNvSpPr>
+            <a:spLocks noGrp="1"/>
+          </p:cNvSpPr>
+          <p:nvPr>
+            <p:ph sz="quarter" idx="10"/>
+          </p:nvPr>
+        </p:nvSpPr>
+        <p:spPr/>
+        <p:txBody>
+          <a:bodyPr/>
+          <a:lstStyle/>
+          <a:p>
+            <a:pPr>
+              <a:buClr>
+                <a:schemeClr val="bg2"/>
+              </a:buClr>
+            </a:pPr>
+            <a:r>
+              <a:rPr lang="en-US" dirty="0"/>
+              <a:t>Uses cases abound …</a:t>
+            </a:r>
+          </a:p>
+          <a:p>
+            <a:pPr lvl="1">
+              <a:buClr>
+                <a:schemeClr val="bg2"/>
+              </a:buClr>
+            </a:pPr>
+            <a:r>
+              <a:rPr lang="en-US" dirty="0" err="1"/>
+              <a:t>PowerCopy</a:t>
+            </a:r>
+            <a:endParaRPr lang="en-US" dirty="0"/>
+          </a:p>
+          <a:p>
+            <a:pPr lvl="1">
+              <a:buClr>
+                <a:schemeClr val="bg2"/>
+              </a:buClr>
+            </a:pPr>
+            <a:r>
+              <a:rPr lang="en-US" dirty="0" err="1"/>
+              <a:t>PowerChmod</a:t>
+            </a:r>
+            <a:endParaRPr lang="en-US" dirty="0"/>
+          </a:p>
+          <a:p>
+            <a:pPr lvl="1">
+              <a:buClr>
+                <a:schemeClr val="bg2"/>
+              </a:buClr>
+            </a:pPr>
+            <a:r>
+              <a:rPr lang="en-US" dirty="0" err="1"/>
+              <a:t>PowerGrep</a:t>
+            </a:r>
+            <a:endParaRPr lang="en-US" dirty="0"/>
+          </a:p>
+          <a:p>
+            <a:pPr lvl="1">
+              <a:buClr>
+                <a:schemeClr val="bg2"/>
+              </a:buClr>
+            </a:pPr>
+            <a:r>
+              <a:rPr lang="en-US" dirty="0" err="1"/>
+              <a:t>PowerPurge</a:t>
+            </a:r>
+            <a:r>
+              <a:rPr lang="en-US" dirty="0"/>
+              <a:t> </a:t>
+            </a:r>
+            <a:r>
+              <a:rPr lang="mr-IN" dirty="0"/>
+              <a:t>–</a:t>
+            </a:r>
+            <a:r>
+              <a:rPr lang="en-US" dirty="0"/>
+              <a:t> </a:t>
+            </a:r>
+            <a:r>
+              <a:rPr lang="en-US" dirty="0" err="1"/>
+              <a:t>pwalk</a:t>
+            </a:r>
+            <a:r>
+              <a:rPr lang="en-US" dirty="0"/>
+              <a:t> </a:t>
+            </a:r>
+            <a:r>
+              <a:rPr lang="mr-IN" dirty="0"/>
+              <a:t>–</a:t>
+            </a:r>
+            <a:r>
+              <a:rPr lang="en-US" dirty="0" err="1"/>
+              <a:t>rm</a:t>
+            </a:r>
+            <a:r>
+              <a:rPr lang="en-US" dirty="0"/>
+              <a:t> </a:t>
+            </a:r>
+            <a:r>
+              <a:rPr lang="mr-IN" dirty="0"/>
+              <a:t>–</a:t>
+            </a:r>
+            <a:r>
+              <a:rPr lang="en-US" dirty="0"/>
+              <a:t>select=&lt;</a:t>
+            </a:r>
+            <a:r>
+              <a:rPr lang="mr-IN" dirty="0"/>
+              <a:t>…</a:t>
+            </a:r>
+            <a:r>
+              <a:rPr lang="en-US" dirty="0"/>
+              <a:t>&gt;</a:t>
+            </a:r>
+          </a:p>
+          <a:p>
+            <a:pPr lvl="1">
+              <a:buClr>
+                <a:schemeClr val="bg2"/>
+              </a:buClr>
+            </a:pPr>
+            <a:r>
+              <a:rPr lang="en-US" dirty="0" err="1"/>
+              <a:t>PowerScan</a:t>
+            </a:r>
+            <a:r>
+              <a:rPr lang="en-US" dirty="0"/>
+              <a:t> – </a:t>
+            </a:r>
+            <a:r>
+              <a:rPr lang="en-US" dirty="0" err="1"/>
+              <a:t>pwalk</a:t>
+            </a:r>
+            <a:r>
+              <a:rPr lang="en-US" dirty="0"/>
+              <a:t> -xml</a:t>
+            </a:r>
+          </a:p>
+          <a:p>
+            <a:pPr lvl="1">
+              <a:buClr>
+                <a:schemeClr val="bg2"/>
+              </a:buClr>
+            </a:pPr>
+            <a:r>
+              <a:rPr lang="en-US" dirty="0" err="1"/>
+              <a:t>PowerCmp</a:t>
+            </a:r>
+            <a:r>
+              <a:rPr lang="en-US" dirty="0"/>
+              <a:t> – </a:t>
+            </a:r>
+            <a:r>
+              <a:rPr lang="en-US" dirty="0" err="1"/>
+              <a:t>pwalk</a:t>
+            </a:r>
+            <a:r>
+              <a:rPr lang="en-US" dirty="0"/>
+              <a:t> </a:t>
+            </a:r>
+            <a:r>
+              <a:rPr lang="mr-IN" dirty="0"/>
+              <a:t>–</a:t>
+            </a:r>
+            <a:r>
+              <a:rPr lang="en-US" dirty="0" err="1"/>
+              <a:t>cmp</a:t>
+            </a:r>
+            <a:r>
+              <a:rPr lang="en-US" dirty="0"/>
+              <a:t> </a:t>
+            </a:r>
+            <a:r>
+              <a:rPr lang="mr-IN" dirty="0"/>
+              <a:t>–</a:t>
+            </a:r>
+            <a:r>
+              <a:rPr lang="en-US" dirty="0"/>
+              <a:t>source=&lt;</a:t>
+            </a:r>
+            <a:r>
+              <a:rPr lang="mr-IN" dirty="0"/>
+              <a:t>…</a:t>
+            </a:r>
+            <a:r>
+              <a:rPr lang="en-US" dirty="0"/>
+              <a:t>&gt; -target=&lt;</a:t>
+            </a:r>
+            <a:r>
+              <a:rPr lang="mr-IN" dirty="0"/>
+              <a:t>…</a:t>
+            </a:r>
+            <a:r>
+              <a:rPr lang="en-US" dirty="0"/>
+              <a:t>&gt;</a:t>
+            </a:r>
+          </a:p>
+          <a:p>
+            <a:pPr lvl="1">
+              <a:buClr>
+                <a:schemeClr val="bg2"/>
+              </a:buClr>
+            </a:pPr>
+            <a:r>
+              <a:rPr lang="en-US" dirty="0" err="1"/>
+              <a:t>PowerPermissionsRepair</a:t>
+            </a:r>
+            <a:endParaRPr lang="en-US" dirty="0"/>
+          </a:p>
+        </p:txBody>
+      </p:sp>
+      <p:pic>
+        <p:nvPicPr>
+          <p:cNvPr id="6" name="Picture 5"/>
+          <p:cNvPicPr>
+            <a:picLocks noChangeAspect="1"/>
+          </p:cNvPicPr>
+          <p:nvPr/>
+        </p:nvPicPr>
+        <p:blipFill>
+          <a:blip r:embed="rId3" cstate="print">
+            <a:extLst>
+              <a:ext uri="{28A0092B-C50C-407E-A947-70E740481C1C}">
+                <a14:useLocalDpi xmlns:a14="http://schemas.microsoft.com/office/drawing/2010/main"/>
+              </a:ext>
+            </a:extLst>
+          </a:blip>
+          <a:stretch>
+            <a:fillRect/>
+          </a:stretch>
+        </p:blipFill>
+        <p:spPr>
+          <a:xfrm>
+            <a:off x="8178800" y="114300"/>
+            <a:ext cx="812800" cy="612322"/>
+          </a:xfrm>
+          <a:prstGeom prst="rect">
+            <a:avLst/>
+          </a:prstGeom>
+        </p:spPr>
+      </p:pic>
+    </p:spTree>
+    <p:extLst>
+      <p:ext uri="{BB962C8B-B14F-4D97-AF65-F5344CB8AC3E}">
+        <p14:creationId xmlns:p14="http://schemas.microsoft.com/office/powerpoint/2010/main" val="440484240"/>
+      </p:ext>
+    </p:extLst>
+  </p:cSld>
+  <p:clrMapOvr>
+    <a:masterClrMapping/>
+  </p:clrMapOvr>
+  <p:transition>
+    <p:fade/>
+  </p:transition>
+</p:sld>
+</file>
+
+<file path=ppt/slides/slide51.xml><?xml version="1.0" encoding="utf-8"?>
+<p:sld xmlns:a="http://schemas.openxmlformats.org/drawingml/2006/main" xmlns:r="http://schemas.openxmlformats.org/officeDocument/2006/relationships" xmlns:p="http://schemas.openxmlformats.org/presentationml/2006/main" show="0">
+  <p:cSld>
+    <p:spTree>
+      <p:nvGrpSpPr>
+        <p:cNvPr id="1" name=""/>
+        <p:cNvGrpSpPr/>
+        <p:nvPr/>
+      </p:nvGrpSpPr>
+      <p:grpSpPr>
+        <a:xfrm>
+          <a:off x="0" y="0"/>
+          <a:ext cx="0" cy="0"/>
+          <a:chOff x="0" y="0"/>
+          <a:chExt cx="0" cy="0"/>
+        </a:xfrm>
+      </p:grpSpPr>
+      <p:sp>
+        <p:nvSpPr>
+          <p:cNvPr id="5" name="Title 4"/>
+          <p:cNvSpPr>
+            <a:spLocks noGrp="1"/>
+          </p:cNvSpPr>
+          <p:nvPr>
+            <p:ph type="title"/>
+          </p:nvPr>
+        </p:nvSpPr>
+        <p:spPr/>
+        <p:txBody>
+          <a:bodyPr anchor="t" anchorCtr="0"/>
+          <a:lstStyle/>
+          <a:p>
+            <a:r>
+              <a:rPr lang="en-US" dirty="0"/>
               <a:t>Use Per-Worker Slave Processes</a:t>
             </a:r>
             <a:endParaRPr lang="en-US" sz="1800" dirty="0"/>
@@ -31148,7 +31418,7 @@
 </p:sld>
 </file>
 
-<file path=ppt/slides/slide51.xml><?xml version="1.0" encoding="utf-8"?>
+<file path=ppt/slides/slide52.xml><?xml version="1.0" encoding="utf-8"?>
 <p:sld xmlns:a="http://schemas.openxmlformats.org/drawingml/2006/main" xmlns:r="http://schemas.openxmlformats.org/officeDocument/2006/relationships" xmlns:p="http://schemas.openxmlformats.org/presentationml/2006/main">
   <p:cSld>
     <p:bg>
@@ -31225,7 +31495,7 @@
 </p:sld>
 </file>
 
-<file path=ppt/slides/slide52.xml><?xml version="1.0" encoding="utf-8"?>
+<file path=ppt/slides/slide53.xml><?xml version="1.0" encoding="utf-8"?>
 <p:sld xmlns:a="http://schemas.openxmlformats.org/drawingml/2006/main" xmlns:r="http://schemas.openxmlformats.org/officeDocument/2006/relationships" xmlns:p="http://schemas.openxmlformats.org/presentationml/2006/main">
   <p:cSld>
     <p:spTree>
@@ -32652,7 +32922,7 @@
 </p:sld>
 </file>
 
-<file path=ppt/slides/slide53.xml><?xml version="1.0" encoding="utf-8"?>
+<file path=ppt/slides/slide54.xml><?xml version="1.0" encoding="utf-8"?>
 <p:sld xmlns:a="http://schemas.openxmlformats.org/drawingml/2006/main" xmlns:r="http://schemas.openxmlformats.org/officeDocument/2006/relationships" xmlns:p="http://schemas.openxmlformats.org/presentationml/2006/main">
   <p:cSld>
     <p:spTree>
@@ -34021,7 +34291,7 @@
 </p:sld>
 </file>
 
-<file path=ppt/slides/slide54.xml><?xml version="1.0" encoding="utf-8"?>
+<file path=ppt/slides/slide55.xml><?xml version="1.0" encoding="utf-8"?>
 <p:sld xmlns:a="http://schemas.openxmlformats.org/drawingml/2006/main" xmlns:r="http://schemas.openxmlformats.org/officeDocument/2006/relationships" xmlns:p="http://schemas.openxmlformats.org/presentationml/2006/main">
   <p:cSld>
     <p:spTree>
@@ -34517,7 +34787,7 @@
 </p:sld>
 </file>
 
-<file path=ppt/slides/slide55.xml><?xml version="1.0" encoding="utf-8"?>
+<file path=ppt/slides/slide56.xml><?xml version="1.0" encoding="utf-8"?>
 <p:sld xmlns:a="http://schemas.openxmlformats.org/drawingml/2006/main" xmlns:r="http://schemas.openxmlformats.org/officeDocument/2006/relationships" xmlns:p="http://schemas.openxmlformats.org/presentationml/2006/main">
   <p:cSld>
     <p:spTree>
@@ -34936,7 +35206,7 @@
 </p:sld>
 </file>
 
-<file path=ppt/slides/slide56.xml><?xml version="1.0" encoding="utf-8"?>
+<file path=ppt/slides/slide57.xml><?xml version="1.0" encoding="utf-8"?>
 <p:sld xmlns:a="http://schemas.openxmlformats.org/drawingml/2006/main" xmlns:r="http://schemas.openxmlformats.org/officeDocument/2006/relationships" xmlns:p="http://schemas.openxmlformats.org/presentationml/2006/main">
   <p:cSld>
     <p:spTree>
@@ -35264,7 +35534,7 @@
 </p:sld>
 </file>
 
-<file path=ppt/slides/slide57.xml><?xml version="1.0" encoding="utf-8"?>
+<file path=ppt/slides/slide58.xml><?xml version="1.0" encoding="utf-8"?>
 <p:sld xmlns:a="http://schemas.openxmlformats.org/drawingml/2006/main" xmlns:r="http://schemas.openxmlformats.org/officeDocument/2006/relationships" xmlns:p="http://schemas.openxmlformats.org/presentationml/2006/main">
   <p:cSld>
     <p:spTree>
@@ -39478,6 +39748,21 @@
 </file>
 
 <file path=customXml/item1.xml><?xml version="1.0" encoding="utf-8"?>
+<p:properties xmlns:p="http://schemas.microsoft.com/office/2006/metadata/properties" xmlns:xsi="http://www.w3.org/2001/XMLSchema-instance">
+  <documentManagement/>
+</p:properties>
+</file>
+
+<file path=customXml/item2.xml><?xml version="1.0" encoding="utf-8"?>
+<?mso-contentType ?>
+<FormTemplates xmlns="http://schemas.microsoft.com/sharepoint/v3/contenttype/forms">
+  <Display>DocumentLibraryForm</Display>
+  <Edit>DocumentLibraryForm</Edit>
+  <New>DocumentLibraryForm</New>
+</FormTemplates>
+</file>
+
+<file path=customXml/item3.xml><?xml version="1.0" encoding="utf-8"?>
 <ct:contentTypeSchema xmlns:ct="http://schemas.microsoft.com/office/2006/metadata/contentType" xmlns:ma="http://schemas.microsoft.com/office/2006/metadata/properties/metaAttributes" ct:_="" ma:_="" ma:contentTypeName="Document" ma:contentTypeID="0x010100EAEEBEE83C66E54EA9BED83B0A9A60DB" ma:contentTypeVersion="1" ma:contentTypeDescription="Create a new document." ma:contentTypeScope="" ma:versionID="51a43b2161297f783d65b37e357c79e9">
   <xsd:schema xmlns:xsd="http://www.w3.org/2001/XMLSchema" xmlns:p="http://schemas.microsoft.com/office/2006/metadata/properties" targetNamespace="http://schemas.microsoft.com/office/2006/metadata/properties" ma:root="true" ma:fieldsID="b9cfef283e0bc2d986a66f9ec0cdc424">
     <xsd:element name="properties">
@@ -39526,37 +39811,7 @@
 </ct:contentTypeSchema>
 </file>
 
-<file path=customXml/item2.xml><?xml version="1.0" encoding="utf-8"?>
-<p:properties xmlns:p="http://schemas.microsoft.com/office/2006/metadata/properties" xmlns:xsi="http://www.w3.org/2001/XMLSchema-instance">
-  <documentManagement/>
-</p:properties>
-</file>
-
-<file path=customXml/item3.xml><?xml version="1.0" encoding="utf-8"?>
-<?mso-contentType ?>
-<FormTemplates xmlns="http://schemas.microsoft.com/sharepoint/v3/contenttype/forms">
-  <Display>DocumentLibraryForm</Display>
-  <Edit>DocumentLibraryForm</Edit>
-  <New>DocumentLibraryForm</New>
-</FormTemplates>
-</file>
-
 <file path=customXml/itemProps1.xml><?xml version="1.0" encoding="utf-8"?>
-<ds:datastoreItem xmlns:ds="http://schemas.openxmlformats.org/officeDocument/2006/customXml" ds:itemID="{A3332CB6-AB82-4DD3-8C89-C660A1C3944B}">
-  <ds:schemaRefs>
-    <ds:schemaRef ds:uri="http://schemas.microsoft.com/office/2006/metadata/contentType"/>
-    <ds:schemaRef ds:uri="http://schemas.microsoft.com/office/2006/metadata/properties/metaAttributes"/>
-    <ds:schemaRef ds:uri="http://www.w3.org/2001/XMLSchema"/>
-    <ds:schemaRef ds:uri="http://schemas.microsoft.com/office/2006/metadata/properties"/>
-    <ds:schemaRef ds:uri="http://schemas.openxmlformats.org/package/2006/metadata/core-properties"/>
-    <ds:schemaRef ds:uri="http://purl.org/dc/elements/1.1/"/>
-    <ds:schemaRef ds:uri="http://purl.org/dc/terms/"/>
-    <ds:schemaRef ds:uri="http://schemas.microsoft.com/office/internal/2005/internalDocumentation"/>
-  </ds:schemaRefs>
-</ds:datastoreItem>
-</file>
-
-<file path=customXml/itemProps2.xml><?xml version="1.0" encoding="utf-8"?>
 <ds:datastoreItem xmlns:ds="http://schemas.openxmlformats.org/officeDocument/2006/customXml" ds:itemID="{0873BDD3-AA35-4F19-A12A-C6462BECFBD1}">
   <ds:schemaRefs>
     <ds:schemaRef ds:uri="http://purl.org/dc/terms/"/>
@@ -39570,10 +39825,25 @@
 </ds:datastoreItem>
 </file>
 
-<file path=customXml/itemProps3.xml><?xml version="1.0" encoding="utf-8"?>
+<file path=customXml/itemProps2.xml><?xml version="1.0" encoding="utf-8"?>
 <ds:datastoreItem xmlns:ds="http://schemas.openxmlformats.org/officeDocument/2006/customXml" ds:itemID="{86FC490B-1F77-48C5-AC70-1DD939DBDF04}">
   <ds:schemaRefs>
     <ds:schemaRef ds:uri="http://schemas.microsoft.com/sharepoint/v3/contenttype/forms"/>
   </ds:schemaRefs>
 </ds:datastoreItem>
+</file>
+
+<file path=customXml/itemProps3.xml><?xml version="1.0" encoding="utf-8"?>
+<ds:datastoreItem xmlns:ds="http://schemas.openxmlformats.org/officeDocument/2006/customXml" ds:itemID="{A3332CB6-AB82-4DD3-8C89-C660A1C3944B}">
+  <ds:schemaRefs>
+    <ds:schemaRef ds:uri="http://schemas.microsoft.com/office/2006/metadata/contentType"/>
+    <ds:schemaRef ds:uri="http://schemas.microsoft.com/office/2006/metadata/properties/metaAttributes"/>
+    <ds:schemaRef ds:uri="http://www.w3.org/2001/XMLSchema"/>
+    <ds:schemaRef ds:uri="http://schemas.microsoft.com/office/2006/metadata/properties"/>
+    <ds:schemaRef ds:uri="http://schemas.openxmlformats.org/package/2006/metadata/core-properties"/>
+    <ds:schemaRef ds:uri="http://purl.org/dc/elements/1.1/"/>
+    <ds:schemaRef ds:uri="http://purl.org/dc/terms/"/>
+    <ds:schemaRef ds:uri="http://schemas.microsoft.com/office/internal/2005/internalDocumentation"/>
+  </ds:schemaRefs>
+</ds:datastoreItem>
 </file>
--- a/doc/pwalk_slides.pptx
+++ b/doc/pwalk_slides.pptx
@@ -11213,7 +11213,7 @@
                   <a:schemeClr val="bg1"/>
                 </a:buClr>
               </a:pPr>
-              <a:t>11/14/18</a:t>
+              <a:t>4/25/19</a:t>
             </a:fld>
             <a:endParaRPr lang="en-US" sz="900" dirty="0">
               <a:solidFill>
@@ -11287,7 +11287,7 @@
                   <a:schemeClr val="bg1"/>
                 </a:buClr>
               </a:pPr>
-              <a:t>11/14/18</a:t>
+              <a:t>4/25/19</a:t>
             </a:fld>
             <a:endParaRPr lang="en-US" sz="900" dirty="0">
               <a:solidFill>
@@ -22330,7 +22330,7 @@
           <a:graphicData uri="http://schemas.openxmlformats.org/presentationml/2006/ole">
             <mc:AlternateContent xmlns:mc="http://schemas.openxmlformats.org/markup-compatibility/2006">
               <mc:Choice xmlns:v="urn:schemas-microsoft-com:vml" Requires="v">
-                <p:oleObj spid="_x0000_s2182" name="Worksheet" r:id="rId5" imgW="10134600" imgH="5829300" progId="Excel.Sheet.12">
+                <p:oleObj spid="_x0000_s2183" name="Worksheet" r:id="rId5" imgW="10134600" imgH="5829300" progId="Excel.Sheet.12">
                   <p:embed/>
                 </p:oleObj>
               </mc:Choice>
@@ -37475,7 +37475,8 @@
           </a:prstGeom>
           <a:solidFill>
             <a:schemeClr val="bg1">
-              <a:lumMod val="95000"/>
+              <a:lumMod val="60000"/>
+              <a:lumOff val="40000"/>
             </a:schemeClr>
           </a:solidFill>
           <a:ln>
@@ -39748,12 +39749,6 @@
 </file>
 
 <file path=customXml/item1.xml><?xml version="1.0" encoding="utf-8"?>
-<p:properties xmlns:p="http://schemas.microsoft.com/office/2006/metadata/properties" xmlns:xsi="http://www.w3.org/2001/XMLSchema-instance">
-  <documentManagement/>
-</p:properties>
-</file>
-
-<file path=customXml/item2.xml><?xml version="1.0" encoding="utf-8"?>
 <?mso-contentType ?>
 <FormTemplates xmlns="http://schemas.microsoft.com/sharepoint/v3/contenttype/forms">
   <Display>DocumentLibraryForm</Display>
@@ -39762,7 +39757,7 @@
 </FormTemplates>
 </file>
 
-<file path=customXml/item3.xml><?xml version="1.0" encoding="utf-8"?>
+<file path=customXml/item2.xml><?xml version="1.0" encoding="utf-8"?>
 <ct:contentTypeSchema xmlns:ct="http://schemas.microsoft.com/office/2006/metadata/contentType" xmlns:ma="http://schemas.microsoft.com/office/2006/metadata/properties/metaAttributes" ct:_="" ma:_="" ma:contentTypeName="Document" ma:contentTypeID="0x010100EAEEBEE83C66E54EA9BED83B0A9A60DB" ma:contentTypeVersion="1" ma:contentTypeDescription="Create a new document." ma:contentTypeScope="" ma:versionID="51a43b2161297f783d65b37e357c79e9">
   <xsd:schema xmlns:xsd="http://www.w3.org/2001/XMLSchema" xmlns:p="http://schemas.microsoft.com/office/2006/metadata/properties" targetNamespace="http://schemas.microsoft.com/office/2006/metadata/properties" ma:root="true" ma:fieldsID="b9cfef283e0bc2d986a66f9ec0cdc424">
     <xsd:element name="properties">
@@ -39811,21 +39806,13 @@
 </ct:contentTypeSchema>
 </file>
 
-<file path=customXml/itemProps1.xml><?xml version="1.0" encoding="utf-8"?>
-<ds:datastoreItem xmlns:ds="http://schemas.openxmlformats.org/officeDocument/2006/customXml" ds:itemID="{0873BDD3-AA35-4F19-A12A-C6462BECFBD1}">
-  <ds:schemaRefs>
-    <ds:schemaRef ds:uri="http://purl.org/dc/terms/"/>
-    <ds:schemaRef ds:uri="http://purl.org/dc/elements/1.1/"/>
-    <ds:schemaRef ds:uri="http://schemas.openxmlformats.org/package/2006/metadata/core-properties"/>
-    <ds:schemaRef ds:uri="http://schemas.microsoft.com/office/2006/metadata/properties"/>
-    <ds:schemaRef ds:uri="http://www.w3.org/XML/1998/namespace"/>
-    <ds:schemaRef ds:uri="http://schemas.microsoft.com/office/2006/documentManagement/types"/>
-    <ds:schemaRef ds:uri="http://purl.org/dc/dcmitype/"/>
-  </ds:schemaRefs>
-</ds:datastoreItem>
+<file path=customXml/item3.xml><?xml version="1.0" encoding="utf-8"?>
+<p:properties xmlns:p="http://schemas.microsoft.com/office/2006/metadata/properties" xmlns:xsi="http://www.w3.org/2001/XMLSchema-instance">
+  <documentManagement/>
+</p:properties>
 </file>
 
-<file path=customXml/itemProps2.xml><?xml version="1.0" encoding="utf-8"?>
+<file path=customXml/itemProps1.xml><?xml version="1.0" encoding="utf-8"?>
 <ds:datastoreItem xmlns:ds="http://schemas.openxmlformats.org/officeDocument/2006/customXml" ds:itemID="{86FC490B-1F77-48C5-AC70-1DD939DBDF04}">
   <ds:schemaRefs>
     <ds:schemaRef ds:uri="http://schemas.microsoft.com/sharepoint/v3/contenttype/forms"/>
@@ -39833,7 +39820,7 @@
 </ds:datastoreItem>
 </file>
 
-<file path=customXml/itemProps3.xml><?xml version="1.0" encoding="utf-8"?>
+<file path=customXml/itemProps2.xml><?xml version="1.0" encoding="utf-8"?>
 <ds:datastoreItem xmlns:ds="http://schemas.openxmlformats.org/officeDocument/2006/customXml" ds:itemID="{A3332CB6-AB82-4DD3-8C89-C660A1C3944B}">
   <ds:schemaRefs>
     <ds:schemaRef ds:uri="http://schemas.microsoft.com/office/2006/metadata/contentType"/>
@@ -39846,4 +39833,18 @@
     <ds:schemaRef ds:uri="http://schemas.microsoft.com/office/internal/2005/internalDocumentation"/>
   </ds:schemaRefs>
 </ds:datastoreItem>
+</file>
+
+<file path=customXml/itemProps3.xml><?xml version="1.0" encoding="utf-8"?>
+<ds:datastoreItem xmlns:ds="http://schemas.openxmlformats.org/officeDocument/2006/customXml" ds:itemID="{0873BDD3-AA35-4F19-A12A-C6462BECFBD1}">
+  <ds:schemaRefs>
+    <ds:schemaRef ds:uri="http://purl.org/dc/terms/"/>
+    <ds:schemaRef ds:uri="http://purl.org/dc/elements/1.1/"/>
+    <ds:schemaRef ds:uri="http://schemas.openxmlformats.org/package/2006/metadata/core-properties"/>
+    <ds:schemaRef ds:uri="http://schemas.microsoft.com/office/2006/metadata/properties"/>
+    <ds:schemaRef ds:uri="http://www.w3.org/XML/1998/namespace"/>
+    <ds:schemaRef ds:uri="http://schemas.microsoft.com/office/2006/documentManagement/types"/>
+    <ds:schemaRef ds:uri="http://purl.org/dc/dcmitype/"/>
+  </ds:schemaRefs>
+</ds:datastoreItem>
 </file>
--- a/doc/pwalk_slides.pptx
+++ b/doc/pwalk_slides.pptx
@@ -15078,6 +15078,35 @@
               <a:rPr lang="en-US" sz="1200" dirty="0"/>
               <a:t>&gt;)</a:t>
             </a:r>
+          </a:p>
+          <a:p>
+            <a:pPr marL="341312" lvl="1" indent="0">
+              <a:spcBef>
+                <a:spcPts val="200"/>
+              </a:spcBef>
+              <a:buNone/>
+            </a:pPr>
+            <a:r>
+              <a:rPr lang="en-US" sz="1200" dirty="0"/>
+              <a:t>+.snapshot		// Include .</a:t>
+            </a:r>
+            <a:r>
+              <a:rPr lang="en-US" sz="1200" dirty="0" err="1"/>
+              <a:t>ifsvar</a:t>
+            </a:r>
+            <a:r>
+              <a:rPr lang="en-US" sz="1200"/>
+              <a:t> </a:t>
+            </a:r>
+            <a:r>
+              <a:rPr lang="en-US" sz="1200" dirty="0"/>
+              <a:t>directories (OFF by </a:t>
+            </a:r>
+            <a:r>
+              <a:rPr lang="en-US" sz="1200"/>
+              <a:t>default)</a:t>
+            </a:r>
+            <a:endParaRPr lang="en-US" sz="1200" dirty="0"/>
           </a:p>
           <a:p>
             <a:pPr marL="341312" lvl="1" indent="0">
@@ -25057,7 +25086,7 @@
           <a:graphicData uri="http://schemas.openxmlformats.org/presentationml/2006/ole">
             <mc:AlternateContent xmlns:mc="http://schemas.openxmlformats.org/markup-compatibility/2006">
               <mc:Choice xmlns:v="urn:schemas-microsoft-com:vml" Requires="v">
-                <p:oleObj spid="_x0000_s2202" name="Worksheet" r:id="rId5" imgW="10134600" imgH="5829300" progId="Excel.Sheet.12">
+                <p:oleObj spid="_x0000_s2203" name="Worksheet" r:id="rId5" imgW="10134600" imgH="5829300" progId="Excel.Sheet.12">
                   <p:embed/>
                 </p:oleObj>
               </mc:Choice>
@@ -44541,6 +44570,12 @@
 </file>
 
 <file path=customXml/item1.xml><?xml version="1.0" encoding="utf-8"?>
+<p:properties xmlns:p="http://schemas.microsoft.com/office/2006/metadata/properties" xmlns:xsi="http://www.w3.org/2001/XMLSchema-instance">
+  <documentManagement/>
+</p:properties>
+</file>
+
+<file path=customXml/item2.xml><?xml version="1.0" encoding="utf-8"?>
 <?mso-contentType ?>
 <FormTemplates xmlns="http://schemas.microsoft.com/sharepoint/v3/contenttype/forms">
   <Display>DocumentLibraryForm</Display>
@@ -44549,7 +44584,7 @@
 </FormTemplates>
 </file>
 
-<file path=customXml/item2.xml><?xml version="1.0" encoding="utf-8"?>
+<file path=customXml/item3.xml><?xml version="1.0" encoding="utf-8"?>
 <ct:contentTypeSchema xmlns:ct="http://schemas.microsoft.com/office/2006/metadata/contentType" xmlns:ma="http://schemas.microsoft.com/office/2006/metadata/properties/metaAttributes" ct:_="" ma:_="" ma:contentTypeName="Document" ma:contentTypeID="0x010100EAEEBEE83C66E54EA9BED83B0A9A60DB" ma:contentTypeVersion="1" ma:contentTypeDescription="Create a new document." ma:contentTypeScope="" ma:versionID="51a43b2161297f783d65b37e357c79e9">
   <xsd:schema xmlns:xsd="http://www.w3.org/2001/XMLSchema" xmlns:p="http://schemas.microsoft.com/office/2006/metadata/properties" targetNamespace="http://schemas.microsoft.com/office/2006/metadata/properties" ma:root="true" ma:fieldsID="b9cfef283e0bc2d986a66f9ec0cdc424">
     <xsd:element name="properties">
@@ -44598,13 +44633,21 @@
 </ct:contentTypeSchema>
 </file>
 
-<file path=customXml/item3.xml><?xml version="1.0" encoding="utf-8"?>
-<p:properties xmlns:p="http://schemas.microsoft.com/office/2006/metadata/properties" xmlns:xsi="http://www.w3.org/2001/XMLSchema-instance">
-  <documentManagement/>
-</p:properties>
+<file path=customXml/itemProps1.xml><?xml version="1.0" encoding="utf-8"?>
+<ds:datastoreItem xmlns:ds="http://schemas.openxmlformats.org/officeDocument/2006/customXml" ds:itemID="{0873BDD3-AA35-4F19-A12A-C6462BECFBD1}">
+  <ds:schemaRefs>
+    <ds:schemaRef ds:uri="http://purl.org/dc/terms/"/>
+    <ds:schemaRef ds:uri="http://purl.org/dc/elements/1.1/"/>
+    <ds:schemaRef ds:uri="http://schemas.openxmlformats.org/package/2006/metadata/core-properties"/>
+    <ds:schemaRef ds:uri="http://schemas.microsoft.com/office/2006/metadata/properties"/>
+    <ds:schemaRef ds:uri="http://www.w3.org/XML/1998/namespace"/>
+    <ds:schemaRef ds:uri="http://schemas.microsoft.com/office/2006/documentManagement/types"/>
+    <ds:schemaRef ds:uri="http://purl.org/dc/dcmitype/"/>
+  </ds:schemaRefs>
+</ds:datastoreItem>
 </file>
 
-<file path=customXml/itemProps1.xml><?xml version="1.0" encoding="utf-8"?>
+<file path=customXml/itemProps2.xml><?xml version="1.0" encoding="utf-8"?>
 <ds:datastoreItem xmlns:ds="http://schemas.openxmlformats.org/officeDocument/2006/customXml" ds:itemID="{86FC490B-1F77-48C5-AC70-1DD939DBDF04}">
   <ds:schemaRefs>
     <ds:schemaRef ds:uri="http://schemas.microsoft.com/sharepoint/v3/contenttype/forms"/>
@@ -44612,7 +44655,7 @@
 </ds:datastoreItem>
 </file>
 
-<file path=customXml/itemProps2.xml><?xml version="1.0" encoding="utf-8"?>
+<file path=customXml/itemProps3.xml><?xml version="1.0" encoding="utf-8"?>
 <ds:datastoreItem xmlns:ds="http://schemas.openxmlformats.org/officeDocument/2006/customXml" ds:itemID="{A3332CB6-AB82-4DD3-8C89-C660A1C3944B}">
   <ds:schemaRefs>
     <ds:schemaRef ds:uri="http://schemas.microsoft.com/office/2006/metadata/contentType"/>
@@ -44625,18 +44668,4 @@
     <ds:schemaRef ds:uri="http://schemas.microsoft.com/office/internal/2005/internalDocumentation"/>
   </ds:schemaRefs>
 </ds:datastoreItem>
-</file>
-
-<file path=customXml/itemProps3.xml><?xml version="1.0" encoding="utf-8"?>
-<ds:datastoreItem xmlns:ds="http://schemas.openxmlformats.org/officeDocument/2006/customXml" ds:itemID="{0873BDD3-AA35-4F19-A12A-C6462BECFBD1}">
-  <ds:schemaRefs>
-    <ds:schemaRef ds:uri="http://purl.org/dc/terms/"/>
-    <ds:schemaRef ds:uri="http://purl.org/dc/elements/1.1/"/>
-    <ds:schemaRef ds:uri="http://schemas.openxmlformats.org/package/2006/metadata/core-properties"/>
-    <ds:schemaRef ds:uri="http://schemas.microsoft.com/office/2006/metadata/properties"/>
-    <ds:schemaRef ds:uri="http://www.w3.org/XML/1998/namespace"/>
-    <ds:schemaRef ds:uri="http://schemas.microsoft.com/office/2006/documentManagement/types"/>
-    <ds:schemaRef ds:uri="http://purl.org/dc/dcmitype/"/>
-  </ds:schemaRefs>
-</ds:datastoreItem>
 </file>
--- a/doc/pwalk_slides.pptx
+++ b/doc/pwalk_slides.pptx
@@ -61,17 +61,17 @@
     <p:sldId id="363" r:id="rId52"/>
     <p:sldId id="371" r:id="rId53"/>
     <p:sldId id="332" r:id="rId54"/>
-    <p:sldId id="333" r:id="rId55"/>
-    <p:sldId id="321" r:id="rId56"/>
-    <p:sldId id="377" r:id="rId57"/>
-    <p:sldId id="323" r:id="rId58"/>
-    <p:sldId id="334" r:id="rId59"/>
-    <p:sldId id="335" r:id="rId60"/>
-    <p:sldId id="336" r:id="rId61"/>
-    <p:sldId id="337" r:id="rId62"/>
-    <p:sldId id="338" r:id="rId63"/>
-    <p:sldId id="339" r:id="rId64"/>
-    <p:sldId id="346" r:id="rId65"/>
+    <p:sldId id="346" r:id="rId55"/>
+    <p:sldId id="333" r:id="rId56"/>
+    <p:sldId id="321" r:id="rId57"/>
+    <p:sldId id="377" r:id="rId58"/>
+    <p:sldId id="323" r:id="rId59"/>
+    <p:sldId id="334" r:id="rId60"/>
+    <p:sldId id="335" r:id="rId61"/>
+    <p:sldId id="336" r:id="rId62"/>
+    <p:sldId id="337" r:id="rId63"/>
+    <p:sldId id="338" r:id="rId64"/>
+    <p:sldId id="339" r:id="rId65"/>
     <p:sldId id="340" r:id="rId66"/>
     <p:sldId id="353" r:id="rId67"/>
     <p:sldId id="352" r:id="rId68"/>
@@ -286,6 +286,11 @@
             <p14:sldId id="332"/>
           </p14:sldIdLst>
         </p14:section>
+        <p14:section name="Q&amp;A" id="{EB9D5D32-6024-A543-986F-9288EA10FF48}">
+          <p14:sldIdLst>
+            <p14:sldId id="346"/>
+          </p14:sldIdLst>
+        </p14:section>
         <p14:section name="Extensions and Refinements" id="{9AFCFFE0-830E-904D-ADCF-BA6FE9F07109}">
           <p14:sldIdLst>
             <p14:sldId id="333"/>
@@ -298,7 +303,6 @@
             <p14:sldId id="337"/>
             <p14:sldId id="338"/>
             <p14:sldId id="339"/>
-            <p14:sldId id="346"/>
           </p14:sldIdLst>
         </p14:section>
         <p14:section name="Implementation Notes" id="{5E456E2D-F400-AE44-9E4E-168080124B51}">
@@ -7114,7 +7118,7 @@
                 </a:solidFill>
               </a:rPr>
               <a:pPr/>
-              <a:t>51</a:t>
+              <a:t>52</a:t>
             </a:fld>
             <a:endParaRPr lang="en-US" dirty="0">
               <a:solidFill>
@@ -7263,7 +7267,7 @@
               <a:pPr>
                 <a:defRPr/>
               </a:pPr>
-              <a:t>52</a:t>
+              <a:t>53</a:t>
             </a:fld>
             <a:endParaRPr lang="en-US" dirty="0"/>
           </a:p>
@@ -7408,7 +7412,7 @@
               <a:pPr>
                 <a:defRPr/>
               </a:pPr>
-              <a:t>53</a:t>
+              <a:t>54</a:t>
             </a:fld>
             <a:endParaRPr lang="en-US" dirty="0"/>
           </a:p>
@@ -7690,7 +7694,7 @@
               <a:pPr>
                 <a:defRPr/>
               </a:pPr>
-              <a:t>54</a:t>
+              <a:t>55</a:t>
             </a:fld>
             <a:endParaRPr lang="en-US" dirty="0"/>
           </a:p>
@@ -19200,7 +19204,21 @@
                 <a:latin typeface="+mn-lt"/>
                 <a:cs typeface="Consolas"/>
               </a:rPr>
-              <a:t>// express or implied of any sort whatsoever,</a:t>
+              <a:t>// express </a:t>
+            </a:r>
+            <a:r>
+              <a:rPr lang="en-US" sz="1400">
+                <a:latin typeface="+mn-lt"/>
+                <a:cs typeface="Consolas"/>
+              </a:rPr>
+              <a:t>or implied, </a:t>
+            </a:r>
+            <a:r>
+              <a:rPr lang="en-US" sz="1400" dirty="0">
+                <a:latin typeface="+mn-lt"/>
+                <a:cs typeface="Consolas"/>
+              </a:rPr>
+              <a:t>of any sort whatsoever,</a:t>
             </a:r>
           </a:p>
           <a:p>
@@ -22833,7 +22851,7 @@
                 <a:latin typeface="Consolas"/>
                 <a:cs typeface="Consolas"/>
               </a:rPr>
-              <a:t>source= or [source] paths</a:t>
+              <a:t>source= or [source] relative roots</a:t>
             </a:r>
           </a:p>
           <a:p>
@@ -22863,7 +22881,7 @@
                 <a:latin typeface="Consolas"/>
                 <a:cs typeface="Consolas"/>
               </a:rPr>
-              <a:t>target= or [target] paths</a:t>
+              <a:t>target= or [target] relative roots</a:t>
             </a:r>
           </a:p>
           <a:p>
@@ -24305,13 +24323,25 @@
               <a:rPr lang="en-US" sz="1400" dirty="0">
                 <a:latin typeface="+mn-lt"/>
               </a:rPr>
-              <a:t> removes files that are </a:t>
+              <a:t> removes files, </a:t>
+            </a:r>
+            <a:r>
+              <a:rPr lang="en-US" sz="1400" dirty="0" err="1">
+                <a:latin typeface="+mn-lt"/>
+              </a:rPr>
+              <a:t>symlnks</a:t>
+            </a:r>
+            <a:r>
+              <a:rPr lang="en-US" sz="1400" dirty="0">
+                <a:latin typeface="+mn-lt"/>
+              </a:rPr>
+              <a:t>, other non-directories -- </a:t>
             </a:r>
             <a:r>
               <a:rPr lang="en-US" sz="1400" u="sng" dirty="0">
                 <a:latin typeface="+mn-lt"/>
               </a:rPr>
-              <a:t>not</a:t>
+              <a:t>never</a:t>
             </a:r>
             <a:r>
               <a:rPr lang="en-US" sz="1400" dirty="0">
@@ -24356,6 +24386,28 @@
               </a:buClr>
             </a:pPr>
             <a:r>
+              <a:rPr lang="en-US" sz="1400" dirty="0"/>
+              <a:t>a count of files removed will be shown in the </a:t>
+            </a:r>
+            <a:r>
+              <a:rPr lang="en-US" sz="1400" dirty="0" err="1"/>
+              <a:t>pwalk.log</a:t>
+            </a:r>
+            <a:r>
+              <a:rPr lang="en-US" sz="1400" dirty="0"/>
+              <a:t> file</a:t>
+            </a:r>
+          </a:p>
+          <a:p>
+            <a:pPr lvl="1">
+              <a:spcBef>
+                <a:spcPts val="0"/>
+              </a:spcBef>
+              <a:buClr>
+                <a:srgbClr val="000000"/>
+              </a:buClr>
+            </a:pPr>
+            <a:r>
               <a:rPr lang="en-US" sz="1400" b="1" dirty="0"/>
               <a:t>WARNING</a:t>
             </a:r>
@@ -24413,34 +24465,40 @@
               <a:t>–</a:t>
             </a:r>
             <a:r>
-              <a:rPr lang="en-US" sz="1800" dirty="0" err="1"/>
+              <a:rPr lang="en-US" sz="1800" dirty="0"/>
               <a:t>rm</a:t>
             </a:r>
-            <a:r>
-              <a:rPr lang="en-US" sz="1800" dirty="0"/>
-              <a:t>! Use of the </a:t>
-            </a:r>
-            <a:r>
-              <a:rPr lang="mr-IN" sz="1800" dirty="0"/>
+          </a:p>
+          <a:p>
+            <a:pPr lvl="1">
+              <a:spcBef>
+                <a:spcPts val="0"/>
+              </a:spcBef>
+              <a:buClr>
+                <a:srgbClr val="000000"/>
+              </a:buClr>
+            </a:pPr>
+            <a:r>
+              <a:rPr lang="en-US" sz="1400" dirty="0"/>
+              <a:t> Use of the </a:t>
+            </a:r>
+            <a:r>
+              <a:rPr lang="mr-IN" sz="1400" dirty="0"/>
               <a:t>–</a:t>
             </a:r>
             <a:r>
-              <a:rPr lang="en-US" sz="1800" dirty="0"/>
+              <a:rPr lang="en-US" sz="1400" dirty="0"/>
               <a:t>output=&lt;directory&gt; option is highly-recommended with </a:t>
             </a:r>
             <a:r>
-              <a:rPr lang="mr-IN" sz="1800" dirty="0"/>
+              <a:rPr lang="mr-IN" sz="1400" dirty="0"/>
               <a:t>–</a:t>
             </a:r>
             <a:r>
-              <a:rPr lang="en-US" sz="1800" dirty="0" err="1"/>
-              <a:t>rm</a:t>
-            </a:r>
-            <a:r>
-              <a:rPr lang="en-US" sz="1800" dirty="0"/>
-              <a:t>!</a:t>
-            </a:r>
-            <a:endParaRPr lang="en-US" sz="1800" dirty="0">
+              <a:rPr lang="en-US" sz="1400" dirty="0"/>
+              <a:t>rm!</a:t>
+            </a:r>
+            <a:endParaRPr lang="en-US" sz="1400" dirty="0">
               <a:latin typeface="+mn-lt"/>
             </a:endParaRPr>
           </a:p>
@@ -24866,7 +24924,7 @@
             </a:pPr>
             <a:r>
               <a:rPr lang="en-US" dirty="0"/>
-              <a:t>Column 2: a character string expressing all of the detected differences between the SOURCE and TARGET, per the next slide</a:t>
+              <a:t>Column 2: a character string expressing all of the detected differences between the SOURCE and TARGET, per the letter codes shown on the next slide</a:t>
             </a:r>
           </a:p>
           <a:p>
@@ -24875,7 +24933,7 @@
             </a:pPr>
             <a:r>
               <a:rPr lang="en-US" dirty="0"/>
-              <a:t>Column 3: a directory pathname or filename within the last-reported directory</a:t>
+              <a:t>Column 3: the directory or filename entry that was compared</a:t>
             </a:r>
           </a:p>
         </p:txBody>
@@ -25073,25 +25131,25 @@
           <p:nvPr>
             <p:extLst>
               <p:ext uri="{D42A27DB-BD31-4B8C-83A1-F6EECF244321}">
-                <p14:modId xmlns:p14="http://schemas.microsoft.com/office/powerpoint/2010/main" val="2087090194"/>
+                <p14:modId xmlns:p14="http://schemas.microsoft.com/office/powerpoint/2010/main" val="1083139791"/>
               </p:ext>
             </p:extLst>
           </p:nvPr>
         </p:nvGraphicFramePr>
         <p:xfrm>
-          <a:off x="878161" y="863058"/>
-          <a:ext cx="6858000" cy="3944937"/>
+          <a:off x="444500" y="968375"/>
+          <a:ext cx="7724775" cy="3730625"/>
         </p:xfrm>
         <a:graphic>
           <a:graphicData uri="http://schemas.openxmlformats.org/presentationml/2006/ole">
             <mc:AlternateContent xmlns:mc="http://schemas.openxmlformats.org/markup-compatibility/2006">
               <mc:Choice xmlns:v="urn:schemas-microsoft-com:vml" Requires="v">
-                <p:oleObj spid="_x0000_s2203" name="Worksheet" r:id="rId5" imgW="10134600" imgH="5829300" progId="Excel.Sheet.12">
+                <p:oleObj spid="_x0000_s2211" name="Worksheet" r:id="rId5" imgW="11417300" imgH="5511800" progId="Excel.Sheet.12">
                   <p:embed/>
                 </p:oleObj>
               </mc:Choice>
               <mc:Fallback>
-                <p:oleObj name="Worksheet" r:id="rId5" imgW="10134600" imgH="5829300" progId="Excel.Sheet.12">
+                <p:oleObj name="Worksheet" r:id="rId5" imgW="11417300" imgH="5511800" progId="Excel.Sheet.12">
                   <p:embed/>
                   <p:pic>
                     <p:nvPicPr>
@@ -25107,8 +25165,8 @@
                     </p:blipFill>
                     <p:spPr>
                       <a:xfrm>
-                        <a:off x="878161" y="863058"/>
-                        <a:ext cx="6858000" cy="3944937"/>
+                        <a:off x="444500" y="968375"/>
+                        <a:ext cx="7724775" cy="3730625"/>
                       </a:xfrm>
                       <a:prstGeom prst="rect">
                         <a:avLst/>
@@ -25582,12 +25640,20 @@
               <a:buChar char="•"/>
             </a:pPr>
             <a:r>
+              <a:rPr lang="en-US" dirty="0" err="1">
+                <a:solidFill>
+                  <a:schemeClr val="tx1"/>
+                </a:solidFill>
+              </a:rPr>
+              <a:t>pwalk</a:t>
+            </a:r>
+            <a:r>
               <a:rPr lang="en-US" dirty="0">
                 <a:solidFill>
                   <a:schemeClr val="tx1"/>
                 </a:solidFill>
               </a:rPr>
-              <a:t>Platform-specific Features</a:t>
+              <a:t> Generic Modes</a:t>
             </a:r>
           </a:p>
           <a:p>
@@ -25599,12 +25665,20 @@
               <a:buChar char="•"/>
             </a:pPr>
             <a:r>
+              <a:rPr lang="en-US" dirty="0" err="1">
+                <a:solidFill>
+                  <a:schemeClr val="tx1"/>
+                </a:solidFill>
+              </a:rPr>
+              <a:t>pwalk</a:t>
+            </a:r>
+            <a:r>
               <a:rPr lang="en-US" dirty="0">
                 <a:solidFill>
                   <a:schemeClr val="tx1"/>
                 </a:solidFill>
               </a:rPr>
-              <a:t>Operational Notes</a:t>
+              <a:t> Platform-specific Modes</a:t>
             </a:r>
           </a:p>
           <a:p>
@@ -25616,12 +25690,20 @@
               <a:buChar char="•"/>
             </a:pPr>
             <a:r>
+              <a:rPr lang="en-US" dirty="0" err="1">
+                <a:solidFill>
+                  <a:schemeClr val="tx1"/>
+                </a:solidFill>
+              </a:rPr>
+              <a:t>pwalk</a:t>
+            </a:r>
+            <a:r>
               <a:rPr lang="en-US" dirty="0">
                 <a:solidFill>
                   <a:schemeClr val="tx1"/>
                 </a:solidFill>
               </a:rPr>
-              <a:t>Extensions and Refinements</a:t>
+              <a:t> Options</a:t>
             </a:r>
           </a:p>
           <a:p>
@@ -25638,7 +25720,7 @@
                   <a:schemeClr val="tx1"/>
                 </a:solidFill>
               </a:rPr>
-              <a:t>Implementation Notes</a:t>
+              <a:t>Operational Notes</a:t>
             </a:r>
           </a:p>
         </p:txBody>
@@ -29593,7 +29675,7 @@
             </a:r>
             <a:r>
               <a:rPr lang="en-US" dirty="0"/>
-              <a:t>, so output files will tend to grow </a:t>
+              <a:t>, so compressed output files will tend to grow s-l-o-w-l-y ...</a:t>
             </a:r>
           </a:p>
         </p:txBody>
@@ -34006,6 +34088,74 @@
 </file>
 
 <file path=ppt/slides/slide51.xml><?xml version="1.0" encoding="utf-8"?>
+<p:sld xmlns:a="http://schemas.openxmlformats.org/drawingml/2006/main" xmlns:r="http://schemas.openxmlformats.org/officeDocument/2006/relationships" xmlns:p="http://schemas.openxmlformats.org/presentationml/2006/main">
+  <p:cSld>
+    <p:spTree>
+      <p:nvGrpSpPr>
+        <p:cNvPr id="1" name=""/>
+        <p:cNvGrpSpPr/>
+        <p:nvPr/>
+      </p:nvGrpSpPr>
+      <p:grpSpPr>
+        <a:xfrm>
+          <a:off x="0" y="0"/>
+          <a:ext cx="0" cy="0"/>
+          <a:chOff x="0" y="0"/>
+          <a:chExt cx="0" cy="0"/>
+        </a:xfrm>
+      </p:grpSpPr>
+      <p:sp>
+        <p:nvSpPr>
+          <p:cNvPr id="5" name="TextBox 4"/>
+          <p:cNvSpPr txBox="1"/>
+          <p:nvPr/>
+        </p:nvSpPr>
+        <p:spPr>
+          <a:xfrm>
+            <a:off x="2895600" y="1104901"/>
+            <a:ext cx="3581400" cy="971549"/>
+          </a:xfrm>
+          <a:prstGeom prst="rect">
+            <a:avLst/>
+          </a:prstGeom>
+          <a:noFill/>
+        </p:spPr>
+        <p:txBody>
+          <a:bodyPr wrap="square" rtlCol="0">
+            <a:normAutofit fontScale="77500" lnSpcReduction="20000"/>
+          </a:bodyPr>
+          <a:lstStyle/>
+          <a:p>
+            <a:r>
+              <a:rPr lang="en-US" sz="8800" b="1" i="1" dirty="0">
+                <a:solidFill>
+                  <a:schemeClr val="tx2"/>
+                </a:solidFill>
+                <a:latin typeface="Geneva"/>
+                <a:cs typeface="Geneva"/>
+              </a:rPr>
+              <a:t>Q &amp; A?</a:t>
+            </a:r>
+          </a:p>
+        </p:txBody>
+      </p:sp>
+    </p:spTree>
+    <p:extLst>
+      <p:ext uri="{BB962C8B-B14F-4D97-AF65-F5344CB8AC3E}">
+        <p14:creationId xmlns:p14="http://schemas.microsoft.com/office/powerpoint/2010/main" val="768085596"/>
+      </p:ext>
+    </p:extLst>
+  </p:cSld>
+  <p:clrMapOvr>
+    <a:masterClrMapping/>
+  </p:clrMapOvr>
+  <p:transition spd="med">
+    <p:wipe dir="r"/>
+  </p:transition>
+</p:sld>
+</file>
+
+<file path=ppt/slides/slide52.xml><?xml version="1.0" encoding="utf-8"?>
 <p:sld xmlns:a="http://schemas.openxmlformats.org/drawingml/2006/main" xmlns:r="http://schemas.openxmlformats.org/officeDocument/2006/relationships" xmlns:p="http://schemas.openxmlformats.org/presentationml/2006/main" show="0">
   <p:cSld>
     <p:bg>
@@ -34095,7 +34245,7 @@
 </p:sld>
 </file>
 
-<file path=ppt/slides/slide52.xml><?xml version="1.0" encoding="utf-8"?>
+<file path=ppt/slides/slide53.xml><?xml version="1.0" encoding="utf-8"?>
 <p:sld xmlns:a="http://schemas.openxmlformats.org/drawingml/2006/main" xmlns:r="http://schemas.openxmlformats.org/officeDocument/2006/relationships" xmlns:p="http://schemas.openxmlformats.org/presentationml/2006/main" show="0">
   <p:cSld>
     <p:spTree>
@@ -34216,225 +34366,6 @@
     <p:extLst>
       <p:ext uri="{BB962C8B-B14F-4D97-AF65-F5344CB8AC3E}">
         <p14:creationId xmlns:p14="http://schemas.microsoft.com/office/powerpoint/2010/main" val="403150059"/>
-      </p:ext>
-    </p:extLst>
-  </p:cSld>
-  <p:clrMapOvr>
-    <a:masterClrMapping/>
-  </p:clrMapOvr>
-  <p:transition>
-    <p:fade/>
-  </p:transition>
-  <p:timing>
-    <p:tnLst>
-      <p:par>
-        <p:cTn id="1" dur="indefinite" restart="never" nodeType="tmRoot">
-          <p:childTnLst>
-            <p:seq concurrent="1" nextAc="seek">
-              <p:cTn id="2" dur="indefinite" nodeType="mainSeq">
-                <p:childTnLst>
-                  <p:par>
-                    <p:cTn id="3" fill="hold">
-                      <p:stCondLst>
-                        <p:cond delay="indefinite"/>
-                        <p:cond evt="onBegin" delay="0">
-                          <p:tn val="2"/>
-                        </p:cond>
-                      </p:stCondLst>
-                      <p:childTnLst>
-                        <p:par>
-                          <p:cTn id="4" fill="hold">
-                            <p:stCondLst>
-                              <p:cond delay="0"/>
-                            </p:stCondLst>
-                            <p:childTnLst>
-                              <p:par>
-                                <p:cTn id="5" presetID="10" presetClass="entr" presetSubtype="0" fill="hold" nodeType="withEffect">
-                                  <p:stCondLst>
-                                    <p:cond delay="0"/>
-                                  </p:stCondLst>
-                                  <p:childTnLst>
-                                    <p:set>
-                                      <p:cBhvr>
-                                        <p:cTn id="6" dur="1" fill="hold">
-                                          <p:stCondLst>
-                                            <p:cond delay="0"/>
-                                          </p:stCondLst>
-                                        </p:cTn>
-                                        <p:tgtEl>
-                                          <p:spTgt spid="4"/>
-                                        </p:tgtEl>
-                                        <p:attrNameLst>
-                                          <p:attrName>style.visibility</p:attrName>
-                                        </p:attrNameLst>
-                                      </p:cBhvr>
-                                      <p:to>
-                                        <p:strVal val="visible"/>
-                                      </p:to>
-                                    </p:set>
-                                    <p:animEffect transition="in" filter="fade">
-                                      <p:cBhvr>
-                                        <p:cTn id="7" dur="500"/>
-                                        <p:tgtEl>
-                                          <p:spTgt spid="4"/>
-                                        </p:tgtEl>
-                                      </p:cBhvr>
-                                    </p:animEffect>
-                                  </p:childTnLst>
-                                </p:cTn>
-                              </p:par>
-                            </p:childTnLst>
-                          </p:cTn>
-                        </p:par>
-                      </p:childTnLst>
-                    </p:cTn>
-                  </p:par>
-                </p:childTnLst>
-              </p:cTn>
-              <p:prevCondLst>
-                <p:cond evt="onPrev" delay="0">
-                  <p:tgtEl>
-                    <p:sldTgt/>
-                  </p:tgtEl>
-                </p:cond>
-              </p:prevCondLst>
-              <p:nextCondLst>
-                <p:cond evt="onNext" delay="0">
-                  <p:tgtEl>
-                    <p:sldTgt/>
-                  </p:tgtEl>
-                </p:cond>
-              </p:nextCondLst>
-            </p:seq>
-          </p:childTnLst>
-        </p:cTn>
-      </p:par>
-    </p:tnLst>
-  </p:timing>
-</p:sld>
-</file>
-
-<file path=ppt/slides/slide53.xml><?xml version="1.0" encoding="utf-8"?>
-<p:sld xmlns:a="http://schemas.openxmlformats.org/drawingml/2006/main" xmlns:r="http://schemas.openxmlformats.org/officeDocument/2006/relationships" xmlns:p="http://schemas.openxmlformats.org/presentationml/2006/main" show="0">
-  <p:cSld>
-    <p:spTree>
-      <p:nvGrpSpPr>
-        <p:cNvPr id="1" name=""/>
-        <p:cNvGrpSpPr/>
-        <p:nvPr/>
-      </p:nvGrpSpPr>
-      <p:grpSpPr>
-        <a:xfrm>
-          <a:off x="0" y="0"/>
-          <a:ext cx="0" cy="0"/>
-          <a:chOff x="0" y="0"/>
-          <a:chExt cx="0" cy="0"/>
-        </a:xfrm>
-      </p:grpSpPr>
-      <p:sp>
-        <p:nvSpPr>
-          <p:cNvPr id="2" name="Title 1"/>
-          <p:cNvSpPr>
-            <a:spLocks noGrp="1"/>
-          </p:cNvSpPr>
-          <p:nvPr>
-            <p:ph type="title"/>
-          </p:nvPr>
-        </p:nvSpPr>
-        <p:spPr/>
-        <p:txBody>
-          <a:bodyPr/>
-          <a:lstStyle/>
-          <a:p>
-            <a:r>
-              <a:rPr lang="en-US" dirty="0" err="1">
-                <a:solidFill>
-                  <a:srgbClr val="444444"/>
-                </a:solidFill>
-              </a:rPr>
-              <a:t>pwalk</a:t>
-            </a:r>
-            <a:r>
-              <a:rPr lang="en-US" dirty="0">
-                <a:solidFill>
-                  <a:srgbClr val="444444"/>
-                </a:solidFill>
-              </a:rPr>
-              <a:t> –find mode (FUTURE)</a:t>
-            </a:r>
-          </a:p>
-        </p:txBody>
-      </p:sp>
-      <p:pic>
-        <p:nvPicPr>
-          <p:cNvPr id="4" name="Picture 2" descr="C:\Users\BROOME~1\AppData\Local\Temp\VMwareDnD\cfc176d6\iStock_000011953681XSmall.jpg"/>
-          <p:cNvPicPr>
-            <a:picLocks noChangeAspect="1" noChangeArrowheads="1"/>
-          </p:cNvPicPr>
-          <p:nvPr/>
-        </p:nvPicPr>
-        <p:blipFill>
-          <a:blip r:embed="rId3" cstate="email">
-            <a:extLst>
-              <a:ext uri="{28A0092B-C50C-407E-A947-70E740481C1C}">
-                <a14:useLocalDpi xmlns:a14="http://schemas.microsoft.com/office/drawing/2010/main"/>
-              </a:ext>
-            </a:extLst>
-          </a:blip>
-          <a:stretch>
-            <a:fillRect/>
-          </a:stretch>
-        </p:blipFill>
-        <p:spPr bwMode="auto">
-          <a:xfrm flipH="1">
-            <a:off x="7774886" y="176470"/>
-            <a:ext cx="1140515" cy="852230"/>
-          </a:xfrm>
-          <a:prstGeom prst="rect">
-            <a:avLst/>
-          </a:prstGeom>
-          <a:noFill/>
-          <a:ln>
-            <a:noFill/>
-          </a:ln>
-        </p:spPr>
-      </p:pic>
-      <p:sp>
-        <p:nvSpPr>
-          <p:cNvPr id="5" name="Content Placeholder 4"/>
-          <p:cNvSpPr>
-            <a:spLocks noGrp="1"/>
-          </p:cNvSpPr>
-          <p:nvPr>
-            <p:ph sz="quarter" idx="10"/>
-          </p:nvPr>
-        </p:nvSpPr>
-        <p:spPr>
-          <a:xfrm>
-            <a:off x="366714" y="1016794"/>
-            <a:ext cx="8410575" cy="3555206"/>
-          </a:xfrm>
-        </p:spPr>
-        <p:txBody>
-          <a:bodyPr>
-            <a:normAutofit/>
-          </a:bodyPr>
-          <a:lstStyle/>
-          <a:p>
-            <a:r>
-              <a:rPr lang="en-US" dirty="0"/>
-              <a:t>FUTURE: Scalable subset of find(1)</a:t>
-            </a:r>
-          </a:p>
-          <a:p>
-            <a:endParaRPr lang="en-US" dirty="0"/>
-          </a:p>
-        </p:txBody>
-      </p:sp>
-    </p:spTree>
-    <p:extLst>
-      <p:ext uri="{BB962C8B-B14F-4D97-AF65-F5344CB8AC3E}">
-        <p14:creationId xmlns:p14="http://schemas.microsoft.com/office/powerpoint/2010/main" val="4005811124"/>
       </p:ext>
     </p:extLst>
   </p:cSld>
@@ -34579,7 +34510,7 @@
                   <a:srgbClr val="444444"/>
                 </a:solidFill>
               </a:rPr>
-              <a:t> +verify Mode (FUTURE)</a:t>
+              <a:t> –find mode (FUTURE)</a:t>
             </a:r>
           </a:p>
         </p:txBody>
@@ -34642,89 +34573,18 @@
           <a:p>
             <a:r>
               <a:rPr lang="en-US" dirty="0"/>
-              <a:t>For files types whose validity can be determined by inspection, perform the requisite test</a:t>
-            </a:r>
-          </a:p>
-          <a:p>
-            <a:pPr lvl="1"/>
-            <a:r>
-              <a:rPr lang="en-US" dirty="0"/>
-              <a:t>GZIP - .</a:t>
-            </a:r>
-            <a:r>
-              <a:rPr lang="en-US" dirty="0" err="1"/>
-              <a:t>gz</a:t>
-            </a:r>
-            <a:r>
-              <a:rPr lang="en-US" dirty="0"/>
-              <a:t>, .</a:t>
-            </a:r>
-            <a:r>
-              <a:rPr lang="en-US" dirty="0" err="1"/>
-              <a:t>tgz</a:t>
-            </a:r>
-            <a:r>
-              <a:rPr lang="en-US" dirty="0"/>
-              <a:t> – test with </a:t>
-            </a:r>
-            <a:r>
-              <a:rPr lang="en-US" dirty="0" err="1"/>
-              <a:t>gzip</a:t>
-            </a:r>
-            <a:r>
-              <a:rPr lang="en-US" dirty="0"/>
-              <a:t> –</a:t>
-            </a:r>
-            <a:r>
-              <a:rPr lang="en-US" dirty="0" err="1"/>
-              <a:t>tq</a:t>
-            </a:r>
+              <a:t>FUTURE: Scalable subset of find(1)</a:t>
+            </a:r>
+          </a:p>
+          <a:p>
             <a:endParaRPr lang="en-US" dirty="0"/>
-          </a:p>
-          <a:p>
-            <a:pPr lvl="1"/>
-            <a:r>
-              <a:rPr lang="en-US" dirty="0">
-                <a:solidFill>
-                  <a:schemeClr val="accent6"/>
-                </a:solidFill>
-              </a:rPr>
-              <a:t>=== MORE TBD ===</a:t>
-            </a:r>
-          </a:p>
-          <a:p>
-            <a:pPr lvl="2"/>
-            <a:r>
-              <a:rPr lang="en-US" dirty="0">
-                <a:solidFill>
-                  <a:schemeClr val="accent6"/>
-                </a:solidFill>
-              </a:rPr>
-              <a:t>.c, .txt, .</a:t>
-            </a:r>
-            <a:r>
-              <a:rPr lang="en-US" dirty="0" err="1">
-                <a:solidFill>
-                  <a:schemeClr val="accent6"/>
-                </a:solidFill>
-              </a:rPr>
-              <a:t>asc</a:t>
-            </a:r>
-            <a:r>
-              <a:rPr lang="en-US" dirty="0">
-                <a:solidFill>
-                  <a:schemeClr val="accent6"/>
-                </a:solidFill>
-              </a:rPr>
-              <a:t>, .info – check for all ASCII</a:t>
-            </a:r>
           </a:p>
         </p:txBody>
       </p:sp>
     </p:spTree>
     <p:extLst>
       <p:ext uri="{BB962C8B-B14F-4D97-AF65-F5344CB8AC3E}">
-        <p14:creationId xmlns:p14="http://schemas.microsoft.com/office/powerpoint/2010/main" val="3737200043"/>
+        <p14:creationId xmlns:p14="http://schemas.microsoft.com/office/powerpoint/2010/main" val="4005811124"/>
       </p:ext>
     </p:extLst>
   </p:cSld>
@@ -34842,6 +34702,296 @@
       </p:grpSpPr>
       <p:sp>
         <p:nvSpPr>
+          <p:cNvPr id="2" name="Title 1"/>
+          <p:cNvSpPr>
+            <a:spLocks noGrp="1"/>
+          </p:cNvSpPr>
+          <p:nvPr>
+            <p:ph type="title"/>
+          </p:nvPr>
+        </p:nvSpPr>
+        <p:spPr/>
+        <p:txBody>
+          <a:bodyPr/>
+          <a:lstStyle/>
+          <a:p>
+            <a:r>
+              <a:rPr lang="en-US" dirty="0" err="1">
+                <a:solidFill>
+                  <a:srgbClr val="444444"/>
+                </a:solidFill>
+              </a:rPr>
+              <a:t>pwalk</a:t>
+            </a:r>
+            <a:r>
+              <a:rPr lang="en-US" dirty="0">
+                <a:solidFill>
+                  <a:srgbClr val="444444"/>
+                </a:solidFill>
+              </a:rPr>
+              <a:t> +verify Mode (FUTURE)</a:t>
+            </a:r>
+          </a:p>
+        </p:txBody>
+      </p:sp>
+      <p:pic>
+        <p:nvPicPr>
+          <p:cNvPr id="4" name="Picture 2" descr="C:\Users\BROOME~1\AppData\Local\Temp\VMwareDnD\cfc176d6\iStock_000011953681XSmall.jpg"/>
+          <p:cNvPicPr>
+            <a:picLocks noChangeAspect="1" noChangeArrowheads="1"/>
+          </p:cNvPicPr>
+          <p:nvPr/>
+        </p:nvPicPr>
+        <p:blipFill>
+          <a:blip r:embed="rId3" cstate="email">
+            <a:extLst>
+              <a:ext uri="{28A0092B-C50C-407E-A947-70E740481C1C}">
+                <a14:useLocalDpi xmlns:a14="http://schemas.microsoft.com/office/drawing/2010/main"/>
+              </a:ext>
+            </a:extLst>
+          </a:blip>
+          <a:stretch>
+            <a:fillRect/>
+          </a:stretch>
+        </p:blipFill>
+        <p:spPr bwMode="auto">
+          <a:xfrm flipH="1">
+            <a:off x="7774886" y="176470"/>
+            <a:ext cx="1140515" cy="852230"/>
+          </a:xfrm>
+          <a:prstGeom prst="rect">
+            <a:avLst/>
+          </a:prstGeom>
+          <a:noFill/>
+          <a:ln>
+            <a:noFill/>
+          </a:ln>
+        </p:spPr>
+      </p:pic>
+      <p:sp>
+        <p:nvSpPr>
+          <p:cNvPr id="5" name="Content Placeholder 4"/>
+          <p:cNvSpPr>
+            <a:spLocks noGrp="1"/>
+          </p:cNvSpPr>
+          <p:nvPr>
+            <p:ph sz="quarter" idx="10"/>
+          </p:nvPr>
+        </p:nvSpPr>
+        <p:spPr>
+          <a:xfrm>
+            <a:off x="366714" y="1016794"/>
+            <a:ext cx="8410575" cy="3555206"/>
+          </a:xfrm>
+        </p:spPr>
+        <p:txBody>
+          <a:bodyPr>
+            <a:normAutofit/>
+          </a:bodyPr>
+          <a:lstStyle/>
+          <a:p>
+            <a:r>
+              <a:rPr lang="en-US" dirty="0"/>
+              <a:t>For files types whose validity can be determined by inspection, perform the requisite test</a:t>
+            </a:r>
+          </a:p>
+          <a:p>
+            <a:pPr lvl="1"/>
+            <a:r>
+              <a:rPr lang="en-US" dirty="0"/>
+              <a:t>GZIP - .</a:t>
+            </a:r>
+            <a:r>
+              <a:rPr lang="en-US" dirty="0" err="1"/>
+              <a:t>gz</a:t>
+            </a:r>
+            <a:r>
+              <a:rPr lang="en-US" dirty="0"/>
+              <a:t>, .</a:t>
+            </a:r>
+            <a:r>
+              <a:rPr lang="en-US" dirty="0" err="1"/>
+              <a:t>tgz</a:t>
+            </a:r>
+            <a:r>
+              <a:rPr lang="en-US" dirty="0"/>
+              <a:t> – test with </a:t>
+            </a:r>
+            <a:r>
+              <a:rPr lang="en-US" dirty="0" err="1"/>
+              <a:t>gzip</a:t>
+            </a:r>
+            <a:r>
+              <a:rPr lang="en-US" dirty="0"/>
+              <a:t> –</a:t>
+            </a:r>
+            <a:r>
+              <a:rPr lang="en-US" dirty="0" err="1"/>
+              <a:t>tq</a:t>
+            </a:r>
+            <a:endParaRPr lang="en-US" dirty="0"/>
+          </a:p>
+          <a:p>
+            <a:pPr lvl="1"/>
+            <a:r>
+              <a:rPr lang="en-US" dirty="0">
+                <a:solidFill>
+                  <a:schemeClr val="accent6"/>
+                </a:solidFill>
+              </a:rPr>
+              <a:t>=== MORE TBD ===</a:t>
+            </a:r>
+          </a:p>
+          <a:p>
+            <a:pPr lvl="2"/>
+            <a:r>
+              <a:rPr lang="en-US" dirty="0">
+                <a:solidFill>
+                  <a:schemeClr val="accent6"/>
+                </a:solidFill>
+              </a:rPr>
+              <a:t>.c, .txt, .</a:t>
+            </a:r>
+            <a:r>
+              <a:rPr lang="en-US" dirty="0" err="1">
+                <a:solidFill>
+                  <a:schemeClr val="accent6"/>
+                </a:solidFill>
+              </a:rPr>
+              <a:t>asc</a:t>
+            </a:r>
+            <a:r>
+              <a:rPr lang="en-US" dirty="0">
+                <a:solidFill>
+                  <a:schemeClr val="accent6"/>
+                </a:solidFill>
+              </a:rPr>
+              <a:t>, .info – check for all ASCII</a:t>
+            </a:r>
+          </a:p>
+        </p:txBody>
+      </p:sp>
+    </p:spTree>
+    <p:extLst>
+      <p:ext uri="{BB962C8B-B14F-4D97-AF65-F5344CB8AC3E}">
+        <p14:creationId xmlns:p14="http://schemas.microsoft.com/office/powerpoint/2010/main" val="3737200043"/>
+      </p:ext>
+    </p:extLst>
+  </p:cSld>
+  <p:clrMapOvr>
+    <a:masterClrMapping/>
+  </p:clrMapOvr>
+  <p:transition>
+    <p:fade/>
+  </p:transition>
+  <p:timing>
+    <p:tnLst>
+      <p:par>
+        <p:cTn id="1" dur="indefinite" restart="never" nodeType="tmRoot">
+          <p:childTnLst>
+            <p:seq concurrent="1" nextAc="seek">
+              <p:cTn id="2" dur="indefinite" nodeType="mainSeq">
+                <p:childTnLst>
+                  <p:par>
+                    <p:cTn id="3" fill="hold">
+                      <p:stCondLst>
+                        <p:cond delay="indefinite"/>
+                        <p:cond evt="onBegin" delay="0">
+                          <p:tn val="2"/>
+                        </p:cond>
+                      </p:stCondLst>
+                      <p:childTnLst>
+                        <p:par>
+                          <p:cTn id="4" fill="hold">
+                            <p:stCondLst>
+                              <p:cond delay="0"/>
+                            </p:stCondLst>
+                            <p:childTnLst>
+                              <p:par>
+                                <p:cTn id="5" presetID="10" presetClass="entr" presetSubtype="0" fill="hold" nodeType="withEffect">
+                                  <p:stCondLst>
+                                    <p:cond delay="0"/>
+                                  </p:stCondLst>
+                                  <p:childTnLst>
+                                    <p:set>
+                                      <p:cBhvr>
+                                        <p:cTn id="6" dur="1" fill="hold">
+                                          <p:stCondLst>
+                                            <p:cond delay="0"/>
+                                          </p:stCondLst>
+                                        </p:cTn>
+                                        <p:tgtEl>
+                                          <p:spTgt spid="4"/>
+                                        </p:tgtEl>
+                                        <p:attrNameLst>
+                                          <p:attrName>style.visibility</p:attrName>
+                                        </p:attrNameLst>
+                                      </p:cBhvr>
+                                      <p:to>
+                                        <p:strVal val="visible"/>
+                                      </p:to>
+                                    </p:set>
+                                    <p:animEffect transition="in" filter="fade">
+                                      <p:cBhvr>
+                                        <p:cTn id="7" dur="500"/>
+                                        <p:tgtEl>
+                                          <p:spTgt spid="4"/>
+                                        </p:tgtEl>
+                                      </p:cBhvr>
+                                    </p:animEffect>
+                                  </p:childTnLst>
+                                </p:cTn>
+                              </p:par>
+                            </p:childTnLst>
+                          </p:cTn>
+                        </p:par>
+                      </p:childTnLst>
+                    </p:cTn>
+                  </p:par>
+                </p:childTnLst>
+              </p:cTn>
+              <p:prevCondLst>
+                <p:cond evt="onPrev" delay="0">
+                  <p:tgtEl>
+                    <p:sldTgt/>
+                  </p:tgtEl>
+                </p:cond>
+              </p:prevCondLst>
+              <p:nextCondLst>
+                <p:cond evt="onNext" delay="0">
+                  <p:tgtEl>
+                    <p:sldTgt/>
+                  </p:tgtEl>
+                </p:cond>
+              </p:nextCondLst>
+            </p:seq>
+          </p:childTnLst>
+        </p:cTn>
+      </p:par>
+    </p:tnLst>
+  </p:timing>
+</p:sld>
+</file>
+
+<file path=ppt/slides/slide56.xml><?xml version="1.0" encoding="utf-8"?>
+<p:sld xmlns:a="http://schemas.openxmlformats.org/drawingml/2006/main" xmlns:r="http://schemas.openxmlformats.org/officeDocument/2006/relationships" xmlns:p="http://schemas.openxmlformats.org/presentationml/2006/main" show="0">
+  <p:cSld>
+    <p:spTree>
+      <p:nvGrpSpPr>
+        <p:cNvPr id="1" name=""/>
+        <p:cNvGrpSpPr/>
+        <p:nvPr/>
+      </p:nvGrpSpPr>
+      <p:grpSpPr>
+        <a:xfrm>
+          <a:off x="0" y="0"/>
+          <a:ext cx="0" cy="0"/>
+          <a:chOff x="0" y="0"/>
+          <a:chExt cx="0" cy="0"/>
+        </a:xfrm>
+      </p:grpSpPr>
+      <p:sp>
+        <p:nvSpPr>
           <p:cNvPr id="5" name="Title 4"/>
           <p:cNvSpPr>
             <a:spLocks noGrp="1"/>
@@ -35045,7 +35195,7 @@
 </p:sld>
 </file>
 
-<file path=ppt/slides/slide56.xml><?xml version="1.0" encoding="utf-8"?>
+<file path=ppt/slides/slide57.xml><?xml version="1.0" encoding="utf-8"?>
 <p:sld xmlns:a="http://schemas.openxmlformats.org/drawingml/2006/main" xmlns:r="http://schemas.openxmlformats.org/officeDocument/2006/relationships" xmlns:p="http://schemas.openxmlformats.org/presentationml/2006/main" show="0">
   <p:cSld>
     <p:spTree>
@@ -35210,7 +35360,7 @@
 </p:sld>
 </file>
 
-<file path=ppt/slides/slide57.xml><?xml version="1.0" encoding="utf-8"?>
+<file path=ppt/slides/slide58.xml><?xml version="1.0" encoding="utf-8"?>
 <p:sld xmlns:a="http://schemas.openxmlformats.org/drawingml/2006/main" xmlns:r="http://schemas.openxmlformats.org/officeDocument/2006/relationships" xmlns:p="http://schemas.openxmlformats.org/presentationml/2006/main" show="0">
   <p:cSld>
     <p:spTree>
@@ -35379,7 +35529,7 @@
 </p:sld>
 </file>
 
-<file path=ppt/slides/slide58.xml><?xml version="1.0" encoding="utf-8"?>
+<file path=ppt/slides/slide59.xml><?xml version="1.0" encoding="utf-8"?>
 <p:sld xmlns:a="http://schemas.openxmlformats.org/drawingml/2006/main" xmlns:r="http://schemas.openxmlformats.org/officeDocument/2006/relationships" xmlns:p="http://schemas.openxmlformats.org/presentationml/2006/main" show="0">
   <p:cSld>
     <p:spTree>
@@ -35529,308 +35679,6 @@
     <p:extLst>
       <p:ext uri="{BB962C8B-B14F-4D97-AF65-F5344CB8AC3E}">
         <p14:creationId xmlns:p14="http://schemas.microsoft.com/office/powerpoint/2010/main" val="3319800938"/>
-      </p:ext>
-    </p:extLst>
-  </p:cSld>
-  <p:clrMapOvr>
-    <a:masterClrMapping/>
-  </p:clrMapOvr>
-  <p:transition>
-    <p:fade/>
-  </p:transition>
-</p:sld>
-</file>
-
-<file path=ppt/slides/slide59.xml><?xml version="1.0" encoding="utf-8"?>
-<p:sld xmlns:a="http://schemas.openxmlformats.org/drawingml/2006/main" xmlns:r="http://schemas.openxmlformats.org/officeDocument/2006/relationships" xmlns:p="http://schemas.openxmlformats.org/presentationml/2006/main" show="0">
-  <p:cSld>
-    <p:spTree>
-      <p:nvGrpSpPr>
-        <p:cNvPr id="1" name=""/>
-        <p:cNvGrpSpPr/>
-        <p:nvPr/>
-      </p:nvGrpSpPr>
-      <p:grpSpPr>
-        <a:xfrm>
-          <a:off x="0" y="0"/>
-          <a:ext cx="0" cy="0"/>
-          <a:chOff x="0" y="0"/>
-          <a:chExt cx="0" cy="0"/>
-        </a:xfrm>
-      </p:grpSpPr>
-      <p:sp>
-        <p:nvSpPr>
-          <p:cNvPr id="5" name="Title 4"/>
-          <p:cNvSpPr>
-            <a:spLocks noGrp="1"/>
-          </p:cNvSpPr>
-          <p:nvPr>
-            <p:ph type="title"/>
-          </p:nvPr>
-        </p:nvSpPr>
-        <p:spPr/>
-        <p:txBody>
-          <a:bodyPr anchor="t" anchorCtr="0"/>
-          <a:lstStyle/>
-          <a:p>
-            <a:r>
-              <a:rPr lang="en-US" dirty="0"/>
-              <a:t>Have Workers Do More Work</a:t>
-            </a:r>
-            <a:endParaRPr lang="en-US" sz="1800" dirty="0"/>
-          </a:p>
-        </p:txBody>
-      </p:sp>
-      <p:sp>
-        <p:nvSpPr>
-          <p:cNvPr id="4" name="Content Placeholder 3"/>
-          <p:cNvSpPr>
-            <a:spLocks noGrp="1"/>
-          </p:cNvSpPr>
-          <p:nvPr>
-            <p:ph sz="quarter" idx="10"/>
-          </p:nvPr>
-        </p:nvSpPr>
-        <p:spPr/>
-        <p:txBody>
-          <a:bodyPr/>
-          <a:lstStyle/>
-          <a:p>
-            <a:pPr>
-              <a:buClr>
-                <a:schemeClr val="bg2"/>
-              </a:buClr>
-            </a:pPr>
-            <a:r>
-              <a:rPr lang="en-US" dirty="0"/>
-              <a:t>Uses cases abound …</a:t>
-            </a:r>
-          </a:p>
-          <a:p>
-            <a:pPr lvl="1">
-              <a:buClr>
-                <a:schemeClr val="bg2"/>
-              </a:buClr>
-            </a:pPr>
-            <a:r>
-              <a:rPr lang="en-US" dirty="0" err="1"/>
-              <a:t>PowerCopy</a:t>
-            </a:r>
-            <a:endParaRPr lang="en-US" dirty="0"/>
-          </a:p>
-          <a:p>
-            <a:pPr lvl="1">
-              <a:buClr>
-                <a:schemeClr val="bg2"/>
-              </a:buClr>
-            </a:pPr>
-            <a:r>
-              <a:rPr lang="en-US" dirty="0" err="1"/>
-              <a:t>PowerChmod</a:t>
-            </a:r>
-            <a:endParaRPr lang="en-US" dirty="0"/>
-          </a:p>
-          <a:p>
-            <a:pPr lvl="1">
-              <a:buClr>
-                <a:schemeClr val="bg2"/>
-              </a:buClr>
-            </a:pPr>
-            <a:r>
-              <a:rPr lang="en-US" dirty="0" err="1"/>
-              <a:t>PowerGrep</a:t>
-            </a:r>
-            <a:endParaRPr lang="en-US" dirty="0"/>
-          </a:p>
-          <a:p>
-            <a:pPr lvl="1">
-              <a:buClr>
-                <a:schemeClr val="bg2"/>
-              </a:buClr>
-            </a:pPr>
-            <a:r>
-              <a:rPr lang="en-US" dirty="0" err="1"/>
-              <a:t>PowerPurge</a:t>
-            </a:r>
-            <a:r>
-              <a:rPr lang="en-US" dirty="0"/>
-              <a:t> </a:t>
-            </a:r>
-            <a:r>
-              <a:rPr lang="mr-IN" dirty="0"/>
-              <a:t>–</a:t>
-            </a:r>
-            <a:r>
-              <a:rPr lang="en-US" dirty="0"/>
-              <a:t> </a:t>
-            </a:r>
-            <a:r>
-              <a:rPr lang="en-US" dirty="0" err="1"/>
-              <a:t>pwalk</a:t>
-            </a:r>
-            <a:r>
-              <a:rPr lang="en-US" dirty="0"/>
-              <a:t> </a:t>
-            </a:r>
-            <a:r>
-              <a:rPr lang="mr-IN" dirty="0"/>
-              <a:t>–</a:t>
-            </a:r>
-            <a:r>
-              <a:rPr lang="en-US" dirty="0" err="1"/>
-              <a:t>rm</a:t>
-            </a:r>
-            <a:r>
-              <a:rPr lang="en-US" dirty="0"/>
-              <a:t> </a:t>
-            </a:r>
-            <a:r>
-              <a:rPr lang="mr-IN" dirty="0"/>
-              <a:t>–</a:t>
-            </a:r>
-            <a:r>
-              <a:rPr lang="en-US" dirty="0"/>
-              <a:t>select=&lt;</a:t>
-            </a:r>
-            <a:r>
-              <a:rPr lang="mr-IN" dirty="0"/>
-              <a:t>…</a:t>
-            </a:r>
-            <a:r>
-              <a:rPr lang="en-US" dirty="0"/>
-              <a:t>&gt;</a:t>
-            </a:r>
-          </a:p>
-          <a:p>
-            <a:pPr lvl="1">
-              <a:buClr>
-                <a:schemeClr val="bg2"/>
-              </a:buClr>
-            </a:pPr>
-            <a:r>
-              <a:rPr lang="en-US" dirty="0" err="1"/>
-              <a:t>PowerScan</a:t>
-            </a:r>
-            <a:r>
-              <a:rPr lang="en-US" dirty="0"/>
-              <a:t> – </a:t>
-            </a:r>
-            <a:r>
-              <a:rPr lang="en-US" dirty="0" err="1"/>
-              <a:t>pwalk</a:t>
-            </a:r>
-            <a:r>
-              <a:rPr lang="en-US" dirty="0"/>
-              <a:t> -xml</a:t>
-            </a:r>
-          </a:p>
-          <a:p>
-            <a:pPr lvl="1">
-              <a:buClr>
-                <a:schemeClr val="bg2"/>
-              </a:buClr>
-            </a:pPr>
-            <a:r>
-              <a:rPr lang="en-US" dirty="0" err="1"/>
-              <a:t>PowerCmp</a:t>
-            </a:r>
-            <a:r>
-              <a:rPr lang="en-US" dirty="0"/>
-              <a:t> – </a:t>
-            </a:r>
-            <a:r>
-              <a:rPr lang="en-US" dirty="0" err="1"/>
-              <a:t>pwalk</a:t>
-            </a:r>
-            <a:r>
-              <a:rPr lang="en-US" dirty="0"/>
-              <a:t> </a:t>
-            </a:r>
-            <a:r>
-              <a:rPr lang="mr-IN" dirty="0"/>
-              <a:t>–</a:t>
-            </a:r>
-            <a:r>
-              <a:rPr lang="en-US" dirty="0" err="1"/>
-              <a:t>cmp</a:t>
-            </a:r>
-            <a:r>
-              <a:rPr lang="en-US" dirty="0"/>
-              <a:t> </a:t>
-            </a:r>
-            <a:r>
-              <a:rPr lang="mr-IN" dirty="0"/>
-              <a:t>–</a:t>
-            </a:r>
-            <a:r>
-              <a:rPr lang="en-US" dirty="0"/>
-              <a:t>source=&lt;</a:t>
-            </a:r>
-            <a:r>
-              <a:rPr lang="mr-IN" dirty="0"/>
-              <a:t>…</a:t>
-            </a:r>
-            <a:r>
-              <a:rPr lang="en-US" dirty="0"/>
-              <a:t>&gt; -target=&lt;</a:t>
-            </a:r>
-            <a:r>
-              <a:rPr lang="mr-IN" dirty="0"/>
-              <a:t>…</a:t>
-            </a:r>
-            <a:r>
-              <a:rPr lang="en-US" dirty="0"/>
-              <a:t>&gt;</a:t>
-            </a:r>
-          </a:p>
-          <a:p>
-            <a:pPr lvl="1">
-              <a:buClr>
-                <a:schemeClr val="bg2"/>
-              </a:buClr>
-            </a:pPr>
-            <a:r>
-              <a:rPr lang="en-US" dirty="0" err="1"/>
-              <a:t>PowerPermissionsRepair</a:t>
-            </a:r>
-            <a:endParaRPr lang="en-US" dirty="0"/>
-          </a:p>
-        </p:txBody>
-      </p:sp>
-      <p:pic>
-        <p:nvPicPr>
-          <p:cNvPr id="6" name="Picture 5"/>
-          <p:cNvPicPr>
-            <a:picLocks noChangeAspect="1"/>
-          </p:cNvPicPr>
-          <p:nvPr/>
-        </p:nvPicPr>
-        <p:blipFill>
-          <a:blip r:embed="rId3" cstate="print">
-            <a:extLst>
-              <a:ext uri="{28A0092B-C50C-407E-A947-70E740481C1C}">
-                <a14:useLocalDpi xmlns:a14="http://schemas.microsoft.com/office/drawing/2010/main"/>
-              </a:ext>
-            </a:extLst>
-          </a:blip>
-          <a:stretch>
-            <a:fillRect/>
-          </a:stretch>
-        </p:blipFill>
-        <p:spPr>
-          <a:xfrm>
-            <a:off x="8178800" y="114300"/>
-            <a:ext cx="812800" cy="612322"/>
-          </a:xfrm>
-          <a:prstGeom prst="rect">
-            <a:avLst/>
-          </a:prstGeom>
-        </p:spPr>
-      </p:pic>
-    </p:spTree>
-    <p:extLst>
-      <p:ext uri="{BB962C8B-B14F-4D97-AF65-F5344CB8AC3E}">
-        <p14:creationId xmlns:p14="http://schemas.microsoft.com/office/powerpoint/2010/main" val="440484240"/>
       </p:ext>
     </p:extLst>
   </p:cSld>
@@ -36107,6 +35955,308 @@
           <a:p>
             <a:r>
               <a:rPr lang="en-US" dirty="0"/>
+              <a:t>Have Workers Do More Work</a:t>
+            </a:r>
+            <a:endParaRPr lang="en-US" sz="1800" dirty="0"/>
+          </a:p>
+        </p:txBody>
+      </p:sp>
+      <p:sp>
+        <p:nvSpPr>
+          <p:cNvPr id="4" name="Content Placeholder 3"/>
+          <p:cNvSpPr>
+            <a:spLocks noGrp="1"/>
+          </p:cNvSpPr>
+          <p:nvPr>
+            <p:ph sz="quarter" idx="10"/>
+          </p:nvPr>
+        </p:nvSpPr>
+        <p:spPr/>
+        <p:txBody>
+          <a:bodyPr/>
+          <a:lstStyle/>
+          <a:p>
+            <a:pPr>
+              <a:buClr>
+                <a:schemeClr val="bg2"/>
+              </a:buClr>
+            </a:pPr>
+            <a:r>
+              <a:rPr lang="en-US" dirty="0"/>
+              <a:t>Uses cases abound …</a:t>
+            </a:r>
+          </a:p>
+          <a:p>
+            <a:pPr lvl="1">
+              <a:buClr>
+                <a:schemeClr val="bg2"/>
+              </a:buClr>
+            </a:pPr>
+            <a:r>
+              <a:rPr lang="en-US" dirty="0" err="1"/>
+              <a:t>PowerCopy</a:t>
+            </a:r>
+            <a:endParaRPr lang="en-US" dirty="0"/>
+          </a:p>
+          <a:p>
+            <a:pPr lvl="1">
+              <a:buClr>
+                <a:schemeClr val="bg2"/>
+              </a:buClr>
+            </a:pPr>
+            <a:r>
+              <a:rPr lang="en-US" dirty="0" err="1"/>
+              <a:t>PowerChmod</a:t>
+            </a:r>
+            <a:endParaRPr lang="en-US" dirty="0"/>
+          </a:p>
+          <a:p>
+            <a:pPr lvl="1">
+              <a:buClr>
+                <a:schemeClr val="bg2"/>
+              </a:buClr>
+            </a:pPr>
+            <a:r>
+              <a:rPr lang="en-US" dirty="0" err="1"/>
+              <a:t>PowerGrep</a:t>
+            </a:r>
+            <a:endParaRPr lang="en-US" dirty="0"/>
+          </a:p>
+          <a:p>
+            <a:pPr lvl="1">
+              <a:buClr>
+                <a:schemeClr val="bg2"/>
+              </a:buClr>
+            </a:pPr>
+            <a:r>
+              <a:rPr lang="en-US" dirty="0" err="1"/>
+              <a:t>PowerPurge</a:t>
+            </a:r>
+            <a:r>
+              <a:rPr lang="en-US" dirty="0"/>
+              <a:t> </a:t>
+            </a:r>
+            <a:r>
+              <a:rPr lang="mr-IN" dirty="0"/>
+              <a:t>–</a:t>
+            </a:r>
+            <a:r>
+              <a:rPr lang="en-US" dirty="0"/>
+              <a:t> </a:t>
+            </a:r>
+            <a:r>
+              <a:rPr lang="en-US" dirty="0" err="1"/>
+              <a:t>pwalk</a:t>
+            </a:r>
+            <a:r>
+              <a:rPr lang="en-US" dirty="0"/>
+              <a:t> </a:t>
+            </a:r>
+            <a:r>
+              <a:rPr lang="mr-IN" dirty="0"/>
+              <a:t>–</a:t>
+            </a:r>
+            <a:r>
+              <a:rPr lang="en-US" dirty="0" err="1"/>
+              <a:t>rm</a:t>
+            </a:r>
+            <a:r>
+              <a:rPr lang="en-US" dirty="0"/>
+              <a:t> </a:t>
+            </a:r>
+            <a:r>
+              <a:rPr lang="mr-IN" dirty="0"/>
+              <a:t>–</a:t>
+            </a:r>
+            <a:r>
+              <a:rPr lang="en-US" dirty="0"/>
+              <a:t>select=&lt;</a:t>
+            </a:r>
+            <a:r>
+              <a:rPr lang="mr-IN" dirty="0"/>
+              <a:t>…</a:t>
+            </a:r>
+            <a:r>
+              <a:rPr lang="en-US" dirty="0"/>
+              <a:t>&gt;</a:t>
+            </a:r>
+          </a:p>
+          <a:p>
+            <a:pPr lvl="1">
+              <a:buClr>
+                <a:schemeClr val="bg2"/>
+              </a:buClr>
+            </a:pPr>
+            <a:r>
+              <a:rPr lang="en-US" dirty="0" err="1"/>
+              <a:t>PowerScan</a:t>
+            </a:r>
+            <a:r>
+              <a:rPr lang="en-US" dirty="0"/>
+              <a:t> – </a:t>
+            </a:r>
+            <a:r>
+              <a:rPr lang="en-US" dirty="0" err="1"/>
+              <a:t>pwalk</a:t>
+            </a:r>
+            <a:r>
+              <a:rPr lang="en-US" dirty="0"/>
+              <a:t> -xml</a:t>
+            </a:r>
+          </a:p>
+          <a:p>
+            <a:pPr lvl="1">
+              <a:buClr>
+                <a:schemeClr val="bg2"/>
+              </a:buClr>
+            </a:pPr>
+            <a:r>
+              <a:rPr lang="en-US" dirty="0" err="1"/>
+              <a:t>PowerCmp</a:t>
+            </a:r>
+            <a:r>
+              <a:rPr lang="en-US" dirty="0"/>
+              <a:t> – </a:t>
+            </a:r>
+            <a:r>
+              <a:rPr lang="en-US" dirty="0" err="1"/>
+              <a:t>pwalk</a:t>
+            </a:r>
+            <a:r>
+              <a:rPr lang="en-US" dirty="0"/>
+              <a:t> </a:t>
+            </a:r>
+            <a:r>
+              <a:rPr lang="mr-IN" dirty="0"/>
+              <a:t>–</a:t>
+            </a:r>
+            <a:r>
+              <a:rPr lang="en-US" dirty="0" err="1"/>
+              <a:t>cmp</a:t>
+            </a:r>
+            <a:r>
+              <a:rPr lang="en-US" dirty="0"/>
+              <a:t> </a:t>
+            </a:r>
+            <a:r>
+              <a:rPr lang="mr-IN" dirty="0"/>
+              <a:t>–</a:t>
+            </a:r>
+            <a:r>
+              <a:rPr lang="en-US" dirty="0"/>
+              <a:t>source=&lt;</a:t>
+            </a:r>
+            <a:r>
+              <a:rPr lang="mr-IN" dirty="0"/>
+              <a:t>…</a:t>
+            </a:r>
+            <a:r>
+              <a:rPr lang="en-US" dirty="0"/>
+              <a:t>&gt; -target=&lt;</a:t>
+            </a:r>
+            <a:r>
+              <a:rPr lang="mr-IN" dirty="0"/>
+              <a:t>…</a:t>
+            </a:r>
+            <a:r>
+              <a:rPr lang="en-US" dirty="0"/>
+              <a:t>&gt;</a:t>
+            </a:r>
+          </a:p>
+          <a:p>
+            <a:pPr lvl="1">
+              <a:buClr>
+                <a:schemeClr val="bg2"/>
+              </a:buClr>
+            </a:pPr>
+            <a:r>
+              <a:rPr lang="en-US" dirty="0" err="1"/>
+              <a:t>PowerPermissionsRepair</a:t>
+            </a:r>
+            <a:endParaRPr lang="en-US" dirty="0"/>
+          </a:p>
+        </p:txBody>
+      </p:sp>
+      <p:pic>
+        <p:nvPicPr>
+          <p:cNvPr id="6" name="Picture 5"/>
+          <p:cNvPicPr>
+            <a:picLocks noChangeAspect="1"/>
+          </p:cNvPicPr>
+          <p:nvPr/>
+        </p:nvPicPr>
+        <p:blipFill>
+          <a:blip r:embed="rId3" cstate="print">
+            <a:extLst>
+              <a:ext uri="{28A0092B-C50C-407E-A947-70E740481C1C}">
+                <a14:useLocalDpi xmlns:a14="http://schemas.microsoft.com/office/drawing/2010/main"/>
+              </a:ext>
+            </a:extLst>
+          </a:blip>
+          <a:stretch>
+            <a:fillRect/>
+          </a:stretch>
+        </p:blipFill>
+        <p:spPr>
+          <a:xfrm>
+            <a:off x="8178800" y="114300"/>
+            <a:ext cx="812800" cy="612322"/>
+          </a:xfrm>
+          <a:prstGeom prst="rect">
+            <a:avLst/>
+          </a:prstGeom>
+        </p:spPr>
+      </p:pic>
+    </p:spTree>
+    <p:extLst>
+      <p:ext uri="{BB962C8B-B14F-4D97-AF65-F5344CB8AC3E}">
+        <p14:creationId xmlns:p14="http://schemas.microsoft.com/office/powerpoint/2010/main" val="440484240"/>
+      </p:ext>
+    </p:extLst>
+  </p:cSld>
+  <p:clrMapOvr>
+    <a:masterClrMapping/>
+  </p:clrMapOvr>
+  <p:transition>
+    <p:fade/>
+  </p:transition>
+</p:sld>
+</file>
+
+<file path=ppt/slides/slide61.xml><?xml version="1.0" encoding="utf-8"?>
+<p:sld xmlns:a="http://schemas.openxmlformats.org/drawingml/2006/main" xmlns:r="http://schemas.openxmlformats.org/officeDocument/2006/relationships" xmlns:p="http://schemas.openxmlformats.org/presentationml/2006/main" show="0">
+  <p:cSld>
+    <p:spTree>
+      <p:nvGrpSpPr>
+        <p:cNvPr id="1" name=""/>
+        <p:cNvGrpSpPr/>
+        <p:nvPr/>
+      </p:nvGrpSpPr>
+      <p:grpSpPr>
+        <a:xfrm>
+          <a:off x="0" y="0"/>
+          <a:ext cx="0" cy="0"/>
+          <a:chOff x="0" y="0"/>
+          <a:chExt cx="0" cy="0"/>
+        </a:xfrm>
+      </p:grpSpPr>
+      <p:sp>
+        <p:nvSpPr>
+          <p:cNvPr id="5" name="Title 4"/>
+          <p:cNvSpPr>
+            <a:spLocks noGrp="1"/>
+          </p:cNvSpPr>
+          <p:nvPr>
+            <p:ph type="title"/>
+          </p:nvPr>
+        </p:nvSpPr>
+        <p:spPr/>
+        <p:txBody>
+          <a:bodyPr anchor="t" anchorCtr="0"/>
+          <a:lstStyle/>
+          <a:p>
+            <a:r>
+              <a:rPr lang="en-US" dirty="0"/>
               <a:t>Use Per-Worker Slave Processes</a:t>
             </a:r>
             <a:endParaRPr lang="en-US" sz="1800" dirty="0"/>
@@ -36287,74 +36437,6 @@
   </p:clrMapOvr>
   <p:transition>
     <p:fade/>
-  </p:transition>
-</p:sld>
-</file>
-
-<file path=ppt/slides/slide61.xml><?xml version="1.0" encoding="utf-8"?>
-<p:sld xmlns:a="http://schemas.openxmlformats.org/drawingml/2006/main" xmlns:r="http://schemas.openxmlformats.org/officeDocument/2006/relationships" xmlns:p="http://schemas.openxmlformats.org/presentationml/2006/main">
-  <p:cSld>
-    <p:spTree>
-      <p:nvGrpSpPr>
-        <p:cNvPr id="1" name=""/>
-        <p:cNvGrpSpPr/>
-        <p:nvPr/>
-      </p:nvGrpSpPr>
-      <p:grpSpPr>
-        <a:xfrm>
-          <a:off x="0" y="0"/>
-          <a:ext cx="0" cy="0"/>
-          <a:chOff x="0" y="0"/>
-          <a:chExt cx="0" cy="0"/>
-        </a:xfrm>
-      </p:grpSpPr>
-      <p:sp>
-        <p:nvSpPr>
-          <p:cNvPr id="5" name="TextBox 4"/>
-          <p:cNvSpPr txBox="1"/>
-          <p:nvPr/>
-        </p:nvSpPr>
-        <p:spPr>
-          <a:xfrm>
-            <a:off x="2895600" y="1104901"/>
-            <a:ext cx="3581400" cy="971549"/>
-          </a:xfrm>
-          <a:prstGeom prst="rect">
-            <a:avLst/>
-          </a:prstGeom>
-          <a:noFill/>
-        </p:spPr>
-        <p:txBody>
-          <a:bodyPr wrap="square" rtlCol="0">
-            <a:normAutofit fontScale="77500" lnSpcReduction="20000"/>
-          </a:bodyPr>
-          <a:lstStyle/>
-          <a:p>
-            <a:r>
-              <a:rPr lang="en-US" sz="8800" b="1" i="1" dirty="0">
-                <a:solidFill>
-                  <a:schemeClr val="tx2"/>
-                </a:solidFill>
-                <a:latin typeface="Geneva"/>
-                <a:cs typeface="Geneva"/>
-              </a:rPr>
-              <a:t>Q &amp; A?</a:t>
-            </a:r>
-          </a:p>
-        </p:txBody>
-      </p:sp>
-    </p:spTree>
-    <p:extLst>
-      <p:ext uri="{BB962C8B-B14F-4D97-AF65-F5344CB8AC3E}">
-        <p14:creationId xmlns:p14="http://schemas.microsoft.com/office/powerpoint/2010/main" val="768085596"/>
-      </p:ext>
-    </p:extLst>
-  </p:cSld>
-  <p:clrMapOvr>
-    <a:masterClrMapping/>
-  </p:clrMapOvr>
-  <p:transition spd="med">
-    <p:wipe dir="r"/>
   </p:transition>
 </p:sld>
 </file>
@@ -44570,21 +44652,6 @@
 </file>
 
 <file path=customXml/item1.xml><?xml version="1.0" encoding="utf-8"?>
-<p:properties xmlns:p="http://schemas.microsoft.com/office/2006/metadata/properties" xmlns:xsi="http://www.w3.org/2001/XMLSchema-instance">
-  <documentManagement/>
-</p:properties>
-</file>
-
-<file path=customXml/item2.xml><?xml version="1.0" encoding="utf-8"?>
-<?mso-contentType ?>
-<FormTemplates xmlns="http://schemas.microsoft.com/sharepoint/v3/contenttype/forms">
-  <Display>DocumentLibraryForm</Display>
-  <Edit>DocumentLibraryForm</Edit>
-  <New>DocumentLibraryForm</New>
-</FormTemplates>
-</file>
-
-<file path=customXml/item3.xml><?xml version="1.0" encoding="utf-8"?>
 <ct:contentTypeSchema xmlns:ct="http://schemas.microsoft.com/office/2006/metadata/contentType" xmlns:ma="http://schemas.microsoft.com/office/2006/metadata/properties/metaAttributes" ct:_="" ma:_="" ma:contentTypeName="Document" ma:contentTypeID="0x010100EAEEBEE83C66E54EA9BED83B0A9A60DB" ma:contentTypeVersion="1" ma:contentTypeDescription="Create a new document." ma:contentTypeScope="" ma:versionID="51a43b2161297f783d65b37e357c79e9">
   <xsd:schema xmlns:xsd="http://www.w3.org/2001/XMLSchema" xmlns:p="http://schemas.microsoft.com/office/2006/metadata/properties" targetNamespace="http://schemas.microsoft.com/office/2006/metadata/properties" ma:root="true" ma:fieldsID="b9cfef283e0bc2d986a66f9ec0cdc424">
     <xsd:element name="properties">
@@ -44633,7 +44700,37 @@
 </ct:contentTypeSchema>
 </file>
 
+<file path=customXml/item2.xml><?xml version="1.0" encoding="utf-8"?>
+<p:properties xmlns:p="http://schemas.microsoft.com/office/2006/metadata/properties" xmlns:xsi="http://www.w3.org/2001/XMLSchema-instance">
+  <documentManagement/>
+</p:properties>
+</file>
+
+<file path=customXml/item3.xml><?xml version="1.0" encoding="utf-8"?>
+<?mso-contentType ?>
+<FormTemplates xmlns="http://schemas.microsoft.com/sharepoint/v3/contenttype/forms">
+  <Display>DocumentLibraryForm</Display>
+  <Edit>DocumentLibraryForm</Edit>
+  <New>DocumentLibraryForm</New>
+</FormTemplates>
+</file>
+
 <file path=customXml/itemProps1.xml><?xml version="1.0" encoding="utf-8"?>
+<ds:datastoreItem xmlns:ds="http://schemas.openxmlformats.org/officeDocument/2006/customXml" ds:itemID="{A3332CB6-AB82-4DD3-8C89-C660A1C3944B}">
+  <ds:schemaRefs>
+    <ds:schemaRef ds:uri="http://schemas.microsoft.com/office/2006/metadata/contentType"/>
+    <ds:schemaRef ds:uri="http://schemas.microsoft.com/office/2006/metadata/properties/metaAttributes"/>
+    <ds:schemaRef ds:uri="http://www.w3.org/2001/XMLSchema"/>
+    <ds:schemaRef ds:uri="http://schemas.microsoft.com/office/2006/metadata/properties"/>
+    <ds:schemaRef ds:uri="http://schemas.openxmlformats.org/package/2006/metadata/core-properties"/>
+    <ds:schemaRef ds:uri="http://purl.org/dc/elements/1.1/"/>
+    <ds:schemaRef ds:uri="http://purl.org/dc/terms/"/>
+    <ds:schemaRef ds:uri="http://schemas.microsoft.com/office/internal/2005/internalDocumentation"/>
+  </ds:schemaRefs>
+</ds:datastoreItem>
+</file>
+
+<file path=customXml/itemProps2.xml><?xml version="1.0" encoding="utf-8"?>
 <ds:datastoreItem xmlns:ds="http://schemas.openxmlformats.org/officeDocument/2006/customXml" ds:itemID="{0873BDD3-AA35-4F19-A12A-C6462BECFBD1}">
   <ds:schemaRefs>
     <ds:schemaRef ds:uri="http://purl.org/dc/terms/"/>
@@ -44647,25 +44744,10 @@
 </ds:datastoreItem>
 </file>
 
-<file path=customXml/itemProps2.xml><?xml version="1.0" encoding="utf-8"?>
+<file path=customXml/itemProps3.xml><?xml version="1.0" encoding="utf-8"?>
 <ds:datastoreItem xmlns:ds="http://schemas.openxmlformats.org/officeDocument/2006/customXml" ds:itemID="{86FC490B-1F77-48C5-AC70-1DD939DBDF04}">
   <ds:schemaRefs>
     <ds:schemaRef ds:uri="http://schemas.microsoft.com/sharepoint/v3/contenttype/forms"/>
   </ds:schemaRefs>
 </ds:datastoreItem>
-</file>
-
-<file path=customXml/itemProps3.xml><?xml version="1.0" encoding="utf-8"?>
-<ds:datastoreItem xmlns:ds="http://schemas.openxmlformats.org/officeDocument/2006/customXml" ds:itemID="{A3332CB6-AB82-4DD3-8C89-C660A1C3944B}">
-  <ds:schemaRefs>
-    <ds:schemaRef ds:uri="http://schemas.microsoft.com/office/2006/metadata/contentType"/>
-    <ds:schemaRef ds:uri="http://schemas.microsoft.com/office/2006/metadata/properties/metaAttributes"/>
-    <ds:schemaRef ds:uri="http://www.w3.org/2001/XMLSchema"/>
-    <ds:schemaRef ds:uri="http://schemas.microsoft.com/office/2006/metadata/properties"/>
-    <ds:schemaRef ds:uri="http://schemas.openxmlformats.org/package/2006/metadata/core-properties"/>
-    <ds:schemaRef ds:uri="http://purl.org/dc/elements/1.1/"/>
-    <ds:schemaRef ds:uri="http://purl.org/dc/terms/"/>
-    <ds:schemaRef ds:uri="http://schemas.microsoft.com/office/internal/2005/internalDocumentation"/>
-  </ds:schemaRefs>
-</ds:datastoreItem>
 </file>
--- a/doc/pwalk_slides.pptx
+++ b/doc/pwalk_slides.pptx
@@ -12165,7 +12165,7 @@
                   <a:schemeClr val="bg1"/>
                 </a:buClr>
               </a:pPr>
-              <a:t>11/12/19</a:t>
+              <a:t>11/15/19</a:t>
             </a:fld>
             <a:endParaRPr lang="en-US" sz="900" dirty="0">
               <a:solidFill>
@@ -12239,7 +12239,7 @@
                   <a:schemeClr val="bg1"/>
                 </a:buClr>
               </a:pPr>
-              <a:t>11/12/19</a:t>
+              <a:t>11/15/19</a:t>
             </a:fld>
             <a:endParaRPr lang="en-US" sz="900" dirty="0">
               <a:solidFill>
@@ -22255,13 +22255,13 @@
               <a:rPr lang="en-US" sz="1400" dirty="0" err="1">
                 <a:latin typeface="+mn-lt"/>
               </a:rPr>
-              <a:t>symlnks</a:t>
+              <a:t>symlinks</a:t>
             </a:r>
             <a:r>
               <a:rPr lang="en-US" sz="1400" dirty="0">
                 <a:latin typeface="+mn-lt"/>
               </a:rPr>
-              <a:t>, other non-directories -- </a:t>
+              <a:t>, and other non-directories -- </a:t>
             </a:r>
             <a:r>
               <a:rPr lang="en-US" sz="1400" u="sng" dirty="0">
@@ -22334,7 +22334,11 @@
               </a:buClr>
             </a:pPr>
             <a:r>
-              <a:rPr lang="en-US" sz="1400" b="1" dirty="0"/>
+              <a:rPr lang="en-US" sz="1400" b="1" dirty="0">
+                <a:solidFill>
+                  <a:srgbClr val="FF0000"/>
+                </a:solidFill>
+              </a:rPr>
               <a:t>WARNING</a:t>
             </a:r>
             <a:r>
@@ -22371,28 +22375,32 @@
               </a:buClr>
             </a:pPr>
             <a:r>
-              <a:rPr lang="en-US" sz="1800" b="1" dirty="0"/>
-              <a:t>WARNING</a:t>
-            </a:r>
-            <a:r>
               <a:rPr lang="en-US" sz="1800" dirty="0"/>
-              <a:t>: Make sure the </a:t>
+              <a:t>OUTPUTS: worker&lt;</a:t>
             </a:r>
             <a:r>
               <a:rPr lang="en-US" sz="1800" dirty="0" err="1"/>
-              <a:t>pwalk</a:t>
+              <a:t>nnn</a:t>
             </a:r>
             <a:r>
               <a:rPr lang="en-US" sz="1800" dirty="0"/>
-              <a:t> output directory does not get cleared by </a:t>
-            </a:r>
-            <a:r>
-              <a:rPr lang="mr-IN" sz="1800" dirty="0"/>
-              <a:t>–</a:t>
+              <a:t>&gt;.</a:t>
+            </a:r>
+            <a:r>
+              <a:rPr lang="en-US" sz="1800" b="1" dirty="0" err="1"/>
+              <a:t>sh</a:t>
             </a:r>
             <a:r>
               <a:rPr lang="en-US" sz="1800" dirty="0"/>
-              <a:t>rm</a:t>
+              <a:t>[.</a:t>
+            </a:r>
+            <a:r>
+              <a:rPr lang="en-US" sz="1800" dirty="0" err="1"/>
+              <a:t>gz</a:t>
+            </a:r>
+            <a:r>
+              <a:rPr lang="en-US" sz="1800" dirty="0"/>
+              <a:t>] files, which have three columns;</a:t>
             </a:r>
           </a:p>
           <a:p>
@@ -22406,27 +22414,86 @@
             </a:pPr>
             <a:r>
               <a:rPr lang="en-US" sz="1400" dirty="0"/>
-              <a:t> Use of the </a:t>
-            </a:r>
-            <a:r>
-              <a:rPr lang="mr-IN" sz="1400" dirty="0"/>
-              <a:t>–</a:t>
-            </a:r>
+              <a:t>Column 1: ‘@’ to show directory in which files are deleted, or &lt;N&gt; to show the error code from trying to remove the file</a:t>
+            </a:r>
+          </a:p>
+          <a:p>
+            <a:pPr lvl="1">
+              <a:spcBef>
+                <a:spcPts val="0"/>
+              </a:spcBef>
+              <a:buClr>
+                <a:srgbClr val="000000"/>
+              </a:buClr>
+            </a:pPr>
             <a:r>
               <a:rPr lang="en-US" sz="1400" dirty="0"/>
-              <a:t>output=&lt;directory&gt; option is highly-recommended with </a:t>
-            </a:r>
-            <a:r>
-              <a:rPr lang="mr-IN" sz="1400" dirty="0"/>
-              <a:t>–</a:t>
-            </a:r>
+              <a:t>Column 2: ‘cd’ for directories, or ‘rm’ for files selected to be removed</a:t>
+            </a:r>
+          </a:p>
+          <a:p>
+            <a:pPr lvl="1">
+              <a:spcBef>
+                <a:spcPts val="0"/>
+              </a:spcBef>
+              <a:buClr>
+                <a:srgbClr val="000000"/>
+              </a:buClr>
+            </a:pPr>
             <a:r>
               <a:rPr lang="en-US" sz="1400" dirty="0"/>
-              <a:t>rm!</a:t>
-            </a:r>
-            <a:endParaRPr lang="en-US" sz="1400" dirty="0">
-              <a:latin typeface="+mn-lt"/>
-            </a:endParaRPr>
+              <a:t>Column 3: filename, enclosed in double-quotes</a:t>
+            </a:r>
+          </a:p>
+          <a:p>
+            <a:pPr lvl="1">
+              <a:spcBef>
+                <a:spcPts val="0"/>
+              </a:spcBef>
+              <a:buClr>
+                <a:srgbClr val="000000"/>
+              </a:buClr>
+            </a:pPr>
+            <a:r>
+              <a:rPr lang="en-US" sz="1400" b="1" dirty="0"/>
+              <a:t>NOTE</a:t>
+            </a:r>
+            <a:r>
+              <a:rPr lang="en-US" sz="1400" dirty="0"/>
+              <a:t>: These .</a:t>
+            </a:r>
+            <a:r>
+              <a:rPr lang="en-US" sz="1400" dirty="0" err="1"/>
+              <a:t>sh</a:t>
+            </a:r>
+            <a:r>
+              <a:rPr lang="en-US" sz="1400" dirty="0"/>
+              <a:t> outputs are just a record of what </a:t>
+            </a:r>
+            <a:r>
+              <a:rPr lang="en-US" sz="1400" dirty="0" err="1"/>
+              <a:t>pwalk</a:t>
+            </a:r>
+            <a:r>
+              <a:rPr lang="en-US" sz="1400" dirty="0"/>
+              <a:t> </a:t>
+            </a:r>
+            <a:r>
+              <a:rPr lang="en-US" sz="1400" u="sng" dirty="0"/>
+              <a:t>did</a:t>
+            </a:r>
+            <a:r>
+              <a:rPr lang="en-US" sz="1400" dirty="0"/>
+              <a:t>; they are </a:t>
+            </a:r>
+            <a:r>
+              <a:rPr lang="en-US" sz="1400" u="sng" dirty="0"/>
+              <a:t>not</a:t>
+            </a:r>
+            <a:r>
+              <a:rPr lang="en-US" sz="1400" dirty="0"/>
+              <a:t> directly executable!</a:t>
+            </a:r>
           </a:p>
           <a:p>
             <a:pPr>
@@ -22438,32 +22505,24 @@
               </a:buClr>
             </a:pPr>
             <a:r>
+              <a:rPr lang="en-US" sz="1800" b="1" dirty="0">
+                <a:solidFill>
+                  <a:srgbClr val="FF0000"/>
+                </a:solidFill>
+              </a:rPr>
+              <a:t>WARNING</a:t>
+            </a:r>
+            <a:r>
               <a:rPr lang="en-US" sz="1800" dirty="0"/>
-              <a:t>OUTPUTS: worker&lt;</a:t>
+              <a:t>: Make sure that </a:t>
             </a:r>
             <a:r>
               <a:rPr lang="en-US" sz="1800" dirty="0" err="1"/>
-              <a:t>nnn</a:t>
+              <a:t>pwalk’s</a:t>
             </a:r>
             <a:r>
               <a:rPr lang="en-US" sz="1800" dirty="0"/>
-              <a:t>&gt;.</a:t>
-            </a:r>
-            <a:r>
-              <a:rPr lang="en-US" sz="1800" b="1" dirty="0" err="1"/>
-              <a:t>sh</a:t>
-            </a:r>
-            <a:r>
-              <a:rPr lang="en-US" sz="1800" dirty="0"/>
-              <a:t>[.</a:t>
-            </a:r>
-            <a:r>
-              <a:rPr lang="en-US" sz="1800" dirty="0" err="1"/>
-              <a:t>gz</a:t>
-            </a:r>
-            <a:r>
-              <a:rPr lang="en-US" sz="1800" dirty="0"/>
-              <a:t>] files, which have three columns;</a:t>
+              <a:t> output files do not get deleted!</a:t>
             </a:r>
           </a:p>
           <a:p>
@@ -22477,7 +22536,23 @@
             </a:pPr>
             <a:r>
               <a:rPr lang="en-US" sz="1400" dirty="0"/>
-              <a:t>Column 1: ‘@’ to show directory in which files are deleted, or &lt;N&gt; to show the error code from trying to remove the file</a:t>
+              <a:t> Use of the </a:t>
+            </a:r>
+            <a:r>
+              <a:rPr lang="mr-IN" sz="1400" dirty="0"/>
+              <a:t>–</a:t>
+            </a:r>
+            <a:r>
+              <a:rPr lang="en-US" sz="1400" dirty="0"/>
+              <a:t>output=&lt;directory&gt; option is highly-recommended with </a:t>
+            </a:r>
+            <a:r>
+              <a:rPr lang="mr-IN" sz="1400" dirty="0"/>
+              <a:t>–</a:t>
+            </a:r>
+            <a:r>
+              <a:rPr lang="en-US" sz="1400" dirty="0"/>
+              <a:t>rm to place the outputs out of harm’s way!</a:t>
             </a:r>
           </a:p>
           <a:p>
@@ -22489,66 +22564,7 @@
                 <a:srgbClr val="000000"/>
               </a:buClr>
             </a:pPr>
-            <a:r>
-              <a:rPr lang="en-US" sz="1400" dirty="0"/>
-              <a:t>Column 2: ‘cd’ for directories, or ‘rm’ for files selected to be removed</a:t>
-            </a:r>
-          </a:p>
-          <a:p>
-            <a:pPr lvl="1">
-              <a:spcBef>
-                <a:spcPts val="0"/>
-              </a:spcBef>
-              <a:buClr>
-                <a:srgbClr val="000000"/>
-              </a:buClr>
-            </a:pPr>
-            <a:r>
-              <a:rPr lang="en-US" sz="1400" dirty="0"/>
-              <a:t>Column 3: filename, enclosed in double-quotes</a:t>
-            </a:r>
-          </a:p>
-          <a:p>
-            <a:pPr lvl="1">
-              <a:spcBef>
-                <a:spcPts val="0"/>
-              </a:spcBef>
-              <a:buClr>
-                <a:srgbClr val="000000"/>
-              </a:buClr>
-            </a:pPr>
-            <a:r>
-              <a:rPr lang="en-US" sz="1400" b="1" dirty="0"/>
-              <a:t>WARNING</a:t>
-            </a:r>
-            <a:r>
-              <a:rPr lang="en-US" sz="1400" dirty="0"/>
-              <a:t>: These .</a:t>
-            </a:r>
-            <a:r>
-              <a:rPr lang="en-US" sz="1400" dirty="0" err="1"/>
-              <a:t>sh</a:t>
-            </a:r>
-            <a:r>
-              <a:rPr lang="en-US" sz="1400" dirty="0"/>
-              <a:t> scripts are merely a record of what </a:t>
-            </a:r>
-            <a:r>
-              <a:rPr lang="en-US" sz="1400" dirty="0" err="1"/>
-              <a:t>pwalk</a:t>
-            </a:r>
-            <a:r>
-              <a:rPr lang="en-US" sz="1400" dirty="0"/>
-              <a:t> did; they are </a:t>
-            </a:r>
-            <a:r>
-              <a:rPr lang="en-US" sz="1400" u="sng" dirty="0"/>
-              <a:t>not</a:t>
-            </a:r>
-            <a:r>
-              <a:rPr lang="en-US" sz="1400" dirty="0"/>
-              <a:t> directly executable!  Additional logic would be required to assure that the directories still exist before trying to remove the named files!</a:t>
-            </a:r>
+            <a:endParaRPr lang="en-US" sz="1400" dirty="0"/>
           </a:p>
           <a:p>
             <a:pPr lvl="1">
@@ -23070,7 +23086,7 @@
           <a:graphicData uri="http://schemas.openxmlformats.org/presentationml/2006/ole">
             <mc:AlternateContent xmlns:mc="http://schemas.openxmlformats.org/markup-compatibility/2006">
               <mc:Choice xmlns:v="urn:schemas-microsoft-com:vml" Requires="v">
-                <p:oleObj spid="_x0000_s2224" name="Worksheet" r:id="rId5" imgW="11417300" imgH="5791200" progId="Excel.Sheet.12">
+                <p:oleObj spid="_x0000_s2225" name="Worksheet" r:id="rId5" imgW="11417300" imgH="5791200" progId="Excel.Sheet.12">
                   <p:embed/>
                 </p:oleObj>
               </mc:Choice>
@@ -42583,6 +42599,12 @@
 </file>
 
 <file path=customXml/item1.xml><?xml version="1.0" encoding="utf-8"?>
+<p:properties xmlns:p="http://schemas.microsoft.com/office/2006/metadata/properties" xmlns:xsi="http://www.w3.org/2001/XMLSchema-instance">
+  <documentManagement/>
+</p:properties>
+</file>
+
+<file path=customXml/item2.xml><?xml version="1.0" encoding="utf-8"?>
 <?mso-contentType ?>
 <FormTemplates xmlns="http://schemas.microsoft.com/sharepoint/v3/contenttype/forms">
   <Display>DocumentLibraryForm</Display>
@@ -42591,7 +42613,7 @@
 </FormTemplates>
 </file>
 
-<file path=customXml/item2.xml><?xml version="1.0" encoding="utf-8"?>
+<file path=customXml/item3.xml><?xml version="1.0" encoding="utf-8"?>
 <ct:contentTypeSchema xmlns:ct="http://schemas.microsoft.com/office/2006/metadata/contentType" xmlns:ma="http://schemas.microsoft.com/office/2006/metadata/properties/metaAttributes" ct:_="" ma:_="" ma:contentTypeName="Document" ma:contentTypeID="0x010100EAEEBEE83C66E54EA9BED83B0A9A60DB" ma:contentTypeVersion="1" ma:contentTypeDescription="Create a new document." ma:contentTypeScope="" ma:versionID="51a43b2161297f783d65b37e357c79e9">
   <xsd:schema xmlns:xsd="http://www.w3.org/2001/XMLSchema" xmlns:p="http://schemas.microsoft.com/office/2006/metadata/properties" targetNamespace="http://schemas.microsoft.com/office/2006/metadata/properties" ma:root="true" ma:fieldsID="b9cfef283e0bc2d986a66f9ec0cdc424">
     <xsd:element name="properties">
@@ -42640,13 +42662,21 @@
 </ct:contentTypeSchema>
 </file>
 
-<file path=customXml/item3.xml><?xml version="1.0" encoding="utf-8"?>
-<p:properties xmlns:p="http://schemas.microsoft.com/office/2006/metadata/properties" xmlns:xsi="http://www.w3.org/2001/XMLSchema-instance">
-  <documentManagement/>
-</p:properties>
+<file path=customXml/itemProps1.xml><?xml version="1.0" encoding="utf-8"?>
+<ds:datastoreItem xmlns:ds="http://schemas.openxmlformats.org/officeDocument/2006/customXml" ds:itemID="{0873BDD3-AA35-4F19-A12A-C6462BECFBD1}">
+  <ds:schemaRefs>
+    <ds:schemaRef ds:uri="http://purl.org/dc/terms/"/>
+    <ds:schemaRef ds:uri="http://purl.org/dc/elements/1.1/"/>
+    <ds:schemaRef ds:uri="http://schemas.openxmlformats.org/package/2006/metadata/core-properties"/>
+    <ds:schemaRef ds:uri="http://schemas.microsoft.com/office/2006/metadata/properties"/>
+    <ds:schemaRef ds:uri="http://www.w3.org/XML/1998/namespace"/>
+    <ds:schemaRef ds:uri="http://schemas.microsoft.com/office/2006/documentManagement/types"/>
+    <ds:schemaRef ds:uri="http://purl.org/dc/dcmitype/"/>
+  </ds:schemaRefs>
+</ds:datastoreItem>
 </file>
 
-<file path=customXml/itemProps1.xml><?xml version="1.0" encoding="utf-8"?>
+<file path=customXml/itemProps2.xml><?xml version="1.0" encoding="utf-8"?>
 <ds:datastoreItem xmlns:ds="http://schemas.openxmlformats.org/officeDocument/2006/customXml" ds:itemID="{86FC490B-1F77-48C5-AC70-1DD939DBDF04}">
   <ds:schemaRefs>
     <ds:schemaRef ds:uri="http://schemas.microsoft.com/sharepoint/v3/contenttype/forms"/>
@@ -42654,7 +42684,7 @@
 </ds:datastoreItem>
 </file>
 
-<file path=customXml/itemProps2.xml><?xml version="1.0" encoding="utf-8"?>
+<file path=customXml/itemProps3.xml><?xml version="1.0" encoding="utf-8"?>
 <ds:datastoreItem xmlns:ds="http://schemas.openxmlformats.org/officeDocument/2006/customXml" ds:itemID="{A3332CB6-AB82-4DD3-8C89-C660A1C3944B}">
   <ds:schemaRefs>
     <ds:schemaRef ds:uri="http://schemas.microsoft.com/office/2006/metadata/contentType"/>
@@ -42667,18 +42697,4 @@
     <ds:schemaRef ds:uri="http://schemas.microsoft.com/office/internal/2005/internalDocumentation"/>
   </ds:schemaRefs>
 </ds:datastoreItem>
-</file>
-
-<file path=customXml/itemProps3.xml><?xml version="1.0" encoding="utf-8"?>
-<ds:datastoreItem xmlns:ds="http://schemas.openxmlformats.org/officeDocument/2006/customXml" ds:itemID="{0873BDD3-AA35-4F19-A12A-C6462BECFBD1}">
-  <ds:schemaRefs>
-    <ds:schemaRef ds:uri="http://purl.org/dc/terms/"/>
-    <ds:schemaRef ds:uri="http://purl.org/dc/elements/1.1/"/>
-    <ds:schemaRef ds:uri="http://schemas.openxmlformats.org/package/2006/metadata/core-properties"/>
-    <ds:schemaRef ds:uri="http://schemas.microsoft.com/office/2006/metadata/properties"/>
-    <ds:schemaRef ds:uri="http://www.w3.org/XML/1998/namespace"/>
-    <ds:schemaRef ds:uri="http://schemas.microsoft.com/office/2006/documentManagement/types"/>
-    <ds:schemaRef ds:uri="http://purl.org/dc/dcmitype/"/>
-  </ds:schemaRefs>
-</ds:datastoreItem>
 </file>
--- a/doc/pwalk_slides.pptx
+++ b/doc/pwalk_slides.pptx
@@ -5,10 +5,10 @@
     <p:sldMasterId id="2147484241" r:id="rId4"/>
   </p:sldMasterIdLst>
   <p:notesMasterIdLst>
-    <p:notesMasterId r:id="rId68"/>
+    <p:notesMasterId r:id="rId69"/>
   </p:notesMasterIdLst>
   <p:handoutMasterIdLst>
-    <p:handoutMasterId r:id="rId69"/>
+    <p:handoutMasterId r:id="rId70"/>
   </p:handoutMasterIdLst>
   <p:sldIdLst>
     <p:sldId id="306" r:id="rId5"/>
@@ -26,59 +26,60 @@
     <p:sldId id="315" r:id="rId17"/>
     <p:sldId id="367" r:id="rId18"/>
     <p:sldId id="362" r:id="rId19"/>
-    <p:sldId id="322" r:id="rId20"/>
-    <p:sldId id="370" r:id="rId21"/>
-    <p:sldId id="369" r:id="rId22"/>
-    <p:sldId id="354" r:id="rId23"/>
-    <p:sldId id="356" r:id="rId24"/>
-    <p:sldId id="373" r:id="rId25"/>
-    <p:sldId id="324" r:id="rId26"/>
-    <p:sldId id="368" r:id="rId27"/>
-    <p:sldId id="359" r:id="rId28"/>
-    <p:sldId id="360" r:id="rId29"/>
-    <p:sldId id="366" r:id="rId30"/>
-    <p:sldId id="378" r:id="rId31"/>
-    <p:sldId id="349" r:id="rId32"/>
-    <p:sldId id="375" r:id="rId33"/>
-    <p:sldId id="372" r:id="rId34"/>
-    <p:sldId id="318" r:id="rId35"/>
-    <p:sldId id="317" r:id="rId36"/>
-    <p:sldId id="355" r:id="rId37"/>
-    <p:sldId id="319" r:id="rId38"/>
-    <p:sldId id="374" r:id="rId39"/>
-    <p:sldId id="365" r:id="rId40"/>
-    <p:sldId id="376" r:id="rId41"/>
-    <p:sldId id="347" r:id="rId42"/>
-    <p:sldId id="327" r:id="rId43"/>
-    <p:sldId id="328" r:id="rId44"/>
-    <p:sldId id="329" r:id="rId45"/>
-    <p:sldId id="330" r:id="rId46"/>
-    <p:sldId id="331" r:id="rId47"/>
-    <p:sldId id="363" r:id="rId48"/>
-    <p:sldId id="371" r:id="rId49"/>
-    <p:sldId id="332" r:id="rId50"/>
-    <p:sldId id="346" r:id="rId51"/>
-    <p:sldId id="333" r:id="rId52"/>
-    <p:sldId id="321" r:id="rId53"/>
-    <p:sldId id="377" r:id="rId54"/>
-    <p:sldId id="323" r:id="rId55"/>
-    <p:sldId id="334" r:id="rId56"/>
-    <p:sldId id="335" r:id="rId57"/>
-    <p:sldId id="336" r:id="rId58"/>
-    <p:sldId id="337" r:id="rId59"/>
-    <p:sldId id="338" r:id="rId60"/>
-    <p:sldId id="339" r:id="rId61"/>
-    <p:sldId id="340" r:id="rId62"/>
-    <p:sldId id="353" r:id="rId63"/>
-    <p:sldId id="352" r:id="rId64"/>
-    <p:sldId id="342" r:id="rId65"/>
-    <p:sldId id="344" r:id="rId66"/>
-    <p:sldId id="345" r:id="rId67"/>
+    <p:sldId id="381" r:id="rId20"/>
+    <p:sldId id="322" r:id="rId21"/>
+    <p:sldId id="370" r:id="rId22"/>
+    <p:sldId id="369" r:id="rId23"/>
+    <p:sldId id="354" r:id="rId24"/>
+    <p:sldId id="356" r:id="rId25"/>
+    <p:sldId id="373" r:id="rId26"/>
+    <p:sldId id="324" r:id="rId27"/>
+    <p:sldId id="368" r:id="rId28"/>
+    <p:sldId id="359" r:id="rId29"/>
+    <p:sldId id="360" r:id="rId30"/>
+    <p:sldId id="366" r:id="rId31"/>
+    <p:sldId id="378" r:id="rId32"/>
+    <p:sldId id="349" r:id="rId33"/>
+    <p:sldId id="375" r:id="rId34"/>
+    <p:sldId id="372" r:id="rId35"/>
+    <p:sldId id="318" r:id="rId36"/>
+    <p:sldId id="317" r:id="rId37"/>
+    <p:sldId id="355" r:id="rId38"/>
+    <p:sldId id="319" r:id="rId39"/>
+    <p:sldId id="374" r:id="rId40"/>
+    <p:sldId id="365" r:id="rId41"/>
+    <p:sldId id="376" r:id="rId42"/>
+    <p:sldId id="347" r:id="rId43"/>
+    <p:sldId id="327" r:id="rId44"/>
+    <p:sldId id="328" r:id="rId45"/>
+    <p:sldId id="329" r:id="rId46"/>
+    <p:sldId id="330" r:id="rId47"/>
+    <p:sldId id="331" r:id="rId48"/>
+    <p:sldId id="363" r:id="rId49"/>
+    <p:sldId id="371" r:id="rId50"/>
+    <p:sldId id="332" r:id="rId51"/>
+    <p:sldId id="346" r:id="rId52"/>
+    <p:sldId id="333" r:id="rId53"/>
+    <p:sldId id="321" r:id="rId54"/>
+    <p:sldId id="377" r:id="rId55"/>
+    <p:sldId id="323" r:id="rId56"/>
+    <p:sldId id="334" r:id="rId57"/>
+    <p:sldId id="335" r:id="rId58"/>
+    <p:sldId id="336" r:id="rId59"/>
+    <p:sldId id="337" r:id="rId60"/>
+    <p:sldId id="338" r:id="rId61"/>
+    <p:sldId id="339" r:id="rId62"/>
+    <p:sldId id="340" r:id="rId63"/>
+    <p:sldId id="353" r:id="rId64"/>
+    <p:sldId id="352" r:id="rId65"/>
+    <p:sldId id="342" r:id="rId66"/>
+    <p:sldId id="344" r:id="rId67"/>
+    <p:sldId id="345" r:id="rId68"/>
   </p:sldIdLst>
   <p:sldSz cx="9144000" cy="5143500" type="screen16x9"/>
   <p:notesSz cx="7010400" cy="9296400"/>
   <p:custDataLst>
-    <p:tags r:id="rId70"/>
+    <p:tags r:id="rId71"/>
   </p:custDataLst>
   <p:defaultTextStyle>
     <a:defPPr>
@@ -229,6 +230,7 @@
             <p14:sldId id="315"/>
             <p14:sldId id="367"/>
             <p14:sldId id="362"/>
+            <p14:sldId id="381"/>
             <p14:sldId id="322"/>
             <p14:sldId id="370"/>
             <p14:sldId id="369"/>
@@ -1830,112 +1832,14 @@
           <a:lstStyle/>
           <a:p>
             <a:r>
-              <a:rPr lang="en-US" dirty="0" err="1"/>
-              <a:t>pwalk</a:t>
-            </a:r>
-            <a:r>
               <a:rPr lang="en-US" dirty="0"/>
-              <a:t> multi-pathing allows </a:t>
-            </a:r>
-            <a:r>
-              <a:rPr lang="en-US" dirty="0" err="1"/>
-              <a:t>pwalk</a:t>
-            </a:r>
-            <a:r>
-              <a:rPr lang="en-US" dirty="0"/>
-              <a:t> to ‘load balance’ across multiple target filesystem access paths for improved scaling.</a:t>
-            </a:r>
-          </a:p>
-          <a:p>
-            <a:r>
-              <a:rPr lang="en-US" dirty="0"/>
-              <a:t>In this diagram, the server is an abstracted Isilon cluster with 3 nodes and 6 possible network paths to the export or share. </a:t>
-            </a:r>
-          </a:p>
-          <a:p>
+              <a:t>This</a:t>
+            </a:r>
             <a:r>
               <a:rPr lang="en-US" baseline="0" dirty="0"/>
-              <a:t>Normally, the </a:t>
-            </a:r>
-            <a:r>
-              <a:rPr lang="en-US" baseline="0" dirty="0" err="1"/>
-              <a:t>pwalk</a:t>
-            </a:r>
-            <a:r>
-              <a:rPr lang="en-US" baseline="0" dirty="0"/>
-              <a:t> client will be a </a:t>
-            </a:r>
-            <a:r>
-              <a:rPr lang="en-US" u="sng" baseline="0" dirty="0"/>
-              <a:t>root-enabled</a:t>
-            </a:r>
-            <a:r>
-              <a:rPr lang="en-US" baseline="0" dirty="0"/>
-              <a:t> client.</a:t>
-            </a:r>
-          </a:p>
-          <a:p>
-            <a:r>
-              <a:rPr lang="en-US" baseline="0" dirty="0"/>
-              <a:t>For safety sake, use </a:t>
-            </a:r>
-            <a:r>
-              <a:rPr lang="en-US" u="sng" baseline="0" dirty="0" err="1"/>
-              <a:t>readonly</a:t>
-            </a:r>
-            <a:r>
-              <a:rPr lang="en-US" baseline="0" dirty="0"/>
-              <a:t> mounts when intending to do </a:t>
-            </a:r>
-            <a:r>
-              <a:rPr lang="en-US" u="sng" baseline="0" dirty="0"/>
-              <a:t>only</a:t>
-            </a:r>
-            <a:r>
-              <a:rPr lang="en-US" baseline="0" dirty="0"/>
-              <a:t> </a:t>
-            </a:r>
-            <a:r>
-              <a:rPr lang="en-US" baseline="0" dirty="0" err="1"/>
-              <a:t>readonly</a:t>
-            </a:r>
-            <a:r>
-              <a:rPr lang="en-US" baseline="0" dirty="0"/>
-              <a:t> operations (</a:t>
-            </a:r>
-            <a:r>
-              <a:rPr lang="en-US" baseline="0" dirty="0" err="1"/>
-              <a:t>ie</a:t>
-            </a:r>
-            <a:r>
-              <a:rPr lang="en-US" baseline="0" dirty="0"/>
-              <a:t>: no –</a:t>
-            </a:r>
-            <a:r>
-              <a:rPr lang="en-US" baseline="0" dirty="0" err="1"/>
-              <a:t>rm</a:t>
-            </a:r>
-            <a:r>
-              <a:rPr lang="en-US" baseline="0" dirty="0"/>
-              <a:t> file write operations) from </a:t>
-            </a:r>
-            <a:r>
-              <a:rPr lang="en-US" baseline="0" dirty="0" err="1"/>
-              <a:t>pwalk</a:t>
-            </a:r>
-            <a:r>
-              <a:rPr lang="en-US" baseline="0" dirty="0"/>
-              <a:t>.</a:t>
-            </a:r>
-          </a:p>
-          <a:p>
-            <a:endParaRPr lang="en-US" baseline="0" dirty="0"/>
-          </a:p>
-          <a:p>
-            <a:r>
-              <a:rPr lang="en-US" baseline="0" dirty="0"/>
-              <a:t>[1] ‘Same’ results except in rare cases where SMB provides different different timestamp precision or semantics.</a:t>
-            </a:r>
+              <a:t> pseudo-code shows the key functions</a:t>
+            </a:r>
+            <a:endParaRPr lang="en-US" dirty="0"/>
           </a:p>
         </p:txBody>
       </p:sp>
@@ -2013,7 +1917,7 @@
     </p:spTree>
     <p:extLst>
       <p:ext uri="{BB962C8B-B14F-4D97-AF65-F5344CB8AC3E}">
-        <p14:creationId xmlns:p14="http://schemas.microsoft.com/office/powerpoint/2010/main" val="2703140797"/>
+        <p14:creationId xmlns:p14="http://schemas.microsoft.com/office/powerpoint/2010/main" val="426092422"/>
       </p:ext>
     </p:extLst>
   </p:cSld>
@@ -2073,12 +1977,32 @@
           <a:lstStyle/>
           <a:p>
             <a:r>
+              <a:rPr lang="en-US" dirty="0" err="1"/>
+              <a:t>pwalk</a:t>
+            </a:r>
+            <a:r>
               <a:rPr lang="en-US" dirty="0"/>
-              <a:t>Multipathing </a:t>
-            </a:r>
+              <a:t> multi-pathing allows </a:t>
+            </a:r>
+            <a:r>
+              <a:rPr lang="en-US" dirty="0" err="1"/>
+              <a:t>pwalk</a:t>
+            </a:r>
+            <a:r>
+              <a:rPr lang="en-US" dirty="0"/>
+              <a:t> to ‘load balance’ across multiple target filesystem access paths for improved scaling.</a:t>
+            </a:r>
+          </a:p>
+          <a:p>
+            <a:r>
+              <a:rPr lang="en-US" dirty="0"/>
+              <a:t>In this diagram, the server is an abstracted Isilon cluster with 3 nodes and 6 possible network paths to the export or share. </a:t>
+            </a:r>
+          </a:p>
+          <a:p>
             <a:r>
               <a:rPr lang="en-US" baseline="0" dirty="0"/>
-              <a:t>logic was rewritten in </a:t>
+              <a:t>Normally, the </a:t>
             </a:r>
             <a:r>
               <a:rPr lang="en-US" baseline="0" dirty="0" err="1"/>
@@ -2086,16 +2010,61 @@
             </a:r>
             <a:r>
               <a:rPr lang="en-US" baseline="0" dirty="0"/>
-              <a:t> 2.04 to allow both source and target multi-pathing.  (See next slide.)</a:t>
-            </a:r>
-          </a:p>
-          <a:p>
-            <a:endParaRPr lang="en-US" baseline="0" dirty="0"/>
-          </a:p>
-          <a:p>
+              <a:t> client will be a </a:t>
+            </a:r>
+            <a:r>
+              <a:rPr lang="en-US" u="sng" baseline="0" dirty="0"/>
+              <a:t>root-enabled</a:t>
+            </a:r>
             <a:r>
               <a:rPr lang="en-US" baseline="0" dirty="0"/>
-              <a:t>Equivalent source paths are best thought of as ‘equivalent relative root paths’, which is the point relative to which </a:t>
+              <a:t> client.</a:t>
+            </a:r>
+          </a:p>
+          <a:p>
+            <a:r>
+              <a:rPr lang="en-US" baseline="0" dirty="0"/>
+              <a:t>For safety sake, use </a:t>
+            </a:r>
+            <a:r>
+              <a:rPr lang="en-US" u="sng" baseline="0" dirty="0" err="1"/>
+              <a:t>readonly</a:t>
+            </a:r>
+            <a:r>
+              <a:rPr lang="en-US" baseline="0" dirty="0"/>
+              <a:t> mounts when intending to do </a:t>
+            </a:r>
+            <a:r>
+              <a:rPr lang="en-US" u="sng" baseline="0" dirty="0"/>
+              <a:t>only</a:t>
+            </a:r>
+            <a:r>
+              <a:rPr lang="en-US" baseline="0" dirty="0"/>
+              <a:t> </a:t>
+            </a:r>
+            <a:r>
+              <a:rPr lang="en-US" baseline="0" dirty="0" err="1"/>
+              <a:t>readonly</a:t>
+            </a:r>
+            <a:r>
+              <a:rPr lang="en-US" baseline="0" dirty="0"/>
+              <a:t> operations (</a:t>
+            </a:r>
+            <a:r>
+              <a:rPr lang="en-US" baseline="0" dirty="0" err="1"/>
+              <a:t>ie</a:t>
+            </a:r>
+            <a:r>
+              <a:rPr lang="en-US" baseline="0" dirty="0"/>
+              <a:t>: no –</a:t>
+            </a:r>
+            <a:r>
+              <a:rPr lang="en-US" baseline="0" dirty="0" err="1"/>
+              <a:t>rm</a:t>
+            </a:r>
+            <a:r>
+              <a:rPr lang="en-US" baseline="0" dirty="0"/>
+              <a:t> file write operations) from </a:t>
             </a:r>
             <a:r>
               <a:rPr lang="en-US" baseline="0" dirty="0" err="1"/>
@@ -2103,286 +2072,17 @@
             </a:r>
             <a:r>
               <a:rPr lang="en-US" baseline="0" dirty="0"/>
-              <a:t> directory arguments are evaluated.</a:t>
-            </a:r>
+              <a:t>.</a:t>
+            </a:r>
+          </a:p>
+          <a:p>
+            <a:endParaRPr lang="en-US" baseline="0" dirty="0"/>
           </a:p>
           <a:p>
             <a:r>
               <a:rPr lang="en-US" baseline="0" dirty="0"/>
-              <a:t>Expanding on that, keep these three perspectives in mind;</a:t>
-            </a:r>
-          </a:p>
-          <a:p>
-            <a:pPr marL="628650" lvl="1" indent="-171450">
-              <a:buFont typeface="Arial" panose="020B0604020202020204" pitchFamily="34" charset="0"/>
-              <a:buChar char="•"/>
-            </a:pPr>
-            <a:r>
-              <a:rPr lang="en-US" baseline="0" dirty="0"/>
-              <a:t>With multipathing, </a:t>
-            </a:r>
-            <a:r>
-              <a:rPr lang="en-US" baseline="0" dirty="0" err="1"/>
-              <a:t>pwalk</a:t>
-            </a:r>
-            <a:r>
-              <a:rPr lang="en-US" baseline="0" dirty="0"/>
-              <a:t> &lt;directory&gt; arguments must be </a:t>
-            </a:r>
-            <a:r>
-              <a:rPr lang="en-US" u="sng" baseline="0" dirty="0"/>
-              <a:t>relative</a:t>
-            </a:r>
-            <a:r>
-              <a:rPr lang="en-US" baseline="0" dirty="0"/>
-              <a:t>, as represented here by &lt;</a:t>
-            </a:r>
-            <a:r>
-              <a:rPr lang="en-US" baseline="0" dirty="0" err="1"/>
-              <a:t>relative_directory_path</a:t>
-            </a:r>
-            <a:r>
-              <a:rPr lang="en-US" baseline="0" dirty="0"/>
-              <a:t>&gt;.</a:t>
-            </a:r>
-          </a:p>
-          <a:p>
-            <a:pPr marL="628650" lvl="1" indent="-171450">
-              <a:buFont typeface="Arial" panose="020B0604020202020204" pitchFamily="34" charset="0"/>
-              <a:buChar char="•"/>
-            </a:pPr>
-            <a:r>
-              <a:rPr lang="en-US" baseline="0" dirty="0"/>
-              <a:t>With multipathing, these equivalent ’relative root source paths’ are where ‘.’ is considered to be.</a:t>
-            </a:r>
-          </a:p>
-          <a:p>
-            <a:pPr marL="628650" lvl="1" indent="-171450">
-              <a:buFont typeface="Arial" panose="020B0604020202020204" pitchFamily="34" charset="0"/>
-              <a:buChar char="•"/>
-            </a:pPr>
-            <a:r>
-              <a:rPr lang="en-US" baseline="0" dirty="0"/>
-              <a:t>With multipathing, &lt;directory&gt; command-line arguments cannot be </a:t>
-            </a:r>
-            <a:r>
-              <a:rPr lang="en-US" u="sng" baseline="0" dirty="0"/>
-              <a:t>absolute</a:t>
-            </a:r>
-            <a:r>
-              <a:rPr lang="en-US" baseline="0" dirty="0"/>
-              <a:t> – i.e. cannot begin with a ‘/’.</a:t>
-            </a:r>
-          </a:p>
-          <a:p>
-            <a:pPr marL="628650" lvl="1" indent="-171450">
-              <a:buFont typeface="Arial" panose="020B0604020202020204" pitchFamily="34" charset="0"/>
-              <a:buChar char="•"/>
-            </a:pPr>
-            <a:r>
-              <a:rPr lang="en-US" baseline="0" dirty="0"/>
-              <a:t>With multipathing, -source= cannot be used because it would be contradictory.</a:t>
-            </a:r>
-          </a:p>
-          <a:p>
-            <a:endParaRPr lang="en-US" dirty="0"/>
-          </a:p>
-          <a:p>
-            <a:r>
-              <a:rPr lang="en-US" dirty="0"/>
-              <a:t>Step-by-step, using this feature looks something like;</a:t>
-            </a:r>
-          </a:p>
-          <a:p>
-            <a:pPr marL="628650" lvl="1" indent="-171450">
-              <a:buFont typeface="Arial" panose="020B0604020202020204" pitchFamily="34" charset="0"/>
-              <a:buChar char="•"/>
-            </a:pPr>
-            <a:r>
-              <a:rPr lang="en-US" dirty="0"/>
-              <a:t>Create the /</a:t>
-            </a:r>
-            <a:r>
-              <a:rPr lang="en-US" dirty="0" err="1"/>
-              <a:t>mnt</a:t>
-            </a:r>
-            <a:r>
-              <a:rPr lang="en-US" dirty="0"/>
-              <a:t>/[123...] directories local to the </a:t>
-            </a:r>
-            <a:r>
-              <a:rPr lang="en-US" dirty="0" err="1"/>
-              <a:t>pwalk</a:t>
-            </a:r>
-            <a:r>
-              <a:rPr lang="en-US" dirty="0"/>
-              <a:t> client</a:t>
-            </a:r>
-          </a:p>
-          <a:p>
-            <a:pPr marL="628650" lvl="1" indent="-171450">
-              <a:buFont typeface="Arial" panose="020B0604020202020204" pitchFamily="34" charset="0"/>
-              <a:buChar char="•"/>
-            </a:pPr>
-            <a:r>
-              <a:rPr lang="en-US" dirty="0"/>
-              <a:t>Mount the same export/share to each of /</a:t>
-            </a:r>
-            <a:r>
-              <a:rPr lang="en-US" dirty="0" err="1"/>
-              <a:t>mnt</a:t>
-            </a:r>
-            <a:r>
-              <a:rPr lang="en-US" dirty="0"/>
-              <a:t>/[123...] – manually managing the IPs from which the export/share is accessed.</a:t>
-            </a:r>
-          </a:p>
-          <a:p>
-            <a:pPr marL="1085850" lvl="2" indent="-171450">
-              <a:buFont typeface="Arial" panose="020B0604020202020204" pitchFamily="34" charset="0"/>
-              <a:buChar char="•"/>
-            </a:pPr>
-            <a:r>
-              <a:rPr lang="en-US" dirty="0"/>
-              <a:t>One will </a:t>
-            </a:r>
-            <a:r>
-              <a:rPr lang="en-US" u="sng" dirty="0"/>
-              <a:t>usually</a:t>
-            </a:r>
-            <a:r>
-              <a:rPr lang="en-US" dirty="0"/>
-              <a:t> wish to make the </a:t>
-            </a:r>
-            <a:r>
-              <a:rPr lang="en-US" dirty="0" err="1"/>
-              <a:t>pwalk</a:t>
-            </a:r>
-            <a:r>
-              <a:rPr lang="en-US" dirty="0"/>
-              <a:t> client a root client of the source directory hierarchy!</a:t>
-            </a:r>
-          </a:p>
-          <a:p>
-            <a:pPr marL="1085850" lvl="2" indent="-171450">
-              <a:buFont typeface="Arial" panose="020B0604020202020204" pitchFamily="34" charset="0"/>
-              <a:buChar char="•"/>
-            </a:pPr>
-            <a:r>
-              <a:rPr lang="en-US" dirty="0"/>
-              <a:t>One might usually prefer to make these mounts READONLY (-o </a:t>
-            </a:r>
-            <a:r>
-              <a:rPr lang="en-US" dirty="0" err="1"/>
-              <a:t>ro</a:t>
-            </a:r>
-            <a:r>
-              <a:rPr lang="en-US" dirty="0"/>
-              <a:t>).</a:t>
-            </a:r>
-          </a:p>
-          <a:p>
-            <a:pPr marL="1085850" lvl="2" indent="-171450">
-              <a:buFont typeface="Arial" panose="020B0604020202020204" pitchFamily="34" charset="0"/>
-              <a:buChar char="•"/>
-            </a:pPr>
-            <a:r>
-              <a:rPr lang="en-US" dirty="0"/>
-              <a:t>CAVEAT USER!  Placing an excessive load on a production node in a cluster can be a Bad Thing. Be careful!</a:t>
-            </a:r>
-          </a:p>
-          <a:p>
-            <a:pPr marL="628650" lvl="1" indent="-171450">
-              <a:buFont typeface="Arial" panose="020B0604020202020204" pitchFamily="34" charset="0"/>
-              <a:buChar char="•"/>
-            </a:pPr>
-            <a:r>
-              <a:rPr lang="en-US" dirty="0" err="1"/>
-              <a:t>pwalk</a:t>
-            </a:r>
-            <a:r>
-              <a:rPr lang="en-US" dirty="0"/>
-              <a:t> ... –</a:t>
-            </a:r>
-            <a:r>
-              <a:rPr lang="en-US" dirty="0" err="1"/>
-              <a:t>pfile</a:t>
-            </a:r>
-            <a:r>
-              <a:rPr lang="en-US" dirty="0"/>
-              <a:t>=&lt;</a:t>
-            </a:r>
-            <a:r>
-              <a:rPr lang="en-US" dirty="0" err="1"/>
-              <a:t>pfile</a:t>
-            </a:r>
-            <a:r>
-              <a:rPr lang="en-US" dirty="0"/>
-              <a:t>&gt; - where the ‘equivalent (relative root) paths’ are </a:t>
-            </a:r>
-            <a:r>
-              <a:rPr lang="en-US" dirty="0" err="1"/>
-              <a:t>specifed</a:t>
-            </a:r>
-            <a:r>
-              <a:rPr lang="en-US" dirty="0"/>
-              <a:t> in the [source] part of the &lt;</a:t>
-            </a:r>
-            <a:r>
-              <a:rPr lang="en-US" dirty="0" err="1"/>
-              <a:t>pfile</a:t>
-            </a:r>
-            <a:r>
-              <a:rPr lang="en-US" dirty="0"/>
-              <a:t>&gt;.</a:t>
-            </a:r>
-          </a:p>
-          <a:p>
-            <a:pPr marL="628650" lvl="1" indent="-171450">
-              <a:buFont typeface="Arial" panose="020B0604020202020204" pitchFamily="34" charset="0"/>
-              <a:buChar char="•"/>
-            </a:pPr>
-            <a:r>
-              <a:rPr lang="en-US" dirty="0" err="1"/>
-              <a:t>pwalk</a:t>
-            </a:r>
-            <a:r>
-              <a:rPr lang="en-US" dirty="0"/>
-              <a:t> ... –</a:t>
-            </a:r>
-            <a:r>
-              <a:rPr lang="en-US" dirty="0" err="1"/>
-              <a:t>dop</a:t>
-            </a:r>
-            <a:r>
-              <a:rPr lang="en-US" dirty="0"/>
-              <a:t>=&lt;N&gt; - distributes multiple workers across the ‘equivalent (relative root) paths’.</a:t>
-            </a:r>
-          </a:p>
-          <a:p>
-            <a:pPr marL="1085850" lvl="2" indent="-171450">
-              <a:buFont typeface="Arial" panose="020B0604020202020204" pitchFamily="34" charset="0"/>
-              <a:buChar char="•"/>
-            </a:pPr>
-            <a:r>
-              <a:rPr lang="en-US" dirty="0"/>
-              <a:t> &lt;N&gt; will typically be chosen to be a multiple of the number of ‘equivalent source root paths.</a:t>
-            </a:r>
-          </a:p>
-          <a:p>
-            <a:pPr marL="1085850" lvl="2" indent="-171450">
-              <a:buFont typeface="Arial" panose="020B0604020202020204" pitchFamily="34" charset="0"/>
-              <a:buChar char="•"/>
-            </a:pPr>
-            <a:r>
-              <a:rPr lang="en-US" baseline="0" dirty="0"/>
-              <a:t>Each worker’s outputs will reflect the actual mount </a:t>
-            </a:r>
-            <a:r>
-              <a:rPr lang="en-US" baseline="0"/>
-              <a:t>path it used.</a:t>
-            </a:r>
-            <a:endParaRPr lang="en-US" baseline="0" dirty="0"/>
+              <a:t>[1] ‘Same’ results except in rare cases where SMB provides different different timestamp precision or semantics.</a:t>
+            </a:r>
           </a:p>
         </p:txBody>
       </p:sp>
@@ -2460,7 +2160,7 @@
     </p:spTree>
     <p:extLst>
       <p:ext uri="{BB962C8B-B14F-4D97-AF65-F5344CB8AC3E}">
-        <p14:creationId xmlns:p14="http://schemas.microsoft.com/office/powerpoint/2010/main" val="2764701228"/>
+        <p14:creationId xmlns:p14="http://schemas.microsoft.com/office/powerpoint/2010/main" val="2703140797"/>
       </p:ext>
     </p:extLst>
   </p:cSld>
@@ -2521,7 +2221,141 @@
           <a:p>
             <a:r>
               <a:rPr lang="en-US" dirty="0"/>
-              <a:t>[source] and [target] paths are independently specifiable.  (Since </a:t>
+              <a:t>Multipathing </a:t>
+            </a:r>
+            <a:r>
+              <a:rPr lang="en-US" baseline="0" dirty="0"/>
+              <a:t>logic was rewritten in </a:t>
+            </a:r>
+            <a:r>
+              <a:rPr lang="en-US" baseline="0" dirty="0" err="1"/>
+              <a:t>pwalk</a:t>
+            </a:r>
+            <a:r>
+              <a:rPr lang="en-US" baseline="0" dirty="0"/>
+              <a:t> 2.04 to allow both source and target multi-pathing.  (See next slide.)</a:t>
+            </a:r>
+          </a:p>
+          <a:p>
+            <a:endParaRPr lang="en-US" baseline="0" dirty="0"/>
+          </a:p>
+          <a:p>
+            <a:r>
+              <a:rPr lang="en-US" baseline="0" dirty="0"/>
+              <a:t>Equivalent source paths are best thought of as ‘equivalent relative root paths’, which is the point relative to which </a:t>
+            </a:r>
+            <a:r>
+              <a:rPr lang="en-US" baseline="0" dirty="0" err="1"/>
+              <a:t>pwalk</a:t>
+            </a:r>
+            <a:r>
+              <a:rPr lang="en-US" baseline="0" dirty="0"/>
+              <a:t> directory arguments are evaluated.</a:t>
+            </a:r>
+          </a:p>
+          <a:p>
+            <a:r>
+              <a:rPr lang="en-US" baseline="0" dirty="0"/>
+              <a:t>Expanding on that, keep these three perspectives in mind;</a:t>
+            </a:r>
+          </a:p>
+          <a:p>
+            <a:pPr marL="628650" lvl="1" indent="-171450">
+              <a:buFont typeface="Arial" panose="020B0604020202020204" pitchFamily="34" charset="0"/>
+              <a:buChar char="•"/>
+            </a:pPr>
+            <a:r>
+              <a:rPr lang="en-US" baseline="0" dirty="0"/>
+              <a:t>With multipathing, </a:t>
+            </a:r>
+            <a:r>
+              <a:rPr lang="en-US" baseline="0" dirty="0" err="1"/>
+              <a:t>pwalk</a:t>
+            </a:r>
+            <a:r>
+              <a:rPr lang="en-US" baseline="0" dirty="0"/>
+              <a:t> &lt;directory&gt; arguments must be </a:t>
+            </a:r>
+            <a:r>
+              <a:rPr lang="en-US" u="sng" baseline="0" dirty="0"/>
+              <a:t>relative</a:t>
+            </a:r>
+            <a:r>
+              <a:rPr lang="en-US" baseline="0" dirty="0"/>
+              <a:t>, as represented here by &lt;</a:t>
+            </a:r>
+            <a:r>
+              <a:rPr lang="en-US" baseline="0" dirty="0" err="1"/>
+              <a:t>relative_directory_path</a:t>
+            </a:r>
+            <a:r>
+              <a:rPr lang="en-US" baseline="0" dirty="0"/>
+              <a:t>&gt;.</a:t>
+            </a:r>
+          </a:p>
+          <a:p>
+            <a:pPr marL="628650" lvl="1" indent="-171450">
+              <a:buFont typeface="Arial" panose="020B0604020202020204" pitchFamily="34" charset="0"/>
+              <a:buChar char="•"/>
+            </a:pPr>
+            <a:r>
+              <a:rPr lang="en-US" baseline="0" dirty="0"/>
+              <a:t>With multipathing, these equivalent ’relative root source paths’ are where ‘.’ is considered to be.</a:t>
+            </a:r>
+          </a:p>
+          <a:p>
+            <a:pPr marL="628650" lvl="1" indent="-171450">
+              <a:buFont typeface="Arial" panose="020B0604020202020204" pitchFamily="34" charset="0"/>
+              <a:buChar char="•"/>
+            </a:pPr>
+            <a:r>
+              <a:rPr lang="en-US" baseline="0" dirty="0"/>
+              <a:t>With multipathing, &lt;directory&gt; command-line arguments cannot be </a:t>
+            </a:r>
+            <a:r>
+              <a:rPr lang="en-US" u="sng" baseline="0" dirty="0"/>
+              <a:t>absolute</a:t>
+            </a:r>
+            <a:r>
+              <a:rPr lang="en-US" baseline="0" dirty="0"/>
+              <a:t> – i.e. cannot begin with a ‘/’.</a:t>
+            </a:r>
+          </a:p>
+          <a:p>
+            <a:pPr marL="628650" lvl="1" indent="-171450">
+              <a:buFont typeface="Arial" panose="020B0604020202020204" pitchFamily="34" charset="0"/>
+              <a:buChar char="•"/>
+            </a:pPr>
+            <a:r>
+              <a:rPr lang="en-US" baseline="0" dirty="0"/>
+              <a:t>With multipathing, -source= cannot be used because it would be contradictory.</a:t>
+            </a:r>
+          </a:p>
+          <a:p>
+            <a:endParaRPr lang="en-US" dirty="0"/>
+          </a:p>
+          <a:p>
+            <a:r>
+              <a:rPr lang="en-US" dirty="0"/>
+              <a:t>Step-by-step, using this feature looks something like;</a:t>
+            </a:r>
+          </a:p>
+          <a:p>
+            <a:pPr marL="628650" lvl="1" indent="-171450">
+              <a:buFont typeface="Arial" panose="020B0604020202020204" pitchFamily="34" charset="0"/>
+              <a:buChar char="•"/>
+            </a:pPr>
+            <a:r>
+              <a:rPr lang="en-US" dirty="0"/>
+              <a:t>Create the /</a:t>
+            </a:r>
+            <a:r>
+              <a:rPr lang="en-US" dirty="0" err="1"/>
+              <a:t>mnt</a:t>
+            </a:r>
+            <a:r>
+              <a:rPr lang="en-US" dirty="0"/>
+              <a:t>/[123...] directories local to the </a:t>
             </a:r>
             <a:r>
               <a:rPr lang="en-US" dirty="0" err="1"/>
@@ -2529,13 +2363,172 @@
             </a:r>
             <a:r>
               <a:rPr lang="en-US" dirty="0"/>
-              <a:t> version 2.04)</a:t>
-            </a:r>
-          </a:p>
-          <a:p>
-            <a:endParaRPr lang="en-US" baseline="0" dirty="0"/>
-          </a:p>
-          <a:p>
+              <a:t> client</a:t>
+            </a:r>
+          </a:p>
+          <a:p>
+            <a:pPr marL="628650" lvl="1" indent="-171450">
+              <a:buFont typeface="Arial" panose="020B0604020202020204" pitchFamily="34" charset="0"/>
+              <a:buChar char="•"/>
+            </a:pPr>
+            <a:r>
+              <a:rPr lang="en-US" dirty="0"/>
+              <a:t>Mount the same export/share to each of /</a:t>
+            </a:r>
+            <a:r>
+              <a:rPr lang="en-US" dirty="0" err="1"/>
+              <a:t>mnt</a:t>
+            </a:r>
+            <a:r>
+              <a:rPr lang="en-US" dirty="0"/>
+              <a:t>/[123...] – manually managing the IPs from which the export/share is accessed.</a:t>
+            </a:r>
+          </a:p>
+          <a:p>
+            <a:pPr marL="1085850" lvl="2" indent="-171450">
+              <a:buFont typeface="Arial" panose="020B0604020202020204" pitchFamily="34" charset="0"/>
+              <a:buChar char="•"/>
+            </a:pPr>
+            <a:r>
+              <a:rPr lang="en-US" dirty="0"/>
+              <a:t>One will </a:t>
+            </a:r>
+            <a:r>
+              <a:rPr lang="en-US" u="sng" dirty="0"/>
+              <a:t>usually</a:t>
+            </a:r>
+            <a:r>
+              <a:rPr lang="en-US" dirty="0"/>
+              <a:t> wish to make the </a:t>
+            </a:r>
+            <a:r>
+              <a:rPr lang="en-US" dirty="0" err="1"/>
+              <a:t>pwalk</a:t>
+            </a:r>
+            <a:r>
+              <a:rPr lang="en-US" dirty="0"/>
+              <a:t> client a root client of the source directory hierarchy!</a:t>
+            </a:r>
+          </a:p>
+          <a:p>
+            <a:pPr marL="1085850" lvl="2" indent="-171450">
+              <a:buFont typeface="Arial" panose="020B0604020202020204" pitchFamily="34" charset="0"/>
+              <a:buChar char="•"/>
+            </a:pPr>
+            <a:r>
+              <a:rPr lang="en-US" dirty="0"/>
+              <a:t>One might usually prefer to make these mounts READONLY (-o </a:t>
+            </a:r>
+            <a:r>
+              <a:rPr lang="en-US" dirty="0" err="1"/>
+              <a:t>ro</a:t>
+            </a:r>
+            <a:r>
+              <a:rPr lang="en-US" dirty="0"/>
+              <a:t>).</a:t>
+            </a:r>
+          </a:p>
+          <a:p>
+            <a:pPr marL="1085850" lvl="2" indent="-171450">
+              <a:buFont typeface="Arial" panose="020B0604020202020204" pitchFamily="34" charset="0"/>
+              <a:buChar char="•"/>
+            </a:pPr>
+            <a:r>
+              <a:rPr lang="en-US" dirty="0"/>
+              <a:t>CAVEAT USER!  Placing an excessive load on a production node in a cluster can be a Bad Thing. Be careful!</a:t>
+            </a:r>
+          </a:p>
+          <a:p>
+            <a:pPr marL="628650" lvl="1" indent="-171450">
+              <a:buFont typeface="Arial" panose="020B0604020202020204" pitchFamily="34" charset="0"/>
+              <a:buChar char="•"/>
+            </a:pPr>
+            <a:r>
+              <a:rPr lang="en-US" dirty="0" err="1"/>
+              <a:t>pwalk</a:t>
+            </a:r>
+            <a:r>
+              <a:rPr lang="en-US" dirty="0"/>
+              <a:t> ... –</a:t>
+            </a:r>
+            <a:r>
+              <a:rPr lang="en-US" dirty="0" err="1"/>
+              <a:t>pfile</a:t>
+            </a:r>
+            <a:r>
+              <a:rPr lang="en-US" dirty="0"/>
+              <a:t>=&lt;</a:t>
+            </a:r>
+            <a:r>
+              <a:rPr lang="en-US" dirty="0" err="1"/>
+              <a:t>pfile</a:t>
+            </a:r>
+            <a:r>
+              <a:rPr lang="en-US" dirty="0"/>
+              <a:t>&gt; - where the ‘equivalent (relative root) paths’ are </a:t>
+            </a:r>
+            <a:r>
+              <a:rPr lang="en-US" dirty="0" err="1"/>
+              <a:t>specifed</a:t>
+            </a:r>
+            <a:r>
+              <a:rPr lang="en-US" dirty="0"/>
+              <a:t> in the [source] part of the &lt;</a:t>
+            </a:r>
+            <a:r>
+              <a:rPr lang="en-US" dirty="0" err="1"/>
+              <a:t>pfile</a:t>
+            </a:r>
+            <a:r>
+              <a:rPr lang="en-US" dirty="0"/>
+              <a:t>&gt;.</a:t>
+            </a:r>
+          </a:p>
+          <a:p>
+            <a:pPr marL="628650" lvl="1" indent="-171450">
+              <a:buFont typeface="Arial" panose="020B0604020202020204" pitchFamily="34" charset="0"/>
+              <a:buChar char="•"/>
+            </a:pPr>
+            <a:r>
+              <a:rPr lang="en-US" dirty="0" err="1"/>
+              <a:t>pwalk</a:t>
+            </a:r>
+            <a:r>
+              <a:rPr lang="en-US" dirty="0"/>
+              <a:t> ... –</a:t>
+            </a:r>
+            <a:r>
+              <a:rPr lang="en-US" dirty="0" err="1"/>
+              <a:t>dop</a:t>
+            </a:r>
+            <a:r>
+              <a:rPr lang="en-US" dirty="0"/>
+              <a:t>=&lt;N&gt; - distributes multiple workers across the ‘equivalent (relative root) paths’.</a:t>
+            </a:r>
+          </a:p>
+          <a:p>
+            <a:pPr marL="1085850" lvl="2" indent="-171450">
+              <a:buFont typeface="Arial" panose="020B0604020202020204" pitchFamily="34" charset="0"/>
+              <a:buChar char="•"/>
+            </a:pPr>
+            <a:r>
+              <a:rPr lang="en-US" dirty="0"/>
+              <a:t> &lt;N&gt; will typically be chosen to be a multiple of the number of ‘equivalent source root paths.</a:t>
+            </a:r>
+          </a:p>
+          <a:p>
+            <a:pPr marL="1085850" lvl="2" indent="-171450">
+              <a:buFont typeface="Arial" panose="020B0604020202020204" pitchFamily="34" charset="0"/>
+              <a:buChar char="•"/>
+            </a:pPr>
+            <a:r>
+              <a:rPr lang="en-US" baseline="0" dirty="0"/>
+              <a:t>Each worker’s outputs will reflect the actual mount </a:t>
+            </a:r>
+            <a:r>
+              <a:rPr lang="en-US" baseline="0"/>
+              <a:t>path it used.</a:t>
+            </a:r>
             <a:endParaRPr lang="en-US" baseline="0" dirty="0"/>
           </a:p>
         </p:txBody>
@@ -2614,7 +2607,7 @@
     </p:spTree>
     <p:extLst>
       <p:ext uri="{BB962C8B-B14F-4D97-AF65-F5344CB8AC3E}">
-        <p14:creationId xmlns:p14="http://schemas.microsoft.com/office/powerpoint/2010/main" val="479701766"/>
+        <p14:creationId xmlns:p14="http://schemas.microsoft.com/office/powerpoint/2010/main" val="2764701228"/>
       </p:ext>
     </p:extLst>
   </p:cSld>
@@ -2673,21 +2666,69 @@
           <a:bodyPr/>
           <a:lstStyle/>
           <a:p>
-            <a:pPr defTabSz="931774">
-              <a:defRPr/>
-            </a:pPr>
-            <a:endParaRPr lang="en-US" sz="1400" dirty="0"/>
+            <a:r>
+              <a:rPr lang="en-US" dirty="0"/>
+              <a:t>[source] and [target] paths are independently specifiable.  (Since </a:t>
+            </a:r>
+            <a:r>
+              <a:rPr lang="en-US" dirty="0" err="1"/>
+              <a:t>pwalk</a:t>
+            </a:r>
+            <a:r>
+              <a:rPr lang="en-US" dirty="0"/>
+              <a:t> version 2.04)</a:t>
+            </a:r>
+          </a:p>
+          <a:p>
+            <a:endParaRPr lang="en-US" baseline="0" dirty="0"/>
+          </a:p>
+          <a:p>
+            <a:endParaRPr lang="en-US" baseline="0" dirty="0"/>
           </a:p>
         </p:txBody>
       </p:sp>
       <p:sp>
         <p:nvSpPr>
-          <p:cNvPr id="4" name="Slide Number Placeholder 3"/>
+          <p:cNvPr id="4" name="Footer Placeholder 3"/>
           <p:cNvSpPr>
             <a:spLocks noGrp="1"/>
           </p:cNvSpPr>
           <p:nvPr>
-            <p:ph type="sldNum" sz="quarter" idx="10"/>
+            <p:ph type="ftr" sz="quarter" idx="10"/>
+          </p:nvPr>
+        </p:nvSpPr>
+        <p:spPr>
+          <a:xfrm>
+            <a:off x="0" y="8829967"/>
+            <a:ext cx="3037840" cy="464820"/>
+          </a:xfrm>
+          <a:prstGeom prst="rect">
+            <a:avLst/>
+          </a:prstGeom>
+        </p:spPr>
+        <p:txBody>
+          <a:bodyPr lIns="93177" tIns="46589" rIns="93177" bIns="46589"/>
+          <a:lstStyle/>
+          <a:p>
+            <a:pPr>
+              <a:defRPr/>
+            </a:pPr>
+            <a:r>
+              <a:rPr lang="en-US"/>
+              <a:t>Module #: Module Name</a:t>
+            </a:r>
+            <a:endParaRPr lang="en-US" dirty="0"/>
+          </a:p>
+        </p:txBody>
+      </p:sp>
+      <p:sp>
+        <p:nvSpPr>
+          <p:cNvPr id="5" name="Slide Number Placeholder 4"/>
+          <p:cNvSpPr>
+            <a:spLocks noGrp="1"/>
+          </p:cNvSpPr>
+          <p:nvPr>
+            <p:ph type="sldNum" sz="quarter" idx="11"/>
           </p:nvPr>
         </p:nvSpPr>
         <p:spPr>
@@ -2703,27 +2744,24 @@
           <a:bodyPr lIns="93177" tIns="46589" rIns="93177" bIns="46589"/>
           <a:lstStyle/>
           <a:p>
-            <a:fld id="{C3102598-0D32-4B82-B7EF-C4D9838D3CB7}" type="slidenum">
-              <a:rPr lang="en-US" smtClean="0">
-                <a:solidFill>
-                  <a:prstClr val="black"/>
-                </a:solidFill>
-              </a:rPr>
-              <a:pPr/>
+            <a:pPr>
+              <a:defRPr/>
+            </a:pPr>
+            <a:fld id="{80249327-EC2F-4096-8D35-6B76097739FC}" type="slidenum">
+              <a:rPr lang="en-US" smtClean="0"/>
+              <a:pPr>
+                <a:defRPr/>
+              </a:pPr>
               <a:t>19</a:t>
             </a:fld>
-            <a:endParaRPr lang="en-US" dirty="0">
-              <a:solidFill>
-                <a:prstClr val="black"/>
-              </a:solidFill>
-            </a:endParaRPr>
+            <a:endParaRPr lang="en-US" dirty="0"/>
           </a:p>
         </p:txBody>
       </p:sp>
     </p:spTree>
     <p:extLst>
       <p:ext uri="{BB962C8B-B14F-4D97-AF65-F5344CB8AC3E}">
-        <p14:creationId xmlns:p14="http://schemas.microsoft.com/office/powerpoint/2010/main" val="1461428334"/>
+        <p14:creationId xmlns:p14="http://schemas.microsoft.com/office/powerpoint/2010/main" val="479701766"/>
       </p:ext>
     </p:extLst>
   </p:cSld>
@@ -2782,114 +2820,21 @@
           <a:bodyPr/>
           <a:lstStyle/>
           <a:p>
-            <a:r>
-              <a:rPr lang="en-US" baseline="0" dirty="0"/>
-              <a:t>-</a:t>
-            </a:r>
-            <a:r>
-              <a:rPr lang="en-US" baseline="0" dirty="0" err="1"/>
-              <a:t>ls</a:t>
-            </a:r>
-            <a:r>
-              <a:rPr lang="en-US" baseline="0" dirty="0"/>
-              <a:t> with +</a:t>
-            </a:r>
-            <a:r>
-              <a:rPr lang="en-US" baseline="0" dirty="0" err="1"/>
-              <a:t>acls</a:t>
-            </a:r>
-            <a:r>
-              <a:rPr lang="en-US" baseline="0" dirty="0"/>
-              <a:t> will show a ‘+’ where an actual ACL is present (platform-dependent)</a:t>
-            </a:r>
-          </a:p>
-          <a:p>
-            <a:r>
-              <a:rPr lang="en-US" baseline="0" dirty="0"/>
-              <a:t>The ‘</a:t>
-            </a:r>
-            <a:r>
-              <a:rPr lang="en-US" baseline="0" dirty="0" err="1"/>
-              <a:t>pwalk_ls_cat</a:t>
-            </a:r>
-            <a:r>
-              <a:rPr lang="en-US" baseline="0" dirty="0"/>
-              <a:t>’ program is a simple UNIX-style filter which will transform </a:t>
-            </a:r>
-            <a:r>
-              <a:rPr lang="mr-IN" baseline="0" dirty="0">
-                <a:solidFill>
-                  <a:srgbClr val="FF0000"/>
-                </a:solidFill>
-              </a:rPr>
-              <a:t>–</a:t>
-            </a:r>
-            <a:r>
-              <a:rPr lang="en-US" baseline="0" dirty="0" err="1">
-                <a:solidFill>
-                  <a:srgbClr val="FF0000"/>
-                </a:solidFill>
-              </a:rPr>
-              <a:t>ls_special</a:t>
-            </a:r>
-            <a:r>
-              <a:rPr lang="en-US" baseline="0" dirty="0">
-                <a:solidFill>
-                  <a:srgbClr val="FF0000"/>
-                </a:solidFill>
-              </a:rPr>
-              <a:t> </a:t>
-            </a:r>
-            <a:r>
-              <a:rPr lang="en-US" baseline="0" dirty="0"/>
-              <a:t>output into a stream of fully-qualified pathnames.</a:t>
-            </a:r>
-            <a:endParaRPr lang="en-US" dirty="0"/>
+            <a:pPr defTabSz="931774">
+              <a:defRPr/>
+            </a:pPr>
+            <a:endParaRPr lang="en-US" sz="1400" dirty="0"/>
           </a:p>
         </p:txBody>
       </p:sp>
       <p:sp>
         <p:nvSpPr>
-          <p:cNvPr id="4" name="Footer Placeholder 3"/>
+          <p:cNvPr id="4" name="Slide Number Placeholder 3"/>
           <p:cNvSpPr>
             <a:spLocks noGrp="1"/>
           </p:cNvSpPr>
           <p:nvPr>
-            <p:ph type="ftr" sz="quarter" idx="10"/>
-          </p:nvPr>
-        </p:nvSpPr>
-        <p:spPr>
-          <a:xfrm>
-            <a:off x="0" y="8829967"/>
-            <a:ext cx="3037840" cy="464820"/>
-          </a:xfrm>
-          <a:prstGeom prst="rect">
-            <a:avLst/>
-          </a:prstGeom>
-        </p:spPr>
-        <p:txBody>
-          <a:bodyPr lIns="93177" tIns="46589" rIns="93177" bIns="46589"/>
-          <a:lstStyle/>
-          <a:p>
-            <a:pPr>
-              <a:defRPr/>
-            </a:pPr>
-            <a:r>
-              <a:rPr lang="en-US"/>
-              <a:t>Module #: Module Name</a:t>
-            </a:r>
-            <a:endParaRPr lang="en-US" dirty="0"/>
-          </a:p>
-        </p:txBody>
-      </p:sp>
-      <p:sp>
-        <p:nvSpPr>
-          <p:cNvPr id="5" name="Slide Number Placeholder 4"/>
-          <p:cNvSpPr>
-            <a:spLocks noGrp="1"/>
-          </p:cNvSpPr>
-          <p:nvPr>
-            <p:ph type="sldNum" sz="quarter" idx="11"/>
+            <p:ph type="sldNum" sz="quarter" idx="10"/>
           </p:nvPr>
         </p:nvSpPr>
         <p:spPr>
@@ -2905,24 +2850,27 @@
           <a:bodyPr lIns="93177" tIns="46589" rIns="93177" bIns="46589"/>
           <a:lstStyle/>
           <a:p>
-            <a:pPr>
-              <a:defRPr/>
-            </a:pPr>
-            <a:fld id="{80249327-EC2F-4096-8D35-6B76097739FC}" type="slidenum">
-              <a:rPr lang="en-US" smtClean="0"/>
-              <a:pPr>
-                <a:defRPr/>
-              </a:pPr>
+            <a:fld id="{C3102598-0D32-4B82-B7EF-C4D9838D3CB7}" type="slidenum">
+              <a:rPr lang="en-US" smtClean="0">
+                <a:solidFill>
+                  <a:prstClr val="black"/>
+                </a:solidFill>
+              </a:rPr>
+              <a:pPr/>
               <a:t>20</a:t>
             </a:fld>
-            <a:endParaRPr lang="en-US" dirty="0"/>
+            <a:endParaRPr lang="en-US" dirty="0">
+              <a:solidFill>
+                <a:prstClr val="black"/>
+              </a:solidFill>
+            </a:endParaRPr>
           </a:p>
         </p:txBody>
       </p:sp>
     </p:spTree>
     <p:extLst>
       <p:ext uri="{BB962C8B-B14F-4D97-AF65-F5344CB8AC3E}">
-        <p14:creationId xmlns:p14="http://schemas.microsoft.com/office/powerpoint/2010/main" val="2703140797"/>
+        <p14:creationId xmlns:p14="http://schemas.microsoft.com/office/powerpoint/2010/main" val="1461428334"/>
       </p:ext>
     </p:extLst>
   </p:cSld>
@@ -3016,16 +2964,32 @@
               <a:t>’ program is a simple UNIX-style filter which will transform </a:t>
             </a:r>
             <a:r>
-              <a:rPr lang="mr-IN" baseline="0" dirty="0"/>
+              <a:rPr lang="mr-IN" baseline="0" dirty="0">
+                <a:solidFill>
+                  <a:srgbClr val="FF0000"/>
+                </a:solidFill>
+              </a:rPr>
               <a:t>–</a:t>
             </a:r>
             <a:r>
-              <a:rPr lang="en-US" baseline="0" dirty="0" err="1"/>
+              <a:rPr lang="en-US" baseline="0" dirty="0" err="1">
+                <a:solidFill>
+                  <a:srgbClr val="FF0000"/>
+                </a:solidFill>
+              </a:rPr>
               <a:t>ls_special</a:t>
             </a:r>
             <a:r>
+              <a:rPr lang="en-US" baseline="0" dirty="0">
+                <a:solidFill>
+                  <a:srgbClr val="FF0000"/>
+                </a:solidFill>
+              </a:rPr>
+              <a:t> </a:t>
+            </a:r>
+            <a:r>
               <a:rPr lang="en-US" baseline="0" dirty="0"/>
-              <a:t> output into a stream of fully-qualified pathnames.</a:t>
+              <a:t>output into a stream of fully-qualified pathnames.</a:t>
             </a:r>
             <a:endParaRPr lang="en-US" dirty="0"/>
           </a:p>
@@ -3105,7 +3069,7 @@
     </p:spTree>
     <p:extLst>
       <p:ext uri="{BB962C8B-B14F-4D97-AF65-F5344CB8AC3E}">
-        <p14:creationId xmlns:p14="http://schemas.microsoft.com/office/powerpoint/2010/main" val="398647358"/>
+        <p14:creationId xmlns:p14="http://schemas.microsoft.com/office/powerpoint/2010/main" val="2703140797"/>
       </p:ext>
     </p:extLst>
   </p:cSld>
@@ -3305,13 +3269,52 @@
           <a:lstStyle/>
           <a:p>
             <a:r>
-              <a:rPr lang="en-US" dirty="0"/>
-              <a:t>Use with</a:t>
-            </a:r>
-            <a:r>
               <a:rPr lang="en-US" baseline="0" dirty="0"/>
-              <a:t> extreme care!</a:t>
-            </a:r>
+              <a:t>-</a:t>
+            </a:r>
+            <a:r>
+              <a:rPr lang="en-US" baseline="0" dirty="0" err="1"/>
+              <a:t>ls</a:t>
+            </a:r>
+            <a:r>
+              <a:rPr lang="en-US" baseline="0" dirty="0"/>
+              <a:t> with +</a:t>
+            </a:r>
+            <a:r>
+              <a:rPr lang="en-US" baseline="0" dirty="0" err="1"/>
+              <a:t>acls</a:t>
+            </a:r>
+            <a:r>
+              <a:rPr lang="en-US" baseline="0" dirty="0"/>
+              <a:t> will show a ‘+’ where an actual ACL is present (platform-dependent)</a:t>
+            </a:r>
+          </a:p>
+          <a:p>
+            <a:r>
+              <a:rPr lang="en-US" baseline="0" dirty="0"/>
+              <a:t>The ‘</a:t>
+            </a:r>
+            <a:r>
+              <a:rPr lang="en-US" baseline="0" dirty="0" err="1"/>
+              <a:t>pwalk_ls_cat</a:t>
+            </a:r>
+            <a:r>
+              <a:rPr lang="en-US" baseline="0" dirty="0"/>
+              <a:t>’ program is a simple UNIX-style filter which will transform </a:t>
+            </a:r>
+            <a:r>
+              <a:rPr lang="mr-IN" baseline="0" dirty="0"/>
+              <a:t>–</a:t>
+            </a:r>
+            <a:r>
+              <a:rPr lang="en-US" baseline="0" dirty="0" err="1"/>
+              <a:t>ls_special</a:t>
+            </a:r>
+            <a:r>
+              <a:rPr lang="en-US" baseline="0" dirty="0"/>
+              <a:t> output into a stream of fully-qualified pathnames.</a:t>
+            </a:r>
+            <a:endParaRPr lang="en-US" dirty="0"/>
           </a:p>
         </p:txBody>
       </p:sp>
@@ -3389,7 +3392,7 @@
     </p:spTree>
     <p:extLst>
       <p:ext uri="{BB962C8B-B14F-4D97-AF65-F5344CB8AC3E}">
-        <p14:creationId xmlns:p14="http://schemas.microsoft.com/office/powerpoint/2010/main" val="2703140797"/>
+        <p14:creationId xmlns:p14="http://schemas.microsoft.com/office/powerpoint/2010/main" val="398647358"/>
       </p:ext>
     </p:extLst>
   </p:cSld>
@@ -3448,7 +3451,14 @@
           <a:bodyPr/>
           <a:lstStyle/>
           <a:p>
-            <a:endParaRPr lang="en-US" dirty="0"/>
+            <a:r>
+              <a:rPr lang="en-US" dirty="0"/>
+              <a:t>Use with</a:t>
+            </a:r>
+            <a:r>
+              <a:rPr lang="en-US" baseline="0" dirty="0"/>
+              <a:t> extreme care!</a:t>
+            </a:r>
           </a:p>
         </p:txBody>
       </p:sp>
@@ -3585,58 +3595,6 @@
           <a:bodyPr/>
           <a:lstStyle/>
           <a:p>
-            <a:r>
-              <a:rPr lang="en-US" dirty="0"/>
-              <a:t>Keywords can be combined</a:t>
-            </a:r>
-            <a:r>
-              <a:rPr lang="en-US" baseline="0" dirty="0"/>
-              <a:t> in a comma-delimited list as arguments to </a:t>
-            </a:r>
-            <a:r>
-              <a:rPr lang="mr-IN" baseline="0" dirty="0"/>
-              <a:t>–</a:t>
-            </a:r>
-            <a:r>
-              <a:rPr lang="en-US" baseline="0" dirty="0" err="1"/>
-              <a:t>cmp</a:t>
-            </a:r>
-            <a:r>
-              <a:rPr lang="en-US" baseline="0" dirty="0"/>
-              <a:t>= -- but E, T, and ! results are always reported.</a:t>
-            </a:r>
-          </a:p>
-          <a:p>
-            <a:r>
-              <a:rPr lang="en-US" baseline="0" dirty="0"/>
-              <a:t>Code letters shown in column 2 </a:t>
-            </a:r>
-            <a:r>
-              <a:rPr lang="en-US" baseline="0"/>
-              <a:t>of are </a:t>
-            </a:r>
-            <a:r>
-              <a:rPr lang="en-US" baseline="0" dirty="0"/>
-              <a:t>used to indicate differences between SOURCE and TARGET files in </a:t>
-            </a:r>
-            <a:r>
-              <a:rPr lang="en-US" baseline="0" dirty="0" err="1"/>
-              <a:t>pwalk</a:t>
-            </a:r>
-            <a:r>
-              <a:rPr lang="en-US" baseline="0" dirty="0"/>
-              <a:t> .</a:t>
-            </a:r>
-            <a:r>
-              <a:rPr lang="en-US" baseline="0" dirty="0" err="1"/>
-              <a:t>cmp</a:t>
-            </a:r>
-            <a:r>
-              <a:rPr lang="en-US" baseline="0" dirty="0"/>
-              <a:t> outputs.</a:t>
-            </a:r>
-          </a:p>
-          <a:p>
             <a:endParaRPr lang="en-US" dirty="0"/>
           </a:p>
         </p:txBody>
@@ -3776,61 +3734,57 @@
           <a:p>
             <a:r>
               <a:rPr lang="en-US" dirty="0"/>
-              <a:t>This set of </a:t>
-            </a:r>
-            <a:r>
-              <a:rPr lang="en-US" dirty="0" err="1"/>
+              <a:t>Keywords can be combined</a:t>
+            </a:r>
+            <a:r>
+              <a:rPr lang="en-US" baseline="0" dirty="0"/>
+              <a:t> in a comma-delimited list as arguments to </a:t>
+            </a:r>
+            <a:r>
+              <a:rPr lang="mr-IN" baseline="0" dirty="0"/>
+              <a:t>–</a:t>
+            </a:r>
+            <a:r>
+              <a:rPr lang="en-US" baseline="0" dirty="0" err="1"/>
+              <a:t>cmp</a:t>
+            </a:r>
+            <a:r>
+              <a:rPr lang="en-US" baseline="0" dirty="0"/>
+              <a:t>= -- but E, T, and ! results are always reported.</a:t>
+            </a:r>
+          </a:p>
+          <a:p>
+            <a:r>
+              <a:rPr lang="en-US" baseline="0" dirty="0"/>
+              <a:t>Code letters shown in column 2 </a:t>
+            </a:r>
+            <a:r>
+              <a:rPr lang="en-US" baseline="0"/>
+              <a:t>of are </a:t>
+            </a:r>
+            <a:r>
+              <a:rPr lang="en-US" baseline="0" dirty="0"/>
+              <a:t>used to indicate differences between SOURCE and TARGET files in </a:t>
+            </a:r>
+            <a:r>
+              <a:rPr lang="en-US" baseline="0" dirty="0" err="1"/>
               <a:t>pwalk</a:t>
             </a:r>
             <a:r>
-              <a:rPr lang="en-US" dirty="0"/>
-              <a:t> functionality</a:t>
-            </a:r>
-            <a:r>
               <a:rPr lang="en-US" baseline="0" dirty="0"/>
-              <a:t> is documented in the cited paper; </a:t>
-            </a:r>
-            <a:r>
-              <a:rPr lang="en-US" sz="1200" dirty="0"/>
-              <a:t>“</a:t>
-            </a:r>
-            <a:r>
-              <a:rPr lang="en-US" sz="1200" b="1" i="1" dirty="0"/>
-              <a:t>Converting POSIX ACLs to NFSv4 ACLs with </a:t>
-            </a:r>
-            <a:r>
-              <a:rPr lang="en-US" sz="1200" b="1" i="1" dirty="0" err="1"/>
-              <a:t>pwalk</a:t>
-            </a:r>
-            <a:r>
-              <a:rPr lang="en-US" sz="1200" b="1" i="1" dirty="0"/>
-              <a:t>(1)</a:t>
-            </a:r>
-            <a:r>
-              <a:rPr lang="en-US" sz="1200" dirty="0"/>
-              <a:t>“</a:t>
-            </a:r>
-            <a:endParaRPr lang="en-US" baseline="0" dirty="0"/>
-          </a:p>
-          <a:p>
+              <a:t> .</a:t>
+            </a:r>
+            <a:r>
+              <a:rPr lang="en-US" baseline="0" dirty="0" err="1"/>
+              <a:t>cmp</a:t>
+            </a:r>
             <a:r>
               <a:rPr lang="en-US" baseline="0" dirty="0"/>
-              <a:t>As ‘+’ secondary modes, these can be specified independently of the primary mode used.</a:t>
-            </a:r>
-          </a:p>
-          <a:p>
-            <a:r>
-              <a:rPr lang="en-US" baseline="0" dirty="0"/>
-              <a:t>The OneFS-specific binary ‘</a:t>
-            </a:r>
-            <a:r>
-              <a:rPr lang="en-US" baseline="0" dirty="0" err="1"/>
-              <a:t>wacls</a:t>
-            </a:r>
-            <a:r>
-              <a:rPr lang="en-US" baseline="0" dirty="0"/>
-              <a:t>’ is not made widely-distributed, and is not end-user buildable.</a:t>
-            </a:r>
+              <a:t> outputs.</a:t>
+            </a:r>
+          </a:p>
+          <a:p>
+            <a:endParaRPr lang="en-US" dirty="0"/>
           </a:p>
         </p:txBody>
       </p:sp>
@@ -3969,13 +3923,61 @@
           <a:p>
             <a:r>
               <a:rPr lang="en-US" dirty="0"/>
-              <a:t>This</a:t>
+              <a:t>This set of </a:t>
+            </a:r>
+            <a:r>
+              <a:rPr lang="en-US" dirty="0" err="1"/>
+              <a:t>pwalk</a:t>
+            </a:r>
+            <a:r>
+              <a:rPr lang="en-US" dirty="0"/>
+              <a:t> functionality</a:t>
             </a:r>
             <a:r>
               <a:rPr lang="en-US" baseline="0" dirty="0"/>
-              <a:t> pseudo-code shows the key functions</a:t>
-            </a:r>
-            <a:endParaRPr lang="en-US" dirty="0"/>
+              <a:t> is documented in the cited paper; </a:t>
+            </a:r>
+            <a:r>
+              <a:rPr lang="en-US" sz="1200" dirty="0"/>
+              <a:t>“</a:t>
+            </a:r>
+            <a:r>
+              <a:rPr lang="en-US" sz="1200" b="1" i="1" dirty="0"/>
+              <a:t>Converting POSIX ACLs to NFSv4 ACLs with </a:t>
+            </a:r>
+            <a:r>
+              <a:rPr lang="en-US" sz="1200" b="1" i="1" dirty="0" err="1"/>
+              <a:t>pwalk</a:t>
+            </a:r>
+            <a:r>
+              <a:rPr lang="en-US" sz="1200" b="1" i="1" dirty="0"/>
+              <a:t>(1)</a:t>
+            </a:r>
+            <a:r>
+              <a:rPr lang="en-US" sz="1200" dirty="0"/>
+              <a:t>“</a:t>
+            </a:r>
+            <a:endParaRPr lang="en-US" baseline="0" dirty="0"/>
+          </a:p>
+          <a:p>
+            <a:r>
+              <a:rPr lang="en-US" baseline="0" dirty="0"/>
+              <a:t>As ‘+’ secondary modes, these can be specified independently of the primary mode used.</a:t>
+            </a:r>
+          </a:p>
+          <a:p>
+            <a:r>
+              <a:rPr lang="en-US" baseline="0" dirty="0"/>
+              <a:t>The OneFS-specific binary ‘</a:t>
+            </a:r>
+            <a:r>
+              <a:rPr lang="en-US" baseline="0" dirty="0" err="1"/>
+              <a:t>wacls</a:t>
+            </a:r>
+            <a:r>
+              <a:rPr lang="en-US" baseline="0" dirty="0"/>
+              <a:t>’ is not made widely-distributed, and is not end-user buildable.</a:t>
+            </a:r>
           </a:p>
         </p:txBody>
       </p:sp>
@@ -4198,7 +4200,7 @@
     </p:spTree>
     <p:extLst>
       <p:ext uri="{BB962C8B-B14F-4D97-AF65-F5344CB8AC3E}">
-        <p14:creationId xmlns:p14="http://schemas.microsoft.com/office/powerpoint/2010/main" val="3646742139"/>
+        <p14:creationId xmlns:p14="http://schemas.microsoft.com/office/powerpoint/2010/main" val="2703140797"/>
       </p:ext>
     </p:extLst>
   </p:cSld>
@@ -4257,21 +4259,60 @@
           <a:bodyPr/>
           <a:lstStyle/>
           <a:p>
-            <a:pPr defTabSz="931774">
-              <a:defRPr/>
-            </a:pPr>
-            <a:endParaRPr lang="en-US" sz="1400" dirty="0"/>
+            <a:r>
+              <a:rPr lang="en-US" dirty="0"/>
+              <a:t>This</a:t>
+            </a:r>
+            <a:r>
+              <a:rPr lang="en-US" baseline="0" dirty="0"/>
+              <a:t> pseudo-code shows the key functions</a:t>
+            </a:r>
+            <a:endParaRPr lang="en-US" dirty="0"/>
           </a:p>
         </p:txBody>
       </p:sp>
       <p:sp>
         <p:nvSpPr>
-          <p:cNvPr id="4" name="Slide Number Placeholder 3"/>
+          <p:cNvPr id="4" name="Footer Placeholder 3"/>
           <p:cNvSpPr>
             <a:spLocks noGrp="1"/>
           </p:cNvSpPr>
           <p:nvPr>
-            <p:ph type="sldNum" sz="quarter" idx="10"/>
+            <p:ph type="ftr" sz="quarter" idx="10"/>
+          </p:nvPr>
+        </p:nvSpPr>
+        <p:spPr>
+          <a:xfrm>
+            <a:off x="0" y="8829967"/>
+            <a:ext cx="3037840" cy="464820"/>
+          </a:xfrm>
+          <a:prstGeom prst="rect">
+            <a:avLst/>
+          </a:prstGeom>
+        </p:spPr>
+        <p:txBody>
+          <a:bodyPr lIns="93177" tIns="46589" rIns="93177" bIns="46589"/>
+          <a:lstStyle/>
+          <a:p>
+            <a:pPr>
+              <a:defRPr/>
+            </a:pPr>
+            <a:r>
+              <a:rPr lang="en-US"/>
+              <a:t>Module #: Module Name</a:t>
+            </a:r>
+            <a:endParaRPr lang="en-US" dirty="0"/>
+          </a:p>
+        </p:txBody>
+      </p:sp>
+      <p:sp>
+        <p:nvSpPr>
+          <p:cNvPr id="5" name="Slide Number Placeholder 4"/>
+          <p:cNvSpPr>
+            <a:spLocks noGrp="1"/>
+          </p:cNvSpPr>
+          <p:nvPr>
+            <p:ph type="sldNum" sz="quarter" idx="11"/>
           </p:nvPr>
         </p:nvSpPr>
         <p:spPr>
@@ -4287,27 +4328,24 @@
           <a:bodyPr lIns="93177" tIns="46589" rIns="93177" bIns="46589"/>
           <a:lstStyle/>
           <a:p>
-            <a:fld id="{C3102598-0D32-4B82-B7EF-C4D9838D3CB7}" type="slidenum">
-              <a:rPr lang="en-US" smtClean="0">
-                <a:solidFill>
-                  <a:prstClr val="black"/>
-                </a:solidFill>
-              </a:rPr>
-              <a:pPr/>
+            <a:pPr>
+              <a:defRPr/>
+            </a:pPr>
+            <a:fld id="{80249327-EC2F-4096-8D35-6B76097739FC}" type="slidenum">
+              <a:rPr lang="en-US" smtClean="0"/>
+              <a:pPr>
+                <a:defRPr/>
+              </a:pPr>
               <a:t>28</a:t>
             </a:fld>
-            <a:endParaRPr lang="en-US" dirty="0">
-              <a:solidFill>
-                <a:prstClr val="black"/>
-              </a:solidFill>
-            </a:endParaRPr>
+            <a:endParaRPr lang="en-US" dirty="0"/>
           </a:p>
         </p:txBody>
       </p:sp>
     </p:spTree>
     <p:extLst>
       <p:ext uri="{BB962C8B-B14F-4D97-AF65-F5344CB8AC3E}">
-        <p14:creationId xmlns:p14="http://schemas.microsoft.com/office/powerpoint/2010/main" val="1461428334"/>
+        <p14:creationId xmlns:p14="http://schemas.microsoft.com/office/powerpoint/2010/main" val="3646742139"/>
       </p:ext>
     </p:extLst>
   </p:cSld>
@@ -4366,52 +4404,21 @@
           <a:bodyPr/>
           <a:lstStyle/>
           <a:p>
-            <a:endParaRPr lang="en-US" dirty="0"/>
+            <a:pPr defTabSz="931774">
+              <a:defRPr/>
+            </a:pPr>
+            <a:endParaRPr lang="en-US" sz="1400" dirty="0"/>
           </a:p>
         </p:txBody>
       </p:sp>
       <p:sp>
         <p:nvSpPr>
-          <p:cNvPr id="4" name="Footer Placeholder 3"/>
+          <p:cNvPr id="4" name="Slide Number Placeholder 3"/>
           <p:cNvSpPr>
             <a:spLocks noGrp="1"/>
           </p:cNvSpPr>
           <p:nvPr>
-            <p:ph type="ftr" sz="quarter" idx="10"/>
-          </p:nvPr>
-        </p:nvSpPr>
-        <p:spPr>
-          <a:xfrm>
-            <a:off x="0" y="8829967"/>
-            <a:ext cx="3037840" cy="464820"/>
-          </a:xfrm>
-          <a:prstGeom prst="rect">
-            <a:avLst/>
-          </a:prstGeom>
-        </p:spPr>
-        <p:txBody>
-          <a:bodyPr lIns="93177" tIns="46589" rIns="93177" bIns="46589"/>
-          <a:lstStyle/>
-          <a:p>
-            <a:pPr>
-              <a:defRPr/>
-            </a:pPr>
-            <a:r>
-              <a:rPr lang="en-US"/>
-              <a:t>Module #: Module Name</a:t>
-            </a:r>
-            <a:endParaRPr lang="en-US" dirty="0"/>
-          </a:p>
-        </p:txBody>
-      </p:sp>
-      <p:sp>
-        <p:nvSpPr>
-          <p:cNvPr id="5" name="Slide Number Placeholder 4"/>
-          <p:cNvSpPr>
-            <a:spLocks noGrp="1"/>
-          </p:cNvSpPr>
-          <p:nvPr>
-            <p:ph type="sldNum" sz="quarter" idx="11"/>
+            <p:ph type="sldNum" sz="quarter" idx="10"/>
           </p:nvPr>
         </p:nvSpPr>
         <p:spPr>
@@ -4427,24 +4434,27 @@
           <a:bodyPr lIns="93177" tIns="46589" rIns="93177" bIns="46589"/>
           <a:lstStyle/>
           <a:p>
-            <a:pPr>
-              <a:defRPr/>
-            </a:pPr>
-            <a:fld id="{80249327-EC2F-4096-8D35-6B76097739FC}" type="slidenum">
-              <a:rPr lang="en-US" smtClean="0"/>
-              <a:pPr>
-                <a:defRPr/>
-              </a:pPr>
+            <a:fld id="{C3102598-0D32-4B82-B7EF-C4D9838D3CB7}" type="slidenum">
+              <a:rPr lang="en-US" smtClean="0">
+                <a:solidFill>
+                  <a:prstClr val="black"/>
+                </a:solidFill>
+              </a:rPr>
+              <a:pPr/>
               <a:t>29</a:t>
             </a:fld>
-            <a:endParaRPr lang="en-US" dirty="0"/>
+            <a:endParaRPr lang="en-US" dirty="0">
+              <a:solidFill>
+                <a:prstClr val="black"/>
+              </a:solidFill>
+            </a:endParaRPr>
           </a:p>
         </p:txBody>
       </p:sp>
     </p:spTree>
     <p:extLst>
       <p:ext uri="{BB962C8B-B14F-4D97-AF65-F5344CB8AC3E}">
-        <p14:creationId xmlns:p14="http://schemas.microsoft.com/office/powerpoint/2010/main" val="2530350468"/>
+        <p14:creationId xmlns:p14="http://schemas.microsoft.com/office/powerpoint/2010/main" val="1461428334"/>
       </p:ext>
     </p:extLst>
   </p:cSld>
@@ -4581,7 +4591,7 @@
     </p:spTree>
     <p:extLst>
       <p:ext uri="{BB962C8B-B14F-4D97-AF65-F5344CB8AC3E}">
-        <p14:creationId xmlns:p14="http://schemas.microsoft.com/office/powerpoint/2010/main" val="2807421575"/>
+        <p14:creationId xmlns:p14="http://schemas.microsoft.com/office/powerpoint/2010/main" val="2530350468"/>
       </p:ext>
     </p:extLst>
   </p:cSld>
@@ -4718,7 +4728,7 @@
     </p:spTree>
     <p:extLst>
       <p:ext uri="{BB962C8B-B14F-4D97-AF65-F5344CB8AC3E}">
-        <p14:creationId xmlns:p14="http://schemas.microsoft.com/office/powerpoint/2010/main" val="2703140797"/>
+        <p14:creationId xmlns:p14="http://schemas.microsoft.com/office/powerpoint/2010/main" val="2807421575"/>
       </p:ext>
     </p:extLst>
   </p:cSld>
@@ -4886,14 +4896,6 @@
           <a:bodyPr/>
           <a:lstStyle/>
           <a:p>
-            <a:r>
-              <a:rPr lang="en-US" dirty="0"/>
-              <a:t>This</a:t>
-            </a:r>
-            <a:r>
-              <a:rPr lang="en-US" baseline="0" dirty="0"/>
-              <a:t> pseudo-code shows the key functions</a:t>
-            </a:r>
             <a:endParaRPr lang="en-US" dirty="0"/>
           </a:p>
         </p:txBody>
@@ -5032,39 +5034,14 @@
           <a:lstStyle/>
           <a:p>
             <a:r>
+              <a:rPr lang="en-US" dirty="0"/>
+              <a:t>This</a:t>
+            </a:r>
+            <a:r>
               <a:rPr lang="en-US" baseline="0" dirty="0"/>
-              <a:t>The NFS4 binary ACL format and the [NFS4 binary ACL, pathname] tuple formats are unique to </a:t>
-            </a:r>
-            <a:r>
-              <a:rPr lang="en-US" baseline="0" dirty="0" err="1"/>
-              <a:t>pwalk</a:t>
-            </a:r>
-            <a:r>
-              <a:rPr lang="en-US" baseline="0" dirty="0"/>
-              <a:t>.</a:t>
-            </a:r>
-          </a:p>
-          <a:p>
-            <a:r>
-              <a:rPr lang="en-US" baseline="0" dirty="0"/>
-              <a:t>The main distinction between the standard NFS4 ACL format and </a:t>
-            </a:r>
-            <a:r>
-              <a:rPr lang="en-US" baseline="0" dirty="0" err="1"/>
-              <a:t>pwalk’s</a:t>
-            </a:r>
-            <a:r>
-              <a:rPr lang="en-US" baseline="0" dirty="0"/>
-              <a:t> binary format is that </a:t>
-            </a:r>
-            <a:r>
-              <a:rPr lang="en-US" baseline="0" dirty="0" err="1"/>
-              <a:t>pwalk</a:t>
-            </a:r>
-            <a:r>
-              <a:rPr lang="en-US" baseline="0" dirty="0"/>
-              <a:t> uses only binary UID and GID trustee values rather than UTF-8 strings.</a:t>
-            </a:r>
+              <a:t> pseudo-code shows the key functions</a:t>
+            </a:r>
+            <a:endParaRPr lang="en-US" dirty="0"/>
           </a:p>
         </p:txBody>
       </p:sp>
@@ -5202,17 +5179,38 @@
           <a:lstStyle/>
           <a:p>
             <a:r>
-              <a:rPr lang="en-US" dirty="0"/>
-              <a:t>[*] A ‘trivial’ ACL is one that can be accurately represented using POSIX mode bits only.</a:t>
-            </a:r>
-          </a:p>
-          <a:p>
-            <a:endParaRPr lang="en-US" dirty="0"/>
-          </a:p>
-          <a:p>
-            <a:r>
               <a:rPr lang="en-US" baseline="0" dirty="0"/>
-              <a:t>As ‘+’ secondary modes, these can be specified independently of the primary mode used.</a:t>
+              <a:t>The NFS4 binary ACL format and the [NFS4 binary ACL, pathname] tuple formats are unique to </a:t>
+            </a:r>
+            <a:r>
+              <a:rPr lang="en-US" baseline="0" dirty="0" err="1"/>
+              <a:t>pwalk</a:t>
+            </a:r>
+            <a:r>
+              <a:rPr lang="en-US" baseline="0" dirty="0"/>
+              <a:t>.</a:t>
+            </a:r>
+          </a:p>
+          <a:p>
+            <a:r>
+              <a:rPr lang="en-US" baseline="0" dirty="0"/>
+              <a:t>The main distinction between the standard NFS4 ACL format and </a:t>
+            </a:r>
+            <a:r>
+              <a:rPr lang="en-US" baseline="0" dirty="0" err="1"/>
+              <a:t>pwalk’s</a:t>
+            </a:r>
+            <a:r>
+              <a:rPr lang="en-US" baseline="0" dirty="0"/>
+              <a:t> binary format is that </a:t>
+            </a:r>
+            <a:r>
+              <a:rPr lang="en-US" baseline="0" dirty="0" err="1"/>
+              <a:t>pwalk</a:t>
+            </a:r>
+            <a:r>
+              <a:rPr lang="en-US" baseline="0" dirty="0"/>
+              <a:t> uses only binary UID and GID trustee values rather than UTF-8 strings.</a:t>
             </a:r>
           </a:p>
         </p:txBody>
@@ -5350,21 +5348,64 @@
           <a:bodyPr/>
           <a:lstStyle/>
           <a:p>
-            <a:pPr defTabSz="931774">
-              <a:defRPr/>
-            </a:pPr>
-            <a:endParaRPr lang="en-US" sz="1400" dirty="0"/>
+            <a:r>
+              <a:rPr lang="en-US" dirty="0"/>
+              <a:t>[*] A ‘trivial’ ACL is one that can be accurately represented using POSIX mode bits only.</a:t>
+            </a:r>
+          </a:p>
+          <a:p>
+            <a:endParaRPr lang="en-US" dirty="0"/>
+          </a:p>
+          <a:p>
+            <a:r>
+              <a:rPr lang="en-US" baseline="0" dirty="0"/>
+              <a:t>As ‘+’ secondary modes, these can be specified independently of the primary mode used.</a:t>
+            </a:r>
           </a:p>
         </p:txBody>
       </p:sp>
       <p:sp>
         <p:nvSpPr>
-          <p:cNvPr id="4" name="Slide Number Placeholder 3"/>
+          <p:cNvPr id="4" name="Footer Placeholder 3"/>
           <p:cNvSpPr>
             <a:spLocks noGrp="1"/>
           </p:cNvSpPr>
           <p:nvPr>
-            <p:ph type="sldNum" sz="quarter" idx="10"/>
+            <p:ph type="ftr" sz="quarter" idx="10"/>
+          </p:nvPr>
+        </p:nvSpPr>
+        <p:spPr>
+          <a:xfrm>
+            <a:off x="0" y="8829967"/>
+            <a:ext cx="3037840" cy="464820"/>
+          </a:xfrm>
+          <a:prstGeom prst="rect">
+            <a:avLst/>
+          </a:prstGeom>
+        </p:spPr>
+        <p:txBody>
+          <a:bodyPr lIns="93177" tIns="46589" rIns="93177" bIns="46589"/>
+          <a:lstStyle/>
+          <a:p>
+            <a:pPr>
+              <a:defRPr/>
+            </a:pPr>
+            <a:r>
+              <a:rPr lang="en-US"/>
+              <a:t>Module #: Module Name</a:t>
+            </a:r>
+            <a:endParaRPr lang="en-US" dirty="0"/>
+          </a:p>
+        </p:txBody>
+      </p:sp>
+      <p:sp>
+        <p:nvSpPr>
+          <p:cNvPr id="5" name="Slide Number Placeholder 4"/>
+          <p:cNvSpPr>
+            <a:spLocks noGrp="1"/>
+          </p:cNvSpPr>
+          <p:nvPr>
+            <p:ph type="sldNum" sz="quarter" idx="11"/>
           </p:nvPr>
         </p:nvSpPr>
         <p:spPr>
@@ -5380,27 +5421,24 @@
           <a:bodyPr lIns="93177" tIns="46589" rIns="93177" bIns="46589"/>
           <a:lstStyle/>
           <a:p>
-            <a:fld id="{C3102598-0D32-4B82-B7EF-C4D9838D3CB7}" type="slidenum">
-              <a:rPr lang="en-US" smtClean="0">
-                <a:solidFill>
-                  <a:prstClr val="black"/>
-                </a:solidFill>
-              </a:rPr>
-              <a:pPr/>
+            <a:pPr>
+              <a:defRPr/>
+            </a:pPr>
+            <a:fld id="{80249327-EC2F-4096-8D35-6B76097739FC}" type="slidenum">
+              <a:rPr lang="en-US" smtClean="0"/>
+              <a:pPr>
+                <a:defRPr/>
+              </a:pPr>
               <a:t>35</a:t>
             </a:fld>
-            <a:endParaRPr lang="en-US" dirty="0">
-              <a:solidFill>
-                <a:prstClr val="black"/>
-              </a:solidFill>
-            </a:endParaRPr>
+            <a:endParaRPr lang="en-US" dirty="0"/>
           </a:p>
         </p:txBody>
       </p:sp>
     </p:spTree>
     <p:extLst>
       <p:ext uri="{BB962C8B-B14F-4D97-AF65-F5344CB8AC3E}">
-        <p14:creationId xmlns:p14="http://schemas.microsoft.com/office/powerpoint/2010/main" val="711986804"/>
+        <p14:creationId xmlns:p14="http://schemas.microsoft.com/office/powerpoint/2010/main" val="2703140797"/>
       </p:ext>
     </p:extLst>
   </p:cSld>
@@ -5459,52 +5497,21 @@
           <a:bodyPr/>
           <a:lstStyle/>
           <a:p>
-            <a:endParaRPr lang="en-US" dirty="0"/>
+            <a:pPr defTabSz="931774">
+              <a:defRPr/>
+            </a:pPr>
+            <a:endParaRPr lang="en-US" sz="1400" dirty="0"/>
           </a:p>
         </p:txBody>
       </p:sp>
       <p:sp>
         <p:nvSpPr>
-          <p:cNvPr id="4" name="Footer Placeholder 3"/>
+          <p:cNvPr id="4" name="Slide Number Placeholder 3"/>
           <p:cNvSpPr>
             <a:spLocks noGrp="1"/>
           </p:cNvSpPr>
           <p:nvPr>
-            <p:ph type="ftr" sz="quarter" idx="10"/>
-          </p:nvPr>
-        </p:nvSpPr>
-        <p:spPr>
-          <a:xfrm>
-            <a:off x="0" y="8829967"/>
-            <a:ext cx="3037840" cy="464820"/>
-          </a:xfrm>
-          <a:prstGeom prst="rect">
-            <a:avLst/>
-          </a:prstGeom>
-        </p:spPr>
-        <p:txBody>
-          <a:bodyPr lIns="93177" tIns="46589" rIns="93177" bIns="46589"/>
-          <a:lstStyle/>
-          <a:p>
-            <a:pPr>
-              <a:defRPr/>
-            </a:pPr>
-            <a:r>
-              <a:rPr lang="en-US"/>
-              <a:t>Module #: Module Name</a:t>
-            </a:r>
-            <a:endParaRPr lang="en-US" dirty="0"/>
-          </a:p>
-        </p:txBody>
-      </p:sp>
-      <p:sp>
-        <p:nvSpPr>
-          <p:cNvPr id="5" name="Slide Number Placeholder 4"/>
-          <p:cNvSpPr>
-            <a:spLocks noGrp="1"/>
-          </p:cNvSpPr>
-          <p:nvPr>
-            <p:ph type="sldNum" sz="quarter" idx="11"/>
+            <p:ph type="sldNum" sz="quarter" idx="10"/>
           </p:nvPr>
         </p:nvSpPr>
         <p:spPr>
@@ -5520,24 +5527,27 @@
           <a:bodyPr lIns="93177" tIns="46589" rIns="93177" bIns="46589"/>
           <a:lstStyle/>
           <a:p>
-            <a:pPr>
-              <a:defRPr/>
-            </a:pPr>
-            <a:fld id="{80249327-EC2F-4096-8D35-6B76097739FC}" type="slidenum">
-              <a:rPr lang="en-US" smtClean="0"/>
-              <a:pPr>
-                <a:defRPr/>
-              </a:pPr>
+            <a:fld id="{C3102598-0D32-4B82-B7EF-C4D9838D3CB7}" type="slidenum">
+              <a:rPr lang="en-US" smtClean="0">
+                <a:solidFill>
+                  <a:prstClr val="black"/>
+                </a:solidFill>
+              </a:rPr>
+              <a:pPr/>
               <a:t>36</a:t>
             </a:fld>
-            <a:endParaRPr lang="en-US" dirty="0"/>
+            <a:endParaRPr lang="en-US" dirty="0">
+              <a:solidFill>
+                <a:prstClr val="black"/>
+              </a:solidFill>
+            </a:endParaRPr>
           </a:p>
         </p:txBody>
       </p:sp>
     </p:spTree>
     <p:extLst>
       <p:ext uri="{BB962C8B-B14F-4D97-AF65-F5344CB8AC3E}">
-        <p14:creationId xmlns:p14="http://schemas.microsoft.com/office/powerpoint/2010/main" val="2703140797"/>
+        <p14:creationId xmlns:p14="http://schemas.microsoft.com/office/powerpoint/2010/main" val="711986804"/>
       </p:ext>
     </p:extLst>
   </p:cSld>
@@ -5674,7 +5684,7 @@
     </p:spTree>
     <p:extLst>
       <p:ext uri="{BB962C8B-B14F-4D97-AF65-F5344CB8AC3E}">
-        <p14:creationId xmlns:p14="http://schemas.microsoft.com/office/powerpoint/2010/main" val="473786032"/>
+        <p14:creationId xmlns:p14="http://schemas.microsoft.com/office/powerpoint/2010/main" val="2703140797"/>
       </p:ext>
     </p:extLst>
   </p:cSld>
@@ -5733,21 +5743,52 @@
           <a:bodyPr/>
           <a:lstStyle/>
           <a:p>
-            <a:pPr defTabSz="931774">
-              <a:defRPr/>
-            </a:pPr>
-            <a:endParaRPr lang="en-US" sz="1400" dirty="0"/>
+            <a:endParaRPr lang="en-US" dirty="0"/>
           </a:p>
         </p:txBody>
       </p:sp>
       <p:sp>
         <p:nvSpPr>
-          <p:cNvPr id="4" name="Slide Number Placeholder 3"/>
+          <p:cNvPr id="4" name="Footer Placeholder 3"/>
           <p:cNvSpPr>
             <a:spLocks noGrp="1"/>
           </p:cNvSpPr>
           <p:nvPr>
-            <p:ph type="sldNum" sz="quarter" idx="10"/>
+            <p:ph type="ftr" sz="quarter" idx="10"/>
+          </p:nvPr>
+        </p:nvSpPr>
+        <p:spPr>
+          <a:xfrm>
+            <a:off x="0" y="8829967"/>
+            <a:ext cx="3037840" cy="464820"/>
+          </a:xfrm>
+          <a:prstGeom prst="rect">
+            <a:avLst/>
+          </a:prstGeom>
+        </p:spPr>
+        <p:txBody>
+          <a:bodyPr lIns="93177" tIns="46589" rIns="93177" bIns="46589"/>
+          <a:lstStyle/>
+          <a:p>
+            <a:pPr>
+              <a:defRPr/>
+            </a:pPr>
+            <a:r>
+              <a:rPr lang="en-US"/>
+              <a:t>Module #: Module Name</a:t>
+            </a:r>
+            <a:endParaRPr lang="en-US" dirty="0"/>
+          </a:p>
+        </p:txBody>
+      </p:sp>
+      <p:sp>
+        <p:nvSpPr>
+          <p:cNvPr id="5" name="Slide Number Placeholder 4"/>
+          <p:cNvSpPr>
+            <a:spLocks noGrp="1"/>
+          </p:cNvSpPr>
+          <p:nvPr>
+            <p:ph type="sldNum" sz="quarter" idx="11"/>
           </p:nvPr>
         </p:nvSpPr>
         <p:spPr>
@@ -5763,27 +5804,24 @@
           <a:bodyPr lIns="93177" tIns="46589" rIns="93177" bIns="46589"/>
           <a:lstStyle/>
           <a:p>
-            <a:fld id="{C3102598-0D32-4B82-B7EF-C4D9838D3CB7}" type="slidenum">
-              <a:rPr lang="en-US" smtClean="0">
-                <a:solidFill>
-                  <a:prstClr val="black"/>
-                </a:solidFill>
-              </a:rPr>
-              <a:pPr/>
+            <a:pPr>
+              <a:defRPr/>
+            </a:pPr>
+            <a:fld id="{80249327-EC2F-4096-8D35-6B76097739FC}" type="slidenum">
+              <a:rPr lang="en-US" smtClean="0"/>
+              <a:pPr>
+                <a:defRPr/>
+              </a:pPr>
               <a:t>38</a:t>
             </a:fld>
-            <a:endParaRPr lang="en-US" dirty="0">
-              <a:solidFill>
-                <a:prstClr val="black"/>
-              </a:solidFill>
-            </a:endParaRPr>
+            <a:endParaRPr lang="en-US" dirty="0"/>
           </a:p>
         </p:txBody>
       </p:sp>
     </p:spTree>
     <p:extLst>
       <p:ext uri="{BB962C8B-B14F-4D97-AF65-F5344CB8AC3E}">
-        <p14:creationId xmlns:p14="http://schemas.microsoft.com/office/powerpoint/2010/main" val="1461428334"/>
+        <p14:creationId xmlns:p14="http://schemas.microsoft.com/office/powerpoint/2010/main" val="473786032"/>
       </p:ext>
     </p:extLst>
   </p:cSld>
@@ -5842,60 +5880,21 @@
           <a:bodyPr/>
           <a:lstStyle/>
           <a:p>
-            <a:r>
-              <a:rPr lang="en-US" dirty="0"/>
-              <a:t>This</a:t>
-            </a:r>
-            <a:r>
-              <a:rPr lang="en-US" baseline="0" dirty="0"/>
-              <a:t> pseudo-code shows the key functions</a:t>
-            </a:r>
-            <a:endParaRPr lang="en-US" dirty="0"/>
+            <a:pPr defTabSz="931774">
+              <a:defRPr/>
+            </a:pPr>
+            <a:endParaRPr lang="en-US" sz="1400" dirty="0"/>
           </a:p>
         </p:txBody>
       </p:sp>
       <p:sp>
         <p:nvSpPr>
-          <p:cNvPr id="4" name="Footer Placeholder 3"/>
+          <p:cNvPr id="4" name="Slide Number Placeholder 3"/>
           <p:cNvSpPr>
             <a:spLocks noGrp="1"/>
           </p:cNvSpPr>
           <p:nvPr>
-            <p:ph type="ftr" sz="quarter" idx="10"/>
-          </p:nvPr>
-        </p:nvSpPr>
-        <p:spPr>
-          <a:xfrm>
-            <a:off x="0" y="8829967"/>
-            <a:ext cx="3037840" cy="464820"/>
-          </a:xfrm>
-          <a:prstGeom prst="rect">
-            <a:avLst/>
-          </a:prstGeom>
-        </p:spPr>
-        <p:txBody>
-          <a:bodyPr lIns="93177" tIns="46589" rIns="93177" bIns="46589"/>
-          <a:lstStyle/>
-          <a:p>
-            <a:pPr>
-              <a:defRPr/>
-            </a:pPr>
-            <a:r>
-              <a:rPr lang="en-US"/>
-              <a:t>Module #: Module Name</a:t>
-            </a:r>
-            <a:endParaRPr lang="en-US" dirty="0"/>
-          </a:p>
-        </p:txBody>
-      </p:sp>
-      <p:sp>
-        <p:nvSpPr>
-          <p:cNvPr id="5" name="Slide Number Placeholder 4"/>
-          <p:cNvSpPr>
-            <a:spLocks noGrp="1"/>
-          </p:cNvSpPr>
-          <p:nvPr>
-            <p:ph type="sldNum" sz="quarter" idx="11"/>
+            <p:ph type="sldNum" sz="quarter" idx="10"/>
           </p:nvPr>
         </p:nvSpPr>
         <p:spPr>
@@ -5911,24 +5910,27 @@
           <a:bodyPr lIns="93177" tIns="46589" rIns="93177" bIns="46589"/>
           <a:lstStyle/>
           <a:p>
-            <a:pPr>
-              <a:defRPr/>
-            </a:pPr>
-            <a:fld id="{80249327-EC2F-4096-8D35-6B76097739FC}" type="slidenum">
-              <a:rPr lang="en-US" smtClean="0"/>
-              <a:pPr>
-                <a:defRPr/>
-              </a:pPr>
+            <a:fld id="{C3102598-0D32-4B82-B7EF-C4D9838D3CB7}" type="slidenum">
+              <a:rPr lang="en-US" smtClean="0">
+                <a:solidFill>
+                  <a:prstClr val="black"/>
+                </a:solidFill>
+              </a:rPr>
+              <a:pPr/>
               <a:t>39</a:t>
             </a:fld>
-            <a:endParaRPr lang="en-US" dirty="0"/>
+            <a:endParaRPr lang="en-US" dirty="0">
+              <a:solidFill>
+                <a:prstClr val="black"/>
+              </a:solidFill>
+            </a:endParaRPr>
           </a:p>
         </p:txBody>
       </p:sp>
     </p:spTree>
     <p:extLst>
       <p:ext uri="{BB962C8B-B14F-4D97-AF65-F5344CB8AC3E}">
-        <p14:creationId xmlns:p14="http://schemas.microsoft.com/office/powerpoint/2010/main" val="2703140797"/>
+        <p14:creationId xmlns:p14="http://schemas.microsoft.com/office/powerpoint/2010/main" val="1461428334"/>
       </p:ext>
     </p:extLst>
   </p:cSld>
@@ -5989,11 +5991,11 @@
           <a:p>
             <a:r>
               <a:rPr lang="en-US" dirty="0"/>
-              <a:t>For large filesystem scans, budget</a:t>
+              <a:t>This</a:t>
             </a:r>
             <a:r>
               <a:rPr lang="en-US" baseline="0" dirty="0"/>
-              <a:t> output space accordingly!</a:t>
+              <a:t> pseudo-code shows the key functions</a:t>
             </a:r>
             <a:endParaRPr lang="en-US" dirty="0"/>
           </a:p>
@@ -6064,7 +6066,7 @@
               <a:pPr>
                 <a:defRPr/>
               </a:pPr>
-              <a:t>41</a:t>
+              <a:t>40</a:t>
             </a:fld>
             <a:endParaRPr lang="en-US" dirty="0"/>
           </a:p>
@@ -6134,32 +6136,11 @@
           <a:p>
             <a:r>
               <a:rPr lang="en-US" dirty="0"/>
-              <a:t>This</a:t>
+              <a:t>For large filesystem scans, budget</a:t>
             </a:r>
             <a:r>
               <a:rPr lang="en-US" baseline="0" dirty="0"/>
-              <a:t> example does not represent the limits of </a:t>
-            </a:r>
-            <a:r>
-              <a:rPr lang="en-US" baseline="0" dirty="0" err="1"/>
-              <a:t>pwalk</a:t>
-            </a:r>
-            <a:r>
-              <a:rPr lang="en-US" baseline="0" dirty="0"/>
-              <a:t> throughput; merely the results of some tests that were run.</a:t>
-            </a:r>
-          </a:p>
-          <a:p>
-            <a:endParaRPr lang="en-US" dirty="0"/>
-          </a:p>
-          <a:p>
-            <a:r>
-              <a:rPr lang="en-US" dirty="0"/>
-              <a:t>One should also characterize the network bandwidth and CPU usage on both</a:t>
-            </a:r>
-            <a:r>
-              <a:rPr lang="en-US" baseline="0" dirty="0"/>
-              <a:t> the client and the target storage to find the right tradeoff between performance and resource saturation.</a:t>
+              <a:t> output space accordingly!</a:t>
             </a:r>
             <a:endParaRPr lang="en-US" dirty="0"/>
           </a:p>
@@ -6239,7 +6220,7 @@
     </p:spTree>
     <p:extLst>
       <p:ext uri="{BB962C8B-B14F-4D97-AF65-F5344CB8AC3E}">
-        <p14:creationId xmlns:p14="http://schemas.microsoft.com/office/powerpoint/2010/main" val="4039075285"/>
+        <p14:creationId xmlns:p14="http://schemas.microsoft.com/office/powerpoint/2010/main" val="2703140797"/>
       </p:ext>
     </p:extLst>
   </p:cSld>
@@ -6438,6 +6419,35 @@
           <a:bodyPr/>
           <a:lstStyle/>
           <a:p>
+            <a:r>
+              <a:rPr lang="en-US" dirty="0"/>
+              <a:t>This</a:t>
+            </a:r>
+            <a:r>
+              <a:rPr lang="en-US" baseline="0" dirty="0"/>
+              <a:t> example does not represent the limits of </a:t>
+            </a:r>
+            <a:r>
+              <a:rPr lang="en-US" baseline="0" dirty="0" err="1"/>
+              <a:t>pwalk</a:t>
+            </a:r>
+            <a:r>
+              <a:rPr lang="en-US" baseline="0" dirty="0"/>
+              <a:t> throughput; merely the results of some tests that were run.</a:t>
+            </a:r>
+          </a:p>
+          <a:p>
+            <a:endParaRPr lang="en-US" dirty="0"/>
+          </a:p>
+          <a:p>
+            <a:r>
+              <a:rPr lang="en-US" dirty="0"/>
+              <a:t>One should also characterize the network bandwidth and CPU usage on both</a:t>
+            </a:r>
+            <a:r>
+              <a:rPr lang="en-US" baseline="0" dirty="0"/>
+              <a:t> the client and the target storage to find the right tradeoff between performance and resource saturation.</a:t>
+            </a:r>
             <a:endParaRPr lang="en-US" dirty="0"/>
           </a:p>
         </p:txBody>
@@ -6790,7 +6800,7 @@
     </p:spTree>
     <p:extLst>
       <p:ext uri="{BB962C8B-B14F-4D97-AF65-F5344CB8AC3E}">
-        <p14:creationId xmlns:p14="http://schemas.microsoft.com/office/powerpoint/2010/main" val="179491326"/>
+        <p14:creationId xmlns:p14="http://schemas.microsoft.com/office/powerpoint/2010/main" val="4039075285"/>
       </p:ext>
     </p:extLst>
   </p:cSld>
@@ -6849,21 +6859,52 @@
           <a:bodyPr/>
           <a:lstStyle/>
           <a:p>
-            <a:pPr defTabSz="931774">
-              <a:defRPr/>
-            </a:pPr>
-            <a:endParaRPr lang="en-US" sz="1400" dirty="0"/>
+            <a:endParaRPr lang="en-US" dirty="0"/>
           </a:p>
         </p:txBody>
       </p:sp>
       <p:sp>
         <p:nvSpPr>
-          <p:cNvPr id="4" name="Slide Number Placeholder 3"/>
+          <p:cNvPr id="4" name="Footer Placeholder 3"/>
           <p:cNvSpPr>
             <a:spLocks noGrp="1"/>
           </p:cNvSpPr>
           <p:nvPr>
-            <p:ph type="sldNum" sz="quarter" idx="10"/>
+            <p:ph type="ftr" sz="quarter" idx="10"/>
+          </p:nvPr>
+        </p:nvSpPr>
+        <p:spPr>
+          <a:xfrm>
+            <a:off x="0" y="8829967"/>
+            <a:ext cx="3037840" cy="464820"/>
+          </a:xfrm>
+          <a:prstGeom prst="rect">
+            <a:avLst/>
+          </a:prstGeom>
+        </p:spPr>
+        <p:txBody>
+          <a:bodyPr lIns="93177" tIns="46589" rIns="93177" bIns="46589"/>
+          <a:lstStyle/>
+          <a:p>
+            <a:pPr>
+              <a:defRPr/>
+            </a:pPr>
+            <a:r>
+              <a:rPr lang="en-US"/>
+              <a:t>Module #: Module Name</a:t>
+            </a:r>
+            <a:endParaRPr lang="en-US" dirty="0"/>
+          </a:p>
+        </p:txBody>
+      </p:sp>
+      <p:sp>
+        <p:nvSpPr>
+          <p:cNvPr id="5" name="Slide Number Placeholder 4"/>
+          <p:cNvSpPr>
+            <a:spLocks noGrp="1"/>
+          </p:cNvSpPr>
+          <p:nvPr>
+            <p:ph type="sldNum" sz="quarter" idx="11"/>
           </p:nvPr>
         </p:nvSpPr>
         <p:spPr>
@@ -6879,27 +6920,24 @@
           <a:bodyPr lIns="93177" tIns="46589" rIns="93177" bIns="46589"/>
           <a:lstStyle/>
           <a:p>
-            <a:fld id="{C3102598-0D32-4B82-B7EF-C4D9838D3CB7}" type="slidenum">
-              <a:rPr lang="en-US" smtClean="0">
-                <a:solidFill>
-                  <a:prstClr val="black"/>
-                </a:solidFill>
-              </a:rPr>
-              <a:pPr/>
-              <a:t>48</a:t>
+            <a:pPr>
+              <a:defRPr/>
+            </a:pPr>
+            <a:fld id="{80249327-EC2F-4096-8D35-6B76097739FC}" type="slidenum">
+              <a:rPr lang="en-US" smtClean="0"/>
+              <a:pPr>
+                <a:defRPr/>
+              </a:pPr>
+              <a:t>46</a:t>
             </a:fld>
-            <a:endParaRPr lang="en-US" dirty="0">
-              <a:solidFill>
-                <a:prstClr val="black"/>
-              </a:solidFill>
-            </a:endParaRPr>
+            <a:endParaRPr lang="en-US" dirty="0"/>
           </a:p>
         </p:txBody>
       </p:sp>
     </p:spTree>
     <p:extLst>
       <p:ext uri="{BB962C8B-B14F-4D97-AF65-F5344CB8AC3E}">
-        <p14:creationId xmlns:p14="http://schemas.microsoft.com/office/powerpoint/2010/main" val="1461428334"/>
+        <p14:creationId xmlns:p14="http://schemas.microsoft.com/office/powerpoint/2010/main" val="179491326"/>
       </p:ext>
     </p:extLst>
   </p:cSld>
@@ -6958,60 +6996,21 @@
           <a:bodyPr/>
           <a:lstStyle/>
           <a:p>
-            <a:r>
-              <a:rPr lang="en-US" dirty="0"/>
-              <a:t>This</a:t>
-            </a:r>
-            <a:r>
-              <a:rPr lang="en-US" baseline="0" dirty="0"/>
-              <a:t> pseudo-code shows the key functions</a:t>
-            </a:r>
-            <a:endParaRPr lang="en-US" dirty="0"/>
+            <a:pPr defTabSz="931774">
+              <a:defRPr/>
+            </a:pPr>
+            <a:endParaRPr lang="en-US" sz="1400" dirty="0"/>
           </a:p>
         </p:txBody>
       </p:sp>
       <p:sp>
         <p:nvSpPr>
-          <p:cNvPr id="4" name="Footer Placeholder 3"/>
+          <p:cNvPr id="4" name="Slide Number Placeholder 3"/>
           <p:cNvSpPr>
             <a:spLocks noGrp="1"/>
           </p:cNvSpPr>
           <p:nvPr>
-            <p:ph type="ftr" sz="quarter" idx="10"/>
-          </p:nvPr>
-        </p:nvSpPr>
-        <p:spPr>
-          <a:xfrm>
-            <a:off x="0" y="8829967"/>
-            <a:ext cx="3037840" cy="464820"/>
-          </a:xfrm>
-          <a:prstGeom prst="rect">
-            <a:avLst/>
-          </a:prstGeom>
-        </p:spPr>
-        <p:txBody>
-          <a:bodyPr lIns="93177" tIns="46589" rIns="93177" bIns="46589"/>
-          <a:lstStyle/>
-          <a:p>
-            <a:pPr>
-              <a:defRPr/>
-            </a:pPr>
-            <a:r>
-              <a:rPr lang="en-US"/>
-              <a:t>Module #: Module Name</a:t>
-            </a:r>
-            <a:endParaRPr lang="en-US" dirty="0"/>
-          </a:p>
-        </p:txBody>
-      </p:sp>
-      <p:sp>
-        <p:nvSpPr>
-          <p:cNvPr id="5" name="Slide Number Placeholder 4"/>
-          <p:cNvSpPr>
-            <a:spLocks noGrp="1"/>
-          </p:cNvSpPr>
-          <p:nvPr>
-            <p:ph type="sldNum" sz="quarter" idx="11"/>
+            <p:ph type="sldNum" sz="quarter" idx="10"/>
           </p:nvPr>
         </p:nvSpPr>
         <p:spPr>
@@ -7027,24 +7026,27 @@
           <a:bodyPr lIns="93177" tIns="46589" rIns="93177" bIns="46589"/>
           <a:lstStyle/>
           <a:p>
-            <a:pPr>
-              <a:defRPr/>
-            </a:pPr>
-            <a:fld id="{80249327-EC2F-4096-8D35-6B76097739FC}" type="slidenum">
-              <a:rPr lang="en-US" smtClean="0"/>
-              <a:pPr>
-                <a:defRPr/>
-              </a:pPr>
+            <a:fld id="{C3102598-0D32-4B82-B7EF-C4D9838D3CB7}" type="slidenum">
+              <a:rPr lang="en-US" smtClean="0">
+                <a:solidFill>
+                  <a:prstClr val="black"/>
+                </a:solidFill>
+              </a:rPr>
+              <a:pPr/>
               <a:t>49</a:t>
             </a:fld>
-            <a:endParaRPr lang="en-US" dirty="0"/>
+            <a:endParaRPr lang="en-US" dirty="0">
+              <a:solidFill>
+                <a:prstClr val="black"/>
+              </a:solidFill>
+            </a:endParaRPr>
           </a:p>
         </p:txBody>
       </p:sp>
     </p:spTree>
     <p:extLst>
       <p:ext uri="{BB962C8B-B14F-4D97-AF65-F5344CB8AC3E}">
-        <p14:creationId xmlns:p14="http://schemas.microsoft.com/office/powerpoint/2010/main" val="2703140797"/>
+        <p14:creationId xmlns:p14="http://schemas.microsoft.com/office/powerpoint/2010/main" val="1461428334"/>
       </p:ext>
     </p:extLst>
   </p:cSld>
@@ -7189,7 +7191,7 @@
     </p:spTree>
     <p:extLst>
       <p:ext uri="{BB962C8B-B14F-4D97-AF65-F5344CB8AC3E}">
-        <p14:creationId xmlns:p14="http://schemas.microsoft.com/office/powerpoint/2010/main" val="3506942546"/>
+        <p14:creationId xmlns:p14="http://schemas.microsoft.com/office/powerpoint/2010/main" val="2703140797"/>
       </p:ext>
     </p:extLst>
   </p:cSld>
@@ -7334,7 +7336,7 @@
     </p:spTree>
     <p:extLst>
       <p:ext uri="{BB962C8B-B14F-4D97-AF65-F5344CB8AC3E}">
-        <p14:creationId xmlns:p14="http://schemas.microsoft.com/office/powerpoint/2010/main" val="2703140797"/>
+        <p14:creationId xmlns:p14="http://schemas.microsoft.com/office/powerpoint/2010/main" val="3506942546"/>
       </p:ext>
     </p:extLst>
   </p:cSld>
@@ -7390,17 +7392,96 @@
         </p:nvSpPr>
         <p:spPr/>
         <p:txBody>
-          <a:bodyPr lIns="91435" tIns="45717" rIns="91435" bIns="45717"/>
+          <a:bodyPr/>
           <a:lstStyle/>
           <a:p>
-            <a:endParaRPr lang="en-US" baseline="0" dirty="0"/>
+            <a:r>
+              <a:rPr lang="en-US" dirty="0"/>
+              <a:t>This</a:t>
+            </a:r>
+            <a:r>
+              <a:rPr lang="en-US" baseline="0" dirty="0"/>
+              <a:t> pseudo-code shows the key functions</a:t>
+            </a:r>
+            <a:endParaRPr lang="en-US" dirty="0"/>
+          </a:p>
+        </p:txBody>
+      </p:sp>
+      <p:sp>
+        <p:nvSpPr>
+          <p:cNvPr id="4" name="Footer Placeholder 3"/>
+          <p:cNvSpPr>
+            <a:spLocks noGrp="1"/>
+          </p:cNvSpPr>
+          <p:nvPr>
+            <p:ph type="ftr" sz="quarter" idx="10"/>
+          </p:nvPr>
+        </p:nvSpPr>
+        <p:spPr>
+          <a:xfrm>
+            <a:off x="0" y="8829967"/>
+            <a:ext cx="3037840" cy="464820"/>
+          </a:xfrm>
+          <a:prstGeom prst="rect">
+            <a:avLst/>
+          </a:prstGeom>
+        </p:spPr>
+        <p:txBody>
+          <a:bodyPr lIns="93177" tIns="46589" rIns="93177" bIns="46589"/>
+          <a:lstStyle/>
+          <a:p>
+            <a:pPr>
+              <a:defRPr/>
+            </a:pPr>
+            <a:r>
+              <a:rPr lang="en-US"/>
+              <a:t>Module #: Module Name</a:t>
+            </a:r>
+            <a:endParaRPr lang="en-US" dirty="0"/>
+          </a:p>
+        </p:txBody>
+      </p:sp>
+      <p:sp>
+        <p:nvSpPr>
+          <p:cNvPr id="5" name="Slide Number Placeholder 4"/>
+          <p:cNvSpPr>
+            <a:spLocks noGrp="1"/>
+          </p:cNvSpPr>
+          <p:nvPr>
+            <p:ph type="sldNum" sz="quarter" idx="11"/>
+          </p:nvPr>
+        </p:nvSpPr>
+        <p:spPr>
+          <a:xfrm>
+            <a:off x="3970938" y="8829967"/>
+            <a:ext cx="3037840" cy="464820"/>
+          </a:xfrm>
+          <a:prstGeom prst="rect">
+            <a:avLst/>
+          </a:prstGeom>
+        </p:spPr>
+        <p:txBody>
+          <a:bodyPr lIns="93177" tIns="46589" rIns="93177" bIns="46589"/>
+          <a:lstStyle/>
+          <a:p>
+            <a:pPr>
+              <a:defRPr/>
+            </a:pPr>
+            <a:fld id="{80249327-EC2F-4096-8D35-6B76097739FC}" type="slidenum">
+              <a:rPr lang="en-US" smtClean="0"/>
+              <a:pPr>
+                <a:defRPr/>
+              </a:pPr>
+              <a:t>52</a:t>
+            </a:fld>
+            <a:endParaRPr lang="en-US" dirty="0"/>
           </a:p>
         </p:txBody>
       </p:sp>
     </p:spTree>
     <p:extLst>
       <p:ext uri="{BB962C8B-B14F-4D97-AF65-F5344CB8AC3E}">
-        <p14:creationId xmlns:p14="http://schemas.microsoft.com/office/powerpoint/2010/main" val="2054967166"/>
+        <p14:creationId xmlns:p14="http://schemas.microsoft.com/office/powerpoint/2010/main" val="2703140797"/>
       </p:ext>
     </p:extLst>
   </p:cSld>
@@ -7923,60 +8004,17 @@
         </p:nvSpPr>
         <p:spPr/>
         <p:txBody>
-          <a:bodyPr/>
+          <a:bodyPr lIns="91435" tIns="45717" rIns="91435" bIns="45717"/>
           <a:lstStyle/>
           <a:p>
-            <a:pPr defTabSz="931774">
-              <a:defRPr/>
-            </a:pPr>
-            <a:endParaRPr lang="en-US" sz="1400" dirty="0"/>
-          </a:p>
-        </p:txBody>
-      </p:sp>
-      <p:sp>
-        <p:nvSpPr>
-          <p:cNvPr id="4" name="Slide Number Placeholder 3"/>
-          <p:cNvSpPr>
-            <a:spLocks noGrp="1"/>
-          </p:cNvSpPr>
-          <p:nvPr>
-            <p:ph type="sldNum" sz="quarter" idx="10"/>
-          </p:nvPr>
-        </p:nvSpPr>
-        <p:spPr>
-          <a:xfrm>
-            <a:off x="3970938" y="8829967"/>
-            <a:ext cx="3037840" cy="464820"/>
-          </a:xfrm>
-          <a:prstGeom prst="rect">
-            <a:avLst/>
-          </a:prstGeom>
-        </p:spPr>
-        <p:txBody>
-          <a:bodyPr lIns="93177" tIns="46589" rIns="93177" bIns="46589"/>
-          <a:lstStyle/>
-          <a:p>
-            <a:fld id="{C3102598-0D32-4B82-B7EF-C4D9838D3CB7}" type="slidenum">
-              <a:rPr lang="en-US" smtClean="0">
-                <a:solidFill>
-                  <a:prstClr val="black"/>
-                </a:solidFill>
-              </a:rPr>
-              <a:pPr/>
-              <a:t>58</a:t>
-            </a:fld>
-            <a:endParaRPr lang="en-US" dirty="0">
-              <a:solidFill>
-                <a:prstClr val="black"/>
-              </a:solidFill>
-            </a:endParaRPr>
+            <a:endParaRPr lang="en-US" baseline="0" dirty="0"/>
           </a:p>
         </p:txBody>
       </p:sp>
     </p:spTree>
     <p:extLst>
       <p:ext uri="{BB962C8B-B14F-4D97-AF65-F5344CB8AC3E}">
-        <p14:creationId xmlns:p14="http://schemas.microsoft.com/office/powerpoint/2010/main" val="1461428334"/>
+        <p14:creationId xmlns:p14="http://schemas.microsoft.com/office/powerpoint/2010/main" val="2054967166"/>
       </p:ext>
     </p:extLst>
   </p:cSld>
@@ -8035,30 +8073,10 @@
           <a:bodyPr/>
           <a:lstStyle/>
           <a:p>
-            <a:r>
-              <a:rPr lang="en-US" dirty="0"/>
-              <a:t>This a very straightforward C code, with the only consideration being inclusion of the </a:t>
-            </a:r>
-            <a:r>
-              <a:rPr lang="en-US" dirty="0" err="1"/>
-              <a:t>pThreads</a:t>
-            </a:r>
-            <a:r>
-              <a:rPr lang="en-US" dirty="0"/>
-              <a:t> library (the POSIX portable threads library).</a:t>
-            </a:r>
-          </a:p>
-          <a:p>
-            <a:r>
-              <a:rPr lang="en-US" dirty="0"/>
-              <a:t>The O’Reilly book is all one needs to get started.</a:t>
-            </a:r>
-          </a:p>
-          <a:p>
-            <a:endParaRPr lang="en-US" dirty="0"/>
-          </a:p>
-          <a:p>
-            <a:endParaRPr lang="en-US" dirty="0"/>
+            <a:pPr defTabSz="931774">
+              <a:defRPr/>
+            </a:pPr>
+            <a:endParaRPr lang="en-US" sz="1400" dirty="0"/>
           </a:p>
         </p:txBody>
       </p:sp>
@@ -8085,24 +8103,27 @@
           <a:bodyPr lIns="93177" tIns="46589" rIns="93177" bIns="46589"/>
           <a:lstStyle/>
           <a:p>
-            <a:pPr>
-              <a:defRPr/>
-            </a:pPr>
-            <a:fld id="{D1F60938-1488-DE48-B964-642B5D0865D8}" type="slidenum">
-              <a:rPr lang="en-US" smtClean="0"/>
-              <a:pPr>
-                <a:defRPr/>
-              </a:pPr>
+            <a:fld id="{C3102598-0D32-4B82-B7EF-C4D9838D3CB7}" type="slidenum">
+              <a:rPr lang="en-US" smtClean="0">
+                <a:solidFill>
+                  <a:prstClr val="black"/>
+                </a:solidFill>
+              </a:rPr>
+              <a:pPr/>
               <a:t>59</a:t>
             </a:fld>
-            <a:endParaRPr lang="en-US"/>
+            <a:endParaRPr lang="en-US" dirty="0">
+              <a:solidFill>
+                <a:prstClr val="black"/>
+              </a:solidFill>
+            </a:endParaRPr>
           </a:p>
         </p:txBody>
       </p:sp>
     </p:spTree>
     <p:extLst>
       <p:ext uri="{BB962C8B-B14F-4D97-AF65-F5344CB8AC3E}">
-        <p14:creationId xmlns:p14="http://schemas.microsoft.com/office/powerpoint/2010/main" val="249082682"/>
+        <p14:creationId xmlns:p14="http://schemas.microsoft.com/office/powerpoint/2010/main" val="1461428334"/>
       </p:ext>
     </p:extLst>
   </p:cSld>
@@ -8162,6 +8183,132 @@
           <a:lstStyle/>
           <a:p>
             <a:r>
+              <a:rPr lang="en-US" dirty="0"/>
+              <a:t>This a very straightforward C code, with the only consideration being inclusion of the </a:t>
+            </a:r>
+            <a:r>
+              <a:rPr lang="en-US" dirty="0" err="1"/>
+              <a:t>pThreads</a:t>
+            </a:r>
+            <a:r>
+              <a:rPr lang="en-US" dirty="0"/>
+              <a:t> library (the POSIX portable threads library).</a:t>
+            </a:r>
+          </a:p>
+          <a:p>
+            <a:r>
+              <a:rPr lang="en-US" dirty="0"/>
+              <a:t>The O’Reilly book is all one needs to get started.</a:t>
+            </a:r>
+          </a:p>
+          <a:p>
+            <a:endParaRPr lang="en-US" dirty="0"/>
+          </a:p>
+          <a:p>
+            <a:endParaRPr lang="en-US" dirty="0"/>
+          </a:p>
+        </p:txBody>
+      </p:sp>
+      <p:sp>
+        <p:nvSpPr>
+          <p:cNvPr id="4" name="Slide Number Placeholder 3"/>
+          <p:cNvSpPr>
+            <a:spLocks noGrp="1"/>
+          </p:cNvSpPr>
+          <p:nvPr>
+            <p:ph type="sldNum" sz="quarter" idx="10"/>
+          </p:nvPr>
+        </p:nvSpPr>
+        <p:spPr>
+          <a:xfrm>
+            <a:off x="3970938" y="8829967"/>
+            <a:ext cx="3037840" cy="464820"/>
+          </a:xfrm>
+          <a:prstGeom prst="rect">
+            <a:avLst/>
+          </a:prstGeom>
+        </p:spPr>
+        <p:txBody>
+          <a:bodyPr lIns="93177" tIns="46589" rIns="93177" bIns="46589"/>
+          <a:lstStyle/>
+          <a:p>
+            <a:pPr>
+              <a:defRPr/>
+            </a:pPr>
+            <a:fld id="{D1F60938-1488-DE48-B964-642B5D0865D8}" type="slidenum">
+              <a:rPr lang="en-US" smtClean="0"/>
+              <a:pPr>
+                <a:defRPr/>
+              </a:pPr>
+              <a:t>60</a:t>
+            </a:fld>
+            <a:endParaRPr lang="en-US"/>
+          </a:p>
+        </p:txBody>
+      </p:sp>
+    </p:spTree>
+    <p:extLst>
+      <p:ext uri="{BB962C8B-B14F-4D97-AF65-F5344CB8AC3E}">
+        <p14:creationId xmlns:p14="http://schemas.microsoft.com/office/powerpoint/2010/main" val="249082682"/>
+      </p:ext>
+    </p:extLst>
+  </p:cSld>
+  <p:clrMapOvr>
+    <a:masterClrMapping/>
+  </p:clrMapOvr>
+</p:notes>
+</file>
+
+<file path=ppt/notesSlides/notesSlide56.xml><?xml version="1.0" encoding="utf-8"?>
+<p:notes xmlns:a="http://schemas.openxmlformats.org/drawingml/2006/main" xmlns:r="http://schemas.openxmlformats.org/officeDocument/2006/relationships" xmlns:p="http://schemas.openxmlformats.org/presentationml/2006/main">
+  <p:cSld>
+    <p:spTree>
+      <p:nvGrpSpPr>
+        <p:cNvPr id="1" name=""/>
+        <p:cNvGrpSpPr/>
+        <p:nvPr/>
+      </p:nvGrpSpPr>
+      <p:grpSpPr>
+        <a:xfrm>
+          <a:off x="0" y="0"/>
+          <a:ext cx="0" cy="0"/>
+          <a:chOff x="0" y="0"/>
+          <a:chExt cx="0" cy="0"/>
+        </a:xfrm>
+      </p:grpSpPr>
+      <p:sp>
+        <p:nvSpPr>
+          <p:cNvPr id="2" name="Slide Image Placeholder 1"/>
+          <p:cNvSpPr>
+            <a:spLocks noGrp="1" noRot="1" noChangeAspect="1"/>
+          </p:cNvSpPr>
+          <p:nvPr>
+            <p:ph type="sldImg"/>
+          </p:nvPr>
+        </p:nvSpPr>
+        <p:spPr>
+          <a:xfrm>
+            <a:off x="457200" y="384175"/>
+            <a:ext cx="6096000" cy="3430588"/>
+          </a:xfrm>
+        </p:spPr>
+      </p:sp>
+      <p:sp>
+        <p:nvSpPr>
+          <p:cNvPr id="3" name="Notes Placeholder 2"/>
+          <p:cNvSpPr>
+            <a:spLocks noGrp="1"/>
+          </p:cNvSpPr>
+          <p:nvPr>
+            <p:ph type="body" idx="1"/>
+          </p:nvPr>
+        </p:nvSpPr>
+        <p:spPr/>
+        <p:txBody>
+          <a:bodyPr/>
+          <a:lstStyle/>
+          <a:p>
+            <a:r>
               <a:rPr lang="en-US" baseline="0" dirty="0"/>
               <a:t>Gathering and presenting this data is what </a:t>
             </a:r>
@@ -8320,7 +8467,7 @@
               <a:pPr>
                 <a:defRPr/>
               </a:pPr>
-              <a:t>60</a:t>
+              <a:t>61</a:t>
             </a:fld>
             <a:endParaRPr lang="en-US" dirty="0"/>
           </a:p>
@@ -8339,7 +8486,7 @@
 </p:notes>
 </file>
 
-<file path=ppt/notesSlides/notesSlide56.xml><?xml version="1.0" encoding="utf-8"?>
+<file path=ppt/notesSlides/notesSlide57.xml><?xml version="1.0" encoding="utf-8"?>
 <p:notes xmlns:a="http://schemas.openxmlformats.org/drawingml/2006/main" xmlns:r="http://schemas.openxmlformats.org/officeDocument/2006/relationships" xmlns:p="http://schemas.openxmlformats.org/presentationml/2006/main">
   <p:cSld>
     <p:spTree>
@@ -8383,7 +8530,7 @@
             <a:fld id="{264D9E70-C7EE-EC47-B3E9-B8FB59B59006}" type="slidenum">
               <a:rPr lang="en-US"/>
               <a:pPr/>
-              <a:t>62</a:t>
+              <a:t>63</a:t>
             </a:fld>
             <a:endParaRPr lang="en-US"/>
           </a:p>
@@ -8441,7 +8588,7 @@
 </p:notes>
 </file>
 
-<file path=ppt/notesSlides/notesSlide57.xml><?xml version="1.0" encoding="utf-8"?>
+<file path=ppt/notesSlides/notesSlide58.xml><?xml version="1.0" encoding="utf-8"?>
 <p:notes xmlns:a="http://schemas.openxmlformats.org/drawingml/2006/main" xmlns:r="http://schemas.openxmlformats.org/officeDocument/2006/relationships" xmlns:p="http://schemas.openxmlformats.org/presentationml/2006/main">
   <p:cSld>
     <p:spTree>
@@ -12456,7 +12603,7 @@
                   <a:schemeClr val="bg1"/>
                 </a:buClr>
               </a:pPr>
-              <a:t>3/19/20</a:t>
+              <a:t>5/4/20</a:t>
             </a:fld>
             <a:endParaRPr lang="en-US" sz="900" dirty="0">
               <a:solidFill>
@@ -12530,7 +12677,7 @@
                   <a:schemeClr val="bg1"/>
                 </a:buClr>
               </a:pPr>
-              <a:t>3/19/20</a:t>
+              <a:t>5/4/20</a:t>
             </a:fld>
             <a:endParaRPr lang="en-US" sz="900" dirty="0">
               <a:solidFill>
@@ -16112,7 +16259,7 @@
             </a:r>
             <a:r>
               <a:rPr lang="en-US" sz="1800" dirty="0"/>
-              <a:t>= target hierarchy</a:t>
+              <a:t>= target and other tree-wise operations</a:t>
             </a:r>
           </a:p>
           <a:p>
@@ -16173,7 +16320,7 @@
             </a:r>
             <a:r>
               <a:rPr lang="en-US" sz="1800" dirty="0"/>
-              <a:t> - directory in which </a:t>
+              <a:t> – directory in which </a:t>
             </a:r>
             <a:r>
               <a:rPr lang="en-US" sz="1800" dirty="0" err="1"/>
@@ -16258,15 +16405,6 @@
               <a:rPr lang="en-US" sz="1400" dirty="0"/>
               <a:t>=&lt;file&gt;</a:t>
             </a:r>
-          </a:p>
-          <a:p>
-            <a:pPr marL="341312" lvl="1" indent="0">
-              <a:spcBef>
-                <a:spcPts val="0"/>
-              </a:spcBef>
-              <a:buNone/>
-            </a:pPr>
-            <a:endParaRPr lang="en-US" sz="1200" dirty="0"/>
           </a:p>
         </p:txBody>
       </p:sp>
@@ -16573,6 +16711,413 @@
 </file>
 
 <file path=ppt/slides/slide16.xml><?xml version="1.0" encoding="utf-8"?>
+<p:sld xmlns:a="http://schemas.openxmlformats.org/drawingml/2006/main" xmlns:r="http://schemas.openxmlformats.org/officeDocument/2006/relationships" xmlns:p="http://schemas.openxmlformats.org/presentationml/2006/main">
+  <p:cSld>
+    <p:spTree>
+      <p:nvGrpSpPr>
+        <p:cNvPr id="1" name=""/>
+        <p:cNvGrpSpPr/>
+        <p:nvPr/>
+      </p:nvGrpSpPr>
+      <p:grpSpPr>
+        <a:xfrm>
+          <a:off x="0" y="0"/>
+          <a:ext cx="0" cy="0"/>
+          <a:chOff x="0" y="0"/>
+          <a:chExt cx="0" cy="0"/>
+        </a:xfrm>
+      </p:grpSpPr>
+      <p:pic>
+        <p:nvPicPr>
+          <p:cNvPr id="6" name="Picture 5">
+            <a:extLst>
+              <a:ext uri="{FF2B5EF4-FFF2-40B4-BE49-F238E27FC236}">
+                <a16:creationId xmlns:a16="http://schemas.microsoft.com/office/drawing/2014/main" id="{60BACBFC-D659-DD48-8422-4F06E139B2B6}"/>
+              </a:ext>
+            </a:extLst>
+          </p:cNvPr>
+          <p:cNvPicPr>
+            <a:picLocks noChangeAspect="1"/>
+          </p:cNvPicPr>
+          <p:nvPr/>
+        </p:nvPicPr>
+        <p:blipFill>
+          <a:blip r:embed="rId3" cstate="print">
+            <a:extLst>
+              <a:ext uri="{28A0092B-C50C-407E-A947-70E740481C1C}">
+                <a14:useLocalDpi xmlns:a14="http://schemas.microsoft.com/office/drawing/2010/main"/>
+              </a:ext>
+            </a:extLst>
+          </a:blip>
+          <a:stretch>
+            <a:fillRect/>
+          </a:stretch>
+        </p:blipFill>
+        <p:spPr>
+          <a:xfrm>
+            <a:off x="7730696" y="202883"/>
+            <a:ext cx="1316286" cy="1172886"/>
+          </a:xfrm>
+          <a:prstGeom prst="rect">
+            <a:avLst/>
+          </a:prstGeom>
+        </p:spPr>
+      </p:pic>
+      <p:sp>
+        <p:nvSpPr>
+          <p:cNvPr id="2" name="Title 1"/>
+          <p:cNvSpPr>
+            <a:spLocks noGrp="1"/>
+          </p:cNvSpPr>
+          <p:nvPr>
+            <p:ph type="title"/>
+          </p:nvPr>
+        </p:nvSpPr>
+        <p:spPr/>
+        <p:txBody>
+          <a:bodyPr/>
+          <a:lstStyle/>
+          <a:p>
+            <a:r>
+              <a:rPr lang="en-US" dirty="0"/>
+              <a:t>-</a:t>
+            </a:r>
+            <a:r>
+              <a:rPr lang="en-US" dirty="0" err="1"/>
+              <a:t>pfile</a:t>
+            </a:r>
+            <a:r>
+              <a:rPr lang="en-US" dirty="0"/>
+              <a:t>=&lt;file&gt; Syntax</a:t>
+            </a:r>
+          </a:p>
+        </p:txBody>
+      </p:sp>
+      <p:sp>
+        <p:nvSpPr>
+          <p:cNvPr id="5" name="Content Placeholder 4"/>
+          <p:cNvSpPr>
+            <a:spLocks noGrp="1"/>
+          </p:cNvSpPr>
+          <p:nvPr>
+            <p:ph sz="quarter" idx="10"/>
+          </p:nvPr>
+        </p:nvSpPr>
+        <p:spPr>
+          <a:xfrm>
+            <a:off x="275730" y="1127915"/>
+            <a:ext cx="8358923" cy="3575907"/>
+          </a:xfrm>
+        </p:spPr>
+        <p:txBody>
+          <a:bodyPr>
+            <a:normAutofit fontScale="85000" lnSpcReduction="20000"/>
+          </a:bodyPr>
+          <a:lstStyle/>
+          <a:p>
+            <a:r>
+              <a:rPr lang="en-US" dirty="0"/>
+              <a:t>Empty lines and lines beginning with #@*% are ignored</a:t>
+            </a:r>
+          </a:p>
+          <a:p>
+            <a:r>
+              <a:rPr lang="en-US" dirty="0"/>
+              <a:t>Valid sections are denoted by “[&lt;keyword&gt;]” lines followed by values as follows;</a:t>
+            </a:r>
+          </a:p>
+          <a:p>
+            <a:pPr marL="227012" lvl="1" indent="0">
+              <a:buNone/>
+            </a:pPr>
+            <a:r>
+              <a:rPr lang="en-US" dirty="0"/>
+              <a:t>[source] – Pathname for &lt;source&gt; relative root(s)</a:t>
+            </a:r>
+          </a:p>
+          <a:p>
+            <a:pPr lvl="1">
+              <a:spcBef>
+                <a:spcPts val="0"/>
+              </a:spcBef>
+            </a:pPr>
+            <a:r>
+              <a:rPr lang="en-US" sz="1400" dirty="0"/>
+              <a:t>paths must represent equivalent paths</a:t>
+            </a:r>
+          </a:p>
+          <a:p>
+            <a:pPr lvl="1">
+              <a:spcBef>
+                <a:spcPts val="0"/>
+              </a:spcBef>
+            </a:pPr>
+            <a:r>
+              <a:rPr lang="en-US" sz="1400" dirty="0"/>
+              <a:t>cannot be used with -</a:t>
+            </a:r>
+            <a:r>
+              <a:rPr lang="en-US" sz="1400"/>
+              <a:t>source= option</a:t>
+            </a:r>
+            <a:endParaRPr lang="en-US" sz="1400" dirty="0"/>
+          </a:p>
+          <a:p>
+            <a:pPr marL="227012" lvl="1" indent="0">
+              <a:buNone/>
+            </a:pPr>
+            <a:r>
+              <a:rPr lang="en-US" dirty="0"/>
+              <a:t>[target] – Pathname for &lt;target&gt; relative root(s)</a:t>
+            </a:r>
+          </a:p>
+          <a:p>
+            <a:pPr lvl="1">
+              <a:spcBef>
+                <a:spcPts val="0"/>
+              </a:spcBef>
+            </a:pPr>
+            <a:r>
+              <a:rPr lang="en-US" sz="1400" dirty="0"/>
+              <a:t>paths must represent equivalent paths</a:t>
+            </a:r>
+          </a:p>
+          <a:p>
+            <a:pPr lvl="1">
+              <a:spcBef>
+                <a:spcPts val="0"/>
+              </a:spcBef>
+            </a:pPr>
+            <a:r>
+              <a:rPr lang="en-US" sz="1400" dirty="0"/>
+              <a:t>cannot be used with -target= option</a:t>
+            </a:r>
+          </a:p>
+          <a:p>
+            <a:pPr marL="227012" lvl="1" indent="0">
+              <a:buNone/>
+            </a:pPr>
+            <a:r>
+              <a:rPr lang="en-US" dirty="0"/>
+              <a:t>[output] – Pathname where </a:t>
+            </a:r>
+            <a:r>
+              <a:rPr lang="en-US" dirty="0" err="1"/>
+              <a:t>pwalk</a:t>
+            </a:r>
+            <a:r>
+              <a:rPr lang="en-US" dirty="0"/>
+              <a:t> output directory will be created</a:t>
+            </a:r>
+          </a:p>
+          <a:p>
+            <a:pPr lvl="1">
+              <a:spcBef>
+                <a:spcPts val="0"/>
+              </a:spcBef>
+            </a:pPr>
+            <a:r>
+              <a:rPr lang="en-US" sz="1400" dirty="0"/>
+              <a:t>must exist and permit </a:t>
+            </a:r>
+            <a:r>
+              <a:rPr lang="en-US" sz="1400" dirty="0" err="1"/>
+              <a:t>pwalk</a:t>
+            </a:r>
+            <a:r>
+              <a:rPr lang="en-US" sz="1400" dirty="0"/>
+              <a:t> output directory creation</a:t>
+            </a:r>
+          </a:p>
+          <a:p>
+            <a:pPr lvl="1">
+              <a:spcBef>
+                <a:spcPts val="0"/>
+              </a:spcBef>
+            </a:pPr>
+            <a:r>
+              <a:rPr lang="en-US" sz="1400" dirty="0"/>
+              <a:t>cannot be used with -output= option</a:t>
+            </a:r>
+          </a:p>
+          <a:p>
+            <a:pPr marL="227012" lvl="1" indent="0">
+              <a:buNone/>
+            </a:pPr>
+            <a:r>
+              <a:rPr lang="en-US" dirty="0"/>
+              <a:t>[select] – </a:t>
+            </a:r>
+            <a:r>
+              <a:rPr lang="en-US" dirty="0">
+                <a:highlight>
+                  <a:srgbClr val="FFFF00"/>
+                </a:highlight>
+              </a:rPr>
+              <a:t>PLACEHOLDER for future expression syntax</a:t>
+            </a:r>
+          </a:p>
+          <a:p>
+            <a:pPr marL="227012" lvl="1" indent="0">
+              <a:buNone/>
+            </a:pPr>
+            <a:r>
+              <a:rPr lang="en-US" dirty="0"/>
+              <a:t>[tally] – Bucket sizes for +tally, one per line;</a:t>
+            </a:r>
+          </a:p>
+          <a:p>
+            <a:pPr lvl="1">
+              <a:spcBef>
+                <a:spcPts val="0"/>
+              </a:spcBef>
+            </a:pPr>
+            <a:r>
+              <a:rPr lang="en-US" sz="1400" dirty="0"/>
+              <a:t>must be integer multiples of 1024</a:t>
+            </a:r>
+          </a:p>
+          <a:p>
+            <a:pPr lvl="1">
+              <a:spcBef>
+                <a:spcPts val="0"/>
+              </a:spcBef>
+            </a:pPr>
+            <a:r>
+              <a:rPr lang="en-US" sz="1400" dirty="0"/>
+              <a:t>must be monotonically ascending</a:t>
+            </a:r>
+          </a:p>
+          <a:p>
+            <a:pPr lvl="1">
+              <a:spcBef>
+                <a:spcPts val="0"/>
+              </a:spcBef>
+            </a:pPr>
+            <a:r>
+              <a:rPr lang="en-US" sz="1400" dirty="0"/>
+              <a:t>must be fewer than 128 in number</a:t>
+            </a:r>
+          </a:p>
+          <a:p>
+            <a:pPr lvl="1">
+              <a:spcBef>
+                <a:spcPts val="0"/>
+              </a:spcBef>
+            </a:pPr>
+            <a:r>
+              <a:rPr lang="en-US" sz="1400" dirty="0"/>
+              <a:t>may be in decimal, octal, or </a:t>
+            </a:r>
+            <a:r>
+              <a:rPr lang="en-US" sz="1400" dirty="0" err="1"/>
+              <a:t>hexedecimal</a:t>
+            </a:r>
+            <a:endParaRPr lang="en-US" sz="1400" dirty="0"/>
+          </a:p>
+          <a:p>
+            <a:pPr lvl="1">
+              <a:spcBef>
+                <a:spcPts val="0"/>
+              </a:spcBef>
+            </a:pPr>
+            <a:r>
+              <a:rPr lang="en-US" sz="1400" dirty="0"/>
+              <a:t>may be suffixed by </a:t>
+            </a:r>
+            <a:r>
+              <a:rPr lang="en-US" sz="1400" dirty="0" err="1"/>
+              <a:t>ki</a:t>
+            </a:r>
+            <a:r>
+              <a:rPr lang="en-US" sz="1400" dirty="0"/>
+              <a:t>/mi/</a:t>
+            </a:r>
+            <a:r>
+              <a:rPr lang="en-US" sz="1400" dirty="0" err="1"/>
+              <a:t>gi</a:t>
+            </a:r>
+            <a:r>
+              <a:rPr lang="en-US" sz="1400" dirty="0"/>
+              <a:t>/</a:t>
+            </a:r>
+            <a:r>
+              <a:rPr lang="en-US" sz="1400" dirty="0" err="1"/>
+              <a:t>ti</a:t>
+            </a:r>
+            <a:r>
+              <a:rPr lang="en-US" sz="1400" dirty="0"/>
+              <a:t>/pi or k/m/g/t/p (NOTE: base-2 </a:t>
+            </a:r>
+            <a:r>
+              <a:rPr lang="en-US" sz="1400" dirty="0" err="1"/>
+              <a:t>ki</a:t>
+            </a:r>
+            <a:r>
+              <a:rPr lang="en-US" sz="1400" dirty="0"/>
+              <a:t>/mi/</a:t>
+            </a:r>
+            <a:r>
+              <a:rPr lang="en-US" sz="1400" dirty="0" err="1"/>
+              <a:t>gi</a:t>
+            </a:r>
+            <a:r>
+              <a:rPr lang="en-US" sz="1400" dirty="0"/>
+              <a:t>/</a:t>
+            </a:r>
+            <a:r>
+              <a:rPr lang="en-US" sz="1400" dirty="0" err="1"/>
+              <a:t>ti</a:t>
+            </a:r>
+            <a:r>
+              <a:rPr lang="en-US" sz="1400" dirty="0"/>
+              <a:t> values recommended!)</a:t>
+            </a:r>
+          </a:p>
+          <a:p>
+            <a:pPr lvl="1">
+              <a:spcBef>
+                <a:spcPts val="0"/>
+              </a:spcBef>
+            </a:pPr>
+            <a:r>
+              <a:rPr lang="en-US" sz="1400" dirty="0"/>
+              <a:t>initial value of ‘0’ is recommended</a:t>
+            </a:r>
+          </a:p>
+          <a:p>
+            <a:pPr lvl="1">
+              <a:spcBef>
+                <a:spcPts val="0"/>
+              </a:spcBef>
+            </a:pPr>
+            <a:r>
+              <a:rPr lang="en-US" sz="1400" dirty="0"/>
+              <a:t>cannot be used with +tally= option</a:t>
+            </a:r>
+          </a:p>
+          <a:p>
+            <a:endParaRPr lang="en-US" dirty="0"/>
+          </a:p>
+        </p:txBody>
+      </p:sp>
+    </p:spTree>
+    <p:extLst>
+      <p:ext uri="{BB962C8B-B14F-4D97-AF65-F5344CB8AC3E}">
+        <p14:creationId xmlns:p14="http://schemas.microsoft.com/office/powerpoint/2010/main" val="3996237643"/>
+      </p:ext>
+    </p:extLst>
+  </p:cSld>
+  <p:clrMapOvr>
+    <a:masterClrMapping/>
+  </p:clrMapOvr>
+  <p:transition spd="med">
+    <p:wipe dir="r"/>
+  </p:transition>
+</p:sld>
+</file>
+
+<file path=ppt/slides/slide17.xml><?xml version="1.0" encoding="utf-8"?>
 <p:sld xmlns:a="http://schemas.openxmlformats.org/drawingml/2006/main" xmlns:r="http://schemas.openxmlformats.org/officeDocument/2006/relationships" xmlns:p="http://schemas.openxmlformats.org/presentationml/2006/main">
   <p:cSld>
     <p:spTree>
@@ -18433,7 +18978,7 @@
 </p:sld>
 </file>
 
-<file path=ppt/slides/slide17.xml><?xml version="1.0" encoding="utf-8"?>
+<file path=ppt/slides/slide18.xml><?xml version="1.0" encoding="utf-8"?>
 <p:sld xmlns:a="http://schemas.openxmlformats.org/drawingml/2006/main" xmlns:r="http://schemas.openxmlformats.org/officeDocument/2006/relationships" xmlns:p="http://schemas.openxmlformats.org/presentationml/2006/main">
   <p:cSld>
     <p:spTree>
@@ -19247,7 +19792,7 @@
 </p:sld>
 </file>
 
-<file path=ppt/slides/slide18.xml><?xml version="1.0" encoding="utf-8"?>
+<file path=ppt/slides/slide19.xml><?xml version="1.0" encoding="utf-8"?>
 <p:sld xmlns:a="http://schemas.openxmlformats.org/drawingml/2006/main" xmlns:r="http://schemas.openxmlformats.org/officeDocument/2006/relationships" xmlns:p="http://schemas.openxmlformats.org/presentationml/2006/main">
   <p:cSld>
     <p:spTree>
@@ -20338,7 +20883,245 @@
 </p:sld>
 </file>
 
-<file path=ppt/slides/slide19.xml><?xml version="1.0" encoding="utf-8"?>
+<file path=ppt/slides/slide2.xml><?xml version="1.0" encoding="utf-8"?>
+<p:sld xmlns:a="http://schemas.openxmlformats.org/drawingml/2006/main" xmlns:r="http://schemas.openxmlformats.org/officeDocument/2006/relationships" xmlns:p="http://schemas.openxmlformats.org/presentationml/2006/main">
+  <p:cSld>
+    <p:spTree>
+      <p:nvGrpSpPr>
+        <p:cNvPr id="1" name=""/>
+        <p:cNvGrpSpPr/>
+        <p:nvPr/>
+      </p:nvGrpSpPr>
+      <p:grpSpPr>
+        <a:xfrm>
+          <a:off x="0" y="0"/>
+          <a:ext cx="0" cy="0"/>
+          <a:chOff x="0" y="0"/>
+          <a:chExt cx="0" cy="0"/>
+        </a:xfrm>
+      </p:grpSpPr>
+      <p:sp>
+        <p:nvSpPr>
+          <p:cNvPr id="2" name="Title 1"/>
+          <p:cNvSpPr>
+            <a:spLocks noGrp="1"/>
+          </p:cNvSpPr>
+          <p:nvPr>
+            <p:ph type="title"/>
+          </p:nvPr>
+        </p:nvSpPr>
+        <p:spPr>
+          <a:xfrm>
+            <a:off x="375533" y="161219"/>
+            <a:ext cx="8410575" cy="690563"/>
+          </a:xfrm>
+        </p:spPr>
+        <p:txBody>
+          <a:bodyPr/>
+          <a:lstStyle/>
+          <a:p>
+            <a:r>
+              <a:rPr lang="en-US" dirty="0">
+                <a:solidFill>
+                  <a:srgbClr val="007DB8"/>
+                </a:solidFill>
+              </a:rPr>
+              <a:t>Disclaimers</a:t>
+            </a:r>
+          </a:p>
+        </p:txBody>
+      </p:sp>
+      <p:sp>
+        <p:nvSpPr>
+          <p:cNvPr id="4" name="Content Placeholder 3"/>
+          <p:cNvSpPr>
+            <a:spLocks noGrp="1"/>
+          </p:cNvSpPr>
+          <p:nvPr>
+            <p:ph sz="quarter" idx="10"/>
+          </p:nvPr>
+        </p:nvSpPr>
+        <p:spPr>
+          <a:xfrm>
+            <a:off x="366714" y="1060450"/>
+            <a:ext cx="8410575" cy="3610036"/>
+          </a:xfrm>
+        </p:spPr>
+        <p:txBody>
+          <a:bodyPr>
+            <a:normAutofit/>
+          </a:bodyPr>
+          <a:lstStyle/>
+          <a:p>
+            <a:pPr marL="0" indent="0">
+              <a:spcBef>
+                <a:spcPts val="0"/>
+              </a:spcBef>
+              <a:buNone/>
+            </a:pPr>
+            <a:r>
+              <a:rPr lang="en-US" sz="1800" i="1" dirty="0">
+                <a:latin typeface="+mn-lt"/>
+              </a:rPr>
+              <a:t>The software described herein is FREE CODE provided for instructional purposes only. It is not an official or supported product of Dell Technologies, Dell EMC, or any of its affiliates. Neither Dell Technologies nor Dell EMC assume any liability whatsoever for any use of this software or derivatives of this software, including any potential consequential damages which could arise from its use.</a:t>
+            </a:r>
+          </a:p>
+          <a:p>
+            <a:pPr marL="0" indent="0">
+              <a:spcBef>
+                <a:spcPts val="0"/>
+              </a:spcBef>
+              <a:buNone/>
+            </a:pPr>
+            <a:endParaRPr lang="en-US" sz="900" i="1" dirty="0">
+              <a:latin typeface="+mn-lt"/>
+            </a:endParaRPr>
+          </a:p>
+          <a:p>
+            <a:pPr marL="0" indent="0">
+              <a:spcBef>
+                <a:spcPts val="0"/>
+              </a:spcBef>
+              <a:buNone/>
+            </a:pPr>
+            <a:r>
+              <a:rPr lang="en-US" sz="1800" i="1" dirty="0">
+                <a:latin typeface="+mn-lt"/>
+              </a:rPr>
+              <a:t>The C source code includes this disclaimer ...</a:t>
+            </a:r>
+          </a:p>
+          <a:p>
+            <a:pPr marL="0" indent="0">
+              <a:spcBef>
+                <a:spcPts val="0"/>
+              </a:spcBef>
+              <a:buNone/>
+            </a:pPr>
+            <a:endParaRPr lang="en-US" sz="900" dirty="0">
+              <a:latin typeface="+mn-lt"/>
+            </a:endParaRPr>
+          </a:p>
+          <a:p>
+            <a:pPr marL="346075" lvl="1" indent="0">
+              <a:spcBef>
+                <a:spcPts val="0"/>
+              </a:spcBef>
+              <a:buNone/>
+            </a:pPr>
+            <a:r>
+              <a:rPr lang="en-US" sz="1400" dirty="0">
+                <a:latin typeface="+mn-lt"/>
+                <a:cs typeface="Consolas"/>
+              </a:rPr>
+              <a:t>// This is FREE CODE.  There are no warranties,</a:t>
+            </a:r>
+          </a:p>
+          <a:p>
+            <a:pPr marL="346075" lvl="1" indent="0">
+              <a:spcBef>
+                <a:spcPts val="0"/>
+              </a:spcBef>
+              <a:buNone/>
+            </a:pPr>
+            <a:r>
+              <a:rPr lang="en-US" sz="1400" dirty="0">
+                <a:latin typeface="+mn-lt"/>
+                <a:cs typeface="Consolas"/>
+              </a:rPr>
+              <a:t>// express </a:t>
+            </a:r>
+            <a:r>
+              <a:rPr lang="en-US" sz="1400">
+                <a:latin typeface="+mn-lt"/>
+                <a:cs typeface="Consolas"/>
+              </a:rPr>
+              <a:t>or implied, </a:t>
+            </a:r>
+            <a:r>
+              <a:rPr lang="en-US" sz="1400" dirty="0">
+                <a:latin typeface="+mn-lt"/>
+                <a:cs typeface="Consolas"/>
+              </a:rPr>
+              <a:t>of any sort whatsoever,</a:t>
+            </a:r>
+          </a:p>
+          <a:p>
+            <a:pPr marL="346075" lvl="1" indent="0">
+              <a:spcBef>
+                <a:spcPts val="0"/>
+              </a:spcBef>
+              <a:buNone/>
+            </a:pPr>
+            <a:r>
+              <a:rPr lang="en-US" sz="1400" dirty="0">
+                <a:latin typeface="+mn-lt"/>
+                <a:cs typeface="Consolas"/>
+              </a:rPr>
+              <a:t>// including any warrantees of correctness or </a:t>
+            </a:r>
+          </a:p>
+          <a:p>
+            <a:pPr marL="346075" lvl="1" indent="0">
+              <a:spcBef>
+                <a:spcPts val="0"/>
+              </a:spcBef>
+              <a:buNone/>
+            </a:pPr>
+            <a:r>
+              <a:rPr lang="en-US" sz="1400" dirty="0">
+                <a:latin typeface="+mn-lt"/>
+                <a:cs typeface="Consolas"/>
+              </a:rPr>
+              <a:t>// suitability for any particular purpose.</a:t>
+            </a:r>
+          </a:p>
+          <a:p>
+            <a:pPr marL="346075" lvl="1" indent="0">
+              <a:spcBef>
+                <a:spcPts val="0"/>
+              </a:spcBef>
+              <a:buNone/>
+            </a:pPr>
+            <a:endParaRPr lang="en-US" sz="900" dirty="0">
+              <a:latin typeface="+mn-lt"/>
+              <a:cs typeface="Consolas"/>
+            </a:endParaRPr>
+          </a:p>
+          <a:p>
+            <a:pPr marL="0" indent="0">
+              <a:spcBef>
+                <a:spcPts val="0"/>
+              </a:spcBef>
+              <a:buNone/>
+            </a:pPr>
+            <a:r>
+              <a:rPr lang="en-US" sz="1800" i="1" dirty="0">
+                <a:latin typeface="+mn-lt"/>
+                <a:cs typeface="Consolas"/>
+              </a:rPr>
+              <a:t>This project is a work-in-process. All aspects of its features and implementation details are subject to change without notice.</a:t>
+            </a:r>
+          </a:p>
+        </p:txBody>
+      </p:sp>
+    </p:spTree>
+    <p:extLst>
+      <p:ext uri="{BB962C8B-B14F-4D97-AF65-F5344CB8AC3E}">
+        <p14:creationId xmlns:p14="http://schemas.microsoft.com/office/powerpoint/2010/main" val="2147835070"/>
+      </p:ext>
+    </p:extLst>
+  </p:cSld>
+  <p:clrMapOvr>
+    <a:masterClrMapping/>
+  </p:clrMapOvr>
+  <p:transition>
+    <p:fade/>
+  </p:transition>
+</p:sld>
+</file>
+
+<file path=ppt/slides/slide20.xml><?xml version="1.0" encoding="utf-8"?>
 <p:sld xmlns:a="http://schemas.openxmlformats.org/drawingml/2006/main" xmlns:r="http://schemas.openxmlformats.org/officeDocument/2006/relationships" xmlns:p="http://schemas.openxmlformats.org/presentationml/2006/main">
   <p:cSld>
     <p:bg>
@@ -20423,1117 +21206,6 @@
 </p:sld>
 </file>
 
-<file path=ppt/slides/slide2.xml><?xml version="1.0" encoding="utf-8"?>
-<p:sld xmlns:a="http://schemas.openxmlformats.org/drawingml/2006/main" xmlns:r="http://schemas.openxmlformats.org/officeDocument/2006/relationships" xmlns:p="http://schemas.openxmlformats.org/presentationml/2006/main">
-  <p:cSld>
-    <p:spTree>
-      <p:nvGrpSpPr>
-        <p:cNvPr id="1" name=""/>
-        <p:cNvGrpSpPr/>
-        <p:nvPr/>
-      </p:nvGrpSpPr>
-      <p:grpSpPr>
-        <a:xfrm>
-          <a:off x="0" y="0"/>
-          <a:ext cx="0" cy="0"/>
-          <a:chOff x="0" y="0"/>
-          <a:chExt cx="0" cy="0"/>
-        </a:xfrm>
-      </p:grpSpPr>
-      <p:sp>
-        <p:nvSpPr>
-          <p:cNvPr id="2" name="Title 1"/>
-          <p:cNvSpPr>
-            <a:spLocks noGrp="1"/>
-          </p:cNvSpPr>
-          <p:nvPr>
-            <p:ph type="title"/>
-          </p:nvPr>
-        </p:nvSpPr>
-        <p:spPr>
-          <a:xfrm>
-            <a:off x="375533" y="161219"/>
-            <a:ext cx="8410575" cy="690563"/>
-          </a:xfrm>
-        </p:spPr>
-        <p:txBody>
-          <a:bodyPr/>
-          <a:lstStyle/>
-          <a:p>
-            <a:r>
-              <a:rPr lang="en-US" dirty="0">
-                <a:solidFill>
-                  <a:srgbClr val="007DB8"/>
-                </a:solidFill>
-              </a:rPr>
-              <a:t>Disclaimers</a:t>
-            </a:r>
-          </a:p>
-        </p:txBody>
-      </p:sp>
-      <p:sp>
-        <p:nvSpPr>
-          <p:cNvPr id="4" name="Content Placeholder 3"/>
-          <p:cNvSpPr>
-            <a:spLocks noGrp="1"/>
-          </p:cNvSpPr>
-          <p:nvPr>
-            <p:ph sz="quarter" idx="10"/>
-          </p:nvPr>
-        </p:nvSpPr>
-        <p:spPr>
-          <a:xfrm>
-            <a:off x="366714" y="1060450"/>
-            <a:ext cx="8410575" cy="3610036"/>
-          </a:xfrm>
-        </p:spPr>
-        <p:txBody>
-          <a:bodyPr>
-            <a:normAutofit/>
-          </a:bodyPr>
-          <a:lstStyle/>
-          <a:p>
-            <a:pPr marL="0" indent="0">
-              <a:spcBef>
-                <a:spcPts val="0"/>
-              </a:spcBef>
-              <a:buNone/>
-            </a:pPr>
-            <a:r>
-              <a:rPr lang="en-US" sz="1800" i="1" dirty="0">
-                <a:latin typeface="+mn-lt"/>
-              </a:rPr>
-              <a:t>The software described herein is FREE CODE provided for instructional purposes only. It is not an official or supported product of Dell Technologies, Dell EMC, or any of its affiliates. Neither Dell Technologies nor Dell EMC assume any liability whatsoever for any use of this software or derivatives of this software, including any potential consequential damages which could arise from its use.</a:t>
-            </a:r>
-          </a:p>
-          <a:p>
-            <a:pPr marL="0" indent="0">
-              <a:spcBef>
-                <a:spcPts val="0"/>
-              </a:spcBef>
-              <a:buNone/>
-            </a:pPr>
-            <a:endParaRPr lang="en-US" sz="900" i="1" dirty="0">
-              <a:latin typeface="+mn-lt"/>
-            </a:endParaRPr>
-          </a:p>
-          <a:p>
-            <a:pPr marL="0" indent="0">
-              <a:spcBef>
-                <a:spcPts val="0"/>
-              </a:spcBef>
-              <a:buNone/>
-            </a:pPr>
-            <a:r>
-              <a:rPr lang="en-US" sz="1800" i="1" dirty="0">
-                <a:latin typeface="+mn-lt"/>
-              </a:rPr>
-              <a:t>The C source code includes this disclaimer ...</a:t>
-            </a:r>
-          </a:p>
-          <a:p>
-            <a:pPr marL="0" indent="0">
-              <a:spcBef>
-                <a:spcPts val="0"/>
-              </a:spcBef>
-              <a:buNone/>
-            </a:pPr>
-            <a:endParaRPr lang="en-US" sz="900" dirty="0">
-              <a:latin typeface="+mn-lt"/>
-            </a:endParaRPr>
-          </a:p>
-          <a:p>
-            <a:pPr marL="346075" lvl="1" indent="0">
-              <a:spcBef>
-                <a:spcPts val="0"/>
-              </a:spcBef>
-              <a:buNone/>
-            </a:pPr>
-            <a:r>
-              <a:rPr lang="en-US" sz="1400" dirty="0">
-                <a:latin typeface="+mn-lt"/>
-                <a:cs typeface="Consolas"/>
-              </a:rPr>
-              <a:t>// This is FREE CODE.  There are no warranties,</a:t>
-            </a:r>
-          </a:p>
-          <a:p>
-            <a:pPr marL="346075" lvl="1" indent="0">
-              <a:spcBef>
-                <a:spcPts val="0"/>
-              </a:spcBef>
-              <a:buNone/>
-            </a:pPr>
-            <a:r>
-              <a:rPr lang="en-US" sz="1400" dirty="0">
-                <a:latin typeface="+mn-lt"/>
-                <a:cs typeface="Consolas"/>
-              </a:rPr>
-              <a:t>// express </a:t>
-            </a:r>
-            <a:r>
-              <a:rPr lang="en-US" sz="1400">
-                <a:latin typeface="+mn-lt"/>
-                <a:cs typeface="Consolas"/>
-              </a:rPr>
-              <a:t>or implied, </a:t>
-            </a:r>
-            <a:r>
-              <a:rPr lang="en-US" sz="1400" dirty="0">
-                <a:latin typeface="+mn-lt"/>
-                <a:cs typeface="Consolas"/>
-              </a:rPr>
-              <a:t>of any sort whatsoever,</a:t>
-            </a:r>
-          </a:p>
-          <a:p>
-            <a:pPr marL="346075" lvl="1" indent="0">
-              <a:spcBef>
-                <a:spcPts val="0"/>
-              </a:spcBef>
-              <a:buNone/>
-            </a:pPr>
-            <a:r>
-              <a:rPr lang="en-US" sz="1400" dirty="0">
-                <a:latin typeface="+mn-lt"/>
-                <a:cs typeface="Consolas"/>
-              </a:rPr>
-              <a:t>// including any warrantees of correctness or </a:t>
-            </a:r>
-          </a:p>
-          <a:p>
-            <a:pPr marL="346075" lvl="1" indent="0">
-              <a:spcBef>
-                <a:spcPts val="0"/>
-              </a:spcBef>
-              <a:buNone/>
-            </a:pPr>
-            <a:r>
-              <a:rPr lang="en-US" sz="1400" dirty="0">
-                <a:latin typeface="+mn-lt"/>
-                <a:cs typeface="Consolas"/>
-              </a:rPr>
-              <a:t>// suitability for any particular purpose.</a:t>
-            </a:r>
-          </a:p>
-          <a:p>
-            <a:pPr marL="346075" lvl="1" indent="0">
-              <a:spcBef>
-                <a:spcPts val="0"/>
-              </a:spcBef>
-              <a:buNone/>
-            </a:pPr>
-            <a:endParaRPr lang="en-US" sz="900" dirty="0">
-              <a:latin typeface="+mn-lt"/>
-              <a:cs typeface="Consolas"/>
-            </a:endParaRPr>
-          </a:p>
-          <a:p>
-            <a:pPr marL="0" indent="0">
-              <a:spcBef>
-                <a:spcPts val="0"/>
-              </a:spcBef>
-              <a:buNone/>
-            </a:pPr>
-            <a:r>
-              <a:rPr lang="en-US" sz="1800" i="1" dirty="0">
-                <a:latin typeface="+mn-lt"/>
-                <a:cs typeface="Consolas"/>
-              </a:rPr>
-              <a:t>This project is a work-in-process. All aspects of its features and implementation details are subject to change without notice.</a:t>
-            </a:r>
-          </a:p>
-        </p:txBody>
-      </p:sp>
-    </p:spTree>
-    <p:extLst>
-      <p:ext uri="{BB962C8B-B14F-4D97-AF65-F5344CB8AC3E}">
-        <p14:creationId xmlns:p14="http://schemas.microsoft.com/office/powerpoint/2010/main" val="2147835070"/>
-      </p:ext>
-    </p:extLst>
-  </p:cSld>
-  <p:clrMapOvr>
-    <a:masterClrMapping/>
-  </p:clrMapOvr>
-  <p:transition>
-    <p:fade/>
-  </p:transition>
-</p:sld>
-</file>
-
-<file path=ppt/slides/slide20.xml><?xml version="1.0" encoding="utf-8"?>
-<p:sld xmlns:a="http://schemas.openxmlformats.org/drawingml/2006/main" xmlns:r="http://schemas.openxmlformats.org/officeDocument/2006/relationships" xmlns:p="http://schemas.openxmlformats.org/presentationml/2006/main">
-  <p:cSld>
-    <p:spTree>
-      <p:nvGrpSpPr>
-        <p:cNvPr id="1" name=""/>
-        <p:cNvGrpSpPr/>
-        <p:nvPr/>
-      </p:nvGrpSpPr>
-      <p:grpSpPr>
-        <a:xfrm>
-          <a:off x="0" y="0"/>
-          <a:ext cx="0" cy="0"/>
-          <a:chOff x="0" y="0"/>
-          <a:chExt cx="0" cy="0"/>
-        </a:xfrm>
-      </p:grpSpPr>
-      <p:sp>
-        <p:nvSpPr>
-          <p:cNvPr id="2" name="Title 1"/>
-          <p:cNvSpPr>
-            <a:spLocks noGrp="1"/>
-          </p:cNvSpPr>
-          <p:nvPr>
-            <p:ph type="title"/>
-          </p:nvPr>
-        </p:nvSpPr>
-        <p:spPr/>
-        <p:txBody>
-          <a:bodyPr anchor="ctr" anchorCtr="0"/>
-          <a:lstStyle/>
-          <a:p>
-            <a:r>
-              <a:rPr lang="en-US" dirty="0"/>
-              <a:t>-ls, -</a:t>
-            </a:r>
-            <a:r>
-              <a:rPr lang="en-US" dirty="0" err="1"/>
-              <a:t>lsc</a:t>
-            </a:r>
-            <a:r>
-              <a:rPr lang="en-US" dirty="0"/>
-              <a:t>, -</a:t>
-            </a:r>
-            <a:r>
-              <a:rPr lang="en-US" dirty="0" err="1"/>
-              <a:t>lsc</a:t>
-            </a:r>
-            <a:r>
-              <a:rPr lang="en-US" dirty="0"/>
-              <a:t>, &amp; -</a:t>
-            </a:r>
-            <a:r>
-              <a:rPr lang="en-US" dirty="0" err="1"/>
-              <a:t>lsf</a:t>
-            </a:r>
-            <a:r>
-              <a:rPr lang="en-US" dirty="0"/>
-              <a:t> primary modes</a:t>
-            </a:r>
-          </a:p>
-        </p:txBody>
-      </p:sp>
-      <p:sp>
-        <p:nvSpPr>
-          <p:cNvPr id="3" name="Content Placeholder 2"/>
-          <p:cNvSpPr>
-            <a:spLocks noGrp="1"/>
-          </p:cNvSpPr>
-          <p:nvPr>
-            <p:ph sz="quarter" idx="10"/>
-          </p:nvPr>
-        </p:nvSpPr>
-        <p:spPr/>
-        <p:txBody>
-          <a:bodyPr>
-            <a:normAutofit fontScale="92500" lnSpcReduction="20000"/>
-          </a:bodyPr>
-          <a:lstStyle/>
-          <a:p>
-            <a:pPr>
-              <a:spcBef>
-                <a:spcPts val="600"/>
-              </a:spcBef>
-              <a:spcAft>
-                <a:spcPts val="300"/>
-              </a:spcAft>
-              <a:buClrTx/>
-            </a:pPr>
-            <a:r>
-              <a:rPr lang="en-US" dirty="0" err="1"/>
-              <a:t>pwalk</a:t>
-            </a:r>
-            <a:r>
-              <a:rPr lang="en-US" dirty="0"/>
-              <a:t> -ls ... </a:t>
-            </a:r>
-            <a:r>
-              <a:rPr lang="mr-IN" dirty="0"/>
-              <a:t>–</a:t>
-            </a:r>
-            <a:r>
-              <a:rPr lang="en-US" dirty="0"/>
-              <a:t> (basic) much like ‘ls </a:t>
-            </a:r>
-            <a:r>
-              <a:rPr lang="mr-IN" dirty="0"/>
-              <a:t>–</a:t>
-            </a:r>
-            <a:r>
-              <a:rPr lang="en-US" dirty="0"/>
-              <a:t>l’</a:t>
-            </a:r>
-          </a:p>
-          <a:p>
-            <a:pPr marL="457200" indent="0">
-              <a:spcBef>
-                <a:spcPts val="0"/>
-              </a:spcBef>
-              <a:buNone/>
-            </a:pPr>
-            <a:r>
-              <a:rPr lang="en-US" sz="1050" dirty="0">
-                <a:latin typeface="Consolas"/>
-                <a:cs typeface="Consolas"/>
-              </a:rPr>
-              <a:t>@ </a:t>
-            </a:r>
-            <a:r>
-              <a:rPr lang="mr-IN" sz="1050" dirty="0" err="1">
-                <a:latin typeface="Consolas"/>
-                <a:cs typeface="Consolas"/>
-              </a:rPr>
-              <a:t>usr</a:t>
-            </a:r>
-            <a:endParaRPr lang="mr-IN" sz="1050" dirty="0">
-              <a:latin typeface="Consolas"/>
-              <a:cs typeface="Consolas"/>
-            </a:endParaRPr>
-          </a:p>
-          <a:p>
-            <a:pPr marL="457200" indent="0">
-              <a:spcBef>
-                <a:spcPts val="0"/>
-              </a:spcBef>
-              <a:buNone/>
-            </a:pPr>
-            <a:r>
-              <a:rPr lang="en-US" sz="1050" dirty="0" err="1">
-                <a:latin typeface="Consolas"/>
-                <a:cs typeface="Consolas"/>
-              </a:rPr>
-              <a:t>drwxr</a:t>
-            </a:r>
-            <a:r>
-              <a:rPr lang="en-US" sz="1050" dirty="0">
-                <a:latin typeface="Consolas"/>
-                <a:cs typeface="Consolas"/>
-              </a:rPr>
-              <a:t>-</a:t>
-            </a:r>
-            <a:r>
-              <a:rPr lang="en-US" sz="1050" dirty="0" err="1">
-                <a:latin typeface="Consolas"/>
-                <a:cs typeface="Consolas"/>
-              </a:rPr>
-              <a:t>xr</a:t>
-            </a:r>
-            <a:r>
-              <a:rPr lang="en-US" sz="1050" dirty="0">
-                <a:latin typeface="Consolas"/>
-                <a:cs typeface="Consolas"/>
-              </a:rPr>
-              <a:t>-x 980 0 bin</a:t>
-            </a:r>
-          </a:p>
-          <a:p>
-            <a:pPr marL="457200" indent="0">
-              <a:spcBef>
-                <a:spcPts val="0"/>
-              </a:spcBef>
-              <a:buNone/>
-            </a:pPr>
-            <a:r>
-              <a:rPr lang="en-US" sz="1050" dirty="0" err="1">
-                <a:latin typeface="Consolas"/>
-                <a:cs typeface="Consolas"/>
-              </a:rPr>
-              <a:t>drwxr</a:t>
-            </a:r>
-            <a:r>
-              <a:rPr lang="en-US" sz="1050" dirty="0">
-                <a:latin typeface="Consolas"/>
-                <a:cs typeface="Consolas"/>
-              </a:rPr>
-              <a:t>-</a:t>
-            </a:r>
-            <a:r>
-              <a:rPr lang="en-US" sz="1050" dirty="0" err="1">
-                <a:latin typeface="Consolas"/>
-                <a:cs typeface="Consolas"/>
-              </a:rPr>
-              <a:t>xr</a:t>
-            </a:r>
-            <a:r>
-              <a:rPr lang="en-US" sz="1050" dirty="0">
-                <a:latin typeface="Consolas"/>
-                <a:cs typeface="Consolas"/>
-              </a:rPr>
-              <a:t>-x 294 0 lib</a:t>
-            </a:r>
-          </a:p>
-          <a:p>
-            <a:pPr marL="457200" indent="0">
-              <a:spcBef>
-                <a:spcPts val="0"/>
-              </a:spcBef>
-              <a:buNone/>
-            </a:pPr>
-            <a:r>
-              <a:rPr lang="mr-IN" sz="1050" dirty="0">
-                <a:latin typeface="Consolas"/>
-                <a:cs typeface="Consolas"/>
-              </a:rPr>
-              <a:t>lrwxr-xr-x 1 8 X11</a:t>
-            </a:r>
-            <a:endParaRPr lang="en-US" sz="1050" dirty="0">
-              <a:latin typeface="Consolas"/>
-              <a:cs typeface="Consolas"/>
-            </a:endParaRPr>
-          </a:p>
-          <a:p>
-            <a:pPr marL="457200" indent="0">
-              <a:spcBef>
-                <a:spcPts val="0"/>
-              </a:spcBef>
-              <a:buNone/>
-            </a:pPr>
-            <a:r>
-              <a:rPr lang="mr-IN" sz="1050" dirty="0">
-                <a:latin typeface="Consolas"/>
-                <a:cs typeface="Consolas"/>
-              </a:rPr>
-              <a:t>…</a:t>
-            </a:r>
-          </a:p>
-          <a:p>
-            <a:pPr marL="457200" indent="0">
-              <a:spcBef>
-                <a:spcPts val="0"/>
-              </a:spcBef>
-              <a:buNone/>
-            </a:pPr>
-            <a:r>
-              <a:rPr lang="en-US" sz="1050" dirty="0" err="1">
-                <a:latin typeface="Consolas"/>
-                <a:cs typeface="Consolas"/>
-              </a:rPr>
-              <a:t>drwxr</a:t>
-            </a:r>
-            <a:r>
-              <a:rPr lang="en-US" sz="1050" dirty="0">
-                <a:latin typeface="Consolas"/>
-                <a:cs typeface="Consolas"/>
-              </a:rPr>
-              <a:t>-</a:t>
-            </a:r>
-            <a:r>
-              <a:rPr lang="en-US" sz="1050" dirty="0" err="1">
-                <a:latin typeface="Consolas"/>
-                <a:cs typeface="Consolas"/>
-              </a:rPr>
-              <a:t>xr</a:t>
-            </a:r>
-            <a:r>
-              <a:rPr lang="en-US" sz="1050" dirty="0">
-                <a:latin typeface="Consolas"/>
-                <a:cs typeface="Consolas"/>
-              </a:rPr>
-              <a:t>-x 47 0 share</a:t>
-            </a:r>
-          </a:p>
-          <a:p>
-            <a:pPr marL="457200" indent="0">
-              <a:spcBef>
-                <a:spcPts val="0"/>
-              </a:spcBef>
-              <a:buNone/>
-            </a:pPr>
-            <a:r>
-              <a:rPr lang="en-US" sz="1050" dirty="0">
-                <a:latin typeface="Consolas"/>
-                <a:cs typeface="Consolas"/>
-              </a:rPr>
-              <a:t>S: f=0 d=7 s=1 o=1 errs=0 space=0 size=328</a:t>
-            </a:r>
-          </a:p>
-          <a:p>
-            <a:pPr>
-              <a:spcBef>
-                <a:spcPts val="600"/>
-              </a:spcBef>
-              <a:spcAft>
-                <a:spcPts val="300"/>
-              </a:spcAft>
-              <a:buClrTx/>
-            </a:pPr>
-            <a:r>
-              <a:rPr lang="en-US" dirty="0" err="1"/>
-              <a:t>pwalk</a:t>
-            </a:r>
-            <a:r>
-              <a:rPr lang="en-US" dirty="0"/>
-              <a:t> -</a:t>
-            </a:r>
-            <a:r>
-              <a:rPr lang="en-US" dirty="0" err="1"/>
-              <a:t>lsc</a:t>
-            </a:r>
-            <a:r>
-              <a:rPr lang="en-US" dirty="0"/>
-              <a:t> ... </a:t>
-            </a:r>
-            <a:r>
-              <a:rPr lang="mr-IN" dirty="0"/>
-              <a:t>–</a:t>
-            </a:r>
-            <a:r>
-              <a:rPr lang="en-US" dirty="0"/>
-              <a:t> (compact) with filenames only (</a:t>
-            </a:r>
-            <a:r>
-              <a:rPr lang="en-US" i="1" u="sng" dirty="0"/>
-              <a:t>skips directories</a:t>
-            </a:r>
-            <a:r>
-              <a:rPr lang="en-US" i="1" dirty="0"/>
-              <a:t>)</a:t>
-            </a:r>
-            <a:endParaRPr lang="en-US" dirty="0"/>
-          </a:p>
-          <a:p>
-            <a:pPr marL="457200" indent="0">
-              <a:spcBef>
-                <a:spcPts val="0"/>
-              </a:spcBef>
-              <a:buNone/>
-            </a:pPr>
-            <a:r>
-              <a:rPr lang="mr-IN" sz="1100" dirty="0">
-                <a:latin typeface="Consolas"/>
-                <a:cs typeface="Consolas"/>
-              </a:rPr>
-              <a:t>@ </a:t>
-            </a:r>
-            <a:r>
-              <a:rPr lang="mr-IN" sz="1100" dirty="0" err="1">
-                <a:latin typeface="Consolas"/>
-                <a:cs typeface="Consolas"/>
-              </a:rPr>
-              <a:t>usr</a:t>
-            </a:r>
-            <a:endParaRPr lang="mr-IN" sz="1100" dirty="0">
-              <a:latin typeface="Consolas"/>
-              <a:cs typeface="Consolas"/>
-            </a:endParaRPr>
-          </a:p>
-          <a:p>
-            <a:pPr marL="457200" indent="0">
-              <a:spcBef>
-                <a:spcPts val="0"/>
-              </a:spcBef>
-              <a:buNone/>
-            </a:pPr>
-            <a:r>
-              <a:rPr lang="it-IT" sz="1100" dirty="0">
-                <a:latin typeface="Consolas"/>
-                <a:cs typeface="Consolas"/>
-              </a:rPr>
-              <a:t>l X11</a:t>
-            </a:r>
-          </a:p>
-          <a:p>
-            <a:pPr marL="457200" indent="0">
-              <a:spcBef>
-                <a:spcPts val="0"/>
-              </a:spcBef>
-              <a:buNone/>
-            </a:pPr>
-            <a:r>
-              <a:rPr lang="it-IT" sz="1100" dirty="0" err="1">
-                <a:latin typeface="Consolas"/>
-                <a:cs typeface="Consolas"/>
-              </a:rPr>
-              <a:t>S</a:t>
-            </a:r>
-            <a:r>
-              <a:rPr lang="it-IT" sz="1100" dirty="0">
-                <a:latin typeface="Consolas"/>
-                <a:cs typeface="Consolas"/>
-              </a:rPr>
-              <a:t>: </a:t>
-            </a:r>
-            <a:r>
-              <a:rPr lang="it-IT" sz="1100" dirty="0" err="1">
-                <a:latin typeface="Consolas"/>
-                <a:cs typeface="Consolas"/>
-              </a:rPr>
-              <a:t>f</a:t>
-            </a:r>
-            <a:r>
-              <a:rPr lang="it-IT" sz="1100" dirty="0">
-                <a:latin typeface="Consolas"/>
-                <a:cs typeface="Consolas"/>
-              </a:rPr>
-              <a:t>=0 d=7 </a:t>
-            </a:r>
-            <a:r>
-              <a:rPr lang="it-IT" sz="1100" dirty="0" err="1">
-                <a:latin typeface="Consolas"/>
-                <a:cs typeface="Consolas"/>
-              </a:rPr>
-              <a:t>s</a:t>
-            </a:r>
-            <a:r>
-              <a:rPr lang="it-IT" sz="1100" dirty="0">
-                <a:latin typeface="Consolas"/>
-                <a:cs typeface="Consolas"/>
-              </a:rPr>
-              <a:t>=1 o=1 </a:t>
-            </a:r>
-            <a:r>
-              <a:rPr lang="it-IT" sz="1100" dirty="0" err="1">
-                <a:latin typeface="Consolas"/>
-                <a:cs typeface="Consolas"/>
-              </a:rPr>
-              <a:t>errs</a:t>
-            </a:r>
-            <a:r>
-              <a:rPr lang="it-IT" sz="1100" dirty="0">
-                <a:latin typeface="Consolas"/>
-                <a:cs typeface="Consolas"/>
-              </a:rPr>
-              <a:t>=0 </a:t>
-            </a:r>
-            <a:r>
-              <a:rPr lang="it-IT" sz="1100" dirty="0" err="1">
-                <a:latin typeface="Consolas"/>
-                <a:cs typeface="Consolas"/>
-              </a:rPr>
-              <a:t>space</a:t>
-            </a:r>
-            <a:r>
-              <a:rPr lang="it-IT" sz="1100" dirty="0">
-                <a:latin typeface="Consolas"/>
-                <a:cs typeface="Consolas"/>
-              </a:rPr>
-              <a:t>=0 </a:t>
-            </a:r>
-            <a:r>
-              <a:rPr lang="it-IT" sz="1100" dirty="0" err="1">
-                <a:latin typeface="Consolas"/>
-                <a:cs typeface="Consolas"/>
-              </a:rPr>
-              <a:t>size</a:t>
-            </a:r>
-            <a:r>
-              <a:rPr lang="it-IT" sz="1100" dirty="0">
-                <a:latin typeface="Consolas"/>
-                <a:cs typeface="Consolas"/>
-              </a:rPr>
-              <a:t>=328</a:t>
-            </a:r>
-            <a:endParaRPr lang="en-US" sz="1100" dirty="0">
-              <a:latin typeface="Consolas"/>
-              <a:cs typeface="Consolas"/>
-            </a:endParaRPr>
-          </a:p>
-          <a:p>
-            <a:pPr>
-              <a:spcBef>
-                <a:spcPts val="600"/>
-              </a:spcBef>
-              <a:spcAft>
-                <a:spcPts val="300"/>
-              </a:spcAft>
-              <a:buClrTx/>
-            </a:pPr>
-            <a:r>
-              <a:rPr lang="en-US" dirty="0" err="1"/>
-              <a:t>pwalk</a:t>
-            </a:r>
-            <a:r>
-              <a:rPr lang="en-US" dirty="0"/>
-              <a:t> -</a:t>
-            </a:r>
-            <a:r>
-              <a:rPr lang="en-US" dirty="0" err="1"/>
-              <a:t>lsd</a:t>
-            </a:r>
-            <a:r>
-              <a:rPr lang="en-US" dirty="0"/>
-              <a:t> ... </a:t>
-            </a:r>
-            <a:r>
-              <a:rPr lang="mr-IN" dirty="0"/>
-              <a:t>–</a:t>
-            </a:r>
-            <a:r>
-              <a:rPr lang="en-US" dirty="0"/>
-              <a:t> (directories only) like </a:t>
-            </a:r>
-            <a:r>
-              <a:rPr lang="mr-IN" dirty="0"/>
-              <a:t>–</a:t>
-            </a:r>
-            <a:r>
-              <a:rPr lang="en-US" dirty="0"/>
-              <a:t>ls, but show </a:t>
-            </a:r>
-            <a:r>
-              <a:rPr lang="en-US" u="sng" dirty="0"/>
-              <a:t>only</a:t>
-            </a:r>
-            <a:r>
-              <a:rPr lang="en-US" dirty="0"/>
-              <a:t> directory totals</a:t>
-            </a:r>
-          </a:p>
-          <a:p>
-            <a:pPr marL="457200" indent="0">
-              <a:spcBef>
-                <a:spcPts val="0"/>
-              </a:spcBef>
-              <a:buNone/>
-            </a:pPr>
-            <a:r>
-              <a:rPr lang="en-US" sz="1050" dirty="0">
-                <a:latin typeface="Consolas"/>
-                <a:cs typeface="Consolas"/>
-              </a:rPr>
-              <a:t>@ </a:t>
-            </a:r>
-            <a:r>
-              <a:rPr lang="mr-IN" sz="1050" dirty="0" err="1">
-                <a:latin typeface="Consolas"/>
-                <a:cs typeface="Consolas"/>
-              </a:rPr>
-              <a:t>usr</a:t>
-            </a:r>
-            <a:endParaRPr lang="mr-IN" sz="1050" dirty="0">
-              <a:latin typeface="Consolas"/>
-              <a:cs typeface="Consolas"/>
-            </a:endParaRPr>
-          </a:p>
-          <a:p>
-            <a:pPr marL="457200" indent="0">
-              <a:spcBef>
-                <a:spcPts val="0"/>
-              </a:spcBef>
-              <a:buNone/>
-            </a:pPr>
-            <a:r>
-              <a:rPr lang="en-US" sz="1050" dirty="0">
-                <a:latin typeface="Consolas"/>
-                <a:cs typeface="Consolas"/>
-              </a:rPr>
-              <a:t>S: f=0 d=7 s=1 o=1 errs=0 space=0 size=328</a:t>
-            </a:r>
-          </a:p>
-          <a:p>
-            <a:pPr>
-              <a:spcBef>
-                <a:spcPts val="600"/>
-              </a:spcBef>
-              <a:spcAft>
-                <a:spcPts val="300"/>
-              </a:spcAft>
-              <a:buClrTx/>
-            </a:pPr>
-            <a:r>
-              <a:rPr lang="en-US" sz="1900" dirty="0" err="1"/>
-              <a:t>pwalk</a:t>
-            </a:r>
-            <a:r>
-              <a:rPr lang="en-US" sz="1900" dirty="0"/>
-              <a:t> -</a:t>
-            </a:r>
-            <a:r>
-              <a:rPr lang="en-US" sz="1900" dirty="0" err="1"/>
-              <a:t>lsf</a:t>
-            </a:r>
-            <a:r>
-              <a:rPr lang="en-US" sz="1900" dirty="0"/>
-              <a:t> ... </a:t>
-            </a:r>
-            <a:r>
-              <a:rPr lang="mr-IN" sz="1900" dirty="0"/>
-              <a:t>–</a:t>
-            </a:r>
-            <a:r>
-              <a:rPr lang="en-US" sz="1900" dirty="0"/>
-              <a:t> (full pathname) like </a:t>
-            </a:r>
-            <a:r>
-              <a:rPr lang="mr-IN" sz="1900" dirty="0"/>
-              <a:t>–</a:t>
-            </a:r>
-            <a:r>
-              <a:rPr lang="en-US" sz="1900" dirty="0" err="1"/>
-              <a:t>lsc</a:t>
-            </a:r>
-            <a:r>
-              <a:rPr lang="en-US" sz="1900" dirty="0"/>
-              <a:t>, but full (or relative) path for each file</a:t>
-            </a:r>
-          </a:p>
-          <a:p>
-            <a:pPr marL="457200" indent="0">
-              <a:spcBef>
-                <a:spcPts val="0"/>
-              </a:spcBef>
-              <a:buNone/>
-            </a:pPr>
-            <a:r>
-              <a:rPr lang="en-US" sz="1100" dirty="0">
-                <a:latin typeface="Consolas"/>
-                <a:cs typeface="Consolas"/>
-              </a:rPr>
-              <a:t>@ </a:t>
-            </a:r>
-            <a:r>
-              <a:rPr lang="mr-IN" sz="1100" dirty="0" err="1">
-                <a:latin typeface="Consolas"/>
-                <a:cs typeface="Consolas"/>
-              </a:rPr>
-              <a:t>usr</a:t>
-            </a:r>
-            <a:endParaRPr lang="mr-IN" sz="1100" dirty="0">
-              <a:latin typeface="Consolas"/>
-              <a:cs typeface="Consolas"/>
-            </a:endParaRPr>
-          </a:p>
-          <a:p>
-            <a:pPr marL="457200" indent="0">
-              <a:spcBef>
-                <a:spcPts val="0"/>
-              </a:spcBef>
-              <a:buNone/>
-            </a:pPr>
-            <a:r>
-              <a:rPr lang="en-US" sz="1100" dirty="0">
-                <a:latin typeface="Consolas"/>
-                <a:cs typeface="Consolas"/>
-              </a:rPr>
-              <a:t>d </a:t>
-            </a:r>
-            <a:r>
-              <a:rPr lang="en-US" sz="1100" dirty="0" err="1">
-                <a:latin typeface="Consolas"/>
-                <a:cs typeface="Consolas"/>
-              </a:rPr>
-              <a:t>usr</a:t>
-            </a:r>
-            <a:r>
-              <a:rPr lang="en-US" sz="1100" dirty="0">
-                <a:latin typeface="Consolas"/>
-                <a:cs typeface="Consolas"/>
-              </a:rPr>
-              <a:t>/bin</a:t>
-            </a:r>
-          </a:p>
-          <a:p>
-            <a:pPr marL="457200" indent="0">
-              <a:spcBef>
-                <a:spcPts val="0"/>
-              </a:spcBef>
-              <a:buNone/>
-            </a:pPr>
-            <a:r>
-              <a:rPr lang="en-US" sz="1100" dirty="0">
-                <a:latin typeface="Consolas"/>
-                <a:cs typeface="Consolas"/>
-              </a:rPr>
-              <a:t>d </a:t>
-            </a:r>
-            <a:r>
-              <a:rPr lang="en-US" sz="1100" dirty="0" err="1">
-                <a:latin typeface="Consolas"/>
-                <a:cs typeface="Consolas"/>
-              </a:rPr>
-              <a:t>usr</a:t>
-            </a:r>
-            <a:r>
-              <a:rPr lang="en-US" sz="1100" dirty="0">
-                <a:latin typeface="Consolas"/>
-                <a:cs typeface="Consolas"/>
-              </a:rPr>
-              <a:t>/lib</a:t>
-            </a:r>
-          </a:p>
-          <a:p>
-            <a:pPr marL="457200" indent="0">
-              <a:spcBef>
-                <a:spcPts val="0"/>
-              </a:spcBef>
-              <a:buNone/>
-            </a:pPr>
-            <a:r>
-              <a:rPr lang="mr-IN" sz="1100" dirty="0" err="1">
-                <a:latin typeface="Consolas"/>
-                <a:cs typeface="Consolas"/>
-              </a:rPr>
-              <a:t>l</a:t>
-            </a:r>
-            <a:r>
-              <a:rPr lang="en-US" sz="1100" dirty="0">
-                <a:latin typeface="Consolas"/>
-                <a:cs typeface="Consolas"/>
-              </a:rPr>
-              <a:t> </a:t>
-            </a:r>
-            <a:r>
-              <a:rPr lang="en-US" sz="1100" dirty="0" err="1">
-                <a:latin typeface="Consolas"/>
-                <a:cs typeface="Consolas"/>
-              </a:rPr>
-              <a:t>usr</a:t>
-            </a:r>
-            <a:r>
-              <a:rPr lang="en-US" sz="1100" dirty="0">
-                <a:latin typeface="Consolas"/>
-                <a:cs typeface="Consolas"/>
-              </a:rPr>
-              <a:t>/</a:t>
-            </a:r>
-            <a:r>
-              <a:rPr lang="mr-IN" sz="1100" dirty="0">
-                <a:latin typeface="Consolas"/>
-                <a:cs typeface="Consolas"/>
-              </a:rPr>
-              <a:t>X11</a:t>
-            </a:r>
-            <a:endParaRPr lang="en-US" sz="1100" dirty="0">
-              <a:latin typeface="Consolas"/>
-              <a:cs typeface="Consolas"/>
-            </a:endParaRPr>
-          </a:p>
-          <a:p>
-            <a:pPr marL="457200" indent="0">
-              <a:spcBef>
-                <a:spcPts val="0"/>
-              </a:spcBef>
-              <a:buNone/>
-            </a:pPr>
-            <a:r>
-              <a:rPr lang="mr-IN" sz="1100" dirty="0">
-                <a:latin typeface="Consolas"/>
-                <a:cs typeface="Consolas"/>
-              </a:rPr>
-              <a:t>…</a:t>
-            </a:r>
-          </a:p>
-          <a:p>
-            <a:pPr marL="457200" indent="0">
-              <a:spcBef>
-                <a:spcPts val="0"/>
-              </a:spcBef>
-              <a:buNone/>
-            </a:pPr>
-            <a:r>
-              <a:rPr lang="en-US" sz="1100" dirty="0">
-                <a:latin typeface="Consolas"/>
-                <a:cs typeface="Consolas"/>
-              </a:rPr>
-              <a:t>d </a:t>
-            </a:r>
-            <a:r>
-              <a:rPr lang="en-US" sz="1100" dirty="0" err="1">
-                <a:latin typeface="Consolas"/>
-                <a:cs typeface="Consolas"/>
-              </a:rPr>
-              <a:t>usr</a:t>
-            </a:r>
-            <a:r>
-              <a:rPr lang="en-US" sz="1100" dirty="0">
-                <a:latin typeface="Consolas"/>
-                <a:cs typeface="Consolas"/>
-              </a:rPr>
-              <a:t>/share</a:t>
-            </a:r>
-          </a:p>
-          <a:p>
-            <a:pPr marL="457200" indent="0">
-              <a:spcBef>
-                <a:spcPts val="0"/>
-              </a:spcBef>
-              <a:buNone/>
-            </a:pPr>
-            <a:r>
-              <a:rPr lang="en-US" sz="1100" dirty="0">
-                <a:latin typeface="Consolas"/>
-                <a:cs typeface="Consolas"/>
-              </a:rPr>
-              <a:t>S: f=0 d=7 s=1 o=1 errs=0 space=0 size=328</a:t>
-            </a:r>
-          </a:p>
-          <a:p>
-            <a:pPr marL="457200" indent="0">
-              <a:spcBef>
-                <a:spcPts val="0"/>
-              </a:spcBef>
-              <a:buNone/>
-            </a:pPr>
-            <a:endParaRPr lang="en-US" sz="1100" dirty="0">
-              <a:latin typeface="Consolas"/>
-              <a:cs typeface="Consolas"/>
-            </a:endParaRPr>
-          </a:p>
-          <a:p>
-            <a:pPr marL="457200" indent="0">
-              <a:spcBef>
-                <a:spcPts val="0"/>
-              </a:spcBef>
-              <a:buNone/>
-            </a:pPr>
-            <a:endParaRPr lang="en-US" sz="1050" dirty="0">
-              <a:latin typeface="Consolas"/>
-              <a:cs typeface="Consolas"/>
-            </a:endParaRPr>
-          </a:p>
-        </p:txBody>
-      </p:sp>
-      <p:pic>
-        <p:nvPicPr>
-          <p:cNvPr id="9" name="Picture 8"/>
-          <p:cNvPicPr>
-            <a:picLocks noChangeAspect="1"/>
-          </p:cNvPicPr>
-          <p:nvPr/>
-        </p:nvPicPr>
-        <p:blipFill>
-          <a:blip r:embed="rId3"/>
-          <a:stretch>
-            <a:fillRect/>
-          </a:stretch>
-        </p:blipFill>
-        <p:spPr>
-          <a:xfrm>
-            <a:off x="7791506" y="221687"/>
-            <a:ext cx="1098286" cy="767575"/>
-          </a:xfrm>
-          <a:prstGeom prst="rect">
-            <a:avLst/>
-          </a:prstGeom>
-        </p:spPr>
-      </p:pic>
-    </p:spTree>
-    <p:extLst>
-      <p:ext uri="{BB962C8B-B14F-4D97-AF65-F5344CB8AC3E}">
-        <p14:creationId xmlns:p14="http://schemas.microsoft.com/office/powerpoint/2010/main" val="1579557168"/>
-      </p:ext>
-    </p:extLst>
-  </p:cSld>
-  <p:clrMapOvr>
-    <a:masterClrMapping/>
-  </p:clrMapOvr>
-  <p:transition spd="med">
-    <p:wipe dir="r"/>
-  </p:transition>
-</p:sld>
-</file>
-
 <file path=ppt/slides/slide21.xml><?xml version="1.0" encoding="utf-8"?>
 <p:sld xmlns:a="http://schemas.openxmlformats.org/drawingml/2006/main" xmlns:r="http://schemas.openxmlformats.org/officeDocument/2006/relationships" xmlns:p="http://schemas.openxmlformats.org/presentationml/2006/main">
   <p:cSld>
@@ -21568,7 +21240,31 @@
           <a:p>
             <a:r>
               <a:rPr lang="en-US" dirty="0"/>
-              <a:t>-xml primary mode</a:t>
+              <a:t>-ls, -</a:t>
+            </a:r>
+            <a:r>
+              <a:rPr lang="en-US" dirty="0" err="1"/>
+              <a:t>lsc</a:t>
+            </a:r>
+            <a:r>
+              <a:rPr lang="en-US" dirty="0"/>
+              <a:t>, -</a:t>
+            </a:r>
+            <a:r>
+              <a:rPr lang="en-US" dirty="0" err="1"/>
+              <a:t>lsc</a:t>
+            </a:r>
+            <a:r>
+              <a:rPr lang="en-US" dirty="0"/>
+              <a:t>, &amp; -</a:t>
+            </a:r>
+            <a:r>
+              <a:rPr lang="en-US" dirty="0" err="1"/>
+              <a:t>lsf</a:t>
+            </a:r>
+            <a:r>
+              <a:rPr lang="en-US" dirty="0"/>
+              <a:t> primary modes</a:t>
             </a:r>
           </a:p>
         </p:txBody>
@@ -21586,11 +21282,17 @@
         <p:spPr/>
         <p:txBody>
           <a:bodyPr>
-            <a:normAutofit/>
+            <a:normAutofit fontScale="92500" lnSpcReduction="20000"/>
           </a:bodyPr>
           <a:lstStyle/>
           <a:p>
             <a:pPr>
+              <a:spcBef>
+                <a:spcPts val="600"/>
+              </a:spcBef>
+              <a:spcAft>
+                <a:spcPts val="300"/>
+              </a:spcAft>
               <a:buClrTx/>
             </a:pPr>
             <a:r>
@@ -21599,15 +21301,383 @@
             </a:r>
             <a:r>
               <a:rPr lang="en-US" dirty="0"/>
-              <a:t> -xml ... – much like ‘-</a:t>
-            </a:r>
+              <a:t> -ls ... </a:t>
+            </a:r>
+            <a:r>
+              <a:rPr lang="mr-IN" dirty="0"/>
+              <a:t>–</a:t>
+            </a:r>
+            <a:r>
+              <a:rPr lang="en-US" dirty="0"/>
+              <a:t> (basic) much like ‘ls </a:t>
+            </a:r>
+            <a:r>
+              <a:rPr lang="mr-IN" dirty="0"/>
+              <a:t>–</a:t>
+            </a:r>
+            <a:r>
+              <a:rPr lang="en-US" dirty="0"/>
+              <a:t>l’</a:t>
+            </a:r>
+          </a:p>
+          <a:p>
+            <a:pPr marL="457200" indent="0">
+              <a:spcBef>
+                <a:spcPts val="0"/>
+              </a:spcBef>
+              <a:buNone/>
+            </a:pPr>
+            <a:r>
+              <a:rPr lang="en-US" sz="1050" dirty="0">
+                <a:latin typeface="Consolas"/>
+                <a:cs typeface="Consolas"/>
+              </a:rPr>
+              <a:t>@ </a:t>
+            </a:r>
+            <a:r>
+              <a:rPr lang="mr-IN" sz="1050" dirty="0" err="1">
+                <a:latin typeface="Consolas"/>
+                <a:cs typeface="Consolas"/>
+              </a:rPr>
+              <a:t>usr</a:t>
+            </a:r>
+            <a:endParaRPr lang="mr-IN" sz="1050" dirty="0">
+              <a:latin typeface="Consolas"/>
+              <a:cs typeface="Consolas"/>
+            </a:endParaRPr>
+          </a:p>
+          <a:p>
+            <a:pPr marL="457200" indent="0">
+              <a:spcBef>
+                <a:spcPts val="0"/>
+              </a:spcBef>
+              <a:buNone/>
+            </a:pPr>
+            <a:r>
+              <a:rPr lang="en-US" sz="1050" dirty="0" err="1">
+                <a:latin typeface="Consolas"/>
+                <a:cs typeface="Consolas"/>
+              </a:rPr>
+              <a:t>drwxr</a:t>
+            </a:r>
+            <a:r>
+              <a:rPr lang="en-US" sz="1050" dirty="0">
+                <a:latin typeface="Consolas"/>
+                <a:cs typeface="Consolas"/>
+              </a:rPr>
+              <a:t>-</a:t>
+            </a:r>
+            <a:r>
+              <a:rPr lang="en-US" sz="1050" dirty="0" err="1">
+                <a:latin typeface="Consolas"/>
+                <a:cs typeface="Consolas"/>
+              </a:rPr>
+              <a:t>xr</a:t>
+            </a:r>
+            <a:r>
+              <a:rPr lang="en-US" sz="1050" dirty="0">
+                <a:latin typeface="Consolas"/>
+                <a:cs typeface="Consolas"/>
+              </a:rPr>
+              <a:t>-x 980 0 bin</a:t>
+            </a:r>
+          </a:p>
+          <a:p>
+            <a:pPr marL="457200" indent="0">
+              <a:spcBef>
+                <a:spcPts val="0"/>
+              </a:spcBef>
+              <a:buNone/>
+            </a:pPr>
+            <a:r>
+              <a:rPr lang="en-US" sz="1050" dirty="0" err="1">
+                <a:latin typeface="Consolas"/>
+                <a:cs typeface="Consolas"/>
+              </a:rPr>
+              <a:t>drwxr</a:t>
+            </a:r>
+            <a:r>
+              <a:rPr lang="en-US" sz="1050" dirty="0">
+                <a:latin typeface="Consolas"/>
+                <a:cs typeface="Consolas"/>
+              </a:rPr>
+              <a:t>-</a:t>
+            </a:r>
+            <a:r>
+              <a:rPr lang="en-US" sz="1050" dirty="0" err="1">
+                <a:latin typeface="Consolas"/>
+                <a:cs typeface="Consolas"/>
+              </a:rPr>
+              <a:t>xr</a:t>
+            </a:r>
+            <a:r>
+              <a:rPr lang="en-US" sz="1050" dirty="0">
+                <a:latin typeface="Consolas"/>
+                <a:cs typeface="Consolas"/>
+              </a:rPr>
+              <a:t>-x 294 0 lib</a:t>
+            </a:r>
+          </a:p>
+          <a:p>
+            <a:pPr marL="457200" indent="0">
+              <a:spcBef>
+                <a:spcPts val="0"/>
+              </a:spcBef>
+              <a:buNone/>
+            </a:pPr>
+            <a:r>
+              <a:rPr lang="mr-IN" sz="1050" dirty="0">
+                <a:latin typeface="Consolas"/>
+                <a:cs typeface="Consolas"/>
+              </a:rPr>
+              <a:t>lrwxr-xr-x 1 8 X11</a:t>
+            </a:r>
+            <a:endParaRPr lang="en-US" sz="1050" dirty="0">
+              <a:latin typeface="Consolas"/>
+              <a:cs typeface="Consolas"/>
+            </a:endParaRPr>
+          </a:p>
+          <a:p>
+            <a:pPr marL="457200" indent="0">
+              <a:spcBef>
+                <a:spcPts val="0"/>
+              </a:spcBef>
+              <a:buNone/>
+            </a:pPr>
+            <a:r>
+              <a:rPr lang="mr-IN" sz="1050" dirty="0">
+                <a:latin typeface="Consolas"/>
+                <a:cs typeface="Consolas"/>
+              </a:rPr>
+              <a:t>…</a:t>
+            </a:r>
+          </a:p>
+          <a:p>
+            <a:pPr marL="457200" indent="0">
+              <a:spcBef>
+                <a:spcPts val="0"/>
+              </a:spcBef>
+              <a:buNone/>
+            </a:pPr>
+            <a:r>
+              <a:rPr lang="en-US" sz="1050" dirty="0" err="1">
+                <a:latin typeface="Consolas"/>
+                <a:cs typeface="Consolas"/>
+              </a:rPr>
+              <a:t>drwxr</a:t>
+            </a:r>
+            <a:r>
+              <a:rPr lang="en-US" sz="1050" dirty="0">
+                <a:latin typeface="Consolas"/>
+                <a:cs typeface="Consolas"/>
+              </a:rPr>
+              <a:t>-</a:t>
+            </a:r>
+            <a:r>
+              <a:rPr lang="en-US" sz="1050" dirty="0" err="1">
+                <a:latin typeface="Consolas"/>
+                <a:cs typeface="Consolas"/>
+              </a:rPr>
+              <a:t>xr</a:t>
+            </a:r>
+            <a:r>
+              <a:rPr lang="en-US" sz="1050" dirty="0">
+                <a:latin typeface="Consolas"/>
+                <a:cs typeface="Consolas"/>
+              </a:rPr>
+              <a:t>-x 47 0 share</a:t>
+            </a:r>
+          </a:p>
+          <a:p>
+            <a:pPr marL="457200" indent="0">
+              <a:spcBef>
+                <a:spcPts val="0"/>
+              </a:spcBef>
+              <a:buNone/>
+            </a:pPr>
+            <a:r>
+              <a:rPr lang="en-US" sz="1050" dirty="0">
+                <a:latin typeface="Consolas"/>
+                <a:cs typeface="Consolas"/>
+              </a:rPr>
+              <a:t>S: f=0 d=7 s=1 o=1 errs=0 space=0 size=328</a:t>
+            </a:r>
+          </a:p>
+          <a:p>
+            <a:pPr>
+              <a:spcBef>
+                <a:spcPts val="600"/>
+              </a:spcBef>
+              <a:spcAft>
+                <a:spcPts val="300"/>
+              </a:spcAft>
+              <a:buClrTx/>
+            </a:pPr>
             <a:r>
               <a:rPr lang="en-US" dirty="0" err="1"/>
-              <a:t>ls’</a:t>
+              <a:t>pwalk</a:t>
             </a:r>
             <a:r>
               <a:rPr lang="en-US" dirty="0"/>
-              <a:t> output, but in primitive XML format</a:t>
+              <a:t> -</a:t>
+            </a:r>
+            <a:r>
+              <a:rPr lang="en-US" dirty="0" err="1"/>
+              <a:t>lsc</a:t>
+            </a:r>
+            <a:r>
+              <a:rPr lang="en-US" dirty="0"/>
+              <a:t> ... </a:t>
+            </a:r>
+            <a:r>
+              <a:rPr lang="mr-IN" dirty="0"/>
+              <a:t>–</a:t>
+            </a:r>
+            <a:r>
+              <a:rPr lang="en-US" dirty="0"/>
+              <a:t> (compact) with filenames only (</a:t>
+            </a:r>
+            <a:r>
+              <a:rPr lang="en-US" i="1" u="sng" dirty="0"/>
+              <a:t>skips directories</a:t>
+            </a:r>
+            <a:r>
+              <a:rPr lang="en-US" i="1" dirty="0"/>
+              <a:t>)</a:t>
+            </a:r>
+            <a:endParaRPr lang="en-US" dirty="0"/>
+          </a:p>
+          <a:p>
+            <a:pPr marL="457200" indent="0">
+              <a:spcBef>
+                <a:spcPts val="0"/>
+              </a:spcBef>
+              <a:buNone/>
+            </a:pPr>
+            <a:r>
+              <a:rPr lang="mr-IN" sz="1100" dirty="0">
+                <a:latin typeface="Consolas"/>
+                <a:cs typeface="Consolas"/>
+              </a:rPr>
+              <a:t>@ </a:t>
+            </a:r>
+            <a:r>
+              <a:rPr lang="mr-IN" sz="1100" dirty="0" err="1">
+                <a:latin typeface="Consolas"/>
+                <a:cs typeface="Consolas"/>
+              </a:rPr>
+              <a:t>usr</a:t>
+            </a:r>
+            <a:endParaRPr lang="mr-IN" sz="1100" dirty="0">
+              <a:latin typeface="Consolas"/>
+              <a:cs typeface="Consolas"/>
+            </a:endParaRPr>
+          </a:p>
+          <a:p>
+            <a:pPr marL="457200" indent="0">
+              <a:spcBef>
+                <a:spcPts val="0"/>
+              </a:spcBef>
+              <a:buNone/>
+            </a:pPr>
+            <a:r>
+              <a:rPr lang="it-IT" sz="1100" dirty="0">
+                <a:latin typeface="Consolas"/>
+                <a:cs typeface="Consolas"/>
+              </a:rPr>
+              <a:t>l X11</a:t>
+            </a:r>
+          </a:p>
+          <a:p>
+            <a:pPr marL="457200" indent="0">
+              <a:spcBef>
+                <a:spcPts val="0"/>
+              </a:spcBef>
+              <a:buNone/>
+            </a:pPr>
+            <a:r>
+              <a:rPr lang="it-IT" sz="1100" dirty="0" err="1">
+                <a:latin typeface="Consolas"/>
+                <a:cs typeface="Consolas"/>
+              </a:rPr>
+              <a:t>S</a:t>
+            </a:r>
+            <a:r>
+              <a:rPr lang="it-IT" sz="1100" dirty="0">
+                <a:latin typeface="Consolas"/>
+                <a:cs typeface="Consolas"/>
+              </a:rPr>
+              <a:t>: </a:t>
+            </a:r>
+            <a:r>
+              <a:rPr lang="it-IT" sz="1100" dirty="0" err="1">
+                <a:latin typeface="Consolas"/>
+                <a:cs typeface="Consolas"/>
+              </a:rPr>
+              <a:t>f</a:t>
+            </a:r>
+            <a:r>
+              <a:rPr lang="it-IT" sz="1100" dirty="0">
+                <a:latin typeface="Consolas"/>
+                <a:cs typeface="Consolas"/>
+              </a:rPr>
+              <a:t>=0 d=7 </a:t>
+            </a:r>
+            <a:r>
+              <a:rPr lang="it-IT" sz="1100" dirty="0" err="1">
+                <a:latin typeface="Consolas"/>
+                <a:cs typeface="Consolas"/>
+              </a:rPr>
+              <a:t>s</a:t>
+            </a:r>
+            <a:r>
+              <a:rPr lang="it-IT" sz="1100" dirty="0">
+                <a:latin typeface="Consolas"/>
+                <a:cs typeface="Consolas"/>
+              </a:rPr>
+              <a:t>=1 o=1 </a:t>
+            </a:r>
+            <a:r>
+              <a:rPr lang="it-IT" sz="1100" dirty="0" err="1">
+                <a:latin typeface="Consolas"/>
+                <a:cs typeface="Consolas"/>
+              </a:rPr>
+              <a:t>errs</a:t>
+            </a:r>
+            <a:r>
+              <a:rPr lang="it-IT" sz="1100" dirty="0">
+                <a:latin typeface="Consolas"/>
+                <a:cs typeface="Consolas"/>
+              </a:rPr>
+              <a:t>=0 </a:t>
+            </a:r>
+            <a:r>
+              <a:rPr lang="it-IT" sz="1100" dirty="0" err="1">
+                <a:latin typeface="Consolas"/>
+                <a:cs typeface="Consolas"/>
+              </a:rPr>
+              <a:t>space</a:t>
+            </a:r>
+            <a:r>
+              <a:rPr lang="it-IT" sz="1100" dirty="0">
+                <a:latin typeface="Consolas"/>
+                <a:cs typeface="Consolas"/>
+              </a:rPr>
+              <a:t>=0 </a:t>
+            </a:r>
+            <a:r>
+              <a:rPr lang="it-IT" sz="1100" dirty="0" err="1">
+                <a:latin typeface="Consolas"/>
+                <a:cs typeface="Consolas"/>
+              </a:rPr>
+              <a:t>size</a:t>
+            </a:r>
+            <a:r>
+              <a:rPr lang="it-IT" sz="1100" dirty="0">
+                <a:latin typeface="Consolas"/>
+                <a:cs typeface="Consolas"/>
+              </a:rPr>
+              <a:t>=328</a:t>
             </a:r>
             <a:endParaRPr lang="en-US" sz="1100" dirty="0">
               <a:latin typeface="Consolas"/>
@@ -21616,36 +21686,356 @@
           </a:p>
           <a:p>
             <a:pPr>
+              <a:spcBef>
+                <a:spcPts val="600"/>
+              </a:spcBef>
+              <a:spcAft>
+                <a:spcPts val="300"/>
+              </a:spcAft>
               <a:buClrTx/>
             </a:pPr>
             <a:r>
+              <a:rPr lang="en-US" dirty="0" err="1"/>
+              <a:t>pwalk</a:t>
+            </a:r>
+            <a:r>
               <a:rPr lang="en-US" dirty="0"/>
-              <a:t>OUTPUTS: worker&lt;</a:t>
+              <a:t> -</a:t>
             </a:r>
             <a:r>
               <a:rPr lang="en-US" dirty="0" err="1"/>
-              <a:t>nnn</a:t>
+              <a:t>lsd</a:t>
             </a:r>
             <a:r>
               <a:rPr lang="en-US" dirty="0"/>
-              <a:t>&gt;.</a:t>
-            </a:r>
-            <a:r>
-              <a:rPr lang="en-US" b="1" dirty="0"/>
-              <a:t>xml</a:t>
+              <a:t> ... </a:t>
+            </a:r>
+            <a:r>
+              <a:rPr lang="mr-IN" dirty="0"/>
+              <a:t>–</a:t>
             </a:r>
             <a:r>
               <a:rPr lang="en-US" dirty="0"/>
-              <a:t>[.</a:t>
-            </a:r>
-            <a:r>
-              <a:rPr lang="en-US" dirty="0" err="1"/>
-              <a:t>gz</a:t>
+              <a:t> (directories only) like </a:t>
+            </a:r>
+            <a:r>
+              <a:rPr lang="mr-IN" dirty="0"/>
+              <a:t>–</a:t>
             </a:r>
             <a:r>
               <a:rPr lang="en-US" dirty="0"/>
-              <a:t>] files</a:t>
-            </a:r>
+              <a:t>ls, but show </a:t>
+            </a:r>
+            <a:r>
+              <a:rPr lang="en-US" u="sng" dirty="0"/>
+              <a:t>only</a:t>
+            </a:r>
+            <a:r>
+              <a:rPr lang="en-US" dirty="0"/>
+              <a:t> directory totals</a:t>
+            </a:r>
+          </a:p>
+          <a:p>
+            <a:pPr marL="457200" indent="0">
+              <a:spcBef>
+                <a:spcPts val="0"/>
+              </a:spcBef>
+              <a:buNone/>
+            </a:pPr>
+            <a:r>
+              <a:rPr lang="en-US" sz="1050" dirty="0">
+                <a:latin typeface="Consolas"/>
+                <a:cs typeface="Consolas"/>
+              </a:rPr>
+              <a:t>@ </a:t>
+            </a:r>
+            <a:r>
+              <a:rPr lang="mr-IN" sz="1050" dirty="0" err="1">
+                <a:latin typeface="Consolas"/>
+                <a:cs typeface="Consolas"/>
+              </a:rPr>
+              <a:t>usr</a:t>
+            </a:r>
+            <a:endParaRPr lang="mr-IN" sz="1050" dirty="0">
+              <a:latin typeface="Consolas"/>
+              <a:cs typeface="Consolas"/>
+            </a:endParaRPr>
+          </a:p>
+          <a:p>
+            <a:pPr marL="457200" indent="0">
+              <a:spcBef>
+                <a:spcPts val="0"/>
+              </a:spcBef>
+              <a:buNone/>
+            </a:pPr>
+            <a:r>
+              <a:rPr lang="en-US" sz="1050" dirty="0">
+                <a:latin typeface="Consolas"/>
+                <a:cs typeface="Consolas"/>
+              </a:rPr>
+              <a:t>S: f=0 d=7 s=1 o=1 errs=0 space=0 size=328</a:t>
+            </a:r>
+          </a:p>
+          <a:p>
+            <a:pPr>
+              <a:spcBef>
+                <a:spcPts val="600"/>
+              </a:spcBef>
+              <a:spcAft>
+                <a:spcPts val="300"/>
+              </a:spcAft>
+              <a:buClrTx/>
+            </a:pPr>
+            <a:r>
+              <a:rPr lang="en-US" sz="1900" dirty="0" err="1"/>
+              <a:t>pwalk</a:t>
+            </a:r>
+            <a:r>
+              <a:rPr lang="en-US" sz="1900" dirty="0"/>
+              <a:t> -</a:t>
+            </a:r>
+            <a:r>
+              <a:rPr lang="en-US" sz="1900" dirty="0" err="1"/>
+              <a:t>lsf</a:t>
+            </a:r>
+            <a:r>
+              <a:rPr lang="en-US" sz="1900" dirty="0"/>
+              <a:t> ... </a:t>
+            </a:r>
+            <a:r>
+              <a:rPr lang="mr-IN" sz="1900" dirty="0"/>
+              <a:t>–</a:t>
+            </a:r>
+            <a:r>
+              <a:rPr lang="en-US" sz="1900" dirty="0"/>
+              <a:t> (full pathname) like </a:t>
+            </a:r>
+            <a:r>
+              <a:rPr lang="mr-IN" sz="1900" dirty="0"/>
+              <a:t>–</a:t>
+            </a:r>
+            <a:r>
+              <a:rPr lang="en-US" sz="1900" dirty="0" err="1"/>
+              <a:t>lsc</a:t>
+            </a:r>
+            <a:r>
+              <a:rPr lang="en-US" sz="1900" dirty="0"/>
+              <a:t>, but full (or relative) path for each file</a:t>
+            </a:r>
+          </a:p>
+          <a:p>
+            <a:pPr marL="457200" indent="0">
+              <a:spcBef>
+                <a:spcPts val="0"/>
+              </a:spcBef>
+              <a:buNone/>
+            </a:pPr>
+            <a:r>
+              <a:rPr lang="en-US" sz="1100" dirty="0">
+                <a:latin typeface="Consolas"/>
+                <a:cs typeface="Consolas"/>
+              </a:rPr>
+              <a:t>@ </a:t>
+            </a:r>
+            <a:r>
+              <a:rPr lang="mr-IN" sz="1100" dirty="0" err="1">
+                <a:latin typeface="Consolas"/>
+                <a:cs typeface="Consolas"/>
+              </a:rPr>
+              <a:t>usr</a:t>
+            </a:r>
+            <a:endParaRPr lang="mr-IN" sz="1100" dirty="0">
+              <a:latin typeface="Consolas"/>
+              <a:cs typeface="Consolas"/>
+            </a:endParaRPr>
+          </a:p>
+          <a:p>
+            <a:pPr marL="457200" indent="0">
+              <a:spcBef>
+                <a:spcPts val="0"/>
+              </a:spcBef>
+              <a:buNone/>
+            </a:pPr>
+            <a:r>
+              <a:rPr lang="en-US" sz="1100" dirty="0">
+                <a:latin typeface="Consolas"/>
+                <a:cs typeface="Consolas"/>
+              </a:rPr>
+              <a:t>d </a:t>
+            </a:r>
+            <a:r>
+              <a:rPr lang="en-US" sz="1100" dirty="0" err="1">
+                <a:latin typeface="Consolas"/>
+                <a:cs typeface="Consolas"/>
+              </a:rPr>
+              <a:t>usr</a:t>
+            </a:r>
+            <a:r>
+              <a:rPr lang="en-US" sz="1100" dirty="0">
+                <a:latin typeface="Consolas"/>
+                <a:cs typeface="Consolas"/>
+              </a:rPr>
+              <a:t>/bin</a:t>
+            </a:r>
+          </a:p>
+          <a:p>
+            <a:pPr marL="457200" indent="0">
+              <a:spcBef>
+                <a:spcPts val="0"/>
+              </a:spcBef>
+              <a:buNone/>
+            </a:pPr>
+            <a:r>
+              <a:rPr lang="en-US" sz="1100" dirty="0">
+                <a:latin typeface="Consolas"/>
+                <a:cs typeface="Consolas"/>
+              </a:rPr>
+              <a:t>d </a:t>
+            </a:r>
+            <a:r>
+              <a:rPr lang="en-US" sz="1100" dirty="0" err="1">
+                <a:latin typeface="Consolas"/>
+                <a:cs typeface="Consolas"/>
+              </a:rPr>
+              <a:t>usr</a:t>
+            </a:r>
+            <a:r>
+              <a:rPr lang="en-US" sz="1100" dirty="0">
+                <a:latin typeface="Consolas"/>
+                <a:cs typeface="Consolas"/>
+              </a:rPr>
+              <a:t>/lib</a:t>
+            </a:r>
+          </a:p>
+          <a:p>
+            <a:pPr marL="457200" indent="0">
+              <a:spcBef>
+                <a:spcPts val="0"/>
+              </a:spcBef>
+              <a:buNone/>
+            </a:pPr>
+            <a:r>
+              <a:rPr lang="mr-IN" sz="1100" dirty="0" err="1">
+                <a:latin typeface="Consolas"/>
+                <a:cs typeface="Consolas"/>
+              </a:rPr>
+              <a:t>l</a:t>
+            </a:r>
+            <a:r>
+              <a:rPr lang="en-US" sz="1100" dirty="0">
+                <a:latin typeface="Consolas"/>
+                <a:cs typeface="Consolas"/>
+              </a:rPr>
+              <a:t> </a:t>
+            </a:r>
+            <a:r>
+              <a:rPr lang="en-US" sz="1100" dirty="0" err="1">
+                <a:latin typeface="Consolas"/>
+                <a:cs typeface="Consolas"/>
+              </a:rPr>
+              <a:t>usr</a:t>
+            </a:r>
+            <a:r>
+              <a:rPr lang="en-US" sz="1100" dirty="0">
+                <a:latin typeface="Consolas"/>
+                <a:cs typeface="Consolas"/>
+              </a:rPr>
+              <a:t>/</a:t>
+            </a:r>
+            <a:r>
+              <a:rPr lang="mr-IN" sz="1100" dirty="0">
+                <a:latin typeface="Consolas"/>
+                <a:cs typeface="Consolas"/>
+              </a:rPr>
+              <a:t>X11</a:t>
+            </a:r>
+            <a:endParaRPr lang="en-US" sz="1100" dirty="0">
+              <a:latin typeface="Consolas"/>
+              <a:cs typeface="Consolas"/>
+            </a:endParaRPr>
+          </a:p>
+          <a:p>
+            <a:pPr marL="457200" indent="0">
+              <a:spcBef>
+                <a:spcPts val="0"/>
+              </a:spcBef>
+              <a:buNone/>
+            </a:pPr>
+            <a:r>
+              <a:rPr lang="mr-IN" sz="1100" dirty="0">
+                <a:latin typeface="Consolas"/>
+                <a:cs typeface="Consolas"/>
+              </a:rPr>
+              <a:t>…</a:t>
+            </a:r>
+          </a:p>
+          <a:p>
+            <a:pPr marL="457200" indent="0">
+              <a:spcBef>
+                <a:spcPts val="0"/>
+              </a:spcBef>
+              <a:buNone/>
+            </a:pPr>
+            <a:r>
+              <a:rPr lang="en-US" sz="1100" dirty="0">
+                <a:latin typeface="Consolas"/>
+                <a:cs typeface="Consolas"/>
+              </a:rPr>
+              <a:t>d </a:t>
+            </a:r>
+            <a:r>
+              <a:rPr lang="en-US" sz="1100" dirty="0" err="1">
+                <a:latin typeface="Consolas"/>
+                <a:cs typeface="Consolas"/>
+              </a:rPr>
+              <a:t>usr</a:t>
+            </a:r>
+            <a:r>
+              <a:rPr lang="en-US" sz="1100" dirty="0">
+                <a:latin typeface="Consolas"/>
+                <a:cs typeface="Consolas"/>
+              </a:rPr>
+              <a:t>/share</a:t>
+            </a:r>
+          </a:p>
+          <a:p>
+            <a:pPr marL="457200" indent="0">
+              <a:spcBef>
+                <a:spcPts val="0"/>
+              </a:spcBef>
+              <a:buNone/>
+            </a:pPr>
+            <a:r>
+              <a:rPr lang="en-US" sz="1100" dirty="0">
+                <a:latin typeface="Consolas"/>
+                <a:cs typeface="Consolas"/>
+              </a:rPr>
+              <a:t>S: f=0 d=7 s=1 o=1 errs=0 space=0 size=328</a:t>
+            </a:r>
+          </a:p>
+          <a:p>
+            <a:pPr marL="457200" indent="0">
+              <a:spcBef>
+                <a:spcPts val="0"/>
+              </a:spcBef>
+              <a:buNone/>
+            </a:pPr>
+            <a:endParaRPr lang="en-US" sz="1100" dirty="0">
+              <a:latin typeface="Consolas"/>
+              <a:cs typeface="Consolas"/>
+            </a:endParaRPr>
+          </a:p>
+          <a:p>
+            <a:pPr marL="457200" indent="0">
+              <a:spcBef>
+                <a:spcPts val="0"/>
+              </a:spcBef>
+              <a:buNone/>
+            </a:pPr>
+            <a:endParaRPr lang="en-US" sz="1050" dirty="0">
+              <a:latin typeface="Consolas"/>
+              <a:cs typeface="Consolas"/>
+            </a:endParaRPr>
           </a:p>
         </p:txBody>
       </p:sp>
@@ -21676,7 +22066,7 @@
     </p:spTree>
     <p:extLst>
       <p:ext uri="{BB962C8B-B14F-4D97-AF65-F5344CB8AC3E}">
-        <p14:creationId xmlns:p14="http://schemas.microsoft.com/office/powerpoint/2010/main" val="165450862"/>
+        <p14:creationId xmlns:p14="http://schemas.microsoft.com/office/powerpoint/2010/main" val="1579557168"/>
       </p:ext>
     </p:extLst>
   </p:cSld>
@@ -21722,6 +22112,161 @@
           <a:lstStyle/>
           <a:p>
             <a:r>
+              <a:rPr lang="en-US" dirty="0"/>
+              <a:t>-xml primary mode</a:t>
+            </a:r>
+          </a:p>
+        </p:txBody>
+      </p:sp>
+      <p:sp>
+        <p:nvSpPr>
+          <p:cNvPr id="3" name="Content Placeholder 2"/>
+          <p:cNvSpPr>
+            <a:spLocks noGrp="1"/>
+          </p:cNvSpPr>
+          <p:nvPr>
+            <p:ph sz="quarter" idx="10"/>
+          </p:nvPr>
+        </p:nvSpPr>
+        <p:spPr/>
+        <p:txBody>
+          <a:bodyPr>
+            <a:normAutofit/>
+          </a:bodyPr>
+          <a:lstStyle/>
+          <a:p>
+            <a:pPr>
+              <a:buClrTx/>
+            </a:pPr>
+            <a:r>
+              <a:rPr lang="en-US" dirty="0" err="1"/>
+              <a:t>pwalk</a:t>
+            </a:r>
+            <a:r>
+              <a:rPr lang="en-US" dirty="0"/>
+              <a:t> -xml ... – much like ‘-</a:t>
+            </a:r>
+            <a:r>
+              <a:rPr lang="en-US" dirty="0" err="1"/>
+              <a:t>ls’</a:t>
+            </a:r>
+            <a:r>
+              <a:rPr lang="en-US" dirty="0"/>
+              <a:t> output, but in primitive XML format</a:t>
+            </a:r>
+            <a:endParaRPr lang="en-US" sz="1100" dirty="0">
+              <a:latin typeface="Consolas"/>
+              <a:cs typeface="Consolas"/>
+            </a:endParaRPr>
+          </a:p>
+          <a:p>
+            <a:pPr>
+              <a:buClrTx/>
+            </a:pPr>
+            <a:r>
+              <a:rPr lang="en-US" dirty="0"/>
+              <a:t>OUTPUTS: worker&lt;</a:t>
+            </a:r>
+            <a:r>
+              <a:rPr lang="en-US" dirty="0" err="1"/>
+              <a:t>nnn</a:t>
+            </a:r>
+            <a:r>
+              <a:rPr lang="en-US" dirty="0"/>
+              <a:t>&gt;.</a:t>
+            </a:r>
+            <a:r>
+              <a:rPr lang="en-US" b="1" dirty="0"/>
+              <a:t>xml</a:t>
+            </a:r>
+            <a:r>
+              <a:rPr lang="en-US" dirty="0"/>
+              <a:t>[.</a:t>
+            </a:r>
+            <a:r>
+              <a:rPr lang="en-US" dirty="0" err="1"/>
+              <a:t>gz</a:t>
+            </a:r>
+            <a:r>
+              <a:rPr lang="en-US" dirty="0"/>
+              <a:t>] files</a:t>
+            </a:r>
+          </a:p>
+        </p:txBody>
+      </p:sp>
+      <p:pic>
+        <p:nvPicPr>
+          <p:cNvPr id="9" name="Picture 8"/>
+          <p:cNvPicPr>
+            <a:picLocks noChangeAspect="1"/>
+          </p:cNvPicPr>
+          <p:nvPr/>
+        </p:nvPicPr>
+        <p:blipFill>
+          <a:blip r:embed="rId3"/>
+          <a:stretch>
+            <a:fillRect/>
+          </a:stretch>
+        </p:blipFill>
+        <p:spPr>
+          <a:xfrm>
+            <a:off x="7791506" y="221687"/>
+            <a:ext cx="1098286" cy="767575"/>
+          </a:xfrm>
+          <a:prstGeom prst="rect">
+            <a:avLst/>
+          </a:prstGeom>
+        </p:spPr>
+      </p:pic>
+    </p:spTree>
+    <p:extLst>
+      <p:ext uri="{BB962C8B-B14F-4D97-AF65-F5344CB8AC3E}">
+        <p14:creationId xmlns:p14="http://schemas.microsoft.com/office/powerpoint/2010/main" val="165450862"/>
+      </p:ext>
+    </p:extLst>
+  </p:cSld>
+  <p:clrMapOvr>
+    <a:masterClrMapping/>
+  </p:clrMapOvr>
+  <p:transition spd="med">
+    <p:wipe dir="r"/>
+  </p:transition>
+</p:sld>
+</file>
+
+<file path=ppt/slides/slide23.xml><?xml version="1.0" encoding="utf-8"?>
+<p:sld xmlns:a="http://schemas.openxmlformats.org/drawingml/2006/main" xmlns:r="http://schemas.openxmlformats.org/officeDocument/2006/relationships" xmlns:p="http://schemas.openxmlformats.org/presentationml/2006/main">
+  <p:cSld>
+    <p:spTree>
+      <p:nvGrpSpPr>
+        <p:cNvPr id="1" name=""/>
+        <p:cNvGrpSpPr/>
+        <p:nvPr/>
+      </p:nvGrpSpPr>
+      <p:grpSpPr>
+        <a:xfrm>
+          <a:off x="0" y="0"/>
+          <a:ext cx="0" cy="0"/>
+          <a:chOff x="0" y="0"/>
+          <a:chExt cx="0" cy="0"/>
+        </a:xfrm>
+      </p:grpSpPr>
+      <p:sp>
+        <p:nvSpPr>
+          <p:cNvPr id="2" name="Title 1"/>
+          <p:cNvSpPr>
+            <a:spLocks noGrp="1"/>
+          </p:cNvSpPr>
+          <p:nvPr>
+            <p:ph type="title"/>
+          </p:nvPr>
+        </p:nvSpPr>
+        <p:spPr/>
+        <p:txBody>
+          <a:bodyPr anchor="ctr" anchorCtr="0"/>
+          <a:lstStyle/>
+          <a:p>
+            <a:r>
               <a:rPr lang="en-US" sz="2800" dirty="0">
                 <a:solidFill>
                   <a:srgbClr val="007DB8"/>
@@ -22002,15 +22547,7 @@
             </a:pPr>
             <a:r>
               <a:rPr lang="en-US" sz="1400" dirty="0"/>
-              <a:t>Column 1: ‘@’ to show directory in which files are deleted, or &lt;N&gt; to show error code from trying to remove the </a:t>
-            </a:r>
-            <a:r>
-              <a:rPr lang="en-US" sz="1400"/>
-              <a:t>file (or ‘#’ </a:t>
-            </a:r>
-            <a:r>
-              <a:rPr lang="en-US" sz="1400" dirty="0"/>
-              <a:t>in –</a:t>
+              <a:t>Column 1: ‘@’ to show directory in which files are deleted, or &lt;N&gt; to show error code from trying to remove the file (or ‘#’ in –</a:t>
             </a:r>
             <a:r>
               <a:rPr lang="en-US" sz="1400" dirty="0" err="1"/>
@@ -22225,7 +22762,7 @@
 </p:sld>
 </file>
 
-<file path=ppt/slides/slide23.xml><?xml version="1.0" encoding="utf-8"?>
+<file path=ppt/slides/slide24.xml><?xml version="1.0" encoding="utf-8"?>
 <p:sld xmlns:a="http://schemas.openxmlformats.org/drawingml/2006/main" xmlns:r="http://schemas.openxmlformats.org/officeDocument/2006/relationships" xmlns:p="http://schemas.openxmlformats.org/presentationml/2006/main">
   <p:cSld>
     <p:spTree>
@@ -22586,7 +23123,7 @@
 </p:sld>
 </file>
 
-<file path=ppt/slides/slide24.xml><?xml version="1.0" encoding="utf-8"?>
+<file path=ppt/slides/slide25.xml><?xml version="1.0" encoding="utf-8"?>
 <p:sld xmlns:a="http://schemas.openxmlformats.org/drawingml/2006/main" xmlns:r="http://schemas.openxmlformats.org/officeDocument/2006/relationships" xmlns:p="http://schemas.openxmlformats.org/presentationml/2006/main">
   <p:cSld>
     <p:spTree>
@@ -22690,7 +23227,7 @@
           <a:graphicData uri="http://schemas.openxmlformats.org/presentationml/2006/ole">
             <mc:AlternateContent xmlns:mc="http://schemas.openxmlformats.org/markup-compatibility/2006">
               <mc:Choice xmlns:v="urn:schemas-microsoft-com:vml" Requires="v">
-                <p:oleObj spid="_x0000_s2245" name="Worksheet" r:id="rId5" imgW="11417300" imgH="5791200" progId="Excel.Sheet.12">
+                <p:oleObj spid="_x0000_s2249" name="Worksheet" r:id="rId5" imgW="11417300" imgH="5791200" progId="Excel.Sheet.12">
                   <p:embed/>
                 </p:oleObj>
               </mc:Choice>
@@ -22741,7 +23278,7 @@
 </p:sld>
 </file>
 
-<file path=ppt/slides/slide25.xml><?xml version="1.0" encoding="utf-8"?>
+<file path=ppt/slides/slide26.xml><?xml version="1.0" encoding="utf-8"?>
 <p:sld xmlns:a="http://schemas.openxmlformats.org/drawingml/2006/main" xmlns:r="http://schemas.openxmlformats.org/officeDocument/2006/relationships" xmlns:p="http://schemas.openxmlformats.org/presentationml/2006/main">
   <p:cSld>
     <p:spTree>
@@ -23103,7 +23640,7 @@
 </p:sld>
 </file>
 
-<file path=ppt/slides/slide26.xml><?xml version="1.0" encoding="utf-8"?>
+<file path=ppt/slides/slide27.xml><?xml version="1.0" encoding="utf-8"?>
 <p:sld xmlns:a="http://schemas.openxmlformats.org/drawingml/2006/main" xmlns:r="http://schemas.openxmlformats.org/officeDocument/2006/relationships" xmlns:p="http://schemas.openxmlformats.org/presentationml/2006/main">
   <p:cSld>
     <p:spTree>
@@ -23599,7 +24136,7 @@
 </p:sld>
 </file>
 
-<file path=ppt/slides/slide27.xml><?xml version="1.0" encoding="utf-8"?>
+<file path=ppt/slides/slide28.xml><?xml version="1.0" encoding="utf-8"?>
 <p:sld xmlns:a="http://schemas.openxmlformats.org/drawingml/2006/main" xmlns:r="http://schemas.openxmlformats.org/officeDocument/2006/relationships" xmlns:p="http://schemas.openxmlformats.org/presentationml/2006/main">
   <p:cSld>
     <p:spTree>
@@ -23886,7 +24423,7 @@
 </p:sld>
 </file>
 
-<file path=ppt/slides/slide28.xml><?xml version="1.0" encoding="utf-8"?>
+<file path=ppt/slides/slide29.xml><?xml version="1.0" encoding="utf-8"?>
 <p:sld xmlns:a="http://schemas.openxmlformats.org/drawingml/2006/main" xmlns:r="http://schemas.openxmlformats.org/officeDocument/2006/relationships" xmlns:p="http://schemas.openxmlformats.org/presentationml/2006/main">
   <p:cSld>
     <p:bg>
@@ -23971,7 +24508,191 @@
 </p:sld>
 </file>
 
-<file path=ppt/slides/slide29.xml><?xml version="1.0" encoding="utf-8"?>
+<file path=ppt/slides/slide3.xml><?xml version="1.0" encoding="utf-8"?>
+<p:sld xmlns:a="http://schemas.openxmlformats.org/drawingml/2006/main" xmlns:r="http://schemas.openxmlformats.org/officeDocument/2006/relationships" xmlns:p="http://schemas.openxmlformats.org/presentationml/2006/main">
+  <p:cSld>
+    <p:spTree>
+      <p:nvGrpSpPr>
+        <p:cNvPr id="1" name=""/>
+        <p:cNvGrpSpPr/>
+        <p:nvPr/>
+      </p:nvGrpSpPr>
+      <p:grpSpPr>
+        <a:xfrm>
+          <a:off x="0" y="0"/>
+          <a:ext cx="0" cy="0"/>
+          <a:chOff x="0" y="0"/>
+          <a:chExt cx="0" cy="0"/>
+        </a:xfrm>
+      </p:grpSpPr>
+      <p:sp>
+        <p:nvSpPr>
+          <p:cNvPr id="2" name="Title 1"/>
+          <p:cNvSpPr>
+            <a:spLocks noGrp="1"/>
+          </p:cNvSpPr>
+          <p:nvPr>
+            <p:ph type="title"/>
+          </p:nvPr>
+        </p:nvSpPr>
+        <p:spPr/>
+        <p:txBody>
+          <a:bodyPr/>
+          <a:lstStyle/>
+          <a:p>
+            <a:r>
+              <a:rPr lang="en-US" dirty="0">
+                <a:solidFill>
+                  <a:srgbClr val="007DB8"/>
+                </a:solidFill>
+              </a:rPr>
+              <a:t>Outline</a:t>
+            </a:r>
+          </a:p>
+        </p:txBody>
+      </p:sp>
+      <p:sp>
+        <p:nvSpPr>
+          <p:cNvPr id="4" name="Content Placeholder 3"/>
+          <p:cNvSpPr>
+            <a:spLocks noGrp="1"/>
+          </p:cNvSpPr>
+          <p:nvPr>
+            <p:ph sz="quarter" idx="10"/>
+          </p:nvPr>
+        </p:nvSpPr>
+        <p:spPr/>
+        <p:txBody>
+          <a:bodyPr/>
+          <a:lstStyle/>
+          <a:p>
+            <a:pPr>
+              <a:buClr>
+                <a:srgbClr val="000000"/>
+              </a:buClr>
+              <a:buFont typeface="Arial"/>
+              <a:buChar char="•"/>
+            </a:pPr>
+            <a:r>
+              <a:rPr lang="en-US" dirty="0">
+                <a:solidFill>
+                  <a:schemeClr val="tx1"/>
+                </a:solidFill>
+              </a:rPr>
+              <a:t>General Discussion &amp; Usage</a:t>
+            </a:r>
+          </a:p>
+          <a:p>
+            <a:pPr>
+              <a:buClr>
+                <a:srgbClr val="000000"/>
+              </a:buClr>
+              <a:buFont typeface="Arial"/>
+              <a:buChar char="•"/>
+            </a:pPr>
+            <a:r>
+              <a:rPr lang="en-US" dirty="0" err="1">
+                <a:solidFill>
+                  <a:schemeClr val="tx1"/>
+                </a:solidFill>
+              </a:rPr>
+              <a:t>pwalk</a:t>
+            </a:r>
+            <a:r>
+              <a:rPr lang="en-US" dirty="0">
+                <a:solidFill>
+                  <a:schemeClr val="tx1"/>
+                </a:solidFill>
+              </a:rPr>
+              <a:t> Generic Modes</a:t>
+            </a:r>
+          </a:p>
+          <a:p>
+            <a:pPr>
+              <a:buClr>
+                <a:srgbClr val="000000"/>
+              </a:buClr>
+              <a:buFont typeface="Arial"/>
+              <a:buChar char="•"/>
+            </a:pPr>
+            <a:r>
+              <a:rPr lang="en-US" dirty="0" err="1">
+                <a:solidFill>
+                  <a:schemeClr val="tx1"/>
+                </a:solidFill>
+              </a:rPr>
+              <a:t>pwalk</a:t>
+            </a:r>
+            <a:r>
+              <a:rPr lang="en-US" dirty="0">
+                <a:solidFill>
+                  <a:schemeClr val="tx1"/>
+                </a:solidFill>
+              </a:rPr>
+              <a:t> Platform-specific Modes</a:t>
+            </a:r>
+          </a:p>
+          <a:p>
+            <a:pPr>
+              <a:buClr>
+                <a:srgbClr val="000000"/>
+              </a:buClr>
+              <a:buFont typeface="Arial"/>
+              <a:buChar char="•"/>
+            </a:pPr>
+            <a:r>
+              <a:rPr lang="en-US" dirty="0" err="1">
+                <a:solidFill>
+                  <a:schemeClr val="tx1"/>
+                </a:solidFill>
+              </a:rPr>
+              <a:t>pwalk</a:t>
+            </a:r>
+            <a:r>
+              <a:rPr lang="en-US" dirty="0">
+                <a:solidFill>
+                  <a:schemeClr val="tx1"/>
+                </a:solidFill>
+              </a:rPr>
+              <a:t> Options</a:t>
+            </a:r>
+          </a:p>
+          <a:p>
+            <a:pPr>
+              <a:buClr>
+                <a:srgbClr val="000000"/>
+              </a:buClr>
+              <a:buFont typeface="Arial"/>
+              <a:buChar char="•"/>
+            </a:pPr>
+            <a:r>
+              <a:rPr lang="en-US" dirty="0">
+                <a:solidFill>
+                  <a:schemeClr val="tx1"/>
+                </a:solidFill>
+              </a:rPr>
+              <a:t>Operational Notes</a:t>
+            </a:r>
+          </a:p>
+        </p:txBody>
+      </p:sp>
+    </p:spTree>
+    <p:extLst>
+      <p:ext uri="{BB962C8B-B14F-4D97-AF65-F5344CB8AC3E}">
+        <p14:creationId xmlns:p14="http://schemas.microsoft.com/office/powerpoint/2010/main" val="647540154"/>
+      </p:ext>
+    </p:extLst>
+  </p:cSld>
+  <p:clrMapOvr>
+    <a:masterClrMapping/>
+  </p:clrMapOvr>
+  <p:transition>
+    <p:fade/>
+  </p:transition>
+</p:sld>
+</file>
+
+<file path=ppt/slides/slide30.xml><?xml version="1.0" encoding="utf-8"?>
 <p:sld xmlns:a="http://schemas.openxmlformats.org/drawingml/2006/main" xmlns:r="http://schemas.openxmlformats.org/officeDocument/2006/relationships" xmlns:p="http://schemas.openxmlformats.org/presentationml/2006/main">
   <p:cSld>
     <p:spTree>
@@ -24722,191 +25443,7 @@
 </p:sld>
 </file>
 
-<file path=ppt/slides/slide3.xml><?xml version="1.0" encoding="utf-8"?>
-<p:sld xmlns:a="http://schemas.openxmlformats.org/drawingml/2006/main" xmlns:r="http://schemas.openxmlformats.org/officeDocument/2006/relationships" xmlns:p="http://schemas.openxmlformats.org/presentationml/2006/main">
-  <p:cSld>
-    <p:spTree>
-      <p:nvGrpSpPr>
-        <p:cNvPr id="1" name=""/>
-        <p:cNvGrpSpPr/>
-        <p:nvPr/>
-      </p:nvGrpSpPr>
-      <p:grpSpPr>
-        <a:xfrm>
-          <a:off x="0" y="0"/>
-          <a:ext cx="0" cy="0"/>
-          <a:chOff x="0" y="0"/>
-          <a:chExt cx="0" cy="0"/>
-        </a:xfrm>
-      </p:grpSpPr>
-      <p:sp>
-        <p:nvSpPr>
-          <p:cNvPr id="2" name="Title 1"/>
-          <p:cNvSpPr>
-            <a:spLocks noGrp="1"/>
-          </p:cNvSpPr>
-          <p:nvPr>
-            <p:ph type="title"/>
-          </p:nvPr>
-        </p:nvSpPr>
-        <p:spPr/>
-        <p:txBody>
-          <a:bodyPr/>
-          <a:lstStyle/>
-          <a:p>
-            <a:r>
-              <a:rPr lang="en-US" dirty="0">
-                <a:solidFill>
-                  <a:srgbClr val="007DB8"/>
-                </a:solidFill>
-              </a:rPr>
-              <a:t>Outline</a:t>
-            </a:r>
-          </a:p>
-        </p:txBody>
-      </p:sp>
-      <p:sp>
-        <p:nvSpPr>
-          <p:cNvPr id="4" name="Content Placeholder 3"/>
-          <p:cNvSpPr>
-            <a:spLocks noGrp="1"/>
-          </p:cNvSpPr>
-          <p:nvPr>
-            <p:ph sz="quarter" idx="10"/>
-          </p:nvPr>
-        </p:nvSpPr>
-        <p:spPr/>
-        <p:txBody>
-          <a:bodyPr/>
-          <a:lstStyle/>
-          <a:p>
-            <a:pPr>
-              <a:buClr>
-                <a:srgbClr val="000000"/>
-              </a:buClr>
-              <a:buFont typeface="Arial"/>
-              <a:buChar char="•"/>
-            </a:pPr>
-            <a:r>
-              <a:rPr lang="en-US" dirty="0">
-                <a:solidFill>
-                  <a:schemeClr val="tx1"/>
-                </a:solidFill>
-              </a:rPr>
-              <a:t>General Discussion &amp; Usage</a:t>
-            </a:r>
-          </a:p>
-          <a:p>
-            <a:pPr>
-              <a:buClr>
-                <a:srgbClr val="000000"/>
-              </a:buClr>
-              <a:buFont typeface="Arial"/>
-              <a:buChar char="•"/>
-            </a:pPr>
-            <a:r>
-              <a:rPr lang="en-US" dirty="0" err="1">
-                <a:solidFill>
-                  <a:schemeClr val="tx1"/>
-                </a:solidFill>
-              </a:rPr>
-              <a:t>pwalk</a:t>
-            </a:r>
-            <a:r>
-              <a:rPr lang="en-US" dirty="0">
-                <a:solidFill>
-                  <a:schemeClr val="tx1"/>
-                </a:solidFill>
-              </a:rPr>
-              <a:t> Generic Modes</a:t>
-            </a:r>
-          </a:p>
-          <a:p>
-            <a:pPr>
-              <a:buClr>
-                <a:srgbClr val="000000"/>
-              </a:buClr>
-              <a:buFont typeface="Arial"/>
-              <a:buChar char="•"/>
-            </a:pPr>
-            <a:r>
-              <a:rPr lang="en-US" dirty="0" err="1">
-                <a:solidFill>
-                  <a:schemeClr val="tx1"/>
-                </a:solidFill>
-              </a:rPr>
-              <a:t>pwalk</a:t>
-            </a:r>
-            <a:r>
-              <a:rPr lang="en-US" dirty="0">
-                <a:solidFill>
-                  <a:schemeClr val="tx1"/>
-                </a:solidFill>
-              </a:rPr>
-              <a:t> Platform-specific Modes</a:t>
-            </a:r>
-          </a:p>
-          <a:p>
-            <a:pPr>
-              <a:buClr>
-                <a:srgbClr val="000000"/>
-              </a:buClr>
-              <a:buFont typeface="Arial"/>
-              <a:buChar char="•"/>
-            </a:pPr>
-            <a:r>
-              <a:rPr lang="en-US" dirty="0" err="1">
-                <a:solidFill>
-                  <a:schemeClr val="tx1"/>
-                </a:solidFill>
-              </a:rPr>
-              <a:t>pwalk</a:t>
-            </a:r>
-            <a:r>
-              <a:rPr lang="en-US" dirty="0">
-                <a:solidFill>
-                  <a:schemeClr val="tx1"/>
-                </a:solidFill>
-              </a:rPr>
-              <a:t> Options</a:t>
-            </a:r>
-          </a:p>
-          <a:p>
-            <a:pPr>
-              <a:buClr>
-                <a:srgbClr val="000000"/>
-              </a:buClr>
-              <a:buFont typeface="Arial"/>
-              <a:buChar char="•"/>
-            </a:pPr>
-            <a:r>
-              <a:rPr lang="en-US" dirty="0">
-                <a:solidFill>
-                  <a:schemeClr val="tx1"/>
-                </a:solidFill>
-              </a:rPr>
-              <a:t>Operational Notes</a:t>
-            </a:r>
-          </a:p>
-        </p:txBody>
-      </p:sp>
-    </p:spTree>
-    <p:extLst>
-      <p:ext uri="{BB962C8B-B14F-4D97-AF65-F5344CB8AC3E}">
-        <p14:creationId xmlns:p14="http://schemas.microsoft.com/office/powerpoint/2010/main" val="647540154"/>
-      </p:ext>
-    </p:extLst>
-  </p:cSld>
-  <p:clrMapOvr>
-    <a:masterClrMapping/>
-  </p:clrMapOvr>
-  <p:transition>
-    <p:fade/>
-  </p:transition>
-</p:sld>
-</file>
-
-<file path=ppt/slides/slide30.xml><?xml version="1.0" encoding="utf-8"?>
+<file path=ppt/slides/slide31.xml><?xml version="1.0" encoding="utf-8"?>
 <p:sld xmlns:a="http://schemas.openxmlformats.org/drawingml/2006/main" xmlns:r="http://schemas.openxmlformats.org/officeDocument/2006/relationships" xmlns:p="http://schemas.openxmlformats.org/presentationml/2006/main">
   <p:cSld>
     <p:spTree>
@@ -25329,7 +25866,7 @@
 </p:sld>
 </file>
 
-<file path=ppt/slides/slide31.xml><?xml version="1.0" encoding="utf-8"?>
+<file path=ppt/slides/slide32.xml><?xml version="1.0" encoding="utf-8"?>
 <p:sld xmlns:a="http://schemas.openxmlformats.org/drawingml/2006/main" xmlns:r="http://schemas.openxmlformats.org/officeDocument/2006/relationships" xmlns:p="http://schemas.openxmlformats.org/presentationml/2006/main">
   <p:cSld>
     <p:spTree>
@@ -25628,7 +26165,7 @@
 </p:sld>
 </file>
 
-<file path=ppt/slides/slide32.xml><?xml version="1.0" encoding="utf-8"?>
+<file path=ppt/slides/slide33.xml><?xml version="1.0" encoding="utf-8"?>
 <p:sld xmlns:a="http://schemas.openxmlformats.org/drawingml/2006/main" xmlns:r="http://schemas.openxmlformats.org/officeDocument/2006/relationships" xmlns:p="http://schemas.openxmlformats.org/presentationml/2006/main">
   <p:cSld>
     <p:spTree>
@@ -25797,7 +26334,7 @@
 </p:sld>
 </file>
 
-<file path=ppt/slides/slide33.xml><?xml version="1.0" encoding="utf-8"?>
+<file path=ppt/slides/slide34.xml><?xml version="1.0" encoding="utf-8"?>
 <p:sld xmlns:a="http://schemas.openxmlformats.org/drawingml/2006/main" xmlns:r="http://schemas.openxmlformats.org/officeDocument/2006/relationships" xmlns:p="http://schemas.openxmlformats.org/presentationml/2006/main">
   <p:cSld>
     <p:spTree>
@@ -26110,7 +26647,7 @@
 </p:sld>
 </file>
 
-<file path=ppt/slides/slide34.xml><?xml version="1.0" encoding="utf-8"?>
+<file path=ppt/slides/slide35.xml><?xml version="1.0" encoding="utf-8"?>
 <p:sld xmlns:a="http://schemas.openxmlformats.org/drawingml/2006/main" xmlns:r="http://schemas.openxmlformats.org/officeDocument/2006/relationships" xmlns:p="http://schemas.openxmlformats.org/presentationml/2006/main">
   <p:cSld>
     <p:spTree>
@@ -26608,7 +27145,7 @@
 </p:sld>
 </file>
 
-<file path=ppt/slides/slide35.xml><?xml version="1.0" encoding="utf-8"?>
+<file path=ppt/slides/slide36.xml><?xml version="1.0" encoding="utf-8"?>
 <p:sld xmlns:a="http://schemas.openxmlformats.org/drawingml/2006/main" xmlns:r="http://schemas.openxmlformats.org/officeDocument/2006/relationships" xmlns:p="http://schemas.openxmlformats.org/presentationml/2006/main">
   <p:cSld>
     <p:bg>
@@ -26693,7 +27230,7 @@
 </p:sld>
 </file>
 
-<file path=ppt/slides/slide36.xml><?xml version="1.0" encoding="utf-8"?>
+<file path=ppt/slides/slide37.xml><?xml version="1.0" encoding="utf-8"?>
 <p:sld xmlns:a="http://schemas.openxmlformats.org/drawingml/2006/main" xmlns:r="http://schemas.openxmlformats.org/officeDocument/2006/relationships" xmlns:p="http://schemas.openxmlformats.org/presentationml/2006/main">
   <p:cSld>
     <p:spTree>
@@ -27014,7 +27551,7 @@
 </p:sld>
 </file>
 
-<file path=ppt/slides/slide37.xml><?xml version="1.0" encoding="utf-8"?>
+<file path=ppt/slides/slide38.xml><?xml version="1.0" encoding="utf-8"?>
 <p:sld xmlns:a="http://schemas.openxmlformats.org/drawingml/2006/main" xmlns:r="http://schemas.openxmlformats.org/officeDocument/2006/relationships" xmlns:p="http://schemas.openxmlformats.org/presentationml/2006/main">
   <p:cSld>
     <p:spTree>
@@ -27285,7 +27822,7 @@
 </p:sld>
 </file>
 
-<file path=ppt/slides/slide38.xml><?xml version="1.0" encoding="utf-8"?>
+<file path=ppt/slides/slide39.xml><?xml version="1.0" encoding="utf-8"?>
 <p:sld xmlns:a="http://schemas.openxmlformats.org/drawingml/2006/main" xmlns:r="http://schemas.openxmlformats.org/officeDocument/2006/relationships" xmlns:p="http://schemas.openxmlformats.org/presentationml/2006/main">
   <p:cSld>
     <p:bg>
@@ -27358,355 +27895,6 @@
   </p:clrMapOvr>
   <p:transition>
     <p:fade/>
-  </p:transition>
-</p:sld>
-</file>
-
-<file path=ppt/slides/slide39.xml><?xml version="1.0" encoding="utf-8"?>
-<p:sld xmlns:a="http://schemas.openxmlformats.org/drawingml/2006/main" xmlns:r="http://schemas.openxmlformats.org/officeDocument/2006/relationships" xmlns:p="http://schemas.openxmlformats.org/presentationml/2006/main">
-  <p:cSld>
-    <p:spTree>
-      <p:nvGrpSpPr>
-        <p:cNvPr id="1" name=""/>
-        <p:cNvGrpSpPr/>
-        <p:nvPr/>
-      </p:nvGrpSpPr>
-      <p:grpSpPr>
-        <a:xfrm>
-          <a:off x="0" y="0"/>
-          <a:ext cx="0" cy="0"/>
-          <a:chOff x="0" y="0"/>
-          <a:chExt cx="0" cy="0"/>
-        </a:xfrm>
-      </p:grpSpPr>
-      <p:sp>
-        <p:nvSpPr>
-          <p:cNvPr id="2" name="Title 1"/>
-          <p:cNvSpPr>
-            <a:spLocks noGrp="1"/>
-          </p:cNvSpPr>
-          <p:nvPr>
-            <p:ph type="title"/>
-          </p:nvPr>
-        </p:nvSpPr>
-        <p:spPr/>
-        <p:txBody>
-          <a:bodyPr/>
-          <a:lstStyle/>
-          <a:p>
-            <a:r>
-              <a:rPr lang="en-US"/>
-              <a:t>pwalk Usage Notes</a:t>
-            </a:r>
-            <a:endParaRPr lang="en-US" dirty="0"/>
-          </a:p>
-        </p:txBody>
-      </p:sp>
-      <p:sp>
-        <p:nvSpPr>
-          <p:cNvPr id="5" name="Content Placeholder 4"/>
-          <p:cNvSpPr>
-            <a:spLocks noGrp="1"/>
-          </p:cNvSpPr>
-          <p:nvPr>
-            <p:ph sz="quarter" idx="10"/>
-          </p:nvPr>
-        </p:nvSpPr>
-        <p:spPr/>
-        <p:txBody>
-          <a:bodyPr/>
-          <a:lstStyle/>
-          <a:p>
-            <a:pPr>
-              <a:spcBef>
-                <a:spcPts val="0"/>
-              </a:spcBef>
-            </a:pPr>
-            <a:r>
-              <a:rPr lang="en-US" sz="1400" dirty="0" err="1"/>
-              <a:t>pwalk</a:t>
-            </a:r>
-            <a:r>
-              <a:rPr lang="en-US" sz="1400" dirty="0"/>
-              <a:t> is best run as the root user from a NAS client that has been specified as a root client for the export(s)/share(s) being scanned</a:t>
-            </a:r>
-          </a:p>
-          <a:p>
-            <a:pPr lvl="1">
-              <a:spcBef>
-                <a:spcPts val="0"/>
-              </a:spcBef>
-            </a:pPr>
-            <a:r>
-              <a:rPr lang="en-US" sz="1100" dirty="0"/>
-              <a:t>This avoids permissions problems in traversing directories</a:t>
-            </a:r>
-          </a:p>
-          <a:p>
-            <a:pPr lvl="1">
-              <a:spcBef>
-                <a:spcPts val="0"/>
-              </a:spcBef>
-            </a:pPr>
-            <a:r>
-              <a:rPr lang="en-US" sz="1100" dirty="0"/>
-              <a:t>Running directly on OneFS is possible, but slower than running from a NAS client</a:t>
-            </a:r>
-          </a:p>
-          <a:p>
-            <a:pPr lvl="1">
-              <a:spcBef>
-                <a:spcPts val="0"/>
-              </a:spcBef>
-            </a:pPr>
-            <a:r>
-              <a:rPr lang="en-US" sz="1100" dirty="0"/>
-              <a:t>Note that </a:t>
-            </a:r>
-            <a:r>
-              <a:rPr lang="en-US" sz="1100" dirty="0" err="1"/>
-              <a:t>pwalk</a:t>
-            </a:r>
-            <a:r>
-              <a:rPr lang="en-US" sz="1100" dirty="0"/>
-              <a:t> is agnostic of the filesystem type being scanned. Local filesystems, NFS exports, and even SMB shares can be scanned – but the optimal concurrency can vary greatly between use cases.</a:t>
-            </a:r>
-          </a:p>
-          <a:p>
-            <a:pPr>
-              <a:spcBef>
-                <a:spcPts val="0"/>
-              </a:spcBef>
-            </a:pPr>
-            <a:r>
-              <a:rPr lang="en-US" sz="1400" dirty="0"/>
-              <a:t>CAUTION: </a:t>
-            </a:r>
-            <a:r>
-              <a:rPr lang="en-US" sz="1400" dirty="0" err="1"/>
-              <a:t>treewalks</a:t>
-            </a:r>
-            <a:r>
-              <a:rPr lang="en-US" sz="1400" dirty="0"/>
-              <a:t> with high per-node-concurrency can have a significant impact on OneFS initiator nodes, especially in CPU usage!</a:t>
-            </a:r>
-          </a:p>
-          <a:p>
-            <a:pPr lvl="1">
-              <a:spcBef>
-                <a:spcPts val="0"/>
-              </a:spcBef>
-            </a:pPr>
-            <a:r>
-              <a:rPr lang="en-US" sz="1100" dirty="0"/>
-              <a:t>Test </a:t>
-            </a:r>
-            <a:r>
-              <a:rPr lang="en-US" sz="1100" dirty="0" err="1"/>
-              <a:t>pwalk</a:t>
-            </a:r>
-            <a:r>
-              <a:rPr lang="en-US" sz="1100" dirty="0"/>
-              <a:t> at lower concurrency levels (2 to 4)  to assess how much </a:t>
-            </a:r>
-            <a:r>
-              <a:rPr lang="en-US" sz="1100" dirty="0" err="1"/>
-              <a:t>pwalk</a:t>
-            </a:r>
-            <a:r>
-              <a:rPr lang="en-US" sz="1100" dirty="0"/>
-              <a:t> competition your cluster’s production workload can tolerate</a:t>
-            </a:r>
-          </a:p>
-          <a:p>
-            <a:pPr lvl="1">
-              <a:spcBef>
-                <a:spcPts val="0"/>
-              </a:spcBef>
-            </a:pPr>
-            <a:r>
-              <a:rPr lang="en-US" sz="1100" dirty="0" err="1"/>
-              <a:t>pwalk’s</a:t>
-            </a:r>
-            <a:r>
-              <a:rPr lang="en-US" sz="1100" dirty="0"/>
-              <a:t> CPU-per-worker impact on a OneFS node should scale more-or-less linearly</a:t>
-            </a:r>
-          </a:p>
-          <a:p>
-            <a:pPr>
-              <a:spcBef>
-                <a:spcPts val="0"/>
-              </a:spcBef>
-            </a:pPr>
-            <a:r>
-              <a:rPr lang="en-US" sz="1400" dirty="0"/>
-              <a:t>The -paths= feature is recommended to spread </a:t>
-            </a:r>
-            <a:r>
-              <a:rPr lang="en-US" sz="1400" dirty="0" err="1"/>
-              <a:t>pwalk’s</a:t>
-            </a:r>
-            <a:r>
-              <a:rPr lang="en-US" sz="1400" dirty="0"/>
-              <a:t> impact across OneFS cluster nodes</a:t>
-            </a:r>
-          </a:p>
-          <a:p>
-            <a:pPr lvl="1">
-              <a:spcBef>
-                <a:spcPts val="0"/>
-              </a:spcBef>
-            </a:pPr>
-            <a:r>
-              <a:rPr lang="en-US" sz="1100" dirty="0"/>
-              <a:t>Multiple </a:t>
-            </a:r>
-            <a:r>
-              <a:rPr lang="en-US" sz="1100" dirty="0" err="1"/>
-              <a:t>readonly</a:t>
-            </a:r>
-            <a:r>
-              <a:rPr lang="en-US" sz="1100" dirty="0"/>
-              <a:t> mounts are recommended</a:t>
-            </a:r>
-          </a:p>
-          <a:p>
-            <a:pPr lvl="1">
-              <a:spcBef>
-                <a:spcPts val="0"/>
-              </a:spcBef>
-            </a:pPr>
-            <a:r>
-              <a:rPr lang="en-US" sz="1100" dirty="0"/>
-              <a:t>With NFS, be sure that READIRPLUS is enabled for all mounts</a:t>
-            </a:r>
-          </a:p>
-          <a:p>
-            <a:pPr>
-              <a:spcBef>
-                <a:spcPts val="0"/>
-              </a:spcBef>
-            </a:pPr>
-            <a:r>
-              <a:rPr lang="en-US" sz="1400" dirty="0"/>
-              <a:t>In the unlikely event of a uncaught fatal error in </a:t>
-            </a:r>
-            <a:r>
-              <a:rPr lang="en-US" sz="1400" dirty="0" err="1"/>
-              <a:t>pwalk</a:t>
-            </a:r>
-            <a:r>
-              <a:rPr lang="en-US" sz="1400" dirty="0"/>
-              <a:t>, it is best to have core dumps enabled to facilitate diagnosis (</a:t>
-            </a:r>
-            <a:r>
-              <a:rPr lang="en-US" sz="1400" dirty="0" err="1"/>
-              <a:t>eg</a:t>
-            </a:r>
-            <a:r>
-              <a:rPr lang="en-US" sz="1400" dirty="0"/>
-              <a:t>: use </a:t>
-            </a:r>
-            <a:r>
-              <a:rPr lang="en-US" sz="1400" dirty="0" err="1"/>
-              <a:t>ulimit</a:t>
-            </a:r>
-            <a:r>
-              <a:rPr lang="en-US" sz="1400" dirty="0"/>
-              <a:t> –c unlimited on Linux prior to </a:t>
-            </a:r>
-            <a:r>
-              <a:rPr lang="en-US" sz="1400" dirty="0" err="1"/>
-              <a:t>pwalk</a:t>
-            </a:r>
-            <a:r>
-              <a:rPr lang="en-US" sz="1400" dirty="0"/>
-              <a:t> operation)</a:t>
-            </a:r>
-          </a:p>
-          <a:p>
-            <a:pPr lvl="1">
-              <a:spcBef>
-                <a:spcPts val="0"/>
-              </a:spcBef>
-            </a:pPr>
-            <a:r>
-              <a:rPr lang="en-US" sz="1100" dirty="0"/>
-              <a:t>core.&lt;</a:t>
-            </a:r>
-            <a:r>
-              <a:rPr lang="en-US" sz="1100" dirty="0" err="1"/>
-              <a:t>pid</a:t>
-            </a:r>
-            <a:r>
-              <a:rPr lang="en-US" sz="1100" dirty="0"/>
-              <a:t>&gt; is the standard Linux core file destination, but it is configurable</a:t>
-            </a:r>
-          </a:p>
-          <a:p>
-            <a:pPr lvl="1">
-              <a:spcBef>
-                <a:spcPts val="0"/>
-              </a:spcBef>
-            </a:pPr>
-            <a:r>
-              <a:rPr lang="en-US" sz="1100" dirty="0"/>
-              <a:t>Released versions of </a:t>
-            </a:r>
-            <a:r>
-              <a:rPr lang="en-US" sz="1100" dirty="0" err="1"/>
-              <a:t>pwalk</a:t>
-            </a:r>
-            <a:r>
-              <a:rPr lang="en-US" sz="1100" dirty="0"/>
-              <a:t> have not been known to dump core under any circumstances, but if it happens, please report it!</a:t>
-            </a:r>
-          </a:p>
-        </p:txBody>
-      </p:sp>
-      <p:pic>
-        <p:nvPicPr>
-          <p:cNvPr id="6" name="Picture 5"/>
-          <p:cNvPicPr>
-            <a:picLocks noChangeAspect="1"/>
-          </p:cNvPicPr>
-          <p:nvPr/>
-        </p:nvPicPr>
-        <p:blipFill>
-          <a:blip r:embed="rId3" cstate="print">
-            <a:extLst>
-              <a:ext uri="{28A0092B-C50C-407E-A947-70E740481C1C}">
-                <a14:useLocalDpi xmlns:a14="http://schemas.microsoft.com/office/drawing/2010/main"/>
-              </a:ext>
-            </a:extLst>
-          </a:blip>
-          <a:stretch>
-            <a:fillRect/>
-          </a:stretch>
-        </p:blipFill>
-        <p:spPr>
-          <a:xfrm>
-            <a:off x="8140740" y="151056"/>
-            <a:ext cx="894021" cy="771838"/>
-          </a:xfrm>
-          <a:prstGeom prst="rect">
-            <a:avLst/>
-          </a:prstGeom>
-        </p:spPr>
-      </p:pic>
-    </p:spTree>
-    <p:extLst>
-      <p:ext uri="{BB962C8B-B14F-4D97-AF65-F5344CB8AC3E}">
-        <p14:creationId xmlns:p14="http://schemas.microsoft.com/office/powerpoint/2010/main" val="2468222301"/>
-      </p:ext>
-    </p:extLst>
-  </p:cSld>
-  <p:clrMapOvr>
-    <a:masterClrMapping/>
-  </p:clrMapOvr>
-  <p:transition spd="med">
-    <p:wipe dir="r"/>
   </p:transition>
 </p:sld>
 </file>
@@ -27822,6 +28010,355 @@
           <a:p>
             <a:r>
               <a:rPr lang="en-US"/>
+              <a:t>pwalk Usage Notes</a:t>
+            </a:r>
+            <a:endParaRPr lang="en-US" dirty="0"/>
+          </a:p>
+        </p:txBody>
+      </p:sp>
+      <p:sp>
+        <p:nvSpPr>
+          <p:cNvPr id="5" name="Content Placeholder 4"/>
+          <p:cNvSpPr>
+            <a:spLocks noGrp="1"/>
+          </p:cNvSpPr>
+          <p:nvPr>
+            <p:ph sz="quarter" idx="10"/>
+          </p:nvPr>
+        </p:nvSpPr>
+        <p:spPr/>
+        <p:txBody>
+          <a:bodyPr/>
+          <a:lstStyle/>
+          <a:p>
+            <a:pPr>
+              <a:spcBef>
+                <a:spcPts val="0"/>
+              </a:spcBef>
+            </a:pPr>
+            <a:r>
+              <a:rPr lang="en-US" sz="1400" dirty="0" err="1"/>
+              <a:t>pwalk</a:t>
+            </a:r>
+            <a:r>
+              <a:rPr lang="en-US" sz="1400" dirty="0"/>
+              <a:t> is best run as the root user from a NAS client that has been specified as a root client for the export(s)/share(s) being scanned</a:t>
+            </a:r>
+          </a:p>
+          <a:p>
+            <a:pPr lvl="1">
+              <a:spcBef>
+                <a:spcPts val="0"/>
+              </a:spcBef>
+            </a:pPr>
+            <a:r>
+              <a:rPr lang="en-US" sz="1100" dirty="0"/>
+              <a:t>This avoids permissions problems in traversing directories</a:t>
+            </a:r>
+          </a:p>
+          <a:p>
+            <a:pPr lvl="1">
+              <a:spcBef>
+                <a:spcPts val="0"/>
+              </a:spcBef>
+            </a:pPr>
+            <a:r>
+              <a:rPr lang="en-US" sz="1100" dirty="0"/>
+              <a:t>Running directly on OneFS is possible, but slower than running from a NAS client</a:t>
+            </a:r>
+          </a:p>
+          <a:p>
+            <a:pPr lvl="1">
+              <a:spcBef>
+                <a:spcPts val="0"/>
+              </a:spcBef>
+            </a:pPr>
+            <a:r>
+              <a:rPr lang="en-US" sz="1100" dirty="0"/>
+              <a:t>Note that </a:t>
+            </a:r>
+            <a:r>
+              <a:rPr lang="en-US" sz="1100" dirty="0" err="1"/>
+              <a:t>pwalk</a:t>
+            </a:r>
+            <a:r>
+              <a:rPr lang="en-US" sz="1100" dirty="0"/>
+              <a:t> is agnostic of the filesystem type being scanned. Local filesystems, NFS exports, and even SMB shares can be scanned – but the optimal concurrency can vary greatly between use cases.</a:t>
+            </a:r>
+          </a:p>
+          <a:p>
+            <a:pPr>
+              <a:spcBef>
+                <a:spcPts val="0"/>
+              </a:spcBef>
+            </a:pPr>
+            <a:r>
+              <a:rPr lang="en-US" sz="1400" dirty="0"/>
+              <a:t>CAUTION: </a:t>
+            </a:r>
+            <a:r>
+              <a:rPr lang="en-US" sz="1400" dirty="0" err="1"/>
+              <a:t>treewalks</a:t>
+            </a:r>
+            <a:r>
+              <a:rPr lang="en-US" sz="1400" dirty="0"/>
+              <a:t> with high per-node-concurrency can have a significant impact on OneFS initiator nodes, especially in CPU usage!</a:t>
+            </a:r>
+          </a:p>
+          <a:p>
+            <a:pPr lvl="1">
+              <a:spcBef>
+                <a:spcPts val="0"/>
+              </a:spcBef>
+            </a:pPr>
+            <a:r>
+              <a:rPr lang="en-US" sz="1100" dirty="0"/>
+              <a:t>Test </a:t>
+            </a:r>
+            <a:r>
+              <a:rPr lang="en-US" sz="1100" dirty="0" err="1"/>
+              <a:t>pwalk</a:t>
+            </a:r>
+            <a:r>
+              <a:rPr lang="en-US" sz="1100" dirty="0"/>
+              <a:t> at lower concurrency levels (2 to 4)  to assess how much </a:t>
+            </a:r>
+            <a:r>
+              <a:rPr lang="en-US" sz="1100" dirty="0" err="1"/>
+              <a:t>pwalk</a:t>
+            </a:r>
+            <a:r>
+              <a:rPr lang="en-US" sz="1100" dirty="0"/>
+              <a:t> competition your cluster’s production workload can tolerate</a:t>
+            </a:r>
+          </a:p>
+          <a:p>
+            <a:pPr lvl="1">
+              <a:spcBef>
+                <a:spcPts val="0"/>
+              </a:spcBef>
+            </a:pPr>
+            <a:r>
+              <a:rPr lang="en-US" sz="1100" dirty="0" err="1"/>
+              <a:t>pwalk’s</a:t>
+            </a:r>
+            <a:r>
+              <a:rPr lang="en-US" sz="1100" dirty="0"/>
+              <a:t> CPU-per-worker impact on a OneFS node should scale more-or-less linearly</a:t>
+            </a:r>
+          </a:p>
+          <a:p>
+            <a:pPr>
+              <a:spcBef>
+                <a:spcPts val="0"/>
+              </a:spcBef>
+            </a:pPr>
+            <a:r>
+              <a:rPr lang="en-US" sz="1400" dirty="0"/>
+              <a:t>The -paths= feature is recommended to spread </a:t>
+            </a:r>
+            <a:r>
+              <a:rPr lang="en-US" sz="1400" dirty="0" err="1"/>
+              <a:t>pwalk’s</a:t>
+            </a:r>
+            <a:r>
+              <a:rPr lang="en-US" sz="1400" dirty="0"/>
+              <a:t> impact across OneFS cluster nodes</a:t>
+            </a:r>
+          </a:p>
+          <a:p>
+            <a:pPr lvl="1">
+              <a:spcBef>
+                <a:spcPts val="0"/>
+              </a:spcBef>
+            </a:pPr>
+            <a:r>
+              <a:rPr lang="en-US" sz="1100" dirty="0"/>
+              <a:t>Multiple </a:t>
+            </a:r>
+            <a:r>
+              <a:rPr lang="en-US" sz="1100" dirty="0" err="1"/>
+              <a:t>readonly</a:t>
+            </a:r>
+            <a:r>
+              <a:rPr lang="en-US" sz="1100" dirty="0"/>
+              <a:t> mounts are recommended</a:t>
+            </a:r>
+          </a:p>
+          <a:p>
+            <a:pPr lvl="1">
+              <a:spcBef>
+                <a:spcPts val="0"/>
+              </a:spcBef>
+            </a:pPr>
+            <a:r>
+              <a:rPr lang="en-US" sz="1100" dirty="0"/>
+              <a:t>With NFS, be sure that READIRPLUS is enabled for all mounts</a:t>
+            </a:r>
+          </a:p>
+          <a:p>
+            <a:pPr>
+              <a:spcBef>
+                <a:spcPts val="0"/>
+              </a:spcBef>
+            </a:pPr>
+            <a:r>
+              <a:rPr lang="en-US" sz="1400" dirty="0"/>
+              <a:t>In the unlikely event of a uncaught fatal error in </a:t>
+            </a:r>
+            <a:r>
+              <a:rPr lang="en-US" sz="1400" dirty="0" err="1"/>
+              <a:t>pwalk</a:t>
+            </a:r>
+            <a:r>
+              <a:rPr lang="en-US" sz="1400" dirty="0"/>
+              <a:t>, it is best to have core dumps enabled to facilitate diagnosis (</a:t>
+            </a:r>
+            <a:r>
+              <a:rPr lang="en-US" sz="1400" dirty="0" err="1"/>
+              <a:t>eg</a:t>
+            </a:r>
+            <a:r>
+              <a:rPr lang="en-US" sz="1400" dirty="0"/>
+              <a:t>: use </a:t>
+            </a:r>
+            <a:r>
+              <a:rPr lang="en-US" sz="1400" dirty="0" err="1"/>
+              <a:t>ulimit</a:t>
+            </a:r>
+            <a:r>
+              <a:rPr lang="en-US" sz="1400" dirty="0"/>
+              <a:t> –c unlimited on Linux prior to </a:t>
+            </a:r>
+            <a:r>
+              <a:rPr lang="en-US" sz="1400" dirty="0" err="1"/>
+              <a:t>pwalk</a:t>
+            </a:r>
+            <a:r>
+              <a:rPr lang="en-US" sz="1400" dirty="0"/>
+              <a:t> operation)</a:t>
+            </a:r>
+          </a:p>
+          <a:p>
+            <a:pPr lvl="1">
+              <a:spcBef>
+                <a:spcPts val="0"/>
+              </a:spcBef>
+            </a:pPr>
+            <a:r>
+              <a:rPr lang="en-US" sz="1100" dirty="0"/>
+              <a:t>core.&lt;</a:t>
+            </a:r>
+            <a:r>
+              <a:rPr lang="en-US" sz="1100" dirty="0" err="1"/>
+              <a:t>pid</a:t>
+            </a:r>
+            <a:r>
+              <a:rPr lang="en-US" sz="1100" dirty="0"/>
+              <a:t>&gt; is the standard Linux core file destination, but it is configurable</a:t>
+            </a:r>
+          </a:p>
+          <a:p>
+            <a:pPr lvl="1">
+              <a:spcBef>
+                <a:spcPts val="0"/>
+              </a:spcBef>
+            </a:pPr>
+            <a:r>
+              <a:rPr lang="en-US" sz="1100" dirty="0"/>
+              <a:t>Released versions of </a:t>
+            </a:r>
+            <a:r>
+              <a:rPr lang="en-US" sz="1100" dirty="0" err="1"/>
+              <a:t>pwalk</a:t>
+            </a:r>
+            <a:r>
+              <a:rPr lang="en-US" sz="1100" dirty="0"/>
+              <a:t> have not been known to dump core under any circumstances, but if it happens, please report it!</a:t>
+            </a:r>
+          </a:p>
+        </p:txBody>
+      </p:sp>
+      <p:pic>
+        <p:nvPicPr>
+          <p:cNvPr id="6" name="Picture 5"/>
+          <p:cNvPicPr>
+            <a:picLocks noChangeAspect="1"/>
+          </p:cNvPicPr>
+          <p:nvPr/>
+        </p:nvPicPr>
+        <p:blipFill>
+          <a:blip r:embed="rId3" cstate="print">
+            <a:extLst>
+              <a:ext uri="{28A0092B-C50C-407E-A947-70E740481C1C}">
+                <a14:useLocalDpi xmlns:a14="http://schemas.microsoft.com/office/drawing/2010/main"/>
+              </a:ext>
+            </a:extLst>
+          </a:blip>
+          <a:stretch>
+            <a:fillRect/>
+          </a:stretch>
+        </p:blipFill>
+        <p:spPr>
+          <a:xfrm>
+            <a:off x="8140740" y="151056"/>
+            <a:ext cx="894021" cy="771838"/>
+          </a:xfrm>
+          <a:prstGeom prst="rect">
+            <a:avLst/>
+          </a:prstGeom>
+        </p:spPr>
+      </p:pic>
+    </p:spTree>
+    <p:extLst>
+      <p:ext uri="{BB962C8B-B14F-4D97-AF65-F5344CB8AC3E}">
+        <p14:creationId xmlns:p14="http://schemas.microsoft.com/office/powerpoint/2010/main" val="2468222301"/>
+      </p:ext>
+    </p:extLst>
+  </p:cSld>
+  <p:clrMapOvr>
+    <a:masterClrMapping/>
+  </p:clrMapOvr>
+  <p:transition spd="med">
+    <p:wipe dir="r"/>
+  </p:transition>
+</p:sld>
+</file>
+
+<file path=ppt/slides/slide41.xml><?xml version="1.0" encoding="utf-8"?>
+<p:sld xmlns:a="http://schemas.openxmlformats.org/drawingml/2006/main" xmlns:r="http://schemas.openxmlformats.org/officeDocument/2006/relationships" xmlns:p="http://schemas.openxmlformats.org/presentationml/2006/main">
+  <p:cSld>
+    <p:spTree>
+      <p:nvGrpSpPr>
+        <p:cNvPr id="1" name=""/>
+        <p:cNvGrpSpPr/>
+        <p:nvPr/>
+      </p:nvGrpSpPr>
+      <p:grpSpPr>
+        <a:xfrm>
+          <a:off x="0" y="0"/>
+          <a:ext cx="0" cy="0"/>
+          <a:chOff x="0" y="0"/>
+          <a:chExt cx="0" cy="0"/>
+        </a:xfrm>
+      </p:grpSpPr>
+      <p:sp>
+        <p:nvSpPr>
+          <p:cNvPr id="2" name="Title 1"/>
+          <p:cNvSpPr>
+            <a:spLocks noGrp="1"/>
+          </p:cNvSpPr>
+          <p:nvPr>
+            <p:ph type="title"/>
+          </p:nvPr>
+        </p:nvSpPr>
+        <p:spPr/>
+        <p:txBody>
+          <a:bodyPr/>
+          <a:lstStyle/>
+          <a:p>
+            <a:r>
+              <a:rPr lang="en-US"/>
               <a:t>About NFS READDIRPLUS</a:t>
             </a:r>
             <a:endParaRPr lang="en-US" dirty="0"/>
@@ -27921,7 +28458,7 @@
 </p:sld>
 </file>
 
-<file path=ppt/slides/slide41.xml><?xml version="1.0" encoding="utf-8"?>
+<file path=ppt/slides/slide42.xml><?xml version="1.0" encoding="utf-8"?>
 <p:sld xmlns:a="http://schemas.openxmlformats.org/drawingml/2006/main" xmlns:r="http://schemas.openxmlformats.org/officeDocument/2006/relationships" xmlns:p="http://schemas.openxmlformats.org/presentationml/2006/main">
   <p:cSld>
     <p:spTree>
@@ -28190,7 +28727,7 @@
 </p:sld>
 </file>
 
-<file path=ppt/slides/slide42.xml><?xml version="1.0" encoding="utf-8"?>
+<file path=ppt/slides/slide43.xml><?xml version="1.0" encoding="utf-8"?>
 <p:sld xmlns:a="http://schemas.openxmlformats.org/drawingml/2006/main" xmlns:r="http://schemas.openxmlformats.org/officeDocument/2006/relationships" xmlns:p="http://schemas.openxmlformats.org/presentationml/2006/main">
   <p:cSld>
     <p:spTree>
@@ -30244,7 +30781,7 @@
 </p:sld>
 </file>
 
-<file path=ppt/slides/slide43.xml><?xml version="1.0" encoding="utf-8"?>
+<file path=ppt/slides/slide44.xml><?xml version="1.0" encoding="utf-8"?>
 <p:sld xmlns:a="http://schemas.openxmlformats.org/drawingml/2006/main" xmlns:r="http://schemas.openxmlformats.org/officeDocument/2006/relationships" xmlns:p="http://schemas.openxmlformats.org/presentationml/2006/main">
   <p:cSld>
     <p:spTree>
@@ -30597,310 +31134,6 @@
 </p:sld>
 </file>
 
-<file path=ppt/slides/slide44.xml><?xml version="1.0" encoding="utf-8"?>
-<p:sld xmlns:a="http://schemas.openxmlformats.org/drawingml/2006/main" xmlns:r="http://schemas.openxmlformats.org/officeDocument/2006/relationships" xmlns:p="http://schemas.openxmlformats.org/presentationml/2006/main">
-  <p:cSld>
-    <p:spTree>
-      <p:nvGrpSpPr>
-        <p:cNvPr id="1" name=""/>
-        <p:cNvGrpSpPr/>
-        <p:nvPr/>
-      </p:nvGrpSpPr>
-      <p:grpSpPr>
-        <a:xfrm>
-          <a:off x="0" y="0"/>
-          <a:ext cx="0" cy="0"/>
-          <a:chOff x="0" y="0"/>
-          <a:chExt cx="0" cy="0"/>
-        </a:xfrm>
-      </p:grpSpPr>
-      <p:sp>
-        <p:nvSpPr>
-          <p:cNvPr id="2" name="Title 1"/>
-          <p:cNvSpPr>
-            <a:spLocks noGrp="1"/>
-          </p:cNvSpPr>
-          <p:nvPr>
-            <p:ph type="title"/>
-          </p:nvPr>
-        </p:nvSpPr>
-        <p:spPr/>
-        <p:txBody>
-          <a:bodyPr/>
-          <a:lstStyle/>
-          <a:p>
-            <a:r>
-              <a:rPr lang="en-US" dirty="0"/>
-              <a:t>Open Files Limit</a:t>
-            </a:r>
-          </a:p>
-        </p:txBody>
-      </p:sp>
-      <p:sp>
-        <p:nvSpPr>
-          <p:cNvPr id="5" name="Content Placeholder 4"/>
-          <p:cNvSpPr>
-            <a:spLocks noGrp="1"/>
-          </p:cNvSpPr>
-          <p:nvPr>
-            <p:ph sz="quarter" idx="10"/>
-          </p:nvPr>
-        </p:nvSpPr>
-        <p:spPr/>
-        <p:txBody>
-          <a:bodyPr>
-            <a:normAutofit fontScale="92500" lnSpcReduction="20000"/>
-          </a:bodyPr>
-          <a:lstStyle/>
-          <a:p>
-            <a:pPr>
-              <a:buClr>
-                <a:srgbClr val="000000"/>
-              </a:buClr>
-            </a:pPr>
-            <a:r>
-              <a:rPr lang="en-US" dirty="0">
-                <a:latin typeface="+mn-lt"/>
-              </a:rPr>
-              <a:t>Per-worker -&gt; </a:t>
-            </a:r>
-            <a:r>
-              <a:rPr lang="en-US" dirty="0"/>
-              <a:t>(</a:t>
-            </a:r>
-            <a:r>
-              <a:rPr lang="en-US" dirty="0">
-                <a:latin typeface="+mn-lt"/>
-              </a:rPr>
-              <a:t>8*N_WORKERS) max</a:t>
-            </a:r>
-          </a:p>
-          <a:p>
-            <a:pPr lvl="1"/>
-            <a:r>
-              <a:rPr lang="en-US" dirty="0"/>
-              <a:t>#N_WORKERS - READONLY file open</a:t>
-            </a:r>
-          </a:p>
-          <a:p>
-            <a:pPr lvl="1"/>
-            <a:r>
-              <a:rPr lang="en-US" dirty="0">
-                <a:latin typeface="+mn-lt"/>
-              </a:rPr>
-              <a:t>#N_WORKERS </a:t>
-            </a:r>
-            <a:r>
-              <a:rPr lang="mr-IN" dirty="0">
-                <a:latin typeface="+mn-lt"/>
-              </a:rPr>
-              <a:t>–</a:t>
-            </a:r>
-            <a:r>
-              <a:rPr lang="en-US" dirty="0">
-                <a:latin typeface="+mn-lt"/>
-              </a:rPr>
-              <a:t> Primary output (.</a:t>
-            </a:r>
-            <a:r>
-              <a:rPr lang="en-US" dirty="0" err="1">
-                <a:latin typeface="+mn-lt"/>
-              </a:rPr>
-              <a:t>ls</a:t>
-            </a:r>
-            <a:r>
-              <a:rPr lang="en-US" dirty="0">
-                <a:latin typeface="+mn-lt"/>
-              </a:rPr>
-              <a:t>, .xml, .audit, .</a:t>
-            </a:r>
-            <a:r>
-              <a:rPr lang="en-US" dirty="0" err="1">
-                <a:latin typeface="+mn-lt"/>
-              </a:rPr>
-              <a:t>cmp</a:t>
-            </a:r>
-            <a:r>
-              <a:rPr lang="en-US" dirty="0">
-                <a:latin typeface="+mn-lt"/>
-              </a:rPr>
-              <a:t>, .fix, .out)</a:t>
-            </a:r>
-          </a:p>
-          <a:p>
-            <a:pPr lvl="1"/>
-            <a:r>
-              <a:rPr lang="en-US" dirty="0"/>
-              <a:t>#N_WORKERS </a:t>
-            </a:r>
-            <a:r>
-              <a:rPr lang="mr-IN" dirty="0"/>
-              <a:t>–</a:t>
-            </a:r>
-            <a:r>
-              <a:rPr lang="en-US" dirty="0"/>
-              <a:t> Python pipe (w/ -audit)</a:t>
-            </a:r>
-          </a:p>
-          <a:p>
-            <a:pPr lvl="1"/>
-            <a:r>
-              <a:rPr lang="en-US" dirty="0">
-                <a:latin typeface="+mn-lt"/>
-              </a:rPr>
-              <a:t>#N_WORKERS - .err file (only if worker generates errors)</a:t>
-            </a:r>
-          </a:p>
-          <a:p>
-            <a:pPr lvl="1"/>
-            <a:r>
-              <a:rPr lang="en-US" dirty="0"/>
-              <a:t>#4*N_WORKERS </a:t>
-            </a:r>
-            <a:r>
-              <a:rPr lang="mr-IN" dirty="0"/>
-              <a:t>–</a:t>
-            </a:r>
-            <a:r>
-              <a:rPr lang="en-US" dirty="0"/>
-              <a:t> ACL outputs (including </a:t>
-            </a:r>
-            <a:r>
-              <a:rPr lang="mr-IN" dirty="0"/>
-              <a:t>–</a:t>
-            </a:r>
-            <a:r>
-              <a:rPr lang="en-US" dirty="0" err="1"/>
-              <a:t>wacls</a:t>
-            </a:r>
-            <a:r>
-              <a:rPr lang="en-US" dirty="0"/>
-              <a:t>= pipe)</a:t>
-            </a:r>
-            <a:endParaRPr lang="en-US" dirty="0">
-              <a:latin typeface="+mn-lt"/>
-            </a:endParaRPr>
-          </a:p>
-          <a:p>
-            <a:r>
-              <a:rPr lang="en-US" dirty="0"/>
-              <a:t>Per-process (6 + N_SOURCE_PATHS + N_TARGET_PATHS)</a:t>
-            </a:r>
-            <a:endParaRPr lang="en-US" dirty="0">
-              <a:latin typeface="+mn-lt"/>
-            </a:endParaRPr>
-          </a:p>
-          <a:p>
-            <a:pPr lvl="1"/>
-            <a:r>
-              <a:rPr lang="en-US" dirty="0"/>
-              <a:t>#N_SOURCE_PATHS + #N_TARGET_PATHS - SOURCE and TARGET paths</a:t>
-            </a:r>
-          </a:p>
-          <a:p>
-            <a:pPr lvl="1"/>
-            <a:r>
-              <a:rPr lang="en-US" dirty="0">
-                <a:latin typeface="+mn-lt"/>
-              </a:rPr>
-              <a:t>#1 - .log file</a:t>
-            </a:r>
-          </a:p>
-          <a:p>
-            <a:pPr lvl="1"/>
-            <a:r>
-              <a:rPr lang="en-US" dirty="0"/>
-              <a:t>#2 - .</a:t>
-            </a:r>
-            <a:r>
-              <a:rPr lang="en-US" dirty="0" err="1"/>
-              <a:t>fifo</a:t>
-            </a:r>
-            <a:r>
-              <a:rPr lang="en-US" dirty="0"/>
-              <a:t> (push and pop handles)</a:t>
-            </a:r>
-            <a:endParaRPr lang="en-US" dirty="0">
-              <a:latin typeface="+mn-lt"/>
-            </a:endParaRPr>
-          </a:p>
-          <a:p>
-            <a:pPr lvl="1"/>
-            <a:r>
-              <a:rPr lang="en-US" dirty="0"/>
-              <a:t>#3 - </a:t>
-            </a:r>
-            <a:r>
-              <a:rPr lang="en-US" dirty="0" err="1"/>
-              <a:t>stdin</a:t>
-            </a:r>
-            <a:r>
-              <a:rPr lang="en-US" dirty="0"/>
-              <a:t>, </a:t>
-            </a:r>
-            <a:r>
-              <a:rPr lang="en-US" dirty="0" err="1"/>
-              <a:t>stdout</a:t>
-            </a:r>
-            <a:r>
-              <a:rPr lang="en-US" dirty="0"/>
-              <a:t>, </a:t>
-            </a:r>
-            <a:r>
-              <a:rPr lang="en-US" dirty="0" err="1"/>
-              <a:t>stderr</a:t>
-            </a:r>
-            <a:endParaRPr lang="en-US" dirty="0"/>
-          </a:p>
-          <a:p>
-            <a:r>
-              <a:rPr lang="en-US" dirty="0"/>
-              <a:t>Transient</a:t>
-            </a:r>
-          </a:p>
-          <a:p>
-            <a:pPr lvl="1"/>
-            <a:r>
-              <a:rPr lang="en-US" dirty="0"/>
-              <a:t>#1 – </a:t>
-            </a:r>
-            <a:r>
-              <a:rPr lang="en-US" dirty="0" err="1"/>
-              <a:t>pwalk_tally.csv</a:t>
-            </a:r>
-            <a:endParaRPr lang="en-US" dirty="0"/>
-          </a:p>
-          <a:p>
-            <a:pPr lvl="1"/>
-            <a:r>
-              <a:rPr lang="en-US" dirty="0"/>
-              <a:t>#1 - -paths=</a:t>
-            </a:r>
-          </a:p>
-          <a:p>
-            <a:pPr lvl="1"/>
-            <a:endParaRPr lang="en-US" dirty="0">
-              <a:latin typeface="+mn-lt"/>
-            </a:endParaRPr>
-          </a:p>
-        </p:txBody>
-      </p:sp>
-    </p:spTree>
-    <p:extLst>
-      <p:ext uri="{BB962C8B-B14F-4D97-AF65-F5344CB8AC3E}">
-        <p14:creationId xmlns:p14="http://schemas.microsoft.com/office/powerpoint/2010/main" val="991471098"/>
-      </p:ext>
-    </p:extLst>
-  </p:cSld>
-  <p:clrMapOvr>
-    <a:masterClrMapping/>
-  </p:clrMapOvr>
-  <p:transition spd="med">
-    <p:wipe dir="r"/>
-  </p:transition>
-</p:sld>
-</file>
-
 <file path=ppt/slides/slide45.xml><?xml version="1.0" encoding="utf-8"?>
 <p:sld xmlns:a="http://schemas.openxmlformats.org/drawingml/2006/main" xmlns:r="http://schemas.openxmlformats.org/officeDocument/2006/relationships" xmlns:p="http://schemas.openxmlformats.org/presentationml/2006/main">
   <p:cSld>
@@ -30935,6 +31168,310 @@
           <a:p>
             <a:r>
               <a:rPr lang="en-US" dirty="0"/>
+              <a:t>Open Files Limit</a:t>
+            </a:r>
+          </a:p>
+        </p:txBody>
+      </p:sp>
+      <p:sp>
+        <p:nvSpPr>
+          <p:cNvPr id="5" name="Content Placeholder 4"/>
+          <p:cNvSpPr>
+            <a:spLocks noGrp="1"/>
+          </p:cNvSpPr>
+          <p:nvPr>
+            <p:ph sz="quarter" idx="10"/>
+          </p:nvPr>
+        </p:nvSpPr>
+        <p:spPr/>
+        <p:txBody>
+          <a:bodyPr>
+            <a:normAutofit fontScale="92500" lnSpcReduction="20000"/>
+          </a:bodyPr>
+          <a:lstStyle/>
+          <a:p>
+            <a:pPr>
+              <a:buClr>
+                <a:srgbClr val="000000"/>
+              </a:buClr>
+            </a:pPr>
+            <a:r>
+              <a:rPr lang="en-US" dirty="0">
+                <a:latin typeface="+mn-lt"/>
+              </a:rPr>
+              <a:t>Per-worker -&gt; </a:t>
+            </a:r>
+            <a:r>
+              <a:rPr lang="en-US" dirty="0"/>
+              <a:t>(</a:t>
+            </a:r>
+            <a:r>
+              <a:rPr lang="en-US" dirty="0">
+                <a:latin typeface="+mn-lt"/>
+              </a:rPr>
+              <a:t>8*N_WORKERS) max</a:t>
+            </a:r>
+          </a:p>
+          <a:p>
+            <a:pPr lvl="1"/>
+            <a:r>
+              <a:rPr lang="en-US" dirty="0"/>
+              <a:t>#N_WORKERS - READONLY file open</a:t>
+            </a:r>
+          </a:p>
+          <a:p>
+            <a:pPr lvl="1"/>
+            <a:r>
+              <a:rPr lang="en-US" dirty="0">
+                <a:latin typeface="+mn-lt"/>
+              </a:rPr>
+              <a:t>#N_WORKERS </a:t>
+            </a:r>
+            <a:r>
+              <a:rPr lang="mr-IN" dirty="0">
+                <a:latin typeface="+mn-lt"/>
+              </a:rPr>
+              <a:t>–</a:t>
+            </a:r>
+            <a:r>
+              <a:rPr lang="en-US" dirty="0">
+                <a:latin typeface="+mn-lt"/>
+              </a:rPr>
+              <a:t> Primary output (.</a:t>
+            </a:r>
+            <a:r>
+              <a:rPr lang="en-US" dirty="0" err="1">
+                <a:latin typeface="+mn-lt"/>
+              </a:rPr>
+              <a:t>ls</a:t>
+            </a:r>
+            <a:r>
+              <a:rPr lang="en-US" dirty="0">
+                <a:latin typeface="+mn-lt"/>
+              </a:rPr>
+              <a:t>, .xml, .audit, .</a:t>
+            </a:r>
+            <a:r>
+              <a:rPr lang="en-US" dirty="0" err="1">
+                <a:latin typeface="+mn-lt"/>
+              </a:rPr>
+              <a:t>cmp</a:t>
+            </a:r>
+            <a:r>
+              <a:rPr lang="en-US" dirty="0">
+                <a:latin typeface="+mn-lt"/>
+              </a:rPr>
+              <a:t>, .fix, .out)</a:t>
+            </a:r>
+          </a:p>
+          <a:p>
+            <a:pPr lvl="1"/>
+            <a:r>
+              <a:rPr lang="en-US" dirty="0"/>
+              <a:t>#N_WORKERS </a:t>
+            </a:r>
+            <a:r>
+              <a:rPr lang="mr-IN" dirty="0"/>
+              <a:t>–</a:t>
+            </a:r>
+            <a:r>
+              <a:rPr lang="en-US" dirty="0"/>
+              <a:t> Python pipe (w/ -audit)</a:t>
+            </a:r>
+          </a:p>
+          <a:p>
+            <a:pPr lvl="1"/>
+            <a:r>
+              <a:rPr lang="en-US" dirty="0">
+                <a:latin typeface="+mn-lt"/>
+              </a:rPr>
+              <a:t>#N_WORKERS - .err file (only if worker generates errors)</a:t>
+            </a:r>
+          </a:p>
+          <a:p>
+            <a:pPr lvl="1"/>
+            <a:r>
+              <a:rPr lang="en-US" dirty="0"/>
+              <a:t>#4*N_WORKERS </a:t>
+            </a:r>
+            <a:r>
+              <a:rPr lang="mr-IN" dirty="0"/>
+              <a:t>–</a:t>
+            </a:r>
+            <a:r>
+              <a:rPr lang="en-US" dirty="0"/>
+              <a:t> ACL outputs (including </a:t>
+            </a:r>
+            <a:r>
+              <a:rPr lang="mr-IN" dirty="0"/>
+              <a:t>–</a:t>
+            </a:r>
+            <a:r>
+              <a:rPr lang="en-US" dirty="0" err="1"/>
+              <a:t>wacls</a:t>
+            </a:r>
+            <a:r>
+              <a:rPr lang="en-US" dirty="0"/>
+              <a:t>= pipe)</a:t>
+            </a:r>
+            <a:endParaRPr lang="en-US" dirty="0">
+              <a:latin typeface="+mn-lt"/>
+            </a:endParaRPr>
+          </a:p>
+          <a:p>
+            <a:r>
+              <a:rPr lang="en-US" dirty="0"/>
+              <a:t>Per-process (6 + N_SOURCE_PATHS + N_TARGET_PATHS)</a:t>
+            </a:r>
+            <a:endParaRPr lang="en-US" dirty="0">
+              <a:latin typeface="+mn-lt"/>
+            </a:endParaRPr>
+          </a:p>
+          <a:p>
+            <a:pPr lvl="1"/>
+            <a:r>
+              <a:rPr lang="en-US" dirty="0"/>
+              <a:t>#N_SOURCE_PATHS + #N_TARGET_PATHS - SOURCE and TARGET paths</a:t>
+            </a:r>
+          </a:p>
+          <a:p>
+            <a:pPr lvl="1"/>
+            <a:r>
+              <a:rPr lang="en-US" dirty="0">
+                <a:latin typeface="+mn-lt"/>
+              </a:rPr>
+              <a:t>#1 - .log file</a:t>
+            </a:r>
+          </a:p>
+          <a:p>
+            <a:pPr lvl="1"/>
+            <a:r>
+              <a:rPr lang="en-US" dirty="0"/>
+              <a:t>#2 - .</a:t>
+            </a:r>
+            <a:r>
+              <a:rPr lang="en-US" dirty="0" err="1"/>
+              <a:t>fifo</a:t>
+            </a:r>
+            <a:r>
+              <a:rPr lang="en-US" dirty="0"/>
+              <a:t> (push and pop handles)</a:t>
+            </a:r>
+            <a:endParaRPr lang="en-US" dirty="0">
+              <a:latin typeface="+mn-lt"/>
+            </a:endParaRPr>
+          </a:p>
+          <a:p>
+            <a:pPr lvl="1"/>
+            <a:r>
+              <a:rPr lang="en-US" dirty="0"/>
+              <a:t>#3 - </a:t>
+            </a:r>
+            <a:r>
+              <a:rPr lang="en-US" dirty="0" err="1"/>
+              <a:t>stdin</a:t>
+            </a:r>
+            <a:r>
+              <a:rPr lang="en-US" dirty="0"/>
+              <a:t>, </a:t>
+            </a:r>
+            <a:r>
+              <a:rPr lang="en-US" dirty="0" err="1"/>
+              <a:t>stdout</a:t>
+            </a:r>
+            <a:r>
+              <a:rPr lang="en-US" dirty="0"/>
+              <a:t>, </a:t>
+            </a:r>
+            <a:r>
+              <a:rPr lang="en-US" dirty="0" err="1"/>
+              <a:t>stderr</a:t>
+            </a:r>
+            <a:endParaRPr lang="en-US" dirty="0"/>
+          </a:p>
+          <a:p>
+            <a:r>
+              <a:rPr lang="en-US" dirty="0"/>
+              <a:t>Transient</a:t>
+            </a:r>
+          </a:p>
+          <a:p>
+            <a:pPr lvl="1"/>
+            <a:r>
+              <a:rPr lang="en-US" dirty="0"/>
+              <a:t>#1 – </a:t>
+            </a:r>
+            <a:r>
+              <a:rPr lang="en-US" dirty="0" err="1"/>
+              <a:t>pwalk_tally.csv</a:t>
+            </a:r>
+            <a:endParaRPr lang="en-US" dirty="0"/>
+          </a:p>
+          <a:p>
+            <a:pPr lvl="1"/>
+            <a:r>
+              <a:rPr lang="en-US" dirty="0"/>
+              <a:t>#1 - -paths=</a:t>
+            </a:r>
+          </a:p>
+          <a:p>
+            <a:pPr lvl="1"/>
+            <a:endParaRPr lang="en-US" dirty="0">
+              <a:latin typeface="+mn-lt"/>
+            </a:endParaRPr>
+          </a:p>
+        </p:txBody>
+      </p:sp>
+    </p:spTree>
+    <p:extLst>
+      <p:ext uri="{BB962C8B-B14F-4D97-AF65-F5344CB8AC3E}">
+        <p14:creationId xmlns:p14="http://schemas.microsoft.com/office/powerpoint/2010/main" val="991471098"/>
+      </p:ext>
+    </p:extLst>
+  </p:cSld>
+  <p:clrMapOvr>
+    <a:masterClrMapping/>
+  </p:clrMapOvr>
+  <p:transition spd="med">
+    <p:wipe dir="r"/>
+  </p:transition>
+</p:sld>
+</file>
+
+<file path=ppt/slides/slide46.xml><?xml version="1.0" encoding="utf-8"?>
+<p:sld xmlns:a="http://schemas.openxmlformats.org/drawingml/2006/main" xmlns:r="http://schemas.openxmlformats.org/officeDocument/2006/relationships" xmlns:p="http://schemas.openxmlformats.org/presentationml/2006/main">
+  <p:cSld>
+    <p:spTree>
+      <p:nvGrpSpPr>
+        <p:cNvPr id="1" name=""/>
+        <p:cNvGrpSpPr/>
+        <p:nvPr/>
+      </p:nvGrpSpPr>
+      <p:grpSpPr>
+        <a:xfrm>
+          <a:off x="0" y="0"/>
+          <a:ext cx="0" cy="0"/>
+          <a:chOff x="0" y="0"/>
+          <a:chExt cx="0" cy="0"/>
+        </a:xfrm>
+      </p:grpSpPr>
+      <p:sp>
+        <p:nvSpPr>
+          <p:cNvPr id="2" name="Title 1"/>
+          <p:cNvSpPr>
+            <a:spLocks noGrp="1"/>
+          </p:cNvSpPr>
+          <p:nvPr>
+            <p:ph type="title"/>
+          </p:nvPr>
+        </p:nvSpPr>
+        <p:spPr/>
+        <p:txBody>
+          <a:bodyPr/>
+          <a:lstStyle/>
+          <a:p>
+            <a:r>
+              <a:rPr lang="en-US" dirty="0"/>
               <a:t>Platform-specific Limitations</a:t>
             </a:r>
           </a:p>
@@ -31010,7 +31547,7 @@
 </p:sld>
 </file>
 
-<file path=ppt/slides/slide46.xml><?xml version="1.0" encoding="utf-8"?>
+<file path=ppt/slides/slide47.xml><?xml version="1.0" encoding="utf-8"?>
 <p:sld xmlns:a="http://schemas.openxmlformats.org/drawingml/2006/main" xmlns:r="http://schemas.openxmlformats.org/officeDocument/2006/relationships" xmlns:p="http://schemas.openxmlformats.org/presentationml/2006/main">
   <p:cSld>
     <p:spTree>
@@ -31305,7 +31842,7 @@
 </p:sld>
 </file>
 
-<file path=ppt/slides/slide47.xml><?xml version="1.0" encoding="utf-8"?>
+<file path=ppt/slides/slide48.xml><?xml version="1.0" encoding="utf-8"?>
 <p:sld xmlns:a="http://schemas.openxmlformats.org/drawingml/2006/main" xmlns:r="http://schemas.openxmlformats.org/officeDocument/2006/relationships" xmlns:p="http://schemas.openxmlformats.org/presentationml/2006/main">
   <p:cSld>
     <p:spTree>
@@ -31373,7 +31910,7 @@
 </p:sld>
 </file>
 
-<file path=ppt/slides/slide48.xml><?xml version="1.0" encoding="utf-8"?>
+<file path=ppt/slides/slide49.xml><?xml version="1.0" encoding="utf-8"?>
 <p:sld xmlns:a="http://schemas.openxmlformats.org/drawingml/2006/main" xmlns:r="http://schemas.openxmlformats.org/officeDocument/2006/relationships" xmlns:p="http://schemas.openxmlformats.org/presentationml/2006/main" show="0">
   <p:cSld>
     <p:bg>
@@ -31460,225 +31997,6 @@
   <p:transition>
     <p:fade/>
   </p:transition>
-</p:sld>
-</file>
-
-<file path=ppt/slides/slide49.xml><?xml version="1.0" encoding="utf-8"?>
-<p:sld xmlns:a="http://schemas.openxmlformats.org/drawingml/2006/main" xmlns:r="http://schemas.openxmlformats.org/officeDocument/2006/relationships" xmlns:p="http://schemas.openxmlformats.org/presentationml/2006/main" show="0">
-  <p:cSld>
-    <p:spTree>
-      <p:nvGrpSpPr>
-        <p:cNvPr id="1" name=""/>
-        <p:cNvGrpSpPr/>
-        <p:nvPr/>
-      </p:nvGrpSpPr>
-      <p:grpSpPr>
-        <a:xfrm>
-          <a:off x="0" y="0"/>
-          <a:ext cx="0" cy="0"/>
-          <a:chOff x="0" y="0"/>
-          <a:chExt cx="0" cy="0"/>
-        </a:xfrm>
-      </p:grpSpPr>
-      <p:sp>
-        <p:nvSpPr>
-          <p:cNvPr id="2" name="Title 1"/>
-          <p:cNvSpPr>
-            <a:spLocks noGrp="1"/>
-          </p:cNvSpPr>
-          <p:nvPr>
-            <p:ph type="title"/>
-          </p:nvPr>
-        </p:nvSpPr>
-        <p:spPr/>
-        <p:txBody>
-          <a:bodyPr/>
-          <a:lstStyle/>
-          <a:p>
-            <a:r>
-              <a:rPr lang="en-US" dirty="0" err="1">
-                <a:solidFill>
-                  <a:srgbClr val="444444"/>
-                </a:solidFill>
-              </a:rPr>
-              <a:t>pwalk</a:t>
-            </a:r>
-            <a:r>
-              <a:rPr lang="en-US" dirty="0">
-                <a:solidFill>
-                  <a:srgbClr val="444444"/>
-                </a:solidFill>
-              </a:rPr>
-              <a:t> via PAPI (FUTURE)</a:t>
-            </a:r>
-          </a:p>
-        </p:txBody>
-      </p:sp>
-      <p:pic>
-        <p:nvPicPr>
-          <p:cNvPr id="4" name="Picture 2" descr="C:\Users\BROOME~1\AppData\Local\Temp\VMwareDnD\cfc176d6\iStock_000011953681XSmall.jpg"/>
-          <p:cNvPicPr>
-            <a:picLocks noChangeAspect="1" noChangeArrowheads="1"/>
-          </p:cNvPicPr>
-          <p:nvPr/>
-        </p:nvPicPr>
-        <p:blipFill>
-          <a:blip r:embed="rId3" cstate="email">
-            <a:extLst>
-              <a:ext uri="{28A0092B-C50C-407E-A947-70E740481C1C}">
-                <a14:useLocalDpi xmlns:a14="http://schemas.microsoft.com/office/drawing/2010/main"/>
-              </a:ext>
-            </a:extLst>
-          </a:blip>
-          <a:stretch>
-            <a:fillRect/>
-          </a:stretch>
-        </p:blipFill>
-        <p:spPr bwMode="auto">
-          <a:xfrm flipH="1">
-            <a:off x="7774886" y="176470"/>
-            <a:ext cx="1140515" cy="852230"/>
-          </a:xfrm>
-          <a:prstGeom prst="rect">
-            <a:avLst/>
-          </a:prstGeom>
-          <a:noFill/>
-          <a:ln>
-            <a:noFill/>
-          </a:ln>
-        </p:spPr>
-      </p:pic>
-      <p:sp>
-        <p:nvSpPr>
-          <p:cNvPr id="5" name="Content Placeholder 4"/>
-          <p:cNvSpPr>
-            <a:spLocks noGrp="1"/>
-          </p:cNvSpPr>
-          <p:nvPr>
-            <p:ph sz="quarter" idx="10"/>
-          </p:nvPr>
-        </p:nvSpPr>
-        <p:spPr>
-          <a:xfrm>
-            <a:off x="366714" y="1016794"/>
-            <a:ext cx="8410575" cy="3555206"/>
-          </a:xfrm>
-        </p:spPr>
-        <p:txBody>
-          <a:bodyPr>
-            <a:normAutofit/>
-          </a:bodyPr>
-          <a:lstStyle/>
-          <a:p>
-            <a:r>
-              <a:rPr lang="en-US" dirty="0"/>
-              <a:t>Enumerating directories via HTTP GET operations is less transactional, therefore less latency-sensitive, and therefore potentially MUCH faster!</a:t>
-            </a:r>
-          </a:p>
-          <a:p>
-            <a:endParaRPr lang="en-US" dirty="0"/>
-          </a:p>
-        </p:txBody>
-      </p:sp>
-    </p:spTree>
-    <p:extLst>
-      <p:ext uri="{BB962C8B-B14F-4D97-AF65-F5344CB8AC3E}">
-        <p14:creationId xmlns:p14="http://schemas.microsoft.com/office/powerpoint/2010/main" val="403150059"/>
-      </p:ext>
-    </p:extLst>
-  </p:cSld>
-  <p:clrMapOvr>
-    <a:masterClrMapping/>
-  </p:clrMapOvr>
-  <p:transition>
-    <p:fade/>
-  </p:transition>
-  <p:timing>
-    <p:tnLst>
-      <p:par>
-        <p:cTn id="1" dur="indefinite" restart="never" nodeType="tmRoot">
-          <p:childTnLst>
-            <p:seq concurrent="1" nextAc="seek">
-              <p:cTn id="2" dur="indefinite" nodeType="mainSeq">
-                <p:childTnLst>
-                  <p:par>
-                    <p:cTn id="3" fill="hold">
-                      <p:stCondLst>
-                        <p:cond delay="indefinite"/>
-                        <p:cond evt="onBegin" delay="0">
-                          <p:tn val="2"/>
-                        </p:cond>
-                      </p:stCondLst>
-                      <p:childTnLst>
-                        <p:par>
-                          <p:cTn id="4" fill="hold">
-                            <p:stCondLst>
-                              <p:cond delay="0"/>
-                            </p:stCondLst>
-                            <p:childTnLst>
-                              <p:par>
-                                <p:cTn id="5" presetID="10" presetClass="entr" presetSubtype="0" fill="hold" nodeType="withEffect">
-                                  <p:stCondLst>
-                                    <p:cond delay="0"/>
-                                  </p:stCondLst>
-                                  <p:childTnLst>
-                                    <p:set>
-                                      <p:cBhvr>
-                                        <p:cTn id="6" dur="1" fill="hold">
-                                          <p:stCondLst>
-                                            <p:cond delay="0"/>
-                                          </p:stCondLst>
-                                        </p:cTn>
-                                        <p:tgtEl>
-                                          <p:spTgt spid="4"/>
-                                        </p:tgtEl>
-                                        <p:attrNameLst>
-                                          <p:attrName>style.visibility</p:attrName>
-                                        </p:attrNameLst>
-                                      </p:cBhvr>
-                                      <p:to>
-                                        <p:strVal val="visible"/>
-                                      </p:to>
-                                    </p:set>
-                                    <p:animEffect transition="in" filter="fade">
-                                      <p:cBhvr>
-                                        <p:cTn id="7" dur="500"/>
-                                        <p:tgtEl>
-                                          <p:spTgt spid="4"/>
-                                        </p:tgtEl>
-                                      </p:cBhvr>
-                                    </p:animEffect>
-                                  </p:childTnLst>
-                                </p:cTn>
-                              </p:par>
-                            </p:childTnLst>
-                          </p:cTn>
-                        </p:par>
-                      </p:childTnLst>
-                    </p:cTn>
-                  </p:par>
-                </p:childTnLst>
-              </p:cTn>
-              <p:prevCondLst>
-                <p:cond evt="onPrev" delay="0">
-                  <p:tgtEl>
-                    <p:sldTgt/>
-                  </p:tgtEl>
-                </p:cond>
-              </p:prevCondLst>
-              <p:nextCondLst>
-                <p:cond evt="onNext" delay="0">
-                  <p:tgtEl>
-                    <p:sldTgt/>
-                  </p:tgtEl>
-                </p:cond>
-              </p:nextCondLst>
-            </p:seq>
-          </p:childTnLst>
-        </p:cTn>
-      </p:par>
-    </p:tnLst>
-  </p:timing>
 </p:sld>
 </file>
 
@@ -32047,7 +32365,7 @@
                   <a:srgbClr val="444444"/>
                 </a:solidFill>
               </a:rPr>
-              <a:t> –find mode (FUTURE)</a:t>
+              <a:t> via PAPI (FUTURE)</a:t>
             </a:r>
           </a:p>
         </p:txBody>
@@ -32110,7 +32428,7 @@
           <a:p>
             <a:r>
               <a:rPr lang="en-US" dirty="0"/>
-              <a:t>FUTURE: Scalable subset of find(1)</a:t>
+              <a:t>Enumerating directories via HTTP GET operations is less transactional, therefore less latency-sensitive, and therefore potentially MUCH faster!</a:t>
             </a:r>
           </a:p>
           <a:p>
@@ -32121,7 +32439,7 @@
     </p:spTree>
     <p:extLst>
       <p:ext uri="{BB962C8B-B14F-4D97-AF65-F5344CB8AC3E}">
-        <p14:creationId xmlns:p14="http://schemas.microsoft.com/office/powerpoint/2010/main" val="4005811124"/>
+        <p14:creationId xmlns:p14="http://schemas.microsoft.com/office/powerpoint/2010/main" val="403150059"/>
       </p:ext>
     </p:extLst>
   </p:cSld>
@@ -32266,7 +32584,7 @@
                   <a:srgbClr val="444444"/>
                 </a:solidFill>
               </a:rPr>
-              <a:t> +verify Mode (FUTURE)</a:t>
+              <a:t> –find mode (FUTURE)</a:t>
             </a:r>
           </a:p>
         </p:txBody>
@@ -32329,89 +32647,18 @@
           <a:p>
             <a:r>
               <a:rPr lang="en-US" dirty="0"/>
-              <a:t>For files types whose validity can be determined by inspection, perform the requisite test</a:t>
-            </a:r>
-          </a:p>
-          <a:p>
-            <a:pPr lvl="1"/>
-            <a:r>
-              <a:rPr lang="en-US" dirty="0"/>
-              <a:t>GZIP - .</a:t>
-            </a:r>
-            <a:r>
-              <a:rPr lang="en-US" dirty="0" err="1"/>
-              <a:t>gz</a:t>
-            </a:r>
-            <a:r>
-              <a:rPr lang="en-US" dirty="0"/>
-              <a:t>, .</a:t>
-            </a:r>
-            <a:r>
-              <a:rPr lang="en-US" dirty="0" err="1"/>
-              <a:t>tgz</a:t>
-            </a:r>
-            <a:r>
-              <a:rPr lang="en-US" dirty="0"/>
-              <a:t> – test with </a:t>
-            </a:r>
-            <a:r>
-              <a:rPr lang="en-US" dirty="0" err="1"/>
-              <a:t>gzip</a:t>
-            </a:r>
-            <a:r>
-              <a:rPr lang="en-US" dirty="0"/>
-              <a:t> –</a:t>
-            </a:r>
-            <a:r>
-              <a:rPr lang="en-US" dirty="0" err="1"/>
-              <a:t>tq</a:t>
-            </a:r>
+              <a:t>FUTURE: Scalable subset of find(1)</a:t>
+            </a:r>
+          </a:p>
+          <a:p>
             <a:endParaRPr lang="en-US" dirty="0"/>
-          </a:p>
-          <a:p>
-            <a:pPr lvl="1"/>
-            <a:r>
-              <a:rPr lang="en-US" dirty="0">
-                <a:solidFill>
-                  <a:schemeClr val="accent6"/>
-                </a:solidFill>
-              </a:rPr>
-              <a:t>=== MORE TBD ===</a:t>
-            </a:r>
-          </a:p>
-          <a:p>
-            <a:pPr lvl="2"/>
-            <a:r>
-              <a:rPr lang="en-US" dirty="0">
-                <a:solidFill>
-                  <a:schemeClr val="accent6"/>
-                </a:solidFill>
-              </a:rPr>
-              <a:t>.c, .txt, .</a:t>
-            </a:r>
-            <a:r>
-              <a:rPr lang="en-US" dirty="0" err="1">
-                <a:solidFill>
-                  <a:schemeClr val="accent6"/>
-                </a:solidFill>
-              </a:rPr>
-              <a:t>asc</a:t>
-            </a:r>
-            <a:r>
-              <a:rPr lang="en-US" dirty="0">
-                <a:solidFill>
-                  <a:schemeClr val="accent6"/>
-                </a:solidFill>
-              </a:rPr>
-              <a:t>, .info – check for all ASCII</a:t>
-            </a:r>
           </a:p>
         </p:txBody>
       </p:sp>
     </p:spTree>
     <p:extLst>
       <p:ext uri="{BB962C8B-B14F-4D97-AF65-F5344CB8AC3E}">
-        <p14:creationId xmlns:p14="http://schemas.microsoft.com/office/powerpoint/2010/main" val="3737200043"/>
+        <p14:creationId xmlns:p14="http://schemas.microsoft.com/office/powerpoint/2010/main" val="4005811124"/>
       </p:ext>
     </p:extLst>
   </p:cSld>
@@ -32529,6 +32776,296 @@
       </p:grpSpPr>
       <p:sp>
         <p:nvSpPr>
+          <p:cNvPr id="2" name="Title 1"/>
+          <p:cNvSpPr>
+            <a:spLocks noGrp="1"/>
+          </p:cNvSpPr>
+          <p:nvPr>
+            <p:ph type="title"/>
+          </p:nvPr>
+        </p:nvSpPr>
+        <p:spPr/>
+        <p:txBody>
+          <a:bodyPr/>
+          <a:lstStyle/>
+          <a:p>
+            <a:r>
+              <a:rPr lang="en-US" dirty="0" err="1">
+                <a:solidFill>
+                  <a:srgbClr val="444444"/>
+                </a:solidFill>
+              </a:rPr>
+              <a:t>pwalk</a:t>
+            </a:r>
+            <a:r>
+              <a:rPr lang="en-US" dirty="0">
+                <a:solidFill>
+                  <a:srgbClr val="444444"/>
+                </a:solidFill>
+              </a:rPr>
+              <a:t> +verify Mode (FUTURE)</a:t>
+            </a:r>
+          </a:p>
+        </p:txBody>
+      </p:sp>
+      <p:pic>
+        <p:nvPicPr>
+          <p:cNvPr id="4" name="Picture 2" descr="C:\Users\BROOME~1\AppData\Local\Temp\VMwareDnD\cfc176d6\iStock_000011953681XSmall.jpg"/>
+          <p:cNvPicPr>
+            <a:picLocks noChangeAspect="1" noChangeArrowheads="1"/>
+          </p:cNvPicPr>
+          <p:nvPr/>
+        </p:nvPicPr>
+        <p:blipFill>
+          <a:blip r:embed="rId3" cstate="email">
+            <a:extLst>
+              <a:ext uri="{28A0092B-C50C-407E-A947-70E740481C1C}">
+                <a14:useLocalDpi xmlns:a14="http://schemas.microsoft.com/office/drawing/2010/main"/>
+              </a:ext>
+            </a:extLst>
+          </a:blip>
+          <a:stretch>
+            <a:fillRect/>
+          </a:stretch>
+        </p:blipFill>
+        <p:spPr bwMode="auto">
+          <a:xfrm flipH="1">
+            <a:off x="7774886" y="176470"/>
+            <a:ext cx="1140515" cy="852230"/>
+          </a:xfrm>
+          <a:prstGeom prst="rect">
+            <a:avLst/>
+          </a:prstGeom>
+          <a:noFill/>
+          <a:ln>
+            <a:noFill/>
+          </a:ln>
+        </p:spPr>
+      </p:pic>
+      <p:sp>
+        <p:nvSpPr>
+          <p:cNvPr id="5" name="Content Placeholder 4"/>
+          <p:cNvSpPr>
+            <a:spLocks noGrp="1"/>
+          </p:cNvSpPr>
+          <p:nvPr>
+            <p:ph sz="quarter" idx="10"/>
+          </p:nvPr>
+        </p:nvSpPr>
+        <p:spPr>
+          <a:xfrm>
+            <a:off x="366714" y="1016794"/>
+            <a:ext cx="8410575" cy="3555206"/>
+          </a:xfrm>
+        </p:spPr>
+        <p:txBody>
+          <a:bodyPr>
+            <a:normAutofit/>
+          </a:bodyPr>
+          <a:lstStyle/>
+          <a:p>
+            <a:r>
+              <a:rPr lang="en-US" dirty="0"/>
+              <a:t>For files types whose validity can be determined by inspection, perform the requisite test</a:t>
+            </a:r>
+          </a:p>
+          <a:p>
+            <a:pPr lvl="1"/>
+            <a:r>
+              <a:rPr lang="en-US" dirty="0"/>
+              <a:t>GZIP - .</a:t>
+            </a:r>
+            <a:r>
+              <a:rPr lang="en-US" dirty="0" err="1"/>
+              <a:t>gz</a:t>
+            </a:r>
+            <a:r>
+              <a:rPr lang="en-US" dirty="0"/>
+              <a:t>, .</a:t>
+            </a:r>
+            <a:r>
+              <a:rPr lang="en-US" dirty="0" err="1"/>
+              <a:t>tgz</a:t>
+            </a:r>
+            <a:r>
+              <a:rPr lang="en-US" dirty="0"/>
+              <a:t> – test with </a:t>
+            </a:r>
+            <a:r>
+              <a:rPr lang="en-US" dirty="0" err="1"/>
+              <a:t>gzip</a:t>
+            </a:r>
+            <a:r>
+              <a:rPr lang="en-US" dirty="0"/>
+              <a:t> –</a:t>
+            </a:r>
+            <a:r>
+              <a:rPr lang="en-US" dirty="0" err="1"/>
+              <a:t>tq</a:t>
+            </a:r>
+            <a:endParaRPr lang="en-US" dirty="0"/>
+          </a:p>
+          <a:p>
+            <a:pPr lvl="1"/>
+            <a:r>
+              <a:rPr lang="en-US" dirty="0">
+                <a:solidFill>
+                  <a:schemeClr val="accent6"/>
+                </a:solidFill>
+              </a:rPr>
+              <a:t>=== MORE TBD ===</a:t>
+            </a:r>
+          </a:p>
+          <a:p>
+            <a:pPr lvl="2"/>
+            <a:r>
+              <a:rPr lang="en-US" dirty="0">
+                <a:solidFill>
+                  <a:schemeClr val="accent6"/>
+                </a:solidFill>
+              </a:rPr>
+              <a:t>.c, .txt, .</a:t>
+            </a:r>
+            <a:r>
+              <a:rPr lang="en-US" dirty="0" err="1">
+                <a:solidFill>
+                  <a:schemeClr val="accent6"/>
+                </a:solidFill>
+              </a:rPr>
+              <a:t>asc</a:t>
+            </a:r>
+            <a:r>
+              <a:rPr lang="en-US" dirty="0">
+                <a:solidFill>
+                  <a:schemeClr val="accent6"/>
+                </a:solidFill>
+              </a:rPr>
+              <a:t>, .info – check for all ASCII</a:t>
+            </a:r>
+          </a:p>
+        </p:txBody>
+      </p:sp>
+    </p:spTree>
+    <p:extLst>
+      <p:ext uri="{BB962C8B-B14F-4D97-AF65-F5344CB8AC3E}">
+        <p14:creationId xmlns:p14="http://schemas.microsoft.com/office/powerpoint/2010/main" val="3737200043"/>
+      </p:ext>
+    </p:extLst>
+  </p:cSld>
+  <p:clrMapOvr>
+    <a:masterClrMapping/>
+  </p:clrMapOvr>
+  <p:transition>
+    <p:fade/>
+  </p:transition>
+  <p:timing>
+    <p:tnLst>
+      <p:par>
+        <p:cTn id="1" dur="indefinite" restart="never" nodeType="tmRoot">
+          <p:childTnLst>
+            <p:seq concurrent="1" nextAc="seek">
+              <p:cTn id="2" dur="indefinite" nodeType="mainSeq">
+                <p:childTnLst>
+                  <p:par>
+                    <p:cTn id="3" fill="hold">
+                      <p:stCondLst>
+                        <p:cond delay="indefinite"/>
+                        <p:cond evt="onBegin" delay="0">
+                          <p:tn val="2"/>
+                        </p:cond>
+                      </p:stCondLst>
+                      <p:childTnLst>
+                        <p:par>
+                          <p:cTn id="4" fill="hold">
+                            <p:stCondLst>
+                              <p:cond delay="0"/>
+                            </p:stCondLst>
+                            <p:childTnLst>
+                              <p:par>
+                                <p:cTn id="5" presetID="10" presetClass="entr" presetSubtype="0" fill="hold" nodeType="withEffect">
+                                  <p:stCondLst>
+                                    <p:cond delay="0"/>
+                                  </p:stCondLst>
+                                  <p:childTnLst>
+                                    <p:set>
+                                      <p:cBhvr>
+                                        <p:cTn id="6" dur="1" fill="hold">
+                                          <p:stCondLst>
+                                            <p:cond delay="0"/>
+                                          </p:stCondLst>
+                                        </p:cTn>
+                                        <p:tgtEl>
+                                          <p:spTgt spid="4"/>
+                                        </p:tgtEl>
+                                        <p:attrNameLst>
+                                          <p:attrName>style.visibility</p:attrName>
+                                        </p:attrNameLst>
+                                      </p:cBhvr>
+                                      <p:to>
+                                        <p:strVal val="visible"/>
+                                      </p:to>
+                                    </p:set>
+                                    <p:animEffect transition="in" filter="fade">
+                                      <p:cBhvr>
+                                        <p:cTn id="7" dur="500"/>
+                                        <p:tgtEl>
+                                          <p:spTgt spid="4"/>
+                                        </p:tgtEl>
+                                      </p:cBhvr>
+                                    </p:animEffect>
+                                  </p:childTnLst>
+                                </p:cTn>
+                              </p:par>
+                            </p:childTnLst>
+                          </p:cTn>
+                        </p:par>
+                      </p:childTnLst>
+                    </p:cTn>
+                  </p:par>
+                </p:childTnLst>
+              </p:cTn>
+              <p:prevCondLst>
+                <p:cond evt="onPrev" delay="0">
+                  <p:tgtEl>
+                    <p:sldTgt/>
+                  </p:tgtEl>
+                </p:cond>
+              </p:prevCondLst>
+              <p:nextCondLst>
+                <p:cond evt="onNext" delay="0">
+                  <p:tgtEl>
+                    <p:sldTgt/>
+                  </p:tgtEl>
+                </p:cond>
+              </p:nextCondLst>
+            </p:seq>
+          </p:childTnLst>
+        </p:cTn>
+      </p:par>
+    </p:tnLst>
+  </p:timing>
+</p:sld>
+</file>
+
+<file path=ppt/slides/slide53.xml><?xml version="1.0" encoding="utf-8"?>
+<p:sld xmlns:a="http://schemas.openxmlformats.org/drawingml/2006/main" xmlns:r="http://schemas.openxmlformats.org/officeDocument/2006/relationships" xmlns:p="http://schemas.openxmlformats.org/presentationml/2006/main" show="0">
+  <p:cSld>
+    <p:spTree>
+      <p:nvGrpSpPr>
+        <p:cNvPr id="1" name=""/>
+        <p:cNvGrpSpPr/>
+        <p:nvPr/>
+      </p:nvGrpSpPr>
+      <p:grpSpPr>
+        <a:xfrm>
+          <a:off x="0" y="0"/>
+          <a:ext cx="0" cy="0"/>
+          <a:chOff x="0" y="0"/>
+          <a:chExt cx="0" cy="0"/>
+        </a:xfrm>
+      </p:grpSpPr>
+      <p:sp>
+        <p:nvSpPr>
           <p:cNvPr id="5" name="Title 4"/>
           <p:cNvSpPr>
             <a:spLocks noGrp="1"/>
@@ -32732,7 +33269,7 @@
 </p:sld>
 </file>
 
-<file path=ppt/slides/slide53.xml><?xml version="1.0" encoding="utf-8"?>
+<file path=ppt/slides/slide54.xml><?xml version="1.0" encoding="utf-8"?>
 <p:sld xmlns:a="http://schemas.openxmlformats.org/drawingml/2006/main" xmlns:r="http://schemas.openxmlformats.org/officeDocument/2006/relationships" xmlns:p="http://schemas.openxmlformats.org/presentationml/2006/main" show="0">
   <p:cSld>
     <p:spTree>
@@ -32897,7 +33434,7 @@
 </p:sld>
 </file>
 
-<file path=ppt/slides/slide54.xml><?xml version="1.0" encoding="utf-8"?>
+<file path=ppt/slides/slide55.xml><?xml version="1.0" encoding="utf-8"?>
 <p:sld xmlns:a="http://schemas.openxmlformats.org/drawingml/2006/main" xmlns:r="http://schemas.openxmlformats.org/officeDocument/2006/relationships" xmlns:p="http://schemas.openxmlformats.org/presentationml/2006/main" show="0">
   <p:cSld>
     <p:spTree>
@@ -33066,7 +33603,7 @@
 </p:sld>
 </file>
 
-<file path=ppt/slides/slide55.xml><?xml version="1.0" encoding="utf-8"?>
+<file path=ppt/slides/slide56.xml><?xml version="1.0" encoding="utf-8"?>
 <p:sld xmlns:a="http://schemas.openxmlformats.org/drawingml/2006/main" xmlns:r="http://schemas.openxmlformats.org/officeDocument/2006/relationships" xmlns:p="http://schemas.openxmlformats.org/presentationml/2006/main" show="0">
   <p:cSld>
     <p:spTree>
@@ -33228,7 +33765,7 @@
 </p:sld>
 </file>
 
-<file path=ppt/slides/slide56.xml><?xml version="1.0" encoding="utf-8"?>
+<file path=ppt/slides/slide57.xml><?xml version="1.0" encoding="utf-8"?>
 <p:sld xmlns:a="http://schemas.openxmlformats.org/drawingml/2006/main" xmlns:r="http://schemas.openxmlformats.org/officeDocument/2006/relationships" xmlns:p="http://schemas.openxmlformats.org/presentationml/2006/main" show="0">
   <p:cSld>
     <p:spTree>
@@ -33530,7 +34067,7 @@
 </p:sld>
 </file>
 
-<file path=ppt/slides/slide57.xml><?xml version="1.0" encoding="utf-8"?>
+<file path=ppt/slides/slide58.xml><?xml version="1.0" encoding="utf-8"?>
 <p:sld xmlns:a="http://schemas.openxmlformats.org/drawingml/2006/main" xmlns:r="http://schemas.openxmlformats.org/officeDocument/2006/relationships" xmlns:p="http://schemas.openxmlformats.org/presentationml/2006/main" show="0">
   <p:cSld>
     <p:spTree>
@@ -33748,7 +34285,7 @@
 </p:sld>
 </file>
 
-<file path=ppt/slides/slide58.xml><?xml version="1.0" encoding="utf-8"?>
+<file path=ppt/slides/slide59.xml><?xml version="1.0" encoding="utf-8"?>
 <p:sld xmlns:a="http://schemas.openxmlformats.org/drawingml/2006/main" xmlns:r="http://schemas.openxmlformats.org/officeDocument/2006/relationships" xmlns:p="http://schemas.openxmlformats.org/presentationml/2006/main" show="0">
   <p:cSld>
     <p:bg>
@@ -33825,7 +34362,249 @@
 </p:sld>
 </file>
 
-<file path=ppt/slides/slide59.xml><?xml version="1.0" encoding="utf-8"?>
+<file path=ppt/slides/slide6.xml><?xml version="1.0" encoding="utf-8"?>
+<p:sld xmlns:a="http://schemas.openxmlformats.org/drawingml/2006/main" xmlns:r="http://schemas.openxmlformats.org/officeDocument/2006/relationships" xmlns:p="http://schemas.openxmlformats.org/presentationml/2006/main">
+  <p:cSld>
+    <p:spTree>
+      <p:nvGrpSpPr>
+        <p:cNvPr id="1" name=""/>
+        <p:cNvGrpSpPr/>
+        <p:nvPr/>
+      </p:nvGrpSpPr>
+      <p:grpSpPr>
+        <a:xfrm>
+          <a:off x="0" y="0"/>
+          <a:ext cx="0" cy="0"/>
+          <a:chOff x="0" y="0"/>
+          <a:chExt cx="0" cy="0"/>
+        </a:xfrm>
+      </p:grpSpPr>
+      <p:sp>
+        <p:nvSpPr>
+          <p:cNvPr id="2" name="Title 1"/>
+          <p:cNvSpPr>
+            <a:spLocks noGrp="1"/>
+          </p:cNvSpPr>
+          <p:nvPr>
+            <p:ph type="title"/>
+          </p:nvPr>
+        </p:nvSpPr>
+        <p:spPr/>
+        <p:txBody>
+          <a:bodyPr/>
+          <a:lstStyle/>
+          <a:p>
+            <a:r>
+              <a:rPr lang="en-US" dirty="0" err="1">
+                <a:solidFill>
+                  <a:srgbClr val="0085C3"/>
+                </a:solidFill>
+                <a:latin typeface="+mj-lt"/>
+              </a:rPr>
+              <a:t>Git</a:t>
+            </a:r>
+            <a:r>
+              <a:rPr lang="en-US" dirty="0">
+                <a:solidFill>
+                  <a:srgbClr val="0085C3"/>
+                </a:solidFill>
+                <a:latin typeface="+mj-lt"/>
+              </a:rPr>
+              <a:t> it here </a:t>
+            </a:r>
+            <a:r>
+              <a:rPr lang="mr-IN" dirty="0">
+                <a:solidFill>
+                  <a:srgbClr val="0085C3"/>
+                </a:solidFill>
+                <a:latin typeface="+mj-lt"/>
+              </a:rPr>
+              <a:t>…</a:t>
+            </a:r>
+            <a:endParaRPr lang="en-US" dirty="0">
+              <a:solidFill>
+                <a:srgbClr val="0085C3"/>
+              </a:solidFill>
+              <a:latin typeface="+mj-lt"/>
+            </a:endParaRPr>
+          </a:p>
+        </p:txBody>
+      </p:sp>
+      <p:sp>
+        <p:nvSpPr>
+          <p:cNvPr id="4" name="Content Placeholder 3"/>
+          <p:cNvSpPr>
+            <a:spLocks noGrp="1"/>
+          </p:cNvSpPr>
+          <p:nvPr>
+            <p:ph sz="quarter" idx="10"/>
+          </p:nvPr>
+        </p:nvSpPr>
+        <p:spPr/>
+        <p:txBody>
+          <a:bodyPr>
+            <a:normAutofit/>
+          </a:bodyPr>
+          <a:lstStyle/>
+          <a:p>
+            <a:pPr>
+              <a:buClr>
+                <a:srgbClr val="000000"/>
+              </a:buClr>
+            </a:pPr>
+            <a:r>
+              <a:rPr lang="en-US" dirty="0">
+                <a:latin typeface="+mn-lt"/>
+                <a:hlinkClick r:id="rId3"/>
+              </a:rPr>
+              <a:t>https://github.com/WhizBob/pwalk</a:t>
+            </a:r>
+            <a:endParaRPr lang="en-US" dirty="0">
+              <a:latin typeface="+mn-lt"/>
+            </a:endParaRPr>
+          </a:p>
+          <a:p>
+            <a:pPr lvl="1">
+              <a:buClr>
+                <a:srgbClr val="000000"/>
+              </a:buClr>
+            </a:pPr>
+            <a:r>
+              <a:rPr lang="en-US" dirty="0" err="1">
+                <a:latin typeface="+mn-lt"/>
+              </a:rPr>
+              <a:t>src</a:t>
+            </a:r>
+            <a:r>
+              <a:rPr lang="en-US" dirty="0">
+                <a:latin typeface="+mn-lt"/>
+              </a:rPr>
+              <a:t>/ - Mostly-portable C code (OneFS, Linux, Mac OS, Solaris) plus </a:t>
+            </a:r>
+            <a:r>
+              <a:rPr lang="en-US" dirty="0"/>
+              <a:t>v</a:t>
+            </a:r>
+            <a:r>
+              <a:rPr lang="en-US" dirty="0">
+                <a:latin typeface="+mn-lt"/>
+              </a:rPr>
+              <a:t>arious platform-dependent </a:t>
+            </a:r>
+            <a:r>
+              <a:rPr lang="en-US" dirty="0" err="1">
+                <a:latin typeface="+mn-lt"/>
+              </a:rPr>
+              <a:t>Makefiles</a:t>
+            </a:r>
+            <a:endParaRPr lang="en-US" dirty="0">
+              <a:latin typeface="+mn-lt"/>
+            </a:endParaRPr>
+          </a:p>
+          <a:p>
+            <a:pPr lvl="1">
+              <a:buClr>
+                <a:srgbClr val="000000"/>
+              </a:buClr>
+            </a:pPr>
+            <a:r>
+              <a:rPr lang="en-US" dirty="0">
+                <a:latin typeface="+mn-lt"/>
+              </a:rPr>
+              <a:t>doc/ - Word &amp; </a:t>
+            </a:r>
+            <a:r>
+              <a:rPr lang="en-US" dirty="0" err="1">
+                <a:latin typeface="+mn-lt"/>
+              </a:rPr>
+              <a:t>Powerpoint</a:t>
+            </a:r>
+            <a:r>
+              <a:rPr lang="en-US" dirty="0">
+                <a:latin typeface="+mn-lt"/>
+              </a:rPr>
+              <a:t> documentation, plus Excel permissions spreadsheet</a:t>
+            </a:r>
+          </a:p>
+          <a:p>
+            <a:pPr lvl="1"/>
+            <a:r>
+              <a:rPr lang="en-US" dirty="0"/>
+              <a:t>bin/ - </a:t>
+            </a:r>
+            <a:r>
+              <a:rPr lang="en-US"/>
+              <a:t>Prebuilt binaries </a:t>
+            </a:r>
+            <a:r>
+              <a:rPr lang="en-US" dirty="0"/>
+              <a:t>(bin/&lt;platform&gt;) -  </a:t>
+            </a:r>
+            <a:r>
+              <a:rPr lang="en-US" u="sng" dirty="0"/>
+              <a:t>not</a:t>
+            </a:r>
+            <a:r>
+              <a:rPr lang="en-US" dirty="0"/>
+              <a:t> guaranteed to match the </a:t>
+            </a:r>
+            <a:r>
+              <a:rPr lang="en-US"/>
+              <a:t>current code!</a:t>
+            </a:r>
+            <a:endParaRPr lang="en-US" dirty="0">
+              <a:latin typeface="+mn-lt"/>
+            </a:endParaRPr>
+          </a:p>
+        </p:txBody>
+      </p:sp>
+      <p:pic>
+        <p:nvPicPr>
+          <p:cNvPr id="3" name="Picture 2"/>
+          <p:cNvPicPr>
+            <a:picLocks noChangeAspect="1"/>
+          </p:cNvPicPr>
+          <p:nvPr/>
+        </p:nvPicPr>
+        <p:blipFill>
+          <a:blip r:embed="rId4" cstate="print">
+            <a:extLst>
+              <a:ext uri="{28A0092B-C50C-407E-A947-70E740481C1C}">
+                <a14:useLocalDpi xmlns:a14="http://schemas.microsoft.com/office/drawing/2010/main"/>
+              </a:ext>
+            </a:extLst>
+          </a:blip>
+          <a:stretch>
+            <a:fillRect/>
+          </a:stretch>
+        </p:blipFill>
+        <p:spPr>
+          <a:xfrm>
+            <a:off x="8211298" y="234676"/>
+            <a:ext cx="702477" cy="702477"/>
+          </a:xfrm>
+          <a:prstGeom prst="rect">
+            <a:avLst/>
+          </a:prstGeom>
+        </p:spPr>
+      </p:pic>
+    </p:spTree>
+    <p:extLst>
+      <p:ext uri="{BB962C8B-B14F-4D97-AF65-F5344CB8AC3E}">
+        <p14:creationId xmlns:p14="http://schemas.microsoft.com/office/powerpoint/2010/main" val="2709004463"/>
+      </p:ext>
+    </p:extLst>
+  </p:cSld>
+  <p:clrMapOvr>
+    <a:masterClrMapping/>
+  </p:clrMapOvr>
+  <p:transition spd="med">
+    <p:wipe dir="r"/>
+  </p:transition>
+</p:sld>
+</file>
+
+<file path=ppt/slides/slide60.xml><?xml version="1.0" encoding="utf-8"?>
 <p:sld xmlns:a="http://schemas.openxmlformats.org/drawingml/2006/main" xmlns:r="http://schemas.openxmlformats.org/officeDocument/2006/relationships" xmlns:p="http://schemas.openxmlformats.org/presentationml/2006/main" show="0">
   <p:cSld>
     <p:spTree>
@@ -35252,249 +36031,7 @@
 </p:sld>
 </file>
 
-<file path=ppt/slides/slide6.xml><?xml version="1.0" encoding="utf-8"?>
-<p:sld xmlns:a="http://schemas.openxmlformats.org/drawingml/2006/main" xmlns:r="http://schemas.openxmlformats.org/officeDocument/2006/relationships" xmlns:p="http://schemas.openxmlformats.org/presentationml/2006/main">
-  <p:cSld>
-    <p:spTree>
-      <p:nvGrpSpPr>
-        <p:cNvPr id="1" name=""/>
-        <p:cNvGrpSpPr/>
-        <p:nvPr/>
-      </p:nvGrpSpPr>
-      <p:grpSpPr>
-        <a:xfrm>
-          <a:off x="0" y="0"/>
-          <a:ext cx="0" cy="0"/>
-          <a:chOff x="0" y="0"/>
-          <a:chExt cx="0" cy="0"/>
-        </a:xfrm>
-      </p:grpSpPr>
-      <p:sp>
-        <p:nvSpPr>
-          <p:cNvPr id="2" name="Title 1"/>
-          <p:cNvSpPr>
-            <a:spLocks noGrp="1"/>
-          </p:cNvSpPr>
-          <p:nvPr>
-            <p:ph type="title"/>
-          </p:nvPr>
-        </p:nvSpPr>
-        <p:spPr/>
-        <p:txBody>
-          <a:bodyPr/>
-          <a:lstStyle/>
-          <a:p>
-            <a:r>
-              <a:rPr lang="en-US" dirty="0" err="1">
-                <a:solidFill>
-                  <a:srgbClr val="0085C3"/>
-                </a:solidFill>
-                <a:latin typeface="+mj-lt"/>
-              </a:rPr>
-              <a:t>Git</a:t>
-            </a:r>
-            <a:r>
-              <a:rPr lang="en-US" dirty="0">
-                <a:solidFill>
-                  <a:srgbClr val="0085C3"/>
-                </a:solidFill>
-                <a:latin typeface="+mj-lt"/>
-              </a:rPr>
-              <a:t> it here </a:t>
-            </a:r>
-            <a:r>
-              <a:rPr lang="mr-IN" dirty="0">
-                <a:solidFill>
-                  <a:srgbClr val="0085C3"/>
-                </a:solidFill>
-                <a:latin typeface="+mj-lt"/>
-              </a:rPr>
-              <a:t>…</a:t>
-            </a:r>
-            <a:endParaRPr lang="en-US" dirty="0">
-              <a:solidFill>
-                <a:srgbClr val="0085C3"/>
-              </a:solidFill>
-              <a:latin typeface="+mj-lt"/>
-            </a:endParaRPr>
-          </a:p>
-        </p:txBody>
-      </p:sp>
-      <p:sp>
-        <p:nvSpPr>
-          <p:cNvPr id="4" name="Content Placeholder 3"/>
-          <p:cNvSpPr>
-            <a:spLocks noGrp="1"/>
-          </p:cNvSpPr>
-          <p:nvPr>
-            <p:ph sz="quarter" idx="10"/>
-          </p:nvPr>
-        </p:nvSpPr>
-        <p:spPr/>
-        <p:txBody>
-          <a:bodyPr>
-            <a:normAutofit/>
-          </a:bodyPr>
-          <a:lstStyle/>
-          <a:p>
-            <a:pPr>
-              <a:buClr>
-                <a:srgbClr val="000000"/>
-              </a:buClr>
-            </a:pPr>
-            <a:r>
-              <a:rPr lang="en-US" dirty="0">
-                <a:latin typeface="+mn-lt"/>
-                <a:hlinkClick r:id="rId3"/>
-              </a:rPr>
-              <a:t>https://github.com/WhizBob/pwalk</a:t>
-            </a:r>
-            <a:endParaRPr lang="en-US" dirty="0">
-              <a:latin typeface="+mn-lt"/>
-            </a:endParaRPr>
-          </a:p>
-          <a:p>
-            <a:pPr lvl="1">
-              <a:buClr>
-                <a:srgbClr val="000000"/>
-              </a:buClr>
-            </a:pPr>
-            <a:r>
-              <a:rPr lang="en-US" dirty="0" err="1">
-                <a:latin typeface="+mn-lt"/>
-              </a:rPr>
-              <a:t>src</a:t>
-            </a:r>
-            <a:r>
-              <a:rPr lang="en-US" dirty="0">
-                <a:latin typeface="+mn-lt"/>
-              </a:rPr>
-              <a:t>/ - Mostly-portable C code (OneFS, Linux, Mac OS, Solaris) plus </a:t>
-            </a:r>
-            <a:r>
-              <a:rPr lang="en-US" dirty="0"/>
-              <a:t>v</a:t>
-            </a:r>
-            <a:r>
-              <a:rPr lang="en-US" dirty="0">
-                <a:latin typeface="+mn-lt"/>
-              </a:rPr>
-              <a:t>arious platform-dependent </a:t>
-            </a:r>
-            <a:r>
-              <a:rPr lang="en-US" dirty="0" err="1">
-                <a:latin typeface="+mn-lt"/>
-              </a:rPr>
-              <a:t>Makefiles</a:t>
-            </a:r>
-            <a:endParaRPr lang="en-US" dirty="0">
-              <a:latin typeface="+mn-lt"/>
-            </a:endParaRPr>
-          </a:p>
-          <a:p>
-            <a:pPr lvl="1">
-              <a:buClr>
-                <a:srgbClr val="000000"/>
-              </a:buClr>
-            </a:pPr>
-            <a:r>
-              <a:rPr lang="en-US" dirty="0">
-                <a:latin typeface="+mn-lt"/>
-              </a:rPr>
-              <a:t>doc/ - Word &amp; </a:t>
-            </a:r>
-            <a:r>
-              <a:rPr lang="en-US" dirty="0" err="1">
-                <a:latin typeface="+mn-lt"/>
-              </a:rPr>
-              <a:t>Powerpoint</a:t>
-            </a:r>
-            <a:r>
-              <a:rPr lang="en-US" dirty="0">
-                <a:latin typeface="+mn-lt"/>
-              </a:rPr>
-              <a:t> documentation, plus Excel permissions spreadsheet</a:t>
-            </a:r>
-          </a:p>
-          <a:p>
-            <a:pPr lvl="1"/>
-            <a:r>
-              <a:rPr lang="en-US" dirty="0"/>
-              <a:t>bin/ - </a:t>
-            </a:r>
-            <a:r>
-              <a:rPr lang="en-US"/>
-              <a:t>Prebuilt binaries </a:t>
-            </a:r>
-            <a:r>
-              <a:rPr lang="en-US" dirty="0"/>
-              <a:t>(bin/&lt;platform&gt;) -  </a:t>
-            </a:r>
-            <a:r>
-              <a:rPr lang="en-US" u="sng" dirty="0"/>
-              <a:t>not</a:t>
-            </a:r>
-            <a:r>
-              <a:rPr lang="en-US" dirty="0"/>
-              <a:t> guaranteed to match the </a:t>
-            </a:r>
-            <a:r>
-              <a:rPr lang="en-US"/>
-              <a:t>current code!</a:t>
-            </a:r>
-            <a:endParaRPr lang="en-US" dirty="0">
-              <a:latin typeface="+mn-lt"/>
-            </a:endParaRPr>
-          </a:p>
-        </p:txBody>
-      </p:sp>
-      <p:pic>
-        <p:nvPicPr>
-          <p:cNvPr id="3" name="Picture 2"/>
-          <p:cNvPicPr>
-            <a:picLocks noChangeAspect="1"/>
-          </p:cNvPicPr>
-          <p:nvPr/>
-        </p:nvPicPr>
-        <p:blipFill>
-          <a:blip r:embed="rId4" cstate="print">
-            <a:extLst>
-              <a:ext uri="{28A0092B-C50C-407E-A947-70E740481C1C}">
-                <a14:useLocalDpi xmlns:a14="http://schemas.microsoft.com/office/drawing/2010/main"/>
-              </a:ext>
-            </a:extLst>
-          </a:blip>
-          <a:stretch>
-            <a:fillRect/>
-          </a:stretch>
-        </p:blipFill>
-        <p:spPr>
-          <a:xfrm>
-            <a:off x="8211298" y="234676"/>
-            <a:ext cx="702477" cy="702477"/>
-          </a:xfrm>
-          <a:prstGeom prst="rect">
-            <a:avLst/>
-          </a:prstGeom>
-        </p:spPr>
-      </p:pic>
-    </p:spTree>
-    <p:extLst>
-      <p:ext uri="{BB962C8B-B14F-4D97-AF65-F5344CB8AC3E}">
-        <p14:creationId xmlns:p14="http://schemas.microsoft.com/office/powerpoint/2010/main" val="2709004463"/>
-      </p:ext>
-    </p:extLst>
-  </p:cSld>
-  <p:clrMapOvr>
-    <a:masterClrMapping/>
-  </p:clrMapOvr>
-  <p:transition spd="med">
-    <p:wipe dir="r"/>
-  </p:transition>
-</p:sld>
-</file>
-
-<file path=ppt/slides/slide60.xml><?xml version="1.0" encoding="utf-8"?>
+<file path=ppt/slides/slide61.xml><?xml version="1.0" encoding="utf-8"?>
 <p:sld xmlns:a="http://schemas.openxmlformats.org/drawingml/2006/main" xmlns:r="http://schemas.openxmlformats.org/officeDocument/2006/relationships" xmlns:p="http://schemas.openxmlformats.org/presentationml/2006/main" show="0">
   <p:cSld>
     <p:spTree>
@@ -36863,7 +37400,7 @@
 </p:sld>
 </file>
 
-<file path=ppt/slides/slide61.xml><?xml version="1.0" encoding="utf-8"?>
+<file path=ppt/slides/slide62.xml><?xml version="1.0" encoding="utf-8"?>
 <p:sld xmlns:a="http://schemas.openxmlformats.org/drawingml/2006/main" xmlns:r="http://schemas.openxmlformats.org/officeDocument/2006/relationships" xmlns:p="http://schemas.openxmlformats.org/presentationml/2006/main" show="0">
   <p:cSld>
     <p:spTree>
@@ -37359,7 +37896,7 @@
 </p:sld>
 </file>
 
-<file path=ppt/slides/slide62.xml><?xml version="1.0" encoding="utf-8"?>
+<file path=ppt/slides/slide63.xml><?xml version="1.0" encoding="utf-8"?>
 <p:sld xmlns:a="http://schemas.openxmlformats.org/drawingml/2006/main" xmlns:r="http://schemas.openxmlformats.org/officeDocument/2006/relationships" xmlns:p="http://schemas.openxmlformats.org/presentationml/2006/main" show="0">
   <p:cSld>
     <p:spTree>
@@ -37778,7 +38315,7 @@
 </p:sld>
 </file>
 
-<file path=ppt/slides/slide63.xml><?xml version="1.0" encoding="utf-8"?>
+<file path=ppt/slides/slide64.xml><?xml version="1.0" encoding="utf-8"?>
 <p:sld xmlns:a="http://schemas.openxmlformats.org/drawingml/2006/main" xmlns:r="http://schemas.openxmlformats.org/officeDocument/2006/relationships" xmlns:p="http://schemas.openxmlformats.org/presentationml/2006/main" show="0">
   <p:cSld>
     <p:spTree>
@@ -42217,6 +42754,21 @@
 </file>
 
 <file path=customXml/item1.xml><?xml version="1.0" encoding="utf-8"?>
+<p:properties xmlns:p="http://schemas.microsoft.com/office/2006/metadata/properties" xmlns:xsi="http://www.w3.org/2001/XMLSchema-instance">
+  <documentManagement/>
+</p:properties>
+</file>
+
+<file path=customXml/item2.xml><?xml version="1.0" encoding="utf-8"?>
+<?mso-contentType ?>
+<FormTemplates xmlns="http://schemas.microsoft.com/sharepoint/v3/contenttype/forms">
+  <Display>DocumentLibraryForm</Display>
+  <Edit>DocumentLibraryForm</Edit>
+  <New>DocumentLibraryForm</New>
+</FormTemplates>
+</file>
+
+<file path=customXml/item3.xml><?xml version="1.0" encoding="utf-8"?>
 <ct:contentTypeSchema xmlns:ct="http://schemas.microsoft.com/office/2006/metadata/contentType" xmlns:ma="http://schemas.microsoft.com/office/2006/metadata/properties/metaAttributes" ct:_="" ma:_="" ma:contentTypeName="Document" ma:contentTypeID="0x010100EAEEBEE83C66E54EA9BED83B0A9A60DB" ma:contentTypeVersion="1" ma:contentTypeDescription="Create a new document." ma:contentTypeScope="" ma:versionID="51a43b2161297f783d65b37e357c79e9">
   <xsd:schema xmlns:xsd="http://www.w3.org/2001/XMLSchema" xmlns:p="http://schemas.microsoft.com/office/2006/metadata/properties" targetNamespace="http://schemas.microsoft.com/office/2006/metadata/properties" ma:root="true" ma:fieldsID="b9cfef283e0bc2d986a66f9ec0cdc424">
     <xsd:element name="properties">
@@ -42265,37 +42817,7 @@
 </ct:contentTypeSchema>
 </file>
 
-<file path=customXml/item2.xml><?xml version="1.0" encoding="utf-8"?>
-<p:properties xmlns:p="http://schemas.microsoft.com/office/2006/metadata/properties" xmlns:xsi="http://www.w3.org/2001/XMLSchema-instance">
-  <documentManagement/>
-</p:properties>
-</file>
-
-<file path=customXml/item3.xml><?xml version="1.0" encoding="utf-8"?>
-<?mso-contentType ?>
-<FormTemplates xmlns="http://schemas.microsoft.com/sharepoint/v3/contenttype/forms">
-  <Display>DocumentLibraryForm</Display>
-  <Edit>DocumentLibraryForm</Edit>
-  <New>DocumentLibraryForm</New>
-</FormTemplates>
-</file>
-
 <file path=customXml/itemProps1.xml><?xml version="1.0" encoding="utf-8"?>
-<ds:datastoreItem xmlns:ds="http://schemas.openxmlformats.org/officeDocument/2006/customXml" ds:itemID="{A3332CB6-AB82-4DD3-8C89-C660A1C3944B}">
-  <ds:schemaRefs>
-    <ds:schemaRef ds:uri="http://schemas.microsoft.com/office/2006/metadata/contentType"/>
-    <ds:schemaRef ds:uri="http://schemas.microsoft.com/office/2006/metadata/properties/metaAttributes"/>
-    <ds:schemaRef ds:uri="http://www.w3.org/2001/XMLSchema"/>
-    <ds:schemaRef ds:uri="http://schemas.microsoft.com/office/2006/metadata/properties"/>
-    <ds:schemaRef ds:uri="http://schemas.openxmlformats.org/package/2006/metadata/core-properties"/>
-    <ds:schemaRef ds:uri="http://purl.org/dc/elements/1.1/"/>
-    <ds:schemaRef ds:uri="http://purl.org/dc/terms/"/>
-    <ds:schemaRef ds:uri="http://schemas.microsoft.com/office/internal/2005/internalDocumentation"/>
-  </ds:schemaRefs>
-</ds:datastoreItem>
-</file>
-
-<file path=customXml/itemProps2.xml><?xml version="1.0" encoding="utf-8"?>
 <ds:datastoreItem xmlns:ds="http://schemas.openxmlformats.org/officeDocument/2006/customXml" ds:itemID="{0873BDD3-AA35-4F19-A12A-C6462BECFBD1}">
   <ds:schemaRefs>
     <ds:schemaRef ds:uri="http://purl.org/dc/terms/"/>
@@ -42309,10 +42831,25 @@
 </ds:datastoreItem>
 </file>
 
-<file path=customXml/itemProps3.xml><?xml version="1.0" encoding="utf-8"?>
+<file path=customXml/itemProps2.xml><?xml version="1.0" encoding="utf-8"?>
 <ds:datastoreItem xmlns:ds="http://schemas.openxmlformats.org/officeDocument/2006/customXml" ds:itemID="{86FC490B-1F77-48C5-AC70-1DD939DBDF04}">
   <ds:schemaRefs>
     <ds:schemaRef ds:uri="http://schemas.microsoft.com/sharepoint/v3/contenttype/forms"/>
   </ds:schemaRefs>
 </ds:datastoreItem>
+</file>
+
+<file path=customXml/itemProps3.xml><?xml version="1.0" encoding="utf-8"?>
+<ds:datastoreItem xmlns:ds="http://schemas.openxmlformats.org/officeDocument/2006/customXml" ds:itemID="{A3332CB6-AB82-4DD3-8C89-C660A1C3944B}">
+  <ds:schemaRefs>
+    <ds:schemaRef ds:uri="http://schemas.microsoft.com/office/2006/metadata/contentType"/>
+    <ds:schemaRef ds:uri="http://schemas.microsoft.com/office/2006/metadata/properties/metaAttributes"/>
+    <ds:schemaRef ds:uri="http://www.w3.org/2001/XMLSchema"/>
+    <ds:schemaRef ds:uri="http://schemas.microsoft.com/office/2006/metadata/properties"/>
+    <ds:schemaRef ds:uri="http://schemas.openxmlformats.org/package/2006/metadata/core-properties"/>
+    <ds:schemaRef ds:uri="http://purl.org/dc/elements/1.1/"/>
+    <ds:schemaRef ds:uri="http://purl.org/dc/terms/"/>
+    <ds:schemaRef ds:uri="http://schemas.microsoft.com/office/internal/2005/internalDocumentation"/>
+  </ds:schemaRefs>
+</ds:datastoreItem>
 </file>
--- a/doc/pwalk_slides.pptx
+++ b/doc/pwalk_slides.pptx
@@ -1129,15 +1129,7 @@
             </a:r>
             <a:r>
               <a:rPr lang="en-US" dirty="0"/>
-              <a:t>, it must be specified </a:t>
-            </a:r>
-            <a:r>
-              <a:rPr lang="en-US" dirty="0" err="1"/>
-              <a:t>explicity</a:t>
-            </a:r>
-            <a:r>
-              <a:rPr lang="en-US" dirty="0"/>
-              <a:t> </a:t>
+              <a:t>, it must be specified explicitly </a:t>
             </a:r>
             <a:r>
               <a:rPr lang="en-US" u="sng" dirty="0"/>
@@ -1179,7 +1171,7 @@
           <a:p>
             <a:r>
               <a:rPr lang="en-US" baseline="0" dirty="0"/>
-              <a:t>[4] For selection options using a &lt;</a:t>
+              <a:t>[4] For timestamp-related selection options using a &lt;</a:t>
             </a:r>
             <a:r>
               <a:rPr lang="en-US" baseline="0" dirty="0" err="1"/>
@@ -1203,7 +1195,7 @@
             </a:r>
             <a:r>
               <a:rPr lang="en-US" dirty="0" err="1"/>
-              <a:t>reftime</a:t>
+              <a:t>ref_time</a:t>
             </a:r>
             <a:r>
               <a:rPr lang="en-US" dirty="0"/>
@@ -1259,8 +1251,84 @@
             </a:r>
             <a:r>
               <a:rPr lang="en-US" dirty="0"/>
-              <a:t> in cases such as the Linux NFS client – so BEWARE</a:t>
-            </a:r>
+              <a:t> in cases such as with the Linux NFS client – so BEWARE</a:t>
+            </a:r>
+          </a:p>
+          <a:p>
+            <a:r>
+              <a:rPr lang="en-US" dirty="0"/>
+              <a:t> [6] Extended regular expressions are supported ...</a:t>
+            </a:r>
+          </a:p>
+          <a:p>
+            <a:r>
+              <a:rPr lang="en-US" dirty="0"/>
+              <a:t>	- beware that since ‘.’ means ‘any character’ and ‘\’ is the shell quote character, “\\.” must be used  to match it</a:t>
+            </a:r>
+          </a:p>
+          <a:p>
+            <a:r>
+              <a:rPr lang="en-US" dirty="0"/>
+              <a:t>	- beware that since ‘$’ is used by shell programs to reference shell variable, you may need to quote it “\$”</a:t>
+            </a:r>
+          </a:p>
+          <a:p>
+            <a:r>
+              <a:rPr lang="en-US" dirty="0"/>
+              <a:t>	- regex evaluations are always case-insensitive</a:t>
+            </a:r>
+          </a:p>
+          <a:p>
+            <a:r>
+              <a:rPr lang="en-US" dirty="0"/>
+              <a:t>	- EXAMPLE: -</a:t>
+            </a:r>
+            <a:r>
+              <a:rPr lang="en-US" dirty="0" err="1"/>
+              <a:t>select_regex</a:t>
+            </a:r>
+            <a:r>
+              <a:rPr lang="en-US" dirty="0"/>
+              <a:t>=“\\.(</a:t>
+            </a:r>
+            <a:r>
+              <a:rPr lang="en-US" dirty="0" err="1"/>
+              <a:t>pptx|docx|dat</a:t>
+            </a:r>
+            <a:r>
+              <a:rPr lang="en-US" dirty="0"/>
+              <a:t>)\$” ... selects only files of the designated file types</a:t>
+            </a:r>
+          </a:p>
+          <a:p>
+            <a:r>
+              <a:rPr lang="en-US" dirty="0"/>
+              <a:t>	- SUGGESTION: use e.g. ‘echo -</a:t>
+            </a:r>
+            <a:r>
+              <a:rPr lang="en-US" dirty="0" err="1"/>
+              <a:t>select_regex</a:t>
+            </a:r>
+            <a:r>
+              <a:rPr lang="en-US" dirty="0"/>
+              <a:t>=“\\.(</a:t>
+            </a:r>
+            <a:r>
+              <a:rPr lang="en-US" dirty="0" err="1"/>
+              <a:t>pptx|docx|dat</a:t>
+            </a:r>
+            <a:r>
+              <a:rPr lang="en-US" dirty="0"/>
+              <a:t>)\$’  to check argument syntax </a:t>
+            </a:r>
+            <a:r>
+              <a:rPr lang="en-US"/>
+              <a:t>creates correct results</a:t>
+            </a:r>
+            <a:endParaRPr lang="en-US" dirty="0"/>
+          </a:p>
+          <a:p>
+            <a:endParaRPr lang="en-US" dirty="0"/>
           </a:p>
           <a:p>
             <a:endParaRPr lang="en-US" baseline="0" dirty="0"/>
@@ -12603,7 +12671,7 @@
                   <a:schemeClr val="bg1"/>
                 </a:buClr>
               </a:pPr>
-              <a:t>5/4/20</a:t>
+              <a:t>7/24/20</a:t>
             </a:fld>
             <a:endParaRPr lang="en-US" sz="900" dirty="0">
               <a:solidFill>
@@ -12677,7 +12745,7 @@
                   <a:schemeClr val="bg1"/>
                 </a:buClr>
               </a:pPr>
-              <a:t>5/4/20</a:t>
+              <a:t>7/24/20</a:t>
             </a:fld>
             <a:endParaRPr lang="en-US" sz="900" dirty="0">
               <a:solidFill>
@@ -13531,7 +13599,7 @@
                   <a:srgbClr val="FFFFFF"/>
                 </a:solidFill>
               </a:rPr>
-              <a:t>Version 2.09 – January, 2020</a:t>
+              <a:t>Version 2.10 – July, 2020</a:t>
             </a:r>
             <a:endParaRPr lang="en-US" dirty="0"/>
           </a:p>
@@ -13575,7 +13643,23 @@
                   <a:schemeClr val="tx2"/>
                 </a:solidFill>
               </a:rPr>
-              <a:t>Isilon Corporate Advisory Engineer</a:t>
+              <a:t>Corporate Advisory Engineer (</a:t>
+            </a:r>
+            <a:r>
+              <a:rPr lang="en-US" sz="1200" dirty="0" err="1">
+                <a:solidFill>
+                  <a:schemeClr val="tx2"/>
+                </a:solidFill>
+              </a:rPr>
+              <a:t>PowerScale</a:t>
+            </a:r>
+            <a:r>
+              <a:rPr lang="en-US" sz="1200" dirty="0">
+                <a:solidFill>
+                  <a:schemeClr val="tx2"/>
+                </a:solidFill>
+              </a:rPr>
+              <a:t>)</a:t>
             </a:r>
           </a:p>
           <a:p>
@@ -15017,29 +15101,30 @@
               <a:buNone/>
             </a:pPr>
             <a:r>
-              <a:rPr lang="en-US" sz="1200" dirty="0"/>
-              <a:t>-select=</a:t>
-            </a:r>
-            <a:r>
-              <a:rPr lang="en-US" sz="1200" dirty="0" err="1"/>
-              <a:t>lfn</a:t>
-            </a:r>
-            <a:r>
-              <a:rPr lang="en-US" sz="1200" baseline="30000" dirty="0"/>
-              <a:t> </a:t>
-            </a:r>
-            <a:r>
-              <a:rPr lang="en-US" sz="1200" dirty="0"/>
-              <a:t>		// Select files with &gt; 255 bytes (&lt;MAXFILE&gt;</a:t>
-            </a:r>
-            <a:r>
-              <a:rPr lang="en-US" sz="1200" baseline="30000" dirty="0"/>
-              <a:t> [3]</a:t>
-            </a:r>
-            <a:r>
-              <a:rPr lang="en-US" sz="1200" dirty="0"/>
-              <a:t>) in their names</a:t>
-            </a:r>
+              <a:rPr lang="en-US" sz="1200" dirty="0">
+                <a:solidFill>
+                  <a:srgbClr val="FF0000"/>
+                </a:solidFill>
+              </a:rPr>
+              <a:t>-select=fake		// Select files with persisted IDs in the </a:t>
+            </a:r>
+            <a:r>
+              <a:rPr lang="en-US" sz="1200" dirty="0" err="1">
+                <a:solidFill>
+                  <a:srgbClr val="FF0000"/>
+                </a:solidFill>
+              </a:rPr>
+              <a:t>OneFS</a:t>
+            </a:r>
+            <a:r>
+              <a:rPr lang="en-US" sz="1200" dirty="0">
+                <a:solidFill>
+                  <a:srgbClr val="FF0000"/>
+                </a:solidFill>
+              </a:rPr>
+              <a:t> ‘fake’ range [DEVELOPMENTAL</a:t>
+            </a:r>
+            <a:endParaRPr lang="en-US" sz="1200" dirty="0"/>
           </a:p>
           <a:p>
             <a:pPr marL="341312" lvl="1" indent="0">
@@ -15050,55 +15135,27 @@
             </a:pPr>
             <a:r>
               <a:rPr lang="en-US" sz="1200" dirty="0"/>
-              <a:t>-[not]since=&lt;</a:t>
+              <a:t>-select=</a:t>
             </a:r>
             <a:r>
               <a:rPr lang="en-US" sz="1200" dirty="0" err="1"/>
-              <a:t>ref_time</a:t>
+              <a:t>lfn</a:t>
+            </a:r>
+            <a:r>
+              <a:rPr lang="en-US" sz="1200" baseline="30000" dirty="0"/>
+              <a:t> </a:t>
             </a:r>
             <a:r>
               <a:rPr lang="en-US" sz="1200" dirty="0"/>
-              <a:t>&gt;</a:t>
+              <a:t>		// Select files with &gt; 255 bytes (&lt;MAXFILE&gt;</a:t>
             </a:r>
             <a:r>
               <a:rPr lang="en-US" sz="1200" baseline="30000" dirty="0"/>
-              <a:t>[4] </a:t>
+              <a:t> [3]</a:t>
             </a:r>
             <a:r>
               <a:rPr lang="en-US" sz="1200" dirty="0"/>
-              <a:t>	// Select files with (</a:t>
-            </a:r>
-            <a:r>
-              <a:rPr lang="en-US" sz="1200" dirty="0" err="1"/>
-              <a:t>mtime</a:t>
-            </a:r>
-            <a:r>
-              <a:rPr lang="en-US" sz="1200" dirty="0"/>
-              <a:t> or </a:t>
-            </a:r>
-            <a:r>
-              <a:rPr lang="en-US" sz="1200" dirty="0" err="1"/>
-              <a:t>ctime</a:t>
-            </a:r>
-            <a:r>
-              <a:rPr lang="en-US" sz="1200" dirty="0"/>
-              <a:t> &gt; </a:t>
-            </a:r>
-            <a:r>
-              <a:rPr lang="en-US" sz="1200" dirty="0" err="1"/>
-              <a:t>mtime</a:t>
-            </a:r>
-            <a:r>
-              <a:rPr lang="en-US" sz="1200" dirty="0"/>
-              <a:t>(&lt;</a:t>
-            </a:r>
-            <a:r>
-              <a:rPr lang="en-US" sz="1200" dirty="0" err="1"/>
-              <a:t>ref_time</a:t>
-            </a:r>
-            <a:r>
-              <a:rPr lang="en-US" sz="1200" dirty="0"/>
-              <a:t>&gt;))</a:t>
+              <a:t>) in their names</a:t>
             </a:r>
           </a:p>
           <a:p>
@@ -15110,47 +15167,23 @@
             </a:pPr>
             <a:r>
               <a:rPr lang="en-US" sz="1200" dirty="0"/>
-              <a:t>-[not]</a:t>
+              <a:t>-</a:t>
             </a:r>
             <a:r>
               <a:rPr lang="en-US" sz="1200" dirty="0" err="1"/>
-              <a:t>since_atime</a:t>
+              <a:t>select_regex</a:t>
             </a:r>
             <a:r>
               <a:rPr lang="en-US" sz="1200" dirty="0"/>
-              <a:t>=&lt;</a:t>
-            </a:r>
-            <a:r>
-              <a:rPr lang="en-US" sz="1200" dirty="0" err="1"/>
-              <a:t>ref_time</a:t>
+              <a:t>=&lt;regex&gt;</a:t>
+            </a:r>
+            <a:r>
+              <a:rPr lang="en-US" sz="1200" baseline="30000" dirty="0"/>
+              <a:t>[6]</a:t>
             </a:r>
             <a:r>
               <a:rPr lang="en-US" sz="1200" dirty="0"/>
-              <a:t>&gt;	// Select files with (</a:t>
-            </a:r>
-            <a:r>
-              <a:rPr lang="en-US" sz="1200" dirty="0" err="1"/>
-              <a:t>atime</a:t>
-            </a:r>
-            <a:r>
-              <a:rPr lang="en-US" sz="1200" dirty="0"/>
-              <a:t> &gt; </a:t>
-            </a:r>
-            <a:r>
-              <a:rPr lang="en-US" sz="1200" dirty="0" err="1"/>
-              <a:t>atime</a:t>
-            </a:r>
-            <a:r>
-              <a:rPr lang="en-US" sz="1200" dirty="0"/>
-              <a:t>(&lt;</a:t>
-            </a:r>
-            <a:r>
-              <a:rPr lang="en-US" sz="1200" dirty="0" err="1"/>
-              <a:t>ref_time</a:t>
-            </a:r>
-            <a:r>
-              <a:rPr lang="en-US" sz="1200" dirty="0"/>
-              <a:t>&gt;))</a:t>
+              <a:t>	// Select files with names matching &lt;regex&gt; (case-insensitive, extended)</a:t>
             </a:r>
           </a:p>
           <a:p>
@@ -15162,15 +15195,7 @@
             </a:pPr>
             <a:r>
               <a:rPr lang="en-US" sz="1200" dirty="0"/>
-              <a:t>-[not]</a:t>
-            </a:r>
-            <a:r>
-              <a:rPr lang="en-US" sz="1200" dirty="0" err="1"/>
-              <a:t>since_mtime</a:t>
-            </a:r>
-            <a:r>
-              <a:rPr lang="en-US" sz="1200" dirty="0"/>
-              <a:t>=&lt;</a:t>
+              <a:t>-[not]since=&lt;</a:t>
             </a:r>
             <a:r>
               <a:rPr lang="en-US" sz="1200" dirty="0" err="1"/>
@@ -15178,11 +15203,27 @@
             </a:r>
             <a:r>
               <a:rPr lang="en-US" sz="1200" dirty="0"/>
-              <a:t>&gt;	// Select files with (</a:t>
+              <a:t>&gt;</a:t>
+            </a:r>
+            <a:r>
+              <a:rPr lang="en-US" sz="1200" baseline="30000" dirty="0"/>
+              <a:t>[4] </a:t>
+            </a:r>
+            <a:r>
+              <a:rPr lang="en-US" sz="1200" dirty="0"/>
+              <a:t>	// Select files with (</a:t>
             </a:r>
             <a:r>
               <a:rPr lang="en-US" sz="1200" dirty="0" err="1"/>
               <a:t>mtime</a:t>
+            </a:r>
+            <a:r>
+              <a:rPr lang="en-US" sz="1200" dirty="0"/>
+              <a:t> or </a:t>
+            </a:r>
+            <a:r>
+              <a:rPr lang="en-US" sz="1200" dirty="0" err="1"/>
+              <a:t>ctime</a:t>
             </a:r>
             <a:r>
               <a:rPr lang="en-US" sz="1200" dirty="0"/>
@@ -15218,7 +15259,7 @@
             </a:r>
             <a:r>
               <a:rPr lang="en-US" sz="1200" dirty="0" err="1"/>
-              <a:t>since_ctime</a:t>
+              <a:t>since_atime</a:t>
             </a:r>
             <a:r>
               <a:rPr lang="en-US" sz="1200" dirty="0"/>
@@ -15234,7 +15275,7 @@
             </a:r>
             <a:r>
               <a:rPr lang="en-US" sz="1200" dirty="0" err="1"/>
-              <a:t>ctime</a:t>
+              <a:t>atime</a:t>
             </a:r>
             <a:r>
               <a:rPr lang="en-US" sz="1200" dirty="0"/>
@@ -15242,7 +15283,7 @@
             </a:r>
             <a:r>
               <a:rPr lang="en-US" sz="1200" dirty="0" err="1"/>
-              <a:t>ctime</a:t>
+              <a:t>atime</a:t>
             </a:r>
             <a:r>
               <a:rPr lang="en-US" sz="1200" dirty="0"/>
@@ -15270,7 +15311,7 @@
             </a:r>
             <a:r>
               <a:rPr lang="en-US" sz="1200" dirty="0" err="1"/>
-              <a:t>since_birth</a:t>
+              <a:t>since_mtime</a:t>
             </a:r>
             <a:r>
               <a:rPr lang="en-US" sz="1200" dirty="0"/>
@@ -15282,11 +15323,19 @@
             </a:r>
             <a:r>
               <a:rPr lang="en-US" sz="1200" dirty="0"/>
-              <a:t>&gt;	// Select files with (birthtime &gt; birthtime</a:t>
-            </a:r>
-            <a:r>
-              <a:rPr lang="en-US" sz="1200" baseline="30000" dirty="0"/>
-              <a:t> [5] </a:t>
+              <a:t>&gt;	// Select files with (</a:t>
+            </a:r>
+            <a:r>
+              <a:rPr lang="en-US" sz="1200" dirty="0" err="1"/>
+              <a:t>mtime</a:t>
+            </a:r>
+            <a:r>
+              <a:rPr lang="en-US" sz="1200" dirty="0"/>
+              <a:t> &gt; </a:t>
+            </a:r>
+            <a:r>
+              <a:rPr lang="en-US" sz="1200" dirty="0" err="1"/>
+              <a:t>mtime</a:t>
             </a:r>
             <a:r>
               <a:rPr lang="en-US" sz="1200" dirty="0"/>
@@ -15309,69 +15358,48 @@
               <a:buNone/>
             </a:pPr>
             <a:r>
-              <a:rPr lang="en-US" sz="1200" dirty="0">
-                <a:solidFill>
-                  <a:srgbClr val="FF0000"/>
-                </a:solidFill>
-              </a:rPr>
-              <a:t>-select=fake          </a:t>
-            </a:r>
-            <a:r>
-              <a:rPr lang="en-US" sz="1200" dirty="0">
-                <a:solidFill>
-                  <a:srgbClr val="FF0000"/>
-                </a:solidFill>
-                <a:highlight>
-                  <a:srgbClr val="FFFF00"/>
-                </a:highlight>
-              </a:rPr>
-              <a:t>(</a:t>
-            </a:r>
-            <a:r>
-              <a:rPr lang="en-US" sz="1200" dirty="0" err="1">
-                <a:solidFill>
-                  <a:srgbClr val="FF0000"/>
-                </a:solidFill>
-                <a:highlight>
-                  <a:srgbClr val="FFFF00"/>
-                </a:highlight>
-              </a:rPr>
-              <a:t>OneFS</a:t>
-            </a:r>
-            <a:r>
-              <a:rPr lang="en-US" sz="1200" dirty="0">
-                <a:solidFill>
-                  <a:srgbClr val="FF0000"/>
-                </a:solidFill>
-                <a:highlight>
-                  <a:srgbClr val="FFFF00"/>
-                </a:highlight>
-              </a:rPr>
-              <a:t> only)</a:t>
-            </a:r>
-            <a:r>
-              <a:rPr lang="en-US" sz="1200" dirty="0">
-                <a:solidFill>
-                  <a:srgbClr val="FF0000"/>
-                </a:solidFill>
-              </a:rPr>
-              <a:t>	// select only files with persisted IDs in the </a:t>
-            </a:r>
-            <a:r>
-              <a:rPr lang="en-US" sz="1200" dirty="0" err="1">
-                <a:solidFill>
-                  <a:srgbClr val="FF0000"/>
-                </a:solidFill>
-              </a:rPr>
-              <a:t>OneFS</a:t>
-            </a:r>
-            <a:r>
-              <a:rPr lang="en-US" sz="1200" dirty="0">
-                <a:solidFill>
-                  <a:srgbClr val="FF0000"/>
-                </a:solidFill>
-              </a:rPr>
-              <a:t> ‘fake’ range [DEVELOPMENTAL]</a:t>
+              <a:rPr lang="en-US" sz="1200" dirty="0"/>
+              <a:t>-[not]</a:t>
+            </a:r>
+            <a:r>
+              <a:rPr lang="en-US" sz="1200" dirty="0" err="1"/>
+              <a:t>since_ctime</a:t>
+            </a:r>
+            <a:r>
+              <a:rPr lang="en-US" sz="1200" dirty="0"/>
+              <a:t>=&lt;</a:t>
+            </a:r>
+            <a:r>
+              <a:rPr lang="en-US" sz="1200" dirty="0" err="1"/>
+              <a:t>ref_time</a:t>
+            </a:r>
+            <a:r>
+              <a:rPr lang="en-US" sz="1200" dirty="0"/>
+              <a:t>&gt;	// Select files with (</a:t>
+            </a:r>
+            <a:r>
+              <a:rPr lang="en-US" sz="1200" dirty="0" err="1"/>
+              <a:t>ctime</a:t>
+            </a:r>
+            <a:r>
+              <a:rPr lang="en-US" sz="1200" dirty="0"/>
+              <a:t> &gt; </a:t>
+            </a:r>
+            <a:r>
+              <a:rPr lang="en-US" sz="1200" dirty="0" err="1"/>
+              <a:t>ctime</a:t>
+            </a:r>
+            <a:r>
+              <a:rPr lang="en-US" sz="1200" dirty="0"/>
+              <a:t>(&lt;</a:t>
+            </a:r>
+            <a:r>
+              <a:rPr lang="en-US" sz="1200" dirty="0" err="1"/>
+              <a:t>ref_time</a:t>
+            </a:r>
+            <a:r>
+              <a:rPr lang="en-US" sz="1200" dirty="0"/>
+              <a:t>&gt;))</a:t>
             </a:r>
           </a:p>
           <a:p>
@@ -15383,6 +15411,58 @@
             </a:pPr>
             <a:r>
               <a:rPr lang="en-US" sz="1200" dirty="0"/>
+              <a:t>-[not]</a:t>
+            </a:r>
+            <a:r>
+              <a:rPr lang="en-US" sz="1200" dirty="0" err="1"/>
+              <a:t>since_birth</a:t>
+            </a:r>
+            <a:r>
+              <a:rPr lang="en-US" sz="1200" dirty="0"/>
+              <a:t>=&lt;</a:t>
+            </a:r>
+            <a:r>
+              <a:rPr lang="en-US" sz="1200" dirty="0" err="1"/>
+              <a:t>ref_time</a:t>
+            </a:r>
+            <a:r>
+              <a:rPr lang="en-US" sz="1200" dirty="0"/>
+              <a:t>&gt;	// Select files with (birthtime &gt; birthtime</a:t>
+            </a:r>
+            <a:r>
+              <a:rPr lang="en-US" sz="1200" baseline="30000" dirty="0"/>
+              <a:t> [5] </a:t>
+            </a:r>
+            <a:r>
+              <a:rPr lang="en-US" sz="1200" dirty="0"/>
+              <a:t>(&lt;</a:t>
+            </a:r>
+            <a:r>
+              <a:rPr lang="en-US" sz="1200" dirty="0" err="1"/>
+              <a:t>ref_time</a:t>
+            </a:r>
+            <a:r>
+              <a:rPr lang="en-US" sz="1200" dirty="0"/>
+              <a:t>&gt;))</a:t>
+            </a:r>
+            <a:r>
+              <a:rPr lang="en-US" sz="1200" dirty="0">
+                <a:solidFill>
+                  <a:srgbClr val="FF0000"/>
+                </a:solidFill>
+              </a:rPr>
+              <a:t>]</a:t>
+            </a:r>
+          </a:p>
+          <a:p>
+            <a:pPr marL="341312" lvl="1" indent="0">
+              <a:spcBef>
+                <a:spcPts val="200"/>
+              </a:spcBef>
+              <a:buNone/>
+            </a:pPr>
+            <a:r>
+              <a:rPr lang="en-US" sz="1200" dirty="0"/>
               <a:t>-select=[no]stubs   </a:t>
             </a:r>
             <a:r>
@@ -15411,7 +15491,7 @@
             </a:r>
             <a:r>
               <a:rPr lang="en-US" sz="1200" dirty="0"/>
-              <a:t>	// select only files which are -- or are not -- stubbed</a:t>
+              <a:t>	// Select files which are (or are not) stubbed</a:t>
             </a:r>
             <a:endParaRPr lang="en-US" sz="1200" dirty="0">
               <a:solidFill>
@@ -23227,7 +23307,7 @@
           <a:graphicData uri="http://schemas.openxmlformats.org/presentationml/2006/ole">
             <mc:AlternateContent xmlns:mc="http://schemas.openxmlformats.org/markup-compatibility/2006">
               <mc:Choice xmlns:v="urn:schemas-microsoft-com:vml" Requires="v">
-                <p:oleObj spid="_x0000_s2249" name="Worksheet" r:id="rId5" imgW="11417300" imgH="5791200" progId="Excel.Sheet.12">
+                <p:oleObj spid="_x0000_s2251" name="Worksheet" r:id="rId5" imgW="11417300" imgH="5791200" progId="Excel.Sheet.12">
                   <p:embed/>
                 </p:oleObj>
               </mc:Choice>
@@ -42754,12 +42834,6 @@
 </file>
 
 <file path=customXml/item1.xml><?xml version="1.0" encoding="utf-8"?>
-<p:properties xmlns:p="http://schemas.microsoft.com/office/2006/metadata/properties" xmlns:xsi="http://www.w3.org/2001/XMLSchema-instance">
-  <documentManagement/>
-</p:properties>
-</file>
-
-<file path=customXml/item2.xml><?xml version="1.0" encoding="utf-8"?>
 <?mso-contentType ?>
 <FormTemplates xmlns="http://schemas.microsoft.com/sharepoint/v3/contenttype/forms">
   <Display>DocumentLibraryForm</Display>
@@ -42768,7 +42842,7 @@
 </FormTemplates>
 </file>
 
-<file path=customXml/item3.xml><?xml version="1.0" encoding="utf-8"?>
+<file path=customXml/item2.xml><?xml version="1.0" encoding="utf-8"?>
 <ct:contentTypeSchema xmlns:ct="http://schemas.microsoft.com/office/2006/metadata/contentType" xmlns:ma="http://schemas.microsoft.com/office/2006/metadata/properties/metaAttributes" ct:_="" ma:_="" ma:contentTypeName="Document" ma:contentTypeID="0x010100EAEEBEE83C66E54EA9BED83B0A9A60DB" ma:contentTypeVersion="1" ma:contentTypeDescription="Create a new document." ma:contentTypeScope="" ma:versionID="51a43b2161297f783d65b37e357c79e9">
   <xsd:schema xmlns:xsd="http://www.w3.org/2001/XMLSchema" xmlns:p="http://schemas.microsoft.com/office/2006/metadata/properties" targetNamespace="http://schemas.microsoft.com/office/2006/metadata/properties" ma:root="true" ma:fieldsID="b9cfef283e0bc2d986a66f9ec0cdc424">
     <xsd:element name="properties">
@@ -42817,21 +42891,13 @@
 </ct:contentTypeSchema>
 </file>
 
-<file path=customXml/itemProps1.xml><?xml version="1.0" encoding="utf-8"?>
-<ds:datastoreItem xmlns:ds="http://schemas.openxmlformats.org/officeDocument/2006/customXml" ds:itemID="{0873BDD3-AA35-4F19-A12A-C6462BECFBD1}">
-  <ds:schemaRefs>
-    <ds:schemaRef ds:uri="http://purl.org/dc/terms/"/>
-    <ds:schemaRef ds:uri="http://purl.org/dc/elements/1.1/"/>
-    <ds:schemaRef ds:uri="http://schemas.openxmlformats.org/package/2006/metadata/core-properties"/>
-    <ds:schemaRef ds:uri="http://schemas.microsoft.com/office/2006/metadata/properties"/>
-    <ds:schemaRef ds:uri="http://www.w3.org/XML/1998/namespace"/>
-    <ds:schemaRef ds:uri="http://schemas.microsoft.com/office/2006/documentManagement/types"/>
-    <ds:schemaRef ds:uri="http://purl.org/dc/dcmitype/"/>
-  </ds:schemaRefs>
-</ds:datastoreItem>
+<file path=customXml/item3.xml><?xml version="1.0" encoding="utf-8"?>
+<p:properties xmlns:p="http://schemas.microsoft.com/office/2006/metadata/properties" xmlns:xsi="http://www.w3.org/2001/XMLSchema-instance">
+  <documentManagement/>
+</p:properties>
 </file>
 
-<file path=customXml/itemProps2.xml><?xml version="1.0" encoding="utf-8"?>
+<file path=customXml/itemProps1.xml><?xml version="1.0" encoding="utf-8"?>
 <ds:datastoreItem xmlns:ds="http://schemas.openxmlformats.org/officeDocument/2006/customXml" ds:itemID="{86FC490B-1F77-48C5-AC70-1DD939DBDF04}">
   <ds:schemaRefs>
     <ds:schemaRef ds:uri="http://schemas.microsoft.com/sharepoint/v3/contenttype/forms"/>
@@ -42839,7 +42905,7 @@
 </ds:datastoreItem>
 </file>
 
-<file path=customXml/itemProps3.xml><?xml version="1.0" encoding="utf-8"?>
+<file path=customXml/itemProps2.xml><?xml version="1.0" encoding="utf-8"?>
 <ds:datastoreItem xmlns:ds="http://schemas.openxmlformats.org/officeDocument/2006/customXml" ds:itemID="{A3332CB6-AB82-4DD3-8C89-C660A1C3944B}">
   <ds:schemaRefs>
     <ds:schemaRef ds:uri="http://schemas.microsoft.com/office/2006/metadata/contentType"/>
@@ -42852,4 +42918,18 @@
     <ds:schemaRef ds:uri="http://schemas.microsoft.com/office/internal/2005/internalDocumentation"/>
   </ds:schemaRefs>
 </ds:datastoreItem>
+</file>
+
+<file path=customXml/itemProps3.xml><?xml version="1.0" encoding="utf-8"?>
+<ds:datastoreItem xmlns:ds="http://schemas.openxmlformats.org/officeDocument/2006/customXml" ds:itemID="{0873BDD3-AA35-4F19-A12A-C6462BECFBD1}">
+  <ds:schemaRefs>
+    <ds:schemaRef ds:uri="http://purl.org/dc/terms/"/>
+    <ds:schemaRef ds:uri="http://purl.org/dc/elements/1.1/"/>
+    <ds:schemaRef ds:uri="http://schemas.openxmlformats.org/package/2006/metadata/core-properties"/>
+    <ds:schemaRef ds:uri="http://schemas.microsoft.com/office/2006/metadata/properties"/>
+    <ds:schemaRef ds:uri="http://www.w3.org/XML/1998/namespace"/>
+    <ds:schemaRef ds:uri="http://schemas.microsoft.com/office/2006/documentManagement/types"/>
+    <ds:schemaRef ds:uri="http://purl.org/dc/dcmitype/"/>
+  </ds:schemaRefs>
+</ds:datastoreItem>
 </file>